--- a/issueImages/web context loading process.pptx
+++ b/issueImages/web context loading process.pptx
@@ -4,11 +4,18 @@
   <p:sldMasterIdLst>
     <p:sldMasterId id="2147483648" r:id="rId1"/>
   </p:sldMasterIdLst>
+  <p:notesMasterIdLst>
+    <p:notesMasterId r:id="rId8"/>
+  </p:notesMasterIdLst>
   <p:sldIdLst>
-    <p:sldId id="256" r:id="rId2"/>
-    <p:sldId id="257" r:id="rId3"/>
+    <p:sldId id="260" r:id="rId2"/>
+    <p:sldId id="259" r:id="rId3"/>
+    <p:sldId id="261" r:id="rId4"/>
+    <p:sldId id="262" r:id="rId5"/>
+    <p:sldId id="258" r:id="rId6"/>
+    <p:sldId id="257" r:id="rId7"/>
   </p:sldIdLst>
-  <p:sldSz cx="9144000" cy="6858000" type="screen4x3"/>
+  <p:sldSz cx="9144000" cy="5143500" type="screen16x9"/>
   <p:notesSz cx="6858000" cy="9144000"/>
   <p:defaultTextStyle>
     <a:defPPr>
@@ -108,6 +115,815 @@
 </p:presentation>
 </file>
 
+<file path=ppt/notesMasters/notesMaster1.xml><?xml version="1.0" encoding="utf-8"?>
+<p:notesMaster xmlns:a="http://schemas.openxmlformats.org/drawingml/2006/main" xmlns:r="http://schemas.openxmlformats.org/officeDocument/2006/relationships" xmlns:p="http://schemas.openxmlformats.org/presentationml/2006/main">
+  <p:cSld>
+    <p:bg>
+      <p:bgRef idx="1001">
+        <a:schemeClr val="bg1"/>
+      </p:bgRef>
+    </p:bg>
+    <p:spTree>
+      <p:nvGrpSpPr>
+        <p:cNvPr id="1" name=""/>
+        <p:cNvGrpSpPr/>
+        <p:nvPr/>
+      </p:nvGrpSpPr>
+      <p:grpSpPr>
+        <a:xfrm>
+          <a:off x="0" y="0"/>
+          <a:ext cx="0" cy="0"/>
+          <a:chOff x="0" y="0"/>
+          <a:chExt cx="0" cy="0"/>
+        </a:xfrm>
+      </p:grpSpPr>
+      <p:sp>
+        <p:nvSpPr>
+          <p:cNvPr id="2" name="页眉占位符 1"/>
+          <p:cNvSpPr>
+            <a:spLocks noGrp="1"/>
+          </p:cNvSpPr>
+          <p:nvPr>
+            <p:ph type="hdr" sz="quarter"/>
+          </p:nvPr>
+        </p:nvSpPr>
+        <p:spPr>
+          <a:xfrm>
+            <a:off x="0" y="0"/>
+            <a:ext cx="2971800" cy="457200"/>
+          </a:xfrm>
+          <a:prstGeom prst="rect">
+            <a:avLst/>
+          </a:prstGeom>
+        </p:spPr>
+        <p:txBody>
+          <a:bodyPr vert="horz" lIns="91440" tIns="45720" rIns="91440" bIns="45720" rtlCol="0"/>
+          <a:lstStyle>
+            <a:lvl1pPr algn="l">
+              <a:defRPr sz="1200"/>
+            </a:lvl1pPr>
+          </a:lstStyle>
+          <a:p>
+            <a:endParaRPr lang="zh-CN" altLang="en-US"/>
+          </a:p>
+        </p:txBody>
+      </p:sp>
+      <p:sp>
+        <p:nvSpPr>
+          <p:cNvPr id="3" name="日期占位符 2"/>
+          <p:cNvSpPr>
+            <a:spLocks noGrp="1"/>
+          </p:cNvSpPr>
+          <p:nvPr>
+            <p:ph type="dt" idx="1"/>
+          </p:nvPr>
+        </p:nvSpPr>
+        <p:spPr>
+          <a:xfrm>
+            <a:off x="3884613" y="0"/>
+            <a:ext cx="2971800" cy="457200"/>
+          </a:xfrm>
+          <a:prstGeom prst="rect">
+            <a:avLst/>
+          </a:prstGeom>
+        </p:spPr>
+        <p:txBody>
+          <a:bodyPr vert="horz" lIns="91440" tIns="45720" rIns="91440" bIns="45720" rtlCol="0"/>
+          <a:lstStyle>
+            <a:lvl1pPr algn="r">
+              <a:defRPr sz="1200"/>
+            </a:lvl1pPr>
+          </a:lstStyle>
+          <a:p>
+            <a:fld id="{62974DE1-0086-46B2-AAC4-46D2360602FF}" type="datetimeFigureOut">
+              <a:rPr lang="zh-CN" altLang="en-US" smtClean="0"/>
+              <a:t>2017/5/6</a:t>
+            </a:fld>
+            <a:endParaRPr lang="zh-CN" altLang="en-US"/>
+          </a:p>
+        </p:txBody>
+      </p:sp>
+      <p:sp>
+        <p:nvSpPr>
+          <p:cNvPr id="4" name="幻灯片图像占位符 3"/>
+          <p:cNvSpPr>
+            <a:spLocks noGrp="1" noRot="1" noChangeAspect="1"/>
+          </p:cNvSpPr>
+          <p:nvPr>
+            <p:ph type="sldImg" idx="2"/>
+          </p:nvPr>
+        </p:nvSpPr>
+        <p:spPr>
+          <a:xfrm>
+            <a:off x="381000" y="685800"/>
+            <a:ext cx="6096000" cy="3429000"/>
+          </a:xfrm>
+          <a:prstGeom prst="rect">
+            <a:avLst/>
+          </a:prstGeom>
+          <a:noFill/>
+          <a:ln w="12700">
+            <a:solidFill>
+              <a:prstClr val="black"/>
+            </a:solidFill>
+          </a:ln>
+        </p:spPr>
+        <p:txBody>
+          <a:bodyPr vert="horz" lIns="91440" tIns="45720" rIns="91440" bIns="45720" rtlCol="0" anchor="ctr"/>
+          <a:lstStyle/>
+          <a:p>
+            <a:endParaRPr lang="zh-CN" altLang="en-US"/>
+          </a:p>
+        </p:txBody>
+      </p:sp>
+      <p:sp>
+        <p:nvSpPr>
+          <p:cNvPr id="5" name="备注占位符 4"/>
+          <p:cNvSpPr>
+            <a:spLocks noGrp="1"/>
+          </p:cNvSpPr>
+          <p:nvPr>
+            <p:ph type="body" sz="quarter" idx="3"/>
+          </p:nvPr>
+        </p:nvSpPr>
+        <p:spPr>
+          <a:xfrm>
+            <a:off x="685800" y="4343400"/>
+            <a:ext cx="5486400" cy="4114800"/>
+          </a:xfrm>
+          <a:prstGeom prst="rect">
+            <a:avLst/>
+          </a:prstGeom>
+        </p:spPr>
+        <p:txBody>
+          <a:bodyPr vert="horz" lIns="91440" tIns="45720" rIns="91440" bIns="45720" rtlCol="0"/>
+          <a:lstStyle/>
+          <a:p>
+            <a:pPr lvl="0"/>
+            <a:r>
+              <a:rPr lang="zh-CN" altLang="en-US" smtClean="0"/>
+              <a:t>单击此处编辑母版文本样式</a:t>
+            </a:r>
+          </a:p>
+          <a:p>
+            <a:pPr lvl="1"/>
+            <a:r>
+              <a:rPr lang="zh-CN" altLang="en-US" smtClean="0"/>
+              <a:t>第二级</a:t>
+            </a:r>
+          </a:p>
+          <a:p>
+            <a:pPr lvl="2"/>
+            <a:r>
+              <a:rPr lang="zh-CN" altLang="en-US" smtClean="0"/>
+              <a:t>第三级</a:t>
+            </a:r>
+          </a:p>
+          <a:p>
+            <a:pPr lvl="3"/>
+            <a:r>
+              <a:rPr lang="zh-CN" altLang="en-US" smtClean="0"/>
+              <a:t>第四级</a:t>
+            </a:r>
+          </a:p>
+          <a:p>
+            <a:pPr lvl="4"/>
+            <a:r>
+              <a:rPr lang="zh-CN" altLang="en-US" smtClean="0"/>
+              <a:t>第五级</a:t>
+            </a:r>
+            <a:endParaRPr lang="zh-CN" altLang="en-US"/>
+          </a:p>
+        </p:txBody>
+      </p:sp>
+      <p:sp>
+        <p:nvSpPr>
+          <p:cNvPr id="6" name="页脚占位符 5"/>
+          <p:cNvSpPr>
+            <a:spLocks noGrp="1"/>
+          </p:cNvSpPr>
+          <p:nvPr>
+            <p:ph type="ftr" sz="quarter" idx="4"/>
+          </p:nvPr>
+        </p:nvSpPr>
+        <p:spPr>
+          <a:xfrm>
+            <a:off x="0" y="8685213"/>
+            <a:ext cx="2971800" cy="457200"/>
+          </a:xfrm>
+          <a:prstGeom prst="rect">
+            <a:avLst/>
+          </a:prstGeom>
+        </p:spPr>
+        <p:txBody>
+          <a:bodyPr vert="horz" lIns="91440" tIns="45720" rIns="91440" bIns="45720" rtlCol="0" anchor="b"/>
+          <a:lstStyle>
+            <a:lvl1pPr algn="l">
+              <a:defRPr sz="1200"/>
+            </a:lvl1pPr>
+          </a:lstStyle>
+          <a:p>
+            <a:endParaRPr lang="zh-CN" altLang="en-US"/>
+          </a:p>
+        </p:txBody>
+      </p:sp>
+      <p:sp>
+        <p:nvSpPr>
+          <p:cNvPr id="7" name="灯片编号占位符 6"/>
+          <p:cNvSpPr>
+            <a:spLocks noGrp="1"/>
+          </p:cNvSpPr>
+          <p:nvPr>
+            <p:ph type="sldNum" sz="quarter" idx="5"/>
+          </p:nvPr>
+        </p:nvSpPr>
+        <p:spPr>
+          <a:xfrm>
+            <a:off x="3884613" y="8685213"/>
+            <a:ext cx="2971800" cy="457200"/>
+          </a:xfrm>
+          <a:prstGeom prst="rect">
+            <a:avLst/>
+          </a:prstGeom>
+        </p:spPr>
+        <p:txBody>
+          <a:bodyPr vert="horz" lIns="91440" tIns="45720" rIns="91440" bIns="45720" rtlCol="0" anchor="b"/>
+          <a:lstStyle>
+            <a:lvl1pPr algn="r">
+              <a:defRPr sz="1200"/>
+            </a:lvl1pPr>
+          </a:lstStyle>
+          <a:p>
+            <a:fld id="{71FE3369-33FF-45DF-AB83-4542779F698D}" type="slidenum">
+              <a:rPr lang="zh-CN" altLang="en-US" smtClean="0"/>
+              <a:t>‹#›</a:t>
+            </a:fld>
+            <a:endParaRPr lang="zh-CN" altLang="en-US"/>
+          </a:p>
+        </p:txBody>
+      </p:sp>
+    </p:spTree>
+    <p:extLst>
+      <p:ext uri="{BB962C8B-B14F-4D97-AF65-F5344CB8AC3E}">
+        <p14:creationId xmlns:p14="http://schemas.microsoft.com/office/powerpoint/2010/main" val="202296924"/>
+      </p:ext>
+    </p:extLst>
+  </p:cSld>
+  <p:clrMap bg1="lt1" tx1="dk1" bg2="lt2" tx2="dk2" accent1="accent1" accent2="accent2" accent3="accent3" accent4="accent4" accent5="accent5" accent6="accent6" hlink="hlink" folHlink="folHlink"/>
+  <p:notesStyle>
+    <a:lvl1pPr marL="0" algn="l" defTabSz="914400" rtl="0" eaLnBrk="1" latinLnBrk="0" hangingPunct="1">
+      <a:defRPr sz="1200" kern="1200">
+        <a:solidFill>
+          <a:schemeClr val="tx1"/>
+        </a:solidFill>
+        <a:latin typeface="+mn-lt"/>
+        <a:ea typeface="+mn-ea"/>
+        <a:cs typeface="+mn-cs"/>
+      </a:defRPr>
+    </a:lvl1pPr>
+    <a:lvl2pPr marL="457200" algn="l" defTabSz="914400" rtl="0" eaLnBrk="1" latinLnBrk="0" hangingPunct="1">
+      <a:defRPr sz="1200" kern="1200">
+        <a:solidFill>
+          <a:schemeClr val="tx1"/>
+        </a:solidFill>
+        <a:latin typeface="+mn-lt"/>
+        <a:ea typeface="+mn-ea"/>
+        <a:cs typeface="+mn-cs"/>
+      </a:defRPr>
+    </a:lvl2pPr>
+    <a:lvl3pPr marL="914400" algn="l" defTabSz="914400" rtl="0" eaLnBrk="1" latinLnBrk="0" hangingPunct="1">
+      <a:defRPr sz="1200" kern="1200">
+        <a:solidFill>
+          <a:schemeClr val="tx1"/>
+        </a:solidFill>
+        <a:latin typeface="+mn-lt"/>
+        <a:ea typeface="+mn-ea"/>
+        <a:cs typeface="+mn-cs"/>
+      </a:defRPr>
+    </a:lvl3pPr>
+    <a:lvl4pPr marL="1371600" algn="l" defTabSz="914400" rtl="0" eaLnBrk="1" latinLnBrk="0" hangingPunct="1">
+      <a:defRPr sz="1200" kern="1200">
+        <a:solidFill>
+          <a:schemeClr val="tx1"/>
+        </a:solidFill>
+        <a:latin typeface="+mn-lt"/>
+        <a:ea typeface="+mn-ea"/>
+        <a:cs typeface="+mn-cs"/>
+      </a:defRPr>
+    </a:lvl4pPr>
+    <a:lvl5pPr marL="1828800" algn="l" defTabSz="914400" rtl="0" eaLnBrk="1" latinLnBrk="0" hangingPunct="1">
+      <a:defRPr sz="1200" kern="1200">
+        <a:solidFill>
+          <a:schemeClr val="tx1"/>
+        </a:solidFill>
+        <a:latin typeface="+mn-lt"/>
+        <a:ea typeface="+mn-ea"/>
+        <a:cs typeface="+mn-cs"/>
+      </a:defRPr>
+    </a:lvl5pPr>
+    <a:lvl6pPr marL="2286000" algn="l" defTabSz="914400" rtl="0" eaLnBrk="1" latinLnBrk="0" hangingPunct="1">
+      <a:defRPr sz="1200" kern="1200">
+        <a:solidFill>
+          <a:schemeClr val="tx1"/>
+        </a:solidFill>
+        <a:latin typeface="+mn-lt"/>
+        <a:ea typeface="+mn-ea"/>
+        <a:cs typeface="+mn-cs"/>
+      </a:defRPr>
+    </a:lvl6pPr>
+    <a:lvl7pPr marL="2743200" algn="l" defTabSz="914400" rtl="0" eaLnBrk="1" latinLnBrk="0" hangingPunct="1">
+      <a:defRPr sz="1200" kern="1200">
+        <a:solidFill>
+          <a:schemeClr val="tx1"/>
+        </a:solidFill>
+        <a:latin typeface="+mn-lt"/>
+        <a:ea typeface="+mn-ea"/>
+        <a:cs typeface="+mn-cs"/>
+      </a:defRPr>
+    </a:lvl7pPr>
+    <a:lvl8pPr marL="3200400" algn="l" defTabSz="914400" rtl="0" eaLnBrk="1" latinLnBrk="0" hangingPunct="1">
+      <a:defRPr sz="1200" kern="1200">
+        <a:solidFill>
+          <a:schemeClr val="tx1"/>
+        </a:solidFill>
+        <a:latin typeface="+mn-lt"/>
+        <a:ea typeface="+mn-ea"/>
+        <a:cs typeface="+mn-cs"/>
+      </a:defRPr>
+    </a:lvl8pPr>
+    <a:lvl9pPr marL="3657600" algn="l" defTabSz="914400" rtl="0" eaLnBrk="1" latinLnBrk="0" hangingPunct="1">
+      <a:defRPr sz="1200" kern="1200">
+        <a:solidFill>
+          <a:schemeClr val="tx1"/>
+        </a:solidFill>
+        <a:latin typeface="+mn-lt"/>
+        <a:ea typeface="+mn-ea"/>
+        <a:cs typeface="+mn-cs"/>
+      </a:defRPr>
+    </a:lvl9pPr>
+  </p:notesStyle>
+</p:notesMaster>
+</file>
+
+<file path=ppt/notesSlides/notesSlide1.xml><?xml version="1.0" encoding="utf-8"?>
+<p:notes xmlns:a="http://schemas.openxmlformats.org/drawingml/2006/main" xmlns:r="http://schemas.openxmlformats.org/officeDocument/2006/relationships" xmlns:p="http://schemas.openxmlformats.org/presentationml/2006/main">
+  <p:cSld>
+    <p:spTree>
+      <p:nvGrpSpPr>
+        <p:cNvPr id="1" name=""/>
+        <p:cNvGrpSpPr/>
+        <p:nvPr/>
+      </p:nvGrpSpPr>
+      <p:grpSpPr>
+        <a:xfrm>
+          <a:off x="0" y="0"/>
+          <a:ext cx="0" cy="0"/>
+          <a:chOff x="0" y="0"/>
+          <a:chExt cx="0" cy="0"/>
+        </a:xfrm>
+      </p:grpSpPr>
+      <p:sp>
+        <p:nvSpPr>
+          <p:cNvPr id="2" name="幻灯片图像占位符 1"/>
+          <p:cNvSpPr>
+            <a:spLocks noGrp="1" noRot="1" noChangeAspect="1"/>
+          </p:cNvSpPr>
+          <p:nvPr>
+            <p:ph type="sldImg"/>
+          </p:nvPr>
+        </p:nvSpPr>
+        <p:spPr>
+          <a:xfrm>
+            <a:off x="381000" y="685800"/>
+            <a:ext cx="6096000" cy="3429000"/>
+          </a:xfrm>
+        </p:spPr>
+      </p:sp>
+      <p:sp>
+        <p:nvSpPr>
+          <p:cNvPr id="3" name="备注占位符 2"/>
+          <p:cNvSpPr>
+            <a:spLocks noGrp="1"/>
+          </p:cNvSpPr>
+          <p:nvPr>
+            <p:ph type="body" idx="1"/>
+          </p:nvPr>
+        </p:nvSpPr>
+        <p:spPr/>
+        <p:txBody>
+          <a:bodyPr/>
+          <a:lstStyle/>
+          <a:p>
+            <a:r>
+              <a:rPr lang="en-US" altLang="zh-CN" dirty="0" err="1" smtClean="0"/>
+              <a:t>springmvc</a:t>
+            </a:r>
+            <a:r>
+              <a:rPr lang="zh-CN" altLang="en-US" dirty="0" smtClean="0"/>
+              <a:t>和</a:t>
+            </a:r>
+            <a:r>
+              <a:rPr lang="en-US" altLang="zh-CN" dirty="0" smtClean="0"/>
+              <a:t>struts</a:t>
+            </a:r>
+            <a:r>
+              <a:rPr lang="zh-CN" altLang="en-US" dirty="0" smtClean="0"/>
+              <a:t>是一个层次的概念，均属</a:t>
+            </a:r>
+            <a:r>
+              <a:rPr lang="en-US" altLang="zh-CN" dirty="0" smtClean="0"/>
+              <a:t>java web </a:t>
+            </a:r>
+            <a:r>
+              <a:rPr lang="en-US" altLang="zh-CN" dirty="0" err="1" smtClean="0"/>
+              <a:t>mvc</a:t>
+            </a:r>
+            <a:r>
+              <a:rPr lang="zh-CN" altLang="en-US" dirty="0" smtClean="0"/>
+              <a:t>框架，只是</a:t>
+            </a:r>
+            <a:r>
+              <a:rPr lang="en-US" altLang="zh-CN" dirty="0" err="1" smtClean="0"/>
+              <a:t>ssh</a:t>
+            </a:r>
+            <a:r>
+              <a:rPr lang="zh-CN" altLang="en-US" dirty="0" smtClean="0"/>
+              <a:t>中第</a:t>
+            </a:r>
+            <a:r>
+              <a:rPr lang="en-US" altLang="zh-CN" dirty="0" smtClean="0"/>
+              <a:t>2</a:t>
+            </a:r>
+            <a:r>
+              <a:rPr lang="zh-CN" altLang="en-US" dirty="0" smtClean="0"/>
+              <a:t>个</a:t>
+            </a:r>
+            <a:r>
+              <a:rPr lang="en-US" altLang="zh-CN" dirty="0" smtClean="0"/>
+              <a:t>s</a:t>
+            </a:r>
+            <a:r>
+              <a:rPr lang="zh-CN" altLang="en-US" dirty="0" smtClean="0"/>
+              <a:t>的技术</a:t>
+            </a:r>
+            <a:endParaRPr lang="en-US" altLang="zh-CN" dirty="0" smtClean="0"/>
+          </a:p>
+        </p:txBody>
+      </p:sp>
+      <p:sp>
+        <p:nvSpPr>
+          <p:cNvPr id="4" name="灯片编号占位符 3"/>
+          <p:cNvSpPr>
+            <a:spLocks noGrp="1"/>
+          </p:cNvSpPr>
+          <p:nvPr>
+            <p:ph type="sldNum" sz="quarter" idx="10"/>
+          </p:nvPr>
+        </p:nvSpPr>
+        <p:spPr/>
+        <p:txBody>
+          <a:bodyPr/>
+          <a:lstStyle/>
+          <a:p>
+            <a:fld id="{71FE3369-33FF-45DF-AB83-4542779F698D}" type="slidenum">
+              <a:rPr lang="zh-CN" altLang="en-US" smtClean="0"/>
+              <a:t>1</a:t>
+            </a:fld>
+            <a:endParaRPr lang="zh-CN" altLang="en-US"/>
+          </a:p>
+        </p:txBody>
+      </p:sp>
+    </p:spTree>
+    <p:extLst>
+      <p:ext uri="{BB962C8B-B14F-4D97-AF65-F5344CB8AC3E}">
+        <p14:creationId xmlns:p14="http://schemas.microsoft.com/office/powerpoint/2010/main" val="512128240"/>
+      </p:ext>
+    </p:extLst>
+  </p:cSld>
+  <p:clrMapOvr>
+    <a:masterClrMapping/>
+  </p:clrMapOvr>
+</p:notes>
+</file>
+
+<file path=ppt/notesSlides/notesSlide2.xml><?xml version="1.0" encoding="utf-8"?>
+<p:notes xmlns:a="http://schemas.openxmlformats.org/drawingml/2006/main" xmlns:r="http://schemas.openxmlformats.org/officeDocument/2006/relationships" xmlns:p="http://schemas.openxmlformats.org/presentationml/2006/main">
+  <p:cSld>
+    <p:spTree>
+      <p:nvGrpSpPr>
+        <p:cNvPr id="1" name=""/>
+        <p:cNvGrpSpPr/>
+        <p:nvPr/>
+      </p:nvGrpSpPr>
+      <p:grpSpPr>
+        <a:xfrm>
+          <a:off x="0" y="0"/>
+          <a:ext cx="0" cy="0"/>
+          <a:chOff x="0" y="0"/>
+          <a:chExt cx="0" cy="0"/>
+        </a:xfrm>
+      </p:grpSpPr>
+      <p:sp>
+        <p:nvSpPr>
+          <p:cNvPr id="2" name="幻灯片图像占位符 1"/>
+          <p:cNvSpPr>
+            <a:spLocks noGrp="1" noRot="1" noChangeAspect="1"/>
+          </p:cNvSpPr>
+          <p:nvPr>
+            <p:ph type="sldImg"/>
+          </p:nvPr>
+        </p:nvSpPr>
+        <p:spPr>
+          <a:xfrm>
+            <a:off x="381000" y="685800"/>
+            <a:ext cx="6096000" cy="3429000"/>
+          </a:xfrm>
+        </p:spPr>
+      </p:sp>
+      <p:sp>
+        <p:nvSpPr>
+          <p:cNvPr id="3" name="备注占位符 2"/>
+          <p:cNvSpPr>
+            <a:spLocks noGrp="1"/>
+          </p:cNvSpPr>
+          <p:nvPr>
+            <p:ph type="body" idx="1"/>
+          </p:nvPr>
+        </p:nvSpPr>
+        <p:spPr/>
+        <p:txBody>
+          <a:bodyPr/>
+          <a:lstStyle/>
+          <a:p>
+            <a:r>
+              <a:rPr lang="zh-CN" altLang="en-US" dirty="0" smtClean="0"/>
+              <a:t>参考</a:t>
+            </a:r>
+            <a:r>
+              <a:rPr lang="en-US" altLang="zh-CN" dirty="0" smtClean="0"/>
+              <a:t>http://www.2cto.com/kf/201607/526096.html</a:t>
+            </a:r>
+            <a:r>
+              <a:rPr lang="zh-CN" altLang="en-US" dirty="0" smtClean="0"/>
+              <a:t>、</a:t>
+            </a:r>
+            <a:r>
+              <a:rPr lang="en-US" altLang="zh-CN" dirty="0" smtClean="0"/>
+              <a:t>http://blog.csdn.net/m0_37204491/article/details/70148546</a:t>
+            </a:r>
+            <a:r>
+              <a:rPr lang="zh-CN" altLang="en-US" dirty="0" smtClean="0"/>
+              <a:t>和</a:t>
+            </a:r>
+            <a:r>
+              <a:rPr lang="en-US" altLang="zh-CN" dirty="0" smtClean="0"/>
+              <a:t>《spring</a:t>
+            </a:r>
+            <a:r>
+              <a:rPr lang="zh-CN" altLang="en-US" dirty="0" smtClean="0"/>
+              <a:t>实战</a:t>
+            </a:r>
+            <a:r>
+              <a:rPr lang="en-US" altLang="zh-CN" dirty="0" smtClean="0"/>
+              <a:t>》P136</a:t>
+            </a:r>
+            <a:endParaRPr lang="zh-CN" altLang="en-US" dirty="0"/>
+          </a:p>
+        </p:txBody>
+      </p:sp>
+      <p:sp>
+        <p:nvSpPr>
+          <p:cNvPr id="4" name="灯片编号占位符 3"/>
+          <p:cNvSpPr>
+            <a:spLocks noGrp="1"/>
+          </p:cNvSpPr>
+          <p:nvPr>
+            <p:ph type="sldNum" sz="quarter" idx="10"/>
+          </p:nvPr>
+        </p:nvSpPr>
+        <p:spPr/>
+        <p:txBody>
+          <a:bodyPr/>
+          <a:lstStyle/>
+          <a:p>
+            <a:fld id="{71FE3369-33FF-45DF-AB83-4542779F698D}" type="slidenum">
+              <a:rPr lang="zh-CN" altLang="en-US" smtClean="0"/>
+              <a:t>2</a:t>
+            </a:fld>
+            <a:endParaRPr lang="zh-CN" altLang="en-US"/>
+          </a:p>
+        </p:txBody>
+      </p:sp>
+    </p:spTree>
+    <p:extLst>
+      <p:ext uri="{BB962C8B-B14F-4D97-AF65-F5344CB8AC3E}">
+        <p14:creationId xmlns:p14="http://schemas.microsoft.com/office/powerpoint/2010/main" val="1721872821"/>
+      </p:ext>
+    </p:extLst>
+  </p:cSld>
+  <p:clrMapOvr>
+    <a:masterClrMapping/>
+  </p:clrMapOvr>
+</p:notes>
+</file>
+
+<file path=ppt/notesSlides/notesSlide3.xml><?xml version="1.0" encoding="utf-8"?>
+<p:notes xmlns:a="http://schemas.openxmlformats.org/drawingml/2006/main" xmlns:r="http://schemas.openxmlformats.org/officeDocument/2006/relationships" xmlns:p="http://schemas.openxmlformats.org/presentationml/2006/main">
+  <p:cSld>
+    <p:spTree>
+      <p:nvGrpSpPr>
+        <p:cNvPr id="1" name=""/>
+        <p:cNvGrpSpPr/>
+        <p:nvPr/>
+      </p:nvGrpSpPr>
+      <p:grpSpPr>
+        <a:xfrm>
+          <a:off x="0" y="0"/>
+          <a:ext cx="0" cy="0"/>
+          <a:chOff x="0" y="0"/>
+          <a:chExt cx="0" cy="0"/>
+        </a:xfrm>
+      </p:grpSpPr>
+      <p:sp>
+        <p:nvSpPr>
+          <p:cNvPr id="2" name="幻灯片图像占位符 1"/>
+          <p:cNvSpPr>
+            <a:spLocks noGrp="1" noRot="1" noChangeAspect="1"/>
+          </p:cNvSpPr>
+          <p:nvPr>
+            <p:ph type="sldImg"/>
+          </p:nvPr>
+        </p:nvSpPr>
+        <p:spPr>
+          <a:xfrm>
+            <a:off x="381000" y="685800"/>
+            <a:ext cx="6096000" cy="3429000"/>
+          </a:xfrm>
+        </p:spPr>
+      </p:sp>
+      <p:sp>
+        <p:nvSpPr>
+          <p:cNvPr id="3" name="备注占位符 2"/>
+          <p:cNvSpPr>
+            <a:spLocks noGrp="1"/>
+          </p:cNvSpPr>
+          <p:nvPr>
+            <p:ph type="body" idx="1"/>
+          </p:nvPr>
+        </p:nvSpPr>
+        <p:spPr/>
+        <p:txBody>
+          <a:bodyPr/>
+          <a:lstStyle/>
+          <a:p>
+            <a:endParaRPr lang="zh-CN" altLang="en-US" dirty="0"/>
+          </a:p>
+        </p:txBody>
+      </p:sp>
+      <p:sp>
+        <p:nvSpPr>
+          <p:cNvPr id="4" name="灯片编号占位符 3"/>
+          <p:cNvSpPr>
+            <a:spLocks noGrp="1"/>
+          </p:cNvSpPr>
+          <p:nvPr>
+            <p:ph type="sldNum" sz="quarter" idx="10"/>
+          </p:nvPr>
+        </p:nvSpPr>
+        <p:spPr/>
+        <p:txBody>
+          <a:bodyPr/>
+          <a:lstStyle/>
+          <a:p>
+            <a:fld id="{71FE3369-33FF-45DF-AB83-4542779F698D}" type="slidenum">
+              <a:rPr lang="zh-CN" altLang="en-US" smtClean="0"/>
+              <a:t>5</a:t>
+            </a:fld>
+            <a:endParaRPr lang="zh-CN" altLang="en-US"/>
+          </a:p>
+        </p:txBody>
+      </p:sp>
+    </p:spTree>
+    <p:extLst>
+      <p:ext uri="{BB962C8B-B14F-4D97-AF65-F5344CB8AC3E}">
+        <p14:creationId xmlns:p14="http://schemas.microsoft.com/office/powerpoint/2010/main" val="1421662787"/>
+      </p:ext>
+    </p:extLst>
+  </p:cSld>
+  <p:clrMapOvr>
+    <a:masterClrMapping/>
+  </p:clrMapOvr>
+</p:notes>
+</file>
+
+<file path=ppt/notesSlides/notesSlide4.xml><?xml version="1.0" encoding="utf-8"?>
+<p:notes xmlns:a="http://schemas.openxmlformats.org/drawingml/2006/main" xmlns:r="http://schemas.openxmlformats.org/officeDocument/2006/relationships" xmlns:p="http://schemas.openxmlformats.org/presentationml/2006/main">
+  <p:cSld>
+    <p:spTree>
+      <p:nvGrpSpPr>
+        <p:cNvPr id="1" name=""/>
+        <p:cNvGrpSpPr/>
+        <p:nvPr/>
+      </p:nvGrpSpPr>
+      <p:grpSpPr>
+        <a:xfrm>
+          <a:off x="0" y="0"/>
+          <a:ext cx="0" cy="0"/>
+          <a:chOff x="0" y="0"/>
+          <a:chExt cx="0" cy="0"/>
+        </a:xfrm>
+      </p:grpSpPr>
+      <p:sp>
+        <p:nvSpPr>
+          <p:cNvPr id="2" name="幻灯片图像占位符 1"/>
+          <p:cNvSpPr>
+            <a:spLocks noGrp="1" noRot="1" noChangeAspect="1"/>
+          </p:cNvSpPr>
+          <p:nvPr>
+            <p:ph type="sldImg"/>
+          </p:nvPr>
+        </p:nvSpPr>
+        <p:spPr/>
+      </p:sp>
+      <p:sp>
+        <p:nvSpPr>
+          <p:cNvPr id="3" name="备注占位符 2"/>
+          <p:cNvSpPr>
+            <a:spLocks noGrp="1"/>
+          </p:cNvSpPr>
+          <p:nvPr>
+            <p:ph type="body" idx="1"/>
+          </p:nvPr>
+        </p:nvSpPr>
+        <p:spPr/>
+        <p:txBody>
+          <a:bodyPr/>
+          <a:lstStyle/>
+          <a:p>
+            <a:r>
+              <a:rPr lang="en-US" altLang="zh-CN" dirty="0" smtClean="0"/>
+              <a:t>web.xml</a:t>
+            </a:r>
+            <a:r>
+              <a:rPr lang="zh-CN" altLang="en-US" dirty="0" smtClean="0"/>
+              <a:t>的文件位置：</a:t>
+            </a:r>
+            <a:r>
+              <a:rPr lang="en-US" altLang="zh-CN" dirty="0" err="1" smtClean="0"/>
+              <a:t>src</a:t>
+            </a:r>
+            <a:r>
+              <a:rPr lang="en-US" altLang="zh-CN" dirty="0" smtClean="0"/>
+              <a:t>/main/</a:t>
+            </a:r>
+            <a:r>
+              <a:rPr lang="en-US" altLang="zh-CN" dirty="0" err="1" smtClean="0"/>
+              <a:t>webapp</a:t>
+            </a:r>
+            <a:r>
+              <a:rPr lang="en-US" altLang="zh-CN" dirty="0" smtClean="0"/>
+              <a:t>/WEB-INF/web.xml</a:t>
+            </a:r>
+            <a:endParaRPr lang="zh-CN" altLang="en-US" dirty="0"/>
+          </a:p>
+        </p:txBody>
+      </p:sp>
+      <p:sp>
+        <p:nvSpPr>
+          <p:cNvPr id="4" name="灯片编号占位符 3"/>
+          <p:cNvSpPr>
+            <a:spLocks noGrp="1"/>
+          </p:cNvSpPr>
+          <p:nvPr>
+            <p:ph type="sldNum" sz="quarter" idx="10"/>
+          </p:nvPr>
+        </p:nvSpPr>
+        <p:spPr/>
+        <p:txBody>
+          <a:bodyPr/>
+          <a:lstStyle/>
+          <a:p>
+            <a:fld id="{71FE3369-33FF-45DF-AB83-4542779F698D}" type="slidenum">
+              <a:rPr lang="zh-CN" altLang="en-US" smtClean="0"/>
+              <a:t>6</a:t>
+            </a:fld>
+            <a:endParaRPr lang="zh-CN" altLang="en-US"/>
+          </a:p>
+        </p:txBody>
+      </p:sp>
+    </p:spTree>
+    <p:extLst>
+      <p:ext uri="{BB962C8B-B14F-4D97-AF65-F5344CB8AC3E}">
+        <p14:creationId xmlns:p14="http://schemas.microsoft.com/office/powerpoint/2010/main" val="4120548389"/>
+      </p:ext>
+    </p:extLst>
+  </p:cSld>
+  <p:clrMapOvr>
+    <a:masterClrMapping/>
+  </p:clrMapOvr>
+</p:notes>
+</file>
+
 <file path=ppt/slideLayouts/slideLayout1.xml><?xml version="1.0" encoding="utf-8"?>
 <p:sldLayout xmlns:a="http://schemas.openxmlformats.org/drawingml/2006/main" xmlns:r="http://schemas.openxmlformats.org/officeDocument/2006/relationships" xmlns:p="http://schemas.openxmlformats.org/presentationml/2006/main" type="title" preserve="1">
   <p:cSld name="标题幻灯片">
@@ -137,8 +953,8 @@
         </p:nvSpPr>
         <p:spPr>
           <a:xfrm>
-            <a:off x="685800" y="2130425"/>
-            <a:ext cx="7772400" cy="1470025"/>
+            <a:off x="685800" y="1597819"/>
+            <a:ext cx="7772400" cy="1102519"/>
           </a:xfrm>
         </p:spPr>
         <p:txBody>
@@ -165,8 +981,8 @@
         </p:nvSpPr>
         <p:spPr>
           <a:xfrm>
-            <a:off x="1371600" y="3886200"/>
-            <a:ext cx="6400800" cy="1752600"/>
+            <a:off x="1371600" y="2914650"/>
+            <a:ext cx="6400800" cy="1314450"/>
           </a:xfrm>
         </p:spPr>
         <p:txBody>
@@ -539,8 +1355,8 @@
         </p:nvSpPr>
         <p:spPr>
           <a:xfrm>
-            <a:off x="6629400" y="274638"/>
-            <a:ext cx="2057400" cy="5851525"/>
+            <a:off x="6629400" y="205979"/>
+            <a:ext cx="2057400" cy="4388644"/>
           </a:xfrm>
         </p:spPr>
         <p:txBody>
@@ -567,8 +1383,8 @@
         </p:nvSpPr>
         <p:spPr>
           <a:xfrm>
-            <a:off x="457200" y="274638"/>
-            <a:ext cx="6019800" cy="5851525"/>
+            <a:off x="457200" y="205979"/>
+            <a:ext cx="6019800" cy="4388644"/>
           </a:xfrm>
         </p:spPr>
         <p:txBody>
@@ -879,8 +1695,8 @@
         </p:nvSpPr>
         <p:spPr>
           <a:xfrm>
-            <a:off x="722313" y="4406900"/>
-            <a:ext cx="7772400" cy="1362075"/>
+            <a:off x="722313" y="3305176"/>
+            <a:ext cx="7772400" cy="1021556"/>
           </a:xfrm>
         </p:spPr>
         <p:txBody>
@@ -911,8 +1727,8 @@
         </p:nvSpPr>
         <p:spPr>
           <a:xfrm>
-            <a:off x="722313" y="2906713"/>
-            <a:ext cx="7772400" cy="1500187"/>
+            <a:off x="722313" y="2180035"/>
+            <a:ext cx="7772400" cy="1125140"/>
           </a:xfrm>
         </p:spPr>
         <p:txBody>
@@ -1143,8 +1959,8 @@
         </p:nvSpPr>
         <p:spPr>
           <a:xfrm>
-            <a:off x="457200" y="1600200"/>
-            <a:ext cx="4038600" cy="4525963"/>
+            <a:off x="457200" y="1200151"/>
+            <a:ext cx="4038600" cy="3394472"/>
           </a:xfrm>
         </p:spPr>
         <p:txBody>
@@ -1228,8 +2044,8 @@
         </p:nvSpPr>
         <p:spPr>
           <a:xfrm>
-            <a:off x="4648200" y="1600200"/>
-            <a:ext cx="4038600" cy="4525963"/>
+            <a:off x="4648200" y="1200151"/>
+            <a:ext cx="4038600" cy="3394472"/>
           </a:xfrm>
         </p:spPr>
         <p:txBody>
@@ -1430,8 +2246,8 @@
         </p:nvSpPr>
         <p:spPr>
           <a:xfrm>
-            <a:off x="457200" y="1535113"/>
-            <a:ext cx="4040188" cy="639762"/>
+            <a:off x="457200" y="1151335"/>
+            <a:ext cx="4040188" cy="479822"/>
           </a:xfrm>
         </p:spPr>
         <p:txBody>
@@ -1495,8 +2311,8 @@
         </p:nvSpPr>
         <p:spPr>
           <a:xfrm>
-            <a:off x="457200" y="2174875"/>
-            <a:ext cx="4040188" cy="3951288"/>
+            <a:off x="457200" y="1631156"/>
+            <a:ext cx="4040188" cy="2963466"/>
           </a:xfrm>
         </p:spPr>
         <p:txBody>
@@ -1580,8 +2396,8 @@
         </p:nvSpPr>
         <p:spPr>
           <a:xfrm>
-            <a:off x="4645025" y="1535113"/>
-            <a:ext cx="4041775" cy="639762"/>
+            <a:off x="4645026" y="1151335"/>
+            <a:ext cx="4041775" cy="479822"/>
           </a:xfrm>
         </p:spPr>
         <p:txBody>
@@ -1645,8 +2461,8 @@
         </p:nvSpPr>
         <p:spPr>
           <a:xfrm>
-            <a:off x="4645025" y="2174875"/>
-            <a:ext cx="4041775" cy="3951288"/>
+            <a:off x="4645026" y="1631156"/>
+            <a:ext cx="4041775" cy="2963466"/>
           </a:xfrm>
         </p:spPr>
         <p:txBody>
@@ -2023,8 +2839,8 @@
         </p:nvSpPr>
         <p:spPr>
           <a:xfrm>
-            <a:off x="457200" y="273050"/>
-            <a:ext cx="3008313" cy="1162050"/>
+            <a:off x="457201" y="204787"/>
+            <a:ext cx="3008313" cy="871538"/>
           </a:xfrm>
         </p:spPr>
         <p:txBody>
@@ -2055,8 +2871,8 @@
         </p:nvSpPr>
         <p:spPr>
           <a:xfrm>
-            <a:off x="3575050" y="273050"/>
-            <a:ext cx="5111750" cy="5853113"/>
+            <a:off x="3575050" y="204788"/>
+            <a:ext cx="5111750" cy="4389835"/>
           </a:xfrm>
         </p:spPr>
         <p:txBody>
@@ -2140,8 +2956,8 @@
         </p:nvSpPr>
         <p:spPr>
           <a:xfrm>
-            <a:off x="457200" y="1435100"/>
-            <a:ext cx="3008313" cy="4691063"/>
+            <a:off x="457201" y="1076326"/>
+            <a:ext cx="3008313" cy="3518297"/>
           </a:xfrm>
         </p:spPr>
         <p:txBody>
@@ -2295,8 +3111,8 @@
         </p:nvSpPr>
         <p:spPr>
           <a:xfrm>
-            <a:off x="1792288" y="4800600"/>
-            <a:ext cx="5486400" cy="566738"/>
+            <a:off x="1792288" y="3600450"/>
+            <a:ext cx="5486400" cy="425054"/>
           </a:xfrm>
         </p:spPr>
         <p:txBody>
@@ -2327,8 +3143,8 @@
         </p:nvSpPr>
         <p:spPr>
           <a:xfrm>
-            <a:off x="1792288" y="612775"/>
-            <a:ext cx="5486400" cy="4114800"/>
+            <a:off x="1792288" y="459581"/>
+            <a:ext cx="5486400" cy="3086100"/>
           </a:xfrm>
         </p:spPr>
         <p:txBody>
@@ -2388,8 +3204,8 @@
         </p:nvSpPr>
         <p:spPr>
           <a:xfrm>
-            <a:off x="1792288" y="5367338"/>
-            <a:ext cx="5486400" cy="804862"/>
+            <a:off x="1792288" y="4025503"/>
+            <a:ext cx="5486400" cy="603647"/>
           </a:xfrm>
         </p:spPr>
         <p:txBody>
@@ -2548,8 +3364,8 @@
         </p:nvSpPr>
         <p:spPr>
           <a:xfrm>
-            <a:off x="457200" y="274638"/>
-            <a:ext cx="8229600" cy="1143000"/>
+            <a:off x="457200" y="205979"/>
+            <a:ext cx="8229600" cy="857250"/>
           </a:xfrm>
           <a:prstGeom prst="rect">
             <a:avLst/>
@@ -2581,8 +3397,8 @@
         </p:nvSpPr>
         <p:spPr>
           <a:xfrm>
-            <a:off x="457200" y="1600200"/>
-            <a:ext cx="8229600" cy="4525963"/>
+            <a:off x="457200" y="1200151"/>
+            <a:ext cx="8229600" cy="3394472"/>
           </a:xfrm>
           <a:prstGeom prst="rect">
             <a:avLst/>
@@ -2643,8 +3459,8 @@
         </p:nvSpPr>
         <p:spPr>
           <a:xfrm>
-            <a:off x="457200" y="6356350"/>
-            <a:ext cx="2133600" cy="365125"/>
+            <a:off x="457200" y="4767263"/>
+            <a:ext cx="2133600" cy="273844"/>
           </a:xfrm>
           <a:prstGeom prst="rect">
             <a:avLst/>
@@ -2684,8 +3500,8 @@
         </p:nvSpPr>
         <p:spPr>
           <a:xfrm>
-            <a:off x="3124200" y="6356350"/>
-            <a:ext cx="2895600" cy="365125"/>
+            <a:off x="3124200" y="4767263"/>
+            <a:ext cx="2895600" cy="273844"/>
           </a:xfrm>
           <a:prstGeom prst="rect">
             <a:avLst/>
@@ -2721,8 +3537,8 @@
         </p:nvSpPr>
         <p:spPr>
           <a:xfrm>
-            <a:off x="6553200" y="6356350"/>
-            <a:ext cx="2133600" cy="365125"/>
+            <a:off x="6553200" y="4767263"/>
+            <a:ext cx="2133600" cy="273844"/>
           </a:xfrm>
           <a:prstGeom prst="rect">
             <a:avLst/>
@@ -3044,8 +3860,8 @@
         </p:nvSpPr>
         <p:spPr>
           <a:xfrm>
-            <a:off x="107504" y="188640"/>
-            <a:ext cx="2232248" cy="369332"/>
+            <a:off x="-19926" y="-1374"/>
+            <a:ext cx="3960440" cy="338554"/>
           </a:xfrm>
           <a:prstGeom prst="rect">
             <a:avLst/>
@@ -3059,27 +3875,1268 @@
           <a:lstStyle/>
           <a:p>
             <a:r>
-              <a:rPr lang="en-US" altLang="zh-CN" dirty="0" smtClean="0"/>
+              <a:rPr lang="en-US" altLang="zh-CN" sz="1600" dirty="0" smtClean="0"/>
               <a:t>Java</a:t>
             </a:r>
             <a:r>
-              <a:rPr lang="zh-CN" altLang="en-US" dirty="0" smtClean="0"/>
-              <a:t>程序结构</a:t>
-            </a:r>
-            <a:endParaRPr lang="zh-CN" altLang="en-US" dirty="0"/>
+              <a:rPr lang="zh-CN" altLang="en-US" sz="1600" dirty="0" smtClean="0"/>
+              <a:t>程序</a:t>
+            </a:r>
+            <a:r>
+              <a:rPr lang="zh-CN" altLang="en-US" sz="1600" dirty="0" smtClean="0"/>
+              <a:t>结构与</a:t>
+            </a:r>
+            <a:r>
+              <a:rPr lang="en-US" altLang="zh-CN" sz="1600" dirty="0" smtClean="0"/>
+              <a:t>SpringMVC</a:t>
+            </a:r>
+            <a:endParaRPr lang="zh-CN" altLang="en-US" sz="1600" dirty="0"/>
+          </a:p>
+        </p:txBody>
+      </p:sp>
+      <p:sp>
+        <p:nvSpPr>
+          <p:cNvPr id="2" name="矩形 1"/>
+          <p:cNvSpPr/>
+          <p:nvPr/>
+        </p:nvSpPr>
+        <p:spPr>
+          <a:xfrm>
+            <a:off x="1701160" y="1464627"/>
+            <a:ext cx="1900570" cy="378042"/>
+          </a:xfrm>
+          <a:prstGeom prst="rect">
+            <a:avLst/>
+          </a:prstGeom>
+          <a:ln w="19050"/>
+        </p:spPr>
+        <p:style>
+          <a:lnRef idx="2">
+            <a:schemeClr val="accent5"/>
+          </a:lnRef>
+          <a:fillRef idx="1">
+            <a:schemeClr val="lt1"/>
+          </a:fillRef>
+          <a:effectRef idx="0">
+            <a:schemeClr val="accent5"/>
+          </a:effectRef>
+          <a:fontRef idx="minor">
+            <a:schemeClr val="dk1"/>
+          </a:fontRef>
+        </p:style>
+        <p:txBody>
+          <a:bodyPr rtlCol="0" anchor="ctr"/>
+          <a:lstStyle/>
+          <a:p>
+            <a:pPr algn="ctr"/>
+            <a:r>
+              <a:rPr lang="zh-CN" altLang="en-US" sz="1600" dirty="0" smtClean="0"/>
+              <a:t>表示层</a:t>
+            </a:r>
+            <a:endParaRPr lang="zh-CN" altLang="en-US" sz="1600" dirty="0"/>
+          </a:p>
+        </p:txBody>
+      </p:sp>
+      <p:sp>
+        <p:nvSpPr>
+          <p:cNvPr id="5" name="矩形 4"/>
+          <p:cNvSpPr/>
+          <p:nvPr/>
+        </p:nvSpPr>
+        <p:spPr>
+          <a:xfrm>
+            <a:off x="1701160" y="2409732"/>
+            <a:ext cx="1900570" cy="378042"/>
+          </a:xfrm>
+          <a:prstGeom prst="rect">
+            <a:avLst/>
+          </a:prstGeom>
+          <a:ln w="19050"/>
+        </p:spPr>
+        <p:style>
+          <a:lnRef idx="2">
+            <a:schemeClr val="accent5"/>
+          </a:lnRef>
+          <a:fillRef idx="1">
+            <a:schemeClr val="lt1"/>
+          </a:fillRef>
+          <a:effectRef idx="0">
+            <a:schemeClr val="accent5"/>
+          </a:effectRef>
+          <a:fontRef idx="minor">
+            <a:schemeClr val="dk1"/>
+          </a:fontRef>
+        </p:style>
+        <p:txBody>
+          <a:bodyPr rtlCol="0" anchor="ctr"/>
+          <a:lstStyle/>
+          <a:p>
+            <a:pPr algn="ctr"/>
+            <a:r>
+              <a:rPr lang="zh-CN" altLang="en-US" sz="1600" dirty="0" smtClean="0"/>
+              <a:t>业务逻辑层</a:t>
+            </a:r>
+            <a:endParaRPr lang="zh-CN" altLang="en-US" sz="1600" dirty="0"/>
+          </a:p>
+        </p:txBody>
+      </p:sp>
+      <p:sp>
+        <p:nvSpPr>
+          <p:cNvPr id="6" name="矩形 5"/>
+          <p:cNvSpPr/>
+          <p:nvPr/>
+        </p:nvSpPr>
+        <p:spPr>
+          <a:xfrm>
+            <a:off x="1701160" y="3354837"/>
+            <a:ext cx="1900570" cy="378042"/>
+          </a:xfrm>
+          <a:prstGeom prst="rect">
+            <a:avLst/>
+          </a:prstGeom>
+          <a:ln w="19050"/>
+        </p:spPr>
+        <p:style>
+          <a:lnRef idx="2">
+            <a:schemeClr val="accent5"/>
+          </a:lnRef>
+          <a:fillRef idx="1">
+            <a:schemeClr val="lt1"/>
+          </a:fillRef>
+          <a:effectRef idx="0">
+            <a:schemeClr val="accent5"/>
+          </a:effectRef>
+          <a:fontRef idx="minor">
+            <a:schemeClr val="dk1"/>
+          </a:fontRef>
+        </p:style>
+        <p:txBody>
+          <a:bodyPr rtlCol="0" anchor="ctr"/>
+          <a:lstStyle/>
+          <a:p>
+            <a:pPr algn="ctr"/>
+            <a:r>
+              <a:rPr lang="zh-CN" altLang="en-US" sz="1600" dirty="0" smtClean="0"/>
+              <a:t>数据访问层</a:t>
+            </a:r>
+            <a:endParaRPr lang="zh-CN" altLang="en-US" sz="1600" dirty="0"/>
+          </a:p>
+        </p:txBody>
+      </p:sp>
+      <p:sp>
+        <p:nvSpPr>
+          <p:cNvPr id="3" name="圆柱形 2"/>
+          <p:cNvSpPr/>
+          <p:nvPr/>
+        </p:nvSpPr>
+        <p:spPr>
+          <a:xfrm>
+            <a:off x="2185267" y="4308916"/>
+            <a:ext cx="932356" cy="462051"/>
+          </a:xfrm>
+          <a:prstGeom prst="can">
+            <a:avLst/>
+          </a:prstGeom>
+          <a:ln w="19050"/>
+        </p:spPr>
+        <p:style>
+          <a:lnRef idx="2">
+            <a:schemeClr val="accent5"/>
+          </a:lnRef>
+          <a:fillRef idx="1">
+            <a:schemeClr val="lt1"/>
+          </a:fillRef>
+          <a:effectRef idx="0">
+            <a:schemeClr val="accent5"/>
+          </a:effectRef>
+          <a:fontRef idx="minor">
+            <a:schemeClr val="dk1"/>
+          </a:fontRef>
+        </p:style>
+        <p:txBody>
+          <a:bodyPr rtlCol="0" anchor="ctr"/>
+          <a:lstStyle/>
+          <a:p>
+            <a:pPr algn="ctr"/>
+            <a:r>
+              <a:rPr lang="en-US" altLang="zh-CN" sz="1600" dirty="0" smtClean="0"/>
+              <a:t>DB</a:t>
+            </a:r>
+            <a:endParaRPr lang="zh-CN" altLang="en-US" sz="1600" dirty="0"/>
+          </a:p>
+        </p:txBody>
+      </p:sp>
+      <p:sp>
+        <p:nvSpPr>
+          <p:cNvPr id="7" name="矩形 6"/>
+          <p:cNvSpPr/>
+          <p:nvPr/>
+        </p:nvSpPr>
+        <p:spPr>
+          <a:xfrm>
+            <a:off x="2100280" y="519523"/>
+            <a:ext cx="1102330" cy="371072"/>
+          </a:xfrm>
+          <a:prstGeom prst="rect">
+            <a:avLst/>
+          </a:prstGeom>
+          <a:ln w="19050">
+            <a:prstDash val="dash"/>
+          </a:ln>
+        </p:spPr>
+        <p:style>
+          <a:lnRef idx="2">
+            <a:schemeClr val="accent5"/>
+          </a:lnRef>
+          <a:fillRef idx="1">
+            <a:schemeClr val="lt1"/>
+          </a:fillRef>
+          <a:effectRef idx="0">
+            <a:schemeClr val="accent5"/>
+          </a:effectRef>
+          <a:fontRef idx="minor">
+            <a:schemeClr val="dk1"/>
+          </a:fontRef>
+        </p:style>
+        <p:txBody>
+          <a:bodyPr rtlCol="0" anchor="ctr"/>
+          <a:lstStyle/>
+          <a:p>
+            <a:pPr algn="ctr"/>
+            <a:r>
+              <a:rPr lang="zh-CN" altLang="en-US" sz="1600" dirty="0"/>
+              <a:t>前</a:t>
+            </a:r>
+            <a:r>
+              <a:rPr lang="zh-CN" altLang="en-US" sz="1600" dirty="0" smtClean="0"/>
+              <a:t>端</a:t>
+            </a:r>
+            <a:endParaRPr lang="zh-CN" altLang="en-US" sz="1600" dirty="0"/>
+          </a:p>
+        </p:txBody>
+      </p:sp>
+      <p:sp>
+        <p:nvSpPr>
+          <p:cNvPr id="8" name="右箭头 7"/>
+          <p:cNvSpPr/>
+          <p:nvPr/>
+        </p:nvSpPr>
+        <p:spPr>
+          <a:xfrm rot="5400000">
+            <a:off x="2364428" y="1125950"/>
+            <a:ext cx="574034" cy="103323"/>
+          </a:xfrm>
+          <a:prstGeom prst="rightArrow">
+            <a:avLst/>
+          </a:prstGeom>
+          <a:ln w="19050"/>
+        </p:spPr>
+        <p:style>
+          <a:lnRef idx="2">
+            <a:schemeClr val="accent5"/>
+          </a:lnRef>
+          <a:fillRef idx="1">
+            <a:schemeClr val="lt1"/>
+          </a:fillRef>
+          <a:effectRef idx="0">
+            <a:schemeClr val="accent5"/>
+          </a:effectRef>
+          <a:fontRef idx="minor">
+            <a:schemeClr val="dk1"/>
+          </a:fontRef>
+        </p:style>
+        <p:txBody>
+          <a:bodyPr rtlCol="0" anchor="ctr"/>
+          <a:lstStyle/>
+          <a:p>
+            <a:pPr algn="ctr"/>
+            <a:endParaRPr lang="zh-CN" altLang="en-US" sz="1600"/>
+          </a:p>
+        </p:txBody>
+      </p:sp>
+      <p:sp>
+        <p:nvSpPr>
+          <p:cNvPr id="9" name="右箭头 8"/>
+          <p:cNvSpPr/>
+          <p:nvPr/>
+        </p:nvSpPr>
+        <p:spPr>
+          <a:xfrm rot="5400000">
+            <a:off x="2376272" y="2072861"/>
+            <a:ext cx="550345" cy="103323"/>
+          </a:xfrm>
+          <a:prstGeom prst="rightArrow">
+            <a:avLst/>
+          </a:prstGeom>
+          <a:ln w="19050"/>
+        </p:spPr>
+        <p:style>
+          <a:lnRef idx="2">
+            <a:schemeClr val="accent5"/>
+          </a:lnRef>
+          <a:fillRef idx="1">
+            <a:schemeClr val="lt1"/>
+          </a:fillRef>
+          <a:effectRef idx="0">
+            <a:schemeClr val="accent5"/>
+          </a:effectRef>
+          <a:fontRef idx="minor">
+            <a:schemeClr val="dk1"/>
+          </a:fontRef>
+        </p:style>
+        <p:txBody>
+          <a:bodyPr rtlCol="0" anchor="ctr"/>
+          <a:lstStyle/>
+          <a:p>
+            <a:pPr algn="ctr"/>
+            <a:endParaRPr lang="zh-CN" altLang="en-US" sz="1600"/>
+          </a:p>
+        </p:txBody>
+      </p:sp>
+      <p:sp>
+        <p:nvSpPr>
+          <p:cNvPr id="10" name="右箭头 9"/>
+          <p:cNvSpPr/>
+          <p:nvPr/>
+        </p:nvSpPr>
+        <p:spPr>
+          <a:xfrm rot="5400000">
+            <a:off x="2367914" y="3019645"/>
+            <a:ext cx="567062" cy="103323"/>
+          </a:xfrm>
+          <a:prstGeom prst="rightArrow">
+            <a:avLst/>
+          </a:prstGeom>
+          <a:ln w="19050"/>
+        </p:spPr>
+        <p:style>
+          <a:lnRef idx="2">
+            <a:schemeClr val="accent5"/>
+          </a:lnRef>
+          <a:fillRef idx="1">
+            <a:schemeClr val="lt1"/>
+          </a:fillRef>
+          <a:effectRef idx="0">
+            <a:schemeClr val="accent5"/>
+          </a:effectRef>
+          <a:fontRef idx="minor">
+            <a:schemeClr val="dk1"/>
+          </a:fontRef>
+        </p:style>
+        <p:txBody>
+          <a:bodyPr rtlCol="0" anchor="ctr"/>
+          <a:lstStyle/>
+          <a:p>
+            <a:pPr algn="ctr"/>
+            <a:endParaRPr lang="zh-CN" altLang="en-US" sz="1600"/>
+          </a:p>
+        </p:txBody>
+      </p:sp>
+      <p:sp>
+        <p:nvSpPr>
+          <p:cNvPr id="11" name="右箭头 10"/>
+          <p:cNvSpPr/>
+          <p:nvPr/>
+        </p:nvSpPr>
+        <p:spPr>
+          <a:xfrm rot="5400000">
+            <a:off x="2367914" y="3964750"/>
+            <a:ext cx="567062" cy="103323"/>
+          </a:xfrm>
+          <a:prstGeom prst="rightArrow">
+            <a:avLst/>
+          </a:prstGeom>
+          <a:ln w="19050"/>
+        </p:spPr>
+        <p:style>
+          <a:lnRef idx="2">
+            <a:schemeClr val="accent5"/>
+          </a:lnRef>
+          <a:fillRef idx="1">
+            <a:schemeClr val="lt1"/>
+          </a:fillRef>
+          <a:effectRef idx="0">
+            <a:schemeClr val="accent5"/>
+          </a:effectRef>
+          <a:fontRef idx="minor">
+            <a:schemeClr val="dk1"/>
+          </a:fontRef>
+        </p:style>
+        <p:txBody>
+          <a:bodyPr rtlCol="0" anchor="ctr"/>
+          <a:lstStyle/>
+          <a:p>
+            <a:pPr algn="ctr"/>
+            <a:endParaRPr lang="zh-CN" altLang="en-US" sz="1600"/>
+          </a:p>
+        </p:txBody>
+      </p:sp>
+      <p:sp>
+        <p:nvSpPr>
+          <p:cNvPr id="12" name="左大括号 11"/>
+          <p:cNvSpPr/>
+          <p:nvPr/>
+        </p:nvSpPr>
+        <p:spPr>
+          <a:xfrm>
+            <a:off x="1139938" y="1059581"/>
+            <a:ext cx="486054" cy="3168901"/>
+          </a:xfrm>
+          <a:prstGeom prst="leftBrace">
+            <a:avLst>
+              <a:gd name="adj1" fmla="val 77072"/>
+              <a:gd name="adj2" fmla="val 50000"/>
+            </a:avLst>
+          </a:prstGeom>
+          <a:ln w="19050"/>
+        </p:spPr>
+        <p:style>
+          <a:lnRef idx="2">
+            <a:schemeClr val="accent5"/>
+          </a:lnRef>
+          <a:fillRef idx="0">
+            <a:schemeClr val="accent5"/>
+          </a:fillRef>
+          <a:effectRef idx="1">
+            <a:schemeClr val="accent5"/>
+          </a:effectRef>
+          <a:fontRef idx="minor">
+            <a:schemeClr val="tx1"/>
+          </a:fontRef>
+        </p:style>
+        <p:txBody>
+          <a:bodyPr rtlCol="0" anchor="ctr"/>
+          <a:lstStyle/>
+          <a:p>
+            <a:pPr algn="ctr"/>
+            <a:endParaRPr lang="zh-CN" altLang="en-US" sz="1600"/>
+          </a:p>
+        </p:txBody>
+      </p:sp>
+      <p:sp>
+        <p:nvSpPr>
+          <p:cNvPr id="13" name="TextBox 12"/>
+          <p:cNvSpPr txBox="1"/>
+          <p:nvPr/>
+        </p:nvSpPr>
+        <p:spPr>
+          <a:xfrm>
+            <a:off x="-105504" y="2167358"/>
+            <a:ext cx="1296144" cy="584775"/>
+          </a:xfrm>
+          <a:prstGeom prst="rect">
+            <a:avLst/>
+          </a:prstGeom>
+          <a:noFill/>
+        </p:spPr>
+        <p:txBody>
+          <a:bodyPr wrap="square" rtlCol="0">
+            <a:spAutoFit/>
+          </a:bodyPr>
+          <a:lstStyle/>
+          <a:p>
+            <a:pPr algn="ctr"/>
+            <a:r>
+              <a:rPr lang="en-US" altLang="zh-CN" sz="1600" dirty="0" smtClean="0"/>
+              <a:t>SpringMVC</a:t>
+            </a:r>
+            <a:r>
+              <a:rPr lang="zh-CN" altLang="en-US" sz="1600" dirty="0" smtClean="0"/>
+              <a:t>封装</a:t>
+            </a:r>
+            <a:endParaRPr lang="zh-CN" altLang="en-US" sz="1600" dirty="0"/>
+          </a:p>
+        </p:txBody>
+      </p:sp>
+      <p:sp>
+        <p:nvSpPr>
+          <p:cNvPr id="14" name="TextBox 13"/>
+          <p:cNvSpPr txBox="1"/>
+          <p:nvPr/>
+        </p:nvSpPr>
+        <p:spPr>
+          <a:xfrm>
+            <a:off x="2883162" y="3889929"/>
+            <a:ext cx="2880320" cy="338554"/>
+          </a:xfrm>
+          <a:prstGeom prst="rect">
+            <a:avLst/>
+          </a:prstGeom>
+          <a:noFill/>
+        </p:spPr>
+        <p:txBody>
+          <a:bodyPr wrap="square" rtlCol="0">
+            <a:spAutoFit/>
+          </a:bodyPr>
+          <a:lstStyle/>
+          <a:p>
+            <a:r>
+              <a:rPr lang="zh-CN" altLang="en-US" sz="1600" dirty="0"/>
+              <a:t>封装</a:t>
+            </a:r>
+            <a:r>
+              <a:rPr lang="zh-CN" altLang="en-US" sz="1600" dirty="0" smtClean="0"/>
+              <a:t>在</a:t>
+            </a:r>
+            <a:r>
+              <a:rPr lang="en-US" altLang="zh-CN" sz="1600" dirty="0" smtClean="0"/>
+              <a:t>spring JPA</a:t>
+            </a:r>
+            <a:r>
+              <a:rPr lang="zh-CN" altLang="en-US" sz="1600" dirty="0" smtClean="0"/>
+              <a:t>中的</a:t>
+            </a:r>
+            <a:r>
+              <a:rPr lang="en-US" altLang="zh-CN" sz="1600" dirty="0" smtClean="0"/>
+              <a:t>Hibernate</a:t>
+            </a:r>
+            <a:endParaRPr lang="zh-CN" altLang="en-US" sz="1600" dirty="0"/>
+          </a:p>
+        </p:txBody>
+      </p:sp>
+      <p:sp>
+        <p:nvSpPr>
+          <p:cNvPr id="15" name="矩形 14"/>
+          <p:cNvSpPr/>
+          <p:nvPr/>
+        </p:nvSpPr>
+        <p:spPr>
+          <a:xfrm>
+            <a:off x="3669178" y="2343750"/>
+            <a:ext cx="2356099" cy="738664"/>
+          </a:xfrm>
+          <a:prstGeom prst="rect">
+            <a:avLst/>
+          </a:prstGeom>
+        </p:spPr>
+        <p:txBody>
+          <a:bodyPr wrap="square">
+            <a:spAutoFit/>
+          </a:bodyPr>
+          <a:lstStyle/>
+          <a:p>
+            <a:r>
+              <a:rPr lang="en-US" altLang="zh-CN" sz="1400" dirty="0" smtClean="0"/>
+              <a:t>service</a:t>
+            </a:r>
+            <a:r>
+              <a:rPr lang="zh-CN" altLang="en-US" sz="1400" dirty="0" smtClean="0"/>
+              <a:t>接口和实现类，业务逻辑处理、有效性</a:t>
+            </a:r>
+            <a:r>
+              <a:rPr lang="zh-CN" altLang="en-US" sz="1400" dirty="0"/>
+              <a:t>验证等，不应该含有具体对象</a:t>
+            </a:r>
+            <a:endParaRPr lang="zh-CN" altLang="en-US" sz="1400" dirty="0"/>
+          </a:p>
+        </p:txBody>
+      </p:sp>
+      <p:sp>
+        <p:nvSpPr>
+          <p:cNvPr id="16" name="矩形 15"/>
+          <p:cNvSpPr/>
+          <p:nvPr/>
+        </p:nvSpPr>
+        <p:spPr>
+          <a:xfrm>
+            <a:off x="3635896" y="3282248"/>
+            <a:ext cx="2501554" cy="523220"/>
+          </a:xfrm>
+          <a:prstGeom prst="rect">
+            <a:avLst/>
+          </a:prstGeom>
+        </p:spPr>
+        <p:txBody>
+          <a:bodyPr wrap="square">
+            <a:spAutoFit/>
+          </a:bodyPr>
+          <a:lstStyle/>
+          <a:p>
+            <a:r>
+              <a:rPr lang="en-US" altLang="zh-CN" sz="1400" dirty="0" smtClean="0"/>
+              <a:t>DAO</a:t>
+            </a:r>
+            <a:r>
+              <a:rPr lang="zh-CN" altLang="en-US" sz="1400" dirty="0" smtClean="0"/>
+              <a:t>接口和实现类一个</a:t>
+            </a:r>
+            <a:r>
+              <a:rPr lang="en-US" altLang="zh-CN" sz="1400" dirty="0" smtClean="0"/>
+              <a:t>DAO</a:t>
+            </a:r>
+            <a:r>
+              <a:rPr lang="zh-CN" altLang="en-US" sz="1400" dirty="0" smtClean="0"/>
+              <a:t>对应一个</a:t>
+            </a:r>
+            <a:r>
+              <a:rPr lang="en-US" altLang="zh-CN" sz="1400" dirty="0" smtClean="0"/>
+              <a:t>domain</a:t>
+            </a:r>
+            <a:r>
+              <a:rPr lang="zh-CN" altLang="en-US" sz="1400" dirty="0" smtClean="0"/>
+              <a:t>（数据库对象）</a:t>
+            </a:r>
+            <a:endParaRPr lang="zh-CN" altLang="en-US" sz="1400" dirty="0"/>
+          </a:p>
+        </p:txBody>
+      </p:sp>
+      <p:sp>
+        <p:nvSpPr>
+          <p:cNvPr id="17" name="TextBox 16"/>
+          <p:cNvSpPr txBox="1"/>
+          <p:nvPr/>
+        </p:nvSpPr>
+        <p:spPr>
+          <a:xfrm>
+            <a:off x="3669178" y="1375067"/>
+            <a:ext cx="2356099" cy="523220"/>
+          </a:xfrm>
+          <a:prstGeom prst="rect">
+            <a:avLst/>
+          </a:prstGeom>
+          <a:noFill/>
+        </p:spPr>
+        <p:txBody>
+          <a:bodyPr wrap="square" rtlCol="0">
+            <a:spAutoFit/>
+          </a:bodyPr>
+          <a:lstStyle/>
+          <a:p>
+            <a:r>
+              <a:rPr lang="en-US" altLang="zh-CN" sz="1400" dirty="0" smtClean="0"/>
+              <a:t>controller</a:t>
+            </a:r>
+            <a:r>
+              <a:rPr lang="zh-CN" altLang="en-US" sz="1400" dirty="0" smtClean="0"/>
+              <a:t>：处理前后端数据接口，</a:t>
+            </a:r>
+            <a:r>
+              <a:rPr lang="zh-CN" altLang="en-US" sz="1400" dirty="0"/>
+              <a:t>原来</a:t>
+            </a:r>
+            <a:r>
+              <a:rPr lang="en-US" altLang="zh-CN" sz="1400" dirty="0"/>
+              <a:t>struts</a:t>
+            </a:r>
+            <a:r>
+              <a:rPr lang="zh-CN" altLang="en-US" sz="1400" dirty="0"/>
+              <a:t>的</a:t>
+            </a:r>
+            <a:r>
+              <a:rPr lang="en-US" altLang="zh-CN" sz="1400" dirty="0" smtClean="0"/>
+              <a:t>action</a:t>
+            </a:r>
+            <a:endParaRPr lang="zh-CN" altLang="en-US" sz="1400" dirty="0"/>
+          </a:p>
+        </p:txBody>
+      </p:sp>
+      <p:sp>
+        <p:nvSpPr>
+          <p:cNvPr id="21" name="TextBox 20"/>
+          <p:cNvSpPr txBox="1"/>
+          <p:nvPr/>
+        </p:nvSpPr>
+        <p:spPr>
+          <a:xfrm>
+            <a:off x="2879778" y="1008334"/>
+            <a:ext cx="972142" cy="338554"/>
+          </a:xfrm>
+          <a:prstGeom prst="rect">
+            <a:avLst/>
+          </a:prstGeom>
+          <a:noFill/>
+          <a:ln w="19050">
+            <a:solidFill>
+              <a:schemeClr val="tx1"/>
+            </a:solidFill>
+          </a:ln>
+        </p:spPr>
+        <p:txBody>
+          <a:bodyPr wrap="square" rtlCol="0">
+            <a:spAutoFit/>
+          </a:bodyPr>
+          <a:lstStyle/>
+          <a:p>
+            <a:r>
+              <a:rPr lang="en-US" altLang="zh-CN" sz="1600" dirty="0" smtClean="0"/>
+              <a:t>ajax</a:t>
+            </a:r>
+            <a:r>
+              <a:rPr lang="zh-CN" altLang="en-US" sz="1600" dirty="0" smtClean="0"/>
+              <a:t>请求</a:t>
+            </a:r>
+            <a:endParaRPr lang="zh-CN" altLang="en-US" sz="1600" dirty="0"/>
+          </a:p>
+        </p:txBody>
+      </p:sp>
+      <p:sp>
+        <p:nvSpPr>
+          <p:cNvPr id="25" name="矩形 24"/>
+          <p:cNvSpPr/>
+          <p:nvPr/>
+        </p:nvSpPr>
+        <p:spPr>
+          <a:xfrm>
+            <a:off x="6084168" y="910631"/>
+            <a:ext cx="2592288" cy="938719"/>
+          </a:xfrm>
+          <a:prstGeom prst="rect">
+            <a:avLst/>
+          </a:prstGeom>
+        </p:spPr>
+        <p:style>
+          <a:lnRef idx="2">
+            <a:schemeClr val="accent3"/>
+          </a:lnRef>
+          <a:fillRef idx="1">
+            <a:schemeClr val="lt1"/>
+          </a:fillRef>
+          <a:effectRef idx="0">
+            <a:schemeClr val="accent3"/>
+          </a:effectRef>
+          <a:fontRef idx="minor">
+            <a:schemeClr val="dk1"/>
+          </a:fontRef>
+        </p:style>
+        <p:txBody>
+          <a:bodyPr wrap="square">
+            <a:spAutoFit/>
+          </a:bodyPr>
+          <a:lstStyle/>
+          <a:p>
+            <a:r>
+              <a:rPr lang="en-US" altLang="zh-CN" sz="1100" dirty="0" smtClean="0">
+                <a:solidFill>
+                  <a:prstClr val="black"/>
+                </a:solidFill>
+                <a:ea typeface="宋体"/>
+              </a:rPr>
+              <a:t>xxx/controller/</a:t>
+            </a:r>
+            <a:r>
+              <a:rPr lang="en-US" altLang="zh-CN" sz="1100" dirty="0" smtClean="0"/>
+              <a:t>InspectionController</a:t>
+            </a:r>
+            <a:r>
+              <a:rPr lang="en-US" altLang="zh-CN" sz="1100" dirty="0" smtClean="0">
+                <a:solidFill>
+                  <a:prstClr val="black"/>
+                </a:solidFill>
+                <a:ea typeface="宋体"/>
+              </a:rPr>
+              <a:t>.java</a:t>
+            </a:r>
+          </a:p>
+          <a:p>
+            <a:r>
+              <a:rPr lang="en-US" altLang="zh-CN" sz="1100" dirty="0">
+                <a:solidFill>
+                  <a:srgbClr val="646464"/>
+                </a:solidFill>
+                <a:latin typeface="Consolas"/>
+              </a:rPr>
+              <a:t>@Controller</a:t>
+            </a:r>
+          </a:p>
+          <a:p>
+            <a:r>
+              <a:rPr lang="en-US" altLang="zh-CN" sz="1100" dirty="0">
+                <a:solidFill>
+                  <a:srgbClr val="646464"/>
+                </a:solidFill>
+                <a:latin typeface="Consolas"/>
+              </a:rPr>
+              <a:t>@</a:t>
+            </a:r>
+            <a:r>
+              <a:rPr lang="en-US" altLang="zh-CN" sz="1100" dirty="0">
+                <a:solidFill>
+                  <a:srgbClr val="646464"/>
+                </a:solidFill>
+                <a:highlight>
+                  <a:srgbClr val="D4D4D4"/>
+                </a:highlight>
+                <a:latin typeface="Consolas"/>
+              </a:rPr>
+              <a:t>RequestMapping</a:t>
+            </a:r>
+            <a:r>
+              <a:rPr lang="en-US" altLang="zh-CN" sz="1100" dirty="0">
+                <a:solidFill>
+                  <a:srgbClr val="000000"/>
+                </a:solidFill>
+                <a:highlight>
+                  <a:srgbClr val="D4D4D4"/>
+                </a:highlight>
+                <a:latin typeface="Consolas"/>
+              </a:rPr>
+              <a:t>(</a:t>
+            </a:r>
+            <a:r>
+              <a:rPr lang="en-US" altLang="zh-CN" sz="1100" dirty="0">
+                <a:solidFill>
+                  <a:srgbClr val="2A00FF"/>
+                </a:solidFill>
+                <a:highlight>
+                  <a:srgbClr val="D4D4D4"/>
+                </a:highlight>
+                <a:latin typeface="Consolas"/>
+              </a:rPr>
+              <a:t>"/inspections</a:t>
+            </a:r>
+            <a:r>
+              <a:rPr lang="en-US" altLang="zh-CN" sz="1100" dirty="0" smtClean="0">
+                <a:solidFill>
+                  <a:srgbClr val="2A00FF"/>
+                </a:solidFill>
+                <a:highlight>
+                  <a:srgbClr val="D4D4D4"/>
+                </a:highlight>
+                <a:latin typeface="Consolas"/>
+              </a:rPr>
+              <a:t>"</a:t>
+            </a:r>
+            <a:r>
+              <a:rPr lang="en-US" altLang="zh-CN" sz="1100" dirty="0" smtClean="0">
+                <a:solidFill>
+                  <a:srgbClr val="000000"/>
+                </a:solidFill>
+                <a:highlight>
+                  <a:srgbClr val="D4D4D4"/>
+                </a:highlight>
+                <a:latin typeface="Consolas"/>
+              </a:rPr>
+              <a:t>)</a:t>
+            </a:r>
+          </a:p>
+          <a:p>
+            <a:r>
+              <a:rPr lang="en-US" altLang="zh-CN" sz="1100" dirty="0">
+                <a:solidFill>
+                  <a:srgbClr val="7F0055"/>
+                </a:solidFill>
+                <a:highlight>
+                  <a:srgbClr val="E8F2FE"/>
+                </a:highlight>
+                <a:latin typeface="Consolas"/>
+              </a:rPr>
+              <a:t>public</a:t>
+            </a:r>
+            <a:r>
+              <a:rPr lang="en-US" altLang="zh-CN" sz="1100" dirty="0">
+                <a:solidFill>
+                  <a:srgbClr val="000000"/>
+                </a:solidFill>
+                <a:highlight>
+                  <a:srgbClr val="E8F2FE"/>
+                </a:highlight>
+                <a:latin typeface="Consolas"/>
+              </a:rPr>
+              <a:t> </a:t>
+            </a:r>
+            <a:r>
+              <a:rPr lang="en-US" altLang="zh-CN" sz="1100" dirty="0">
+                <a:solidFill>
+                  <a:srgbClr val="7F0055"/>
+                </a:solidFill>
+                <a:highlight>
+                  <a:srgbClr val="E8F2FE"/>
+                </a:highlight>
+                <a:latin typeface="Consolas"/>
+              </a:rPr>
+              <a:t>class</a:t>
+            </a:r>
+            <a:r>
+              <a:rPr lang="en-US" altLang="zh-CN" sz="1100" dirty="0">
+                <a:solidFill>
+                  <a:srgbClr val="000000"/>
+                </a:solidFill>
+                <a:highlight>
+                  <a:srgbClr val="E8F2FE"/>
+                </a:highlight>
+                <a:latin typeface="Consolas"/>
+              </a:rPr>
+              <a:t> InspectionController </a:t>
+            </a:r>
+            <a:r>
+              <a:rPr lang="en-US" altLang="zh-CN" sz="1100" dirty="0" smtClean="0">
+                <a:solidFill>
+                  <a:srgbClr val="000000"/>
+                </a:solidFill>
+                <a:highlight>
+                  <a:srgbClr val="E8F2FE"/>
+                </a:highlight>
+                <a:latin typeface="Consolas"/>
+              </a:rPr>
+              <a:t>{…}</a:t>
+            </a:r>
+            <a:endParaRPr lang="en-US" altLang="zh-CN" sz="1100" dirty="0" smtClean="0">
+              <a:solidFill>
+                <a:srgbClr val="646464"/>
+              </a:solidFill>
+              <a:latin typeface="Calibri" panose="020F0502020204030204" pitchFamily="34" charset="0"/>
+            </a:endParaRPr>
+          </a:p>
+        </p:txBody>
+      </p:sp>
+      <p:sp>
+        <p:nvSpPr>
+          <p:cNvPr id="28" name="矩形 27"/>
+          <p:cNvSpPr/>
+          <p:nvPr/>
+        </p:nvSpPr>
+        <p:spPr>
+          <a:xfrm>
+            <a:off x="6084168" y="2233776"/>
+            <a:ext cx="2592288" cy="769441"/>
+          </a:xfrm>
+          <a:prstGeom prst="rect">
+            <a:avLst/>
+          </a:prstGeom>
+        </p:spPr>
+        <p:style>
+          <a:lnRef idx="2">
+            <a:schemeClr val="accent3"/>
+          </a:lnRef>
+          <a:fillRef idx="1">
+            <a:schemeClr val="lt1"/>
+          </a:fillRef>
+          <a:effectRef idx="0">
+            <a:schemeClr val="accent3"/>
+          </a:effectRef>
+          <a:fontRef idx="minor">
+            <a:schemeClr val="dk1"/>
+          </a:fontRef>
+        </p:style>
+        <p:txBody>
+          <a:bodyPr wrap="square">
+            <a:spAutoFit/>
+          </a:bodyPr>
+          <a:lstStyle/>
+          <a:p>
+            <a:r>
+              <a:rPr lang="en-US" altLang="zh-CN" sz="1100" dirty="0" smtClean="0">
+                <a:solidFill>
+                  <a:prstClr val="black"/>
+                </a:solidFill>
+                <a:ea typeface="宋体"/>
+              </a:rPr>
+              <a:t>xxx/</a:t>
+            </a:r>
+            <a:r>
+              <a:rPr lang="en-US" altLang="zh-CN" sz="1100" dirty="0" smtClean="0"/>
+              <a:t>service/InspectContentService.java</a:t>
+            </a:r>
+          </a:p>
+          <a:p>
+            <a:r>
+              <a:rPr lang="en-US" altLang="zh-CN" sz="1100" dirty="0">
+                <a:solidFill>
+                  <a:srgbClr val="646464"/>
+                </a:solidFill>
+                <a:latin typeface="Consolas"/>
+              </a:rPr>
+              <a:t>@Service</a:t>
+            </a:r>
+          </a:p>
+          <a:p>
+            <a:r>
+              <a:rPr lang="en-US" altLang="zh-CN" sz="1100" dirty="0">
+                <a:solidFill>
+                  <a:srgbClr val="7F0055"/>
+                </a:solidFill>
+                <a:latin typeface="Consolas"/>
+              </a:rPr>
+              <a:t>public</a:t>
+            </a:r>
+            <a:r>
+              <a:rPr lang="en-US" altLang="zh-CN" sz="1100" dirty="0">
+                <a:solidFill>
+                  <a:srgbClr val="000000"/>
+                </a:solidFill>
+                <a:latin typeface="Consolas"/>
+              </a:rPr>
+              <a:t> </a:t>
+            </a:r>
+            <a:r>
+              <a:rPr lang="en-US" altLang="zh-CN" sz="1100" dirty="0">
+                <a:solidFill>
+                  <a:srgbClr val="7F0055"/>
+                </a:solidFill>
+                <a:latin typeface="Consolas"/>
+              </a:rPr>
+              <a:t>class</a:t>
+            </a:r>
+            <a:r>
+              <a:rPr lang="en-US" altLang="zh-CN" sz="1100" dirty="0">
+                <a:solidFill>
+                  <a:srgbClr val="000000"/>
+                </a:solidFill>
+                <a:latin typeface="Consolas"/>
+              </a:rPr>
+              <a:t> InspectContentService </a:t>
+            </a:r>
+            <a:r>
+              <a:rPr lang="en-US" altLang="zh-CN" sz="1100" dirty="0" smtClean="0">
+                <a:solidFill>
+                  <a:srgbClr val="000000"/>
+                </a:solidFill>
+                <a:latin typeface="Consolas"/>
+              </a:rPr>
+              <a:t>{…}</a:t>
+            </a:r>
+            <a:endParaRPr lang="en-US" altLang="zh-CN" sz="1100" dirty="0" smtClean="0">
+              <a:solidFill>
+                <a:prstClr val="black"/>
+              </a:solidFill>
+              <a:ea typeface="宋体"/>
+            </a:endParaRPr>
+          </a:p>
+        </p:txBody>
+      </p:sp>
+      <p:sp>
+        <p:nvSpPr>
+          <p:cNvPr id="29" name="矩形 28"/>
+          <p:cNvSpPr/>
+          <p:nvPr/>
+        </p:nvSpPr>
+        <p:spPr>
+          <a:xfrm>
+            <a:off x="6215635" y="3420747"/>
+            <a:ext cx="2592288" cy="1277273"/>
+          </a:xfrm>
+          <a:prstGeom prst="rect">
+            <a:avLst/>
+          </a:prstGeom>
+        </p:spPr>
+        <p:style>
+          <a:lnRef idx="2">
+            <a:schemeClr val="accent3"/>
+          </a:lnRef>
+          <a:fillRef idx="1">
+            <a:schemeClr val="lt1"/>
+          </a:fillRef>
+          <a:effectRef idx="0">
+            <a:schemeClr val="accent3"/>
+          </a:effectRef>
+          <a:fontRef idx="minor">
+            <a:schemeClr val="dk1"/>
+          </a:fontRef>
+        </p:style>
+        <p:txBody>
+          <a:bodyPr wrap="square">
+            <a:spAutoFit/>
+          </a:bodyPr>
+          <a:lstStyle/>
+          <a:p>
+            <a:r>
+              <a:rPr lang="en-US" altLang="zh-CN" sz="1100" dirty="0" smtClean="0">
+                <a:solidFill>
+                  <a:prstClr val="black"/>
+                </a:solidFill>
+                <a:ea typeface="宋体"/>
+              </a:rPr>
+              <a:t>xxx/</a:t>
+            </a:r>
+            <a:r>
+              <a:rPr lang="en-US" altLang="zh-CN" sz="1100" dirty="0" smtClean="0"/>
+              <a:t>domain/InspectContent.java</a:t>
+            </a:r>
+          </a:p>
+          <a:p>
+            <a:r>
+              <a:rPr lang="en-US" altLang="zh-CN" sz="1100" dirty="0">
+                <a:solidFill>
+                  <a:schemeClr val="tx1">
+                    <a:lumMod val="50000"/>
+                    <a:lumOff val="50000"/>
+                  </a:schemeClr>
+                </a:solidFill>
+                <a:latin typeface="Consolas"/>
+              </a:rPr>
+              <a:t>@Entity</a:t>
+            </a:r>
+          </a:p>
+          <a:p>
+            <a:r>
+              <a:rPr lang="en-US" altLang="zh-CN" sz="1100" dirty="0">
+                <a:solidFill>
+                  <a:srgbClr val="7F0055"/>
+                </a:solidFill>
+                <a:latin typeface="Consolas"/>
+              </a:rPr>
+              <a:t>public</a:t>
+            </a:r>
+            <a:r>
+              <a:rPr lang="en-US" altLang="zh-CN" sz="1100" dirty="0">
+                <a:solidFill>
+                  <a:srgbClr val="000000"/>
+                </a:solidFill>
+                <a:latin typeface="Consolas"/>
+              </a:rPr>
+              <a:t> </a:t>
+            </a:r>
+            <a:r>
+              <a:rPr lang="en-US" altLang="zh-CN" sz="1100" dirty="0">
+                <a:solidFill>
+                  <a:srgbClr val="7F0055"/>
+                </a:solidFill>
+                <a:latin typeface="Consolas"/>
+              </a:rPr>
+              <a:t>class</a:t>
+            </a:r>
+            <a:r>
+              <a:rPr lang="en-US" altLang="zh-CN" sz="1100" dirty="0">
+                <a:solidFill>
+                  <a:srgbClr val="000000"/>
+                </a:solidFill>
+                <a:latin typeface="Consolas"/>
+              </a:rPr>
+              <a:t> InspectContent {</a:t>
+            </a:r>
+          </a:p>
+          <a:p>
+            <a:r>
+              <a:rPr lang="en-US" altLang="zh-CN" sz="1100" dirty="0" smtClean="0">
+                <a:solidFill>
+                  <a:srgbClr val="646464"/>
+                </a:solidFill>
+                <a:latin typeface="Consolas"/>
+              </a:rPr>
+              <a:t>    @</a:t>
+            </a:r>
+            <a:r>
+              <a:rPr lang="en-US" altLang="zh-CN" sz="1100" dirty="0">
+                <a:solidFill>
+                  <a:srgbClr val="646464"/>
+                </a:solidFill>
+                <a:highlight>
+                  <a:srgbClr val="D4D4D4"/>
+                </a:highlight>
+                <a:latin typeface="Consolas"/>
+              </a:rPr>
+              <a:t>Id</a:t>
+            </a:r>
+          </a:p>
+          <a:p>
+            <a:r>
+              <a:rPr lang="en-US" altLang="zh-CN" sz="1100" dirty="0">
+                <a:solidFill>
+                  <a:srgbClr val="000000"/>
+                </a:solidFill>
+                <a:latin typeface="Consolas"/>
+              </a:rPr>
+              <a:t>    </a:t>
+            </a:r>
+            <a:r>
+              <a:rPr lang="en-US" altLang="zh-CN" sz="1100" dirty="0">
+                <a:solidFill>
+                  <a:srgbClr val="646464"/>
+                </a:solidFill>
+                <a:latin typeface="Consolas"/>
+              </a:rPr>
+              <a:t>@GeneratedValue</a:t>
+            </a:r>
+            <a:r>
+              <a:rPr lang="en-US" altLang="zh-CN" sz="1100" dirty="0">
+                <a:solidFill>
+                  <a:srgbClr val="000000"/>
+                </a:solidFill>
+                <a:latin typeface="Consolas"/>
+              </a:rPr>
+              <a:t>(strategy = GenerationType.</a:t>
+            </a:r>
+            <a:r>
+              <a:rPr lang="en-US" altLang="zh-CN" sz="1100" b="1" i="1" dirty="0">
+                <a:solidFill>
+                  <a:srgbClr val="0000C0"/>
+                </a:solidFill>
+                <a:latin typeface="Consolas"/>
+              </a:rPr>
+              <a:t>IDENTITY</a:t>
+            </a:r>
+            <a:r>
+              <a:rPr lang="en-US" altLang="zh-CN" sz="1100" b="1" i="1" dirty="0">
+                <a:solidFill>
+                  <a:srgbClr val="000000"/>
+                </a:solidFill>
+                <a:latin typeface="Consolas"/>
+              </a:rPr>
+              <a:t>)</a:t>
+            </a:r>
+          </a:p>
+          <a:p>
+            <a:r>
+              <a:rPr lang="en-US" altLang="zh-CN" sz="1100" dirty="0">
+                <a:solidFill>
+                  <a:srgbClr val="000000"/>
+                </a:solidFill>
+                <a:latin typeface="Consolas"/>
+              </a:rPr>
+              <a:t>    </a:t>
+            </a:r>
+            <a:r>
+              <a:rPr lang="en-US" altLang="zh-CN" sz="1100" dirty="0">
+                <a:solidFill>
+                  <a:srgbClr val="7F0055"/>
+                </a:solidFill>
+                <a:latin typeface="Consolas"/>
+              </a:rPr>
+              <a:t>private</a:t>
+            </a:r>
+            <a:r>
+              <a:rPr lang="en-US" altLang="zh-CN" sz="1100" dirty="0">
+                <a:solidFill>
+                  <a:srgbClr val="000000"/>
+                </a:solidFill>
+                <a:latin typeface="Consolas"/>
+              </a:rPr>
+              <a:t> Long </a:t>
+            </a:r>
+            <a:r>
+              <a:rPr lang="en-US" altLang="zh-CN" sz="1100" dirty="0">
+                <a:solidFill>
+                  <a:srgbClr val="0000C0"/>
+                </a:solidFill>
+                <a:latin typeface="Consolas"/>
+              </a:rPr>
+              <a:t>id</a:t>
+            </a:r>
+            <a:r>
+              <a:rPr lang="en-US" altLang="zh-CN" sz="1100" dirty="0">
+                <a:solidFill>
+                  <a:srgbClr val="000000"/>
+                </a:solidFill>
+                <a:latin typeface="Consolas"/>
+              </a:rPr>
+              <a:t>;</a:t>
+            </a:r>
+            <a:endParaRPr lang="en-US" altLang="zh-CN" sz="1100" dirty="0" smtClean="0">
+              <a:solidFill>
+                <a:prstClr val="black"/>
+              </a:solidFill>
+              <a:ea typeface="宋体"/>
+            </a:endParaRPr>
           </a:p>
         </p:txBody>
       </p:sp>
     </p:spTree>
     <p:extLst>
       <p:ext uri="{BB962C8B-B14F-4D97-AF65-F5344CB8AC3E}">
-        <p14:creationId xmlns:p14="http://schemas.microsoft.com/office/powerpoint/2010/main" val="1939477441"/>
+        <p14:creationId xmlns:p14="http://schemas.microsoft.com/office/powerpoint/2010/main" val="1864601798"/>
       </p:ext>
     </p:extLst>
   </p:cSld>
   <p:clrMapOvr>
     <a:masterClrMapping/>
   </p:clrMapOvr>
+  <p:timing>
+    <p:tnLst>
+      <p:par>
+        <p:cTn id="1" dur="indefinite" restart="never" nodeType="tmRoot"/>
+      </p:par>
+    </p:tnLst>
+  </p:timing>
 </p:sld>
 </file>
 
@@ -3108,8 +5165,8 @@
         </p:nvSpPr>
         <p:spPr>
           <a:xfrm>
-            <a:off x="251520" y="188640"/>
-            <a:ext cx="2232248" cy="646331"/>
+            <a:off x="0" y="0"/>
+            <a:ext cx="3960440" cy="369332"/>
           </a:xfrm>
           <a:prstGeom prst="rect">
             <a:avLst/>
@@ -3123,12 +5180,3903 @@
           <a:lstStyle/>
           <a:p>
             <a:r>
+              <a:rPr lang="zh-CN" altLang="en-US" dirty="0" smtClean="0"/>
+              <a:t>基于</a:t>
+            </a:r>
+            <a:r>
+              <a:rPr lang="en-US" altLang="zh-CN" dirty="0" err="1" smtClean="0"/>
+              <a:t>springMVC</a:t>
+            </a:r>
+            <a:r>
+              <a:rPr lang="zh-CN" altLang="en-US" dirty="0" smtClean="0"/>
+              <a:t>的请求</a:t>
+            </a:r>
+            <a:r>
+              <a:rPr lang="en-US" altLang="zh-CN" dirty="0" smtClean="0"/>
+              <a:t>request</a:t>
+            </a:r>
+            <a:r>
+              <a:rPr lang="zh-CN" altLang="en-US" dirty="0" smtClean="0"/>
+              <a:t>数据流</a:t>
+            </a:r>
+            <a:endParaRPr lang="zh-CN" altLang="en-US" dirty="0"/>
+          </a:p>
+        </p:txBody>
+      </p:sp>
+      <p:pic>
+        <p:nvPicPr>
+          <p:cNvPr id="1028" name="Picture 4" descr="这里写图片描述"/>
+          <p:cNvPicPr>
+            <a:picLocks noChangeAspect="1" noChangeArrowheads="1"/>
+          </p:cNvPicPr>
+          <p:nvPr/>
+        </p:nvPicPr>
+        <p:blipFill rotWithShape="1">
+          <a:blip r:embed="rId3">
+            <a:extLst>
+              <a:ext uri="{28A0092B-C50C-407E-A947-70E740481C1C}">
+                <a14:useLocalDpi xmlns:a14="http://schemas.microsoft.com/office/drawing/2010/main" val="0"/>
+              </a:ext>
+            </a:extLst>
+          </a:blip>
+          <a:srcRect b="8871"/>
+          <a:stretch/>
+        </p:blipFill>
+        <p:spPr bwMode="auto">
+          <a:xfrm>
+            <a:off x="827584" y="-74315"/>
+            <a:ext cx="7252917" cy="5120387"/>
+          </a:xfrm>
+          <a:prstGeom prst="rect">
+            <a:avLst/>
+          </a:prstGeom>
+          <a:noFill/>
+          <a:extLst>
+            <a:ext uri="{909E8E84-426E-40DD-AFC4-6F175D3DCCD1}">
+              <a14:hiddenFill xmlns:a14="http://schemas.microsoft.com/office/drawing/2010/main">
+                <a:solidFill>
+                  <a:srgbClr val="FFFFFF"/>
+                </a:solidFill>
+              </a14:hiddenFill>
+            </a:ext>
+          </a:extLst>
+        </p:spPr>
+      </p:pic>
+    </p:spTree>
+    <p:extLst>
+      <p:ext uri="{BB962C8B-B14F-4D97-AF65-F5344CB8AC3E}">
+        <p14:creationId xmlns:p14="http://schemas.microsoft.com/office/powerpoint/2010/main" val="2787867559"/>
+      </p:ext>
+    </p:extLst>
+  </p:cSld>
+  <p:clrMapOvr>
+    <a:masterClrMapping/>
+  </p:clrMapOvr>
+  <p:timing>
+    <p:tnLst>
+      <p:par>
+        <p:cTn id="1" dur="indefinite" restart="never" nodeType="tmRoot"/>
+      </p:par>
+    </p:tnLst>
+  </p:timing>
+</p:sld>
+</file>
+
+<file path=ppt/slides/slide3.xml><?xml version="1.0" encoding="utf-8"?>
+<p:sld xmlns:a="http://schemas.openxmlformats.org/drawingml/2006/main" xmlns:r="http://schemas.openxmlformats.org/officeDocument/2006/relationships" xmlns:p="http://schemas.openxmlformats.org/presentationml/2006/main">
+  <p:cSld>
+    <p:spTree>
+      <p:nvGrpSpPr>
+        <p:cNvPr id="1" name=""/>
+        <p:cNvGrpSpPr/>
+        <p:nvPr/>
+      </p:nvGrpSpPr>
+      <p:grpSpPr>
+        <a:xfrm>
+          <a:off x="0" y="0"/>
+          <a:ext cx="0" cy="0"/>
+          <a:chOff x="0" y="0"/>
+          <a:chExt cx="0" cy="0"/>
+        </a:xfrm>
+      </p:grpSpPr>
+      <p:sp>
+        <p:nvSpPr>
+          <p:cNvPr id="12" name="矩形 11"/>
+          <p:cNvSpPr/>
+          <p:nvPr/>
+        </p:nvSpPr>
+        <p:spPr>
+          <a:xfrm>
+            <a:off x="3058358" y="1796941"/>
+            <a:ext cx="1080120" cy="1944216"/>
+          </a:xfrm>
+          <a:prstGeom prst="rect">
+            <a:avLst/>
+          </a:prstGeom>
+          <a:solidFill>
+            <a:srgbClr val="DFC9EF"/>
+          </a:solidFill>
+          <a:ln>
+            <a:noFill/>
+          </a:ln>
+        </p:spPr>
+        <p:style>
+          <a:lnRef idx="2">
+            <a:schemeClr val="accent1">
+              <a:shade val="50000"/>
+            </a:schemeClr>
+          </a:lnRef>
+          <a:fillRef idx="1">
+            <a:schemeClr val="accent1"/>
+          </a:fillRef>
+          <a:effectRef idx="0">
+            <a:schemeClr val="accent1"/>
+          </a:effectRef>
+          <a:fontRef idx="minor">
+            <a:schemeClr val="lt1"/>
+          </a:fontRef>
+        </p:style>
+        <p:txBody>
+          <a:bodyPr rtlCol="0" anchor="ctr"/>
+          <a:lstStyle/>
+          <a:p>
+            <a:pPr algn="ctr"/>
+            <a:endParaRPr lang="zh-CN" altLang="en-US"/>
+          </a:p>
+        </p:txBody>
+      </p:sp>
+      <p:sp>
+        <p:nvSpPr>
+          <p:cNvPr id="8" name="矩形 7"/>
+          <p:cNvSpPr/>
+          <p:nvPr/>
+        </p:nvSpPr>
+        <p:spPr>
+          <a:xfrm>
+            <a:off x="1475656" y="1796941"/>
+            <a:ext cx="1080120" cy="1944216"/>
+          </a:xfrm>
+          <a:prstGeom prst="rect">
+            <a:avLst/>
+          </a:prstGeom>
+          <a:solidFill>
+            <a:schemeClr val="accent1">
+              <a:lumMod val="20000"/>
+              <a:lumOff val="80000"/>
+            </a:schemeClr>
+          </a:solidFill>
+          <a:ln>
+            <a:noFill/>
+          </a:ln>
+        </p:spPr>
+        <p:style>
+          <a:lnRef idx="2">
+            <a:schemeClr val="accent1">
+              <a:shade val="50000"/>
+            </a:schemeClr>
+          </a:lnRef>
+          <a:fillRef idx="1">
+            <a:schemeClr val="accent1"/>
+          </a:fillRef>
+          <a:effectRef idx="0">
+            <a:schemeClr val="accent1"/>
+          </a:effectRef>
+          <a:fontRef idx="minor">
+            <a:schemeClr val="lt1"/>
+          </a:fontRef>
+        </p:style>
+        <p:txBody>
+          <a:bodyPr rtlCol="0" anchor="ctr"/>
+          <a:lstStyle/>
+          <a:p>
+            <a:pPr algn="ctr"/>
+            <a:endParaRPr lang="zh-CN" altLang="en-US"/>
+          </a:p>
+        </p:txBody>
+      </p:sp>
+      <p:sp>
+        <p:nvSpPr>
+          <p:cNvPr id="2" name="矩形 1"/>
+          <p:cNvSpPr/>
+          <p:nvPr/>
+        </p:nvSpPr>
+        <p:spPr>
+          <a:xfrm>
+            <a:off x="0" y="0"/>
+            <a:ext cx="3749296" cy="369332"/>
+          </a:xfrm>
+          <a:prstGeom prst="rect">
+            <a:avLst/>
+          </a:prstGeom>
+        </p:spPr>
+        <p:txBody>
+          <a:bodyPr wrap="none">
+            <a:spAutoFit/>
+          </a:bodyPr>
+          <a:lstStyle/>
+          <a:p>
+            <a:r>
+              <a:rPr lang="zh-CN" altLang="en-US" dirty="0"/>
+              <a:t>基于</a:t>
+            </a:r>
+            <a:r>
+              <a:rPr lang="en-US" altLang="zh-CN" dirty="0" err="1"/>
+              <a:t>springMVC</a:t>
+            </a:r>
+            <a:r>
+              <a:rPr lang="zh-CN" altLang="en-US" dirty="0"/>
+              <a:t>的</a:t>
+            </a:r>
+            <a:r>
+              <a:rPr lang="zh-CN" altLang="en-US" dirty="0" smtClean="0"/>
+              <a:t>请求的前后端分离</a:t>
+            </a:r>
+            <a:endParaRPr lang="zh-CN" altLang="en-US" dirty="0"/>
+          </a:p>
+        </p:txBody>
+      </p:sp>
+      <p:sp>
+        <p:nvSpPr>
+          <p:cNvPr id="3" name="矩形 2"/>
+          <p:cNvSpPr/>
+          <p:nvPr/>
+        </p:nvSpPr>
+        <p:spPr>
+          <a:xfrm>
+            <a:off x="89706" y="1796941"/>
+            <a:ext cx="809885" cy="1944216"/>
+          </a:xfrm>
+          <a:prstGeom prst="rect">
+            <a:avLst/>
+          </a:prstGeom>
+          <a:solidFill>
+            <a:srgbClr val="BEE395"/>
+          </a:solidFill>
+          <a:ln>
+            <a:noFill/>
+          </a:ln>
+        </p:spPr>
+        <p:style>
+          <a:lnRef idx="2">
+            <a:schemeClr val="accent3"/>
+          </a:lnRef>
+          <a:fillRef idx="1">
+            <a:schemeClr val="lt1"/>
+          </a:fillRef>
+          <a:effectRef idx="0">
+            <a:schemeClr val="accent3"/>
+          </a:effectRef>
+          <a:fontRef idx="minor">
+            <a:schemeClr val="dk1"/>
+          </a:fontRef>
+        </p:style>
+        <p:txBody>
+          <a:bodyPr rtlCol="0" anchor="ctr"/>
+          <a:lstStyle/>
+          <a:p>
+            <a:pPr algn="ctr"/>
+            <a:endParaRPr lang="en-US" altLang="zh-CN" sz="1200" dirty="0" smtClean="0"/>
+          </a:p>
+        </p:txBody>
+      </p:sp>
+      <p:sp>
+        <p:nvSpPr>
+          <p:cNvPr id="4" name="矩形 3"/>
+          <p:cNvSpPr/>
+          <p:nvPr/>
+        </p:nvSpPr>
+        <p:spPr>
+          <a:xfrm>
+            <a:off x="1547664" y="2211710"/>
+            <a:ext cx="933156" cy="288032"/>
+          </a:xfrm>
+          <a:prstGeom prst="rect">
+            <a:avLst/>
+          </a:prstGeom>
+        </p:spPr>
+        <p:style>
+          <a:lnRef idx="2">
+            <a:schemeClr val="accent1"/>
+          </a:lnRef>
+          <a:fillRef idx="1">
+            <a:schemeClr val="lt1"/>
+          </a:fillRef>
+          <a:effectRef idx="0">
+            <a:schemeClr val="accent1"/>
+          </a:effectRef>
+          <a:fontRef idx="minor">
+            <a:schemeClr val="dk1"/>
+          </a:fontRef>
+        </p:style>
+        <p:txBody>
+          <a:bodyPr rtlCol="0" anchor="ctr"/>
+          <a:lstStyle/>
+          <a:p>
+            <a:pPr algn="ctr"/>
+            <a:r>
+              <a:rPr lang="en-US" altLang="zh-CN" sz="1200" dirty="0" smtClean="0"/>
+              <a:t>Filter1</a:t>
+            </a:r>
+            <a:endParaRPr lang="zh-CN" altLang="en-US" sz="1200" dirty="0"/>
+          </a:p>
+        </p:txBody>
+      </p:sp>
+      <p:sp>
+        <p:nvSpPr>
+          <p:cNvPr id="6" name="矩形 5"/>
+          <p:cNvSpPr/>
+          <p:nvPr/>
+        </p:nvSpPr>
+        <p:spPr>
+          <a:xfrm>
+            <a:off x="1547664" y="3363838"/>
+            <a:ext cx="933156" cy="288032"/>
+          </a:xfrm>
+          <a:prstGeom prst="rect">
+            <a:avLst/>
+          </a:prstGeom>
+        </p:spPr>
+        <p:style>
+          <a:lnRef idx="2">
+            <a:schemeClr val="accent1"/>
+          </a:lnRef>
+          <a:fillRef idx="1">
+            <a:schemeClr val="lt1"/>
+          </a:fillRef>
+          <a:effectRef idx="0">
+            <a:schemeClr val="accent1"/>
+          </a:effectRef>
+          <a:fontRef idx="minor">
+            <a:schemeClr val="dk1"/>
+          </a:fontRef>
+        </p:style>
+        <p:txBody>
+          <a:bodyPr rtlCol="0" anchor="ctr"/>
+          <a:lstStyle/>
+          <a:p>
+            <a:pPr algn="ctr"/>
+            <a:r>
+              <a:rPr lang="en-US" altLang="zh-CN" sz="1200" dirty="0" smtClean="0"/>
+              <a:t>FilterN</a:t>
+            </a:r>
+            <a:endParaRPr lang="zh-CN" altLang="en-US" sz="1200" dirty="0"/>
+          </a:p>
+        </p:txBody>
+      </p:sp>
+      <p:sp>
+        <p:nvSpPr>
+          <p:cNvPr id="7" name="矩形 6"/>
+          <p:cNvSpPr/>
+          <p:nvPr/>
+        </p:nvSpPr>
+        <p:spPr>
+          <a:xfrm>
+            <a:off x="1547664" y="2787774"/>
+            <a:ext cx="933156" cy="288032"/>
+          </a:xfrm>
+          <a:prstGeom prst="rect">
+            <a:avLst/>
+          </a:prstGeom>
+        </p:spPr>
+        <p:style>
+          <a:lnRef idx="2">
+            <a:schemeClr val="accent1"/>
+          </a:lnRef>
+          <a:fillRef idx="1">
+            <a:schemeClr val="lt1"/>
+          </a:fillRef>
+          <a:effectRef idx="0">
+            <a:schemeClr val="accent1"/>
+          </a:effectRef>
+          <a:fontRef idx="minor">
+            <a:schemeClr val="dk1"/>
+          </a:fontRef>
+        </p:style>
+        <p:txBody>
+          <a:bodyPr rtlCol="0" anchor="ctr"/>
+          <a:lstStyle/>
+          <a:p>
+            <a:pPr algn="ctr"/>
+            <a:r>
+              <a:rPr lang="en-US" altLang="zh-CN" sz="1200" dirty="0" smtClean="0"/>
+              <a:t>…</a:t>
+            </a:r>
+            <a:endParaRPr lang="zh-CN" altLang="en-US" sz="1200" dirty="0"/>
+          </a:p>
+        </p:txBody>
+      </p:sp>
+      <p:sp>
+        <p:nvSpPr>
+          <p:cNvPr id="9" name="矩形 8"/>
+          <p:cNvSpPr/>
+          <p:nvPr/>
+        </p:nvSpPr>
+        <p:spPr>
+          <a:xfrm>
+            <a:off x="3131840" y="2211710"/>
+            <a:ext cx="933156" cy="288032"/>
+          </a:xfrm>
+          <a:prstGeom prst="rect">
+            <a:avLst/>
+          </a:prstGeom>
+        </p:spPr>
+        <p:style>
+          <a:lnRef idx="2">
+            <a:schemeClr val="accent4"/>
+          </a:lnRef>
+          <a:fillRef idx="1">
+            <a:schemeClr val="lt1"/>
+          </a:fillRef>
+          <a:effectRef idx="0">
+            <a:schemeClr val="accent4"/>
+          </a:effectRef>
+          <a:fontRef idx="minor">
+            <a:schemeClr val="dk1"/>
+          </a:fontRef>
+        </p:style>
+        <p:txBody>
+          <a:bodyPr rtlCol="0" anchor="ctr"/>
+          <a:lstStyle/>
+          <a:p>
+            <a:pPr algn="ctr"/>
+            <a:r>
+              <a:rPr lang="en-US" altLang="zh-CN" sz="1200" dirty="0" smtClean="0"/>
+              <a:t>Servlet1</a:t>
+            </a:r>
+            <a:endParaRPr lang="zh-CN" altLang="en-US" sz="1200" dirty="0"/>
+          </a:p>
+        </p:txBody>
+      </p:sp>
+      <p:sp>
+        <p:nvSpPr>
+          <p:cNvPr id="10" name="矩形 9"/>
+          <p:cNvSpPr/>
+          <p:nvPr/>
+        </p:nvSpPr>
+        <p:spPr>
+          <a:xfrm>
+            <a:off x="3131840" y="2796215"/>
+            <a:ext cx="933156" cy="288032"/>
+          </a:xfrm>
+          <a:prstGeom prst="rect">
+            <a:avLst/>
+          </a:prstGeom>
+        </p:spPr>
+        <p:style>
+          <a:lnRef idx="2">
+            <a:schemeClr val="accent4"/>
+          </a:lnRef>
+          <a:fillRef idx="1">
+            <a:schemeClr val="lt1"/>
+          </a:fillRef>
+          <a:effectRef idx="0">
+            <a:schemeClr val="accent4"/>
+          </a:effectRef>
+          <a:fontRef idx="minor">
+            <a:schemeClr val="dk1"/>
+          </a:fontRef>
+        </p:style>
+        <p:txBody>
+          <a:bodyPr rtlCol="0" anchor="ctr"/>
+          <a:lstStyle/>
+          <a:p>
+            <a:pPr algn="ctr"/>
+            <a:r>
+              <a:rPr lang="en-US" altLang="zh-CN" sz="1200" dirty="0" smtClean="0"/>
+              <a:t>…</a:t>
+            </a:r>
+            <a:endParaRPr lang="zh-CN" altLang="en-US" sz="1200" dirty="0"/>
+          </a:p>
+        </p:txBody>
+      </p:sp>
+      <p:sp>
+        <p:nvSpPr>
+          <p:cNvPr id="11" name="矩形 10"/>
+          <p:cNvSpPr/>
+          <p:nvPr/>
+        </p:nvSpPr>
+        <p:spPr>
+          <a:xfrm>
+            <a:off x="3131840" y="3363838"/>
+            <a:ext cx="933156" cy="288032"/>
+          </a:xfrm>
+          <a:prstGeom prst="rect">
+            <a:avLst/>
+          </a:prstGeom>
+        </p:spPr>
+        <p:style>
+          <a:lnRef idx="2">
+            <a:schemeClr val="accent4"/>
+          </a:lnRef>
+          <a:fillRef idx="1">
+            <a:schemeClr val="lt1"/>
+          </a:fillRef>
+          <a:effectRef idx="0">
+            <a:schemeClr val="accent4"/>
+          </a:effectRef>
+          <a:fontRef idx="minor">
+            <a:schemeClr val="dk1"/>
+          </a:fontRef>
+        </p:style>
+        <p:txBody>
+          <a:bodyPr rtlCol="0" anchor="ctr"/>
+          <a:lstStyle/>
+          <a:p>
+            <a:pPr algn="ctr"/>
+            <a:r>
+              <a:rPr lang="en-US" altLang="zh-CN" sz="1200" dirty="0" smtClean="0"/>
+              <a:t>ServletN</a:t>
+            </a:r>
+            <a:endParaRPr lang="zh-CN" altLang="en-US" sz="1200" dirty="0"/>
+          </a:p>
+        </p:txBody>
+      </p:sp>
+      <p:sp>
+        <p:nvSpPr>
+          <p:cNvPr id="13" name="TextBox 12"/>
+          <p:cNvSpPr txBox="1"/>
+          <p:nvPr/>
+        </p:nvSpPr>
+        <p:spPr>
+          <a:xfrm>
+            <a:off x="269317" y="1796941"/>
+            <a:ext cx="558267" cy="276999"/>
+          </a:xfrm>
+          <a:prstGeom prst="rect">
+            <a:avLst/>
+          </a:prstGeom>
+          <a:noFill/>
+        </p:spPr>
+        <p:txBody>
+          <a:bodyPr wrap="square" rtlCol="0">
+            <a:spAutoFit/>
+          </a:bodyPr>
+          <a:lstStyle/>
+          <a:p>
+            <a:r>
+              <a:rPr lang="zh-CN" altLang="en-US" sz="1200" dirty="0" smtClean="0"/>
+              <a:t>前端</a:t>
+            </a:r>
+            <a:endParaRPr lang="zh-CN" altLang="en-US" sz="1200" dirty="0"/>
+          </a:p>
+        </p:txBody>
+      </p:sp>
+      <p:sp>
+        <p:nvSpPr>
+          <p:cNvPr id="14" name="矩形 13"/>
+          <p:cNvSpPr/>
+          <p:nvPr/>
+        </p:nvSpPr>
+        <p:spPr>
+          <a:xfrm>
+            <a:off x="179512" y="2508183"/>
+            <a:ext cx="648072" cy="298371"/>
+          </a:xfrm>
+          <a:prstGeom prst="rect">
+            <a:avLst/>
+          </a:prstGeom>
+        </p:spPr>
+        <p:style>
+          <a:lnRef idx="2">
+            <a:schemeClr val="accent3"/>
+          </a:lnRef>
+          <a:fillRef idx="1">
+            <a:schemeClr val="lt1"/>
+          </a:fillRef>
+          <a:effectRef idx="0">
+            <a:schemeClr val="accent3"/>
+          </a:effectRef>
+          <a:fontRef idx="minor">
+            <a:schemeClr val="dk1"/>
+          </a:fontRef>
+        </p:style>
+        <p:txBody>
+          <a:bodyPr rtlCol="0" anchor="ctr"/>
+          <a:lstStyle/>
+          <a:p>
+            <a:pPr algn="ctr"/>
+            <a:r>
+              <a:rPr lang="zh-CN" altLang="en-US" sz="1200" dirty="0"/>
+              <a:t>浏览器</a:t>
+            </a:r>
+            <a:endParaRPr lang="en-US" altLang="zh-CN" sz="1200" dirty="0"/>
+          </a:p>
+        </p:txBody>
+      </p:sp>
+      <p:sp>
+        <p:nvSpPr>
+          <p:cNvPr id="15" name="矩形 14"/>
+          <p:cNvSpPr/>
+          <p:nvPr/>
+        </p:nvSpPr>
+        <p:spPr>
+          <a:xfrm>
+            <a:off x="179512" y="3003798"/>
+            <a:ext cx="648072" cy="306847"/>
+          </a:xfrm>
+          <a:prstGeom prst="rect">
+            <a:avLst/>
+          </a:prstGeom>
+        </p:spPr>
+        <p:style>
+          <a:lnRef idx="2">
+            <a:schemeClr val="accent3"/>
+          </a:lnRef>
+          <a:fillRef idx="1">
+            <a:schemeClr val="lt1"/>
+          </a:fillRef>
+          <a:effectRef idx="0">
+            <a:schemeClr val="accent3"/>
+          </a:effectRef>
+          <a:fontRef idx="minor">
+            <a:schemeClr val="dk1"/>
+          </a:fontRef>
+        </p:style>
+        <p:txBody>
+          <a:bodyPr rtlCol="0" anchor="ctr"/>
+          <a:lstStyle/>
+          <a:p>
+            <a:pPr algn="ctr"/>
+            <a:r>
+              <a:rPr lang="zh-CN" altLang="en-US" sz="1200" dirty="0" smtClean="0"/>
+              <a:t>移动端</a:t>
+            </a:r>
+            <a:endParaRPr lang="en-US" altLang="zh-CN" sz="1200" dirty="0"/>
+          </a:p>
+        </p:txBody>
+      </p:sp>
+      <p:sp>
+        <p:nvSpPr>
+          <p:cNvPr id="18" name="矩形 17"/>
+          <p:cNvSpPr/>
+          <p:nvPr/>
+        </p:nvSpPr>
+        <p:spPr>
+          <a:xfrm>
+            <a:off x="1692550" y="1810468"/>
+            <a:ext cx="646331" cy="276999"/>
+          </a:xfrm>
+          <a:prstGeom prst="rect">
+            <a:avLst/>
+          </a:prstGeom>
+        </p:spPr>
+        <p:txBody>
+          <a:bodyPr wrap="none">
+            <a:spAutoFit/>
+          </a:bodyPr>
+          <a:lstStyle/>
+          <a:p>
+            <a:r>
+              <a:rPr lang="zh-CN" altLang="en-US" sz="1200" dirty="0" smtClean="0"/>
+              <a:t>过滤器</a:t>
+            </a:r>
+            <a:endParaRPr lang="zh-CN" altLang="en-US" sz="1200" dirty="0"/>
+          </a:p>
+        </p:txBody>
+      </p:sp>
+      <p:sp>
+        <p:nvSpPr>
+          <p:cNvPr id="19" name="矩形 18"/>
+          <p:cNvSpPr/>
+          <p:nvPr/>
+        </p:nvSpPr>
+        <p:spPr>
+          <a:xfrm>
+            <a:off x="3275252" y="1816586"/>
+            <a:ext cx="618054" cy="276999"/>
+          </a:xfrm>
+          <a:prstGeom prst="rect">
+            <a:avLst/>
+          </a:prstGeom>
+        </p:spPr>
+        <p:txBody>
+          <a:bodyPr wrap="none">
+            <a:spAutoFit/>
+          </a:bodyPr>
+          <a:lstStyle/>
+          <a:p>
+            <a:r>
+              <a:rPr lang="en-US" altLang="zh-CN" sz="1200" dirty="0" smtClean="0"/>
+              <a:t>Servlet</a:t>
+            </a:r>
+            <a:endParaRPr lang="zh-CN" altLang="en-US" sz="1200" dirty="0"/>
+          </a:p>
+        </p:txBody>
+      </p:sp>
+      <p:sp>
+        <p:nvSpPr>
+          <p:cNvPr id="22" name="矩形 21"/>
+          <p:cNvSpPr/>
+          <p:nvPr/>
+        </p:nvSpPr>
+        <p:spPr>
+          <a:xfrm>
+            <a:off x="4572000" y="1816586"/>
+            <a:ext cx="936104" cy="1944216"/>
+          </a:xfrm>
+          <a:prstGeom prst="rect">
+            <a:avLst/>
+          </a:prstGeom>
+          <a:solidFill>
+            <a:schemeClr val="bg1">
+              <a:lumMod val="95000"/>
+            </a:schemeClr>
+          </a:solidFill>
+          <a:ln w="9525">
+            <a:solidFill>
+              <a:schemeClr val="bg1">
+                <a:lumMod val="50000"/>
+              </a:schemeClr>
+            </a:solidFill>
+          </a:ln>
+        </p:spPr>
+        <p:style>
+          <a:lnRef idx="2">
+            <a:schemeClr val="accent1">
+              <a:shade val="50000"/>
+            </a:schemeClr>
+          </a:lnRef>
+          <a:fillRef idx="1">
+            <a:schemeClr val="accent1"/>
+          </a:fillRef>
+          <a:effectRef idx="0">
+            <a:schemeClr val="accent1"/>
+          </a:effectRef>
+          <a:fontRef idx="minor">
+            <a:schemeClr val="lt1"/>
+          </a:fontRef>
+        </p:style>
+        <p:txBody>
+          <a:bodyPr rtlCol="0" anchor="ctr"/>
+          <a:lstStyle/>
+          <a:p>
+            <a:pPr lvl="0" algn="ctr"/>
+            <a:r>
+              <a:rPr lang="en-US" altLang="zh-CN" sz="1200" dirty="0" smtClean="0">
+                <a:solidFill>
+                  <a:prstClr val="black"/>
+                </a:solidFill>
+              </a:rPr>
+              <a:t>Controllers</a:t>
+            </a:r>
+            <a:endParaRPr lang="zh-CN" altLang="en-US" sz="1200" dirty="0">
+              <a:solidFill>
+                <a:prstClr val="black"/>
+              </a:solidFill>
+            </a:endParaRPr>
+          </a:p>
+        </p:txBody>
+      </p:sp>
+      <p:sp>
+        <p:nvSpPr>
+          <p:cNvPr id="23" name="矩形 22"/>
+          <p:cNvSpPr/>
+          <p:nvPr/>
+        </p:nvSpPr>
+        <p:spPr>
+          <a:xfrm>
+            <a:off x="6012160" y="1834446"/>
+            <a:ext cx="864096" cy="1944216"/>
+          </a:xfrm>
+          <a:prstGeom prst="rect">
+            <a:avLst/>
+          </a:prstGeom>
+          <a:solidFill>
+            <a:schemeClr val="bg1">
+              <a:lumMod val="95000"/>
+            </a:schemeClr>
+          </a:solidFill>
+          <a:ln w="9525">
+            <a:solidFill>
+              <a:schemeClr val="bg1">
+                <a:lumMod val="50000"/>
+              </a:schemeClr>
+            </a:solidFill>
+          </a:ln>
+        </p:spPr>
+        <p:style>
+          <a:lnRef idx="2">
+            <a:schemeClr val="accent1">
+              <a:shade val="50000"/>
+            </a:schemeClr>
+          </a:lnRef>
+          <a:fillRef idx="1">
+            <a:schemeClr val="accent1"/>
+          </a:fillRef>
+          <a:effectRef idx="0">
+            <a:schemeClr val="accent1"/>
+          </a:effectRef>
+          <a:fontRef idx="minor">
+            <a:schemeClr val="lt1"/>
+          </a:fontRef>
+        </p:style>
+        <p:txBody>
+          <a:bodyPr rtlCol="0" anchor="ctr"/>
+          <a:lstStyle/>
+          <a:p>
+            <a:pPr lvl="0" algn="ctr"/>
+            <a:r>
+              <a:rPr lang="en-US" altLang="zh-CN" sz="1200" dirty="0" smtClean="0">
+                <a:solidFill>
+                  <a:prstClr val="black"/>
+                </a:solidFill>
+              </a:rPr>
+              <a:t>Services</a:t>
+            </a:r>
+            <a:endParaRPr lang="zh-CN" altLang="en-US" sz="1200" dirty="0">
+              <a:solidFill>
+                <a:prstClr val="black"/>
+              </a:solidFill>
+            </a:endParaRPr>
+          </a:p>
+        </p:txBody>
+      </p:sp>
+      <p:sp>
+        <p:nvSpPr>
+          <p:cNvPr id="25" name="圆柱形 24"/>
+          <p:cNvSpPr/>
+          <p:nvPr/>
+        </p:nvSpPr>
+        <p:spPr>
+          <a:xfrm>
+            <a:off x="7668344" y="2575528"/>
+            <a:ext cx="932356" cy="462051"/>
+          </a:xfrm>
+          <a:prstGeom prst="can">
+            <a:avLst/>
+          </a:prstGeom>
+          <a:ln w="19050"/>
+        </p:spPr>
+        <p:style>
+          <a:lnRef idx="2">
+            <a:schemeClr val="accent5"/>
+          </a:lnRef>
+          <a:fillRef idx="1">
+            <a:schemeClr val="lt1"/>
+          </a:fillRef>
+          <a:effectRef idx="0">
+            <a:schemeClr val="accent5"/>
+          </a:effectRef>
+          <a:fontRef idx="minor">
+            <a:schemeClr val="dk1"/>
+          </a:fontRef>
+        </p:style>
+        <p:txBody>
+          <a:bodyPr rtlCol="0" anchor="ctr"/>
+          <a:lstStyle/>
+          <a:p>
+            <a:pPr algn="ctr"/>
+            <a:r>
+              <a:rPr lang="en-US" altLang="zh-CN" sz="1600" dirty="0" smtClean="0"/>
+              <a:t>DB</a:t>
+            </a:r>
+            <a:endParaRPr lang="zh-CN" altLang="en-US" sz="1600" dirty="0"/>
+          </a:p>
+        </p:txBody>
+      </p:sp>
+    </p:spTree>
+    <p:extLst>
+      <p:ext uri="{BB962C8B-B14F-4D97-AF65-F5344CB8AC3E}">
+        <p14:creationId xmlns:p14="http://schemas.microsoft.com/office/powerpoint/2010/main" val="3471722979"/>
+      </p:ext>
+    </p:extLst>
+  </p:cSld>
+  <p:clrMapOvr>
+    <a:masterClrMapping/>
+  </p:clrMapOvr>
+  <p:timing>
+    <p:tnLst>
+      <p:par>
+        <p:cTn id="1" dur="indefinite" restart="never" nodeType="tmRoot"/>
+      </p:par>
+    </p:tnLst>
+  </p:timing>
+</p:sld>
+</file>
+
+<file path=ppt/slides/slide4.xml><?xml version="1.0" encoding="utf-8"?>
+<p:sld xmlns:a="http://schemas.openxmlformats.org/drawingml/2006/main" xmlns:r="http://schemas.openxmlformats.org/officeDocument/2006/relationships" xmlns:p="http://schemas.openxmlformats.org/presentationml/2006/main">
+  <p:cSld>
+    <p:spTree>
+      <p:nvGrpSpPr>
+        <p:cNvPr id="1" name=""/>
+        <p:cNvGrpSpPr/>
+        <p:nvPr/>
+      </p:nvGrpSpPr>
+      <p:grpSpPr>
+        <a:xfrm>
+          <a:off x="0" y="0"/>
+          <a:ext cx="0" cy="0"/>
+          <a:chOff x="0" y="0"/>
+          <a:chExt cx="0" cy="0"/>
+        </a:xfrm>
+      </p:grpSpPr>
+      <p:sp>
+        <p:nvSpPr>
+          <p:cNvPr id="12" name="矩形 11"/>
+          <p:cNvSpPr/>
+          <p:nvPr/>
+        </p:nvSpPr>
+        <p:spPr>
+          <a:xfrm>
+            <a:off x="2160183" y="2345454"/>
+            <a:ext cx="4354023" cy="874368"/>
+          </a:xfrm>
+          <a:prstGeom prst="rect">
+            <a:avLst/>
+          </a:prstGeom>
+          <a:solidFill>
+            <a:srgbClr val="DFC9EF"/>
+          </a:solidFill>
+          <a:ln>
+            <a:noFill/>
+          </a:ln>
+        </p:spPr>
+        <p:style>
+          <a:lnRef idx="2">
+            <a:schemeClr val="accent1">
+              <a:shade val="50000"/>
+            </a:schemeClr>
+          </a:lnRef>
+          <a:fillRef idx="1">
+            <a:schemeClr val="accent1"/>
+          </a:fillRef>
+          <a:effectRef idx="0">
+            <a:schemeClr val="accent1"/>
+          </a:effectRef>
+          <a:fontRef idx="minor">
+            <a:schemeClr val="lt1"/>
+          </a:fontRef>
+        </p:style>
+        <p:txBody>
+          <a:bodyPr rtlCol="0" anchor="ctr"/>
+          <a:lstStyle/>
+          <a:p>
+            <a:pPr algn="ctr"/>
+            <a:endParaRPr lang="zh-CN" altLang="en-US"/>
+          </a:p>
+        </p:txBody>
+      </p:sp>
+      <p:sp>
+        <p:nvSpPr>
+          <p:cNvPr id="8" name="矩形 7"/>
+          <p:cNvSpPr/>
+          <p:nvPr/>
+        </p:nvSpPr>
+        <p:spPr>
+          <a:xfrm>
+            <a:off x="2160183" y="1131590"/>
+            <a:ext cx="4354022" cy="864096"/>
+          </a:xfrm>
+          <a:prstGeom prst="rect">
+            <a:avLst/>
+          </a:prstGeom>
+          <a:solidFill>
+            <a:schemeClr val="accent1">
+              <a:lumMod val="20000"/>
+              <a:lumOff val="80000"/>
+            </a:schemeClr>
+          </a:solidFill>
+          <a:ln>
+            <a:noFill/>
+          </a:ln>
+        </p:spPr>
+        <p:style>
+          <a:lnRef idx="2">
+            <a:schemeClr val="accent1">
+              <a:shade val="50000"/>
+            </a:schemeClr>
+          </a:lnRef>
+          <a:fillRef idx="1">
+            <a:schemeClr val="accent1"/>
+          </a:fillRef>
+          <a:effectRef idx="0">
+            <a:schemeClr val="accent1"/>
+          </a:effectRef>
+          <a:fontRef idx="minor">
+            <a:schemeClr val="lt1"/>
+          </a:fontRef>
+        </p:style>
+        <p:txBody>
+          <a:bodyPr rtlCol="0" anchor="ctr"/>
+          <a:lstStyle/>
+          <a:p>
+            <a:pPr algn="ctr"/>
+            <a:endParaRPr lang="zh-CN" altLang="en-US"/>
+          </a:p>
+        </p:txBody>
+      </p:sp>
+      <p:sp>
+        <p:nvSpPr>
+          <p:cNvPr id="2" name="矩形 1"/>
+          <p:cNvSpPr/>
+          <p:nvPr/>
+        </p:nvSpPr>
+        <p:spPr>
+          <a:xfrm>
+            <a:off x="0" y="0"/>
+            <a:ext cx="3749296" cy="369332"/>
+          </a:xfrm>
+          <a:prstGeom prst="rect">
+            <a:avLst/>
+          </a:prstGeom>
+        </p:spPr>
+        <p:txBody>
+          <a:bodyPr wrap="none">
+            <a:spAutoFit/>
+          </a:bodyPr>
+          <a:lstStyle/>
+          <a:p>
+            <a:r>
+              <a:rPr lang="zh-CN" altLang="en-US" dirty="0"/>
+              <a:t>基于</a:t>
+            </a:r>
+            <a:r>
+              <a:rPr lang="en-US" altLang="zh-CN" dirty="0" err="1"/>
+              <a:t>springMVC</a:t>
+            </a:r>
+            <a:r>
+              <a:rPr lang="zh-CN" altLang="en-US" dirty="0"/>
+              <a:t>的</a:t>
+            </a:r>
+            <a:r>
+              <a:rPr lang="zh-CN" altLang="en-US" dirty="0" smtClean="0"/>
+              <a:t>请求的前后端分离</a:t>
+            </a:r>
+            <a:endParaRPr lang="zh-CN" altLang="en-US" dirty="0"/>
+          </a:p>
+        </p:txBody>
+      </p:sp>
+      <p:sp>
+        <p:nvSpPr>
+          <p:cNvPr id="3" name="矩形 2"/>
+          <p:cNvSpPr/>
+          <p:nvPr/>
+        </p:nvSpPr>
+        <p:spPr>
+          <a:xfrm>
+            <a:off x="2726897" y="416678"/>
+            <a:ext cx="3141247" cy="423607"/>
+          </a:xfrm>
+          <a:prstGeom prst="rect">
+            <a:avLst/>
+          </a:prstGeom>
+          <a:solidFill>
+            <a:srgbClr val="BEE395"/>
+          </a:solidFill>
+          <a:ln>
+            <a:noFill/>
+          </a:ln>
+        </p:spPr>
+        <p:style>
+          <a:lnRef idx="2">
+            <a:schemeClr val="accent3"/>
+          </a:lnRef>
+          <a:fillRef idx="1">
+            <a:schemeClr val="lt1"/>
+          </a:fillRef>
+          <a:effectRef idx="0">
+            <a:schemeClr val="accent3"/>
+          </a:effectRef>
+          <a:fontRef idx="minor">
+            <a:schemeClr val="dk1"/>
+          </a:fontRef>
+        </p:style>
+        <p:txBody>
+          <a:bodyPr rtlCol="0" anchor="ctr"/>
+          <a:lstStyle/>
+          <a:p>
+            <a:pPr algn="ctr"/>
+            <a:endParaRPr lang="en-US" altLang="zh-CN" sz="1200" dirty="0" smtClean="0"/>
+          </a:p>
+        </p:txBody>
+      </p:sp>
+      <p:sp>
+        <p:nvSpPr>
+          <p:cNvPr id="4" name="矩形 3"/>
+          <p:cNvSpPr/>
+          <p:nvPr/>
+        </p:nvSpPr>
+        <p:spPr>
+          <a:xfrm>
+            <a:off x="2363780" y="1426388"/>
+            <a:ext cx="933156" cy="288032"/>
+          </a:xfrm>
+          <a:prstGeom prst="rect">
+            <a:avLst/>
+          </a:prstGeom>
+        </p:spPr>
+        <p:style>
+          <a:lnRef idx="2">
+            <a:schemeClr val="accent1"/>
+          </a:lnRef>
+          <a:fillRef idx="1">
+            <a:schemeClr val="lt1"/>
+          </a:fillRef>
+          <a:effectRef idx="0">
+            <a:schemeClr val="accent1"/>
+          </a:effectRef>
+          <a:fontRef idx="minor">
+            <a:schemeClr val="dk1"/>
+          </a:fontRef>
+        </p:style>
+        <p:txBody>
+          <a:bodyPr rtlCol="0" anchor="ctr"/>
+          <a:lstStyle/>
+          <a:p>
+            <a:pPr algn="ctr"/>
+            <a:r>
+              <a:rPr lang="en-US" altLang="zh-CN" sz="1200" dirty="0" smtClean="0"/>
+              <a:t>Filter1</a:t>
+            </a:r>
+            <a:endParaRPr lang="zh-CN" altLang="en-US" sz="1200" dirty="0"/>
+          </a:p>
+        </p:txBody>
+      </p:sp>
+      <p:sp>
+        <p:nvSpPr>
+          <p:cNvPr id="6" name="矩形 5"/>
+          <p:cNvSpPr/>
+          <p:nvPr/>
+        </p:nvSpPr>
+        <p:spPr>
+          <a:xfrm>
+            <a:off x="5358966" y="1419622"/>
+            <a:ext cx="933156" cy="288032"/>
+          </a:xfrm>
+          <a:prstGeom prst="rect">
+            <a:avLst/>
+          </a:prstGeom>
+        </p:spPr>
+        <p:style>
+          <a:lnRef idx="2">
+            <a:schemeClr val="accent1"/>
+          </a:lnRef>
+          <a:fillRef idx="1">
+            <a:schemeClr val="lt1"/>
+          </a:fillRef>
+          <a:effectRef idx="0">
+            <a:schemeClr val="accent1"/>
+          </a:effectRef>
+          <a:fontRef idx="minor">
+            <a:schemeClr val="dk1"/>
+          </a:fontRef>
+        </p:style>
+        <p:txBody>
+          <a:bodyPr rtlCol="0" anchor="ctr"/>
+          <a:lstStyle/>
+          <a:p>
+            <a:pPr algn="ctr"/>
+            <a:r>
+              <a:rPr lang="en-US" altLang="zh-CN" sz="1200" dirty="0" smtClean="0"/>
+              <a:t>FilterN</a:t>
+            </a:r>
+            <a:endParaRPr lang="zh-CN" altLang="en-US" sz="1200" dirty="0"/>
+          </a:p>
+        </p:txBody>
+      </p:sp>
+      <p:sp>
+        <p:nvSpPr>
+          <p:cNvPr id="7" name="矩形 6"/>
+          <p:cNvSpPr/>
+          <p:nvPr/>
+        </p:nvSpPr>
+        <p:spPr>
+          <a:xfrm>
+            <a:off x="3831393" y="1428068"/>
+            <a:ext cx="933156" cy="288032"/>
+          </a:xfrm>
+          <a:prstGeom prst="rect">
+            <a:avLst/>
+          </a:prstGeom>
+        </p:spPr>
+        <p:style>
+          <a:lnRef idx="2">
+            <a:schemeClr val="accent1"/>
+          </a:lnRef>
+          <a:fillRef idx="1">
+            <a:schemeClr val="lt1"/>
+          </a:fillRef>
+          <a:effectRef idx="0">
+            <a:schemeClr val="accent1"/>
+          </a:effectRef>
+          <a:fontRef idx="minor">
+            <a:schemeClr val="dk1"/>
+          </a:fontRef>
+        </p:style>
+        <p:txBody>
+          <a:bodyPr rtlCol="0" anchor="ctr"/>
+          <a:lstStyle/>
+          <a:p>
+            <a:pPr algn="ctr"/>
+            <a:r>
+              <a:rPr lang="en-US" altLang="zh-CN" sz="1200" dirty="0" smtClean="0"/>
+              <a:t>…</a:t>
+            </a:r>
+            <a:endParaRPr lang="zh-CN" altLang="en-US" sz="1200" dirty="0"/>
+          </a:p>
+        </p:txBody>
+      </p:sp>
+      <p:sp>
+        <p:nvSpPr>
+          <p:cNvPr id="9" name="矩形 8"/>
+          <p:cNvSpPr/>
+          <p:nvPr/>
+        </p:nvSpPr>
+        <p:spPr>
+          <a:xfrm>
+            <a:off x="2381797" y="2649274"/>
+            <a:ext cx="933156" cy="288032"/>
+          </a:xfrm>
+          <a:prstGeom prst="rect">
+            <a:avLst/>
+          </a:prstGeom>
+        </p:spPr>
+        <p:style>
+          <a:lnRef idx="2">
+            <a:schemeClr val="accent4"/>
+          </a:lnRef>
+          <a:fillRef idx="1">
+            <a:schemeClr val="lt1"/>
+          </a:fillRef>
+          <a:effectRef idx="0">
+            <a:schemeClr val="accent4"/>
+          </a:effectRef>
+          <a:fontRef idx="minor">
+            <a:schemeClr val="dk1"/>
+          </a:fontRef>
+        </p:style>
+        <p:txBody>
+          <a:bodyPr rtlCol="0" anchor="ctr"/>
+          <a:lstStyle/>
+          <a:p>
+            <a:pPr algn="ctr"/>
+            <a:r>
+              <a:rPr lang="en-US" altLang="zh-CN" sz="1200" dirty="0" smtClean="0"/>
+              <a:t>Servlet1</a:t>
+            </a:r>
+            <a:endParaRPr lang="zh-CN" altLang="en-US" sz="1200" dirty="0"/>
+          </a:p>
+        </p:txBody>
+      </p:sp>
+      <p:sp>
+        <p:nvSpPr>
+          <p:cNvPr id="10" name="矩形 9"/>
+          <p:cNvSpPr/>
+          <p:nvPr/>
+        </p:nvSpPr>
+        <p:spPr>
+          <a:xfrm>
+            <a:off x="3859894" y="2649274"/>
+            <a:ext cx="933156" cy="288032"/>
+          </a:xfrm>
+          <a:prstGeom prst="rect">
+            <a:avLst/>
+          </a:prstGeom>
+        </p:spPr>
+        <p:style>
+          <a:lnRef idx="2">
+            <a:schemeClr val="accent4"/>
+          </a:lnRef>
+          <a:fillRef idx="1">
+            <a:schemeClr val="lt1"/>
+          </a:fillRef>
+          <a:effectRef idx="0">
+            <a:schemeClr val="accent4"/>
+          </a:effectRef>
+          <a:fontRef idx="minor">
+            <a:schemeClr val="dk1"/>
+          </a:fontRef>
+        </p:style>
+        <p:txBody>
+          <a:bodyPr rtlCol="0" anchor="ctr"/>
+          <a:lstStyle/>
+          <a:p>
+            <a:pPr algn="ctr"/>
+            <a:r>
+              <a:rPr lang="en-US" altLang="zh-CN" sz="1200" dirty="0" smtClean="0"/>
+              <a:t>…</a:t>
+            </a:r>
+            <a:endParaRPr lang="zh-CN" altLang="en-US" sz="1200" dirty="0"/>
+          </a:p>
+        </p:txBody>
+      </p:sp>
+      <p:sp>
+        <p:nvSpPr>
+          <p:cNvPr id="11" name="矩形 10"/>
+          <p:cNvSpPr/>
+          <p:nvPr/>
+        </p:nvSpPr>
+        <p:spPr>
+          <a:xfrm>
+            <a:off x="5341929" y="2649274"/>
+            <a:ext cx="933156" cy="288032"/>
+          </a:xfrm>
+          <a:prstGeom prst="rect">
+            <a:avLst/>
+          </a:prstGeom>
+        </p:spPr>
+        <p:style>
+          <a:lnRef idx="2">
+            <a:schemeClr val="accent4"/>
+          </a:lnRef>
+          <a:fillRef idx="1">
+            <a:schemeClr val="lt1"/>
+          </a:fillRef>
+          <a:effectRef idx="0">
+            <a:schemeClr val="accent4"/>
+          </a:effectRef>
+          <a:fontRef idx="minor">
+            <a:schemeClr val="dk1"/>
+          </a:fontRef>
+        </p:style>
+        <p:txBody>
+          <a:bodyPr rtlCol="0" anchor="ctr"/>
+          <a:lstStyle/>
+          <a:p>
+            <a:pPr algn="ctr"/>
+            <a:r>
+              <a:rPr lang="en-US" altLang="zh-CN" sz="1200" dirty="0" smtClean="0"/>
+              <a:t>ServletN</a:t>
+            </a:r>
+            <a:endParaRPr lang="zh-CN" altLang="en-US" sz="1200" dirty="0"/>
+          </a:p>
+        </p:txBody>
+      </p:sp>
+      <p:sp>
+        <p:nvSpPr>
+          <p:cNvPr id="13" name="TextBox 12"/>
+          <p:cNvSpPr txBox="1"/>
+          <p:nvPr/>
+        </p:nvSpPr>
+        <p:spPr>
+          <a:xfrm>
+            <a:off x="2776913" y="515214"/>
+            <a:ext cx="558267" cy="276999"/>
+          </a:xfrm>
+          <a:prstGeom prst="rect">
+            <a:avLst/>
+          </a:prstGeom>
+          <a:noFill/>
+        </p:spPr>
+        <p:txBody>
+          <a:bodyPr wrap="square" rtlCol="0">
+            <a:spAutoFit/>
+          </a:bodyPr>
+          <a:lstStyle/>
+          <a:p>
+            <a:r>
+              <a:rPr lang="zh-CN" altLang="en-US" sz="1200" dirty="0" smtClean="0"/>
+              <a:t>前端</a:t>
+            </a:r>
+            <a:endParaRPr lang="zh-CN" altLang="en-US" sz="1200" dirty="0"/>
+          </a:p>
+        </p:txBody>
+      </p:sp>
+      <p:sp>
+        <p:nvSpPr>
+          <p:cNvPr id="14" name="矩形 13"/>
+          <p:cNvSpPr/>
+          <p:nvPr/>
+        </p:nvSpPr>
+        <p:spPr>
+          <a:xfrm>
+            <a:off x="3923928" y="479296"/>
+            <a:ext cx="648072" cy="298371"/>
+          </a:xfrm>
+          <a:prstGeom prst="rect">
+            <a:avLst/>
+          </a:prstGeom>
+        </p:spPr>
+        <p:style>
+          <a:lnRef idx="2">
+            <a:schemeClr val="accent3"/>
+          </a:lnRef>
+          <a:fillRef idx="1">
+            <a:schemeClr val="lt1"/>
+          </a:fillRef>
+          <a:effectRef idx="0">
+            <a:schemeClr val="accent3"/>
+          </a:effectRef>
+          <a:fontRef idx="minor">
+            <a:schemeClr val="dk1"/>
+          </a:fontRef>
+        </p:style>
+        <p:txBody>
+          <a:bodyPr rtlCol="0" anchor="ctr"/>
+          <a:lstStyle/>
+          <a:p>
+            <a:pPr algn="ctr"/>
+            <a:r>
+              <a:rPr lang="zh-CN" altLang="en-US" sz="1200" dirty="0"/>
+              <a:t>浏览器</a:t>
+            </a:r>
+            <a:endParaRPr lang="en-US" altLang="zh-CN" sz="1200" dirty="0"/>
+          </a:p>
+        </p:txBody>
+      </p:sp>
+      <p:sp>
+        <p:nvSpPr>
+          <p:cNvPr id="15" name="矩形 14"/>
+          <p:cNvSpPr/>
+          <p:nvPr/>
+        </p:nvSpPr>
+        <p:spPr>
+          <a:xfrm>
+            <a:off x="4958332" y="479296"/>
+            <a:ext cx="648072" cy="306847"/>
+          </a:xfrm>
+          <a:prstGeom prst="rect">
+            <a:avLst/>
+          </a:prstGeom>
+        </p:spPr>
+        <p:style>
+          <a:lnRef idx="2">
+            <a:schemeClr val="accent3"/>
+          </a:lnRef>
+          <a:fillRef idx="1">
+            <a:schemeClr val="lt1"/>
+          </a:fillRef>
+          <a:effectRef idx="0">
+            <a:schemeClr val="accent3"/>
+          </a:effectRef>
+          <a:fontRef idx="minor">
+            <a:schemeClr val="dk1"/>
+          </a:fontRef>
+        </p:style>
+        <p:txBody>
+          <a:bodyPr rtlCol="0" anchor="ctr"/>
+          <a:lstStyle/>
+          <a:p>
+            <a:pPr algn="ctr"/>
+            <a:r>
+              <a:rPr lang="zh-CN" altLang="en-US" sz="1200" dirty="0" smtClean="0"/>
+              <a:t>移动端</a:t>
+            </a:r>
+            <a:endParaRPr lang="en-US" altLang="zh-CN" sz="1200" dirty="0"/>
+          </a:p>
+        </p:txBody>
+      </p:sp>
+      <p:sp>
+        <p:nvSpPr>
+          <p:cNvPr id="19" name="矩形 18"/>
+          <p:cNvSpPr/>
+          <p:nvPr/>
+        </p:nvSpPr>
+        <p:spPr>
+          <a:xfrm>
+            <a:off x="3661511" y="2372275"/>
+            <a:ext cx="1272015" cy="276999"/>
+          </a:xfrm>
+          <a:prstGeom prst="rect">
+            <a:avLst/>
+          </a:prstGeom>
+        </p:spPr>
+        <p:txBody>
+          <a:bodyPr wrap="none">
+            <a:spAutoFit/>
+          </a:bodyPr>
+          <a:lstStyle/>
+          <a:p>
+            <a:r>
+              <a:rPr lang="en-US" altLang="zh-CN" sz="1200" dirty="0" smtClean="0"/>
+              <a:t>dispatcherServlet</a:t>
+            </a:r>
+            <a:endParaRPr lang="zh-CN" altLang="en-US" sz="1200" dirty="0"/>
+          </a:p>
+        </p:txBody>
+      </p:sp>
+      <p:sp>
+        <p:nvSpPr>
+          <p:cNvPr id="22" name="矩形 21"/>
+          <p:cNvSpPr/>
+          <p:nvPr/>
+        </p:nvSpPr>
+        <p:spPr>
+          <a:xfrm>
+            <a:off x="2880045" y="3537906"/>
+            <a:ext cx="2952328" cy="377900"/>
+          </a:xfrm>
+          <a:prstGeom prst="rect">
+            <a:avLst/>
+          </a:prstGeom>
+          <a:solidFill>
+            <a:schemeClr val="bg1">
+              <a:lumMod val="95000"/>
+            </a:schemeClr>
+          </a:solidFill>
+          <a:ln w="9525">
+            <a:solidFill>
+              <a:schemeClr val="bg1">
+                <a:lumMod val="50000"/>
+              </a:schemeClr>
+            </a:solidFill>
+          </a:ln>
+        </p:spPr>
+        <p:style>
+          <a:lnRef idx="2">
+            <a:schemeClr val="accent1">
+              <a:shade val="50000"/>
+            </a:schemeClr>
+          </a:lnRef>
+          <a:fillRef idx="1">
+            <a:schemeClr val="accent1"/>
+          </a:fillRef>
+          <a:effectRef idx="0">
+            <a:schemeClr val="accent1"/>
+          </a:effectRef>
+          <a:fontRef idx="minor">
+            <a:schemeClr val="lt1"/>
+          </a:fontRef>
+        </p:style>
+        <p:txBody>
+          <a:bodyPr rtlCol="0" anchor="ctr"/>
+          <a:lstStyle/>
+          <a:p>
+            <a:pPr lvl="0" algn="ctr"/>
+            <a:r>
+              <a:rPr lang="en-US" altLang="zh-CN" sz="1200" dirty="0" smtClean="0">
+                <a:solidFill>
+                  <a:prstClr val="black"/>
+                </a:solidFill>
+              </a:rPr>
+              <a:t>Controllers</a:t>
+            </a:r>
+            <a:endParaRPr lang="zh-CN" altLang="en-US" sz="1200" dirty="0">
+              <a:solidFill>
+                <a:prstClr val="black"/>
+              </a:solidFill>
+            </a:endParaRPr>
+          </a:p>
+        </p:txBody>
+      </p:sp>
+      <p:sp>
+        <p:nvSpPr>
+          <p:cNvPr id="23" name="矩形 22"/>
+          <p:cNvSpPr/>
+          <p:nvPr/>
+        </p:nvSpPr>
+        <p:spPr>
+          <a:xfrm>
+            <a:off x="3106014" y="4114840"/>
+            <a:ext cx="2500390" cy="360040"/>
+          </a:xfrm>
+          <a:prstGeom prst="rect">
+            <a:avLst/>
+          </a:prstGeom>
+          <a:solidFill>
+            <a:schemeClr val="bg1">
+              <a:lumMod val="95000"/>
+            </a:schemeClr>
+          </a:solidFill>
+          <a:ln w="9525">
+            <a:solidFill>
+              <a:schemeClr val="bg1">
+                <a:lumMod val="50000"/>
+              </a:schemeClr>
+            </a:solidFill>
+          </a:ln>
+        </p:spPr>
+        <p:style>
+          <a:lnRef idx="2">
+            <a:schemeClr val="accent1">
+              <a:shade val="50000"/>
+            </a:schemeClr>
+          </a:lnRef>
+          <a:fillRef idx="1">
+            <a:schemeClr val="accent1"/>
+          </a:fillRef>
+          <a:effectRef idx="0">
+            <a:schemeClr val="accent1"/>
+          </a:effectRef>
+          <a:fontRef idx="minor">
+            <a:schemeClr val="lt1"/>
+          </a:fontRef>
+        </p:style>
+        <p:txBody>
+          <a:bodyPr rtlCol="0" anchor="ctr"/>
+          <a:lstStyle/>
+          <a:p>
+            <a:pPr lvl="0" algn="ctr"/>
+            <a:r>
+              <a:rPr lang="en-US" altLang="zh-CN" sz="1200" dirty="0" smtClean="0">
+                <a:solidFill>
+                  <a:prstClr val="black"/>
+                </a:solidFill>
+              </a:rPr>
+              <a:t>Services</a:t>
+            </a:r>
+            <a:endParaRPr lang="zh-CN" altLang="en-US" sz="1200" dirty="0">
+              <a:solidFill>
+                <a:prstClr val="black"/>
+              </a:solidFill>
+            </a:endParaRPr>
+          </a:p>
+        </p:txBody>
+      </p:sp>
+      <p:sp>
+        <p:nvSpPr>
+          <p:cNvPr id="25" name="圆柱形 24"/>
+          <p:cNvSpPr/>
+          <p:nvPr/>
+        </p:nvSpPr>
+        <p:spPr>
+          <a:xfrm>
+            <a:off x="4051228" y="4701987"/>
+            <a:ext cx="609961" cy="390043"/>
+          </a:xfrm>
+          <a:prstGeom prst="can">
+            <a:avLst/>
+          </a:prstGeom>
+          <a:solidFill>
+            <a:schemeClr val="bg1">
+              <a:lumMod val="95000"/>
+            </a:schemeClr>
+          </a:solidFill>
+          <a:ln w="12700">
+            <a:solidFill>
+              <a:schemeClr val="bg1">
+                <a:lumMod val="50000"/>
+              </a:schemeClr>
+            </a:solidFill>
+          </a:ln>
+        </p:spPr>
+        <p:style>
+          <a:lnRef idx="2">
+            <a:schemeClr val="accent5"/>
+          </a:lnRef>
+          <a:fillRef idx="1">
+            <a:schemeClr val="lt1"/>
+          </a:fillRef>
+          <a:effectRef idx="0">
+            <a:schemeClr val="accent5"/>
+          </a:effectRef>
+          <a:fontRef idx="minor">
+            <a:schemeClr val="dk1"/>
+          </a:fontRef>
+        </p:style>
+        <p:txBody>
+          <a:bodyPr rtlCol="0" anchor="ctr"/>
+          <a:lstStyle/>
+          <a:p>
+            <a:pPr algn="ctr"/>
+            <a:r>
+              <a:rPr lang="en-US" altLang="zh-CN" sz="1200" dirty="0" smtClean="0"/>
+              <a:t>DB</a:t>
+            </a:r>
+            <a:endParaRPr lang="zh-CN" altLang="en-US" sz="1200" dirty="0"/>
+          </a:p>
+        </p:txBody>
+      </p:sp>
+      <p:cxnSp>
+        <p:nvCxnSpPr>
+          <p:cNvPr id="16" name="直接箭头连接符 15"/>
+          <p:cNvCxnSpPr/>
+          <p:nvPr/>
+        </p:nvCxnSpPr>
+        <p:spPr>
+          <a:xfrm>
+            <a:off x="3859895" y="840285"/>
+            <a:ext cx="0" cy="440382"/>
+          </a:xfrm>
+          <a:prstGeom prst="straightConnector1">
+            <a:avLst/>
+          </a:prstGeom>
+          <a:ln>
+            <a:tailEnd type="arrow"/>
+          </a:ln>
+        </p:spPr>
+        <p:style>
+          <a:lnRef idx="1">
+            <a:schemeClr val="accent1"/>
+          </a:lnRef>
+          <a:fillRef idx="0">
+            <a:schemeClr val="accent1"/>
+          </a:fillRef>
+          <a:effectRef idx="0">
+            <a:schemeClr val="accent1"/>
+          </a:effectRef>
+          <a:fontRef idx="minor">
+            <a:schemeClr val="tx1"/>
+          </a:fontRef>
+        </p:style>
+      </p:cxnSp>
+      <p:cxnSp>
+        <p:nvCxnSpPr>
+          <p:cNvPr id="24" name="直接箭头连接符 23"/>
+          <p:cNvCxnSpPr/>
+          <p:nvPr/>
+        </p:nvCxnSpPr>
+        <p:spPr>
+          <a:xfrm>
+            <a:off x="3853561" y="1851670"/>
+            <a:ext cx="6333" cy="493784"/>
+          </a:xfrm>
+          <a:prstGeom prst="straightConnector1">
+            <a:avLst/>
+          </a:prstGeom>
+          <a:ln>
+            <a:tailEnd type="arrow"/>
+          </a:ln>
+        </p:spPr>
+        <p:style>
+          <a:lnRef idx="1">
+            <a:schemeClr val="accent1"/>
+          </a:lnRef>
+          <a:fillRef idx="0">
+            <a:schemeClr val="accent1"/>
+          </a:fillRef>
+          <a:effectRef idx="0">
+            <a:schemeClr val="accent1"/>
+          </a:effectRef>
+          <a:fontRef idx="minor">
+            <a:schemeClr val="tx1"/>
+          </a:fontRef>
+        </p:style>
+      </p:cxnSp>
+      <p:cxnSp>
+        <p:nvCxnSpPr>
+          <p:cNvPr id="26" name="直接箭头连接符 25"/>
+          <p:cNvCxnSpPr/>
+          <p:nvPr/>
+        </p:nvCxnSpPr>
+        <p:spPr>
+          <a:xfrm>
+            <a:off x="3856727" y="3079813"/>
+            <a:ext cx="3167" cy="458093"/>
+          </a:xfrm>
+          <a:prstGeom prst="straightConnector1">
+            <a:avLst/>
+          </a:prstGeom>
+          <a:ln>
+            <a:tailEnd type="arrow"/>
+          </a:ln>
+        </p:spPr>
+        <p:style>
+          <a:lnRef idx="1">
+            <a:schemeClr val="accent1"/>
+          </a:lnRef>
+          <a:fillRef idx="0">
+            <a:schemeClr val="accent1"/>
+          </a:fillRef>
+          <a:effectRef idx="0">
+            <a:schemeClr val="accent1"/>
+          </a:effectRef>
+          <a:fontRef idx="minor">
+            <a:schemeClr val="tx1"/>
+          </a:fontRef>
+        </p:style>
+      </p:cxnSp>
+      <p:cxnSp>
+        <p:nvCxnSpPr>
+          <p:cNvPr id="35" name="肘形连接符 34"/>
+          <p:cNvCxnSpPr>
+            <a:endCxn id="9" idx="0"/>
+          </p:cNvCxnSpPr>
+          <p:nvPr/>
+        </p:nvCxnSpPr>
+        <p:spPr>
+          <a:xfrm rot="10800000" flipV="1">
+            <a:off x="2848376" y="2345454"/>
+            <a:ext cx="1020105" cy="303819"/>
+          </a:xfrm>
+          <a:prstGeom prst="bentConnector2">
+            <a:avLst/>
+          </a:prstGeom>
+          <a:ln>
+            <a:tailEnd type="arrow"/>
+          </a:ln>
+        </p:spPr>
+        <p:style>
+          <a:lnRef idx="1">
+            <a:schemeClr val="accent1"/>
+          </a:lnRef>
+          <a:fillRef idx="0">
+            <a:schemeClr val="accent1"/>
+          </a:fillRef>
+          <a:effectRef idx="0">
+            <a:schemeClr val="accent1"/>
+          </a:effectRef>
+          <a:fontRef idx="minor">
+            <a:schemeClr val="tx1"/>
+          </a:fontRef>
+        </p:style>
+      </p:cxnSp>
+      <p:cxnSp>
+        <p:nvCxnSpPr>
+          <p:cNvPr id="43" name="直接箭头连接符 42"/>
+          <p:cNvCxnSpPr>
+            <a:stCxn id="9" idx="3"/>
+            <a:endCxn id="10" idx="1"/>
+          </p:cNvCxnSpPr>
+          <p:nvPr/>
+        </p:nvCxnSpPr>
+        <p:spPr>
+          <a:xfrm>
+            <a:off x="3314953" y="2793290"/>
+            <a:ext cx="544941" cy="0"/>
+          </a:xfrm>
+          <a:prstGeom prst="straightConnector1">
+            <a:avLst/>
+          </a:prstGeom>
+          <a:ln>
+            <a:tailEnd type="arrow"/>
+          </a:ln>
+        </p:spPr>
+        <p:style>
+          <a:lnRef idx="1">
+            <a:schemeClr val="accent1"/>
+          </a:lnRef>
+          <a:fillRef idx="0">
+            <a:schemeClr val="accent1"/>
+          </a:fillRef>
+          <a:effectRef idx="0">
+            <a:schemeClr val="accent1"/>
+          </a:effectRef>
+          <a:fontRef idx="minor">
+            <a:schemeClr val="tx1"/>
+          </a:fontRef>
+        </p:style>
+      </p:cxnSp>
+      <p:cxnSp>
+        <p:nvCxnSpPr>
+          <p:cNvPr id="45" name="直接箭头连接符 44"/>
+          <p:cNvCxnSpPr>
+            <a:stCxn id="10" idx="3"/>
+            <a:endCxn id="11" idx="1"/>
+          </p:cNvCxnSpPr>
+          <p:nvPr/>
+        </p:nvCxnSpPr>
+        <p:spPr>
+          <a:xfrm>
+            <a:off x="4793050" y="2793290"/>
+            <a:ext cx="548879" cy="0"/>
+          </a:xfrm>
+          <a:prstGeom prst="straightConnector1">
+            <a:avLst/>
+          </a:prstGeom>
+          <a:ln>
+            <a:tailEnd type="arrow"/>
+          </a:ln>
+        </p:spPr>
+        <p:style>
+          <a:lnRef idx="1">
+            <a:schemeClr val="accent1"/>
+          </a:lnRef>
+          <a:fillRef idx="0">
+            <a:schemeClr val="accent1"/>
+          </a:fillRef>
+          <a:effectRef idx="0">
+            <a:schemeClr val="accent1"/>
+          </a:effectRef>
+          <a:fontRef idx="minor">
+            <a:schemeClr val="tx1"/>
+          </a:fontRef>
+        </p:style>
+      </p:cxnSp>
+      <p:cxnSp>
+        <p:nvCxnSpPr>
+          <p:cNvPr id="47" name="肘形连接符 46"/>
+          <p:cNvCxnSpPr>
+            <a:stCxn id="11" idx="2"/>
+          </p:cNvCxnSpPr>
+          <p:nvPr/>
+        </p:nvCxnSpPr>
+        <p:spPr>
+          <a:xfrm rot="5400000">
+            <a:off x="4759782" y="2031087"/>
+            <a:ext cx="142507" cy="1954945"/>
+          </a:xfrm>
+          <a:prstGeom prst="bentConnector2">
+            <a:avLst/>
+          </a:prstGeom>
+          <a:ln>
+            <a:tailEnd type="arrow"/>
+          </a:ln>
+        </p:spPr>
+        <p:style>
+          <a:lnRef idx="1">
+            <a:schemeClr val="accent1"/>
+          </a:lnRef>
+          <a:fillRef idx="0">
+            <a:schemeClr val="accent1"/>
+          </a:fillRef>
+          <a:effectRef idx="0">
+            <a:schemeClr val="accent1"/>
+          </a:effectRef>
+          <a:fontRef idx="minor">
+            <a:schemeClr val="tx1"/>
+          </a:fontRef>
+        </p:style>
+      </p:cxnSp>
+      <p:cxnSp>
+        <p:nvCxnSpPr>
+          <p:cNvPr id="55" name="直接箭头连接符 54"/>
+          <p:cNvCxnSpPr/>
+          <p:nvPr/>
+        </p:nvCxnSpPr>
+        <p:spPr>
+          <a:xfrm>
+            <a:off x="4192004" y="3915806"/>
+            <a:ext cx="8587" cy="199034"/>
+          </a:xfrm>
+          <a:prstGeom prst="straightConnector1">
+            <a:avLst/>
+          </a:prstGeom>
+          <a:ln>
+            <a:tailEnd type="arrow"/>
+          </a:ln>
+        </p:spPr>
+        <p:style>
+          <a:lnRef idx="1">
+            <a:schemeClr val="accent1"/>
+          </a:lnRef>
+          <a:fillRef idx="0">
+            <a:schemeClr val="accent1"/>
+          </a:fillRef>
+          <a:effectRef idx="0">
+            <a:schemeClr val="accent1"/>
+          </a:effectRef>
+          <a:fontRef idx="minor">
+            <a:schemeClr val="tx1"/>
+          </a:fontRef>
+        </p:style>
+      </p:cxnSp>
+      <p:cxnSp>
+        <p:nvCxnSpPr>
+          <p:cNvPr id="57" name="直接箭头连接符 56"/>
+          <p:cNvCxnSpPr/>
+          <p:nvPr/>
+        </p:nvCxnSpPr>
+        <p:spPr>
+          <a:xfrm>
+            <a:off x="4211960" y="4474880"/>
+            <a:ext cx="0" cy="257110"/>
+          </a:xfrm>
+          <a:prstGeom prst="straightConnector1">
+            <a:avLst/>
+          </a:prstGeom>
+          <a:ln>
+            <a:tailEnd type="arrow"/>
+          </a:ln>
+        </p:spPr>
+        <p:style>
+          <a:lnRef idx="1">
+            <a:schemeClr val="accent1"/>
+          </a:lnRef>
+          <a:fillRef idx="0">
+            <a:schemeClr val="accent1"/>
+          </a:fillRef>
+          <a:effectRef idx="0">
+            <a:schemeClr val="accent1"/>
+          </a:effectRef>
+          <a:fontRef idx="minor">
+            <a:schemeClr val="tx1"/>
+          </a:fontRef>
+        </p:style>
+      </p:cxnSp>
+      <p:cxnSp>
+        <p:nvCxnSpPr>
+          <p:cNvPr id="59" name="直接箭头连接符 58"/>
+          <p:cNvCxnSpPr/>
+          <p:nvPr/>
+        </p:nvCxnSpPr>
+        <p:spPr>
+          <a:xfrm flipV="1">
+            <a:off x="4499992" y="4474880"/>
+            <a:ext cx="0" cy="227107"/>
+          </a:xfrm>
+          <a:prstGeom prst="straightConnector1">
+            <a:avLst/>
+          </a:prstGeom>
+          <a:ln>
+            <a:tailEnd type="arrow"/>
+          </a:ln>
+        </p:spPr>
+        <p:style>
+          <a:lnRef idx="1">
+            <a:schemeClr val="accent6"/>
+          </a:lnRef>
+          <a:fillRef idx="0">
+            <a:schemeClr val="accent6"/>
+          </a:fillRef>
+          <a:effectRef idx="0">
+            <a:schemeClr val="accent6"/>
+          </a:effectRef>
+          <a:fontRef idx="minor">
+            <a:schemeClr val="tx1"/>
+          </a:fontRef>
+        </p:style>
+      </p:cxnSp>
+      <p:cxnSp>
+        <p:nvCxnSpPr>
+          <p:cNvPr id="61" name="直接箭头连接符 60"/>
+          <p:cNvCxnSpPr/>
+          <p:nvPr/>
+        </p:nvCxnSpPr>
+        <p:spPr>
+          <a:xfrm flipV="1">
+            <a:off x="4499992" y="3915806"/>
+            <a:ext cx="0" cy="199034"/>
+          </a:xfrm>
+          <a:prstGeom prst="straightConnector1">
+            <a:avLst/>
+          </a:prstGeom>
+          <a:ln>
+            <a:tailEnd type="arrow"/>
+          </a:ln>
+        </p:spPr>
+        <p:style>
+          <a:lnRef idx="1">
+            <a:schemeClr val="accent6"/>
+          </a:lnRef>
+          <a:fillRef idx="0">
+            <a:schemeClr val="accent6"/>
+          </a:fillRef>
+          <a:effectRef idx="0">
+            <a:schemeClr val="accent6"/>
+          </a:effectRef>
+          <a:fontRef idx="minor">
+            <a:schemeClr val="tx1"/>
+          </a:fontRef>
+        </p:style>
+      </p:cxnSp>
+      <p:sp>
+        <p:nvSpPr>
+          <p:cNvPr id="62" name="矩形 61"/>
+          <p:cNvSpPr/>
+          <p:nvPr/>
+        </p:nvSpPr>
+        <p:spPr>
+          <a:xfrm>
+            <a:off x="2477281" y="3219822"/>
+            <a:ext cx="1348382" cy="276999"/>
+          </a:xfrm>
+          <a:prstGeom prst="rect">
+            <a:avLst/>
+          </a:prstGeom>
+        </p:spPr>
+        <p:txBody>
+          <a:bodyPr wrap="none">
+            <a:spAutoFit/>
+          </a:bodyPr>
+          <a:lstStyle/>
+          <a:p>
+            <a:r>
+              <a:rPr lang="en-US" altLang="zh-CN" sz="1200" dirty="0" err="1" smtClean="0"/>
+              <a:t>HandlerDispatcher</a:t>
+            </a:r>
+            <a:endParaRPr lang="zh-CN" altLang="en-US" sz="1200" dirty="0"/>
+          </a:p>
+        </p:txBody>
+      </p:sp>
+      <p:cxnSp>
+        <p:nvCxnSpPr>
+          <p:cNvPr id="64" name="直接箭头连接符 63"/>
+          <p:cNvCxnSpPr/>
+          <p:nvPr/>
+        </p:nvCxnSpPr>
+        <p:spPr>
+          <a:xfrm flipV="1">
+            <a:off x="4764549" y="3219823"/>
+            <a:ext cx="0" cy="318083"/>
+          </a:xfrm>
+          <a:prstGeom prst="straightConnector1">
+            <a:avLst/>
+          </a:prstGeom>
+          <a:ln>
+            <a:tailEnd type="arrow"/>
+          </a:ln>
+        </p:spPr>
+        <p:style>
+          <a:lnRef idx="1">
+            <a:schemeClr val="accent6"/>
+          </a:lnRef>
+          <a:fillRef idx="0">
+            <a:schemeClr val="accent6"/>
+          </a:fillRef>
+          <a:effectRef idx="0">
+            <a:schemeClr val="accent6"/>
+          </a:effectRef>
+          <a:fontRef idx="minor">
+            <a:schemeClr val="tx1"/>
+          </a:fontRef>
+        </p:style>
+      </p:cxnSp>
+      <p:cxnSp>
+        <p:nvCxnSpPr>
+          <p:cNvPr id="66" name="直接箭头连接符 65"/>
+          <p:cNvCxnSpPr/>
+          <p:nvPr/>
+        </p:nvCxnSpPr>
+        <p:spPr>
+          <a:xfrm flipV="1">
+            <a:off x="4764549" y="1995686"/>
+            <a:ext cx="0" cy="349768"/>
+          </a:xfrm>
+          <a:prstGeom prst="straightConnector1">
+            <a:avLst/>
+          </a:prstGeom>
+          <a:ln>
+            <a:tailEnd type="arrow"/>
+          </a:ln>
+        </p:spPr>
+        <p:style>
+          <a:lnRef idx="1">
+            <a:schemeClr val="accent6"/>
+          </a:lnRef>
+          <a:fillRef idx="0">
+            <a:schemeClr val="accent6"/>
+          </a:fillRef>
+          <a:effectRef idx="0">
+            <a:schemeClr val="accent6"/>
+          </a:effectRef>
+          <a:fontRef idx="minor">
+            <a:schemeClr val="tx1"/>
+          </a:fontRef>
+        </p:style>
+      </p:cxnSp>
+      <p:cxnSp>
+        <p:nvCxnSpPr>
+          <p:cNvPr id="70" name="肘形连接符 69"/>
+          <p:cNvCxnSpPr>
+            <a:endCxn id="4" idx="0"/>
+          </p:cNvCxnSpPr>
+          <p:nvPr/>
+        </p:nvCxnSpPr>
+        <p:spPr>
+          <a:xfrm rot="10800000" flipV="1">
+            <a:off x="2830359" y="1280668"/>
+            <a:ext cx="1035211" cy="145719"/>
+          </a:xfrm>
+          <a:prstGeom prst="bentConnector2">
+            <a:avLst/>
+          </a:prstGeom>
+          <a:ln>
+            <a:tailEnd type="arrow"/>
+          </a:ln>
+        </p:spPr>
+        <p:style>
+          <a:lnRef idx="1">
+            <a:schemeClr val="accent1"/>
+          </a:lnRef>
+          <a:fillRef idx="0">
+            <a:schemeClr val="accent1"/>
+          </a:fillRef>
+          <a:effectRef idx="0">
+            <a:schemeClr val="accent1"/>
+          </a:effectRef>
+          <a:fontRef idx="minor">
+            <a:schemeClr val="tx1"/>
+          </a:fontRef>
+        </p:style>
+      </p:cxnSp>
+      <p:cxnSp>
+        <p:nvCxnSpPr>
+          <p:cNvPr id="72" name="直接箭头连接符 71"/>
+          <p:cNvCxnSpPr>
+            <a:stCxn id="4" idx="3"/>
+            <a:endCxn id="7" idx="1"/>
+          </p:cNvCxnSpPr>
+          <p:nvPr/>
+        </p:nvCxnSpPr>
+        <p:spPr>
+          <a:xfrm>
+            <a:off x="3296936" y="1570404"/>
+            <a:ext cx="534457" cy="1680"/>
+          </a:xfrm>
+          <a:prstGeom prst="straightConnector1">
+            <a:avLst/>
+          </a:prstGeom>
+          <a:ln>
+            <a:tailEnd type="arrow"/>
+          </a:ln>
+        </p:spPr>
+        <p:style>
+          <a:lnRef idx="1">
+            <a:schemeClr val="accent1"/>
+          </a:lnRef>
+          <a:fillRef idx="0">
+            <a:schemeClr val="accent1"/>
+          </a:fillRef>
+          <a:effectRef idx="0">
+            <a:schemeClr val="accent1"/>
+          </a:effectRef>
+          <a:fontRef idx="minor">
+            <a:schemeClr val="tx1"/>
+          </a:fontRef>
+        </p:style>
+      </p:cxnSp>
+      <p:cxnSp>
+        <p:nvCxnSpPr>
+          <p:cNvPr id="74" name="直接箭头连接符 73"/>
+          <p:cNvCxnSpPr>
+            <a:stCxn id="7" idx="3"/>
+            <a:endCxn id="6" idx="1"/>
+          </p:cNvCxnSpPr>
+          <p:nvPr/>
+        </p:nvCxnSpPr>
+        <p:spPr>
+          <a:xfrm flipV="1">
+            <a:off x="4764549" y="1563638"/>
+            <a:ext cx="594417" cy="8446"/>
+          </a:xfrm>
+          <a:prstGeom prst="straightConnector1">
+            <a:avLst/>
+          </a:prstGeom>
+          <a:ln>
+            <a:tailEnd type="arrow"/>
+          </a:ln>
+        </p:spPr>
+        <p:style>
+          <a:lnRef idx="1">
+            <a:schemeClr val="accent1"/>
+          </a:lnRef>
+          <a:fillRef idx="0">
+            <a:schemeClr val="accent1"/>
+          </a:fillRef>
+          <a:effectRef idx="0">
+            <a:schemeClr val="accent1"/>
+          </a:effectRef>
+          <a:fontRef idx="minor">
+            <a:schemeClr val="tx1"/>
+          </a:fontRef>
+        </p:style>
+      </p:cxnSp>
+      <p:cxnSp>
+        <p:nvCxnSpPr>
+          <p:cNvPr id="78" name="肘形连接符 77"/>
+          <p:cNvCxnSpPr>
+            <a:stCxn id="6" idx="2"/>
+          </p:cNvCxnSpPr>
+          <p:nvPr/>
+        </p:nvCxnSpPr>
+        <p:spPr>
+          <a:xfrm rot="5400000">
+            <a:off x="4767545" y="793671"/>
+            <a:ext cx="144016" cy="1971983"/>
+          </a:xfrm>
+          <a:prstGeom prst="bentConnector2">
+            <a:avLst/>
+          </a:prstGeom>
+          <a:ln>
+            <a:tailEnd type="arrow"/>
+          </a:ln>
+        </p:spPr>
+        <p:style>
+          <a:lnRef idx="1">
+            <a:schemeClr val="accent1"/>
+          </a:lnRef>
+          <a:fillRef idx="0">
+            <a:schemeClr val="accent1"/>
+          </a:fillRef>
+          <a:effectRef idx="0">
+            <a:schemeClr val="accent1"/>
+          </a:effectRef>
+          <a:fontRef idx="minor">
+            <a:schemeClr val="tx1"/>
+          </a:fontRef>
+        </p:style>
+      </p:cxnSp>
+    </p:spTree>
+    <p:extLst>
+      <p:ext uri="{BB962C8B-B14F-4D97-AF65-F5344CB8AC3E}">
+        <p14:creationId xmlns:p14="http://schemas.microsoft.com/office/powerpoint/2010/main" val="3284729640"/>
+      </p:ext>
+    </p:extLst>
+  </p:cSld>
+  <p:clrMapOvr>
+    <a:masterClrMapping/>
+  </p:clrMapOvr>
+  <p:timing>
+    <p:tnLst>
+      <p:par>
+        <p:cTn id="1" dur="indefinite" restart="never" nodeType="tmRoot"/>
+      </p:par>
+    </p:tnLst>
+  </p:timing>
+</p:sld>
+</file>
+
+<file path=ppt/slides/slide5.xml><?xml version="1.0" encoding="utf-8"?>
+<p:sld xmlns:a="http://schemas.openxmlformats.org/drawingml/2006/main" xmlns:r="http://schemas.openxmlformats.org/officeDocument/2006/relationships" xmlns:p="http://schemas.openxmlformats.org/presentationml/2006/main">
+  <p:cSld>
+    <p:spTree>
+      <p:nvGrpSpPr>
+        <p:cNvPr id="1" name=""/>
+        <p:cNvGrpSpPr/>
+        <p:nvPr/>
+      </p:nvGrpSpPr>
+      <p:grpSpPr>
+        <a:xfrm>
+          <a:off x="0" y="0"/>
+          <a:ext cx="0" cy="0"/>
+          <a:chOff x="0" y="0"/>
+          <a:chExt cx="0" cy="0"/>
+        </a:xfrm>
+      </p:grpSpPr>
+      <p:sp>
+        <p:nvSpPr>
+          <p:cNvPr id="44" name="矩形 43"/>
+          <p:cNvSpPr/>
+          <p:nvPr/>
+        </p:nvSpPr>
+        <p:spPr>
+          <a:xfrm>
+            <a:off x="945210" y="1687439"/>
+            <a:ext cx="1836204" cy="3267742"/>
+          </a:xfrm>
+          <a:prstGeom prst="rect">
+            <a:avLst/>
+          </a:prstGeom>
+          <a:solidFill>
+            <a:srgbClr val="CAE8AA"/>
+          </a:solidFill>
+          <a:ln>
+            <a:noFill/>
+          </a:ln>
+        </p:spPr>
+        <p:style>
+          <a:lnRef idx="2">
+            <a:schemeClr val="accent1">
+              <a:shade val="50000"/>
+            </a:schemeClr>
+          </a:lnRef>
+          <a:fillRef idx="1">
+            <a:schemeClr val="accent1"/>
+          </a:fillRef>
+          <a:effectRef idx="0">
+            <a:schemeClr val="accent1"/>
+          </a:effectRef>
+          <a:fontRef idx="minor">
+            <a:schemeClr val="lt1"/>
+          </a:fontRef>
+        </p:style>
+        <p:txBody>
+          <a:bodyPr rtlCol="0" anchor="ctr"/>
+          <a:lstStyle/>
+          <a:p>
+            <a:pPr algn="ctr"/>
+            <a:endParaRPr lang="zh-CN" altLang="en-US"/>
+          </a:p>
+        </p:txBody>
+      </p:sp>
+      <p:sp>
+        <p:nvSpPr>
+          <p:cNvPr id="2" name="TextBox 1"/>
+          <p:cNvSpPr txBox="1"/>
+          <p:nvPr/>
+        </p:nvSpPr>
+        <p:spPr>
+          <a:xfrm>
+            <a:off x="2597406" y="-11702"/>
+            <a:ext cx="2052228" cy="338554"/>
+          </a:xfrm>
+          <a:prstGeom prst="rect">
+            <a:avLst/>
+          </a:prstGeom>
+          <a:noFill/>
+        </p:spPr>
+        <p:txBody>
+          <a:bodyPr wrap="square" rtlCol="0">
+            <a:spAutoFit/>
+          </a:bodyPr>
+          <a:lstStyle/>
+          <a:p>
+            <a:r>
+              <a:rPr lang="en-US" altLang="zh-CN" sz="1600" dirty="0" smtClean="0"/>
+              <a:t>Java</a:t>
+            </a:r>
+            <a:r>
+              <a:rPr lang="zh-CN" altLang="en-US" sz="1600" dirty="0" smtClean="0"/>
+              <a:t>项目的启动过程</a:t>
+            </a:r>
+            <a:endParaRPr lang="zh-CN" altLang="en-US" sz="1600" dirty="0"/>
+          </a:p>
+        </p:txBody>
+      </p:sp>
+      <p:sp>
+        <p:nvSpPr>
+          <p:cNvPr id="4" name="矩形 3"/>
+          <p:cNvSpPr/>
+          <p:nvPr/>
+        </p:nvSpPr>
+        <p:spPr>
+          <a:xfrm>
+            <a:off x="1187624" y="339502"/>
+            <a:ext cx="1440160" cy="432048"/>
+          </a:xfrm>
+          <a:prstGeom prst="rect">
+            <a:avLst/>
+          </a:prstGeom>
+          <a:ln w="19050"/>
+        </p:spPr>
+        <p:style>
+          <a:lnRef idx="2">
+            <a:schemeClr val="accent1"/>
+          </a:lnRef>
+          <a:fillRef idx="1">
+            <a:schemeClr val="lt1"/>
+          </a:fillRef>
+          <a:effectRef idx="0">
+            <a:schemeClr val="accent1"/>
+          </a:effectRef>
+          <a:fontRef idx="minor">
+            <a:schemeClr val="dk1"/>
+          </a:fontRef>
+        </p:style>
+        <p:txBody>
+          <a:bodyPr rtlCol="0" anchor="ctr"/>
+          <a:lstStyle/>
+          <a:p>
+            <a:pPr algn="ctr"/>
+            <a:r>
+              <a:rPr lang="zh-CN" altLang="en-US" sz="1200" dirty="0"/>
+              <a:t>启动</a:t>
+            </a:r>
+            <a:r>
+              <a:rPr lang="en-US" altLang="zh-CN" sz="1200" dirty="0"/>
+              <a:t>JVM</a:t>
+            </a:r>
+            <a:r>
+              <a:rPr lang="zh-CN" altLang="en-US" sz="1200" dirty="0"/>
+              <a:t>进程</a:t>
+            </a:r>
+          </a:p>
+        </p:txBody>
+      </p:sp>
+      <p:sp>
+        <p:nvSpPr>
+          <p:cNvPr id="5" name="TextBox 4"/>
+          <p:cNvSpPr txBox="1"/>
+          <p:nvPr/>
+        </p:nvSpPr>
+        <p:spPr>
+          <a:xfrm>
+            <a:off x="2843808" y="428568"/>
+            <a:ext cx="3168352" cy="253916"/>
+          </a:xfrm>
+          <a:prstGeom prst="rect">
+            <a:avLst/>
+          </a:prstGeom>
+          <a:noFill/>
+          <a:ln w="6350">
+            <a:solidFill>
+              <a:schemeClr val="tx1"/>
+            </a:solidFill>
+            <a:prstDash val="dash"/>
+          </a:ln>
+        </p:spPr>
+        <p:txBody>
+          <a:bodyPr wrap="square" rtlCol="0">
+            <a:spAutoFit/>
+          </a:bodyPr>
+          <a:lstStyle/>
+          <a:p>
+            <a:r>
+              <a:rPr lang="en-US" altLang="zh-CN" sz="1050" dirty="0">
+                <a:solidFill>
+                  <a:srgbClr val="006600"/>
+                </a:solidFill>
+              </a:rPr>
+              <a:t>Starting </a:t>
+            </a:r>
+            <a:r>
+              <a:rPr lang="en-US" altLang="zh-CN" sz="1050" dirty="0" err="1" smtClean="0">
+                <a:solidFill>
+                  <a:srgbClr val="006600"/>
+                </a:solidFill>
+              </a:rPr>
+              <a:t>xxxApplication</a:t>
+            </a:r>
+            <a:r>
+              <a:rPr lang="en-US" altLang="zh-CN" sz="1050" dirty="0" smtClean="0">
+                <a:solidFill>
+                  <a:srgbClr val="006600"/>
+                </a:solidFill>
+              </a:rPr>
+              <a:t> </a:t>
+            </a:r>
+            <a:r>
+              <a:rPr lang="en-US" altLang="zh-CN" sz="1050" dirty="0">
+                <a:solidFill>
+                  <a:srgbClr val="006600"/>
+                </a:solidFill>
+              </a:rPr>
+              <a:t>on </a:t>
+            </a:r>
+            <a:r>
+              <a:rPr lang="en-US" altLang="zh-CN" sz="1050" dirty="0" smtClean="0">
+                <a:solidFill>
+                  <a:srgbClr val="006600"/>
+                </a:solidFill>
+              </a:rPr>
+              <a:t>PC-xxx </a:t>
+            </a:r>
+            <a:r>
+              <a:rPr lang="en-US" altLang="zh-CN" sz="1050" dirty="0">
+                <a:solidFill>
+                  <a:srgbClr val="006600"/>
+                </a:solidFill>
+              </a:rPr>
+              <a:t>with PID 3256</a:t>
+            </a:r>
+            <a:endParaRPr lang="zh-CN" altLang="en-US" sz="1050" dirty="0">
+              <a:solidFill>
+                <a:srgbClr val="006600"/>
+              </a:solidFill>
+            </a:endParaRPr>
+          </a:p>
+        </p:txBody>
+      </p:sp>
+      <p:sp>
+        <p:nvSpPr>
+          <p:cNvPr id="8" name="矩形 7"/>
+          <p:cNvSpPr/>
+          <p:nvPr/>
+        </p:nvSpPr>
+        <p:spPr>
+          <a:xfrm>
+            <a:off x="1187624" y="1851670"/>
+            <a:ext cx="1440160" cy="432048"/>
+          </a:xfrm>
+          <a:prstGeom prst="rect">
+            <a:avLst/>
+          </a:prstGeom>
+          <a:ln w="19050"/>
+        </p:spPr>
+        <p:style>
+          <a:lnRef idx="2">
+            <a:schemeClr val="accent1"/>
+          </a:lnRef>
+          <a:fillRef idx="1">
+            <a:schemeClr val="lt1"/>
+          </a:fillRef>
+          <a:effectRef idx="0">
+            <a:schemeClr val="accent1"/>
+          </a:effectRef>
+          <a:fontRef idx="minor">
+            <a:schemeClr val="dk1"/>
+          </a:fontRef>
+        </p:style>
+        <p:txBody>
+          <a:bodyPr rtlCol="0" anchor="ctr"/>
+          <a:lstStyle/>
+          <a:p>
+            <a:pPr algn="ctr"/>
+            <a:r>
+              <a:rPr lang="zh-CN" altLang="en-US" sz="1200" dirty="0"/>
+              <a:t>启动</a:t>
+            </a:r>
+            <a:r>
+              <a:rPr lang="en-US" altLang="zh-CN" sz="1200" dirty="0" smtClean="0"/>
+              <a:t>web</a:t>
+            </a:r>
+            <a:r>
+              <a:rPr lang="zh-CN" altLang="en-US" sz="1200" dirty="0" smtClean="0"/>
+              <a:t>容器</a:t>
+            </a:r>
+            <a:endParaRPr lang="en-US" altLang="zh-CN" sz="1200" dirty="0" smtClean="0"/>
+          </a:p>
+          <a:p>
+            <a:pPr algn="ctr"/>
+            <a:r>
+              <a:rPr lang="en-US" altLang="zh-CN" sz="1200" dirty="0" smtClean="0"/>
+              <a:t>(tomcat</a:t>
+            </a:r>
+            <a:r>
+              <a:rPr lang="zh-CN" altLang="en-US" sz="1200" dirty="0" smtClean="0"/>
+              <a:t>服务</a:t>
+            </a:r>
+            <a:r>
+              <a:rPr lang="en-US" altLang="zh-CN" sz="1200" dirty="0" smtClean="0"/>
+              <a:t>)</a:t>
+            </a:r>
+            <a:endParaRPr lang="zh-CN" altLang="en-US" sz="1200" dirty="0"/>
+          </a:p>
+        </p:txBody>
+      </p:sp>
+      <p:sp>
+        <p:nvSpPr>
+          <p:cNvPr id="9" name="矩形 8"/>
+          <p:cNvSpPr/>
+          <p:nvPr/>
+        </p:nvSpPr>
+        <p:spPr>
+          <a:xfrm>
+            <a:off x="1187624" y="1091161"/>
+            <a:ext cx="1440160" cy="432048"/>
+          </a:xfrm>
+          <a:prstGeom prst="rect">
+            <a:avLst/>
+          </a:prstGeom>
+          <a:ln w="19050"/>
+        </p:spPr>
+        <p:style>
+          <a:lnRef idx="2">
+            <a:schemeClr val="accent1"/>
+          </a:lnRef>
+          <a:fillRef idx="1">
+            <a:schemeClr val="lt1"/>
+          </a:fillRef>
+          <a:effectRef idx="0">
+            <a:schemeClr val="accent1"/>
+          </a:effectRef>
+          <a:fontRef idx="minor">
+            <a:schemeClr val="dk1"/>
+          </a:fontRef>
+        </p:style>
+        <p:txBody>
+          <a:bodyPr rtlCol="0" anchor="ctr"/>
+          <a:lstStyle/>
+          <a:p>
+            <a:pPr algn="ctr"/>
+            <a:r>
+              <a:rPr lang="zh-CN" altLang="en-US" sz="1200" dirty="0" smtClean="0"/>
+              <a:t>生成</a:t>
+            </a:r>
+            <a:r>
+              <a:rPr lang="en-US" altLang="zh-CN" sz="1200" dirty="0" smtClean="0"/>
+              <a:t>spring </a:t>
+            </a:r>
+            <a:r>
+              <a:rPr lang="zh-CN" altLang="en-US" sz="1200" dirty="0" smtClean="0"/>
+              <a:t>上下文</a:t>
+            </a:r>
+            <a:endParaRPr lang="zh-CN" altLang="en-US" sz="1200" dirty="0"/>
+          </a:p>
+        </p:txBody>
+      </p:sp>
+      <p:sp>
+        <p:nvSpPr>
+          <p:cNvPr id="10" name="TextBox 9"/>
+          <p:cNvSpPr txBox="1"/>
+          <p:nvPr/>
+        </p:nvSpPr>
+        <p:spPr>
+          <a:xfrm>
+            <a:off x="2843808" y="1110441"/>
+            <a:ext cx="3187717" cy="415498"/>
+          </a:xfrm>
+          <a:prstGeom prst="rect">
+            <a:avLst/>
+          </a:prstGeom>
+          <a:noFill/>
+          <a:ln w="6350">
+            <a:solidFill>
+              <a:schemeClr val="tx1"/>
+            </a:solidFill>
+            <a:prstDash val="dash"/>
+          </a:ln>
+        </p:spPr>
+        <p:txBody>
+          <a:bodyPr wrap="square" rtlCol="0">
+            <a:spAutoFit/>
+          </a:bodyPr>
+          <a:lstStyle/>
+          <a:p>
+            <a:pPr latinLnBrk="1"/>
+            <a:r>
+              <a:rPr lang="en-US" altLang="zh-CN" sz="1050" dirty="0">
+                <a:solidFill>
+                  <a:srgbClr val="006600"/>
+                </a:solidFill>
+              </a:rPr>
+              <a:t>Refreshing org.springframework.boot.context.embedded.AnnotationConfigEmbeddedWebApplicationContext</a:t>
+            </a:r>
+            <a:endParaRPr lang="zh-CN" altLang="en-US" sz="1050" dirty="0">
+              <a:solidFill>
+                <a:srgbClr val="006600"/>
+              </a:solidFill>
+            </a:endParaRPr>
+          </a:p>
+        </p:txBody>
+      </p:sp>
+      <p:sp>
+        <p:nvSpPr>
+          <p:cNvPr id="11" name="TextBox 10"/>
+          <p:cNvSpPr txBox="1"/>
+          <p:nvPr/>
+        </p:nvSpPr>
+        <p:spPr>
+          <a:xfrm>
+            <a:off x="2843808" y="1779153"/>
+            <a:ext cx="3168352" cy="577081"/>
+          </a:xfrm>
+          <a:prstGeom prst="rect">
+            <a:avLst/>
+          </a:prstGeom>
+          <a:noFill/>
+          <a:ln w="6350">
+            <a:solidFill>
+              <a:schemeClr val="tx1"/>
+            </a:solidFill>
+            <a:prstDash val="dash"/>
+          </a:ln>
+        </p:spPr>
+        <p:txBody>
+          <a:bodyPr wrap="square" rtlCol="0">
+            <a:spAutoFit/>
+          </a:bodyPr>
+          <a:lstStyle/>
+          <a:p>
+            <a:pPr latinLnBrk="1"/>
+            <a:r>
+              <a:rPr lang="en-US" altLang="zh-CN" sz="1050" dirty="0">
+                <a:solidFill>
+                  <a:srgbClr val="006600"/>
+                </a:solidFill>
+              </a:rPr>
+              <a:t>Starting service </a:t>
+            </a:r>
+            <a:r>
+              <a:rPr lang="en-US" altLang="zh-CN" sz="1050" dirty="0" smtClean="0">
+                <a:solidFill>
+                  <a:srgbClr val="006600"/>
+                </a:solidFill>
+              </a:rPr>
+              <a:t>Tomcat</a:t>
+            </a:r>
+          </a:p>
+          <a:p>
+            <a:pPr latinLnBrk="1"/>
+            <a:r>
+              <a:rPr lang="en-US" altLang="zh-CN" sz="1050" dirty="0" smtClean="0">
+                <a:solidFill>
+                  <a:srgbClr val="006600"/>
+                </a:solidFill>
+              </a:rPr>
+              <a:t>Starting Servlet Engine: </a:t>
+            </a:r>
+            <a:r>
+              <a:rPr lang="en-US" altLang="zh-CN" sz="1050" dirty="0">
+                <a:solidFill>
+                  <a:srgbClr val="006600"/>
+                </a:solidFill>
+              </a:rPr>
+              <a:t>Apache </a:t>
+            </a:r>
+            <a:r>
+              <a:rPr lang="en-US" altLang="zh-CN" sz="1050" dirty="0" smtClean="0">
+                <a:solidFill>
+                  <a:srgbClr val="006600"/>
+                </a:solidFill>
+              </a:rPr>
+              <a:t>Tomcat/8.5.11</a:t>
+            </a:r>
+          </a:p>
+          <a:p>
+            <a:pPr latinLnBrk="1"/>
+            <a:r>
+              <a:rPr lang="en-US" altLang="zh-CN" sz="1050" dirty="0">
+                <a:solidFill>
+                  <a:srgbClr val="006600"/>
+                </a:solidFill>
+              </a:rPr>
+              <a:t>Initializing Spring embedded </a:t>
+            </a:r>
+            <a:r>
+              <a:rPr lang="en-US" altLang="zh-CN" sz="1050" dirty="0" err="1">
+                <a:solidFill>
+                  <a:srgbClr val="006600"/>
+                </a:solidFill>
+              </a:rPr>
+              <a:t>WebApplicationContext</a:t>
+            </a:r>
+            <a:endParaRPr lang="zh-CN" altLang="en-US" sz="1050" dirty="0">
+              <a:solidFill>
+                <a:srgbClr val="006600"/>
+              </a:solidFill>
+            </a:endParaRPr>
+          </a:p>
+        </p:txBody>
+      </p:sp>
+      <p:sp>
+        <p:nvSpPr>
+          <p:cNvPr id="12" name="矩形 11"/>
+          <p:cNvSpPr/>
+          <p:nvPr/>
+        </p:nvSpPr>
+        <p:spPr>
+          <a:xfrm>
+            <a:off x="1187624" y="2819823"/>
+            <a:ext cx="1440160" cy="1008112"/>
+          </a:xfrm>
+          <a:prstGeom prst="rect">
+            <a:avLst/>
+          </a:prstGeom>
+          <a:ln w="19050"/>
+        </p:spPr>
+        <p:style>
+          <a:lnRef idx="2">
+            <a:schemeClr val="accent1"/>
+          </a:lnRef>
+          <a:fillRef idx="1">
+            <a:schemeClr val="lt1"/>
+          </a:fillRef>
+          <a:effectRef idx="0">
+            <a:schemeClr val="accent1"/>
+          </a:effectRef>
+          <a:fontRef idx="minor">
+            <a:schemeClr val="dk1"/>
+          </a:fontRef>
+        </p:style>
+        <p:txBody>
+          <a:bodyPr rtlCol="0" anchor="ctr"/>
+          <a:lstStyle/>
+          <a:p>
+            <a:pPr algn="ctr"/>
+            <a:r>
+              <a:rPr lang="zh-CN" altLang="en-US" sz="1200" dirty="0" smtClean="0"/>
+              <a:t>加载</a:t>
+            </a:r>
+            <a:r>
+              <a:rPr lang="en-US" altLang="zh-CN" sz="1200" dirty="0" smtClean="0"/>
+              <a:t>web.xml</a:t>
+            </a:r>
+          </a:p>
+          <a:p>
+            <a:pPr algn="ctr"/>
+            <a:r>
+              <a:rPr lang="zh-CN" altLang="en-US" sz="1200" dirty="0"/>
+              <a:t>解析标签、按顺序</a:t>
+            </a:r>
+            <a:r>
+              <a:rPr lang="zh-CN" altLang="en-US" sz="1200" dirty="0" smtClean="0"/>
+              <a:t>实例化</a:t>
+            </a:r>
+            <a:endParaRPr lang="zh-CN" altLang="en-US" sz="1200" dirty="0"/>
+          </a:p>
+        </p:txBody>
+      </p:sp>
+      <p:sp>
+        <p:nvSpPr>
+          <p:cNvPr id="14" name="矩形 13"/>
+          <p:cNvSpPr/>
+          <p:nvPr/>
+        </p:nvSpPr>
+        <p:spPr>
+          <a:xfrm>
+            <a:off x="4099814" y="4269217"/>
+            <a:ext cx="1440160" cy="432048"/>
+          </a:xfrm>
+          <a:prstGeom prst="rect">
+            <a:avLst/>
+          </a:prstGeom>
+          <a:ln w="19050"/>
+        </p:spPr>
+        <p:style>
+          <a:lnRef idx="2">
+            <a:schemeClr val="accent1"/>
+          </a:lnRef>
+          <a:fillRef idx="1">
+            <a:schemeClr val="lt1"/>
+          </a:fillRef>
+          <a:effectRef idx="0">
+            <a:schemeClr val="accent1"/>
+          </a:effectRef>
+          <a:fontRef idx="minor">
+            <a:schemeClr val="dk1"/>
+          </a:fontRef>
+        </p:style>
+        <p:txBody>
+          <a:bodyPr rtlCol="0" anchor="ctr"/>
+          <a:lstStyle/>
+          <a:p>
+            <a:pPr algn="ctr"/>
+            <a:r>
+              <a:rPr lang="en-US" altLang="zh-CN" sz="1200" dirty="0" smtClean="0"/>
+              <a:t>tomcat</a:t>
+            </a:r>
+            <a:r>
+              <a:rPr lang="zh-CN" altLang="en-US" sz="1200" dirty="0" smtClean="0"/>
+              <a:t>启动</a:t>
+            </a:r>
+            <a:endParaRPr lang="zh-CN" altLang="en-US" sz="1200" dirty="0"/>
+          </a:p>
+        </p:txBody>
+      </p:sp>
+      <p:sp>
+        <p:nvSpPr>
+          <p:cNvPr id="16" name="TextBox 15"/>
+          <p:cNvSpPr txBox="1"/>
+          <p:nvPr/>
+        </p:nvSpPr>
+        <p:spPr>
+          <a:xfrm>
+            <a:off x="5724128" y="4358283"/>
+            <a:ext cx="3168352" cy="253916"/>
+          </a:xfrm>
+          <a:prstGeom prst="rect">
+            <a:avLst/>
+          </a:prstGeom>
+          <a:noFill/>
+          <a:ln w="6350">
+            <a:solidFill>
+              <a:schemeClr val="tx1"/>
+            </a:solidFill>
+            <a:prstDash val="dash"/>
+          </a:ln>
+        </p:spPr>
+        <p:txBody>
+          <a:bodyPr wrap="square" rtlCol="0">
+            <a:spAutoFit/>
+          </a:bodyPr>
+          <a:lstStyle/>
+          <a:p>
+            <a:pPr latinLnBrk="1"/>
+            <a:r>
+              <a:rPr lang="en-US" altLang="zh-CN" sz="1050" dirty="0">
+                <a:solidFill>
+                  <a:srgbClr val="006600"/>
+                </a:solidFill>
+              </a:rPr>
+              <a:t>Tomcat started on port(s): 8080 (http)</a:t>
+            </a:r>
+            <a:endParaRPr lang="zh-CN" altLang="en-US" sz="1050" dirty="0">
+              <a:solidFill>
+                <a:srgbClr val="006600"/>
+              </a:solidFill>
+            </a:endParaRPr>
+          </a:p>
+        </p:txBody>
+      </p:sp>
+      <p:sp>
+        <p:nvSpPr>
+          <p:cNvPr id="18" name="TextBox 17"/>
+          <p:cNvSpPr txBox="1"/>
+          <p:nvPr/>
+        </p:nvSpPr>
+        <p:spPr>
+          <a:xfrm>
+            <a:off x="2843808" y="3223870"/>
+            <a:ext cx="1563120" cy="253916"/>
+          </a:xfrm>
+          <a:prstGeom prst="rect">
+            <a:avLst/>
+          </a:prstGeom>
+          <a:noFill/>
+          <a:ln w="6350">
+            <a:solidFill>
+              <a:schemeClr val="accent1"/>
+            </a:solidFill>
+            <a:prstDash val="solid"/>
+          </a:ln>
+        </p:spPr>
+        <p:txBody>
+          <a:bodyPr wrap="square" rtlCol="0">
+            <a:spAutoFit/>
+          </a:bodyPr>
+          <a:lstStyle/>
+          <a:p>
+            <a:pPr latinLnBrk="1"/>
+            <a:r>
+              <a:rPr lang="en-US" altLang="zh-CN" sz="1050" dirty="0" err="1"/>
+              <a:t>ContextLoaderListener</a:t>
+            </a:r>
+            <a:endParaRPr lang="zh-CN" altLang="en-US" sz="1050" dirty="0"/>
+          </a:p>
+        </p:txBody>
+      </p:sp>
+      <p:sp>
+        <p:nvSpPr>
+          <p:cNvPr id="19" name="TextBox 18"/>
+          <p:cNvSpPr txBox="1"/>
+          <p:nvPr/>
+        </p:nvSpPr>
+        <p:spPr>
+          <a:xfrm>
+            <a:off x="2843808" y="2906339"/>
+            <a:ext cx="1563120" cy="253916"/>
+          </a:xfrm>
+          <a:prstGeom prst="rect">
+            <a:avLst/>
+          </a:prstGeom>
+          <a:noFill/>
+          <a:ln w="6350">
+            <a:solidFill>
+              <a:schemeClr val="accent1"/>
+            </a:solidFill>
+            <a:prstDash val="solid"/>
+          </a:ln>
+        </p:spPr>
+        <p:txBody>
+          <a:bodyPr wrap="square" rtlCol="0">
+            <a:spAutoFit/>
+          </a:bodyPr>
+          <a:lstStyle/>
+          <a:p>
+            <a:pPr latinLnBrk="1"/>
+            <a:r>
+              <a:rPr lang="en-US" altLang="zh-CN" sz="1050" dirty="0" err="1"/>
+              <a:t>WebAppRootListener</a:t>
+            </a:r>
+            <a:endParaRPr lang="zh-CN" altLang="en-US" sz="1050" dirty="0"/>
+          </a:p>
+        </p:txBody>
+      </p:sp>
+      <p:sp>
+        <p:nvSpPr>
+          <p:cNvPr id="20" name="TextBox 19"/>
+          <p:cNvSpPr txBox="1"/>
+          <p:nvPr/>
+        </p:nvSpPr>
+        <p:spPr>
+          <a:xfrm>
+            <a:off x="2843808" y="2588808"/>
+            <a:ext cx="1563120" cy="253916"/>
+          </a:xfrm>
+          <a:prstGeom prst="rect">
+            <a:avLst/>
+          </a:prstGeom>
+          <a:noFill/>
+          <a:ln w="6350">
+            <a:solidFill>
+              <a:schemeClr val="accent1"/>
+            </a:solidFill>
+            <a:prstDash val="solid"/>
+          </a:ln>
+        </p:spPr>
+        <p:txBody>
+          <a:bodyPr wrap="square" rtlCol="0">
+            <a:spAutoFit/>
+          </a:bodyPr>
+          <a:lstStyle/>
+          <a:p>
+            <a:pPr latinLnBrk="1"/>
+            <a:r>
+              <a:rPr lang="en-US" altLang="zh-CN" sz="1050" dirty="0" err="1"/>
+              <a:t>CharacterEncodingFilter</a:t>
+            </a:r>
+            <a:endParaRPr lang="zh-CN" altLang="en-US" sz="1050" dirty="0"/>
+          </a:p>
+        </p:txBody>
+      </p:sp>
+      <p:sp>
+        <p:nvSpPr>
+          <p:cNvPr id="21" name="TextBox 20"/>
+          <p:cNvSpPr txBox="1"/>
+          <p:nvPr/>
+        </p:nvSpPr>
+        <p:spPr>
+          <a:xfrm>
+            <a:off x="2843808" y="3541401"/>
+            <a:ext cx="1563120" cy="253916"/>
+          </a:xfrm>
+          <a:prstGeom prst="rect">
+            <a:avLst/>
+          </a:prstGeom>
+          <a:noFill/>
+          <a:ln w="6350">
+            <a:solidFill>
+              <a:schemeClr val="accent1"/>
+            </a:solidFill>
+            <a:prstDash val="solid"/>
+          </a:ln>
+        </p:spPr>
+        <p:txBody>
+          <a:bodyPr wrap="square" rtlCol="0">
+            <a:spAutoFit/>
+          </a:bodyPr>
+          <a:lstStyle/>
+          <a:p>
+            <a:pPr latinLnBrk="1"/>
+            <a:r>
+              <a:rPr lang="en-US" altLang="zh-CN" sz="1050" dirty="0" smtClean="0"/>
+              <a:t>DispatcherServlet</a:t>
+            </a:r>
+            <a:endParaRPr lang="zh-CN" altLang="en-US" sz="1050" dirty="0"/>
+          </a:p>
+        </p:txBody>
+      </p:sp>
+      <p:sp>
+        <p:nvSpPr>
+          <p:cNvPr id="7" name="矩形 6"/>
+          <p:cNvSpPr/>
+          <p:nvPr/>
+        </p:nvSpPr>
+        <p:spPr>
+          <a:xfrm>
+            <a:off x="4446873" y="2886204"/>
+            <a:ext cx="1031051" cy="261610"/>
+          </a:xfrm>
+          <a:prstGeom prst="rect">
+            <a:avLst/>
+          </a:prstGeom>
+        </p:spPr>
+        <p:txBody>
+          <a:bodyPr wrap="none">
+            <a:spAutoFit/>
+          </a:bodyPr>
+          <a:lstStyle/>
+          <a:p>
+            <a:r>
+              <a:rPr lang="zh-CN" altLang="en-US" sz="1050" dirty="0" smtClean="0">
+                <a:solidFill>
+                  <a:srgbClr val="0070C0"/>
+                </a:solidFill>
+              </a:rPr>
+              <a:t>获得物理路径</a:t>
+            </a:r>
+            <a:endParaRPr lang="zh-CN" altLang="en-US" sz="1050" dirty="0">
+              <a:solidFill>
+                <a:srgbClr val="0070C0"/>
+              </a:solidFill>
+            </a:endParaRPr>
+          </a:p>
+        </p:txBody>
+      </p:sp>
+      <p:sp>
+        <p:nvSpPr>
+          <p:cNvPr id="23" name="矩形 22"/>
+          <p:cNvSpPr/>
+          <p:nvPr/>
+        </p:nvSpPr>
+        <p:spPr>
+          <a:xfrm>
+            <a:off x="4427984" y="2596632"/>
+            <a:ext cx="857927" cy="253916"/>
+          </a:xfrm>
+          <a:prstGeom prst="rect">
+            <a:avLst/>
+          </a:prstGeom>
+        </p:spPr>
+        <p:txBody>
+          <a:bodyPr wrap="none">
+            <a:spAutoFit/>
+          </a:bodyPr>
+          <a:lstStyle/>
+          <a:p>
+            <a:r>
+              <a:rPr lang="zh-CN" altLang="en-US" sz="1050" dirty="0" smtClean="0">
+                <a:solidFill>
+                  <a:srgbClr val="0070C0"/>
+                </a:solidFill>
+              </a:rPr>
+              <a:t>编码过滤器</a:t>
+            </a:r>
+            <a:endParaRPr lang="zh-CN" altLang="en-US" sz="1050" dirty="0">
+              <a:solidFill>
+                <a:srgbClr val="0070C0"/>
+              </a:solidFill>
+            </a:endParaRPr>
+          </a:p>
+        </p:txBody>
+      </p:sp>
+      <p:sp>
+        <p:nvSpPr>
+          <p:cNvPr id="24" name="矩形 23"/>
+          <p:cNvSpPr/>
+          <p:nvPr/>
+        </p:nvSpPr>
+        <p:spPr>
+          <a:xfrm>
+            <a:off x="4439768" y="3147814"/>
+            <a:ext cx="1684305" cy="415498"/>
+          </a:xfrm>
+          <a:prstGeom prst="rect">
+            <a:avLst/>
+          </a:prstGeom>
+        </p:spPr>
+        <p:txBody>
+          <a:bodyPr wrap="square">
+            <a:spAutoFit/>
+          </a:bodyPr>
+          <a:lstStyle/>
+          <a:p>
+            <a:r>
+              <a:rPr lang="zh-CN" altLang="en-US" sz="1050" dirty="0">
+                <a:solidFill>
+                  <a:srgbClr val="0070C0"/>
+                </a:solidFill>
+              </a:rPr>
+              <a:t>启动</a:t>
+            </a:r>
+            <a:r>
+              <a:rPr lang="en-US" altLang="zh-CN" sz="1050" dirty="0">
+                <a:solidFill>
+                  <a:srgbClr val="0070C0"/>
+                </a:solidFill>
+              </a:rPr>
+              <a:t>Spring</a:t>
+            </a:r>
+            <a:r>
+              <a:rPr lang="zh-CN" altLang="en-US" sz="1050" dirty="0" smtClean="0">
+                <a:solidFill>
+                  <a:srgbClr val="0070C0"/>
+                </a:solidFill>
+              </a:rPr>
+              <a:t>容器，实现</a:t>
+            </a:r>
+            <a:r>
+              <a:rPr lang="zh-CN" altLang="en-US" sz="1050" dirty="0">
+                <a:solidFill>
+                  <a:srgbClr val="0070C0"/>
+                </a:solidFill>
+              </a:rPr>
+              <a:t>了</a:t>
+            </a:r>
+            <a:r>
+              <a:rPr lang="en-US" altLang="zh-CN" sz="1050" dirty="0" err="1" smtClean="0">
+                <a:solidFill>
+                  <a:srgbClr val="0070C0"/>
+                </a:solidFill>
+              </a:rPr>
+              <a:t>ServletContextListener</a:t>
+            </a:r>
+            <a:r>
+              <a:rPr lang="zh-CN" altLang="en-US" sz="1050" dirty="0" smtClean="0">
+                <a:solidFill>
+                  <a:srgbClr val="0070C0"/>
+                </a:solidFill>
+              </a:rPr>
+              <a:t>接口</a:t>
+            </a:r>
+            <a:endParaRPr lang="zh-CN" altLang="en-US" sz="1050" dirty="0">
+              <a:solidFill>
+                <a:srgbClr val="0070C0"/>
+              </a:solidFill>
+            </a:endParaRPr>
+          </a:p>
+        </p:txBody>
+      </p:sp>
+      <p:sp>
+        <p:nvSpPr>
+          <p:cNvPr id="25" name="矩形 24"/>
+          <p:cNvSpPr/>
+          <p:nvPr/>
+        </p:nvSpPr>
+        <p:spPr>
+          <a:xfrm>
+            <a:off x="4432663" y="3579862"/>
+            <a:ext cx="1422184" cy="253916"/>
+          </a:xfrm>
+          <a:prstGeom prst="rect">
+            <a:avLst/>
+          </a:prstGeom>
+        </p:spPr>
+        <p:txBody>
+          <a:bodyPr wrap="none">
+            <a:spAutoFit/>
+          </a:bodyPr>
+          <a:lstStyle/>
+          <a:p>
+            <a:r>
+              <a:rPr lang="zh-CN" altLang="en-US" sz="1050" dirty="0" smtClean="0">
+                <a:solidFill>
+                  <a:srgbClr val="0070C0"/>
+                </a:solidFill>
+              </a:rPr>
+              <a:t>配置</a:t>
+            </a:r>
+            <a:r>
+              <a:rPr lang="en-US" altLang="zh-CN" sz="1050" dirty="0">
+                <a:solidFill>
+                  <a:srgbClr val="0070C0"/>
+                </a:solidFill>
+              </a:rPr>
+              <a:t>DispatcherServlet</a:t>
+            </a:r>
+            <a:endParaRPr lang="zh-CN" altLang="en-US" sz="1050" dirty="0">
+              <a:solidFill>
+                <a:srgbClr val="0070C0"/>
+              </a:solidFill>
+            </a:endParaRPr>
+          </a:p>
+        </p:txBody>
+      </p:sp>
+      <p:sp>
+        <p:nvSpPr>
+          <p:cNvPr id="22" name="矩形 21"/>
+          <p:cNvSpPr/>
+          <p:nvPr/>
+        </p:nvSpPr>
+        <p:spPr>
+          <a:xfrm>
+            <a:off x="5868144" y="3549919"/>
+            <a:ext cx="1253371" cy="415498"/>
+          </a:xfrm>
+          <a:prstGeom prst="rect">
+            <a:avLst/>
+          </a:prstGeom>
+          <a:ln>
+            <a:solidFill>
+              <a:schemeClr val="tx1"/>
+            </a:solidFill>
+            <a:prstDash val="dash"/>
+          </a:ln>
+        </p:spPr>
+        <p:txBody>
+          <a:bodyPr wrap="square">
+            <a:spAutoFit/>
+          </a:bodyPr>
+          <a:lstStyle/>
+          <a:p>
+            <a:r>
+              <a:rPr lang="en-US" altLang="zh-CN" sz="1050" dirty="0" err="1" smtClean="0">
+                <a:solidFill>
+                  <a:srgbClr val="006600"/>
+                </a:solidFill>
+              </a:rPr>
+              <a:t>ServletRegistrationBean</a:t>
+            </a:r>
+            <a:r>
+              <a:rPr lang="zh-CN" altLang="en-US" sz="1050" dirty="0" smtClean="0">
+                <a:solidFill>
+                  <a:srgbClr val="006600"/>
+                </a:solidFill>
+              </a:rPr>
+              <a:t>注入</a:t>
+            </a:r>
+            <a:r>
+              <a:rPr lang="en-US" altLang="zh-CN" sz="1050" dirty="0" smtClean="0">
+                <a:solidFill>
+                  <a:srgbClr val="006600"/>
+                </a:solidFill>
+              </a:rPr>
+              <a:t>servlet</a:t>
+            </a:r>
+            <a:endParaRPr lang="zh-CN" altLang="en-US" sz="1050" dirty="0">
+              <a:solidFill>
+                <a:srgbClr val="006600"/>
+              </a:solidFill>
+            </a:endParaRPr>
+          </a:p>
+        </p:txBody>
+      </p:sp>
+      <p:sp>
+        <p:nvSpPr>
+          <p:cNvPr id="28" name="矩形 27"/>
+          <p:cNvSpPr/>
+          <p:nvPr/>
+        </p:nvSpPr>
+        <p:spPr>
+          <a:xfrm>
+            <a:off x="5355442" y="2596632"/>
+            <a:ext cx="1457450" cy="261610"/>
+          </a:xfrm>
+          <a:prstGeom prst="rect">
+            <a:avLst/>
+          </a:prstGeom>
+          <a:ln>
+            <a:solidFill>
+              <a:schemeClr val="tx1"/>
+            </a:solidFill>
+            <a:prstDash val="dash"/>
+          </a:ln>
+        </p:spPr>
+        <p:txBody>
+          <a:bodyPr wrap="none">
+            <a:spAutoFit/>
+          </a:bodyPr>
+          <a:lstStyle/>
+          <a:p>
+            <a:r>
+              <a:rPr lang="en-US" altLang="zh-CN" sz="1050" dirty="0" err="1">
+                <a:solidFill>
+                  <a:srgbClr val="006600"/>
+                </a:solidFill>
+              </a:rPr>
+              <a:t>FilterRegistrationBean</a:t>
+            </a:r>
+            <a:endParaRPr lang="zh-CN" altLang="en-US" sz="1050" dirty="0">
+              <a:solidFill>
+                <a:srgbClr val="006600"/>
+              </a:solidFill>
+            </a:endParaRPr>
+          </a:p>
+        </p:txBody>
+      </p:sp>
+      <p:sp>
+        <p:nvSpPr>
+          <p:cNvPr id="29" name="TextBox 28"/>
+          <p:cNvSpPr txBox="1"/>
+          <p:nvPr/>
+        </p:nvSpPr>
+        <p:spPr>
+          <a:xfrm>
+            <a:off x="2843808" y="3858933"/>
+            <a:ext cx="1563120" cy="253916"/>
+          </a:xfrm>
+          <a:prstGeom prst="rect">
+            <a:avLst/>
+          </a:prstGeom>
+          <a:noFill/>
+          <a:ln w="6350">
+            <a:solidFill>
+              <a:schemeClr val="accent1"/>
+            </a:solidFill>
+            <a:prstDash val="solid"/>
+          </a:ln>
+        </p:spPr>
+        <p:txBody>
+          <a:bodyPr wrap="square" rtlCol="0">
+            <a:spAutoFit/>
+          </a:bodyPr>
+          <a:lstStyle/>
+          <a:p>
+            <a:pPr latinLnBrk="1"/>
+            <a:r>
+              <a:rPr lang="en-US" altLang="zh-CN" sz="1050" dirty="0" smtClean="0"/>
+              <a:t>Spring</a:t>
+            </a:r>
+            <a:r>
+              <a:rPr lang="zh-CN" altLang="en-US" sz="1050" dirty="0" smtClean="0"/>
+              <a:t>嵌入的</a:t>
+            </a:r>
+            <a:r>
+              <a:rPr lang="en-US" altLang="zh-CN" sz="1050" dirty="0" smtClean="0"/>
+              <a:t>Hibernate</a:t>
+            </a:r>
+            <a:endParaRPr lang="zh-CN" altLang="en-US" sz="1050" dirty="0"/>
+          </a:p>
+        </p:txBody>
+      </p:sp>
+      <p:sp>
+        <p:nvSpPr>
+          <p:cNvPr id="26" name="左大括号 25"/>
+          <p:cNvSpPr/>
+          <p:nvPr/>
+        </p:nvSpPr>
+        <p:spPr>
+          <a:xfrm>
+            <a:off x="2640509" y="2594744"/>
+            <a:ext cx="144016" cy="1512168"/>
+          </a:xfrm>
+          <a:prstGeom prst="leftBrace">
+            <a:avLst>
+              <a:gd name="adj1" fmla="val 89904"/>
+              <a:gd name="adj2" fmla="val 50000"/>
+            </a:avLst>
+          </a:prstGeom>
+        </p:spPr>
+        <p:style>
+          <a:lnRef idx="1">
+            <a:schemeClr val="accent1"/>
+          </a:lnRef>
+          <a:fillRef idx="0">
+            <a:schemeClr val="accent1"/>
+          </a:fillRef>
+          <a:effectRef idx="0">
+            <a:schemeClr val="accent1"/>
+          </a:effectRef>
+          <a:fontRef idx="minor">
+            <a:schemeClr val="tx1"/>
+          </a:fontRef>
+        </p:style>
+        <p:txBody>
+          <a:bodyPr rtlCol="0" anchor="ctr"/>
+          <a:lstStyle/>
+          <a:p>
+            <a:pPr algn="ctr"/>
+            <a:endParaRPr lang="zh-CN" altLang="en-US"/>
+          </a:p>
+        </p:txBody>
+      </p:sp>
+      <p:sp>
+        <p:nvSpPr>
+          <p:cNvPr id="31" name="矩形 30"/>
+          <p:cNvSpPr/>
+          <p:nvPr/>
+        </p:nvSpPr>
+        <p:spPr>
+          <a:xfrm>
+            <a:off x="1007604" y="4269217"/>
+            <a:ext cx="1800200" cy="432048"/>
+          </a:xfrm>
+          <a:prstGeom prst="rect">
+            <a:avLst/>
+          </a:prstGeom>
+          <a:ln w="19050"/>
+        </p:spPr>
+        <p:style>
+          <a:lnRef idx="2">
+            <a:schemeClr val="accent1"/>
+          </a:lnRef>
+          <a:fillRef idx="1">
+            <a:schemeClr val="lt1"/>
+          </a:fillRef>
+          <a:effectRef idx="0">
+            <a:schemeClr val="accent1"/>
+          </a:effectRef>
+          <a:fontRef idx="minor">
+            <a:schemeClr val="dk1"/>
+          </a:fontRef>
+        </p:style>
+        <p:txBody>
+          <a:bodyPr rtlCol="0" anchor="ctr"/>
+          <a:lstStyle/>
+          <a:p>
+            <a:pPr algn="ctr"/>
+            <a:r>
+              <a:rPr lang="zh-CN" altLang="en-US" sz="1200" dirty="0" smtClean="0"/>
+              <a:t>解析</a:t>
+            </a:r>
+            <a:r>
+              <a:rPr lang="en-US" altLang="zh-CN" sz="1200" dirty="0" err="1" smtClean="0"/>
+              <a:t>application.properties</a:t>
+            </a:r>
+            <a:endParaRPr lang="zh-CN" altLang="en-US" sz="1200" dirty="0"/>
+          </a:p>
+        </p:txBody>
+      </p:sp>
+      <p:cxnSp>
+        <p:nvCxnSpPr>
+          <p:cNvPr id="30" name="直接箭头连接符 29"/>
+          <p:cNvCxnSpPr>
+            <a:stCxn id="4" idx="2"/>
+            <a:endCxn id="9" idx="0"/>
+          </p:cNvCxnSpPr>
+          <p:nvPr/>
+        </p:nvCxnSpPr>
+        <p:spPr>
+          <a:xfrm>
+            <a:off x="1907704" y="771550"/>
+            <a:ext cx="0" cy="319611"/>
+          </a:xfrm>
+          <a:prstGeom prst="straightConnector1">
+            <a:avLst/>
+          </a:prstGeom>
+          <a:ln>
+            <a:tailEnd type="arrow"/>
+          </a:ln>
+        </p:spPr>
+        <p:style>
+          <a:lnRef idx="1">
+            <a:schemeClr val="accent1"/>
+          </a:lnRef>
+          <a:fillRef idx="0">
+            <a:schemeClr val="accent1"/>
+          </a:fillRef>
+          <a:effectRef idx="0">
+            <a:schemeClr val="accent1"/>
+          </a:effectRef>
+          <a:fontRef idx="minor">
+            <a:schemeClr val="tx1"/>
+          </a:fontRef>
+        </p:style>
+      </p:cxnSp>
+      <p:cxnSp>
+        <p:nvCxnSpPr>
+          <p:cNvPr id="33" name="直接箭头连接符 32"/>
+          <p:cNvCxnSpPr>
+            <a:stCxn id="9" idx="2"/>
+            <a:endCxn id="8" idx="0"/>
+          </p:cNvCxnSpPr>
+          <p:nvPr/>
+        </p:nvCxnSpPr>
+        <p:spPr>
+          <a:xfrm>
+            <a:off x="1907704" y="1523209"/>
+            <a:ext cx="0" cy="328461"/>
+          </a:xfrm>
+          <a:prstGeom prst="straightConnector1">
+            <a:avLst/>
+          </a:prstGeom>
+          <a:ln>
+            <a:tailEnd type="arrow"/>
+          </a:ln>
+        </p:spPr>
+        <p:style>
+          <a:lnRef idx="1">
+            <a:schemeClr val="accent1"/>
+          </a:lnRef>
+          <a:fillRef idx="0">
+            <a:schemeClr val="accent1"/>
+          </a:fillRef>
+          <a:effectRef idx="0">
+            <a:schemeClr val="accent1"/>
+          </a:effectRef>
+          <a:fontRef idx="minor">
+            <a:schemeClr val="tx1"/>
+          </a:fontRef>
+        </p:style>
+      </p:cxnSp>
+      <p:cxnSp>
+        <p:nvCxnSpPr>
+          <p:cNvPr id="35" name="直接箭头连接符 34"/>
+          <p:cNvCxnSpPr>
+            <a:stCxn id="8" idx="2"/>
+            <a:endCxn id="12" idx="0"/>
+          </p:cNvCxnSpPr>
+          <p:nvPr/>
+        </p:nvCxnSpPr>
+        <p:spPr>
+          <a:xfrm>
+            <a:off x="1907704" y="2283718"/>
+            <a:ext cx="0" cy="536105"/>
+          </a:xfrm>
+          <a:prstGeom prst="straightConnector1">
+            <a:avLst/>
+          </a:prstGeom>
+          <a:ln>
+            <a:tailEnd type="arrow"/>
+          </a:ln>
+        </p:spPr>
+        <p:style>
+          <a:lnRef idx="1">
+            <a:schemeClr val="accent1"/>
+          </a:lnRef>
+          <a:fillRef idx="0">
+            <a:schemeClr val="accent1"/>
+          </a:fillRef>
+          <a:effectRef idx="0">
+            <a:schemeClr val="accent1"/>
+          </a:effectRef>
+          <a:fontRef idx="minor">
+            <a:schemeClr val="tx1"/>
+          </a:fontRef>
+        </p:style>
+      </p:cxnSp>
+      <p:cxnSp>
+        <p:nvCxnSpPr>
+          <p:cNvPr id="37" name="直接箭头连接符 36"/>
+          <p:cNvCxnSpPr>
+            <a:stCxn id="12" idx="2"/>
+            <a:endCxn id="31" idx="0"/>
+          </p:cNvCxnSpPr>
+          <p:nvPr/>
+        </p:nvCxnSpPr>
+        <p:spPr>
+          <a:xfrm>
+            <a:off x="1907704" y="3827935"/>
+            <a:ext cx="0" cy="441282"/>
+          </a:xfrm>
+          <a:prstGeom prst="straightConnector1">
+            <a:avLst/>
+          </a:prstGeom>
+          <a:ln>
+            <a:tailEnd type="arrow"/>
+          </a:ln>
+        </p:spPr>
+        <p:style>
+          <a:lnRef idx="1">
+            <a:schemeClr val="accent1"/>
+          </a:lnRef>
+          <a:fillRef idx="0">
+            <a:schemeClr val="accent1"/>
+          </a:fillRef>
+          <a:effectRef idx="0">
+            <a:schemeClr val="accent1"/>
+          </a:effectRef>
+          <a:fontRef idx="minor">
+            <a:schemeClr val="tx1"/>
+          </a:fontRef>
+        </p:style>
+      </p:cxnSp>
+      <p:cxnSp>
+        <p:nvCxnSpPr>
+          <p:cNvPr id="39" name="直接箭头连接符 38"/>
+          <p:cNvCxnSpPr>
+            <a:stCxn id="31" idx="3"/>
+            <a:endCxn id="14" idx="1"/>
+          </p:cNvCxnSpPr>
+          <p:nvPr/>
+        </p:nvCxnSpPr>
+        <p:spPr>
+          <a:xfrm>
+            <a:off x="2807804" y="4485241"/>
+            <a:ext cx="1292010" cy="0"/>
+          </a:xfrm>
+          <a:prstGeom prst="straightConnector1">
+            <a:avLst/>
+          </a:prstGeom>
+          <a:ln>
+            <a:tailEnd type="arrow"/>
+          </a:ln>
+        </p:spPr>
+        <p:style>
+          <a:lnRef idx="1">
+            <a:schemeClr val="accent1"/>
+          </a:lnRef>
+          <a:fillRef idx="0">
+            <a:schemeClr val="accent1"/>
+          </a:fillRef>
+          <a:effectRef idx="0">
+            <a:schemeClr val="accent1"/>
+          </a:effectRef>
+          <a:fontRef idx="minor">
+            <a:schemeClr val="tx1"/>
+          </a:fontRef>
+        </p:style>
+      </p:cxnSp>
+      <p:sp>
+        <p:nvSpPr>
+          <p:cNvPr id="42" name="矩形 41"/>
+          <p:cNvSpPr/>
+          <p:nvPr/>
+        </p:nvSpPr>
+        <p:spPr>
+          <a:xfrm>
+            <a:off x="993831" y="4701265"/>
+            <a:ext cx="1931491" cy="253916"/>
+          </a:xfrm>
+          <a:prstGeom prst="rect">
+            <a:avLst/>
+          </a:prstGeom>
+        </p:spPr>
+        <p:txBody>
+          <a:bodyPr wrap="square">
+            <a:spAutoFit/>
+          </a:bodyPr>
+          <a:lstStyle/>
+          <a:p>
+            <a:r>
+              <a:rPr lang="zh-CN" altLang="en-US" sz="1050" dirty="0" smtClean="0">
+                <a:solidFill>
+                  <a:srgbClr val="0070C0"/>
+                </a:solidFill>
+              </a:rPr>
+              <a:t>配置之后才能运行</a:t>
+            </a:r>
+            <a:r>
+              <a:rPr lang="en-US" altLang="zh-CN" sz="1050" dirty="0" smtClean="0">
+                <a:solidFill>
+                  <a:srgbClr val="0070C0"/>
+                </a:solidFill>
+              </a:rPr>
+              <a:t>controller</a:t>
+            </a:r>
+            <a:endParaRPr lang="zh-CN" altLang="en-US" sz="1050" dirty="0">
+              <a:solidFill>
+                <a:srgbClr val="0070C0"/>
+              </a:solidFill>
+            </a:endParaRPr>
+          </a:p>
+        </p:txBody>
+      </p:sp>
+      <p:sp>
+        <p:nvSpPr>
+          <p:cNvPr id="45" name="左大括号 44"/>
+          <p:cNvSpPr/>
+          <p:nvPr/>
+        </p:nvSpPr>
+        <p:spPr>
+          <a:xfrm>
+            <a:off x="683568" y="1687439"/>
+            <a:ext cx="261642" cy="3267742"/>
+          </a:xfrm>
+          <a:prstGeom prst="leftBrace">
+            <a:avLst>
+              <a:gd name="adj1" fmla="val 121500"/>
+              <a:gd name="adj2" fmla="val 50000"/>
+            </a:avLst>
+          </a:prstGeom>
+        </p:spPr>
+        <p:style>
+          <a:lnRef idx="1">
+            <a:schemeClr val="accent1"/>
+          </a:lnRef>
+          <a:fillRef idx="0">
+            <a:schemeClr val="accent1"/>
+          </a:fillRef>
+          <a:effectRef idx="0">
+            <a:schemeClr val="accent1"/>
+          </a:effectRef>
+          <a:fontRef idx="minor">
+            <a:schemeClr val="tx1"/>
+          </a:fontRef>
+        </p:style>
+        <p:txBody>
+          <a:bodyPr rtlCol="0" anchor="ctr"/>
+          <a:lstStyle/>
+          <a:p>
+            <a:pPr algn="ctr"/>
+            <a:endParaRPr lang="zh-CN" altLang="en-US"/>
+          </a:p>
+        </p:txBody>
+      </p:sp>
+      <p:sp>
+        <p:nvSpPr>
+          <p:cNvPr id="46" name="矩形 45"/>
+          <p:cNvSpPr/>
+          <p:nvPr/>
+        </p:nvSpPr>
+        <p:spPr>
+          <a:xfrm rot="16200000">
+            <a:off x="-390726" y="3147156"/>
+            <a:ext cx="1736373" cy="369332"/>
+          </a:xfrm>
+          <a:prstGeom prst="rect">
+            <a:avLst/>
+          </a:prstGeom>
+        </p:spPr>
+        <p:txBody>
+          <a:bodyPr wrap="none">
+            <a:spAutoFit/>
+          </a:bodyPr>
+          <a:lstStyle/>
+          <a:p>
+            <a:r>
+              <a:rPr lang="en-US" altLang="zh-CN" dirty="0" smtClean="0">
+                <a:solidFill>
+                  <a:srgbClr val="006600"/>
+                </a:solidFill>
+              </a:rPr>
+              <a:t>Spring Boot</a:t>
+            </a:r>
+            <a:r>
+              <a:rPr lang="zh-CN" altLang="en-US" dirty="0" smtClean="0">
+                <a:solidFill>
+                  <a:srgbClr val="006600"/>
+                </a:solidFill>
+              </a:rPr>
+              <a:t>封装</a:t>
+            </a:r>
+            <a:endParaRPr lang="zh-CN" altLang="en-US" dirty="0"/>
+          </a:p>
+        </p:txBody>
+      </p:sp>
+    </p:spTree>
+    <p:extLst>
+      <p:ext uri="{BB962C8B-B14F-4D97-AF65-F5344CB8AC3E}">
+        <p14:creationId xmlns:p14="http://schemas.microsoft.com/office/powerpoint/2010/main" val="974930627"/>
+      </p:ext>
+    </p:extLst>
+  </p:cSld>
+  <p:clrMapOvr>
+    <a:masterClrMapping/>
+  </p:clrMapOvr>
+  <p:timing>
+    <p:tnLst>
+      <p:par>
+        <p:cTn id="1" dur="indefinite" restart="never" nodeType="tmRoot"/>
+      </p:par>
+    </p:tnLst>
+  </p:timing>
+</p:sld>
+</file>
+
+<file path=ppt/slides/slide6.xml><?xml version="1.0" encoding="utf-8"?>
+<p:sld xmlns:a="http://schemas.openxmlformats.org/drawingml/2006/main" xmlns:r="http://schemas.openxmlformats.org/officeDocument/2006/relationships" xmlns:p="http://schemas.openxmlformats.org/presentationml/2006/main">
+  <p:cSld>
+    <p:spTree>
+      <p:nvGrpSpPr>
+        <p:cNvPr id="1" name=""/>
+        <p:cNvGrpSpPr/>
+        <p:nvPr/>
+      </p:nvGrpSpPr>
+      <p:grpSpPr>
+        <a:xfrm>
+          <a:off x="0" y="0"/>
+          <a:ext cx="0" cy="0"/>
+          <a:chOff x="0" y="0"/>
+          <a:chExt cx="0" cy="0"/>
+        </a:xfrm>
+      </p:grpSpPr>
+      <p:sp>
+        <p:nvSpPr>
+          <p:cNvPr id="2" name="TextBox 1"/>
+          <p:cNvSpPr txBox="1"/>
+          <p:nvPr/>
+        </p:nvSpPr>
+        <p:spPr>
+          <a:xfrm>
+            <a:off x="251520" y="141481"/>
+            <a:ext cx="2232248" cy="646331"/>
+          </a:xfrm>
+          <a:prstGeom prst="rect">
+            <a:avLst/>
+          </a:prstGeom>
+          <a:noFill/>
+        </p:spPr>
+        <p:txBody>
+          <a:bodyPr wrap="square" rtlCol="0">
+            <a:spAutoFit/>
+          </a:bodyPr>
+          <a:lstStyle/>
+          <a:p>
+            <a:r>
               <a:rPr lang="en-US" altLang="zh-CN" dirty="0" smtClean="0"/>
               <a:t>web.xml</a:t>
             </a:r>
             <a:r>
               <a:rPr lang="zh-CN" altLang="en-US" dirty="0" smtClean="0"/>
-              <a:t>载入过程</a:t>
+              <a:t>载入</a:t>
+            </a:r>
+            <a:r>
+              <a:rPr lang="zh-CN" altLang="en-US" dirty="0" smtClean="0"/>
+              <a:t>过程</a:t>
             </a:r>
             <a:endParaRPr lang="en-US" altLang="zh-CN" dirty="0" smtClean="0"/>
           </a:p>
@@ -3155,11 +9103,243 @@
   <p:clrMapOvr>
     <a:masterClrMapping/>
   </p:clrMapOvr>
+  <p:timing>
+    <p:tnLst>
+      <p:par>
+        <p:cTn id="1" dur="indefinite" restart="never" nodeType="tmRoot"/>
+      </p:par>
+    </p:tnLst>
+  </p:timing>
 </p:sld>
 </file>
 
 <file path=ppt/theme/theme1.xml><?xml version="1.0" encoding="utf-8"?>
 <a:theme xmlns:a="http://schemas.openxmlformats.org/drawingml/2006/main" name="Office 主题">
+  <a:themeElements>
+    <a:clrScheme name="Office">
+      <a:dk1>
+        <a:sysClr val="windowText" lastClr="000000"/>
+      </a:dk1>
+      <a:lt1>
+        <a:sysClr val="window" lastClr="FFFFFF"/>
+      </a:lt1>
+      <a:dk2>
+        <a:srgbClr val="1F497D"/>
+      </a:dk2>
+      <a:lt2>
+        <a:srgbClr val="EEECE1"/>
+      </a:lt2>
+      <a:accent1>
+        <a:srgbClr val="4F81BD"/>
+      </a:accent1>
+      <a:accent2>
+        <a:srgbClr val="C0504D"/>
+      </a:accent2>
+      <a:accent3>
+        <a:srgbClr val="9BBB59"/>
+      </a:accent3>
+      <a:accent4>
+        <a:srgbClr val="8064A2"/>
+      </a:accent4>
+      <a:accent5>
+        <a:srgbClr val="4BACC6"/>
+      </a:accent5>
+      <a:accent6>
+        <a:srgbClr val="F79646"/>
+      </a:accent6>
+      <a:hlink>
+        <a:srgbClr val="0000FF"/>
+      </a:hlink>
+      <a:folHlink>
+        <a:srgbClr val="800080"/>
+      </a:folHlink>
+    </a:clrScheme>
+    <a:fontScheme name="纯纯纯雅黑">
+      <a:majorFont>
+        <a:latin typeface="Calibri"/>
+        <a:ea typeface="微软雅黑"/>
+        <a:cs typeface=""/>
+      </a:majorFont>
+      <a:minorFont>
+        <a:latin typeface="Calibri"/>
+        <a:ea typeface="微软雅黑"/>
+        <a:cs typeface=""/>
+      </a:minorFont>
+    </a:fontScheme>
+    <a:fmtScheme name="Office">
+      <a:fillStyleLst>
+        <a:solidFill>
+          <a:schemeClr val="phClr"/>
+        </a:solidFill>
+        <a:gradFill rotWithShape="1">
+          <a:gsLst>
+            <a:gs pos="0">
+              <a:schemeClr val="phClr">
+                <a:tint val="50000"/>
+                <a:satMod val="300000"/>
+              </a:schemeClr>
+            </a:gs>
+            <a:gs pos="35000">
+              <a:schemeClr val="phClr">
+                <a:tint val="37000"/>
+                <a:satMod val="300000"/>
+              </a:schemeClr>
+            </a:gs>
+            <a:gs pos="100000">
+              <a:schemeClr val="phClr">
+                <a:tint val="15000"/>
+                <a:satMod val="350000"/>
+              </a:schemeClr>
+            </a:gs>
+          </a:gsLst>
+          <a:lin ang="16200000" scaled="1"/>
+        </a:gradFill>
+        <a:gradFill rotWithShape="1">
+          <a:gsLst>
+            <a:gs pos="0">
+              <a:schemeClr val="phClr">
+                <a:shade val="51000"/>
+                <a:satMod val="130000"/>
+              </a:schemeClr>
+            </a:gs>
+            <a:gs pos="80000">
+              <a:schemeClr val="phClr">
+                <a:shade val="93000"/>
+                <a:satMod val="130000"/>
+              </a:schemeClr>
+            </a:gs>
+            <a:gs pos="100000">
+              <a:schemeClr val="phClr">
+                <a:shade val="94000"/>
+                <a:satMod val="135000"/>
+              </a:schemeClr>
+            </a:gs>
+          </a:gsLst>
+          <a:lin ang="16200000" scaled="0"/>
+        </a:gradFill>
+      </a:fillStyleLst>
+      <a:lnStyleLst>
+        <a:ln w="9525" cap="flat" cmpd="sng" algn="ctr">
+          <a:solidFill>
+            <a:schemeClr val="phClr">
+              <a:shade val="95000"/>
+              <a:satMod val="105000"/>
+            </a:schemeClr>
+          </a:solidFill>
+          <a:prstDash val="solid"/>
+        </a:ln>
+        <a:ln w="25400" cap="flat" cmpd="sng" algn="ctr">
+          <a:solidFill>
+            <a:schemeClr val="phClr"/>
+          </a:solidFill>
+          <a:prstDash val="solid"/>
+        </a:ln>
+        <a:ln w="38100" cap="flat" cmpd="sng" algn="ctr">
+          <a:solidFill>
+            <a:schemeClr val="phClr"/>
+          </a:solidFill>
+          <a:prstDash val="solid"/>
+        </a:ln>
+      </a:lnStyleLst>
+      <a:effectStyleLst>
+        <a:effectStyle>
+          <a:effectLst>
+            <a:outerShdw blurRad="40000" dist="20000" dir="5400000" rotWithShape="0">
+              <a:srgbClr val="000000">
+                <a:alpha val="38000"/>
+              </a:srgbClr>
+            </a:outerShdw>
+          </a:effectLst>
+        </a:effectStyle>
+        <a:effectStyle>
+          <a:effectLst>
+            <a:outerShdw blurRad="40000" dist="23000" dir="5400000" rotWithShape="0">
+              <a:srgbClr val="000000">
+                <a:alpha val="35000"/>
+              </a:srgbClr>
+            </a:outerShdw>
+          </a:effectLst>
+        </a:effectStyle>
+        <a:effectStyle>
+          <a:effectLst>
+            <a:outerShdw blurRad="40000" dist="23000" dir="5400000" rotWithShape="0">
+              <a:srgbClr val="000000">
+                <a:alpha val="35000"/>
+              </a:srgbClr>
+            </a:outerShdw>
+          </a:effectLst>
+          <a:scene3d>
+            <a:camera prst="orthographicFront">
+              <a:rot lat="0" lon="0" rev="0"/>
+            </a:camera>
+            <a:lightRig rig="threePt" dir="t">
+              <a:rot lat="0" lon="0" rev="1200000"/>
+            </a:lightRig>
+          </a:scene3d>
+          <a:sp3d>
+            <a:bevelT w="63500" h="25400"/>
+          </a:sp3d>
+        </a:effectStyle>
+      </a:effectStyleLst>
+      <a:bgFillStyleLst>
+        <a:solidFill>
+          <a:schemeClr val="phClr"/>
+        </a:solidFill>
+        <a:gradFill rotWithShape="1">
+          <a:gsLst>
+            <a:gs pos="0">
+              <a:schemeClr val="phClr">
+                <a:tint val="40000"/>
+                <a:satMod val="350000"/>
+              </a:schemeClr>
+            </a:gs>
+            <a:gs pos="40000">
+              <a:schemeClr val="phClr">
+                <a:tint val="45000"/>
+                <a:shade val="99000"/>
+                <a:satMod val="350000"/>
+              </a:schemeClr>
+            </a:gs>
+            <a:gs pos="100000">
+              <a:schemeClr val="phClr">
+                <a:shade val="20000"/>
+                <a:satMod val="255000"/>
+              </a:schemeClr>
+            </a:gs>
+          </a:gsLst>
+          <a:path path="circle">
+            <a:fillToRect l="50000" t="-80000" r="50000" b="180000"/>
+          </a:path>
+        </a:gradFill>
+        <a:gradFill rotWithShape="1">
+          <a:gsLst>
+            <a:gs pos="0">
+              <a:schemeClr val="phClr">
+                <a:tint val="80000"/>
+                <a:satMod val="300000"/>
+              </a:schemeClr>
+            </a:gs>
+            <a:gs pos="100000">
+              <a:schemeClr val="phClr">
+                <a:shade val="30000"/>
+                <a:satMod val="200000"/>
+              </a:schemeClr>
+            </a:gs>
+          </a:gsLst>
+          <a:path path="circle">
+            <a:fillToRect l="50000" t="50000" r="50000" b="50000"/>
+          </a:path>
+        </a:gradFill>
+      </a:bgFillStyleLst>
+    </a:fmtScheme>
+  </a:themeElements>
+  <a:objectDefaults/>
+  <a:extraClrSchemeLst/>
+</a:theme>
+</file>
+
+<file path=ppt/theme/theme2.xml><?xml version="1.0" encoding="utf-8"?>
+<a:theme xmlns:a="http://schemas.openxmlformats.org/drawingml/2006/main" name="Office 主题​​">
   <a:themeElements>
     <a:clrScheme name="Office">
       <a:dk1>
@@ -3233,6 +9413,7 @@
         <a:font script="Mong" typeface="Mongolian Baiti"/>
         <a:font script="Viet" typeface="Times New Roman"/>
         <a:font script="Uigh" typeface="Microsoft Uighur"/>
+        <a:font script="Geor" typeface="Sylfaen"/>
       </a:majorFont>
       <a:minorFont>
         <a:latin typeface="Calibri"/>
@@ -3267,6 +9448,7 @@
         <a:font script="Mong" typeface="Mongolian Baiti"/>
         <a:font script="Viet" typeface="Arial"/>
         <a:font script="Uigh" typeface="Microsoft Uighur"/>
+        <a:font script="Geor" typeface="Sylfaen"/>
       </a:minorFont>
     </a:fontScheme>
     <a:fmtScheme name="Office">

--- a/issueImages/web context loading process.pptx
+++ b/issueImages/web context loading process.pptx
@@ -5,15 +5,13 @@
     <p:sldMasterId id="2147483648" r:id="rId1"/>
   </p:sldMasterIdLst>
   <p:notesMasterIdLst>
-    <p:notesMasterId r:id="rId8"/>
+    <p:notesMasterId r:id="rId6"/>
   </p:notesMasterIdLst>
   <p:sldIdLst>
     <p:sldId id="260" r:id="rId2"/>
     <p:sldId id="259" r:id="rId3"/>
-    <p:sldId id="261" r:id="rId4"/>
-    <p:sldId id="262" r:id="rId5"/>
-    <p:sldId id="258" r:id="rId6"/>
-    <p:sldId id="257" r:id="rId7"/>
+    <p:sldId id="262" r:id="rId4"/>
+    <p:sldId id="258" r:id="rId5"/>
   </p:sldIdLst>
   <p:sldSz cx="9144000" cy="5143500" type="screen16x9"/>
   <p:notesSz cx="6858000" cy="9144000"/>
@@ -197,7 +195,7 @@
           <a:p>
             <a:fld id="{62974DE1-0086-46B2-AAC4-46D2360602FF}" type="datetimeFigureOut">
               <a:rPr lang="zh-CN" altLang="en-US" smtClean="0"/>
-              <a:t>2017/5/6</a:t>
+              <a:t>2017/5/8</a:t>
             </a:fld>
             <a:endParaRPr lang="zh-CN" altLang="en-US"/>
           </a:p>
@@ -754,12 +752,7 @@
             <p:ph type="sldImg"/>
           </p:nvPr>
         </p:nvSpPr>
-        <p:spPr>
-          <a:xfrm>
-            <a:off x="381000" y="685800"/>
-            <a:ext cx="6096000" cy="3429000"/>
-          </a:xfrm>
-        </p:spPr>
+        <p:spPr/>
       </p:sp>
       <p:sp>
         <p:nvSpPr>
@@ -776,6 +769,88 @@
           <a:bodyPr/>
           <a:lstStyle/>
           <a:p>
+            <a:r>
+              <a:rPr lang="en-US" altLang="zh-CN" dirty="0" err="1" smtClean="0"/>
+              <a:t>DispatcherServlet</a:t>
+            </a:r>
+            <a:r>
+              <a:rPr lang="zh-CN" altLang="en-US" dirty="0" smtClean="0"/>
+              <a:t>是前端控制器设计模式的实现，提供</a:t>
+            </a:r>
+            <a:r>
+              <a:rPr lang="en-US" altLang="zh-CN" dirty="0" smtClean="0"/>
+              <a:t>Spring Web MVC</a:t>
+            </a:r>
+            <a:r>
+              <a:rPr lang="zh-CN" altLang="en-US" dirty="0" smtClean="0"/>
+              <a:t>的集中访问点，而且负责职责的分派，而且与</a:t>
+            </a:r>
+            <a:r>
+              <a:rPr lang="en-US" altLang="zh-CN" dirty="0" smtClean="0"/>
+              <a:t>Spring </a:t>
+            </a:r>
+            <a:r>
+              <a:rPr lang="en-US" altLang="zh-CN" dirty="0" err="1" smtClean="0"/>
+              <a:t>IoC</a:t>
+            </a:r>
+            <a:r>
+              <a:rPr lang="zh-CN" altLang="en-US" dirty="0" smtClean="0"/>
+              <a:t>容器无缝集成，从而可以获得</a:t>
+            </a:r>
+            <a:r>
+              <a:rPr lang="en-US" altLang="zh-CN" dirty="0" smtClean="0"/>
+              <a:t>Spring</a:t>
+            </a:r>
+            <a:r>
+              <a:rPr lang="zh-CN" altLang="en-US" dirty="0" smtClean="0"/>
+              <a:t>的所有好处。</a:t>
+            </a:r>
+            <a:endParaRPr lang="en-US" altLang="zh-CN" dirty="0" smtClean="0"/>
+          </a:p>
+          <a:p>
+            <a:r>
+              <a:rPr lang="en-US" altLang="zh-CN" sz="1200" dirty="0" smtClean="0"/>
+              <a:t>HandlerAdapter</a:t>
+            </a:r>
+            <a:r>
+              <a:rPr lang="zh-CN" altLang="en-US" dirty="0" smtClean="0"/>
+              <a:t>可以有多个，比如用于拦截权限（</a:t>
+            </a:r>
+            <a:r>
+              <a:rPr lang="en-US" altLang="zh-CN" sz="1200" b="0" i="0" kern="1200" dirty="0" smtClean="0">
+                <a:solidFill>
+                  <a:schemeClr val="tx1"/>
+                </a:solidFill>
+                <a:effectLst/>
+                <a:latin typeface="+mn-lt"/>
+                <a:ea typeface="+mn-ea"/>
+                <a:cs typeface="+mn-cs"/>
+              </a:rPr>
+              <a:t>HandlerAdapter</a:t>
+            </a:r>
+            <a:r>
+              <a:rPr lang="zh-CN" altLang="en-US" sz="1200" b="0" i="0" kern="1200" dirty="0" smtClean="0">
+                <a:solidFill>
+                  <a:schemeClr val="tx1"/>
+                </a:solidFill>
+                <a:effectLst/>
+                <a:latin typeface="+mn-lt"/>
+                <a:ea typeface="+mn-ea"/>
+                <a:cs typeface="+mn-cs"/>
+              </a:rPr>
+              <a:t>将会把处理器包装为适配器，从而支持多种类型的处理器，即适配器设计模式的应用，从而很容易支持很多类型的处理器</a:t>
+            </a:r>
+            <a:r>
+              <a:rPr lang="zh-CN" altLang="en-US" dirty="0" smtClean="0"/>
+              <a:t>）</a:t>
+            </a:r>
+            <a:endParaRPr lang="en-US" altLang="zh-CN" dirty="0" smtClean="0"/>
+          </a:p>
+          <a:p>
+            <a:r>
+              <a:rPr lang="en-US" altLang="zh-CN" dirty="0" smtClean="0"/>
+              <a:t>Application.properties</a:t>
+            </a:r>
             <a:endParaRPr lang="zh-CN" altLang="en-US" dirty="0"/>
           </a:p>
         </p:txBody>
@@ -797,7 +872,7 @@
           <a:p>
             <a:fld id="{71FE3369-33FF-45DF-AB83-4542779F698D}" type="slidenum">
               <a:rPr lang="zh-CN" altLang="en-US" smtClean="0"/>
-              <a:t>5</a:t>
+              <a:t>3</a:t>
             </a:fld>
             <a:endParaRPr lang="zh-CN" altLang="en-US"/>
           </a:p>
@@ -806,7 +881,7 @@
     </p:spTree>
     <p:extLst>
       <p:ext uri="{BB962C8B-B14F-4D97-AF65-F5344CB8AC3E}">
-        <p14:creationId xmlns:p14="http://schemas.microsoft.com/office/powerpoint/2010/main" val="1421662787"/>
+        <p14:creationId xmlns:p14="http://schemas.microsoft.com/office/powerpoint/2010/main" val="132108948"/>
       </p:ext>
     </p:extLst>
   </p:cSld>
@@ -843,7 +918,12 @@
             <p:ph type="sldImg"/>
           </p:nvPr>
         </p:nvSpPr>
-        <p:spPr/>
+        <p:spPr>
+          <a:xfrm>
+            <a:off x="381000" y="685800"/>
+            <a:ext cx="6096000" cy="3429000"/>
+          </a:xfrm>
+        </p:spPr>
       </p:sp>
       <p:sp>
         <p:nvSpPr>
@@ -860,30 +940,6 @@
           <a:bodyPr/>
           <a:lstStyle/>
           <a:p>
-            <a:r>
-              <a:rPr lang="en-US" altLang="zh-CN" dirty="0" smtClean="0"/>
-              <a:t>web.xml</a:t>
-            </a:r>
-            <a:r>
-              <a:rPr lang="zh-CN" altLang="en-US" dirty="0" smtClean="0"/>
-              <a:t>的文件位置：</a:t>
-            </a:r>
-            <a:r>
-              <a:rPr lang="en-US" altLang="zh-CN" dirty="0" err="1" smtClean="0"/>
-              <a:t>src</a:t>
-            </a:r>
-            <a:r>
-              <a:rPr lang="en-US" altLang="zh-CN" dirty="0" smtClean="0"/>
-              <a:t>/main/</a:t>
-            </a:r>
-            <a:r>
-              <a:rPr lang="en-US" altLang="zh-CN" dirty="0" err="1" smtClean="0"/>
-              <a:t>webapp</a:t>
-            </a:r>
-            <a:r>
-              <a:rPr lang="en-US" altLang="zh-CN" dirty="0" smtClean="0"/>
-              <a:t>/WEB-INF/web.xml</a:t>
-            </a:r>
             <a:endParaRPr lang="zh-CN" altLang="en-US" dirty="0"/>
           </a:p>
         </p:txBody>
@@ -905,7 +961,7 @@
           <a:p>
             <a:fld id="{71FE3369-33FF-45DF-AB83-4542779F698D}" type="slidenum">
               <a:rPr lang="zh-CN" altLang="en-US" smtClean="0"/>
-              <a:t>6</a:t>
+              <a:t>4</a:t>
             </a:fld>
             <a:endParaRPr lang="zh-CN" altLang="en-US"/>
           </a:p>
@@ -914,7 +970,7 @@
     </p:spTree>
     <p:extLst>
       <p:ext uri="{BB962C8B-B14F-4D97-AF65-F5344CB8AC3E}">
-        <p14:creationId xmlns:p14="http://schemas.microsoft.com/office/powerpoint/2010/main" val="4120548389"/>
+        <p14:creationId xmlns:p14="http://schemas.microsoft.com/office/powerpoint/2010/main" val="1421662787"/>
       </p:ext>
     </p:extLst>
   </p:cSld>
@@ -1105,7 +1161,7 @@
           <a:p>
             <a:fld id="{530820CF-B880-4189-942D-D702A7CBA730}" type="datetimeFigureOut">
               <a:rPr lang="zh-CN" altLang="en-US" smtClean="0"/>
-              <a:t>2017/5/6</a:t>
+              <a:t>2017/5/8</a:t>
             </a:fld>
             <a:endParaRPr lang="zh-CN" altLang="en-US"/>
           </a:p>
@@ -1270,7 +1326,7 @@
           <a:p>
             <a:fld id="{530820CF-B880-4189-942D-D702A7CBA730}" type="datetimeFigureOut">
               <a:rPr lang="zh-CN" altLang="en-US" smtClean="0"/>
-              <a:t>2017/5/6</a:t>
+              <a:t>2017/5/8</a:t>
             </a:fld>
             <a:endParaRPr lang="zh-CN" altLang="en-US"/>
           </a:p>
@@ -1445,7 +1501,7 @@
           <a:p>
             <a:fld id="{530820CF-B880-4189-942D-D702A7CBA730}" type="datetimeFigureOut">
               <a:rPr lang="zh-CN" altLang="en-US" smtClean="0"/>
-              <a:t>2017/5/6</a:t>
+              <a:t>2017/5/8</a:t>
             </a:fld>
             <a:endParaRPr lang="zh-CN" altLang="en-US"/>
           </a:p>
@@ -1610,7 +1666,7 @@
           <a:p>
             <a:fld id="{530820CF-B880-4189-942D-D702A7CBA730}" type="datetimeFigureOut">
               <a:rPr lang="zh-CN" altLang="en-US" smtClean="0"/>
-              <a:t>2017/5/6</a:t>
+              <a:t>2017/5/8</a:t>
             </a:fld>
             <a:endParaRPr lang="zh-CN" altLang="en-US"/>
           </a:p>
@@ -1851,7 +1907,7 @@
           <a:p>
             <a:fld id="{530820CF-B880-4189-942D-D702A7CBA730}" type="datetimeFigureOut">
               <a:rPr lang="zh-CN" altLang="en-US" smtClean="0"/>
-              <a:t>2017/5/6</a:t>
+              <a:t>2017/5/8</a:t>
             </a:fld>
             <a:endParaRPr lang="zh-CN" altLang="en-US"/>
           </a:p>
@@ -2134,7 +2190,7 @@
           <a:p>
             <a:fld id="{530820CF-B880-4189-942D-D702A7CBA730}" type="datetimeFigureOut">
               <a:rPr lang="zh-CN" altLang="en-US" smtClean="0"/>
-              <a:t>2017/5/6</a:t>
+              <a:t>2017/5/8</a:t>
             </a:fld>
             <a:endParaRPr lang="zh-CN" altLang="en-US"/>
           </a:p>
@@ -2551,7 +2607,7 @@
           <a:p>
             <a:fld id="{530820CF-B880-4189-942D-D702A7CBA730}" type="datetimeFigureOut">
               <a:rPr lang="zh-CN" altLang="en-US" smtClean="0"/>
-              <a:t>2017/5/6</a:t>
+              <a:t>2017/5/8</a:t>
             </a:fld>
             <a:endParaRPr lang="zh-CN" altLang="en-US"/>
           </a:p>
@@ -2664,7 +2720,7 @@
           <a:p>
             <a:fld id="{530820CF-B880-4189-942D-D702A7CBA730}" type="datetimeFigureOut">
               <a:rPr lang="zh-CN" altLang="en-US" smtClean="0"/>
-              <a:t>2017/5/6</a:t>
+              <a:t>2017/5/8</a:t>
             </a:fld>
             <a:endParaRPr lang="zh-CN" altLang="en-US"/>
           </a:p>
@@ -2754,7 +2810,7 @@
           <a:p>
             <a:fld id="{530820CF-B880-4189-942D-D702A7CBA730}" type="datetimeFigureOut">
               <a:rPr lang="zh-CN" altLang="en-US" smtClean="0"/>
-              <a:t>2017/5/6</a:t>
+              <a:t>2017/5/8</a:t>
             </a:fld>
             <a:endParaRPr lang="zh-CN" altLang="en-US"/>
           </a:p>
@@ -3026,7 +3082,7 @@
           <a:p>
             <a:fld id="{530820CF-B880-4189-942D-D702A7CBA730}" type="datetimeFigureOut">
               <a:rPr lang="zh-CN" altLang="en-US" smtClean="0"/>
-              <a:t>2017/5/6</a:t>
+              <a:t>2017/5/8</a:t>
             </a:fld>
             <a:endParaRPr lang="zh-CN" altLang="en-US"/>
           </a:p>
@@ -3274,7 +3330,7 @@
           <a:p>
             <a:fld id="{530820CF-B880-4189-942D-D702A7CBA730}" type="datetimeFigureOut">
               <a:rPr lang="zh-CN" altLang="en-US" smtClean="0"/>
-              <a:t>2017/5/6</a:t>
+              <a:t>2017/5/8</a:t>
             </a:fld>
             <a:endParaRPr lang="zh-CN" altLang="en-US"/>
           </a:p>
@@ -3482,7 +3538,7 @@
           <a:p>
             <a:fld id="{530820CF-B880-4189-942D-D702A7CBA730}" type="datetimeFigureOut">
               <a:rPr lang="zh-CN" altLang="en-US" smtClean="0"/>
-              <a:t>2017/5/6</a:t>
+              <a:t>2017/5/8</a:t>
             </a:fld>
             <a:endParaRPr lang="zh-CN" altLang="en-US"/>
           </a:p>
@@ -3880,11 +3936,7 @@
             </a:r>
             <a:r>
               <a:rPr lang="zh-CN" altLang="en-US" sz="1600" dirty="0" smtClean="0"/>
-              <a:t>程序</a:t>
-            </a:r>
-            <a:r>
-              <a:rPr lang="zh-CN" altLang="en-US" sz="1600" dirty="0" smtClean="0"/>
-              <a:t>结构与</a:t>
+              <a:t>程序结构与</a:t>
             </a:r>
             <a:r>
               <a:rPr lang="en-US" altLang="zh-CN" sz="1600" dirty="0" smtClean="0"/>
@@ -4427,7 +4479,6 @@
               <a:rPr lang="zh-CN" altLang="en-US" sz="1400" dirty="0"/>
               <a:t>验证等，不应该含有具体对象</a:t>
             </a:r>
-            <a:endParaRPr lang="zh-CN" altLang="en-US" sz="1400" dirty="0"/>
           </a:p>
         </p:txBody>
       </p:sp>
@@ -5219,13 +5270,13 @@
               </a:ext>
             </a:extLst>
           </a:blip>
-          <a:srcRect b="8871"/>
+          <a:srcRect l="3692" t="4609" r="2540" b="8871"/>
           <a:stretch/>
         </p:blipFill>
         <p:spPr bwMode="auto">
           <a:xfrm>
-            <a:off x="827584" y="-74315"/>
-            <a:ext cx="7252917" cy="5120387"/>
+            <a:off x="1043608" y="282094"/>
+            <a:ext cx="6800850" cy="4861406"/>
           </a:xfrm>
           <a:prstGeom prst="rect">
             <a:avLst/>
@@ -5287,8 +5338,8 @@
         </p:nvSpPr>
         <p:spPr>
           <a:xfrm>
-            <a:off x="3058358" y="1796941"/>
-            <a:ext cx="1080120" cy="1944216"/>
+            <a:off x="2160183" y="2345454"/>
+            <a:ext cx="4354023" cy="874368"/>
           </a:xfrm>
           <a:prstGeom prst="rect">
             <a:avLst/>
@@ -5333,8 +5384,8 @@
         </p:nvSpPr>
         <p:spPr>
           <a:xfrm>
-            <a:off x="1475656" y="1796941"/>
-            <a:ext cx="1080120" cy="1944216"/>
+            <a:off x="2160183" y="1131590"/>
+            <a:ext cx="4354022" cy="864096"/>
           </a:xfrm>
           <a:prstGeom prst="rect">
             <a:avLst/>
@@ -5383,7 +5434,7 @@
         <p:spPr>
           <a:xfrm>
             <a:off x="0" y="0"/>
-            <a:ext cx="3749296" cy="369332"/>
+            <a:ext cx="3416320" cy="369332"/>
           </a:xfrm>
           <a:prstGeom prst="rect">
             <a:avLst/>
@@ -5397,19 +5448,11 @@
           <a:p>
             <a:r>
               <a:rPr lang="zh-CN" altLang="en-US" dirty="0"/>
-              <a:t>基于</a:t>
-            </a:r>
-            <a:r>
-              <a:rPr lang="en-US" altLang="zh-CN" dirty="0" err="1"/>
-              <a:t>springMVC</a:t>
-            </a:r>
-            <a:r>
-              <a:rPr lang="zh-CN" altLang="en-US" dirty="0"/>
-              <a:t>的</a:t>
+              <a:t>基于前后端</a:t>
             </a:r>
             <a:r>
               <a:rPr lang="zh-CN" altLang="en-US" dirty="0" smtClean="0"/>
-              <a:t>请求的前后端分离</a:t>
+              <a:t>分离的请求处理过程</a:t>
             </a:r>
             <a:endParaRPr lang="zh-CN" altLang="en-US" dirty="0"/>
           </a:p>
@@ -5423,8 +5466,8 @@
         </p:nvSpPr>
         <p:spPr>
           <a:xfrm>
-            <a:off x="89706" y="1796941"/>
-            <a:ext cx="809885" cy="1944216"/>
+            <a:off x="2726897" y="416678"/>
+            <a:ext cx="3141247" cy="423607"/>
           </a:xfrm>
           <a:prstGeom prst="rect">
             <a:avLst/>
@@ -5467,7 +5510,7 @@
         </p:nvSpPr>
         <p:spPr>
           <a:xfrm>
-            <a:off x="1547664" y="2211710"/>
+            <a:off x="2363780" y="1426388"/>
             <a:ext cx="933156" cy="288032"/>
           </a:xfrm>
           <a:prstGeom prst="rect">
@@ -5509,7 +5552,7 @@
         </p:nvSpPr>
         <p:spPr>
           <a:xfrm>
-            <a:off x="1547664" y="3363838"/>
+            <a:off x="5358966" y="1419622"/>
             <a:ext cx="933156" cy="288032"/>
           </a:xfrm>
           <a:prstGeom prst="rect">
@@ -5551,7 +5594,7 @@
         </p:nvSpPr>
         <p:spPr>
           <a:xfrm>
-            <a:off x="1547664" y="2787774"/>
+            <a:off x="3831393" y="1428068"/>
             <a:ext cx="933156" cy="288032"/>
           </a:xfrm>
           <a:prstGeom prst="rect">
@@ -5593,7 +5636,7 @@
         </p:nvSpPr>
         <p:spPr>
           <a:xfrm>
-            <a:off x="3131840" y="2211710"/>
+            <a:off x="2381797" y="2649274"/>
             <a:ext cx="933156" cy="288032"/>
           </a:xfrm>
           <a:prstGeom prst="rect">
@@ -5635,7 +5678,7 @@
         </p:nvSpPr>
         <p:spPr>
           <a:xfrm>
-            <a:off x="3131840" y="2796215"/>
+            <a:off x="3859894" y="2649274"/>
             <a:ext cx="933156" cy="288032"/>
           </a:xfrm>
           <a:prstGeom prst="rect">
@@ -5677,7 +5720,7 @@
         </p:nvSpPr>
         <p:spPr>
           <a:xfrm>
-            <a:off x="3131840" y="3363838"/>
+            <a:off x="5341929" y="2649274"/>
             <a:ext cx="933156" cy="288032"/>
           </a:xfrm>
           <a:prstGeom prst="rect">
@@ -5719,7 +5762,7 @@
         </p:nvSpPr>
         <p:spPr>
           <a:xfrm>
-            <a:off x="269317" y="1796941"/>
+            <a:off x="2843808" y="483518"/>
             <a:ext cx="558267" cy="276999"/>
           </a:xfrm>
           <a:prstGeom prst="rect">
@@ -5749,7 +5792,7 @@
         </p:nvSpPr>
         <p:spPr>
           <a:xfrm>
-            <a:off x="179512" y="2508183"/>
+            <a:off x="3923928" y="479296"/>
             <a:ext cx="648072" cy="298371"/>
           </a:xfrm>
           <a:prstGeom prst="rect">
@@ -5791,7 +5834,7 @@
         </p:nvSpPr>
         <p:spPr>
           <a:xfrm>
-            <a:off x="179512" y="3003798"/>
+            <a:off x="4958332" y="479296"/>
             <a:ext cx="648072" cy="306847"/>
           </a:xfrm>
           <a:prstGeom prst="rect">
@@ -5827,14 +5870,14 @@
       </p:sp>
       <p:sp>
         <p:nvSpPr>
-          <p:cNvPr id="18" name="矩形 17"/>
+          <p:cNvPr id="19" name="矩形 18"/>
           <p:cNvSpPr/>
           <p:nvPr/>
         </p:nvSpPr>
         <p:spPr>
           <a:xfrm>
-            <a:off x="1692550" y="1810468"/>
-            <a:ext cx="646331" cy="276999"/>
+            <a:off x="3661511" y="2372275"/>
+            <a:ext cx="1272015" cy="276999"/>
           </a:xfrm>
           <a:prstGeom prst="rect">
             <a:avLst/>
@@ -5847,37 +5890,8 @@
           <a:lstStyle/>
           <a:p>
             <a:r>
-              <a:rPr lang="zh-CN" altLang="en-US" sz="1200" dirty="0" smtClean="0"/>
-              <a:t>过滤器</a:t>
-            </a:r>
-            <a:endParaRPr lang="zh-CN" altLang="en-US" sz="1200" dirty="0"/>
-          </a:p>
-        </p:txBody>
-      </p:sp>
-      <p:sp>
-        <p:nvSpPr>
-          <p:cNvPr id="19" name="矩形 18"/>
-          <p:cNvSpPr/>
-          <p:nvPr/>
-        </p:nvSpPr>
-        <p:spPr>
-          <a:xfrm>
-            <a:off x="3275252" y="1816586"/>
-            <a:ext cx="618054" cy="276999"/>
-          </a:xfrm>
-          <a:prstGeom prst="rect">
-            <a:avLst/>
-          </a:prstGeom>
-        </p:spPr>
-        <p:txBody>
-          <a:bodyPr wrap="none">
-            <a:spAutoFit/>
-          </a:bodyPr>
-          <a:lstStyle/>
-          <a:p>
-            <a:r>
               <a:rPr lang="en-US" altLang="zh-CN" sz="1200" dirty="0" smtClean="0"/>
-              <a:t>Servlet</a:t>
+              <a:t>dispatcherServlet</a:t>
             </a:r>
             <a:endParaRPr lang="zh-CN" altLang="en-US" sz="1200" dirty="0"/>
           </a:p>
@@ -5891,8 +5905,8 @@
         </p:nvSpPr>
         <p:spPr>
           <a:xfrm>
-            <a:off x="4572000" y="1816586"/>
-            <a:ext cx="936104" cy="1944216"/>
+            <a:off x="2880045" y="3537906"/>
+            <a:ext cx="2952328" cy="377900"/>
           </a:xfrm>
           <a:prstGeom prst="rect">
             <a:avLst/>
@@ -5908,6 +5922,7 @@
                 <a:lumMod val="50000"/>
               </a:schemeClr>
             </a:solidFill>
+            <a:prstDash val="dash"/>
           </a:ln>
         </p:spPr>
         <p:style>
@@ -5955,8 +5970,8 @@
         </p:nvSpPr>
         <p:spPr>
           <a:xfrm>
-            <a:off x="6012160" y="1834446"/>
-            <a:ext cx="864096" cy="1944216"/>
+            <a:off x="3106014" y="4114840"/>
+            <a:ext cx="2500390" cy="360040"/>
           </a:xfrm>
           <a:prstGeom prst="rect">
             <a:avLst/>
@@ -5972,6 +5987,7 @@
                 <a:lumMod val="50000"/>
               </a:schemeClr>
             </a:solidFill>
+            <a:prstDash val="dash"/>
           </a:ln>
         </p:spPr>
         <p:style>
@@ -6019,13 +6035,25 @@
         </p:nvSpPr>
         <p:spPr>
           <a:xfrm>
-            <a:off x="7668344" y="2575528"/>
-            <a:ext cx="932356" cy="462051"/>
+            <a:off x="4051228" y="4701987"/>
+            <a:ext cx="609961" cy="390043"/>
           </a:xfrm>
           <a:prstGeom prst="can">
             <a:avLst/>
           </a:prstGeom>
-          <a:ln w="19050"/>
+          <a:solidFill>
+            <a:schemeClr val="bg1">
+              <a:lumMod val="95000"/>
+            </a:schemeClr>
+          </a:solidFill>
+          <a:ln w="12700">
+            <a:solidFill>
+              <a:schemeClr val="bg1">
+                <a:lumMod val="50000"/>
+              </a:schemeClr>
+            </a:solidFill>
+            <a:prstDash val="dash"/>
+          </a:ln>
         </p:spPr>
         <p:style>
           <a:lnRef idx="2">
@@ -6047,17 +6075,1105 @@
           <a:p>
             <a:pPr algn="ctr"/>
             <a:r>
-              <a:rPr lang="en-US" altLang="zh-CN" sz="1600" dirty="0" smtClean="0"/>
+              <a:rPr lang="en-US" altLang="zh-CN" sz="1200" dirty="0" smtClean="0"/>
               <a:t>DB</a:t>
             </a:r>
-            <a:endParaRPr lang="zh-CN" altLang="en-US" sz="1600" dirty="0"/>
+            <a:endParaRPr lang="zh-CN" altLang="en-US" sz="1200" dirty="0"/>
+          </a:p>
+        </p:txBody>
+      </p:sp>
+      <p:cxnSp>
+        <p:nvCxnSpPr>
+          <p:cNvPr id="16" name="直接箭头连接符 15"/>
+          <p:cNvCxnSpPr/>
+          <p:nvPr/>
+        </p:nvCxnSpPr>
+        <p:spPr>
+          <a:xfrm>
+            <a:off x="3859895" y="840285"/>
+            <a:ext cx="0" cy="440382"/>
+          </a:xfrm>
+          <a:prstGeom prst="straightConnector1">
+            <a:avLst/>
+          </a:prstGeom>
+          <a:ln>
+            <a:headEnd type="none" w="med" len="med"/>
+            <a:tailEnd type="none" w="med" len="med"/>
+          </a:ln>
+        </p:spPr>
+        <p:style>
+          <a:lnRef idx="1">
+            <a:schemeClr val="accent1"/>
+          </a:lnRef>
+          <a:fillRef idx="0">
+            <a:schemeClr val="accent1"/>
+          </a:fillRef>
+          <a:effectRef idx="0">
+            <a:schemeClr val="accent1"/>
+          </a:effectRef>
+          <a:fontRef idx="minor">
+            <a:schemeClr val="tx1"/>
+          </a:fontRef>
+        </p:style>
+      </p:cxnSp>
+      <p:cxnSp>
+        <p:nvCxnSpPr>
+          <p:cNvPr id="24" name="直接箭头连接符 23"/>
+          <p:cNvCxnSpPr/>
+          <p:nvPr/>
+        </p:nvCxnSpPr>
+        <p:spPr>
+          <a:xfrm>
+            <a:off x="3853561" y="1851670"/>
+            <a:ext cx="6333" cy="493784"/>
+          </a:xfrm>
+          <a:prstGeom prst="straightConnector1">
+            <a:avLst/>
+          </a:prstGeom>
+          <a:ln>
+            <a:tailEnd type="arrow"/>
+          </a:ln>
+        </p:spPr>
+        <p:style>
+          <a:lnRef idx="1">
+            <a:schemeClr val="accent1"/>
+          </a:lnRef>
+          <a:fillRef idx="0">
+            <a:schemeClr val="accent1"/>
+          </a:fillRef>
+          <a:effectRef idx="0">
+            <a:schemeClr val="accent1"/>
+          </a:effectRef>
+          <a:fontRef idx="minor">
+            <a:schemeClr val="tx1"/>
+          </a:fontRef>
+        </p:style>
+      </p:cxnSp>
+      <p:cxnSp>
+        <p:nvCxnSpPr>
+          <p:cNvPr id="26" name="直接箭头连接符 25"/>
+          <p:cNvCxnSpPr/>
+          <p:nvPr/>
+        </p:nvCxnSpPr>
+        <p:spPr>
+          <a:xfrm>
+            <a:off x="3856727" y="3079813"/>
+            <a:ext cx="3167" cy="458093"/>
+          </a:xfrm>
+          <a:prstGeom prst="straightConnector1">
+            <a:avLst/>
+          </a:prstGeom>
+          <a:ln>
+            <a:prstDash val="dash"/>
+            <a:tailEnd type="arrow"/>
+          </a:ln>
+        </p:spPr>
+        <p:style>
+          <a:lnRef idx="1">
+            <a:schemeClr val="accent1"/>
+          </a:lnRef>
+          <a:fillRef idx="0">
+            <a:schemeClr val="accent1"/>
+          </a:fillRef>
+          <a:effectRef idx="0">
+            <a:schemeClr val="accent1"/>
+          </a:effectRef>
+          <a:fontRef idx="minor">
+            <a:schemeClr val="tx1"/>
+          </a:fontRef>
+        </p:style>
+      </p:cxnSp>
+      <p:cxnSp>
+        <p:nvCxnSpPr>
+          <p:cNvPr id="35" name="肘形连接符 34"/>
+          <p:cNvCxnSpPr>
+            <a:endCxn id="9" idx="0"/>
+          </p:cNvCxnSpPr>
+          <p:nvPr/>
+        </p:nvCxnSpPr>
+        <p:spPr>
+          <a:xfrm rot="10800000" flipV="1">
+            <a:off x="2848376" y="2345454"/>
+            <a:ext cx="1020105" cy="303819"/>
+          </a:xfrm>
+          <a:prstGeom prst="bentConnector2">
+            <a:avLst/>
+          </a:prstGeom>
+          <a:ln>
+            <a:tailEnd type="arrow"/>
+          </a:ln>
+        </p:spPr>
+        <p:style>
+          <a:lnRef idx="1">
+            <a:schemeClr val="accent1"/>
+          </a:lnRef>
+          <a:fillRef idx="0">
+            <a:schemeClr val="accent1"/>
+          </a:fillRef>
+          <a:effectRef idx="0">
+            <a:schemeClr val="accent1"/>
+          </a:effectRef>
+          <a:fontRef idx="minor">
+            <a:schemeClr val="tx1"/>
+          </a:fontRef>
+        </p:style>
+      </p:cxnSp>
+      <p:cxnSp>
+        <p:nvCxnSpPr>
+          <p:cNvPr id="43" name="直接箭头连接符 42"/>
+          <p:cNvCxnSpPr>
+            <a:stCxn id="9" idx="3"/>
+            <a:endCxn id="10" idx="1"/>
+          </p:cNvCxnSpPr>
+          <p:nvPr/>
+        </p:nvCxnSpPr>
+        <p:spPr>
+          <a:xfrm>
+            <a:off x="3314953" y="2793290"/>
+            <a:ext cx="544941" cy="0"/>
+          </a:xfrm>
+          <a:prstGeom prst="straightConnector1">
+            <a:avLst/>
+          </a:prstGeom>
+          <a:ln>
+            <a:tailEnd type="arrow"/>
+          </a:ln>
+        </p:spPr>
+        <p:style>
+          <a:lnRef idx="1">
+            <a:schemeClr val="accent1"/>
+          </a:lnRef>
+          <a:fillRef idx="0">
+            <a:schemeClr val="accent1"/>
+          </a:fillRef>
+          <a:effectRef idx="0">
+            <a:schemeClr val="accent1"/>
+          </a:effectRef>
+          <a:fontRef idx="minor">
+            <a:schemeClr val="tx1"/>
+          </a:fontRef>
+        </p:style>
+      </p:cxnSp>
+      <p:cxnSp>
+        <p:nvCxnSpPr>
+          <p:cNvPr id="45" name="直接箭头连接符 44"/>
+          <p:cNvCxnSpPr>
+            <a:stCxn id="10" idx="3"/>
+            <a:endCxn id="11" idx="1"/>
+          </p:cNvCxnSpPr>
+          <p:nvPr/>
+        </p:nvCxnSpPr>
+        <p:spPr>
+          <a:xfrm>
+            <a:off x="4793050" y="2793290"/>
+            <a:ext cx="548879" cy="0"/>
+          </a:xfrm>
+          <a:prstGeom prst="straightConnector1">
+            <a:avLst/>
+          </a:prstGeom>
+          <a:ln>
+            <a:tailEnd type="arrow"/>
+          </a:ln>
+        </p:spPr>
+        <p:style>
+          <a:lnRef idx="1">
+            <a:schemeClr val="accent1"/>
+          </a:lnRef>
+          <a:fillRef idx="0">
+            <a:schemeClr val="accent1"/>
+          </a:fillRef>
+          <a:effectRef idx="0">
+            <a:schemeClr val="accent1"/>
+          </a:effectRef>
+          <a:fontRef idx="minor">
+            <a:schemeClr val="tx1"/>
+          </a:fontRef>
+        </p:style>
+      </p:cxnSp>
+      <p:cxnSp>
+        <p:nvCxnSpPr>
+          <p:cNvPr id="47" name="肘形连接符 46"/>
+          <p:cNvCxnSpPr>
+            <a:stCxn id="11" idx="2"/>
+          </p:cNvCxnSpPr>
+          <p:nvPr/>
+        </p:nvCxnSpPr>
+        <p:spPr>
+          <a:xfrm rot="5400000">
+            <a:off x="4759782" y="2031087"/>
+            <a:ext cx="142507" cy="1954945"/>
+          </a:xfrm>
+          <a:prstGeom prst="bentConnector2">
+            <a:avLst/>
+          </a:prstGeom>
+          <a:ln>
+            <a:prstDash val="dash"/>
+            <a:headEnd type="none" w="med" len="med"/>
+            <a:tailEnd type="none" w="med" len="med"/>
+          </a:ln>
+        </p:spPr>
+        <p:style>
+          <a:lnRef idx="1">
+            <a:schemeClr val="accent1"/>
+          </a:lnRef>
+          <a:fillRef idx="0">
+            <a:schemeClr val="accent1"/>
+          </a:fillRef>
+          <a:effectRef idx="0">
+            <a:schemeClr val="accent1"/>
+          </a:effectRef>
+          <a:fontRef idx="minor">
+            <a:schemeClr val="tx1"/>
+          </a:fontRef>
+        </p:style>
+      </p:cxnSp>
+      <p:cxnSp>
+        <p:nvCxnSpPr>
+          <p:cNvPr id="55" name="直接箭头连接符 54"/>
+          <p:cNvCxnSpPr/>
+          <p:nvPr/>
+        </p:nvCxnSpPr>
+        <p:spPr>
+          <a:xfrm>
+            <a:off x="4192004" y="3915806"/>
+            <a:ext cx="8587" cy="199034"/>
+          </a:xfrm>
+          <a:prstGeom prst="straightConnector1">
+            <a:avLst/>
+          </a:prstGeom>
+          <a:ln>
+            <a:prstDash val="dash"/>
+            <a:tailEnd type="arrow"/>
+          </a:ln>
+        </p:spPr>
+        <p:style>
+          <a:lnRef idx="1">
+            <a:schemeClr val="accent1"/>
+          </a:lnRef>
+          <a:fillRef idx="0">
+            <a:schemeClr val="accent1"/>
+          </a:fillRef>
+          <a:effectRef idx="0">
+            <a:schemeClr val="accent1"/>
+          </a:effectRef>
+          <a:fontRef idx="minor">
+            <a:schemeClr val="tx1"/>
+          </a:fontRef>
+        </p:style>
+      </p:cxnSp>
+      <p:cxnSp>
+        <p:nvCxnSpPr>
+          <p:cNvPr id="57" name="直接箭头连接符 56"/>
+          <p:cNvCxnSpPr/>
+          <p:nvPr/>
+        </p:nvCxnSpPr>
+        <p:spPr>
+          <a:xfrm>
+            <a:off x="4211960" y="4474880"/>
+            <a:ext cx="0" cy="257110"/>
+          </a:xfrm>
+          <a:prstGeom prst="straightConnector1">
+            <a:avLst/>
+          </a:prstGeom>
+          <a:ln>
+            <a:prstDash val="dash"/>
+            <a:tailEnd type="arrow"/>
+          </a:ln>
+        </p:spPr>
+        <p:style>
+          <a:lnRef idx="1">
+            <a:schemeClr val="accent1"/>
+          </a:lnRef>
+          <a:fillRef idx="0">
+            <a:schemeClr val="accent1"/>
+          </a:fillRef>
+          <a:effectRef idx="0">
+            <a:schemeClr val="accent1"/>
+          </a:effectRef>
+          <a:fontRef idx="minor">
+            <a:schemeClr val="tx1"/>
+          </a:fontRef>
+        </p:style>
+      </p:cxnSp>
+      <p:cxnSp>
+        <p:nvCxnSpPr>
+          <p:cNvPr id="59" name="直接箭头连接符 58"/>
+          <p:cNvCxnSpPr/>
+          <p:nvPr/>
+        </p:nvCxnSpPr>
+        <p:spPr>
+          <a:xfrm flipV="1">
+            <a:off x="4499992" y="4474880"/>
+            <a:ext cx="0" cy="227107"/>
+          </a:xfrm>
+          <a:prstGeom prst="straightConnector1">
+            <a:avLst/>
+          </a:prstGeom>
+          <a:ln>
+            <a:prstDash val="dash"/>
+            <a:tailEnd type="arrow"/>
+          </a:ln>
+        </p:spPr>
+        <p:style>
+          <a:lnRef idx="1">
+            <a:schemeClr val="accent6"/>
+          </a:lnRef>
+          <a:fillRef idx="0">
+            <a:schemeClr val="accent6"/>
+          </a:fillRef>
+          <a:effectRef idx="0">
+            <a:schemeClr val="accent6"/>
+          </a:effectRef>
+          <a:fontRef idx="minor">
+            <a:schemeClr val="tx1"/>
+          </a:fontRef>
+        </p:style>
+      </p:cxnSp>
+      <p:cxnSp>
+        <p:nvCxnSpPr>
+          <p:cNvPr id="61" name="直接箭头连接符 60"/>
+          <p:cNvCxnSpPr/>
+          <p:nvPr/>
+        </p:nvCxnSpPr>
+        <p:spPr>
+          <a:xfrm flipV="1">
+            <a:off x="4499992" y="3915806"/>
+            <a:ext cx="0" cy="199034"/>
+          </a:xfrm>
+          <a:prstGeom prst="straightConnector1">
+            <a:avLst/>
+          </a:prstGeom>
+          <a:ln>
+            <a:prstDash val="dash"/>
+            <a:tailEnd type="arrow"/>
+          </a:ln>
+        </p:spPr>
+        <p:style>
+          <a:lnRef idx="1">
+            <a:schemeClr val="accent6"/>
+          </a:lnRef>
+          <a:fillRef idx="0">
+            <a:schemeClr val="accent6"/>
+          </a:fillRef>
+          <a:effectRef idx="0">
+            <a:schemeClr val="accent6"/>
+          </a:effectRef>
+          <a:fontRef idx="minor">
+            <a:schemeClr val="tx1"/>
+          </a:fontRef>
+        </p:style>
+      </p:cxnSp>
+      <p:sp>
+        <p:nvSpPr>
+          <p:cNvPr id="62" name="矩形 61"/>
+          <p:cNvSpPr/>
+          <p:nvPr/>
+        </p:nvSpPr>
+        <p:spPr>
+          <a:xfrm>
+            <a:off x="3663003" y="3219822"/>
+            <a:ext cx="1182568" cy="276999"/>
+          </a:xfrm>
+          <a:prstGeom prst="rect">
+            <a:avLst/>
+          </a:prstGeom>
+        </p:spPr>
+        <p:txBody>
+          <a:bodyPr wrap="none">
+            <a:spAutoFit/>
+          </a:bodyPr>
+          <a:lstStyle/>
+          <a:p>
+            <a:r>
+              <a:rPr lang="en-US" altLang="zh-CN" sz="1200" dirty="0" smtClean="0"/>
+              <a:t>HandlerAdapter</a:t>
+            </a:r>
+            <a:endParaRPr lang="zh-CN" altLang="en-US" sz="1200" dirty="0"/>
+          </a:p>
+        </p:txBody>
+      </p:sp>
+      <p:cxnSp>
+        <p:nvCxnSpPr>
+          <p:cNvPr id="64" name="直接箭头连接符 63"/>
+          <p:cNvCxnSpPr/>
+          <p:nvPr/>
+        </p:nvCxnSpPr>
+        <p:spPr>
+          <a:xfrm flipV="1">
+            <a:off x="4764549" y="3219823"/>
+            <a:ext cx="0" cy="318083"/>
+          </a:xfrm>
+          <a:prstGeom prst="straightConnector1">
+            <a:avLst/>
+          </a:prstGeom>
+          <a:ln>
+            <a:prstDash val="dash"/>
+            <a:tailEnd type="arrow"/>
+          </a:ln>
+        </p:spPr>
+        <p:style>
+          <a:lnRef idx="1">
+            <a:schemeClr val="accent6"/>
+          </a:lnRef>
+          <a:fillRef idx="0">
+            <a:schemeClr val="accent6"/>
+          </a:fillRef>
+          <a:effectRef idx="0">
+            <a:schemeClr val="accent6"/>
+          </a:effectRef>
+          <a:fontRef idx="minor">
+            <a:schemeClr val="tx1"/>
+          </a:fontRef>
+        </p:style>
+      </p:cxnSp>
+      <p:cxnSp>
+        <p:nvCxnSpPr>
+          <p:cNvPr id="66" name="直接箭头连接符 65"/>
+          <p:cNvCxnSpPr/>
+          <p:nvPr/>
+        </p:nvCxnSpPr>
+        <p:spPr>
+          <a:xfrm flipV="1">
+            <a:off x="4764549" y="1995686"/>
+            <a:ext cx="0" cy="349768"/>
+          </a:xfrm>
+          <a:prstGeom prst="straightConnector1">
+            <a:avLst/>
+          </a:prstGeom>
+          <a:ln>
+            <a:headEnd type="none" w="med" len="med"/>
+            <a:tailEnd type="none" w="med" len="med"/>
+          </a:ln>
+        </p:spPr>
+        <p:style>
+          <a:lnRef idx="1">
+            <a:schemeClr val="accent6"/>
+          </a:lnRef>
+          <a:fillRef idx="0">
+            <a:schemeClr val="accent6"/>
+          </a:fillRef>
+          <a:effectRef idx="0">
+            <a:schemeClr val="accent6"/>
+          </a:effectRef>
+          <a:fontRef idx="minor">
+            <a:schemeClr val="tx1"/>
+          </a:fontRef>
+        </p:style>
+      </p:cxnSp>
+      <p:cxnSp>
+        <p:nvCxnSpPr>
+          <p:cNvPr id="70" name="肘形连接符 69"/>
+          <p:cNvCxnSpPr>
+            <a:endCxn id="4" idx="0"/>
+          </p:cNvCxnSpPr>
+          <p:nvPr/>
+        </p:nvCxnSpPr>
+        <p:spPr>
+          <a:xfrm rot="10800000" flipV="1">
+            <a:off x="2830359" y="1280668"/>
+            <a:ext cx="1035211" cy="145719"/>
+          </a:xfrm>
+          <a:prstGeom prst="bentConnector2">
+            <a:avLst/>
+          </a:prstGeom>
+          <a:ln>
+            <a:tailEnd type="arrow"/>
+          </a:ln>
+        </p:spPr>
+        <p:style>
+          <a:lnRef idx="1">
+            <a:schemeClr val="accent1"/>
+          </a:lnRef>
+          <a:fillRef idx="0">
+            <a:schemeClr val="accent1"/>
+          </a:fillRef>
+          <a:effectRef idx="0">
+            <a:schemeClr val="accent1"/>
+          </a:effectRef>
+          <a:fontRef idx="minor">
+            <a:schemeClr val="tx1"/>
+          </a:fontRef>
+        </p:style>
+      </p:cxnSp>
+      <p:cxnSp>
+        <p:nvCxnSpPr>
+          <p:cNvPr id="72" name="直接箭头连接符 71"/>
+          <p:cNvCxnSpPr/>
+          <p:nvPr/>
+        </p:nvCxnSpPr>
+        <p:spPr>
+          <a:xfrm>
+            <a:off x="3296936" y="1633966"/>
+            <a:ext cx="534457" cy="1680"/>
+          </a:xfrm>
+          <a:prstGeom prst="straightConnector1">
+            <a:avLst/>
+          </a:prstGeom>
+          <a:ln>
+            <a:tailEnd type="arrow"/>
+          </a:ln>
+        </p:spPr>
+        <p:style>
+          <a:lnRef idx="1">
+            <a:schemeClr val="accent1"/>
+          </a:lnRef>
+          <a:fillRef idx="0">
+            <a:schemeClr val="accent1"/>
+          </a:fillRef>
+          <a:effectRef idx="0">
+            <a:schemeClr val="accent1"/>
+          </a:effectRef>
+          <a:fontRef idx="minor">
+            <a:schemeClr val="tx1"/>
+          </a:fontRef>
+        </p:style>
+      </p:cxnSp>
+      <p:cxnSp>
+        <p:nvCxnSpPr>
+          <p:cNvPr id="74" name="直接箭头连接符 73"/>
+          <p:cNvCxnSpPr/>
+          <p:nvPr/>
+        </p:nvCxnSpPr>
+        <p:spPr>
+          <a:xfrm flipV="1">
+            <a:off x="4764549" y="1627200"/>
+            <a:ext cx="594417" cy="8446"/>
+          </a:xfrm>
+          <a:prstGeom prst="straightConnector1">
+            <a:avLst/>
+          </a:prstGeom>
+          <a:ln>
+            <a:tailEnd type="arrow"/>
+          </a:ln>
+        </p:spPr>
+        <p:style>
+          <a:lnRef idx="1">
+            <a:schemeClr val="accent1"/>
+          </a:lnRef>
+          <a:fillRef idx="0">
+            <a:schemeClr val="accent1"/>
+          </a:fillRef>
+          <a:effectRef idx="0">
+            <a:schemeClr val="accent1"/>
+          </a:effectRef>
+          <a:fontRef idx="minor">
+            <a:schemeClr val="tx1"/>
+          </a:fontRef>
+        </p:style>
+      </p:cxnSp>
+      <p:cxnSp>
+        <p:nvCxnSpPr>
+          <p:cNvPr id="78" name="肘形连接符 77"/>
+          <p:cNvCxnSpPr>
+            <a:stCxn id="6" idx="2"/>
+          </p:cNvCxnSpPr>
+          <p:nvPr/>
+        </p:nvCxnSpPr>
+        <p:spPr>
+          <a:xfrm rot="5400000">
+            <a:off x="4767545" y="793671"/>
+            <a:ext cx="144016" cy="1971983"/>
+          </a:xfrm>
+          <a:prstGeom prst="bentConnector2">
+            <a:avLst/>
+          </a:prstGeom>
+          <a:ln>
+            <a:tailEnd type="arrow"/>
+          </a:ln>
+        </p:spPr>
+        <p:style>
+          <a:lnRef idx="1">
+            <a:schemeClr val="accent1"/>
+          </a:lnRef>
+          <a:fillRef idx="0">
+            <a:schemeClr val="accent1"/>
+          </a:fillRef>
+          <a:effectRef idx="0">
+            <a:schemeClr val="accent1"/>
+          </a:effectRef>
+          <a:fontRef idx="minor">
+            <a:schemeClr val="tx1"/>
+          </a:fontRef>
+        </p:style>
+      </p:cxnSp>
+      <p:cxnSp>
+        <p:nvCxnSpPr>
+          <p:cNvPr id="20" name="直接连接符 19"/>
+          <p:cNvCxnSpPr/>
+          <p:nvPr/>
+        </p:nvCxnSpPr>
+        <p:spPr>
+          <a:xfrm>
+            <a:off x="4764549" y="1995686"/>
+            <a:ext cx="1175603" cy="0"/>
+          </a:xfrm>
+          <a:prstGeom prst="line">
+            <a:avLst/>
+          </a:prstGeom>
+        </p:spPr>
+        <p:style>
+          <a:lnRef idx="1">
+            <a:schemeClr val="accent6"/>
+          </a:lnRef>
+          <a:fillRef idx="0">
+            <a:schemeClr val="accent6"/>
+          </a:fillRef>
+          <a:effectRef idx="0">
+            <a:schemeClr val="accent6"/>
+          </a:effectRef>
+          <a:fontRef idx="minor">
+            <a:schemeClr val="tx1"/>
+          </a:fontRef>
+        </p:style>
+      </p:cxnSp>
+      <p:cxnSp>
+        <p:nvCxnSpPr>
+          <p:cNvPr id="27" name="直接箭头连接符 26"/>
+          <p:cNvCxnSpPr/>
+          <p:nvPr/>
+        </p:nvCxnSpPr>
+        <p:spPr>
+          <a:xfrm flipV="1">
+            <a:off x="5940152" y="1716100"/>
+            <a:ext cx="0" cy="279586"/>
+          </a:xfrm>
+          <a:prstGeom prst="straightConnector1">
+            <a:avLst/>
+          </a:prstGeom>
+          <a:ln>
+            <a:tailEnd type="arrow"/>
+          </a:ln>
+        </p:spPr>
+        <p:style>
+          <a:lnRef idx="1">
+            <a:schemeClr val="accent6"/>
+          </a:lnRef>
+          <a:fillRef idx="0">
+            <a:schemeClr val="accent6"/>
+          </a:fillRef>
+          <a:effectRef idx="0">
+            <a:schemeClr val="accent6"/>
+          </a:effectRef>
+          <a:fontRef idx="minor">
+            <a:schemeClr val="tx1"/>
+          </a:fontRef>
+        </p:style>
+      </p:cxnSp>
+      <p:cxnSp>
+        <p:nvCxnSpPr>
+          <p:cNvPr id="31" name="直接箭头连接符 30"/>
+          <p:cNvCxnSpPr/>
+          <p:nvPr/>
+        </p:nvCxnSpPr>
+        <p:spPr>
+          <a:xfrm flipH="1">
+            <a:off x="4764549" y="1491630"/>
+            <a:ext cx="577380" cy="1681"/>
+          </a:xfrm>
+          <a:prstGeom prst="straightConnector1">
+            <a:avLst/>
+          </a:prstGeom>
+          <a:ln>
+            <a:tailEnd type="arrow"/>
+          </a:ln>
+        </p:spPr>
+        <p:style>
+          <a:lnRef idx="1">
+            <a:schemeClr val="accent6"/>
+          </a:lnRef>
+          <a:fillRef idx="0">
+            <a:schemeClr val="accent6"/>
+          </a:fillRef>
+          <a:effectRef idx="0">
+            <a:schemeClr val="accent6"/>
+          </a:effectRef>
+          <a:fontRef idx="minor">
+            <a:schemeClr val="tx1"/>
+          </a:fontRef>
+        </p:style>
+      </p:cxnSp>
+      <p:cxnSp>
+        <p:nvCxnSpPr>
+          <p:cNvPr id="37" name="直接箭头连接符 36"/>
+          <p:cNvCxnSpPr/>
+          <p:nvPr/>
+        </p:nvCxnSpPr>
+        <p:spPr>
+          <a:xfrm flipH="1">
+            <a:off x="3275857" y="1491630"/>
+            <a:ext cx="549806" cy="0"/>
+          </a:xfrm>
+          <a:prstGeom prst="straightConnector1">
+            <a:avLst/>
+          </a:prstGeom>
+          <a:ln>
+            <a:tailEnd type="arrow"/>
+          </a:ln>
+        </p:spPr>
+        <p:style>
+          <a:lnRef idx="1">
+            <a:schemeClr val="accent6"/>
+          </a:lnRef>
+          <a:fillRef idx="0">
+            <a:schemeClr val="accent6"/>
+          </a:fillRef>
+          <a:effectRef idx="0">
+            <a:schemeClr val="accent6"/>
+          </a:effectRef>
+          <a:fontRef idx="minor">
+            <a:schemeClr val="tx1"/>
+          </a:fontRef>
+        </p:style>
+      </p:cxnSp>
+      <p:cxnSp>
+        <p:nvCxnSpPr>
+          <p:cNvPr id="42" name="直接连接符 41"/>
+          <p:cNvCxnSpPr/>
+          <p:nvPr/>
+        </p:nvCxnSpPr>
+        <p:spPr>
+          <a:xfrm flipV="1">
+            <a:off x="2987824" y="1347614"/>
+            <a:ext cx="0" cy="78773"/>
+          </a:xfrm>
+          <a:prstGeom prst="line">
+            <a:avLst/>
+          </a:prstGeom>
+        </p:spPr>
+        <p:style>
+          <a:lnRef idx="1">
+            <a:schemeClr val="accent6"/>
+          </a:lnRef>
+          <a:fillRef idx="0">
+            <a:schemeClr val="accent6"/>
+          </a:fillRef>
+          <a:effectRef idx="0">
+            <a:schemeClr val="accent6"/>
+          </a:effectRef>
+          <a:fontRef idx="minor">
+            <a:schemeClr val="tx1"/>
+          </a:fontRef>
+        </p:style>
+      </p:cxnSp>
+      <p:cxnSp>
+        <p:nvCxnSpPr>
+          <p:cNvPr id="46" name="直接连接符 45"/>
+          <p:cNvCxnSpPr/>
+          <p:nvPr/>
+        </p:nvCxnSpPr>
+        <p:spPr>
+          <a:xfrm>
+            <a:off x="2987824" y="1347614"/>
+            <a:ext cx="2016224" cy="0"/>
+          </a:xfrm>
+          <a:prstGeom prst="line">
+            <a:avLst/>
+          </a:prstGeom>
+        </p:spPr>
+        <p:style>
+          <a:lnRef idx="1">
+            <a:schemeClr val="accent6"/>
+          </a:lnRef>
+          <a:fillRef idx="0">
+            <a:schemeClr val="accent6"/>
+          </a:fillRef>
+          <a:effectRef idx="0">
+            <a:schemeClr val="accent6"/>
+          </a:effectRef>
+          <a:fontRef idx="minor">
+            <a:schemeClr val="tx1"/>
+          </a:fontRef>
+        </p:style>
+      </p:cxnSp>
+      <p:cxnSp>
+        <p:nvCxnSpPr>
+          <p:cNvPr id="49" name="直接箭头连接符 48"/>
+          <p:cNvCxnSpPr/>
+          <p:nvPr/>
+        </p:nvCxnSpPr>
+        <p:spPr>
+          <a:xfrm flipV="1">
+            <a:off x="5004048" y="840285"/>
+            <a:ext cx="0" cy="507329"/>
+          </a:xfrm>
+          <a:prstGeom prst="straightConnector1">
+            <a:avLst/>
+          </a:prstGeom>
+          <a:ln>
+            <a:tailEnd type="arrow"/>
+          </a:ln>
+        </p:spPr>
+        <p:style>
+          <a:lnRef idx="1">
+            <a:schemeClr val="accent6"/>
+          </a:lnRef>
+          <a:fillRef idx="0">
+            <a:schemeClr val="accent6"/>
+          </a:fillRef>
+          <a:effectRef idx="0">
+            <a:schemeClr val="accent6"/>
+          </a:effectRef>
+          <a:fontRef idx="minor">
+            <a:schemeClr val="tx1"/>
+          </a:fontRef>
+        </p:style>
+      </p:cxnSp>
+      <p:sp>
+        <p:nvSpPr>
+          <p:cNvPr id="50" name="TextBox 49"/>
+          <p:cNvSpPr txBox="1"/>
+          <p:nvPr/>
+        </p:nvSpPr>
+        <p:spPr>
+          <a:xfrm>
+            <a:off x="5061757" y="854591"/>
+            <a:ext cx="753283" cy="276999"/>
+          </a:xfrm>
+          <a:prstGeom prst="rect">
+            <a:avLst/>
+          </a:prstGeom>
+          <a:noFill/>
+        </p:spPr>
+        <p:txBody>
+          <a:bodyPr wrap="none" rtlCol="0">
+            <a:spAutoFit/>
+          </a:bodyPr>
+          <a:lstStyle/>
+          <a:p>
+            <a:r>
+              <a:rPr lang="en-US" altLang="zh-CN" sz="1200" dirty="0" smtClean="0">
+                <a:solidFill>
+                  <a:schemeClr val="accent6">
+                    <a:lumMod val="75000"/>
+                  </a:schemeClr>
+                </a:solidFill>
+              </a:rPr>
+              <a:t>response</a:t>
+            </a:r>
+            <a:endParaRPr lang="zh-CN" altLang="en-US" sz="1200" dirty="0">
+              <a:solidFill>
+                <a:schemeClr val="accent6">
+                  <a:lumMod val="75000"/>
+                </a:schemeClr>
+              </a:solidFill>
+            </a:endParaRPr>
+          </a:p>
+        </p:txBody>
+      </p:sp>
+      <p:sp>
+        <p:nvSpPr>
+          <p:cNvPr id="63" name="TextBox 62"/>
+          <p:cNvSpPr txBox="1"/>
+          <p:nvPr/>
+        </p:nvSpPr>
+        <p:spPr>
+          <a:xfrm>
+            <a:off x="3100887" y="854591"/>
+            <a:ext cx="660181" cy="276999"/>
+          </a:xfrm>
+          <a:prstGeom prst="rect">
+            <a:avLst/>
+          </a:prstGeom>
+          <a:noFill/>
+        </p:spPr>
+        <p:txBody>
+          <a:bodyPr wrap="none" rtlCol="0">
+            <a:spAutoFit/>
+          </a:bodyPr>
+          <a:lstStyle/>
+          <a:p>
+            <a:r>
+              <a:rPr lang="en-US" altLang="zh-CN" sz="1200" dirty="0" smtClean="0">
+                <a:solidFill>
+                  <a:schemeClr val="tx2">
+                    <a:lumMod val="75000"/>
+                  </a:schemeClr>
+                </a:solidFill>
+              </a:rPr>
+              <a:t>request</a:t>
+            </a:r>
+            <a:endParaRPr lang="zh-CN" altLang="en-US" sz="1200" dirty="0">
+              <a:solidFill>
+                <a:schemeClr val="tx2">
+                  <a:lumMod val="75000"/>
+                </a:schemeClr>
+              </a:solidFill>
+            </a:endParaRPr>
+          </a:p>
+        </p:txBody>
+      </p:sp>
+      <p:sp>
+        <p:nvSpPr>
+          <p:cNvPr id="65" name="TextBox 64"/>
+          <p:cNvSpPr txBox="1"/>
+          <p:nvPr/>
+        </p:nvSpPr>
+        <p:spPr>
+          <a:xfrm>
+            <a:off x="3129403" y="2032070"/>
+            <a:ext cx="660181" cy="276999"/>
+          </a:xfrm>
+          <a:prstGeom prst="rect">
+            <a:avLst/>
+          </a:prstGeom>
+          <a:noFill/>
+        </p:spPr>
+        <p:txBody>
+          <a:bodyPr wrap="none" rtlCol="0">
+            <a:spAutoFit/>
+          </a:bodyPr>
+          <a:lstStyle/>
+          <a:p>
+            <a:r>
+              <a:rPr lang="en-US" altLang="zh-CN" sz="1200" dirty="0" smtClean="0">
+                <a:solidFill>
+                  <a:schemeClr val="tx2">
+                    <a:lumMod val="75000"/>
+                  </a:schemeClr>
+                </a:solidFill>
+              </a:rPr>
+              <a:t>request</a:t>
+            </a:r>
+            <a:endParaRPr lang="zh-CN" altLang="en-US" sz="1200" dirty="0">
+              <a:solidFill>
+                <a:schemeClr val="tx2">
+                  <a:lumMod val="75000"/>
+                </a:schemeClr>
+              </a:solidFill>
+            </a:endParaRPr>
+          </a:p>
+        </p:txBody>
+      </p:sp>
+      <p:sp>
+        <p:nvSpPr>
+          <p:cNvPr id="67" name="TextBox 66"/>
+          <p:cNvSpPr txBox="1"/>
+          <p:nvPr/>
+        </p:nvSpPr>
+        <p:spPr>
+          <a:xfrm>
+            <a:off x="3263747" y="2582783"/>
+            <a:ext cx="660181" cy="276999"/>
+          </a:xfrm>
+          <a:prstGeom prst="rect">
+            <a:avLst/>
+          </a:prstGeom>
+          <a:noFill/>
+        </p:spPr>
+        <p:txBody>
+          <a:bodyPr wrap="none" rtlCol="0">
+            <a:spAutoFit/>
+          </a:bodyPr>
+          <a:lstStyle/>
+          <a:p>
+            <a:r>
+              <a:rPr lang="en-US" altLang="zh-CN" sz="1200" dirty="0" smtClean="0">
+                <a:solidFill>
+                  <a:schemeClr val="tx2">
+                    <a:lumMod val="75000"/>
+                  </a:schemeClr>
+                </a:solidFill>
+              </a:rPr>
+              <a:t>request</a:t>
+            </a:r>
+            <a:endParaRPr lang="zh-CN" altLang="en-US" sz="1200" dirty="0">
+              <a:solidFill>
+                <a:schemeClr val="tx2">
+                  <a:lumMod val="75000"/>
+                </a:schemeClr>
+              </a:solidFill>
+            </a:endParaRPr>
+          </a:p>
+        </p:txBody>
+      </p:sp>
+      <p:sp>
+        <p:nvSpPr>
+          <p:cNvPr id="68" name="TextBox 67"/>
+          <p:cNvSpPr txBox="1"/>
+          <p:nvPr/>
+        </p:nvSpPr>
+        <p:spPr>
+          <a:xfrm>
+            <a:off x="4716016" y="2571750"/>
+            <a:ext cx="660181" cy="276999"/>
+          </a:xfrm>
+          <a:prstGeom prst="rect">
+            <a:avLst/>
+          </a:prstGeom>
+          <a:noFill/>
+        </p:spPr>
+        <p:txBody>
+          <a:bodyPr wrap="none" rtlCol="0">
+            <a:spAutoFit/>
+          </a:bodyPr>
+          <a:lstStyle/>
+          <a:p>
+            <a:r>
+              <a:rPr lang="en-US" altLang="zh-CN" sz="1200" dirty="0" smtClean="0">
+                <a:solidFill>
+                  <a:schemeClr val="tx2">
+                    <a:lumMod val="75000"/>
+                  </a:schemeClr>
+                </a:solidFill>
+              </a:rPr>
+              <a:t>request</a:t>
+            </a:r>
+            <a:endParaRPr lang="zh-CN" altLang="en-US" sz="1200" dirty="0">
+              <a:solidFill>
+                <a:schemeClr val="tx2">
+                  <a:lumMod val="75000"/>
+                </a:schemeClr>
+              </a:solidFill>
+            </a:endParaRPr>
+          </a:p>
+        </p:txBody>
+      </p:sp>
+      <p:sp>
+        <p:nvSpPr>
+          <p:cNvPr id="69" name="TextBox 68"/>
+          <p:cNvSpPr txBox="1"/>
+          <p:nvPr/>
+        </p:nvSpPr>
+        <p:spPr>
+          <a:xfrm>
+            <a:off x="4831779" y="2032069"/>
+            <a:ext cx="753283" cy="276999"/>
+          </a:xfrm>
+          <a:prstGeom prst="rect">
+            <a:avLst/>
+          </a:prstGeom>
+          <a:noFill/>
+        </p:spPr>
+        <p:txBody>
+          <a:bodyPr wrap="none" rtlCol="0">
+            <a:spAutoFit/>
+          </a:bodyPr>
+          <a:lstStyle/>
+          <a:p>
+            <a:r>
+              <a:rPr lang="en-US" altLang="zh-CN" sz="1200" dirty="0" smtClean="0">
+                <a:solidFill>
+                  <a:schemeClr val="accent6">
+                    <a:lumMod val="75000"/>
+                  </a:schemeClr>
+                </a:solidFill>
+              </a:rPr>
+              <a:t>response</a:t>
+            </a:r>
+            <a:endParaRPr lang="zh-CN" altLang="en-US" sz="1200" dirty="0">
+              <a:solidFill>
+                <a:schemeClr val="accent6">
+                  <a:lumMod val="75000"/>
+                </a:schemeClr>
+              </a:solidFill>
+            </a:endParaRPr>
           </a:p>
         </p:txBody>
       </p:sp>
     </p:spTree>
     <p:extLst>
       <p:ext uri="{BB962C8B-B14F-4D97-AF65-F5344CB8AC3E}">
-        <p14:creationId xmlns:p14="http://schemas.microsoft.com/office/powerpoint/2010/main" val="3471722979"/>
+        <p14:creationId xmlns:p14="http://schemas.microsoft.com/office/powerpoint/2010/main" val="3284729640"/>
       </p:ext>
     </p:extLst>
   </p:cSld>
@@ -6093,20 +7209,20 @@
       </p:grpSpPr>
       <p:sp>
         <p:nvSpPr>
-          <p:cNvPr id="12" name="矩形 11"/>
+          <p:cNvPr id="44" name="矩形 43"/>
           <p:cNvSpPr/>
           <p:nvPr/>
         </p:nvSpPr>
         <p:spPr>
           <a:xfrm>
-            <a:off x="2160183" y="2345454"/>
-            <a:ext cx="4354023" cy="874368"/>
+            <a:off x="945210" y="1687439"/>
+            <a:ext cx="1836204" cy="2277978"/>
           </a:xfrm>
           <a:prstGeom prst="rect">
             <a:avLst/>
           </a:prstGeom>
           <a:solidFill>
-            <a:srgbClr val="DFC9EF"/>
+            <a:srgbClr val="CAE8AA"/>
           </a:solidFill>
           <a:ln>
             <a:noFill/>
@@ -6139,135 +7255,35 @@
       </p:sp>
       <p:sp>
         <p:nvSpPr>
-          <p:cNvPr id="8" name="矩形 7"/>
-          <p:cNvSpPr/>
-          <p:nvPr/>
-        </p:nvSpPr>
-        <p:spPr>
-          <a:xfrm>
-            <a:off x="2160183" y="1131590"/>
-            <a:ext cx="4354022" cy="864096"/>
+          <p:cNvPr id="2" name="TextBox 1"/>
+          <p:cNvSpPr txBox="1"/>
+          <p:nvPr/>
+        </p:nvSpPr>
+        <p:spPr>
+          <a:xfrm>
+            <a:off x="2597406" y="-11702"/>
+            <a:ext cx="2052228" cy="338554"/>
           </a:xfrm>
           <a:prstGeom prst="rect">
             <a:avLst/>
           </a:prstGeom>
-          <a:solidFill>
-            <a:schemeClr val="accent1">
-              <a:lumMod val="20000"/>
-              <a:lumOff val="80000"/>
-            </a:schemeClr>
-          </a:solidFill>
-          <a:ln>
-            <a:noFill/>
-          </a:ln>
-        </p:spPr>
-        <p:style>
-          <a:lnRef idx="2">
-            <a:schemeClr val="accent1">
-              <a:shade val="50000"/>
-            </a:schemeClr>
-          </a:lnRef>
-          <a:fillRef idx="1">
-            <a:schemeClr val="accent1"/>
-          </a:fillRef>
-          <a:effectRef idx="0">
-            <a:schemeClr val="accent1"/>
-          </a:effectRef>
-          <a:fontRef idx="minor">
-            <a:schemeClr val="lt1"/>
-          </a:fontRef>
-        </p:style>
-        <p:txBody>
-          <a:bodyPr rtlCol="0" anchor="ctr"/>
-          <a:lstStyle/>
-          <a:p>
-            <a:pPr algn="ctr"/>
-            <a:endParaRPr lang="zh-CN" altLang="en-US"/>
-          </a:p>
-        </p:txBody>
-      </p:sp>
-      <p:sp>
-        <p:nvSpPr>
-          <p:cNvPr id="2" name="矩形 1"/>
-          <p:cNvSpPr/>
-          <p:nvPr/>
-        </p:nvSpPr>
-        <p:spPr>
-          <a:xfrm>
-            <a:off x="0" y="0"/>
-            <a:ext cx="3749296" cy="369332"/>
-          </a:xfrm>
-          <a:prstGeom prst="rect">
-            <a:avLst/>
-          </a:prstGeom>
-        </p:spPr>
-        <p:txBody>
-          <a:bodyPr wrap="none">
+          <a:noFill/>
+        </p:spPr>
+        <p:txBody>
+          <a:bodyPr wrap="square" rtlCol="0">
             <a:spAutoFit/>
           </a:bodyPr>
           <a:lstStyle/>
           <a:p>
             <a:r>
-              <a:rPr lang="zh-CN" altLang="en-US" dirty="0"/>
-              <a:t>基于</a:t>
-            </a:r>
-            <a:r>
-              <a:rPr lang="en-US" altLang="zh-CN" dirty="0" err="1"/>
-              <a:t>springMVC</a:t>
-            </a:r>
-            <a:r>
-              <a:rPr lang="zh-CN" altLang="en-US" dirty="0"/>
-              <a:t>的</a:t>
-            </a:r>
-            <a:r>
-              <a:rPr lang="zh-CN" altLang="en-US" dirty="0" smtClean="0"/>
-              <a:t>请求的前后端分离</a:t>
-            </a:r>
-            <a:endParaRPr lang="zh-CN" altLang="en-US" dirty="0"/>
-          </a:p>
-        </p:txBody>
-      </p:sp>
-      <p:sp>
-        <p:nvSpPr>
-          <p:cNvPr id="3" name="矩形 2"/>
-          <p:cNvSpPr/>
-          <p:nvPr/>
-        </p:nvSpPr>
-        <p:spPr>
-          <a:xfrm>
-            <a:off x="2726897" y="416678"/>
-            <a:ext cx="3141247" cy="423607"/>
-          </a:xfrm>
-          <a:prstGeom prst="rect">
-            <a:avLst/>
-          </a:prstGeom>
-          <a:solidFill>
-            <a:srgbClr val="BEE395"/>
-          </a:solidFill>
-          <a:ln>
-            <a:noFill/>
-          </a:ln>
-        </p:spPr>
-        <p:style>
-          <a:lnRef idx="2">
-            <a:schemeClr val="accent3"/>
-          </a:lnRef>
-          <a:fillRef idx="1">
-            <a:schemeClr val="lt1"/>
-          </a:fillRef>
-          <a:effectRef idx="0">
-            <a:schemeClr val="accent3"/>
-          </a:effectRef>
-          <a:fontRef idx="minor">
-            <a:schemeClr val="dk1"/>
-          </a:fontRef>
-        </p:style>
-        <p:txBody>
-          <a:bodyPr rtlCol="0" anchor="ctr"/>
-          <a:lstStyle/>
-          <a:p>
-            <a:pPr algn="ctr"/>
-            <a:endParaRPr lang="en-US" altLang="zh-CN" sz="1200" dirty="0" smtClean="0"/>
+              <a:rPr lang="en-US" altLang="zh-CN" sz="1600" dirty="0" smtClean="0"/>
+              <a:t>Java</a:t>
+            </a:r>
+            <a:r>
+              <a:rPr lang="zh-CN" altLang="en-US" sz="1600" dirty="0" smtClean="0"/>
+              <a:t>项目的启动过程</a:t>
+            </a:r>
+            <a:endParaRPr lang="zh-CN" altLang="en-US" sz="1600" dirty="0"/>
           </a:p>
         </p:txBody>
       </p:sp>
@@ -6279,12 +7295,13 @@
         </p:nvSpPr>
         <p:spPr>
           <a:xfrm>
-            <a:off x="2363780" y="1426388"/>
-            <a:ext cx="933156" cy="288032"/>
+            <a:off x="1187624" y="339502"/>
+            <a:ext cx="1440160" cy="432048"/>
           </a:xfrm>
           <a:prstGeom prst="rect">
             <a:avLst/>
           </a:prstGeom>
+          <a:ln w="19050"/>
         </p:spPr>
         <p:style>
           <a:lnRef idx="2">
@@ -6306,27 +7323,111 @@
           <a:p>
             <a:pPr algn="ctr"/>
             <a:r>
-              <a:rPr lang="en-US" altLang="zh-CN" sz="1200" dirty="0" smtClean="0"/>
-              <a:t>Filter1</a:t>
-            </a:r>
-            <a:endParaRPr lang="zh-CN" altLang="en-US" sz="1200" dirty="0"/>
-          </a:p>
-        </p:txBody>
-      </p:sp>
-      <p:sp>
-        <p:nvSpPr>
-          <p:cNvPr id="6" name="矩形 5"/>
+              <a:rPr lang="zh-CN" altLang="en-US" sz="1200" dirty="0"/>
+              <a:t>启动</a:t>
+            </a:r>
+            <a:r>
+              <a:rPr lang="en-US" altLang="zh-CN" sz="1200" dirty="0"/>
+              <a:t>JVM</a:t>
+            </a:r>
+            <a:r>
+              <a:rPr lang="zh-CN" altLang="en-US" sz="1200" dirty="0"/>
+              <a:t>进程</a:t>
+            </a:r>
+          </a:p>
+        </p:txBody>
+      </p:sp>
+      <p:sp>
+        <p:nvSpPr>
+          <p:cNvPr id="5" name="TextBox 4"/>
+          <p:cNvSpPr txBox="1"/>
+          <p:nvPr/>
+        </p:nvSpPr>
+        <p:spPr>
+          <a:xfrm>
+            <a:off x="2843808" y="428568"/>
+            <a:ext cx="3168352" cy="253916"/>
+          </a:xfrm>
+          <a:prstGeom prst="rect">
+            <a:avLst/>
+          </a:prstGeom>
+          <a:noFill/>
+          <a:ln w="6350">
+            <a:solidFill>
+              <a:schemeClr val="tx1"/>
+            </a:solidFill>
+            <a:prstDash val="dash"/>
+          </a:ln>
+        </p:spPr>
+        <p:txBody>
+          <a:bodyPr wrap="square" rtlCol="0">
+            <a:spAutoFit/>
+          </a:bodyPr>
+          <a:lstStyle/>
+          <a:p>
+            <a:r>
+              <a:rPr lang="en-US" altLang="zh-CN" sz="1050" dirty="0">
+                <a:solidFill>
+                  <a:srgbClr val="006600"/>
+                </a:solidFill>
+              </a:rPr>
+              <a:t>Starting </a:t>
+            </a:r>
+            <a:r>
+              <a:rPr lang="en-US" altLang="zh-CN" sz="1050" dirty="0" smtClean="0">
+                <a:solidFill>
+                  <a:srgbClr val="006600"/>
+                </a:solidFill>
+              </a:rPr>
+              <a:t>xxxApplication </a:t>
+            </a:r>
+            <a:r>
+              <a:rPr lang="en-US" altLang="zh-CN" sz="1050" dirty="0">
+                <a:solidFill>
+                  <a:srgbClr val="006600"/>
+                </a:solidFill>
+              </a:rPr>
+              <a:t>on </a:t>
+            </a:r>
+            <a:r>
+              <a:rPr lang="en-US" altLang="zh-CN" sz="1050" dirty="0" smtClean="0">
+                <a:solidFill>
+                  <a:srgbClr val="006600"/>
+                </a:solidFill>
+              </a:rPr>
+              <a:t>PC-xxx </a:t>
+            </a:r>
+            <a:r>
+              <a:rPr lang="en-US" altLang="zh-CN" sz="1050" dirty="0">
+                <a:solidFill>
+                  <a:srgbClr val="006600"/>
+                </a:solidFill>
+              </a:rPr>
+              <a:t>with PID 3256</a:t>
+            </a:r>
+            <a:endParaRPr lang="zh-CN" altLang="en-US" sz="1050" dirty="0">
+              <a:solidFill>
+                <a:srgbClr val="006600"/>
+              </a:solidFill>
+            </a:endParaRPr>
+          </a:p>
+        </p:txBody>
+      </p:sp>
+      <p:sp>
+        <p:nvSpPr>
+          <p:cNvPr id="8" name="矩形 7"/>
           <p:cNvSpPr/>
           <p:nvPr/>
         </p:nvSpPr>
         <p:spPr>
           <a:xfrm>
-            <a:off x="5358966" y="1419622"/>
-            <a:ext cx="933156" cy="288032"/>
+            <a:off x="1187624" y="1851670"/>
+            <a:ext cx="1440160" cy="432048"/>
           </a:xfrm>
           <a:prstGeom prst="rect">
             <a:avLst/>
           </a:prstGeom>
+          <a:ln w="19050"/>
         </p:spPr>
         <p:style>
           <a:lnRef idx="2">
@@ -6348,8 +7449,32 @@
           <a:p>
             <a:pPr algn="ctr"/>
             <a:r>
+              <a:rPr lang="zh-CN" altLang="en-US" sz="1200" dirty="0"/>
+              <a:t>启动</a:t>
+            </a:r>
+            <a:r>
               <a:rPr lang="en-US" altLang="zh-CN" sz="1200" dirty="0" smtClean="0"/>
-              <a:t>FilterN</a:t>
+              <a:t>web</a:t>
+            </a:r>
+            <a:r>
+              <a:rPr lang="zh-CN" altLang="en-US" sz="1200" dirty="0" smtClean="0"/>
+              <a:t>容器</a:t>
+            </a:r>
+            <a:endParaRPr lang="en-US" altLang="zh-CN" sz="1200" dirty="0" smtClean="0"/>
+          </a:p>
+          <a:p>
+            <a:pPr algn="ctr"/>
+            <a:r>
+              <a:rPr lang="en-US" altLang="zh-CN" sz="1200" dirty="0" smtClean="0"/>
+              <a:t>(tomcat</a:t>
+            </a:r>
+            <a:r>
+              <a:rPr lang="zh-CN" altLang="en-US" sz="1200" dirty="0" smtClean="0"/>
+              <a:t>服务</a:t>
+            </a:r>
+            <a:r>
+              <a:rPr lang="en-US" altLang="zh-CN" sz="1200" dirty="0" smtClean="0"/>
+              <a:t>)</a:t>
             </a:r>
             <a:endParaRPr lang="zh-CN" altLang="en-US" sz="1200" dirty="0"/>
           </a:p>
@@ -6357,18 +7482,19 @@
       </p:sp>
       <p:sp>
         <p:nvSpPr>
-          <p:cNvPr id="7" name="矩形 6"/>
+          <p:cNvPr id="9" name="矩形 8"/>
           <p:cNvSpPr/>
           <p:nvPr/>
         </p:nvSpPr>
         <p:spPr>
           <a:xfrm>
-            <a:off x="3831393" y="1428068"/>
-            <a:ext cx="933156" cy="288032"/>
+            <a:off x="1187624" y="1091161"/>
+            <a:ext cx="1440160" cy="432048"/>
           </a:xfrm>
           <a:prstGeom prst="rect">
             <a:avLst/>
           </a:prstGeom>
+          <a:ln w="19050"/>
         </p:spPr>
         <p:style>
           <a:lnRef idx="2">
@@ -6390,8 +7516,16 @@
           <a:p>
             <a:pPr algn="ctr"/>
             <a:r>
+              <a:rPr lang="zh-CN" altLang="en-US" sz="1200" dirty="0" smtClean="0"/>
+              <a:t>生成</a:t>
+            </a:r>
+            <a:r>
               <a:rPr lang="en-US" altLang="zh-CN" sz="1200" dirty="0" smtClean="0"/>
-              <a:t>…</a:t>
+              <a:t>spring </a:t>
+            </a:r>
+            <a:r>
+              <a:rPr lang="zh-CN" altLang="en-US" sz="1200" dirty="0" smtClean="0"/>
+              <a:t>上下文</a:t>
             </a:r>
             <a:endParaRPr lang="zh-CN" altLang="en-US" sz="1200" dirty="0"/>
           </a:p>
@@ -6399,28 +7533,165 @@
       </p:sp>
       <p:sp>
         <p:nvSpPr>
-          <p:cNvPr id="9" name="矩形 8"/>
+          <p:cNvPr id="10" name="TextBox 9"/>
+          <p:cNvSpPr txBox="1"/>
+          <p:nvPr/>
+        </p:nvSpPr>
+        <p:spPr>
+          <a:xfrm>
+            <a:off x="2843808" y="1110441"/>
+            <a:ext cx="3187717" cy="415498"/>
+          </a:xfrm>
+          <a:prstGeom prst="rect">
+            <a:avLst/>
+          </a:prstGeom>
+          <a:noFill/>
+          <a:ln w="6350">
+            <a:solidFill>
+              <a:schemeClr val="tx1"/>
+            </a:solidFill>
+            <a:prstDash val="dash"/>
+          </a:ln>
+        </p:spPr>
+        <p:txBody>
+          <a:bodyPr wrap="square" rtlCol="0">
+            <a:spAutoFit/>
+          </a:bodyPr>
+          <a:lstStyle/>
+          <a:p>
+            <a:pPr latinLnBrk="1"/>
+            <a:r>
+              <a:rPr lang="en-US" altLang="zh-CN" sz="1050" dirty="0">
+                <a:solidFill>
+                  <a:srgbClr val="006600"/>
+                </a:solidFill>
+              </a:rPr>
+              <a:t>Refreshing org.springframework.boot.context.embedded.AnnotationConfigEmbeddedWebApplicationContext</a:t>
+            </a:r>
+            <a:endParaRPr lang="zh-CN" altLang="en-US" sz="1050" dirty="0">
+              <a:solidFill>
+                <a:srgbClr val="006600"/>
+              </a:solidFill>
+            </a:endParaRPr>
+          </a:p>
+        </p:txBody>
+      </p:sp>
+      <p:sp>
+        <p:nvSpPr>
+          <p:cNvPr id="11" name="TextBox 10"/>
+          <p:cNvSpPr txBox="1"/>
+          <p:nvPr/>
+        </p:nvSpPr>
+        <p:spPr>
+          <a:xfrm>
+            <a:off x="2843808" y="1779153"/>
+            <a:ext cx="3168352" cy="577081"/>
+          </a:xfrm>
+          <a:prstGeom prst="rect">
+            <a:avLst/>
+          </a:prstGeom>
+          <a:noFill/>
+          <a:ln w="6350">
+            <a:solidFill>
+              <a:schemeClr val="tx1"/>
+            </a:solidFill>
+            <a:prstDash val="dash"/>
+          </a:ln>
+        </p:spPr>
+        <p:txBody>
+          <a:bodyPr wrap="square" rtlCol="0">
+            <a:spAutoFit/>
+          </a:bodyPr>
+          <a:lstStyle/>
+          <a:p>
+            <a:pPr latinLnBrk="1"/>
+            <a:r>
+              <a:rPr lang="en-US" altLang="zh-CN" sz="1050" dirty="0">
+                <a:solidFill>
+                  <a:srgbClr val="006600"/>
+                </a:solidFill>
+              </a:rPr>
+              <a:t>Starting service </a:t>
+            </a:r>
+            <a:r>
+              <a:rPr lang="en-US" altLang="zh-CN" sz="1050" dirty="0" smtClean="0">
+                <a:solidFill>
+                  <a:srgbClr val="006600"/>
+                </a:solidFill>
+              </a:rPr>
+              <a:t>Tomcat</a:t>
+            </a:r>
+          </a:p>
+          <a:p>
+            <a:pPr latinLnBrk="1"/>
+            <a:r>
+              <a:rPr lang="en-US" altLang="zh-CN" sz="1050" dirty="0" smtClean="0">
+                <a:solidFill>
+                  <a:srgbClr val="006600"/>
+                </a:solidFill>
+              </a:rPr>
+              <a:t>Starting Servlet Engine: </a:t>
+            </a:r>
+            <a:r>
+              <a:rPr lang="en-US" altLang="zh-CN" sz="1050" dirty="0">
+                <a:solidFill>
+                  <a:srgbClr val="006600"/>
+                </a:solidFill>
+              </a:rPr>
+              <a:t>Apache </a:t>
+            </a:r>
+            <a:r>
+              <a:rPr lang="en-US" altLang="zh-CN" sz="1050" dirty="0" smtClean="0">
+                <a:solidFill>
+                  <a:srgbClr val="006600"/>
+                </a:solidFill>
+              </a:rPr>
+              <a:t>Tomcat/8.5.11</a:t>
+            </a:r>
+          </a:p>
+          <a:p>
+            <a:pPr latinLnBrk="1"/>
+            <a:r>
+              <a:rPr lang="en-US" altLang="zh-CN" sz="1050" dirty="0">
+                <a:solidFill>
+                  <a:srgbClr val="006600"/>
+                </a:solidFill>
+              </a:rPr>
+              <a:t>Initializing Spring embedded WebApplicationContext</a:t>
+            </a:r>
+            <a:endParaRPr lang="zh-CN" altLang="en-US" sz="1050" dirty="0">
+              <a:solidFill>
+                <a:srgbClr val="006600"/>
+              </a:solidFill>
+            </a:endParaRPr>
+          </a:p>
+        </p:txBody>
+      </p:sp>
+      <p:sp>
+        <p:nvSpPr>
+          <p:cNvPr id="12" name="矩形 11"/>
           <p:cNvSpPr/>
           <p:nvPr/>
         </p:nvSpPr>
         <p:spPr>
           <a:xfrm>
-            <a:off x="2381797" y="2649274"/>
-            <a:ext cx="933156" cy="288032"/>
+            <a:off x="1187624" y="2819823"/>
+            <a:ext cx="1440160" cy="1008112"/>
           </a:xfrm>
           <a:prstGeom prst="rect">
             <a:avLst/>
           </a:prstGeom>
+          <a:ln w="19050"/>
         </p:spPr>
         <p:style>
           <a:lnRef idx="2">
-            <a:schemeClr val="accent4"/>
+            <a:schemeClr val="accent1"/>
           </a:lnRef>
           <a:fillRef idx="1">
             <a:schemeClr val="lt1"/>
           </a:fillRef>
           <a:effectRef idx="0">
-            <a:schemeClr val="accent4"/>
+            <a:schemeClr val="accent1"/>
           </a:effectRef>
           <a:fontRef idx="minor">
             <a:schemeClr val="dk1"/>
@@ -6432,8 +7703,23 @@
           <a:p>
             <a:pPr algn="ctr"/>
             <a:r>
+              <a:rPr lang="zh-CN" altLang="en-US" sz="1200" dirty="0" smtClean="0"/>
+              <a:t>加载</a:t>
+            </a:r>
+            <a:r>
               <a:rPr lang="en-US" altLang="zh-CN" sz="1200" dirty="0" smtClean="0"/>
-              <a:t>Servlet1</a:t>
+              <a:t>web.xml</a:t>
+            </a:r>
+          </a:p>
+          <a:p>
+            <a:pPr algn="ctr"/>
+            <a:r>
+              <a:rPr lang="zh-CN" altLang="en-US" sz="1200" dirty="0"/>
+              <a:t>解析标签、按顺序</a:t>
+            </a:r>
+            <a:r>
+              <a:rPr lang="zh-CN" altLang="en-US" sz="1200" dirty="0" smtClean="0"/>
+              <a:t>实例化</a:t>
             </a:r>
             <a:endParaRPr lang="zh-CN" altLang="en-US" sz="1200" dirty="0"/>
           </a:p>
@@ -6441,28 +7727,29 @@
       </p:sp>
       <p:sp>
         <p:nvSpPr>
-          <p:cNvPr id="10" name="矩形 9"/>
+          <p:cNvPr id="14" name="矩形 13"/>
           <p:cNvSpPr/>
           <p:nvPr/>
         </p:nvSpPr>
         <p:spPr>
           <a:xfrm>
-            <a:off x="3859894" y="2649274"/>
-            <a:ext cx="933156" cy="288032"/>
+            <a:off x="4099814" y="4269217"/>
+            <a:ext cx="1440160" cy="432048"/>
           </a:xfrm>
           <a:prstGeom prst="rect">
             <a:avLst/>
           </a:prstGeom>
+          <a:ln w="19050"/>
         </p:spPr>
         <p:style>
           <a:lnRef idx="2">
-            <a:schemeClr val="accent4"/>
+            <a:schemeClr val="accent1"/>
           </a:lnRef>
           <a:fillRef idx="1">
             <a:schemeClr val="lt1"/>
           </a:fillRef>
           <a:effectRef idx="0">
-            <a:schemeClr val="accent4"/>
+            <a:schemeClr val="accent1"/>
           </a:effectRef>
           <a:fontRef idx="minor">
             <a:schemeClr val="dk1"/>
@@ -6475,7 +7762,11 @@
             <a:pPr algn="ctr"/>
             <a:r>
               <a:rPr lang="en-US" altLang="zh-CN" sz="1200" dirty="0" smtClean="0"/>
-              <a:t>…</a:t>
+              <a:t>tomcat</a:t>
+            </a:r>
+            <a:r>
+              <a:rPr lang="zh-CN" altLang="en-US" sz="1200" dirty="0" smtClean="0"/>
+              <a:t>启动</a:t>
             </a:r>
             <a:endParaRPr lang="zh-CN" altLang="en-US" sz="1200" dirty="0"/>
           </a:p>
@@ -6483,61 +7774,25 @@
       </p:sp>
       <p:sp>
         <p:nvSpPr>
-          <p:cNvPr id="11" name="矩形 10"/>
-          <p:cNvSpPr/>
-          <p:nvPr/>
-        </p:nvSpPr>
-        <p:spPr>
-          <a:xfrm>
-            <a:off x="5341929" y="2649274"/>
-            <a:ext cx="933156" cy="288032"/>
+          <p:cNvPr id="16" name="TextBox 15"/>
+          <p:cNvSpPr txBox="1"/>
+          <p:nvPr/>
+        </p:nvSpPr>
+        <p:spPr>
+          <a:xfrm>
+            <a:off x="5724128" y="4358283"/>
+            <a:ext cx="2232248" cy="253916"/>
           </a:xfrm>
           <a:prstGeom prst="rect">
             <a:avLst/>
           </a:prstGeom>
-        </p:spPr>
-        <p:style>
-          <a:lnRef idx="2">
-            <a:schemeClr val="accent4"/>
-          </a:lnRef>
-          <a:fillRef idx="1">
-            <a:schemeClr val="lt1"/>
-          </a:fillRef>
-          <a:effectRef idx="0">
-            <a:schemeClr val="accent4"/>
-          </a:effectRef>
-          <a:fontRef idx="minor">
-            <a:schemeClr val="dk1"/>
-          </a:fontRef>
-        </p:style>
-        <p:txBody>
-          <a:bodyPr rtlCol="0" anchor="ctr"/>
-          <a:lstStyle/>
-          <a:p>
-            <a:pPr algn="ctr"/>
-            <a:r>
-              <a:rPr lang="en-US" altLang="zh-CN" sz="1200" dirty="0" smtClean="0"/>
-              <a:t>ServletN</a:t>
-            </a:r>
-            <a:endParaRPr lang="zh-CN" altLang="en-US" sz="1200" dirty="0"/>
-          </a:p>
-        </p:txBody>
-      </p:sp>
-      <p:sp>
-        <p:nvSpPr>
-          <p:cNvPr id="13" name="TextBox 12"/>
-          <p:cNvSpPr txBox="1"/>
-          <p:nvPr/>
-        </p:nvSpPr>
-        <p:spPr>
-          <a:xfrm>
-            <a:off x="2776913" y="515214"/>
-            <a:ext cx="558267" cy="276999"/>
-          </a:xfrm>
-          <a:prstGeom prst="rect">
-            <a:avLst/>
-          </a:prstGeom>
           <a:noFill/>
+          <a:ln w="6350">
+            <a:solidFill>
+              <a:schemeClr val="tx1"/>
+            </a:solidFill>
+            <a:prstDash val="dash"/>
+          </a:ln>
         </p:spPr>
         <p:txBody>
           <a:bodyPr wrap="square" rtlCol="0">
@@ -6545,108 +7800,181 @@
           </a:bodyPr>
           <a:lstStyle/>
           <a:p>
-            <a:r>
-              <a:rPr lang="zh-CN" altLang="en-US" sz="1200" dirty="0" smtClean="0"/>
-              <a:t>前端</a:t>
-            </a:r>
-            <a:endParaRPr lang="zh-CN" altLang="en-US" sz="1200" dirty="0"/>
-          </a:p>
-        </p:txBody>
-      </p:sp>
-      <p:sp>
-        <p:nvSpPr>
-          <p:cNvPr id="14" name="矩形 13"/>
+            <a:pPr latinLnBrk="1"/>
+            <a:r>
+              <a:rPr lang="en-US" altLang="zh-CN" sz="1050" dirty="0">
+                <a:solidFill>
+                  <a:srgbClr val="006600"/>
+                </a:solidFill>
+              </a:rPr>
+              <a:t>Tomcat started on port(s): 8080 (http)</a:t>
+            </a:r>
+            <a:endParaRPr lang="zh-CN" altLang="en-US" sz="1050" dirty="0">
+              <a:solidFill>
+                <a:srgbClr val="006600"/>
+              </a:solidFill>
+            </a:endParaRPr>
+          </a:p>
+        </p:txBody>
+      </p:sp>
+      <p:sp>
+        <p:nvSpPr>
+          <p:cNvPr id="18" name="TextBox 17"/>
+          <p:cNvSpPr txBox="1"/>
+          <p:nvPr/>
+        </p:nvSpPr>
+        <p:spPr>
+          <a:xfrm>
+            <a:off x="2843808" y="3223870"/>
+            <a:ext cx="1563120" cy="253916"/>
+          </a:xfrm>
+          <a:prstGeom prst="rect">
+            <a:avLst/>
+          </a:prstGeom>
+          <a:noFill/>
+          <a:ln w="6350">
+            <a:solidFill>
+              <a:schemeClr val="accent1"/>
+            </a:solidFill>
+            <a:prstDash val="solid"/>
+          </a:ln>
+        </p:spPr>
+        <p:txBody>
+          <a:bodyPr wrap="square" rtlCol="0">
+            <a:spAutoFit/>
+          </a:bodyPr>
+          <a:lstStyle/>
+          <a:p>
+            <a:pPr latinLnBrk="1"/>
+            <a:r>
+              <a:rPr lang="en-US" altLang="zh-CN" sz="1050" dirty="0"/>
+              <a:t>ContextLoaderListener</a:t>
+            </a:r>
+            <a:endParaRPr lang="zh-CN" altLang="en-US" sz="1050" dirty="0"/>
+          </a:p>
+        </p:txBody>
+      </p:sp>
+      <p:sp>
+        <p:nvSpPr>
+          <p:cNvPr id="19" name="TextBox 18"/>
+          <p:cNvSpPr txBox="1"/>
+          <p:nvPr/>
+        </p:nvSpPr>
+        <p:spPr>
+          <a:xfrm>
+            <a:off x="2843808" y="2906339"/>
+            <a:ext cx="1563120" cy="253916"/>
+          </a:xfrm>
+          <a:prstGeom prst="rect">
+            <a:avLst/>
+          </a:prstGeom>
+          <a:noFill/>
+          <a:ln w="6350">
+            <a:solidFill>
+              <a:schemeClr val="accent1"/>
+            </a:solidFill>
+            <a:prstDash val="solid"/>
+          </a:ln>
+        </p:spPr>
+        <p:txBody>
+          <a:bodyPr wrap="square" rtlCol="0">
+            <a:spAutoFit/>
+          </a:bodyPr>
+          <a:lstStyle/>
+          <a:p>
+            <a:pPr latinLnBrk="1"/>
+            <a:r>
+              <a:rPr lang="en-US" altLang="zh-CN" sz="1050" dirty="0"/>
+              <a:t>WebAppRootListener</a:t>
+            </a:r>
+            <a:endParaRPr lang="zh-CN" altLang="en-US" sz="1050" dirty="0"/>
+          </a:p>
+        </p:txBody>
+      </p:sp>
+      <p:sp>
+        <p:nvSpPr>
+          <p:cNvPr id="20" name="TextBox 19"/>
+          <p:cNvSpPr txBox="1"/>
+          <p:nvPr/>
+        </p:nvSpPr>
+        <p:spPr>
+          <a:xfrm>
+            <a:off x="2843808" y="2588808"/>
+            <a:ext cx="1563120" cy="253916"/>
+          </a:xfrm>
+          <a:prstGeom prst="rect">
+            <a:avLst/>
+          </a:prstGeom>
+          <a:noFill/>
+          <a:ln w="6350">
+            <a:solidFill>
+              <a:schemeClr val="accent1"/>
+            </a:solidFill>
+            <a:prstDash val="solid"/>
+          </a:ln>
+        </p:spPr>
+        <p:txBody>
+          <a:bodyPr wrap="square" rtlCol="0">
+            <a:spAutoFit/>
+          </a:bodyPr>
+          <a:lstStyle/>
+          <a:p>
+            <a:pPr latinLnBrk="1"/>
+            <a:r>
+              <a:rPr lang="en-US" altLang="zh-CN" sz="1050" dirty="0"/>
+              <a:t>CharacterEncodingFilter</a:t>
+            </a:r>
+            <a:endParaRPr lang="zh-CN" altLang="en-US" sz="1050" dirty="0"/>
+          </a:p>
+        </p:txBody>
+      </p:sp>
+      <p:sp>
+        <p:nvSpPr>
+          <p:cNvPr id="21" name="TextBox 20"/>
+          <p:cNvSpPr txBox="1"/>
+          <p:nvPr/>
+        </p:nvSpPr>
+        <p:spPr>
+          <a:xfrm>
+            <a:off x="2843808" y="3541401"/>
+            <a:ext cx="1563120" cy="253916"/>
+          </a:xfrm>
+          <a:prstGeom prst="rect">
+            <a:avLst/>
+          </a:prstGeom>
+          <a:noFill/>
+          <a:ln w="6350">
+            <a:solidFill>
+              <a:schemeClr val="accent1"/>
+            </a:solidFill>
+            <a:prstDash val="solid"/>
+          </a:ln>
+        </p:spPr>
+        <p:txBody>
+          <a:bodyPr wrap="square" rtlCol="0">
+            <a:spAutoFit/>
+          </a:bodyPr>
+          <a:lstStyle/>
+          <a:p>
+            <a:pPr latinLnBrk="1"/>
+            <a:r>
+              <a:rPr lang="en-US" altLang="zh-CN" sz="1050" dirty="0" smtClean="0"/>
+              <a:t>DispatcherServlet</a:t>
+            </a:r>
+            <a:endParaRPr lang="zh-CN" altLang="en-US" sz="1050" dirty="0"/>
+          </a:p>
+        </p:txBody>
+      </p:sp>
+      <p:sp>
+        <p:nvSpPr>
+          <p:cNvPr id="7" name="矩形 6"/>
           <p:cNvSpPr/>
           <p:nvPr/>
         </p:nvSpPr>
         <p:spPr>
           <a:xfrm>
-            <a:off x="3923928" y="479296"/>
-            <a:ext cx="648072" cy="298371"/>
-          </a:xfrm>
-          <a:prstGeom prst="rect">
-            <a:avLst/>
-          </a:prstGeom>
-        </p:spPr>
-        <p:style>
-          <a:lnRef idx="2">
-            <a:schemeClr val="accent3"/>
-          </a:lnRef>
-          <a:fillRef idx="1">
-            <a:schemeClr val="lt1"/>
-          </a:fillRef>
-          <a:effectRef idx="0">
-            <a:schemeClr val="accent3"/>
-          </a:effectRef>
-          <a:fontRef idx="minor">
-            <a:schemeClr val="dk1"/>
-          </a:fontRef>
-        </p:style>
-        <p:txBody>
-          <a:bodyPr rtlCol="0" anchor="ctr"/>
-          <a:lstStyle/>
-          <a:p>
-            <a:pPr algn="ctr"/>
-            <a:r>
-              <a:rPr lang="zh-CN" altLang="en-US" sz="1200" dirty="0"/>
-              <a:t>浏览器</a:t>
-            </a:r>
-            <a:endParaRPr lang="en-US" altLang="zh-CN" sz="1200" dirty="0"/>
-          </a:p>
-        </p:txBody>
-      </p:sp>
-      <p:sp>
-        <p:nvSpPr>
-          <p:cNvPr id="15" name="矩形 14"/>
-          <p:cNvSpPr/>
-          <p:nvPr/>
-        </p:nvSpPr>
-        <p:spPr>
-          <a:xfrm>
-            <a:off x="4958332" y="479296"/>
-            <a:ext cx="648072" cy="306847"/>
-          </a:xfrm>
-          <a:prstGeom prst="rect">
-            <a:avLst/>
-          </a:prstGeom>
-        </p:spPr>
-        <p:style>
-          <a:lnRef idx="2">
-            <a:schemeClr val="accent3"/>
-          </a:lnRef>
-          <a:fillRef idx="1">
-            <a:schemeClr val="lt1"/>
-          </a:fillRef>
-          <a:effectRef idx="0">
-            <a:schemeClr val="accent3"/>
-          </a:effectRef>
-          <a:fontRef idx="minor">
-            <a:schemeClr val="dk1"/>
-          </a:fontRef>
-        </p:style>
-        <p:txBody>
-          <a:bodyPr rtlCol="0" anchor="ctr"/>
-          <a:lstStyle/>
-          <a:p>
-            <a:pPr algn="ctr"/>
-            <a:r>
-              <a:rPr lang="zh-CN" altLang="en-US" sz="1200" dirty="0" smtClean="0"/>
-              <a:t>移动端</a:t>
-            </a:r>
-            <a:endParaRPr lang="en-US" altLang="zh-CN" sz="1200" dirty="0"/>
-          </a:p>
-        </p:txBody>
-      </p:sp>
-      <p:sp>
-        <p:nvSpPr>
-          <p:cNvPr id="19" name="矩形 18"/>
-          <p:cNvSpPr/>
-          <p:nvPr/>
-        </p:nvSpPr>
-        <p:spPr>
-          <a:xfrm>
-            <a:off x="3661511" y="2372275"/>
-            <a:ext cx="1272015" cy="276999"/>
+            <a:off x="4446873" y="2886204"/>
+            <a:ext cx="1031051" cy="261610"/>
           </a:xfrm>
           <a:prstGeom prst="rect">
             <a:avLst/>
@@ -6659,10 +7987,177 @@
           <a:lstStyle/>
           <a:p>
             <a:r>
-              <a:rPr lang="en-US" altLang="zh-CN" sz="1200" dirty="0" smtClean="0"/>
-              <a:t>dispatcherServlet</a:t>
-            </a:r>
-            <a:endParaRPr lang="zh-CN" altLang="en-US" sz="1200" dirty="0"/>
+              <a:rPr lang="zh-CN" altLang="en-US" sz="1050" dirty="0" smtClean="0">
+                <a:solidFill>
+                  <a:srgbClr val="0070C0"/>
+                </a:solidFill>
+              </a:rPr>
+              <a:t>获得物理路径</a:t>
+            </a:r>
+            <a:endParaRPr lang="zh-CN" altLang="en-US" sz="1050" dirty="0">
+              <a:solidFill>
+                <a:srgbClr val="0070C0"/>
+              </a:solidFill>
+            </a:endParaRPr>
+          </a:p>
+        </p:txBody>
+      </p:sp>
+      <p:sp>
+        <p:nvSpPr>
+          <p:cNvPr id="23" name="矩形 22"/>
+          <p:cNvSpPr/>
+          <p:nvPr/>
+        </p:nvSpPr>
+        <p:spPr>
+          <a:xfrm>
+            <a:off x="4427984" y="2596632"/>
+            <a:ext cx="857927" cy="253916"/>
+          </a:xfrm>
+          <a:prstGeom prst="rect">
+            <a:avLst/>
+          </a:prstGeom>
+        </p:spPr>
+        <p:txBody>
+          <a:bodyPr wrap="none">
+            <a:spAutoFit/>
+          </a:bodyPr>
+          <a:lstStyle/>
+          <a:p>
+            <a:r>
+              <a:rPr lang="zh-CN" altLang="en-US" sz="1050" dirty="0" smtClean="0">
+                <a:solidFill>
+                  <a:srgbClr val="0070C0"/>
+                </a:solidFill>
+              </a:rPr>
+              <a:t>编码过滤器</a:t>
+            </a:r>
+            <a:endParaRPr lang="zh-CN" altLang="en-US" sz="1050" dirty="0">
+              <a:solidFill>
+                <a:srgbClr val="0070C0"/>
+              </a:solidFill>
+            </a:endParaRPr>
+          </a:p>
+        </p:txBody>
+      </p:sp>
+      <p:sp>
+        <p:nvSpPr>
+          <p:cNvPr id="24" name="矩形 23"/>
+          <p:cNvSpPr/>
+          <p:nvPr/>
+        </p:nvSpPr>
+        <p:spPr>
+          <a:xfrm>
+            <a:off x="4439768" y="3147814"/>
+            <a:ext cx="1684305" cy="415498"/>
+          </a:xfrm>
+          <a:prstGeom prst="rect">
+            <a:avLst/>
+          </a:prstGeom>
+        </p:spPr>
+        <p:txBody>
+          <a:bodyPr wrap="square">
+            <a:spAutoFit/>
+          </a:bodyPr>
+          <a:lstStyle/>
+          <a:p>
+            <a:r>
+              <a:rPr lang="zh-CN" altLang="en-US" sz="1050" dirty="0">
+                <a:solidFill>
+                  <a:srgbClr val="0070C0"/>
+                </a:solidFill>
+              </a:rPr>
+              <a:t>启动</a:t>
+            </a:r>
+            <a:r>
+              <a:rPr lang="en-US" altLang="zh-CN" sz="1050" dirty="0">
+                <a:solidFill>
+                  <a:srgbClr val="0070C0"/>
+                </a:solidFill>
+              </a:rPr>
+              <a:t>Spring</a:t>
+            </a:r>
+            <a:r>
+              <a:rPr lang="zh-CN" altLang="en-US" sz="1050" dirty="0" smtClean="0">
+                <a:solidFill>
+                  <a:srgbClr val="0070C0"/>
+                </a:solidFill>
+              </a:rPr>
+              <a:t>容器，实现</a:t>
+            </a:r>
+            <a:r>
+              <a:rPr lang="zh-CN" altLang="en-US" sz="1050" dirty="0">
+                <a:solidFill>
+                  <a:srgbClr val="0070C0"/>
+                </a:solidFill>
+              </a:rPr>
+              <a:t>了</a:t>
+            </a:r>
+            <a:r>
+              <a:rPr lang="en-US" altLang="zh-CN" sz="1050" dirty="0" smtClean="0">
+                <a:solidFill>
+                  <a:srgbClr val="0070C0"/>
+                </a:solidFill>
+              </a:rPr>
+              <a:t>ServletContextListener</a:t>
+            </a:r>
+            <a:r>
+              <a:rPr lang="zh-CN" altLang="en-US" sz="1050" dirty="0" smtClean="0">
+                <a:solidFill>
+                  <a:srgbClr val="0070C0"/>
+                </a:solidFill>
+              </a:rPr>
+              <a:t>接口</a:t>
+            </a:r>
+            <a:endParaRPr lang="zh-CN" altLang="en-US" sz="1050" dirty="0">
+              <a:solidFill>
+                <a:srgbClr val="0070C0"/>
+              </a:solidFill>
+            </a:endParaRPr>
+          </a:p>
+        </p:txBody>
+      </p:sp>
+      <p:sp>
+        <p:nvSpPr>
+          <p:cNvPr id="25" name="矩形 24"/>
+          <p:cNvSpPr/>
+          <p:nvPr/>
+        </p:nvSpPr>
+        <p:spPr>
+          <a:xfrm>
+            <a:off x="4432663" y="3579862"/>
+            <a:ext cx="1422184" cy="253916"/>
+          </a:xfrm>
+          <a:prstGeom prst="rect">
+            <a:avLst/>
+          </a:prstGeom>
+        </p:spPr>
+        <p:txBody>
+          <a:bodyPr wrap="none">
+            <a:spAutoFit/>
+          </a:bodyPr>
+          <a:lstStyle/>
+          <a:p>
+            <a:r>
+              <a:rPr lang="zh-CN" altLang="en-US" sz="1050" dirty="0" smtClean="0">
+                <a:solidFill>
+                  <a:srgbClr val="0070C0"/>
+                </a:solidFill>
+              </a:rPr>
+              <a:t>配置</a:t>
+            </a:r>
+            <a:r>
+              <a:rPr lang="en-US" altLang="zh-CN" sz="1050" dirty="0">
+                <a:solidFill>
+                  <a:srgbClr val="0070C0"/>
+                </a:solidFill>
+              </a:rPr>
+              <a:t>DispatcherServlet</a:t>
+            </a:r>
+            <a:endParaRPr lang="zh-CN" altLang="en-US" sz="1050" dirty="0">
+              <a:solidFill>
+                <a:srgbClr val="0070C0"/>
+              </a:solidFill>
+            </a:endParaRPr>
           </a:p>
         </p:txBody>
       </p:sp>
@@ -6674,57 +8169,52 @@
         </p:nvSpPr>
         <p:spPr>
           <a:xfrm>
-            <a:off x="2880045" y="3537906"/>
-            <a:ext cx="2952328" cy="377900"/>
+            <a:off x="5743525" y="3549919"/>
+            <a:ext cx="1584176" cy="415498"/>
           </a:xfrm>
           <a:prstGeom prst="rect">
             <a:avLst/>
           </a:prstGeom>
-          <a:solidFill>
-            <a:schemeClr val="bg1">
-              <a:lumMod val="95000"/>
-            </a:schemeClr>
-          </a:solidFill>
-          <a:ln w="9525">
+          <a:ln>
             <a:solidFill>
-              <a:schemeClr val="bg1">
-                <a:lumMod val="50000"/>
-              </a:schemeClr>
+              <a:schemeClr val="tx1"/>
             </a:solidFill>
+            <a:prstDash val="dash"/>
           </a:ln>
         </p:spPr>
-        <p:style>
-          <a:lnRef idx="2">
-            <a:schemeClr val="accent1">
-              <a:shade val="50000"/>
-            </a:schemeClr>
-          </a:lnRef>
-          <a:fillRef idx="1">
-            <a:schemeClr val="accent1"/>
-          </a:fillRef>
-          <a:effectRef idx="0">
-            <a:schemeClr val="accent1"/>
-          </a:effectRef>
-          <a:fontRef idx="minor">
-            <a:schemeClr val="lt1"/>
-          </a:fontRef>
-        </p:style>
-        <p:txBody>
-          <a:bodyPr rtlCol="0" anchor="ctr"/>
-          <a:lstStyle/>
-          <a:p>
-            <a:pPr lvl="0" algn="ctr"/>
-            <a:r>
-              <a:rPr lang="en-US" altLang="zh-CN" sz="1200" dirty="0" smtClean="0">
-                <a:solidFill>
-                  <a:prstClr val="black"/>
+        <p:txBody>
+          <a:bodyPr wrap="square">
+            <a:spAutoFit/>
+          </a:bodyPr>
+          <a:lstStyle/>
+          <a:p>
+            <a:r>
+              <a:rPr lang="en-US" altLang="zh-CN" sz="1050" dirty="0" smtClean="0">
+                <a:solidFill>
+                  <a:srgbClr val="006600"/>
                 </a:solidFill>
               </a:rPr>
-              <a:t>Controllers</a:t>
-            </a:r>
-            <a:endParaRPr lang="zh-CN" altLang="en-US" sz="1200" dirty="0">
+              <a:t>ServletRegistrationBean</a:t>
+            </a:r>
+            <a:r>
+              <a:rPr lang="zh-CN" altLang="en-US" sz="1050" dirty="0" smtClean="0">
+                <a:solidFill>
+                  <a:srgbClr val="006600"/>
+                </a:solidFill>
+              </a:rPr>
+              <a:t>注入</a:t>
+            </a:r>
+            <a:r>
+              <a:rPr lang="en-US" altLang="zh-CN" sz="1050" dirty="0" smtClean="0">
+                <a:solidFill>
+                  <a:srgbClr val="006600"/>
+                </a:solidFill>
+              </a:rPr>
+              <a:t>servlet</a:t>
+            </a:r>
+            <a:endParaRPr lang="zh-CN" altLang="en-US" sz="1050" dirty="0">
               <a:solidFill>
-                <a:prstClr val="black"/>
+                <a:srgbClr val="006600"/>
               </a:solidFill>
             </a:endParaRPr>
           </a:p>
@@ -6732,63 +8222,42 @@
       </p:sp>
       <p:sp>
         <p:nvSpPr>
-          <p:cNvPr id="23" name="矩形 22"/>
+          <p:cNvPr id="28" name="矩形 27"/>
           <p:cNvSpPr/>
           <p:nvPr/>
         </p:nvSpPr>
         <p:spPr>
           <a:xfrm>
-            <a:off x="3106014" y="4114840"/>
-            <a:ext cx="2500390" cy="360040"/>
+            <a:off x="5355442" y="2596632"/>
+            <a:ext cx="1457450" cy="261610"/>
           </a:xfrm>
           <a:prstGeom prst="rect">
             <a:avLst/>
           </a:prstGeom>
-          <a:solidFill>
-            <a:schemeClr val="bg1">
-              <a:lumMod val="95000"/>
-            </a:schemeClr>
-          </a:solidFill>
-          <a:ln w="9525">
+          <a:ln>
             <a:solidFill>
-              <a:schemeClr val="bg1">
-                <a:lumMod val="50000"/>
-              </a:schemeClr>
+              <a:schemeClr val="tx1"/>
             </a:solidFill>
+            <a:prstDash val="dash"/>
           </a:ln>
         </p:spPr>
-        <p:style>
-          <a:lnRef idx="2">
-            <a:schemeClr val="accent1">
-              <a:shade val="50000"/>
-            </a:schemeClr>
-          </a:lnRef>
-          <a:fillRef idx="1">
-            <a:schemeClr val="accent1"/>
-          </a:fillRef>
-          <a:effectRef idx="0">
-            <a:schemeClr val="accent1"/>
-          </a:effectRef>
-          <a:fontRef idx="minor">
-            <a:schemeClr val="lt1"/>
-          </a:fontRef>
-        </p:style>
-        <p:txBody>
-          <a:bodyPr rtlCol="0" anchor="ctr"/>
-          <a:lstStyle/>
-          <a:p>
-            <a:pPr lvl="0" algn="ctr"/>
-            <a:r>
-              <a:rPr lang="en-US" altLang="zh-CN" sz="1200" dirty="0" smtClean="0">
-                <a:solidFill>
-                  <a:prstClr val="black"/>
+        <p:txBody>
+          <a:bodyPr wrap="none">
+            <a:spAutoFit/>
+          </a:bodyPr>
+          <a:lstStyle/>
+          <a:p>
+            <a:r>
+              <a:rPr lang="en-US" altLang="zh-CN" sz="1050" dirty="0">
+                <a:solidFill>
+                  <a:srgbClr val="006600"/>
                 </a:solidFill>
               </a:rPr>
-              <a:t>Services</a:t>
-            </a:r>
-            <a:endParaRPr lang="zh-CN" altLang="en-US" sz="1200" dirty="0">
+              <a:t>FilterRegistrationBean</a:t>
+            </a:r>
+            <a:endParaRPr lang="zh-CN" altLang="en-US" sz="1050" dirty="0">
               <a:solidFill>
-                <a:prstClr val="black"/>
+                <a:srgbClr val="006600"/>
               </a:solidFill>
             </a:endParaRPr>
           </a:p>
@@ -6796,75 +8265,66 @@
       </p:sp>
       <p:sp>
         <p:nvSpPr>
-          <p:cNvPr id="25" name="圆柱形 24"/>
+          <p:cNvPr id="29" name="TextBox 28"/>
+          <p:cNvSpPr txBox="1"/>
+          <p:nvPr/>
+        </p:nvSpPr>
+        <p:spPr>
+          <a:xfrm>
+            <a:off x="2843808" y="3858933"/>
+            <a:ext cx="1563120" cy="253916"/>
+          </a:xfrm>
+          <a:prstGeom prst="rect">
+            <a:avLst/>
+          </a:prstGeom>
+          <a:noFill/>
+          <a:ln w="6350">
+            <a:solidFill>
+              <a:schemeClr val="accent1"/>
+            </a:solidFill>
+            <a:prstDash val="solid"/>
+          </a:ln>
+        </p:spPr>
+        <p:txBody>
+          <a:bodyPr wrap="square" rtlCol="0">
+            <a:spAutoFit/>
+          </a:bodyPr>
+          <a:lstStyle/>
+          <a:p>
+            <a:pPr latinLnBrk="1"/>
+            <a:r>
+              <a:rPr lang="en-US" altLang="zh-CN" sz="1050" dirty="0" smtClean="0"/>
+              <a:t>Spring</a:t>
+            </a:r>
+            <a:r>
+              <a:rPr lang="zh-CN" altLang="en-US" sz="1050" dirty="0" smtClean="0"/>
+              <a:t>嵌入的</a:t>
+            </a:r>
+            <a:r>
+              <a:rPr lang="en-US" altLang="zh-CN" sz="1050" dirty="0" smtClean="0"/>
+              <a:t>Hibernate</a:t>
+            </a:r>
+            <a:endParaRPr lang="zh-CN" altLang="en-US" sz="1050" dirty="0"/>
+          </a:p>
+        </p:txBody>
+      </p:sp>
+      <p:sp>
+        <p:nvSpPr>
+          <p:cNvPr id="26" name="左大括号 25"/>
           <p:cNvSpPr/>
           <p:nvPr/>
         </p:nvSpPr>
         <p:spPr>
           <a:xfrm>
-            <a:off x="4051228" y="4701987"/>
-            <a:ext cx="609961" cy="390043"/>
-          </a:xfrm>
-          <a:prstGeom prst="can">
-            <a:avLst/>
-          </a:prstGeom>
-          <a:solidFill>
-            <a:schemeClr val="bg1">
-              <a:lumMod val="95000"/>
-            </a:schemeClr>
-          </a:solidFill>
-          <a:ln w="12700">
-            <a:solidFill>
-              <a:schemeClr val="bg1">
-                <a:lumMod val="50000"/>
-              </a:schemeClr>
-            </a:solidFill>
-          </a:ln>
-        </p:spPr>
-        <p:style>
-          <a:lnRef idx="2">
-            <a:schemeClr val="accent5"/>
-          </a:lnRef>
-          <a:fillRef idx="1">
-            <a:schemeClr val="lt1"/>
-          </a:fillRef>
-          <a:effectRef idx="0">
-            <a:schemeClr val="accent5"/>
-          </a:effectRef>
-          <a:fontRef idx="minor">
-            <a:schemeClr val="dk1"/>
-          </a:fontRef>
-        </p:style>
-        <p:txBody>
-          <a:bodyPr rtlCol="0" anchor="ctr"/>
-          <a:lstStyle/>
-          <a:p>
-            <a:pPr algn="ctr"/>
-            <a:r>
-              <a:rPr lang="en-US" altLang="zh-CN" sz="1200" dirty="0" smtClean="0"/>
-              <a:t>DB</a:t>
-            </a:r>
-            <a:endParaRPr lang="zh-CN" altLang="en-US" sz="1200" dirty="0"/>
-          </a:p>
-        </p:txBody>
-      </p:sp>
-      <p:cxnSp>
-        <p:nvCxnSpPr>
-          <p:cNvPr id="16" name="直接箭头连接符 15"/>
-          <p:cNvCxnSpPr/>
-          <p:nvPr/>
-        </p:nvCxnSpPr>
-        <p:spPr>
-          <a:xfrm>
-            <a:off x="3859895" y="840285"/>
-            <a:ext cx="0" cy="440382"/>
-          </a:xfrm>
-          <a:prstGeom prst="straightConnector1">
-            <a:avLst/>
-          </a:prstGeom>
-          <a:ln>
-            <a:tailEnd type="arrow"/>
-          </a:ln>
+            <a:off x="2640509" y="2594744"/>
+            <a:ext cx="144016" cy="1512168"/>
+          </a:xfrm>
+          <a:prstGeom prst="leftBrace">
+            <a:avLst>
+              <a:gd name="adj1" fmla="val 89904"/>
+              <a:gd name="adj2" fmla="val 50000"/>
+            </a:avLst>
+          </a:prstGeom>
         </p:spPr>
         <p:style>
           <a:lnRef idx="1">
@@ -6880,658 +8340,6 @@
             <a:schemeClr val="tx1"/>
           </a:fontRef>
         </p:style>
-      </p:cxnSp>
-      <p:cxnSp>
-        <p:nvCxnSpPr>
-          <p:cNvPr id="24" name="直接箭头连接符 23"/>
-          <p:cNvCxnSpPr/>
-          <p:nvPr/>
-        </p:nvCxnSpPr>
-        <p:spPr>
-          <a:xfrm>
-            <a:off x="3853561" y="1851670"/>
-            <a:ext cx="6333" cy="493784"/>
-          </a:xfrm>
-          <a:prstGeom prst="straightConnector1">
-            <a:avLst/>
-          </a:prstGeom>
-          <a:ln>
-            <a:tailEnd type="arrow"/>
-          </a:ln>
-        </p:spPr>
-        <p:style>
-          <a:lnRef idx="1">
-            <a:schemeClr val="accent1"/>
-          </a:lnRef>
-          <a:fillRef idx="0">
-            <a:schemeClr val="accent1"/>
-          </a:fillRef>
-          <a:effectRef idx="0">
-            <a:schemeClr val="accent1"/>
-          </a:effectRef>
-          <a:fontRef idx="minor">
-            <a:schemeClr val="tx1"/>
-          </a:fontRef>
-        </p:style>
-      </p:cxnSp>
-      <p:cxnSp>
-        <p:nvCxnSpPr>
-          <p:cNvPr id="26" name="直接箭头连接符 25"/>
-          <p:cNvCxnSpPr/>
-          <p:nvPr/>
-        </p:nvCxnSpPr>
-        <p:spPr>
-          <a:xfrm>
-            <a:off x="3856727" y="3079813"/>
-            <a:ext cx="3167" cy="458093"/>
-          </a:xfrm>
-          <a:prstGeom prst="straightConnector1">
-            <a:avLst/>
-          </a:prstGeom>
-          <a:ln>
-            <a:tailEnd type="arrow"/>
-          </a:ln>
-        </p:spPr>
-        <p:style>
-          <a:lnRef idx="1">
-            <a:schemeClr val="accent1"/>
-          </a:lnRef>
-          <a:fillRef idx="0">
-            <a:schemeClr val="accent1"/>
-          </a:fillRef>
-          <a:effectRef idx="0">
-            <a:schemeClr val="accent1"/>
-          </a:effectRef>
-          <a:fontRef idx="minor">
-            <a:schemeClr val="tx1"/>
-          </a:fontRef>
-        </p:style>
-      </p:cxnSp>
-      <p:cxnSp>
-        <p:nvCxnSpPr>
-          <p:cNvPr id="35" name="肘形连接符 34"/>
-          <p:cNvCxnSpPr>
-            <a:endCxn id="9" idx="0"/>
-          </p:cNvCxnSpPr>
-          <p:nvPr/>
-        </p:nvCxnSpPr>
-        <p:spPr>
-          <a:xfrm rot="10800000" flipV="1">
-            <a:off x="2848376" y="2345454"/>
-            <a:ext cx="1020105" cy="303819"/>
-          </a:xfrm>
-          <a:prstGeom prst="bentConnector2">
-            <a:avLst/>
-          </a:prstGeom>
-          <a:ln>
-            <a:tailEnd type="arrow"/>
-          </a:ln>
-        </p:spPr>
-        <p:style>
-          <a:lnRef idx="1">
-            <a:schemeClr val="accent1"/>
-          </a:lnRef>
-          <a:fillRef idx="0">
-            <a:schemeClr val="accent1"/>
-          </a:fillRef>
-          <a:effectRef idx="0">
-            <a:schemeClr val="accent1"/>
-          </a:effectRef>
-          <a:fontRef idx="minor">
-            <a:schemeClr val="tx1"/>
-          </a:fontRef>
-        </p:style>
-      </p:cxnSp>
-      <p:cxnSp>
-        <p:nvCxnSpPr>
-          <p:cNvPr id="43" name="直接箭头连接符 42"/>
-          <p:cNvCxnSpPr>
-            <a:stCxn id="9" idx="3"/>
-            <a:endCxn id="10" idx="1"/>
-          </p:cNvCxnSpPr>
-          <p:nvPr/>
-        </p:nvCxnSpPr>
-        <p:spPr>
-          <a:xfrm>
-            <a:off x="3314953" y="2793290"/>
-            <a:ext cx="544941" cy="0"/>
-          </a:xfrm>
-          <a:prstGeom prst="straightConnector1">
-            <a:avLst/>
-          </a:prstGeom>
-          <a:ln>
-            <a:tailEnd type="arrow"/>
-          </a:ln>
-        </p:spPr>
-        <p:style>
-          <a:lnRef idx="1">
-            <a:schemeClr val="accent1"/>
-          </a:lnRef>
-          <a:fillRef idx="0">
-            <a:schemeClr val="accent1"/>
-          </a:fillRef>
-          <a:effectRef idx="0">
-            <a:schemeClr val="accent1"/>
-          </a:effectRef>
-          <a:fontRef idx="minor">
-            <a:schemeClr val="tx1"/>
-          </a:fontRef>
-        </p:style>
-      </p:cxnSp>
-      <p:cxnSp>
-        <p:nvCxnSpPr>
-          <p:cNvPr id="45" name="直接箭头连接符 44"/>
-          <p:cNvCxnSpPr>
-            <a:stCxn id="10" idx="3"/>
-            <a:endCxn id="11" idx="1"/>
-          </p:cNvCxnSpPr>
-          <p:nvPr/>
-        </p:nvCxnSpPr>
-        <p:spPr>
-          <a:xfrm>
-            <a:off x="4793050" y="2793290"/>
-            <a:ext cx="548879" cy="0"/>
-          </a:xfrm>
-          <a:prstGeom prst="straightConnector1">
-            <a:avLst/>
-          </a:prstGeom>
-          <a:ln>
-            <a:tailEnd type="arrow"/>
-          </a:ln>
-        </p:spPr>
-        <p:style>
-          <a:lnRef idx="1">
-            <a:schemeClr val="accent1"/>
-          </a:lnRef>
-          <a:fillRef idx="0">
-            <a:schemeClr val="accent1"/>
-          </a:fillRef>
-          <a:effectRef idx="0">
-            <a:schemeClr val="accent1"/>
-          </a:effectRef>
-          <a:fontRef idx="minor">
-            <a:schemeClr val="tx1"/>
-          </a:fontRef>
-        </p:style>
-      </p:cxnSp>
-      <p:cxnSp>
-        <p:nvCxnSpPr>
-          <p:cNvPr id="47" name="肘形连接符 46"/>
-          <p:cNvCxnSpPr>
-            <a:stCxn id="11" idx="2"/>
-          </p:cNvCxnSpPr>
-          <p:nvPr/>
-        </p:nvCxnSpPr>
-        <p:spPr>
-          <a:xfrm rot="5400000">
-            <a:off x="4759782" y="2031087"/>
-            <a:ext cx="142507" cy="1954945"/>
-          </a:xfrm>
-          <a:prstGeom prst="bentConnector2">
-            <a:avLst/>
-          </a:prstGeom>
-          <a:ln>
-            <a:tailEnd type="arrow"/>
-          </a:ln>
-        </p:spPr>
-        <p:style>
-          <a:lnRef idx="1">
-            <a:schemeClr val="accent1"/>
-          </a:lnRef>
-          <a:fillRef idx="0">
-            <a:schemeClr val="accent1"/>
-          </a:fillRef>
-          <a:effectRef idx="0">
-            <a:schemeClr val="accent1"/>
-          </a:effectRef>
-          <a:fontRef idx="minor">
-            <a:schemeClr val="tx1"/>
-          </a:fontRef>
-        </p:style>
-      </p:cxnSp>
-      <p:cxnSp>
-        <p:nvCxnSpPr>
-          <p:cNvPr id="55" name="直接箭头连接符 54"/>
-          <p:cNvCxnSpPr/>
-          <p:nvPr/>
-        </p:nvCxnSpPr>
-        <p:spPr>
-          <a:xfrm>
-            <a:off x="4192004" y="3915806"/>
-            <a:ext cx="8587" cy="199034"/>
-          </a:xfrm>
-          <a:prstGeom prst="straightConnector1">
-            <a:avLst/>
-          </a:prstGeom>
-          <a:ln>
-            <a:tailEnd type="arrow"/>
-          </a:ln>
-        </p:spPr>
-        <p:style>
-          <a:lnRef idx="1">
-            <a:schemeClr val="accent1"/>
-          </a:lnRef>
-          <a:fillRef idx="0">
-            <a:schemeClr val="accent1"/>
-          </a:fillRef>
-          <a:effectRef idx="0">
-            <a:schemeClr val="accent1"/>
-          </a:effectRef>
-          <a:fontRef idx="minor">
-            <a:schemeClr val="tx1"/>
-          </a:fontRef>
-        </p:style>
-      </p:cxnSp>
-      <p:cxnSp>
-        <p:nvCxnSpPr>
-          <p:cNvPr id="57" name="直接箭头连接符 56"/>
-          <p:cNvCxnSpPr/>
-          <p:nvPr/>
-        </p:nvCxnSpPr>
-        <p:spPr>
-          <a:xfrm>
-            <a:off x="4211960" y="4474880"/>
-            <a:ext cx="0" cy="257110"/>
-          </a:xfrm>
-          <a:prstGeom prst="straightConnector1">
-            <a:avLst/>
-          </a:prstGeom>
-          <a:ln>
-            <a:tailEnd type="arrow"/>
-          </a:ln>
-        </p:spPr>
-        <p:style>
-          <a:lnRef idx="1">
-            <a:schemeClr val="accent1"/>
-          </a:lnRef>
-          <a:fillRef idx="0">
-            <a:schemeClr val="accent1"/>
-          </a:fillRef>
-          <a:effectRef idx="0">
-            <a:schemeClr val="accent1"/>
-          </a:effectRef>
-          <a:fontRef idx="minor">
-            <a:schemeClr val="tx1"/>
-          </a:fontRef>
-        </p:style>
-      </p:cxnSp>
-      <p:cxnSp>
-        <p:nvCxnSpPr>
-          <p:cNvPr id="59" name="直接箭头连接符 58"/>
-          <p:cNvCxnSpPr/>
-          <p:nvPr/>
-        </p:nvCxnSpPr>
-        <p:spPr>
-          <a:xfrm flipV="1">
-            <a:off x="4499992" y="4474880"/>
-            <a:ext cx="0" cy="227107"/>
-          </a:xfrm>
-          <a:prstGeom prst="straightConnector1">
-            <a:avLst/>
-          </a:prstGeom>
-          <a:ln>
-            <a:tailEnd type="arrow"/>
-          </a:ln>
-        </p:spPr>
-        <p:style>
-          <a:lnRef idx="1">
-            <a:schemeClr val="accent6"/>
-          </a:lnRef>
-          <a:fillRef idx="0">
-            <a:schemeClr val="accent6"/>
-          </a:fillRef>
-          <a:effectRef idx="0">
-            <a:schemeClr val="accent6"/>
-          </a:effectRef>
-          <a:fontRef idx="minor">
-            <a:schemeClr val="tx1"/>
-          </a:fontRef>
-        </p:style>
-      </p:cxnSp>
-      <p:cxnSp>
-        <p:nvCxnSpPr>
-          <p:cNvPr id="61" name="直接箭头连接符 60"/>
-          <p:cNvCxnSpPr/>
-          <p:nvPr/>
-        </p:nvCxnSpPr>
-        <p:spPr>
-          <a:xfrm flipV="1">
-            <a:off x="4499992" y="3915806"/>
-            <a:ext cx="0" cy="199034"/>
-          </a:xfrm>
-          <a:prstGeom prst="straightConnector1">
-            <a:avLst/>
-          </a:prstGeom>
-          <a:ln>
-            <a:tailEnd type="arrow"/>
-          </a:ln>
-        </p:spPr>
-        <p:style>
-          <a:lnRef idx="1">
-            <a:schemeClr val="accent6"/>
-          </a:lnRef>
-          <a:fillRef idx="0">
-            <a:schemeClr val="accent6"/>
-          </a:fillRef>
-          <a:effectRef idx="0">
-            <a:schemeClr val="accent6"/>
-          </a:effectRef>
-          <a:fontRef idx="minor">
-            <a:schemeClr val="tx1"/>
-          </a:fontRef>
-        </p:style>
-      </p:cxnSp>
-      <p:sp>
-        <p:nvSpPr>
-          <p:cNvPr id="62" name="矩形 61"/>
-          <p:cNvSpPr/>
-          <p:nvPr/>
-        </p:nvSpPr>
-        <p:spPr>
-          <a:xfrm>
-            <a:off x="2477281" y="3219822"/>
-            <a:ext cx="1348382" cy="276999"/>
-          </a:xfrm>
-          <a:prstGeom prst="rect">
-            <a:avLst/>
-          </a:prstGeom>
-        </p:spPr>
-        <p:txBody>
-          <a:bodyPr wrap="none">
-            <a:spAutoFit/>
-          </a:bodyPr>
-          <a:lstStyle/>
-          <a:p>
-            <a:r>
-              <a:rPr lang="en-US" altLang="zh-CN" sz="1200" dirty="0" err="1" smtClean="0"/>
-              <a:t>HandlerDispatcher</a:t>
-            </a:r>
-            <a:endParaRPr lang="zh-CN" altLang="en-US" sz="1200" dirty="0"/>
-          </a:p>
-        </p:txBody>
-      </p:sp>
-      <p:cxnSp>
-        <p:nvCxnSpPr>
-          <p:cNvPr id="64" name="直接箭头连接符 63"/>
-          <p:cNvCxnSpPr/>
-          <p:nvPr/>
-        </p:nvCxnSpPr>
-        <p:spPr>
-          <a:xfrm flipV="1">
-            <a:off x="4764549" y="3219823"/>
-            <a:ext cx="0" cy="318083"/>
-          </a:xfrm>
-          <a:prstGeom prst="straightConnector1">
-            <a:avLst/>
-          </a:prstGeom>
-          <a:ln>
-            <a:tailEnd type="arrow"/>
-          </a:ln>
-        </p:spPr>
-        <p:style>
-          <a:lnRef idx="1">
-            <a:schemeClr val="accent6"/>
-          </a:lnRef>
-          <a:fillRef idx="0">
-            <a:schemeClr val="accent6"/>
-          </a:fillRef>
-          <a:effectRef idx="0">
-            <a:schemeClr val="accent6"/>
-          </a:effectRef>
-          <a:fontRef idx="minor">
-            <a:schemeClr val="tx1"/>
-          </a:fontRef>
-        </p:style>
-      </p:cxnSp>
-      <p:cxnSp>
-        <p:nvCxnSpPr>
-          <p:cNvPr id="66" name="直接箭头连接符 65"/>
-          <p:cNvCxnSpPr/>
-          <p:nvPr/>
-        </p:nvCxnSpPr>
-        <p:spPr>
-          <a:xfrm flipV="1">
-            <a:off x="4764549" y="1995686"/>
-            <a:ext cx="0" cy="349768"/>
-          </a:xfrm>
-          <a:prstGeom prst="straightConnector1">
-            <a:avLst/>
-          </a:prstGeom>
-          <a:ln>
-            <a:tailEnd type="arrow"/>
-          </a:ln>
-        </p:spPr>
-        <p:style>
-          <a:lnRef idx="1">
-            <a:schemeClr val="accent6"/>
-          </a:lnRef>
-          <a:fillRef idx="0">
-            <a:schemeClr val="accent6"/>
-          </a:fillRef>
-          <a:effectRef idx="0">
-            <a:schemeClr val="accent6"/>
-          </a:effectRef>
-          <a:fontRef idx="minor">
-            <a:schemeClr val="tx1"/>
-          </a:fontRef>
-        </p:style>
-      </p:cxnSp>
-      <p:cxnSp>
-        <p:nvCxnSpPr>
-          <p:cNvPr id="70" name="肘形连接符 69"/>
-          <p:cNvCxnSpPr>
-            <a:endCxn id="4" idx="0"/>
-          </p:cNvCxnSpPr>
-          <p:nvPr/>
-        </p:nvCxnSpPr>
-        <p:spPr>
-          <a:xfrm rot="10800000" flipV="1">
-            <a:off x="2830359" y="1280668"/>
-            <a:ext cx="1035211" cy="145719"/>
-          </a:xfrm>
-          <a:prstGeom prst="bentConnector2">
-            <a:avLst/>
-          </a:prstGeom>
-          <a:ln>
-            <a:tailEnd type="arrow"/>
-          </a:ln>
-        </p:spPr>
-        <p:style>
-          <a:lnRef idx="1">
-            <a:schemeClr val="accent1"/>
-          </a:lnRef>
-          <a:fillRef idx="0">
-            <a:schemeClr val="accent1"/>
-          </a:fillRef>
-          <a:effectRef idx="0">
-            <a:schemeClr val="accent1"/>
-          </a:effectRef>
-          <a:fontRef idx="minor">
-            <a:schemeClr val="tx1"/>
-          </a:fontRef>
-        </p:style>
-      </p:cxnSp>
-      <p:cxnSp>
-        <p:nvCxnSpPr>
-          <p:cNvPr id="72" name="直接箭头连接符 71"/>
-          <p:cNvCxnSpPr>
-            <a:stCxn id="4" idx="3"/>
-            <a:endCxn id="7" idx="1"/>
-          </p:cNvCxnSpPr>
-          <p:nvPr/>
-        </p:nvCxnSpPr>
-        <p:spPr>
-          <a:xfrm>
-            <a:off x="3296936" y="1570404"/>
-            <a:ext cx="534457" cy="1680"/>
-          </a:xfrm>
-          <a:prstGeom prst="straightConnector1">
-            <a:avLst/>
-          </a:prstGeom>
-          <a:ln>
-            <a:tailEnd type="arrow"/>
-          </a:ln>
-        </p:spPr>
-        <p:style>
-          <a:lnRef idx="1">
-            <a:schemeClr val="accent1"/>
-          </a:lnRef>
-          <a:fillRef idx="0">
-            <a:schemeClr val="accent1"/>
-          </a:fillRef>
-          <a:effectRef idx="0">
-            <a:schemeClr val="accent1"/>
-          </a:effectRef>
-          <a:fontRef idx="minor">
-            <a:schemeClr val="tx1"/>
-          </a:fontRef>
-        </p:style>
-      </p:cxnSp>
-      <p:cxnSp>
-        <p:nvCxnSpPr>
-          <p:cNvPr id="74" name="直接箭头连接符 73"/>
-          <p:cNvCxnSpPr>
-            <a:stCxn id="7" idx="3"/>
-            <a:endCxn id="6" idx="1"/>
-          </p:cNvCxnSpPr>
-          <p:nvPr/>
-        </p:nvCxnSpPr>
-        <p:spPr>
-          <a:xfrm flipV="1">
-            <a:off x="4764549" y="1563638"/>
-            <a:ext cx="594417" cy="8446"/>
-          </a:xfrm>
-          <a:prstGeom prst="straightConnector1">
-            <a:avLst/>
-          </a:prstGeom>
-          <a:ln>
-            <a:tailEnd type="arrow"/>
-          </a:ln>
-        </p:spPr>
-        <p:style>
-          <a:lnRef idx="1">
-            <a:schemeClr val="accent1"/>
-          </a:lnRef>
-          <a:fillRef idx="0">
-            <a:schemeClr val="accent1"/>
-          </a:fillRef>
-          <a:effectRef idx="0">
-            <a:schemeClr val="accent1"/>
-          </a:effectRef>
-          <a:fontRef idx="minor">
-            <a:schemeClr val="tx1"/>
-          </a:fontRef>
-        </p:style>
-      </p:cxnSp>
-      <p:cxnSp>
-        <p:nvCxnSpPr>
-          <p:cNvPr id="78" name="肘形连接符 77"/>
-          <p:cNvCxnSpPr>
-            <a:stCxn id="6" idx="2"/>
-          </p:cNvCxnSpPr>
-          <p:nvPr/>
-        </p:nvCxnSpPr>
-        <p:spPr>
-          <a:xfrm rot="5400000">
-            <a:off x="4767545" y="793671"/>
-            <a:ext cx="144016" cy="1971983"/>
-          </a:xfrm>
-          <a:prstGeom prst="bentConnector2">
-            <a:avLst/>
-          </a:prstGeom>
-          <a:ln>
-            <a:tailEnd type="arrow"/>
-          </a:ln>
-        </p:spPr>
-        <p:style>
-          <a:lnRef idx="1">
-            <a:schemeClr val="accent1"/>
-          </a:lnRef>
-          <a:fillRef idx="0">
-            <a:schemeClr val="accent1"/>
-          </a:fillRef>
-          <a:effectRef idx="0">
-            <a:schemeClr val="accent1"/>
-          </a:effectRef>
-          <a:fontRef idx="minor">
-            <a:schemeClr val="tx1"/>
-          </a:fontRef>
-        </p:style>
-      </p:cxnSp>
-    </p:spTree>
-    <p:extLst>
-      <p:ext uri="{BB962C8B-B14F-4D97-AF65-F5344CB8AC3E}">
-        <p14:creationId xmlns:p14="http://schemas.microsoft.com/office/powerpoint/2010/main" val="3284729640"/>
-      </p:ext>
-    </p:extLst>
-  </p:cSld>
-  <p:clrMapOvr>
-    <a:masterClrMapping/>
-  </p:clrMapOvr>
-  <p:timing>
-    <p:tnLst>
-      <p:par>
-        <p:cTn id="1" dur="indefinite" restart="never" nodeType="tmRoot"/>
-      </p:par>
-    </p:tnLst>
-  </p:timing>
-</p:sld>
-</file>
-
-<file path=ppt/slides/slide5.xml><?xml version="1.0" encoding="utf-8"?>
-<p:sld xmlns:a="http://schemas.openxmlformats.org/drawingml/2006/main" xmlns:r="http://schemas.openxmlformats.org/officeDocument/2006/relationships" xmlns:p="http://schemas.openxmlformats.org/presentationml/2006/main">
-  <p:cSld>
-    <p:spTree>
-      <p:nvGrpSpPr>
-        <p:cNvPr id="1" name=""/>
-        <p:cNvGrpSpPr/>
-        <p:nvPr/>
-      </p:nvGrpSpPr>
-      <p:grpSpPr>
-        <a:xfrm>
-          <a:off x="0" y="0"/>
-          <a:ext cx="0" cy="0"/>
-          <a:chOff x="0" y="0"/>
-          <a:chExt cx="0" cy="0"/>
-        </a:xfrm>
-      </p:grpSpPr>
-      <p:sp>
-        <p:nvSpPr>
-          <p:cNvPr id="44" name="矩形 43"/>
-          <p:cNvSpPr/>
-          <p:nvPr/>
-        </p:nvSpPr>
-        <p:spPr>
-          <a:xfrm>
-            <a:off x="945210" y="1687439"/>
-            <a:ext cx="1836204" cy="3267742"/>
-          </a:xfrm>
-          <a:prstGeom prst="rect">
-            <a:avLst/>
-          </a:prstGeom>
-          <a:solidFill>
-            <a:srgbClr val="CAE8AA"/>
-          </a:solidFill>
-          <a:ln>
-            <a:noFill/>
-          </a:ln>
-        </p:spPr>
-        <p:style>
-          <a:lnRef idx="2">
-            <a:schemeClr val="accent1">
-              <a:shade val="50000"/>
-            </a:schemeClr>
-          </a:lnRef>
-          <a:fillRef idx="1">
-            <a:schemeClr val="accent1"/>
-          </a:fillRef>
-          <a:effectRef idx="0">
-            <a:schemeClr val="accent1"/>
-          </a:effectRef>
-          <a:fontRef idx="minor">
-            <a:schemeClr val="lt1"/>
-          </a:fontRef>
-        </p:style>
         <p:txBody>
           <a:bodyPr rtlCol="0" anchor="ctr"/>
           <a:lstStyle/>
@@ -7543,48 +8351,14 @@
       </p:sp>
       <p:sp>
         <p:nvSpPr>
-          <p:cNvPr id="2" name="TextBox 1"/>
-          <p:cNvSpPr txBox="1"/>
-          <p:nvPr/>
-        </p:nvSpPr>
-        <p:spPr>
-          <a:xfrm>
-            <a:off x="2597406" y="-11702"/>
-            <a:ext cx="2052228" cy="338554"/>
-          </a:xfrm>
-          <a:prstGeom prst="rect">
-            <a:avLst/>
-          </a:prstGeom>
-          <a:noFill/>
-        </p:spPr>
-        <p:txBody>
-          <a:bodyPr wrap="square" rtlCol="0">
-            <a:spAutoFit/>
-          </a:bodyPr>
-          <a:lstStyle/>
-          <a:p>
-            <a:r>
-              <a:rPr lang="en-US" altLang="zh-CN" sz="1600" dirty="0" smtClean="0"/>
-              <a:t>Java</a:t>
-            </a:r>
-            <a:r>
-              <a:rPr lang="zh-CN" altLang="en-US" sz="1600" dirty="0" smtClean="0"/>
-              <a:t>项目的启动过程</a:t>
-            </a:r>
-            <a:endParaRPr lang="zh-CN" altLang="en-US" sz="1600" dirty="0"/>
-          </a:p>
-        </p:txBody>
-      </p:sp>
-      <p:sp>
-        <p:nvSpPr>
-          <p:cNvPr id="4" name="矩形 3"/>
+          <p:cNvPr id="31" name="矩形 30"/>
           <p:cNvSpPr/>
           <p:nvPr/>
         </p:nvSpPr>
         <p:spPr>
           <a:xfrm>
-            <a:off x="1187624" y="339502"/>
-            <a:ext cx="1440160" cy="432048"/>
+            <a:off x="1007604" y="4269217"/>
+            <a:ext cx="1800200" cy="432048"/>
           </a:xfrm>
           <a:prstGeom prst="rect">
             <a:avLst/>
@@ -7611,1089 +8385,11 @@
           <a:p>
             <a:pPr algn="ctr"/>
             <a:r>
-              <a:rPr lang="zh-CN" altLang="en-US" sz="1200" dirty="0"/>
-              <a:t>启动</a:t>
-            </a:r>
-            <a:r>
-              <a:rPr lang="en-US" altLang="zh-CN" sz="1200" dirty="0"/>
-              <a:t>JVM</a:t>
-            </a:r>
-            <a:r>
-              <a:rPr lang="zh-CN" altLang="en-US" sz="1200" dirty="0"/>
-              <a:t>进程</a:t>
-            </a:r>
-          </a:p>
-        </p:txBody>
-      </p:sp>
-      <p:sp>
-        <p:nvSpPr>
-          <p:cNvPr id="5" name="TextBox 4"/>
-          <p:cNvSpPr txBox="1"/>
-          <p:nvPr/>
-        </p:nvSpPr>
-        <p:spPr>
-          <a:xfrm>
-            <a:off x="2843808" y="428568"/>
-            <a:ext cx="3168352" cy="253916"/>
-          </a:xfrm>
-          <a:prstGeom prst="rect">
-            <a:avLst/>
-          </a:prstGeom>
-          <a:noFill/>
-          <a:ln w="6350">
-            <a:solidFill>
-              <a:schemeClr val="tx1"/>
-            </a:solidFill>
-            <a:prstDash val="dash"/>
-          </a:ln>
-        </p:spPr>
-        <p:txBody>
-          <a:bodyPr wrap="square" rtlCol="0">
-            <a:spAutoFit/>
-          </a:bodyPr>
-          <a:lstStyle/>
-          <a:p>
-            <a:r>
-              <a:rPr lang="en-US" altLang="zh-CN" sz="1050" dirty="0">
-                <a:solidFill>
-                  <a:srgbClr val="006600"/>
-                </a:solidFill>
-              </a:rPr>
-              <a:t>Starting </a:t>
-            </a:r>
-            <a:r>
-              <a:rPr lang="en-US" altLang="zh-CN" sz="1050" dirty="0" err="1" smtClean="0">
-                <a:solidFill>
-                  <a:srgbClr val="006600"/>
-                </a:solidFill>
-              </a:rPr>
-              <a:t>xxxApplication</a:t>
-            </a:r>
-            <a:r>
-              <a:rPr lang="en-US" altLang="zh-CN" sz="1050" dirty="0" smtClean="0">
-                <a:solidFill>
-                  <a:srgbClr val="006600"/>
-                </a:solidFill>
-              </a:rPr>
-              <a:t> </a:t>
-            </a:r>
-            <a:r>
-              <a:rPr lang="en-US" altLang="zh-CN" sz="1050" dirty="0">
-                <a:solidFill>
-                  <a:srgbClr val="006600"/>
-                </a:solidFill>
-              </a:rPr>
-              <a:t>on </a:t>
-            </a:r>
-            <a:r>
-              <a:rPr lang="en-US" altLang="zh-CN" sz="1050" dirty="0" smtClean="0">
-                <a:solidFill>
-                  <a:srgbClr val="006600"/>
-                </a:solidFill>
-              </a:rPr>
-              <a:t>PC-xxx </a:t>
-            </a:r>
-            <a:r>
-              <a:rPr lang="en-US" altLang="zh-CN" sz="1050" dirty="0">
-                <a:solidFill>
-                  <a:srgbClr val="006600"/>
-                </a:solidFill>
-              </a:rPr>
-              <a:t>with PID 3256</a:t>
-            </a:r>
-            <a:endParaRPr lang="zh-CN" altLang="en-US" sz="1050" dirty="0">
-              <a:solidFill>
-                <a:srgbClr val="006600"/>
-              </a:solidFill>
-            </a:endParaRPr>
-          </a:p>
-        </p:txBody>
-      </p:sp>
-      <p:sp>
-        <p:nvSpPr>
-          <p:cNvPr id="8" name="矩形 7"/>
-          <p:cNvSpPr/>
-          <p:nvPr/>
-        </p:nvSpPr>
-        <p:spPr>
-          <a:xfrm>
-            <a:off x="1187624" y="1851670"/>
-            <a:ext cx="1440160" cy="432048"/>
-          </a:xfrm>
-          <a:prstGeom prst="rect">
-            <a:avLst/>
-          </a:prstGeom>
-          <a:ln w="19050"/>
-        </p:spPr>
-        <p:style>
-          <a:lnRef idx="2">
-            <a:schemeClr val="accent1"/>
-          </a:lnRef>
-          <a:fillRef idx="1">
-            <a:schemeClr val="lt1"/>
-          </a:fillRef>
-          <a:effectRef idx="0">
-            <a:schemeClr val="accent1"/>
-          </a:effectRef>
-          <a:fontRef idx="minor">
-            <a:schemeClr val="dk1"/>
-          </a:fontRef>
-        </p:style>
-        <p:txBody>
-          <a:bodyPr rtlCol="0" anchor="ctr"/>
-          <a:lstStyle/>
-          <a:p>
-            <a:pPr algn="ctr"/>
-            <a:r>
-              <a:rPr lang="zh-CN" altLang="en-US" sz="1200" dirty="0"/>
-              <a:t>启动</a:t>
-            </a:r>
-            <a:r>
-              <a:rPr lang="en-US" altLang="zh-CN" sz="1200" dirty="0" smtClean="0"/>
-              <a:t>web</a:t>
-            </a:r>
-            <a:r>
-              <a:rPr lang="zh-CN" altLang="en-US" sz="1200" dirty="0" smtClean="0"/>
-              <a:t>容器</a:t>
-            </a:r>
-            <a:endParaRPr lang="en-US" altLang="zh-CN" sz="1200" dirty="0" smtClean="0"/>
-          </a:p>
-          <a:p>
-            <a:pPr algn="ctr"/>
-            <a:r>
-              <a:rPr lang="en-US" altLang="zh-CN" sz="1200" dirty="0" smtClean="0"/>
-              <a:t>(tomcat</a:t>
-            </a:r>
-            <a:r>
-              <a:rPr lang="zh-CN" altLang="en-US" sz="1200" dirty="0" smtClean="0"/>
-              <a:t>服务</a:t>
-            </a:r>
-            <a:r>
-              <a:rPr lang="en-US" altLang="zh-CN" sz="1200" dirty="0" smtClean="0"/>
-              <a:t>)</a:t>
-            </a:r>
-            <a:endParaRPr lang="zh-CN" altLang="en-US" sz="1200" dirty="0"/>
-          </a:p>
-        </p:txBody>
-      </p:sp>
-      <p:sp>
-        <p:nvSpPr>
-          <p:cNvPr id="9" name="矩形 8"/>
-          <p:cNvSpPr/>
-          <p:nvPr/>
-        </p:nvSpPr>
-        <p:spPr>
-          <a:xfrm>
-            <a:off x="1187624" y="1091161"/>
-            <a:ext cx="1440160" cy="432048"/>
-          </a:xfrm>
-          <a:prstGeom prst="rect">
-            <a:avLst/>
-          </a:prstGeom>
-          <a:ln w="19050"/>
-        </p:spPr>
-        <p:style>
-          <a:lnRef idx="2">
-            <a:schemeClr val="accent1"/>
-          </a:lnRef>
-          <a:fillRef idx="1">
-            <a:schemeClr val="lt1"/>
-          </a:fillRef>
-          <a:effectRef idx="0">
-            <a:schemeClr val="accent1"/>
-          </a:effectRef>
-          <a:fontRef idx="minor">
-            <a:schemeClr val="dk1"/>
-          </a:fontRef>
-        </p:style>
-        <p:txBody>
-          <a:bodyPr rtlCol="0" anchor="ctr"/>
-          <a:lstStyle/>
-          <a:p>
-            <a:pPr algn="ctr"/>
-            <a:r>
-              <a:rPr lang="zh-CN" altLang="en-US" sz="1200" dirty="0" smtClean="0"/>
-              <a:t>生成</a:t>
-            </a:r>
-            <a:r>
-              <a:rPr lang="en-US" altLang="zh-CN" sz="1200" dirty="0" smtClean="0"/>
-              <a:t>spring </a:t>
-            </a:r>
-            <a:r>
-              <a:rPr lang="zh-CN" altLang="en-US" sz="1200" dirty="0" smtClean="0"/>
-              <a:t>上下文</a:t>
-            </a:r>
-            <a:endParaRPr lang="zh-CN" altLang="en-US" sz="1200" dirty="0"/>
-          </a:p>
-        </p:txBody>
-      </p:sp>
-      <p:sp>
-        <p:nvSpPr>
-          <p:cNvPr id="10" name="TextBox 9"/>
-          <p:cNvSpPr txBox="1"/>
-          <p:nvPr/>
-        </p:nvSpPr>
-        <p:spPr>
-          <a:xfrm>
-            <a:off x="2843808" y="1110441"/>
-            <a:ext cx="3187717" cy="415498"/>
-          </a:xfrm>
-          <a:prstGeom prst="rect">
-            <a:avLst/>
-          </a:prstGeom>
-          <a:noFill/>
-          <a:ln w="6350">
-            <a:solidFill>
-              <a:schemeClr val="tx1"/>
-            </a:solidFill>
-            <a:prstDash val="dash"/>
-          </a:ln>
-        </p:spPr>
-        <p:txBody>
-          <a:bodyPr wrap="square" rtlCol="0">
-            <a:spAutoFit/>
-          </a:bodyPr>
-          <a:lstStyle/>
-          <a:p>
-            <a:pPr latinLnBrk="1"/>
-            <a:r>
-              <a:rPr lang="en-US" altLang="zh-CN" sz="1050" dirty="0">
-                <a:solidFill>
-                  <a:srgbClr val="006600"/>
-                </a:solidFill>
-              </a:rPr>
-              <a:t>Refreshing org.springframework.boot.context.embedded.AnnotationConfigEmbeddedWebApplicationContext</a:t>
-            </a:r>
-            <a:endParaRPr lang="zh-CN" altLang="en-US" sz="1050" dirty="0">
-              <a:solidFill>
-                <a:srgbClr val="006600"/>
-              </a:solidFill>
-            </a:endParaRPr>
-          </a:p>
-        </p:txBody>
-      </p:sp>
-      <p:sp>
-        <p:nvSpPr>
-          <p:cNvPr id="11" name="TextBox 10"/>
-          <p:cNvSpPr txBox="1"/>
-          <p:nvPr/>
-        </p:nvSpPr>
-        <p:spPr>
-          <a:xfrm>
-            <a:off x="2843808" y="1779153"/>
-            <a:ext cx="3168352" cy="577081"/>
-          </a:xfrm>
-          <a:prstGeom prst="rect">
-            <a:avLst/>
-          </a:prstGeom>
-          <a:noFill/>
-          <a:ln w="6350">
-            <a:solidFill>
-              <a:schemeClr val="tx1"/>
-            </a:solidFill>
-            <a:prstDash val="dash"/>
-          </a:ln>
-        </p:spPr>
-        <p:txBody>
-          <a:bodyPr wrap="square" rtlCol="0">
-            <a:spAutoFit/>
-          </a:bodyPr>
-          <a:lstStyle/>
-          <a:p>
-            <a:pPr latinLnBrk="1"/>
-            <a:r>
-              <a:rPr lang="en-US" altLang="zh-CN" sz="1050" dirty="0">
-                <a:solidFill>
-                  <a:srgbClr val="006600"/>
-                </a:solidFill>
-              </a:rPr>
-              <a:t>Starting service </a:t>
-            </a:r>
-            <a:r>
-              <a:rPr lang="en-US" altLang="zh-CN" sz="1050" dirty="0" smtClean="0">
-                <a:solidFill>
-                  <a:srgbClr val="006600"/>
-                </a:solidFill>
-              </a:rPr>
-              <a:t>Tomcat</a:t>
-            </a:r>
-          </a:p>
-          <a:p>
-            <a:pPr latinLnBrk="1"/>
-            <a:r>
-              <a:rPr lang="en-US" altLang="zh-CN" sz="1050" dirty="0" smtClean="0">
-                <a:solidFill>
-                  <a:srgbClr val="006600"/>
-                </a:solidFill>
-              </a:rPr>
-              <a:t>Starting Servlet Engine: </a:t>
-            </a:r>
-            <a:r>
-              <a:rPr lang="en-US" altLang="zh-CN" sz="1050" dirty="0">
-                <a:solidFill>
-                  <a:srgbClr val="006600"/>
-                </a:solidFill>
-              </a:rPr>
-              <a:t>Apache </a:t>
-            </a:r>
-            <a:r>
-              <a:rPr lang="en-US" altLang="zh-CN" sz="1050" dirty="0" smtClean="0">
-                <a:solidFill>
-                  <a:srgbClr val="006600"/>
-                </a:solidFill>
-              </a:rPr>
-              <a:t>Tomcat/8.5.11</a:t>
-            </a:r>
-          </a:p>
-          <a:p>
-            <a:pPr latinLnBrk="1"/>
-            <a:r>
-              <a:rPr lang="en-US" altLang="zh-CN" sz="1050" dirty="0">
-                <a:solidFill>
-                  <a:srgbClr val="006600"/>
-                </a:solidFill>
-              </a:rPr>
-              <a:t>Initializing Spring embedded </a:t>
-            </a:r>
-            <a:r>
-              <a:rPr lang="en-US" altLang="zh-CN" sz="1050" dirty="0" err="1">
-                <a:solidFill>
-                  <a:srgbClr val="006600"/>
-                </a:solidFill>
-              </a:rPr>
-              <a:t>WebApplicationContext</a:t>
-            </a:r>
-            <a:endParaRPr lang="zh-CN" altLang="en-US" sz="1050" dirty="0">
-              <a:solidFill>
-                <a:srgbClr val="006600"/>
-              </a:solidFill>
-            </a:endParaRPr>
-          </a:p>
-        </p:txBody>
-      </p:sp>
-      <p:sp>
-        <p:nvSpPr>
-          <p:cNvPr id="12" name="矩形 11"/>
-          <p:cNvSpPr/>
-          <p:nvPr/>
-        </p:nvSpPr>
-        <p:spPr>
-          <a:xfrm>
-            <a:off x="1187624" y="2819823"/>
-            <a:ext cx="1440160" cy="1008112"/>
-          </a:xfrm>
-          <a:prstGeom prst="rect">
-            <a:avLst/>
-          </a:prstGeom>
-          <a:ln w="19050"/>
-        </p:spPr>
-        <p:style>
-          <a:lnRef idx="2">
-            <a:schemeClr val="accent1"/>
-          </a:lnRef>
-          <a:fillRef idx="1">
-            <a:schemeClr val="lt1"/>
-          </a:fillRef>
-          <a:effectRef idx="0">
-            <a:schemeClr val="accent1"/>
-          </a:effectRef>
-          <a:fontRef idx="minor">
-            <a:schemeClr val="dk1"/>
-          </a:fontRef>
-        </p:style>
-        <p:txBody>
-          <a:bodyPr rtlCol="0" anchor="ctr"/>
-          <a:lstStyle/>
-          <a:p>
-            <a:pPr algn="ctr"/>
-            <a:r>
-              <a:rPr lang="zh-CN" altLang="en-US" sz="1200" dirty="0" smtClean="0"/>
-              <a:t>加载</a:t>
-            </a:r>
-            <a:r>
-              <a:rPr lang="en-US" altLang="zh-CN" sz="1200" dirty="0" smtClean="0"/>
-              <a:t>web.xml</a:t>
-            </a:r>
-          </a:p>
-          <a:p>
-            <a:pPr algn="ctr"/>
-            <a:r>
-              <a:rPr lang="zh-CN" altLang="en-US" sz="1200" dirty="0"/>
-              <a:t>解析标签、按顺序</a:t>
-            </a:r>
-            <a:r>
-              <a:rPr lang="zh-CN" altLang="en-US" sz="1200" dirty="0" smtClean="0"/>
-              <a:t>实例化</a:t>
-            </a:r>
-            <a:endParaRPr lang="zh-CN" altLang="en-US" sz="1200" dirty="0"/>
-          </a:p>
-        </p:txBody>
-      </p:sp>
-      <p:sp>
-        <p:nvSpPr>
-          <p:cNvPr id="14" name="矩形 13"/>
-          <p:cNvSpPr/>
-          <p:nvPr/>
-        </p:nvSpPr>
-        <p:spPr>
-          <a:xfrm>
-            <a:off x="4099814" y="4269217"/>
-            <a:ext cx="1440160" cy="432048"/>
-          </a:xfrm>
-          <a:prstGeom prst="rect">
-            <a:avLst/>
-          </a:prstGeom>
-          <a:ln w="19050"/>
-        </p:spPr>
-        <p:style>
-          <a:lnRef idx="2">
-            <a:schemeClr val="accent1"/>
-          </a:lnRef>
-          <a:fillRef idx="1">
-            <a:schemeClr val="lt1"/>
-          </a:fillRef>
-          <a:effectRef idx="0">
-            <a:schemeClr val="accent1"/>
-          </a:effectRef>
-          <a:fontRef idx="minor">
-            <a:schemeClr val="dk1"/>
-          </a:fontRef>
-        </p:style>
-        <p:txBody>
-          <a:bodyPr rtlCol="0" anchor="ctr"/>
-          <a:lstStyle/>
-          <a:p>
-            <a:pPr algn="ctr"/>
-            <a:r>
-              <a:rPr lang="en-US" altLang="zh-CN" sz="1200" dirty="0" smtClean="0"/>
-              <a:t>tomcat</a:t>
-            </a:r>
-            <a:r>
-              <a:rPr lang="zh-CN" altLang="en-US" sz="1200" dirty="0" smtClean="0"/>
-              <a:t>启动</a:t>
-            </a:r>
-            <a:endParaRPr lang="zh-CN" altLang="en-US" sz="1200" dirty="0"/>
-          </a:p>
-        </p:txBody>
-      </p:sp>
-      <p:sp>
-        <p:nvSpPr>
-          <p:cNvPr id="16" name="TextBox 15"/>
-          <p:cNvSpPr txBox="1"/>
-          <p:nvPr/>
-        </p:nvSpPr>
-        <p:spPr>
-          <a:xfrm>
-            <a:off x="5724128" y="4358283"/>
-            <a:ext cx="3168352" cy="253916"/>
-          </a:xfrm>
-          <a:prstGeom prst="rect">
-            <a:avLst/>
-          </a:prstGeom>
-          <a:noFill/>
-          <a:ln w="6350">
-            <a:solidFill>
-              <a:schemeClr val="tx1"/>
-            </a:solidFill>
-            <a:prstDash val="dash"/>
-          </a:ln>
-        </p:spPr>
-        <p:txBody>
-          <a:bodyPr wrap="square" rtlCol="0">
-            <a:spAutoFit/>
-          </a:bodyPr>
-          <a:lstStyle/>
-          <a:p>
-            <a:pPr latinLnBrk="1"/>
-            <a:r>
-              <a:rPr lang="en-US" altLang="zh-CN" sz="1050" dirty="0">
-                <a:solidFill>
-                  <a:srgbClr val="006600"/>
-                </a:solidFill>
-              </a:rPr>
-              <a:t>Tomcat started on port(s): 8080 (http)</a:t>
-            </a:r>
-            <a:endParaRPr lang="zh-CN" altLang="en-US" sz="1050" dirty="0">
-              <a:solidFill>
-                <a:srgbClr val="006600"/>
-              </a:solidFill>
-            </a:endParaRPr>
-          </a:p>
-        </p:txBody>
-      </p:sp>
-      <p:sp>
-        <p:nvSpPr>
-          <p:cNvPr id="18" name="TextBox 17"/>
-          <p:cNvSpPr txBox="1"/>
-          <p:nvPr/>
-        </p:nvSpPr>
-        <p:spPr>
-          <a:xfrm>
-            <a:off x="2843808" y="3223870"/>
-            <a:ext cx="1563120" cy="253916"/>
-          </a:xfrm>
-          <a:prstGeom prst="rect">
-            <a:avLst/>
-          </a:prstGeom>
-          <a:noFill/>
-          <a:ln w="6350">
-            <a:solidFill>
-              <a:schemeClr val="accent1"/>
-            </a:solidFill>
-            <a:prstDash val="solid"/>
-          </a:ln>
-        </p:spPr>
-        <p:txBody>
-          <a:bodyPr wrap="square" rtlCol="0">
-            <a:spAutoFit/>
-          </a:bodyPr>
-          <a:lstStyle/>
-          <a:p>
-            <a:pPr latinLnBrk="1"/>
-            <a:r>
-              <a:rPr lang="en-US" altLang="zh-CN" sz="1050" dirty="0" err="1"/>
-              <a:t>ContextLoaderListener</a:t>
-            </a:r>
-            <a:endParaRPr lang="zh-CN" altLang="en-US" sz="1050" dirty="0"/>
-          </a:p>
-        </p:txBody>
-      </p:sp>
-      <p:sp>
-        <p:nvSpPr>
-          <p:cNvPr id="19" name="TextBox 18"/>
-          <p:cNvSpPr txBox="1"/>
-          <p:nvPr/>
-        </p:nvSpPr>
-        <p:spPr>
-          <a:xfrm>
-            <a:off x="2843808" y="2906339"/>
-            <a:ext cx="1563120" cy="253916"/>
-          </a:xfrm>
-          <a:prstGeom prst="rect">
-            <a:avLst/>
-          </a:prstGeom>
-          <a:noFill/>
-          <a:ln w="6350">
-            <a:solidFill>
-              <a:schemeClr val="accent1"/>
-            </a:solidFill>
-            <a:prstDash val="solid"/>
-          </a:ln>
-        </p:spPr>
-        <p:txBody>
-          <a:bodyPr wrap="square" rtlCol="0">
-            <a:spAutoFit/>
-          </a:bodyPr>
-          <a:lstStyle/>
-          <a:p>
-            <a:pPr latinLnBrk="1"/>
-            <a:r>
-              <a:rPr lang="en-US" altLang="zh-CN" sz="1050" dirty="0" err="1"/>
-              <a:t>WebAppRootListener</a:t>
-            </a:r>
-            <a:endParaRPr lang="zh-CN" altLang="en-US" sz="1050" dirty="0"/>
-          </a:p>
-        </p:txBody>
-      </p:sp>
-      <p:sp>
-        <p:nvSpPr>
-          <p:cNvPr id="20" name="TextBox 19"/>
-          <p:cNvSpPr txBox="1"/>
-          <p:nvPr/>
-        </p:nvSpPr>
-        <p:spPr>
-          <a:xfrm>
-            <a:off x="2843808" y="2588808"/>
-            <a:ext cx="1563120" cy="253916"/>
-          </a:xfrm>
-          <a:prstGeom prst="rect">
-            <a:avLst/>
-          </a:prstGeom>
-          <a:noFill/>
-          <a:ln w="6350">
-            <a:solidFill>
-              <a:schemeClr val="accent1"/>
-            </a:solidFill>
-            <a:prstDash val="solid"/>
-          </a:ln>
-        </p:spPr>
-        <p:txBody>
-          <a:bodyPr wrap="square" rtlCol="0">
-            <a:spAutoFit/>
-          </a:bodyPr>
-          <a:lstStyle/>
-          <a:p>
-            <a:pPr latinLnBrk="1"/>
-            <a:r>
-              <a:rPr lang="en-US" altLang="zh-CN" sz="1050" dirty="0" err="1"/>
-              <a:t>CharacterEncodingFilter</a:t>
-            </a:r>
-            <a:endParaRPr lang="zh-CN" altLang="en-US" sz="1050" dirty="0"/>
-          </a:p>
-        </p:txBody>
-      </p:sp>
-      <p:sp>
-        <p:nvSpPr>
-          <p:cNvPr id="21" name="TextBox 20"/>
-          <p:cNvSpPr txBox="1"/>
-          <p:nvPr/>
-        </p:nvSpPr>
-        <p:spPr>
-          <a:xfrm>
-            <a:off x="2843808" y="3541401"/>
-            <a:ext cx="1563120" cy="253916"/>
-          </a:xfrm>
-          <a:prstGeom prst="rect">
-            <a:avLst/>
-          </a:prstGeom>
-          <a:noFill/>
-          <a:ln w="6350">
-            <a:solidFill>
-              <a:schemeClr val="accent1"/>
-            </a:solidFill>
-            <a:prstDash val="solid"/>
-          </a:ln>
-        </p:spPr>
-        <p:txBody>
-          <a:bodyPr wrap="square" rtlCol="0">
-            <a:spAutoFit/>
-          </a:bodyPr>
-          <a:lstStyle/>
-          <a:p>
-            <a:pPr latinLnBrk="1"/>
-            <a:r>
-              <a:rPr lang="en-US" altLang="zh-CN" sz="1050" dirty="0" smtClean="0"/>
-              <a:t>DispatcherServlet</a:t>
-            </a:r>
-            <a:endParaRPr lang="zh-CN" altLang="en-US" sz="1050" dirty="0"/>
-          </a:p>
-        </p:txBody>
-      </p:sp>
-      <p:sp>
-        <p:nvSpPr>
-          <p:cNvPr id="7" name="矩形 6"/>
-          <p:cNvSpPr/>
-          <p:nvPr/>
-        </p:nvSpPr>
-        <p:spPr>
-          <a:xfrm>
-            <a:off x="4446873" y="2886204"/>
-            <a:ext cx="1031051" cy="261610"/>
-          </a:xfrm>
-          <a:prstGeom prst="rect">
-            <a:avLst/>
-          </a:prstGeom>
-        </p:spPr>
-        <p:txBody>
-          <a:bodyPr wrap="none">
-            <a:spAutoFit/>
-          </a:bodyPr>
-          <a:lstStyle/>
-          <a:p>
-            <a:r>
-              <a:rPr lang="zh-CN" altLang="en-US" sz="1050" dirty="0" smtClean="0">
-                <a:solidFill>
-                  <a:srgbClr val="0070C0"/>
-                </a:solidFill>
-              </a:rPr>
-              <a:t>获得物理路径</a:t>
-            </a:r>
-            <a:endParaRPr lang="zh-CN" altLang="en-US" sz="1050" dirty="0">
-              <a:solidFill>
-                <a:srgbClr val="0070C0"/>
-              </a:solidFill>
-            </a:endParaRPr>
-          </a:p>
-        </p:txBody>
-      </p:sp>
-      <p:sp>
-        <p:nvSpPr>
-          <p:cNvPr id="23" name="矩形 22"/>
-          <p:cNvSpPr/>
-          <p:nvPr/>
-        </p:nvSpPr>
-        <p:spPr>
-          <a:xfrm>
-            <a:off x="4427984" y="2596632"/>
-            <a:ext cx="857927" cy="253916"/>
-          </a:xfrm>
-          <a:prstGeom prst="rect">
-            <a:avLst/>
-          </a:prstGeom>
-        </p:spPr>
-        <p:txBody>
-          <a:bodyPr wrap="none">
-            <a:spAutoFit/>
-          </a:bodyPr>
-          <a:lstStyle/>
-          <a:p>
-            <a:r>
-              <a:rPr lang="zh-CN" altLang="en-US" sz="1050" dirty="0" smtClean="0">
-                <a:solidFill>
-                  <a:srgbClr val="0070C0"/>
-                </a:solidFill>
-              </a:rPr>
-              <a:t>编码过滤器</a:t>
-            </a:r>
-            <a:endParaRPr lang="zh-CN" altLang="en-US" sz="1050" dirty="0">
-              <a:solidFill>
-                <a:srgbClr val="0070C0"/>
-              </a:solidFill>
-            </a:endParaRPr>
-          </a:p>
-        </p:txBody>
-      </p:sp>
-      <p:sp>
-        <p:nvSpPr>
-          <p:cNvPr id="24" name="矩形 23"/>
-          <p:cNvSpPr/>
-          <p:nvPr/>
-        </p:nvSpPr>
-        <p:spPr>
-          <a:xfrm>
-            <a:off x="4439768" y="3147814"/>
-            <a:ext cx="1684305" cy="415498"/>
-          </a:xfrm>
-          <a:prstGeom prst="rect">
-            <a:avLst/>
-          </a:prstGeom>
-        </p:spPr>
-        <p:txBody>
-          <a:bodyPr wrap="square">
-            <a:spAutoFit/>
-          </a:bodyPr>
-          <a:lstStyle/>
-          <a:p>
-            <a:r>
-              <a:rPr lang="zh-CN" altLang="en-US" sz="1050" dirty="0">
-                <a:solidFill>
-                  <a:srgbClr val="0070C0"/>
-                </a:solidFill>
-              </a:rPr>
-              <a:t>启动</a:t>
-            </a:r>
-            <a:r>
-              <a:rPr lang="en-US" altLang="zh-CN" sz="1050" dirty="0">
-                <a:solidFill>
-                  <a:srgbClr val="0070C0"/>
-                </a:solidFill>
-              </a:rPr>
-              <a:t>Spring</a:t>
-            </a:r>
-            <a:r>
-              <a:rPr lang="zh-CN" altLang="en-US" sz="1050" dirty="0" smtClean="0">
-                <a:solidFill>
-                  <a:srgbClr val="0070C0"/>
-                </a:solidFill>
-              </a:rPr>
-              <a:t>容器，实现</a:t>
-            </a:r>
-            <a:r>
-              <a:rPr lang="zh-CN" altLang="en-US" sz="1050" dirty="0">
-                <a:solidFill>
-                  <a:srgbClr val="0070C0"/>
-                </a:solidFill>
-              </a:rPr>
-              <a:t>了</a:t>
-            </a:r>
-            <a:r>
-              <a:rPr lang="en-US" altLang="zh-CN" sz="1050" dirty="0" err="1" smtClean="0">
-                <a:solidFill>
-                  <a:srgbClr val="0070C0"/>
-                </a:solidFill>
-              </a:rPr>
-              <a:t>ServletContextListener</a:t>
-            </a:r>
-            <a:r>
-              <a:rPr lang="zh-CN" altLang="en-US" sz="1050" dirty="0" smtClean="0">
-                <a:solidFill>
-                  <a:srgbClr val="0070C0"/>
-                </a:solidFill>
-              </a:rPr>
-              <a:t>接口</a:t>
-            </a:r>
-            <a:endParaRPr lang="zh-CN" altLang="en-US" sz="1050" dirty="0">
-              <a:solidFill>
-                <a:srgbClr val="0070C0"/>
-              </a:solidFill>
-            </a:endParaRPr>
-          </a:p>
-        </p:txBody>
-      </p:sp>
-      <p:sp>
-        <p:nvSpPr>
-          <p:cNvPr id="25" name="矩形 24"/>
-          <p:cNvSpPr/>
-          <p:nvPr/>
-        </p:nvSpPr>
-        <p:spPr>
-          <a:xfrm>
-            <a:off x="4432663" y="3579862"/>
-            <a:ext cx="1422184" cy="253916"/>
-          </a:xfrm>
-          <a:prstGeom prst="rect">
-            <a:avLst/>
-          </a:prstGeom>
-        </p:spPr>
-        <p:txBody>
-          <a:bodyPr wrap="none">
-            <a:spAutoFit/>
-          </a:bodyPr>
-          <a:lstStyle/>
-          <a:p>
-            <a:r>
-              <a:rPr lang="zh-CN" altLang="en-US" sz="1050" dirty="0" smtClean="0">
-                <a:solidFill>
-                  <a:srgbClr val="0070C0"/>
-                </a:solidFill>
-              </a:rPr>
-              <a:t>配置</a:t>
-            </a:r>
-            <a:r>
-              <a:rPr lang="en-US" altLang="zh-CN" sz="1050" dirty="0">
-                <a:solidFill>
-                  <a:srgbClr val="0070C0"/>
-                </a:solidFill>
-              </a:rPr>
-              <a:t>DispatcherServlet</a:t>
-            </a:r>
-            <a:endParaRPr lang="zh-CN" altLang="en-US" sz="1050" dirty="0">
-              <a:solidFill>
-                <a:srgbClr val="0070C0"/>
-              </a:solidFill>
-            </a:endParaRPr>
-          </a:p>
-        </p:txBody>
-      </p:sp>
-      <p:sp>
-        <p:nvSpPr>
-          <p:cNvPr id="22" name="矩形 21"/>
-          <p:cNvSpPr/>
-          <p:nvPr/>
-        </p:nvSpPr>
-        <p:spPr>
-          <a:xfrm>
-            <a:off x="5868144" y="3549919"/>
-            <a:ext cx="1253371" cy="415498"/>
-          </a:xfrm>
-          <a:prstGeom prst="rect">
-            <a:avLst/>
-          </a:prstGeom>
-          <a:ln>
-            <a:solidFill>
-              <a:schemeClr val="tx1"/>
-            </a:solidFill>
-            <a:prstDash val="dash"/>
-          </a:ln>
-        </p:spPr>
-        <p:txBody>
-          <a:bodyPr wrap="square">
-            <a:spAutoFit/>
-          </a:bodyPr>
-          <a:lstStyle/>
-          <a:p>
-            <a:r>
-              <a:rPr lang="en-US" altLang="zh-CN" sz="1050" dirty="0" err="1" smtClean="0">
-                <a:solidFill>
-                  <a:srgbClr val="006600"/>
-                </a:solidFill>
-              </a:rPr>
-              <a:t>ServletRegistrationBean</a:t>
-            </a:r>
-            <a:r>
-              <a:rPr lang="zh-CN" altLang="en-US" sz="1050" dirty="0" smtClean="0">
-                <a:solidFill>
-                  <a:srgbClr val="006600"/>
-                </a:solidFill>
-              </a:rPr>
-              <a:t>注入</a:t>
-            </a:r>
-            <a:r>
-              <a:rPr lang="en-US" altLang="zh-CN" sz="1050" dirty="0" smtClean="0">
-                <a:solidFill>
-                  <a:srgbClr val="006600"/>
-                </a:solidFill>
-              </a:rPr>
-              <a:t>servlet</a:t>
-            </a:r>
-            <a:endParaRPr lang="zh-CN" altLang="en-US" sz="1050" dirty="0">
-              <a:solidFill>
-                <a:srgbClr val="006600"/>
-              </a:solidFill>
-            </a:endParaRPr>
-          </a:p>
-        </p:txBody>
-      </p:sp>
-      <p:sp>
-        <p:nvSpPr>
-          <p:cNvPr id="28" name="矩形 27"/>
-          <p:cNvSpPr/>
-          <p:nvPr/>
-        </p:nvSpPr>
-        <p:spPr>
-          <a:xfrm>
-            <a:off x="5355442" y="2596632"/>
-            <a:ext cx="1457450" cy="261610"/>
-          </a:xfrm>
-          <a:prstGeom prst="rect">
-            <a:avLst/>
-          </a:prstGeom>
-          <a:ln>
-            <a:solidFill>
-              <a:schemeClr val="tx1"/>
-            </a:solidFill>
-            <a:prstDash val="dash"/>
-          </a:ln>
-        </p:spPr>
-        <p:txBody>
-          <a:bodyPr wrap="none">
-            <a:spAutoFit/>
-          </a:bodyPr>
-          <a:lstStyle/>
-          <a:p>
-            <a:r>
-              <a:rPr lang="en-US" altLang="zh-CN" sz="1050" dirty="0" err="1">
-                <a:solidFill>
-                  <a:srgbClr val="006600"/>
-                </a:solidFill>
-              </a:rPr>
-              <a:t>FilterRegistrationBean</a:t>
-            </a:r>
-            <a:endParaRPr lang="zh-CN" altLang="en-US" sz="1050" dirty="0">
-              <a:solidFill>
-                <a:srgbClr val="006600"/>
-              </a:solidFill>
-            </a:endParaRPr>
-          </a:p>
-        </p:txBody>
-      </p:sp>
-      <p:sp>
-        <p:nvSpPr>
-          <p:cNvPr id="29" name="TextBox 28"/>
-          <p:cNvSpPr txBox="1"/>
-          <p:nvPr/>
-        </p:nvSpPr>
-        <p:spPr>
-          <a:xfrm>
-            <a:off x="2843808" y="3858933"/>
-            <a:ext cx="1563120" cy="253916"/>
-          </a:xfrm>
-          <a:prstGeom prst="rect">
-            <a:avLst/>
-          </a:prstGeom>
-          <a:noFill/>
-          <a:ln w="6350">
-            <a:solidFill>
-              <a:schemeClr val="accent1"/>
-            </a:solidFill>
-            <a:prstDash val="solid"/>
-          </a:ln>
-        </p:spPr>
-        <p:txBody>
-          <a:bodyPr wrap="square" rtlCol="0">
-            <a:spAutoFit/>
-          </a:bodyPr>
-          <a:lstStyle/>
-          <a:p>
-            <a:pPr latinLnBrk="1"/>
-            <a:r>
-              <a:rPr lang="en-US" altLang="zh-CN" sz="1050" dirty="0" smtClean="0"/>
-              <a:t>Spring</a:t>
-            </a:r>
-            <a:r>
-              <a:rPr lang="zh-CN" altLang="en-US" sz="1050" dirty="0" smtClean="0"/>
-              <a:t>嵌入的</a:t>
-            </a:r>
-            <a:r>
-              <a:rPr lang="en-US" altLang="zh-CN" sz="1050" dirty="0" smtClean="0"/>
-              <a:t>Hibernate</a:t>
-            </a:r>
-            <a:endParaRPr lang="zh-CN" altLang="en-US" sz="1050" dirty="0"/>
-          </a:p>
-        </p:txBody>
-      </p:sp>
-      <p:sp>
-        <p:nvSpPr>
-          <p:cNvPr id="26" name="左大括号 25"/>
-          <p:cNvSpPr/>
-          <p:nvPr/>
-        </p:nvSpPr>
-        <p:spPr>
-          <a:xfrm>
-            <a:off x="2640509" y="2594744"/>
-            <a:ext cx="144016" cy="1512168"/>
-          </a:xfrm>
-          <a:prstGeom prst="leftBrace">
-            <a:avLst>
-              <a:gd name="adj1" fmla="val 89904"/>
-              <a:gd name="adj2" fmla="val 50000"/>
-            </a:avLst>
-          </a:prstGeom>
-        </p:spPr>
-        <p:style>
-          <a:lnRef idx="1">
-            <a:schemeClr val="accent1"/>
-          </a:lnRef>
-          <a:fillRef idx="0">
-            <a:schemeClr val="accent1"/>
-          </a:fillRef>
-          <a:effectRef idx="0">
-            <a:schemeClr val="accent1"/>
-          </a:effectRef>
-          <a:fontRef idx="minor">
-            <a:schemeClr val="tx1"/>
-          </a:fontRef>
-        </p:style>
-        <p:txBody>
-          <a:bodyPr rtlCol="0" anchor="ctr"/>
-          <a:lstStyle/>
-          <a:p>
-            <a:pPr algn="ctr"/>
-            <a:endParaRPr lang="zh-CN" altLang="en-US"/>
-          </a:p>
-        </p:txBody>
-      </p:sp>
-      <p:sp>
-        <p:nvSpPr>
-          <p:cNvPr id="31" name="矩形 30"/>
-          <p:cNvSpPr/>
-          <p:nvPr/>
-        </p:nvSpPr>
-        <p:spPr>
-          <a:xfrm>
-            <a:off x="1007604" y="4269217"/>
-            <a:ext cx="1800200" cy="432048"/>
-          </a:xfrm>
-          <a:prstGeom prst="rect">
-            <a:avLst/>
-          </a:prstGeom>
-          <a:ln w="19050"/>
-        </p:spPr>
-        <p:style>
-          <a:lnRef idx="2">
-            <a:schemeClr val="accent1"/>
-          </a:lnRef>
-          <a:fillRef idx="1">
-            <a:schemeClr val="lt1"/>
-          </a:fillRef>
-          <a:effectRef idx="0">
-            <a:schemeClr val="accent1"/>
-          </a:effectRef>
-          <a:fontRef idx="minor">
-            <a:schemeClr val="dk1"/>
-          </a:fontRef>
-        </p:style>
-        <p:txBody>
-          <a:bodyPr rtlCol="0" anchor="ctr"/>
-          <a:lstStyle/>
-          <a:p>
-            <a:pPr algn="ctr"/>
-            <a:r>
               <a:rPr lang="zh-CN" altLang="en-US" sz="1200" dirty="0" smtClean="0"/>
               <a:t>解析</a:t>
             </a:r>
             <a:r>
-              <a:rPr lang="en-US" altLang="zh-CN" sz="1200" dirty="0" err="1" smtClean="0"/>
+              <a:rPr lang="en-US" altLang="zh-CN" sz="1200" dirty="0" smtClean="0"/>
               <a:t>application.properties</a:t>
             </a:r>
             <a:endParaRPr lang="zh-CN" altLang="en-US" sz="1200" dirty="0"/>
@@ -8934,7 +8630,7 @@
         <p:spPr>
           <a:xfrm>
             <a:off x="683568" y="1687439"/>
-            <a:ext cx="261642" cy="3267742"/>
+            <a:ext cx="261642" cy="2298452"/>
           </a:xfrm>
           <a:prstGeom prst="leftBrace">
             <a:avLst>
@@ -8974,7 +8670,7 @@
         </p:nvSpPr>
         <p:spPr>
           <a:xfrm rot="16200000">
-            <a:off x="-390726" y="3147156"/>
+            <a:off x="-390726" y="2614989"/>
             <a:ext cx="1736373" cy="369332"/>
           </a:xfrm>
           <a:prstGeom prst="rect">
@@ -9011,92 +8707,6 @@
     <p:extLst>
       <p:ext uri="{BB962C8B-B14F-4D97-AF65-F5344CB8AC3E}">
         <p14:creationId xmlns:p14="http://schemas.microsoft.com/office/powerpoint/2010/main" val="974930627"/>
-      </p:ext>
-    </p:extLst>
-  </p:cSld>
-  <p:clrMapOvr>
-    <a:masterClrMapping/>
-  </p:clrMapOvr>
-  <p:timing>
-    <p:tnLst>
-      <p:par>
-        <p:cTn id="1" dur="indefinite" restart="never" nodeType="tmRoot"/>
-      </p:par>
-    </p:tnLst>
-  </p:timing>
-</p:sld>
-</file>
-
-<file path=ppt/slides/slide6.xml><?xml version="1.0" encoding="utf-8"?>
-<p:sld xmlns:a="http://schemas.openxmlformats.org/drawingml/2006/main" xmlns:r="http://schemas.openxmlformats.org/officeDocument/2006/relationships" xmlns:p="http://schemas.openxmlformats.org/presentationml/2006/main">
-  <p:cSld>
-    <p:spTree>
-      <p:nvGrpSpPr>
-        <p:cNvPr id="1" name=""/>
-        <p:cNvGrpSpPr/>
-        <p:nvPr/>
-      </p:nvGrpSpPr>
-      <p:grpSpPr>
-        <a:xfrm>
-          <a:off x="0" y="0"/>
-          <a:ext cx="0" cy="0"/>
-          <a:chOff x="0" y="0"/>
-          <a:chExt cx="0" cy="0"/>
-        </a:xfrm>
-      </p:grpSpPr>
-      <p:sp>
-        <p:nvSpPr>
-          <p:cNvPr id="2" name="TextBox 1"/>
-          <p:cNvSpPr txBox="1"/>
-          <p:nvPr/>
-        </p:nvSpPr>
-        <p:spPr>
-          <a:xfrm>
-            <a:off x="251520" y="141481"/>
-            <a:ext cx="2232248" cy="646331"/>
-          </a:xfrm>
-          <a:prstGeom prst="rect">
-            <a:avLst/>
-          </a:prstGeom>
-          <a:noFill/>
-        </p:spPr>
-        <p:txBody>
-          <a:bodyPr wrap="square" rtlCol="0">
-            <a:spAutoFit/>
-          </a:bodyPr>
-          <a:lstStyle/>
-          <a:p>
-            <a:r>
-              <a:rPr lang="en-US" altLang="zh-CN" dirty="0" smtClean="0"/>
-              <a:t>web.xml</a:t>
-            </a:r>
-            <a:r>
-              <a:rPr lang="zh-CN" altLang="en-US" dirty="0" smtClean="0"/>
-              <a:t>载入</a:t>
-            </a:r>
-            <a:r>
-              <a:rPr lang="zh-CN" altLang="en-US" dirty="0" smtClean="0"/>
-              <a:t>过程</a:t>
-            </a:r>
-            <a:endParaRPr lang="en-US" altLang="zh-CN" dirty="0" smtClean="0"/>
-          </a:p>
-          <a:p>
-            <a:r>
-              <a:rPr lang="en-US" altLang="zh-CN" dirty="0" err="1" smtClean="0"/>
-              <a:t>classloader</a:t>
-            </a:r>
-            <a:r>
-              <a:rPr lang="zh-CN" altLang="en-US" dirty="0" smtClean="0"/>
-              <a:t>执行过程</a:t>
-            </a:r>
-            <a:endParaRPr lang="zh-CN" altLang="en-US" dirty="0"/>
-          </a:p>
-        </p:txBody>
-      </p:sp>
-    </p:spTree>
-    <p:extLst>
-      <p:ext uri="{BB962C8B-B14F-4D97-AF65-F5344CB8AC3E}">
-        <p14:creationId xmlns:p14="http://schemas.microsoft.com/office/powerpoint/2010/main" val="620361497"/>
       </p:ext>
     </p:extLst>
   </p:cSld>

--- a/issueImages/web context loading process.pptx
+++ b/issueImages/web context loading process.pptx
@@ -940,6 +940,112 @@
           <a:bodyPr/>
           <a:lstStyle/>
           <a:p>
+            <a:r>
+              <a:rPr lang="en-US" altLang="zh-CN" dirty="0" err="1" smtClean="0"/>
+              <a:t>ContextLoaderListener</a:t>
+            </a:r>
+            <a:r>
+              <a:rPr lang="zh-CN" altLang="en-US" dirty="0" smtClean="0"/>
+              <a:t>初始化的上下文加载的</a:t>
+            </a:r>
+            <a:r>
+              <a:rPr lang="en-US" altLang="zh-CN" dirty="0" smtClean="0"/>
+              <a:t>Bean</a:t>
+            </a:r>
+            <a:r>
+              <a:rPr lang="zh-CN" altLang="en-US" dirty="0" smtClean="0"/>
+              <a:t>是对于整个应用程序共享的，不管是使用什么表现层技术，一般如</a:t>
+            </a:r>
+            <a:r>
+              <a:rPr lang="en-US" altLang="zh-CN" dirty="0" smtClean="0"/>
+              <a:t>DAO</a:t>
+            </a:r>
+            <a:r>
+              <a:rPr lang="zh-CN" altLang="en-US" dirty="0" smtClean="0"/>
+              <a:t>层、</a:t>
+            </a:r>
+            <a:r>
+              <a:rPr lang="en-US" altLang="zh-CN" dirty="0" smtClean="0"/>
+              <a:t>Service</a:t>
+            </a:r>
+            <a:r>
+              <a:rPr lang="zh-CN" altLang="en-US" dirty="0" smtClean="0"/>
+              <a:t>层</a:t>
+            </a:r>
+            <a:r>
+              <a:rPr lang="en-US" altLang="zh-CN" dirty="0" smtClean="0"/>
+              <a:t>Bean</a:t>
+            </a:r>
+            <a:r>
+              <a:rPr lang="zh-CN" altLang="en-US" dirty="0" smtClean="0"/>
+              <a:t>；</a:t>
+            </a:r>
+          </a:p>
+          <a:p>
+            <a:r>
+              <a:rPr lang="en-US" altLang="zh-CN" dirty="0" err="1" smtClean="0"/>
+              <a:t>DispatcherServlet</a:t>
+            </a:r>
+            <a:r>
+              <a:rPr lang="zh-CN" altLang="en-US" dirty="0" smtClean="0"/>
+              <a:t>初始化的上下文加载的</a:t>
+            </a:r>
+            <a:r>
+              <a:rPr lang="en-US" altLang="zh-CN" dirty="0" smtClean="0"/>
+              <a:t>Bean</a:t>
+            </a:r>
+            <a:r>
+              <a:rPr lang="zh-CN" altLang="en-US" dirty="0" smtClean="0"/>
+              <a:t>是只对</a:t>
+            </a:r>
+            <a:r>
+              <a:rPr lang="en-US" altLang="zh-CN" dirty="0" smtClean="0"/>
+              <a:t>Spring Web MVC</a:t>
+            </a:r>
+            <a:r>
+              <a:rPr lang="zh-CN" altLang="en-US" dirty="0" smtClean="0"/>
+              <a:t>有效的</a:t>
+            </a:r>
+            <a:r>
+              <a:rPr lang="en-US" altLang="zh-CN" dirty="0" smtClean="0"/>
+              <a:t>Bean</a:t>
+            </a:r>
+            <a:r>
+              <a:rPr lang="zh-CN" altLang="en-US" dirty="0" smtClean="0"/>
+              <a:t>，如</a:t>
+            </a:r>
+            <a:r>
+              <a:rPr lang="en-US" altLang="zh-CN" dirty="0" smtClean="0"/>
+              <a:t>Controller</a:t>
+            </a:r>
+            <a:r>
+              <a:rPr lang="zh-CN" altLang="en-US" dirty="0" smtClean="0"/>
+              <a:t>、</a:t>
+            </a:r>
+            <a:r>
+              <a:rPr lang="en-US" altLang="zh-CN" dirty="0" smtClean="0"/>
+              <a:t>HandlerMapping</a:t>
+            </a:r>
+            <a:r>
+              <a:rPr lang="zh-CN" altLang="en-US" dirty="0" smtClean="0"/>
+              <a:t>、</a:t>
+            </a:r>
+            <a:r>
+              <a:rPr lang="en-US" altLang="zh-CN" dirty="0" smtClean="0"/>
+              <a:t>HandlerAdapter</a:t>
+            </a:r>
+            <a:r>
+              <a:rPr lang="zh-CN" altLang="en-US" dirty="0" smtClean="0"/>
+              <a:t>等等，该初始化上下文应该只加载</a:t>
+            </a:r>
+            <a:r>
+              <a:rPr lang="en-US" altLang="zh-CN" dirty="0" smtClean="0"/>
+              <a:t>Web</a:t>
+            </a:r>
+            <a:r>
+              <a:rPr lang="zh-CN" altLang="en-US" dirty="0" smtClean="0"/>
+              <a:t>相关组件。</a:t>
+            </a:r>
             <a:endParaRPr lang="zh-CN" altLang="en-US" dirty="0"/>
           </a:p>
         </p:txBody>
@@ -7780,7 +7886,7 @@
         </p:nvSpPr>
         <p:spPr>
           <a:xfrm>
-            <a:off x="5724128" y="4358283"/>
+            <a:off x="3740823" y="4772719"/>
             <a:ext cx="2232248" cy="253916"/>
           </a:xfrm>
           <a:prstGeom prst="rect">
@@ -7847,10 +7953,10 @@
           <a:p>
             <a:pPr latinLnBrk="1"/>
             <a:r>
-              <a:rPr lang="en-US" altLang="zh-CN" sz="1050" dirty="0"/>
+              <a:rPr lang="en-US" altLang="zh-CN" sz="1050" b="1" dirty="0"/>
               <a:t>ContextLoaderListener</a:t>
             </a:r>
-            <a:endParaRPr lang="zh-CN" altLang="en-US" sz="1050" dirty="0"/>
+            <a:endParaRPr lang="zh-CN" altLang="en-US" sz="1050" b="1" dirty="0"/>
           </a:p>
         </p:txBody>
       </p:sp>
@@ -7958,10 +8064,10 @@
           <a:p>
             <a:pPr latinLnBrk="1"/>
             <a:r>
-              <a:rPr lang="en-US" altLang="zh-CN" sz="1050" dirty="0" smtClean="0"/>
+              <a:rPr lang="en-US" altLang="zh-CN" sz="1050" b="1" dirty="0" smtClean="0"/>
               <a:t>DispatcherServlet</a:t>
             </a:r>
-            <a:endParaRPr lang="zh-CN" altLang="en-US" sz="1050" dirty="0"/>
+            <a:endParaRPr lang="zh-CN" altLang="en-US" sz="1050" b="1" dirty="0"/>
           </a:p>
         </p:txBody>
       </p:sp>
@@ -8034,230 +8140,6 @@
             <a:endParaRPr lang="zh-CN" altLang="en-US" sz="1050" dirty="0">
               <a:solidFill>
                 <a:srgbClr val="0070C0"/>
-              </a:solidFill>
-            </a:endParaRPr>
-          </a:p>
-        </p:txBody>
-      </p:sp>
-      <p:sp>
-        <p:nvSpPr>
-          <p:cNvPr id="24" name="矩形 23"/>
-          <p:cNvSpPr/>
-          <p:nvPr/>
-        </p:nvSpPr>
-        <p:spPr>
-          <a:xfrm>
-            <a:off x="4439768" y="3147814"/>
-            <a:ext cx="1684305" cy="415498"/>
-          </a:xfrm>
-          <a:prstGeom prst="rect">
-            <a:avLst/>
-          </a:prstGeom>
-        </p:spPr>
-        <p:txBody>
-          <a:bodyPr wrap="square">
-            <a:spAutoFit/>
-          </a:bodyPr>
-          <a:lstStyle/>
-          <a:p>
-            <a:r>
-              <a:rPr lang="zh-CN" altLang="en-US" sz="1050" dirty="0">
-                <a:solidFill>
-                  <a:srgbClr val="0070C0"/>
-                </a:solidFill>
-              </a:rPr>
-              <a:t>启动</a:t>
-            </a:r>
-            <a:r>
-              <a:rPr lang="en-US" altLang="zh-CN" sz="1050" dirty="0">
-                <a:solidFill>
-                  <a:srgbClr val="0070C0"/>
-                </a:solidFill>
-              </a:rPr>
-              <a:t>Spring</a:t>
-            </a:r>
-            <a:r>
-              <a:rPr lang="zh-CN" altLang="en-US" sz="1050" dirty="0" smtClean="0">
-                <a:solidFill>
-                  <a:srgbClr val="0070C0"/>
-                </a:solidFill>
-              </a:rPr>
-              <a:t>容器，实现</a:t>
-            </a:r>
-            <a:r>
-              <a:rPr lang="zh-CN" altLang="en-US" sz="1050" dirty="0">
-                <a:solidFill>
-                  <a:srgbClr val="0070C0"/>
-                </a:solidFill>
-              </a:rPr>
-              <a:t>了</a:t>
-            </a:r>
-            <a:r>
-              <a:rPr lang="en-US" altLang="zh-CN" sz="1050" dirty="0" smtClean="0">
-                <a:solidFill>
-                  <a:srgbClr val="0070C0"/>
-                </a:solidFill>
-              </a:rPr>
-              <a:t>ServletContextListener</a:t>
-            </a:r>
-            <a:r>
-              <a:rPr lang="zh-CN" altLang="en-US" sz="1050" dirty="0" smtClean="0">
-                <a:solidFill>
-                  <a:srgbClr val="0070C0"/>
-                </a:solidFill>
-              </a:rPr>
-              <a:t>接口</a:t>
-            </a:r>
-            <a:endParaRPr lang="zh-CN" altLang="en-US" sz="1050" dirty="0">
-              <a:solidFill>
-                <a:srgbClr val="0070C0"/>
-              </a:solidFill>
-            </a:endParaRPr>
-          </a:p>
-        </p:txBody>
-      </p:sp>
-      <p:sp>
-        <p:nvSpPr>
-          <p:cNvPr id="25" name="矩形 24"/>
-          <p:cNvSpPr/>
-          <p:nvPr/>
-        </p:nvSpPr>
-        <p:spPr>
-          <a:xfrm>
-            <a:off x="4432663" y="3579862"/>
-            <a:ext cx="1422184" cy="253916"/>
-          </a:xfrm>
-          <a:prstGeom prst="rect">
-            <a:avLst/>
-          </a:prstGeom>
-        </p:spPr>
-        <p:txBody>
-          <a:bodyPr wrap="none">
-            <a:spAutoFit/>
-          </a:bodyPr>
-          <a:lstStyle/>
-          <a:p>
-            <a:r>
-              <a:rPr lang="zh-CN" altLang="en-US" sz="1050" dirty="0" smtClean="0">
-                <a:solidFill>
-                  <a:srgbClr val="0070C0"/>
-                </a:solidFill>
-              </a:rPr>
-              <a:t>配置</a:t>
-            </a:r>
-            <a:r>
-              <a:rPr lang="en-US" altLang="zh-CN" sz="1050" dirty="0">
-                <a:solidFill>
-                  <a:srgbClr val="0070C0"/>
-                </a:solidFill>
-              </a:rPr>
-              <a:t>DispatcherServlet</a:t>
-            </a:r>
-            <a:endParaRPr lang="zh-CN" altLang="en-US" sz="1050" dirty="0">
-              <a:solidFill>
-                <a:srgbClr val="0070C0"/>
-              </a:solidFill>
-            </a:endParaRPr>
-          </a:p>
-        </p:txBody>
-      </p:sp>
-      <p:sp>
-        <p:nvSpPr>
-          <p:cNvPr id="22" name="矩形 21"/>
-          <p:cNvSpPr/>
-          <p:nvPr/>
-        </p:nvSpPr>
-        <p:spPr>
-          <a:xfrm>
-            <a:off x="5743525" y="3549919"/>
-            <a:ext cx="1584176" cy="415498"/>
-          </a:xfrm>
-          <a:prstGeom prst="rect">
-            <a:avLst/>
-          </a:prstGeom>
-          <a:ln>
-            <a:solidFill>
-              <a:schemeClr val="tx1"/>
-            </a:solidFill>
-            <a:prstDash val="dash"/>
-          </a:ln>
-        </p:spPr>
-        <p:txBody>
-          <a:bodyPr wrap="square">
-            <a:spAutoFit/>
-          </a:bodyPr>
-          <a:lstStyle/>
-          <a:p>
-            <a:r>
-              <a:rPr lang="en-US" altLang="zh-CN" sz="1050" dirty="0" smtClean="0">
-                <a:solidFill>
-                  <a:srgbClr val="006600"/>
-                </a:solidFill>
-              </a:rPr>
-              <a:t>ServletRegistrationBean</a:t>
-            </a:r>
-            <a:r>
-              <a:rPr lang="zh-CN" altLang="en-US" sz="1050" dirty="0" smtClean="0">
-                <a:solidFill>
-                  <a:srgbClr val="006600"/>
-                </a:solidFill>
-              </a:rPr>
-              <a:t>注入</a:t>
-            </a:r>
-            <a:r>
-              <a:rPr lang="en-US" altLang="zh-CN" sz="1050" dirty="0" smtClean="0">
-                <a:solidFill>
-                  <a:srgbClr val="006600"/>
-                </a:solidFill>
-              </a:rPr>
-              <a:t>servlet</a:t>
-            </a:r>
-            <a:endParaRPr lang="zh-CN" altLang="en-US" sz="1050" dirty="0">
-              <a:solidFill>
-                <a:srgbClr val="006600"/>
-              </a:solidFill>
-            </a:endParaRPr>
-          </a:p>
-        </p:txBody>
-      </p:sp>
-      <p:sp>
-        <p:nvSpPr>
-          <p:cNvPr id="28" name="矩形 27"/>
-          <p:cNvSpPr/>
-          <p:nvPr/>
-        </p:nvSpPr>
-        <p:spPr>
-          <a:xfrm>
-            <a:off x="5355442" y="2596632"/>
-            <a:ext cx="1457450" cy="261610"/>
-          </a:xfrm>
-          <a:prstGeom prst="rect">
-            <a:avLst/>
-          </a:prstGeom>
-          <a:ln>
-            <a:solidFill>
-              <a:schemeClr val="tx1"/>
-            </a:solidFill>
-            <a:prstDash val="dash"/>
-          </a:ln>
-        </p:spPr>
-        <p:txBody>
-          <a:bodyPr wrap="none">
-            <a:spAutoFit/>
-          </a:bodyPr>
-          <a:lstStyle/>
-          <a:p>
-            <a:r>
-              <a:rPr lang="en-US" altLang="zh-CN" sz="1050" dirty="0">
-                <a:solidFill>
-                  <a:srgbClr val="006600"/>
-                </a:solidFill>
-              </a:rPr>
-              <a:t>FilterRegistrationBean</a:t>
-            </a:r>
-            <a:endParaRPr lang="zh-CN" altLang="en-US" sz="1050" dirty="0">
-              <a:solidFill>
-                <a:srgbClr val="006600"/>
               </a:solidFill>
             </a:endParaRPr>
           </a:p>
@@ -8584,8 +8466,8 @@
         </p:nvSpPr>
         <p:spPr>
           <a:xfrm>
-            <a:off x="993831" y="4701265"/>
-            <a:ext cx="1931491" cy="253916"/>
+            <a:off x="996844" y="4759832"/>
+            <a:ext cx="1836204" cy="253916"/>
           </a:xfrm>
           <a:prstGeom prst="rect">
             <a:avLst/>
@@ -8700,6 +8582,827 @@
               <a:t>封装</a:t>
             </a:r>
             <a:endParaRPr lang="zh-CN" altLang="en-US" dirty="0"/>
+          </a:p>
+        </p:txBody>
+      </p:sp>
+      <p:cxnSp>
+        <p:nvCxnSpPr>
+          <p:cNvPr id="6" name="直接连接符 5"/>
+          <p:cNvCxnSpPr>
+            <a:stCxn id="18" idx="3"/>
+          </p:cNvCxnSpPr>
+          <p:nvPr/>
+        </p:nvCxnSpPr>
+        <p:spPr>
+          <a:xfrm>
+            <a:off x="4406928" y="3350828"/>
+            <a:ext cx="1749248" cy="0"/>
+          </a:xfrm>
+          <a:prstGeom prst="line">
+            <a:avLst/>
+          </a:prstGeom>
+        </p:spPr>
+        <p:style>
+          <a:lnRef idx="1">
+            <a:schemeClr val="accent1"/>
+          </a:lnRef>
+          <a:fillRef idx="0">
+            <a:schemeClr val="accent1"/>
+          </a:fillRef>
+          <a:effectRef idx="0">
+            <a:schemeClr val="accent1"/>
+          </a:effectRef>
+          <a:fontRef idx="minor">
+            <a:schemeClr val="tx1"/>
+          </a:fontRef>
+        </p:style>
+      </p:cxnSp>
+      <p:cxnSp>
+        <p:nvCxnSpPr>
+          <p:cNvPr id="27" name="直接连接符 26"/>
+          <p:cNvCxnSpPr/>
+          <p:nvPr/>
+        </p:nvCxnSpPr>
+        <p:spPr>
+          <a:xfrm flipV="1">
+            <a:off x="6156176" y="1206253"/>
+            <a:ext cx="0" cy="2144576"/>
+          </a:xfrm>
+          <a:prstGeom prst="line">
+            <a:avLst/>
+          </a:prstGeom>
+        </p:spPr>
+        <p:style>
+          <a:lnRef idx="1">
+            <a:schemeClr val="accent1"/>
+          </a:lnRef>
+          <a:fillRef idx="0">
+            <a:schemeClr val="accent1"/>
+          </a:fillRef>
+          <a:effectRef idx="0">
+            <a:schemeClr val="accent1"/>
+          </a:effectRef>
+          <a:fontRef idx="minor">
+            <a:schemeClr val="tx1"/>
+          </a:fontRef>
+        </p:style>
+      </p:cxnSp>
+      <p:cxnSp>
+        <p:nvCxnSpPr>
+          <p:cNvPr id="34" name="直接箭头连接符 33"/>
+          <p:cNvCxnSpPr>
+            <a:endCxn id="38" idx="1"/>
+          </p:cNvCxnSpPr>
+          <p:nvPr/>
+        </p:nvCxnSpPr>
+        <p:spPr>
+          <a:xfrm>
+            <a:off x="6156176" y="1206253"/>
+            <a:ext cx="342076" cy="0"/>
+          </a:xfrm>
+          <a:prstGeom prst="straightConnector1">
+            <a:avLst/>
+          </a:prstGeom>
+          <a:ln>
+            <a:tailEnd type="arrow"/>
+          </a:ln>
+        </p:spPr>
+        <p:style>
+          <a:lnRef idx="1">
+            <a:schemeClr val="accent1"/>
+          </a:lnRef>
+          <a:fillRef idx="0">
+            <a:schemeClr val="accent1"/>
+          </a:fillRef>
+          <a:effectRef idx="0">
+            <a:schemeClr val="accent1"/>
+          </a:effectRef>
+          <a:fontRef idx="minor">
+            <a:schemeClr val="tx1"/>
+          </a:fontRef>
+        </p:style>
+      </p:cxnSp>
+      <p:sp>
+        <p:nvSpPr>
+          <p:cNvPr id="38" name="矩形 37"/>
+          <p:cNvSpPr/>
+          <p:nvPr/>
+        </p:nvSpPr>
+        <p:spPr>
+          <a:xfrm>
+            <a:off x="6498252" y="195486"/>
+            <a:ext cx="2106196" cy="2021534"/>
+          </a:xfrm>
+          <a:prstGeom prst="rect">
+            <a:avLst/>
+          </a:prstGeom>
+          <a:ln/>
+        </p:spPr>
+        <p:style>
+          <a:lnRef idx="2">
+            <a:schemeClr val="accent1"/>
+          </a:lnRef>
+          <a:fillRef idx="1">
+            <a:schemeClr val="lt1"/>
+          </a:fillRef>
+          <a:effectRef idx="0">
+            <a:schemeClr val="accent1"/>
+          </a:effectRef>
+          <a:fontRef idx="minor">
+            <a:schemeClr val="dk1"/>
+          </a:fontRef>
+        </p:style>
+        <p:txBody>
+          <a:bodyPr rtlCol="0" anchor="ctr"/>
+          <a:lstStyle/>
+          <a:p>
+            <a:pPr algn="ctr"/>
+            <a:endParaRPr lang="zh-CN" altLang="en-US" dirty="0"/>
+          </a:p>
+        </p:txBody>
+      </p:sp>
+      <p:sp>
+        <p:nvSpPr>
+          <p:cNvPr id="50" name="TextBox 49"/>
+          <p:cNvSpPr txBox="1"/>
+          <p:nvPr/>
+        </p:nvSpPr>
+        <p:spPr>
+          <a:xfrm>
+            <a:off x="6695419" y="195486"/>
+            <a:ext cx="1663789" cy="276999"/>
+          </a:xfrm>
+          <a:prstGeom prst="rect">
+            <a:avLst/>
+          </a:prstGeom>
+          <a:noFill/>
+        </p:spPr>
+        <p:txBody>
+          <a:bodyPr wrap="none" rtlCol="0">
+            <a:spAutoFit/>
+          </a:bodyPr>
+          <a:lstStyle/>
+          <a:p>
+            <a:r>
+              <a:rPr lang="en-US" altLang="zh-CN" sz="1200" dirty="0" smtClean="0"/>
+              <a:t>WebApplicationContext</a:t>
+            </a:r>
+            <a:endParaRPr lang="zh-CN" altLang="en-US" sz="1200" dirty="0"/>
+          </a:p>
+        </p:txBody>
+      </p:sp>
+      <p:sp>
+        <p:nvSpPr>
+          <p:cNvPr id="51" name="TextBox 50"/>
+          <p:cNvSpPr txBox="1"/>
+          <p:nvPr/>
+        </p:nvSpPr>
+        <p:spPr>
+          <a:xfrm>
+            <a:off x="6732240" y="496756"/>
+            <a:ext cx="1647316" cy="261610"/>
+          </a:xfrm>
+          <a:prstGeom prst="rect">
+            <a:avLst/>
+          </a:prstGeom>
+          <a:ln/>
+        </p:spPr>
+        <p:style>
+          <a:lnRef idx="1">
+            <a:schemeClr val="accent1"/>
+          </a:lnRef>
+          <a:fillRef idx="2">
+            <a:schemeClr val="accent1"/>
+          </a:fillRef>
+          <a:effectRef idx="1">
+            <a:schemeClr val="accent1"/>
+          </a:effectRef>
+          <a:fontRef idx="minor">
+            <a:schemeClr val="dk1"/>
+          </a:fontRef>
+        </p:style>
+        <p:txBody>
+          <a:bodyPr wrap="square" rtlCol="0">
+            <a:spAutoFit/>
+          </a:bodyPr>
+          <a:lstStyle/>
+          <a:p>
+            <a:pPr algn="ctr"/>
+            <a:r>
+              <a:rPr lang="en-US" altLang="zh-CN" sz="1050" dirty="0" smtClean="0"/>
+              <a:t>DataSource</a:t>
+            </a:r>
+            <a:endParaRPr lang="zh-CN" altLang="en-US" sz="1050" dirty="0"/>
+          </a:p>
+        </p:txBody>
+      </p:sp>
+      <p:sp>
+        <p:nvSpPr>
+          <p:cNvPr id="52" name="TextBox 51"/>
+          <p:cNvSpPr txBox="1"/>
+          <p:nvPr/>
+        </p:nvSpPr>
+        <p:spPr>
+          <a:xfrm>
+            <a:off x="6732240" y="827525"/>
+            <a:ext cx="1647316" cy="261610"/>
+          </a:xfrm>
+          <a:prstGeom prst="rect">
+            <a:avLst/>
+          </a:prstGeom>
+          <a:ln/>
+        </p:spPr>
+        <p:style>
+          <a:lnRef idx="1">
+            <a:schemeClr val="accent1"/>
+          </a:lnRef>
+          <a:fillRef idx="2">
+            <a:schemeClr val="accent1"/>
+          </a:fillRef>
+          <a:effectRef idx="1">
+            <a:schemeClr val="accent1"/>
+          </a:effectRef>
+          <a:fontRef idx="minor">
+            <a:schemeClr val="dk1"/>
+          </a:fontRef>
+        </p:style>
+        <p:txBody>
+          <a:bodyPr wrap="square" rtlCol="0">
+            <a:spAutoFit/>
+          </a:bodyPr>
+          <a:lstStyle/>
+          <a:p>
+            <a:pPr algn="ctr"/>
+            <a:r>
+              <a:rPr lang="en-US" altLang="zh-CN" sz="1050" dirty="0" smtClean="0"/>
+              <a:t>DAO</a:t>
+            </a:r>
+            <a:endParaRPr lang="zh-CN" altLang="en-US" sz="1050" dirty="0"/>
+          </a:p>
+        </p:txBody>
+      </p:sp>
+      <p:sp>
+        <p:nvSpPr>
+          <p:cNvPr id="53" name="TextBox 52"/>
+          <p:cNvSpPr txBox="1"/>
+          <p:nvPr/>
+        </p:nvSpPr>
+        <p:spPr>
+          <a:xfrm>
+            <a:off x="6723372" y="1158293"/>
+            <a:ext cx="1647316" cy="261610"/>
+          </a:xfrm>
+          <a:prstGeom prst="rect">
+            <a:avLst/>
+          </a:prstGeom>
+          <a:ln/>
+        </p:spPr>
+        <p:style>
+          <a:lnRef idx="1">
+            <a:schemeClr val="accent1"/>
+          </a:lnRef>
+          <a:fillRef idx="2">
+            <a:schemeClr val="accent1"/>
+          </a:fillRef>
+          <a:effectRef idx="1">
+            <a:schemeClr val="accent1"/>
+          </a:effectRef>
+          <a:fontRef idx="minor">
+            <a:schemeClr val="dk1"/>
+          </a:fontRef>
+        </p:style>
+        <p:txBody>
+          <a:bodyPr wrap="square" rtlCol="0">
+            <a:spAutoFit/>
+          </a:bodyPr>
+          <a:lstStyle/>
+          <a:p>
+            <a:pPr algn="ctr"/>
+            <a:r>
+              <a:rPr lang="en-US" altLang="zh-CN" sz="1050" dirty="0" smtClean="0"/>
+              <a:t>Service</a:t>
+            </a:r>
+            <a:endParaRPr lang="zh-CN" altLang="en-US" sz="1050" dirty="0"/>
+          </a:p>
+        </p:txBody>
+      </p:sp>
+      <p:sp>
+        <p:nvSpPr>
+          <p:cNvPr id="54" name="TextBox 53"/>
+          <p:cNvSpPr txBox="1"/>
+          <p:nvPr/>
+        </p:nvSpPr>
+        <p:spPr>
+          <a:xfrm>
+            <a:off x="6732240" y="1819830"/>
+            <a:ext cx="1647316" cy="261610"/>
+          </a:xfrm>
+          <a:prstGeom prst="rect">
+            <a:avLst/>
+          </a:prstGeom>
+          <a:ln/>
+        </p:spPr>
+        <p:style>
+          <a:lnRef idx="1">
+            <a:schemeClr val="accent1"/>
+          </a:lnRef>
+          <a:fillRef idx="2">
+            <a:schemeClr val="accent1"/>
+          </a:fillRef>
+          <a:effectRef idx="1">
+            <a:schemeClr val="accent1"/>
+          </a:effectRef>
+          <a:fontRef idx="minor">
+            <a:schemeClr val="dk1"/>
+          </a:fontRef>
+        </p:style>
+        <p:txBody>
+          <a:bodyPr wrap="square" rtlCol="0">
+            <a:spAutoFit/>
+          </a:bodyPr>
+          <a:lstStyle/>
+          <a:p>
+            <a:pPr algn="ctr"/>
+            <a:r>
+              <a:rPr lang="zh-CN" altLang="en-US" sz="1050" b="1" dirty="0" smtClean="0"/>
+              <a:t>除</a:t>
+            </a:r>
+            <a:r>
+              <a:rPr lang="en-US" altLang="zh-CN" sz="1050" b="1" dirty="0" smtClean="0"/>
+              <a:t>web</a:t>
+            </a:r>
+            <a:r>
+              <a:rPr lang="zh-CN" altLang="en-US" sz="1050" b="1" dirty="0" smtClean="0"/>
+              <a:t>层外的其他</a:t>
+            </a:r>
+            <a:r>
+              <a:rPr lang="en-US" altLang="zh-CN" sz="1050" b="1" dirty="0" smtClean="0"/>
+              <a:t>Beans</a:t>
+            </a:r>
+            <a:endParaRPr lang="zh-CN" altLang="en-US" sz="1050" b="1" dirty="0"/>
+          </a:p>
+        </p:txBody>
+      </p:sp>
+      <p:sp>
+        <p:nvSpPr>
+          <p:cNvPr id="55" name="TextBox 54"/>
+          <p:cNvSpPr txBox="1"/>
+          <p:nvPr/>
+        </p:nvSpPr>
+        <p:spPr>
+          <a:xfrm>
+            <a:off x="6723372" y="1489061"/>
+            <a:ext cx="1647316" cy="261610"/>
+          </a:xfrm>
+          <a:prstGeom prst="rect">
+            <a:avLst/>
+          </a:prstGeom>
+          <a:ln/>
+        </p:spPr>
+        <p:style>
+          <a:lnRef idx="1">
+            <a:schemeClr val="accent1"/>
+          </a:lnRef>
+          <a:fillRef idx="2">
+            <a:schemeClr val="accent1"/>
+          </a:fillRef>
+          <a:effectRef idx="1">
+            <a:schemeClr val="accent1"/>
+          </a:effectRef>
+          <a:fontRef idx="minor">
+            <a:schemeClr val="dk1"/>
+          </a:fontRef>
+        </p:style>
+        <p:txBody>
+          <a:bodyPr wrap="square" rtlCol="0">
+            <a:spAutoFit/>
+          </a:bodyPr>
+          <a:lstStyle/>
+          <a:p>
+            <a:pPr algn="ctr"/>
+            <a:r>
+              <a:rPr lang="en-US" altLang="zh-CN" sz="1050" dirty="0" smtClean="0"/>
+              <a:t>...</a:t>
+            </a:r>
+          </a:p>
+        </p:txBody>
+      </p:sp>
+      <p:cxnSp>
+        <p:nvCxnSpPr>
+          <p:cNvPr id="63" name="直接箭头连接符 62"/>
+          <p:cNvCxnSpPr>
+            <a:stCxn id="21" idx="3"/>
+          </p:cNvCxnSpPr>
+          <p:nvPr/>
+        </p:nvCxnSpPr>
+        <p:spPr>
+          <a:xfrm flipV="1">
+            <a:off x="4406928" y="3667842"/>
+            <a:ext cx="2091324" cy="517"/>
+          </a:xfrm>
+          <a:prstGeom prst="straightConnector1">
+            <a:avLst/>
+          </a:prstGeom>
+          <a:ln>
+            <a:tailEnd type="arrow"/>
+          </a:ln>
+        </p:spPr>
+        <p:style>
+          <a:lnRef idx="1">
+            <a:schemeClr val="accent1"/>
+          </a:lnRef>
+          <a:fillRef idx="0">
+            <a:schemeClr val="accent1"/>
+          </a:fillRef>
+          <a:effectRef idx="0">
+            <a:schemeClr val="accent1"/>
+          </a:effectRef>
+          <a:fontRef idx="minor">
+            <a:schemeClr val="tx1"/>
+          </a:fontRef>
+        </p:style>
+      </p:cxnSp>
+      <p:sp>
+        <p:nvSpPr>
+          <p:cNvPr id="64" name="矩形 63"/>
+          <p:cNvSpPr/>
+          <p:nvPr/>
+        </p:nvSpPr>
+        <p:spPr>
+          <a:xfrm>
+            <a:off x="6498599" y="2596632"/>
+            <a:ext cx="2105849" cy="2146266"/>
+          </a:xfrm>
+          <a:prstGeom prst="rect">
+            <a:avLst/>
+          </a:prstGeom>
+          <a:ln/>
+        </p:spPr>
+        <p:style>
+          <a:lnRef idx="2">
+            <a:schemeClr val="accent4"/>
+          </a:lnRef>
+          <a:fillRef idx="1">
+            <a:schemeClr val="lt1"/>
+          </a:fillRef>
+          <a:effectRef idx="0">
+            <a:schemeClr val="accent4"/>
+          </a:effectRef>
+          <a:fontRef idx="minor">
+            <a:schemeClr val="dk1"/>
+          </a:fontRef>
+        </p:style>
+        <p:txBody>
+          <a:bodyPr rtlCol="0" anchor="ctr"/>
+          <a:lstStyle/>
+          <a:p>
+            <a:pPr algn="ctr"/>
+            <a:endParaRPr lang="zh-CN" altLang="en-US" dirty="0"/>
+          </a:p>
+        </p:txBody>
+      </p:sp>
+      <p:sp>
+        <p:nvSpPr>
+          <p:cNvPr id="66" name="TextBox 65"/>
+          <p:cNvSpPr txBox="1"/>
+          <p:nvPr/>
+        </p:nvSpPr>
+        <p:spPr>
+          <a:xfrm>
+            <a:off x="6695419" y="3031362"/>
+            <a:ext cx="1647316" cy="261610"/>
+          </a:xfrm>
+          <a:prstGeom prst="rect">
+            <a:avLst/>
+          </a:prstGeom>
+          <a:ln/>
+        </p:spPr>
+        <p:style>
+          <a:lnRef idx="1">
+            <a:schemeClr val="accent4"/>
+          </a:lnRef>
+          <a:fillRef idx="2">
+            <a:schemeClr val="accent4"/>
+          </a:fillRef>
+          <a:effectRef idx="1">
+            <a:schemeClr val="accent4"/>
+          </a:effectRef>
+          <a:fontRef idx="minor">
+            <a:schemeClr val="dk1"/>
+          </a:fontRef>
+        </p:style>
+        <p:txBody>
+          <a:bodyPr wrap="square" rtlCol="0">
+            <a:spAutoFit/>
+          </a:bodyPr>
+          <a:lstStyle/>
+          <a:p>
+            <a:pPr algn="ctr"/>
+            <a:r>
+              <a:rPr lang="en-US" altLang="zh-CN" sz="1050" dirty="0" smtClean="0"/>
+              <a:t>HandlerMapping</a:t>
+            </a:r>
+            <a:endParaRPr lang="zh-CN" altLang="en-US" sz="1050" dirty="0"/>
+          </a:p>
+        </p:txBody>
+      </p:sp>
+      <p:sp>
+        <p:nvSpPr>
+          <p:cNvPr id="67" name="TextBox 66"/>
+          <p:cNvSpPr txBox="1"/>
+          <p:nvPr/>
+        </p:nvSpPr>
+        <p:spPr>
+          <a:xfrm>
+            <a:off x="6695419" y="3362131"/>
+            <a:ext cx="1647316" cy="261610"/>
+          </a:xfrm>
+          <a:prstGeom prst="rect">
+            <a:avLst/>
+          </a:prstGeom>
+          <a:ln/>
+        </p:spPr>
+        <p:style>
+          <a:lnRef idx="1">
+            <a:schemeClr val="accent4"/>
+          </a:lnRef>
+          <a:fillRef idx="2">
+            <a:schemeClr val="accent4"/>
+          </a:fillRef>
+          <a:effectRef idx="1">
+            <a:schemeClr val="accent4"/>
+          </a:effectRef>
+          <a:fontRef idx="minor">
+            <a:schemeClr val="dk1"/>
+          </a:fontRef>
+        </p:style>
+        <p:txBody>
+          <a:bodyPr wrap="square" rtlCol="0">
+            <a:spAutoFit/>
+          </a:bodyPr>
+          <a:lstStyle/>
+          <a:p>
+            <a:pPr algn="ctr"/>
+            <a:r>
+              <a:rPr lang="en-US" altLang="zh-CN" sz="1050" dirty="0" smtClean="0"/>
+              <a:t>HandlerAdapter</a:t>
+            </a:r>
+            <a:endParaRPr lang="zh-CN" altLang="en-US" sz="1050" dirty="0"/>
+          </a:p>
+        </p:txBody>
+      </p:sp>
+      <p:sp>
+        <p:nvSpPr>
+          <p:cNvPr id="68" name="TextBox 67"/>
+          <p:cNvSpPr txBox="1"/>
+          <p:nvPr/>
+        </p:nvSpPr>
+        <p:spPr>
+          <a:xfrm>
+            <a:off x="6686551" y="3692899"/>
+            <a:ext cx="1647316" cy="261610"/>
+          </a:xfrm>
+          <a:prstGeom prst="rect">
+            <a:avLst/>
+          </a:prstGeom>
+          <a:ln/>
+        </p:spPr>
+        <p:style>
+          <a:lnRef idx="1">
+            <a:schemeClr val="accent4"/>
+          </a:lnRef>
+          <a:fillRef idx="2">
+            <a:schemeClr val="accent4"/>
+          </a:fillRef>
+          <a:effectRef idx="1">
+            <a:schemeClr val="accent4"/>
+          </a:effectRef>
+          <a:fontRef idx="minor">
+            <a:schemeClr val="dk1"/>
+          </a:fontRef>
+        </p:style>
+        <p:txBody>
+          <a:bodyPr wrap="square" rtlCol="0">
+            <a:spAutoFit/>
+          </a:bodyPr>
+          <a:lstStyle/>
+          <a:p>
+            <a:pPr algn="ctr"/>
+            <a:r>
+              <a:rPr lang="en-US" altLang="zh-CN" sz="1050" dirty="0" smtClean="0"/>
+              <a:t>ViewResolver</a:t>
+            </a:r>
+            <a:endParaRPr lang="zh-CN" altLang="en-US" sz="1050" dirty="0"/>
+          </a:p>
+        </p:txBody>
+      </p:sp>
+      <p:sp>
+        <p:nvSpPr>
+          <p:cNvPr id="69" name="TextBox 68"/>
+          <p:cNvSpPr txBox="1"/>
+          <p:nvPr/>
+        </p:nvSpPr>
+        <p:spPr>
+          <a:xfrm>
+            <a:off x="6695419" y="4354436"/>
+            <a:ext cx="1647316" cy="261610"/>
+          </a:xfrm>
+          <a:prstGeom prst="rect">
+            <a:avLst/>
+          </a:prstGeom>
+          <a:ln/>
+        </p:spPr>
+        <p:style>
+          <a:lnRef idx="1">
+            <a:schemeClr val="accent4"/>
+          </a:lnRef>
+          <a:fillRef idx="2">
+            <a:schemeClr val="accent4"/>
+          </a:fillRef>
+          <a:effectRef idx="1">
+            <a:schemeClr val="accent4"/>
+          </a:effectRef>
+          <a:fontRef idx="minor">
+            <a:schemeClr val="dk1"/>
+          </a:fontRef>
+        </p:style>
+        <p:txBody>
+          <a:bodyPr wrap="square" rtlCol="0">
+            <a:spAutoFit/>
+          </a:bodyPr>
+          <a:lstStyle/>
+          <a:p>
+            <a:pPr algn="ctr"/>
+            <a:r>
+              <a:rPr lang="en-US" altLang="zh-CN" sz="1050" b="1" dirty="0" smtClean="0"/>
+              <a:t>Web</a:t>
+            </a:r>
+            <a:r>
+              <a:rPr lang="zh-CN" altLang="en-US" sz="1050" b="1" dirty="0" smtClean="0"/>
+              <a:t>层组件</a:t>
+            </a:r>
+            <a:endParaRPr lang="zh-CN" altLang="en-US" sz="1050" b="1" dirty="0"/>
+          </a:p>
+        </p:txBody>
+      </p:sp>
+      <p:sp>
+        <p:nvSpPr>
+          <p:cNvPr id="70" name="TextBox 69"/>
+          <p:cNvSpPr txBox="1"/>
+          <p:nvPr/>
+        </p:nvSpPr>
+        <p:spPr>
+          <a:xfrm>
+            <a:off x="6686551" y="4023667"/>
+            <a:ext cx="1647316" cy="261610"/>
+          </a:xfrm>
+          <a:prstGeom prst="rect">
+            <a:avLst/>
+          </a:prstGeom>
+          <a:ln/>
+        </p:spPr>
+        <p:style>
+          <a:lnRef idx="1">
+            <a:schemeClr val="accent4"/>
+          </a:lnRef>
+          <a:fillRef idx="2">
+            <a:schemeClr val="accent4"/>
+          </a:fillRef>
+          <a:effectRef idx="1">
+            <a:schemeClr val="accent4"/>
+          </a:effectRef>
+          <a:fontRef idx="minor">
+            <a:schemeClr val="dk1"/>
+          </a:fontRef>
+        </p:style>
+        <p:txBody>
+          <a:bodyPr wrap="square" rtlCol="0">
+            <a:spAutoFit/>
+          </a:bodyPr>
+          <a:lstStyle/>
+          <a:p>
+            <a:pPr algn="ctr"/>
+            <a:r>
+              <a:rPr lang="en-US" altLang="zh-CN" sz="1050" dirty="0" smtClean="0"/>
+              <a:t>...</a:t>
+            </a:r>
+          </a:p>
+        </p:txBody>
+      </p:sp>
+      <p:sp>
+        <p:nvSpPr>
+          <p:cNvPr id="71" name="TextBox 70"/>
+          <p:cNvSpPr txBox="1"/>
+          <p:nvPr/>
+        </p:nvSpPr>
+        <p:spPr>
+          <a:xfrm>
+            <a:off x="6686551" y="2715766"/>
+            <a:ext cx="1647316" cy="261610"/>
+          </a:xfrm>
+          <a:prstGeom prst="rect">
+            <a:avLst/>
+          </a:prstGeom>
+          <a:ln/>
+        </p:spPr>
+        <p:style>
+          <a:lnRef idx="1">
+            <a:schemeClr val="accent4"/>
+          </a:lnRef>
+          <a:fillRef idx="2">
+            <a:schemeClr val="accent4"/>
+          </a:fillRef>
+          <a:effectRef idx="1">
+            <a:schemeClr val="accent4"/>
+          </a:effectRef>
+          <a:fontRef idx="minor">
+            <a:schemeClr val="dk1"/>
+          </a:fontRef>
+        </p:style>
+        <p:txBody>
+          <a:bodyPr wrap="square" rtlCol="0">
+            <a:spAutoFit/>
+          </a:bodyPr>
+          <a:lstStyle/>
+          <a:p>
+            <a:pPr algn="ctr"/>
+            <a:r>
+              <a:rPr lang="en-US" altLang="zh-CN" sz="1050" dirty="0" smtClean="0"/>
+              <a:t>Controller</a:t>
+            </a:r>
+            <a:endParaRPr lang="zh-CN" altLang="en-US" sz="1050" dirty="0"/>
+          </a:p>
+        </p:txBody>
+      </p:sp>
+      <p:sp>
+        <p:nvSpPr>
+          <p:cNvPr id="74" name="下箭头 73"/>
+          <p:cNvSpPr/>
+          <p:nvPr/>
+        </p:nvSpPr>
+        <p:spPr>
+          <a:xfrm rot="10800000">
+            <a:off x="7403516" y="2217020"/>
+            <a:ext cx="247594" cy="371788"/>
+          </a:xfrm>
+          <a:prstGeom prst="downArrow">
+            <a:avLst>
+              <a:gd name="adj1" fmla="val 50000"/>
+              <a:gd name="adj2" fmla="val 54409"/>
+            </a:avLst>
+          </a:prstGeom>
+          <a:ln w="12700"/>
+        </p:spPr>
+        <p:style>
+          <a:lnRef idx="2">
+            <a:schemeClr val="dk1"/>
+          </a:lnRef>
+          <a:fillRef idx="1">
+            <a:schemeClr val="lt1"/>
+          </a:fillRef>
+          <a:effectRef idx="0">
+            <a:schemeClr val="dk1"/>
+          </a:effectRef>
+          <a:fontRef idx="minor">
+            <a:schemeClr val="dk1"/>
+          </a:fontRef>
+        </p:style>
+        <p:txBody>
+          <a:bodyPr rtlCol="0" anchor="ctr"/>
+          <a:lstStyle/>
+          <a:p>
+            <a:pPr algn="ctr"/>
+            <a:endParaRPr lang="zh-CN" altLang="en-US"/>
+          </a:p>
+        </p:txBody>
+      </p:sp>
+      <p:sp>
+        <p:nvSpPr>
+          <p:cNvPr id="75" name="TextBox 74"/>
+          <p:cNvSpPr txBox="1"/>
+          <p:nvPr/>
+        </p:nvSpPr>
+        <p:spPr>
+          <a:xfrm>
+            <a:off x="7685795" y="2254374"/>
+            <a:ext cx="558613" cy="276999"/>
+          </a:xfrm>
+          <a:prstGeom prst="rect">
+            <a:avLst/>
+          </a:prstGeom>
+          <a:noFill/>
+        </p:spPr>
+        <p:txBody>
+          <a:bodyPr wrap="square" rtlCol="0">
+            <a:spAutoFit/>
+          </a:bodyPr>
+          <a:lstStyle/>
+          <a:p>
+            <a:r>
+              <a:rPr lang="zh-CN" altLang="en-US" sz="1200" dirty="0" smtClean="0"/>
+              <a:t>继承</a:t>
+            </a:r>
+            <a:endParaRPr lang="zh-CN" altLang="en-US" sz="1200" dirty="0"/>
           </a:p>
         </p:txBody>
       </p:sp>

--- a/issueImages/web context loading process.pptx
+++ b/issueImages/web context loading process.pptx
@@ -5,13 +5,15 @@
     <p:sldMasterId id="2147483648" r:id="rId1"/>
   </p:sldMasterIdLst>
   <p:notesMasterIdLst>
-    <p:notesMasterId r:id="rId6"/>
+    <p:notesMasterId r:id="rId8"/>
   </p:notesMasterIdLst>
   <p:sldIdLst>
     <p:sldId id="260" r:id="rId2"/>
     <p:sldId id="259" r:id="rId3"/>
     <p:sldId id="262" r:id="rId4"/>
-    <p:sldId id="258" r:id="rId5"/>
+    <p:sldId id="264" r:id="rId5"/>
+    <p:sldId id="263" r:id="rId6"/>
+    <p:sldId id="258" r:id="rId7"/>
   </p:sldIdLst>
   <p:sldSz cx="9144000" cy="5143500" type="screen16x9"/>
   <p:notesSz cx="6858000" cy="9144000"/>
@@ -111,6 +113,186 @@
     </a:lvl9pPr>
   </p:defaultTextStyle>
 </p:presentation>
+</file>
+
+<file path=ppt/ink/ink1.xml><?xml version="1.0" encoding="utf-8"?>
+<inkml:ink xmlns:inkml="http://www.w3.org/2003/InkML">
+  <inkml:definitions>
+    <inkml:context xml:id="ctx0">
+      <inkml:inkSource xml:id="inkSrc0">
+        <inkml:traceFormat>
+          <inkml:channel name="X" type="integer" max="1920" units="cm"/>
+          <inkml:channel name="Y" type="integer" max="1080" units="cm"/>
+        </inkml:traceFormat>
+        <inkml:channelProperties>
+          <inkml:channelProperty channel="X" name="resolution" value="60" units="1/cm"/>
+          <inkml:channelProperty channel="Y" name="resolution" value="45" units="1/cm"/>
+        </inkml:channelProperties>
+      </inkml:inkSource>
+      <inkml:timestamp xml:id="ts0" timeString="2017-05-08T03:20:12.437"/>
+    </inkml:context>
+    <inkml:brush xml:id="br0">
+      <inkml:brushProperty name="width" value="0.05292" units="cm"/>
+      <inkml:brushProperty name="height" value="0.05292" units="cm"/>
+      <inkml:brushProperty name="color" value="#FF0000"/>
+    </inkml:brush>
+  </inkml:definitions>
+  <inkml:trace contextRef="#ctx0" brushRef="#br0">7977 1429,'0'-13,"13"13,1 0,-14 0,13 0,0 0,0 0,14 13,-14-13,13 13,27-13,-13 40,26-14,-53-13,54 27,-14 0,52-14,-39 27,-13-13,27-1,12 14,-39-13,0-27,-13 27,0-14,-14-26,-13 27,1-27,-14 0,13 0,0 13,-13-13,13 13,27-13,-40 14,26-1,14-13,-27 13,-13-13,27 13,-27-13,13 14</inkml:trace>
+  <inkml:trace contextRef="#ctx0" brushRef="#br0" timeOffset="1239.876">6879 1508,'0'-13,"13"13,14 40,13 26,-14-40,14 67,13-14,-40-13,27 14,-14-27,-13-14,0 1,1-14,-14 1,0-14,0-13</inkml:trace>
+  <inkml:trace contextRef="#ctx0" brushRef="#br0" timeOffset="2639.736">6959 1442,'0'-13,"0"13,26-27,0 14,-12 0,25-14,-25 27,25-13,-12 0,-14 13,0 0,14 0,-14 0,13 0,-12 0,12 0,-13 0,27 0,-27 13,0 0,-13 27,0-27,27 27,-27-14,0-12,0 12,0 1,0-1,0-26,0 13,-13 14,-14-1,-26 1,27-1,-27-13,-13 27,0-14,13 14,-13-27,52 1,1-14,13 0,-13 0,13 0,13 0,40 0,13-40,27 0,-1 14,-12 13,12-27,-12 27,-27-1,-14 14,1 0,-27-13,0 13,-13 0,27 0,-27 0,13 27,0-27,1 39,-14-25,0 12,0 14,13-14,0-13,-13 14,0 13,0-14,0 0,0-12,0-1,0-13,0 26,0 1,0-27,-26 13,-1 0,-13 1,14-1,-40 13,26 1,14-27,-14 0,14 0,-1 0,14 0,-14 0,-12 0,12 0,27 0,-26 0,-1 0,1 0,13 0,13 0,-14-14</inkml:trace>
+  <inkml:trace contextRef="#ctx0" brushRef="#br0" timeOffset="5408.4591">5596 3466,'0'0,"-13"0,-1 0,-38 0,12 13,-26 14,-27 12,40-12,-39 26,12 13,1-13,13 0,0 13,13 0,26 13,1-12,26-1,0 26,0-39,0 40,13-14,27 1,-27-1,0-26,14 0,12 13,-39-40,40 14,-14 13,14-13,-13 26,-1-53,-13 53,0-39,1-1,-1 14,-13 0,0 12,0 15,0-1,0 13,0 14,0-1,-13 1,-1 13,-38-27,25 14,27-54,-40 28,14-15,-27 15,40-54,-27 13,27-12,0-1,-14 0,14 0,13-13,-13 0,13 27,0-14,0 13,0-12,0 25,0-12,0 26,0 0,0 39,13-26,-13 14,0-27,13 39,-13-12,0-14,0 0,0-13,0 13,0 0,0 13,0 14,0-80,0 40,0 66,-13 27,0-27,13 26,-14-26,1 1,13 12,0-40,0 14,0-93,0 14,-26 52,13 1,-1 26,1-1,-13 14,12 14,14-54,-13 53,0-26,13 40,0-27,0 0,0-13,0-14,0-12,0 26,0-1,0-12,0 0,0 12,0-12,0 39,0-26,0-13,0 52,26-39,-12-27,12 14,1 26,-14-53,0 14,-13 25,13-25,-13-1,27 1,-27-54,26 27,-26-13,27 39,-14-39,13-14,-26-13,14 14,-1-14,0 14,-13-27,0 13,13 13,-13-26,13 13,1 1,-1-1,0-13,-13 13,13 0,-13-13,14 27,-1-14,-13 0,0 1,13 12,0-13,1 14,-1-1,13 14,-13 0,14 26,-1-40,-12 1,-1-14,13 26,1-12,-27-14,26 14,-26-14,53 40,-26-14,-14 1,13-13,-12-14,12 13,-13 1,0-14,1 0,12 0,-26 1,13-14,14 0,-14-40</inkml:trace>
+  <inkml:trace contextRef="#ctx0" brushRef="#br0" timeOffset="6791.3208">3664 6046,'0'-14,"0"1,-13 13,0 0,0 0,-14 0,1 0,-1 0,-26 0,-13 66,40-26,-14-13,1 12,-1-12,27-1,-14-13,27 1,0-14,0 26,0 1,0-14,27 13,-14-13,13-13,27 27,0-14,26 14,-39-1,66-13,-27 40,-26-13,40 13,-53 0,26 0,-27-27,-25 1,25 25,-39-12,0-27,0 14,0-14,0 14,0-27,0 26,0-26,-26 0,-1 26,14-12,-40-14,14 0,-1 0,-13 0,0 0,-26 0,26 0,0 0,0 0,13 0,14 0,-14 0,40 0,-13 0,0 0,-1 0,14 0,-13 0,-13 0,26 0,-27 0,27 0,-13-14</inkml:trace>
+  <inkml:trace contextRef="#ctx0" brushRef="#br0" timeOffset="14838.516">1588 410,'0'-13,"13"13,40 0,66 0,13 0,14 0,25 0,-12 0,40 0,-27 0,26 0,1 0,12 0,-12 0,-1 0,-13 0,-26-27,-27 27,-13 0,-66 0,13 0,-39 0,-1 0,-12 0,-14 0,13 0,0 0,0 0,14 0,-14 0,0 0,0 0,-13 0,14 0,-1 0,0 0,-13 0,13 0</inkml:trace>
+  <inkml:trace contextRef="#ctx0" brushRef="#br0" timeOffset="15671.4327">2196 1217,'0'0,"13"40,-13 13,0 0,0 0,0 26,0 14,0-41,0 1,0-26,0 12,0-25,0-1,0-13,0-27</inkml:trace>
+  <inkml:trace contextRef="#ctx0" brushRef="#br0" timeOffset="16998.3">2209 1191,'13'0,"14"0,-1 0,-12 0,12 0,1 0,-14 0,13 0,1 0,-27 13,0-13,26 26,-26-12,0-1,0 0,0 13,0-26,0 27,0-27,0 13,-13 0,0 1,-1-14,14 13,-26 0,13-13,13 0,-13 13,-1-13,14 0,-13 14,0-14,0 13,13-13,-14 0,14 0,40 26,-27-26,14 0,-1 0,1 0,-14 0,0 13,0-13,1 14,-14-14,13 13,-13-13,13 26,14-26,-27 14,0-1,0-13,0 13,0 0,0 1,0 12,0-26,0 13,0-13,0 13,-14 1,1-1,0-13,-14 13,14-13,0 0,13 0,-13 0,-1 27,1-27,13 0,-13 0</inkml:trace>
+  <inkml:trace contextRef="#ctx0" brushRef="#br0" timeOffset="17558.244">2910 1005,'0'0,"0"40,0 0,0 13,-26 0,0 26,-1 27,-26-14,-13 54,13 26,-53 26,67-65,-14-28,0 1,39-26,-38-1,52-39,-14-14,14-13,0-39,14-14</inkml:trace>
+  <inkml:trace contextRef="#ctx0" brushRef="#br0" timeOffset="18533.1465">3135 1363,'-13'-14,"0"14,-27 27,27-14,-27 0,27 1,-13 12,-1 0,14-12,0-1,13 0,-14 0,14 1,-13 12,13-26,-13 27,13-14,-13-13,13 26,0-13,0 1,13-14,27 0,-1 0,-12 0,12 0,-12 26,-14-26,0 0,1 0,12 13,-26 1,0-1,0-13,0 13,0 13,0-12,0 12,0 1,0-1,-26-13,12 14,-12-1,13 1,-14-14,14 0,-13-13,12 0</inkml:trace>
+  <inkml:trace contextRef="#ctx0" brushRef="#br0" timeOffset="19590.0408">3466 1283,'13'-13,"-13"13,13 0,1 0,-1 0,0 0,14 0,-14 0,0 0,0 0,1 0,-14 0,13 0,0 0,0 0,-13 0,0 13,0 0,0 14,0-14,0 27,0-40,0 40,0-40,0 26,-13 14,0-40,13 26,-13-26,-1 0,14 13,-13-13</inkml:trace>
+  <inkml:trace contextRef="#ctx0" brushRef="#br0" timeOffset="19982.0016">3506 1124,'0'14,"0"25,0-12,0-1,0 1,0-1,0 1,0-14,0 27,0-27,-14 13,14 14,0-40,0 13,0-13,0 27</inkml:trace>
+  <inkml:trace contextRef="#ctx0" brushRef="#br0" timeOffset="21157.884">3678 1257,'0'0,"13"0,0 0,-13 26,0-13,0 27,13-40,-13 27,0-14,0-13,14 0,-14-13,0-14,13-13,-13 27,13-13,14-1,-14 14,0 0,13 0,1-1,-14 14,0 0,14 0,-27 0,13 0,0 0,1 0,-1 14,-13 25,0 1,0-14,0 14,0 0,-13-14,-1-12,1-1,13 0,-13-13,0 0,-1 0,14 0,-13 0,0 0,0 0,13 0,-14 13,1-13,0 0,13 0,13 0,0 0,-13 0,14 0,-1 0</inkml:trace>
+  <inkml:trace contextRef="#ctx0" brushRef="#br0" timeOffset="21774.8223">3387 1680,'0'0,"13"0,27 0,-1 0,1 0,26 0,0 0,14 0,12 0,-12 0,-1-26,-26 12,-13 14,-27 0,0-13,0 13</inkml:trace>
+  <inkml:trace contextRef="#ctx0" brushRef="#br0" timeOffset="22336.7661">3850 1521,'-14'0,"14"0,0 40,0 13,0 0,0 0,0 26,0-13,0 0,0 14,0-40,0 12,0-25,0-27,0 13,0-13,0-13</inkml:trace>
+  <inkml:trace contextRef="#ctx0" brushRef="#br0" timeOffset="22662.7334">3770 1746,'0'0,"-26"40,13-27,13 14,-14-14,-12 40,26-53,0 26,-13-26,13 13</inkml:trace>
+  <inkml:trace contextRef="#ctx0" brushRef="#br0" timeOffset="23037.696">3929 1627,'27'13,"25"27,-12-40,-27 13,27 1,-13 12,12-26,-12 0,12 13,-25-13,-1 0,26 0,-12 0,-14 0,14 0,-14 0,-13 0,13 0,0 0,1 0,-14 0</inkml:trace>
+  <inkml:trace contextRef="#ctx0" brushRef="#br0" timeOffset="24653.5344">4313 1442,'0'13,"26"-13,-26 0,27 0,-1-13,14 0,-14 0,14-14,-14 27,-12-26,-1 26,0-14,0 1</inkml:trace>
+  <inkml:trace contextRef="#ctx0" brushRef="#br0" timeOffset="25022.4975">4511 1204,'0'0,"0"40,0 12,0 28,13-1,-13-13,0 40,0-40,0-66,0 53,0-13,0-14,0-12,0-1,0 0,0-13,0-13,-39-27,12-26,-12 13</inkml:trace>
+  <inkml:trace contextRef="#ctx0" brushRef="#br0" timeOffset="25277.472">4339 1429,'0'0,"0"13,0 27,0-14,0-13,0 1,0-1,0 0,0-13,0 13,0 14,-13-27</inkml:trace>
+  <inkml:trace contextRef="#ctx0" brushRef="#br0" timeOffset="25525.4472">4352 1601,'14'0,"12"0,-26 0</inkml:trace>
+  <inkml:trace contextRef="#ctx0" brushRef="#br0" timeOffset="26238.3759">4604 1005,'0'0,"13"14,-13 25,0-12,0-14,0 0,0-13,0 13,0-13,13 14,14-14,-1 0,27-14,13 1,-13 13,0 0,0 0,-13 0,-1 0,-25 0,12 13,-13 1,14 12,-14-13,0 14,27 26,-40-40,0 0,13 53,-13-39,0 13,0-14,0 27,0-13,0-1,0 1,0-14,0 14,0-27,-13 27,0-27,13 0,-14 1,14-14,-13 13,13 0,-13-13,13 0,-40 0</inkml:trace>
+  <inkml:trace contextRef="#ctx0" brushRef="#br0" timeOffset="27085.2912">4643 1217,'0'27,"-13"-1,13 27,-26-27,13 1,-1 13,14-27,0 26,-26-25,26-1,0-13,13 0,-13 0,13 0,1 0,-14 0,26 0,-13 0,14-13,-14 13,0-14,0 1,-13 13,14 0,-14-13,26-13,-13 26,0 0,-13-14,14 1,-14 13,13 0,0-13,-13 13,13 0,1 0</inkml:trace>
+  <inkml:trace contextRef="#ctx0" brushRef="#br0" timeOffset="27676.2321">4961 1217,'0'0,"0"13,0 27,-13 13,-1-13,1-1,-13 27,-14-13,27-26,-27-1,40-12,-13-14,0 13,13 0,13-13,-13 0,13 0,14 0,12 0,-39-13,27 13,12 0,-25-27,-1 27,-13 0,13-13</inkml:trace>
+  <inkml:trace contextRef="#ctx0" brushRef="#br0" timeOffset="28021.1976">4987 1482,'14'0,"-1"13,0 13,-13-26,0 27,0-14,13 0,-13-13</inkml:trace>
+  <inkml:trace contextRef="#ctx0" brushRef="#br0" timeOffset="197108.2872">18018 1363,'0'0,"-26"0,-14 39,27-25,-40 25,26 1,-39 26,13-13,-13 13,-13 0,13-39,-1 26,15-14,-1 14,-40 0,14 27,13-14,-14 0,54-53,12 0,-12 14,0-14,-1 13,14-12,13-1,-40 13,14-12,13-1,-14 0,-26 13,27-12,-1-1,-12 0,25 0,1-13,13 0,-26 27,-1-1,14-12,13-1,-13 13,13-13,-14 1,14-14</inkml:trace>
+  <inkml:trace contextRef="#ctx0" brushRef="#br0" timeOffset="199812.0168">18389 2699,'0'0,"0"26,0 14,0 0,0-14,0 14,0 13,0-53,0 13,13 0,0 0,13 1,-12-14,39 0,39 0,-39 0,53-40,-27-13,14 0,-14 13,-13 1,-26 12,0 1,26-27,-66 40,26-1,-26 14,0 0,-26 0,13 0,0 0,-1 0,-12 27,13-1,-27 27,27 0,-14-13,27 39,0-13,0 0,0-39,0 13,13-14,-13 1,40 12,-40-39,13 13,27-13,13 0,0 0,53 0,-27-39,14-14,-14-27,-13 54,-26-14,26 1,-53 25,14-12,-27 26,13-26,-13-1,26 14,-26-27</inkml:trace>
+  <inkml:trace contextRef="#ctx0" brushRef="#br0" timeOffset="201187.8792">20386 3056,'0'0,"0"0,40 0,-27 0,27-13,-14-1,14-12,-27 13,0 13,1-13,-1-1,0 1,0-27,-13 40,0-26,0 13,0-14,0 14,0 0,0-27,-13 40,-13-13,12 0,1 13,-27 0,40-14,-26 14,13 0,-27 0,0 0,14 14,-14 12,-26 1,13-14,-26 27,-14-1,40 1,-13-14,40 1,-14 12,27-12,0-1,13 14,0 0,0-14,0 14,0-27,13 40,13-26,14-1,13 0,0 1,26-27,14 13,-1-13,-26 0,27 0,-14 0,-26 0,0 0,-26 0,-1 0,-26 0,0-13</inkml:trace>
+  <inkml:trace contextRef="#ctx0" brushRef="#br0" timeOffset="202355.7624">21246 1905,'-13'66,"0"-13,-27 26,13 1,1 12,-14-12,1 26,12-27,1 27,-1-27,1 27,-1 0,14-53,0 53,13-27,-13-26,13 13,0-53,0 14,0-14,0-13,0 0,13-26,27-14,12-13,15 0,-41 0,27 0,0 27,-13-14,-14 14,14-14,-40 40,13-13,0 13,-13 0,27 0,-14 26,0 1,-13-14,0 40,0-14,0 1,0-13,0 12,0 1,0 13,0-40,-13 14,13-14,-13 0,-1 13,14-26,-13 0,0 0,-14 0,1 14,-27-14,27 0,-27 0,13 0,27 0,-40-14,53 14,-13 0,13-13,-27 13</inkml:trace>
+  <inkml:trace contextRef="#ctx0" brushRef="#br0" timeOffset="301306.4847">1945 1019,'0'0,"-14"26,14-26,-13 0,0 13,-13 1,12 12,1-13,-27 14,27-1,-66 27,26 26,-13 1,-14 12,14 1,-53 26,40 0,-1 13,1 14,13-1,0 27,-14 27,67-40,0-1,0 14,13 0,0-26,0-14,0-26,0-13,0-1,0-79,0 1</inkml:trace>
+  <inkml:trace contextRef="#ctx0" brushRef="#br0" timeOffset="302090.4847">582 3492,'0'0,"13"0,-13 27,40-14,-40 27,13 0,14-27,-27 26,13-25,0 12,0 1,1-27,-1 26,0-26,0 0,1 0,-1 0,0 13,-13-13,13 27,0-27,1 13,-14-13,13 26,0-26,0 14,-13-14,14 0,12 0,14-40,-1 14,1-14,13 13,-40 1,27 13,0-14,-14 1,14-1,-27 27,27-26,-40 13,39-1,-25 1</inkml:trace>
+  <inkml:trace contextRef="#ctx0" brushRef="#br0" timeOffset="303026.4847">198 4405,'14'0,"-1"0,0 0,0 0,14 0,-1 0,14 0,-14 0,1 0,-1 0,14 0,-14 0,1 0,-14 0,0 0,1 0,-14 0</inkml:trace>
+  <inkml:trace contextRef="#ctx0" brushRef="#br0" timeOffset="304146.4847">132 4776,'0'0,"0"0,14 0,12 0,14 0,-27 0,13 0,14 0,-27 0,1 0,-1 0,0 0,0 0,-13 0,13 0,-13 0,14 0,-1 0,-13 0,26 0,-12 0,25-14,-26 14,27 0,-40 0,27 0,-14 0,0-13,0 13,-13 0,14 0,-1 0,0 0,-13 0,13 0,-13 0,27 0,-27 0,13 0,-13-13,26 13,1 0,13 0,-1 0,-12 0,-1 0,1 0,-14 0</inkml:trace>
+  <inkml:trace contextRef="#ctx0" brushRef="#br0" timeOffset="304683.4847">212 4591,'0'26,"0"14,0-14,0 27,0 0,0 0,0-13,0 26,0-27,0 1,0-27,0 1,0-1,0-13,0 0,13-27</inkml:trace>
+  <inkml:trace contextRef="#ctx0" brushRef="#br0" timeOffset="305234.4847">357 4577,'13'0,"-13"0,14 14,-1 52,0-13,27 26,-27-26,0 26,14-13,-27-26,0 0,13-27,-13 13,0-26,0 14,13-1,-13-13,27 0,-27-27</inkml:trace>
+  <inkml:trace contextRef="#ctx0" brushRef="#br0" timeOffset="305874.4847">833 4366,'14'13,"-1"53,0-26,-13 13,13-14,-13 27,14-52,-14 12,13 1,-13-1,13-26,-13 13,0 0,13 1,0-14,-13 0,14 0,-1 13,13-13,41 0,-1 0,40 0,-1 0,28-13,-80 13,26-14,-13 14,-26 0,-40-13,13 13,-13 0</inkml:trace>
+  <inkml:trace contextRef="#ctx0" brushRef="#br0" timeOffset="306354.4847">1468 4445,'-13'26,"13"41,-13-14,0-1,13-12,-13 39,13-26,-27 14,27 12,-13-26,0 0,-14 13,14-26,0-14,13-26,0 0,0-13,0-27,0 0,0-12,0-1,0 0</inkml:trace>
+  <inkml:trace contextRef="#ctx0" brushRef="#br0" timeOffset="306917.4847">1468 4829,'27'0,"13"0,-14 0,1 0,12 13,-12-13,-14 13,13-13,1 13,-27-13,13 14,-13 12,0-13,0 27,0 0,0-14,0 14,-13-1,13-12,-27-1,14-12,13 12,0-26,-13 13,13-13,-13 0,-1-13,-12 13,0-40,-1 27,-13-27,-26-26</inkml:trace>
+  <inkml:trace contextRef="#ctx0" brushRef="#br0" timeOffset="307324.4847">1376 4815,'26'0,"1"14,-14-1,53 27,-26-1,13-12,26 39,-26-40,-13 14,13-14,-40-12,27-1,-14 0,0-13,-12 13,-1 1,-13-14,13 0,-13-14,-13-25,-14-54</inkml:trace>
+  <inkml:trace contextRef="#ctx0" brushRef="#br0" timeOffset="307595.4847">1707 4471,'0'0,"0"27,13-1,13-12,-13 12,1-13,-14 1,0-14,26 26,-26 0</inkml:trace>
+  <inkml:trace contextRef="#ctx0" brushRef="#br0" timeOffset="324289.4847">450 5874,'0'-27,"-27"27,-26 14,27-1,-27 13,-13 14,53-27,-40 0,26 14,27-27,-13 26,13 1,0-1,0-13,0-13,0 14,0-14,13 26,1-26,12 27,-13-14,14 13,-14-13,-13 1,13 39,-13-40,13 27,-13-14,0 0,0 1,0-27,0 26,-26 1,-27-14,27-13,12 0,-25 0,-1 0,13 0,1 0,0-26,39-1,-13 14,13-27,-13 1,0 12,0-13,0 1,0-14,0 0,0 0,0 40,0-14,13-26,0 14,14 12,-1 1,1-1,-1 1,-12 13,12-14,-26 27,13-13,0 0</inkml:trace>
+  <inkml:trace contextRef="#ctx0" brushRef="#br0" timeOffset="328594.4847">476 7091,'0'-13,"0"13,40 0,-27 0,14 0,-1 0,1 0,-14 0,13 0,-13 0,1 0</inkml:trace>
+  <inkml:trace contextRef="#ctx0" brushRef="#br0" timeOffset="329305.4847">489 7236,'-13'14,"13"-14,0 0,27 0,-14 0,13 0,1 0,-14 0,14 0,-27 0,13 0,0 0,0 0,-13 0,13 0,1 0,-1 0,-13 0</inkml:trace>
+  <inkml:trace contextRef="#ctx0" brushRef="#br0" timeOffset="329995.4847">648 7250,'0'13,"-26"0,26 27,0-40,-13 26,13-13,-14 1,14-1,0 13,0-26,0 14,0-1,-13 0,13-13,0 26,0-26,-13 14,13-14,13 0,-13 0,13 0,14 0,-27 0,26 0,-13 0,14 0,-14 0,0 0,1 0,-14 0,13 0,0 0,0 0,1 0,-14-14,0 1,0 13,0-26,0-1</inkml:trace>
+  <inkml:trace contextRef="#ctx0" brushRef="#br0" timeOffset="330314.4847">767 7382,'0'0,"0"13,14 14,-14-1,0-26,0 13,0 0</inkml:trace>
+  <inkml:trace contextRef="#ctx0" brushRef="#br0" timeOffset="330962.4847">370 7078,'-26'0,"26"0,0 26,13-26,0 13,1 1,-14-1,13 0</inkml:trace>
+  <inkml:trace contextRef="#ctx0" brushRef="#br0" timeOffset="331906.4847">370 7289,'0'0,"0"27,0-27,0 0,14 13,-14-13,0 13,26 0,-26 1,0-14,0 13,0 0,0 14,0-27,0 13,0 13,0-26,0 13,0 1,0-1,0-13,0 13,0 0,0 1,0-14,0 13,0-13,13 0,1 0,25 0,-26 0,1 0,25 0,-25 0,12 26,-26-26,27 0,-1 0,-13 14,14-14,-14 0,13 0,1 13,-14-13,14 0,-14 13,13-13,-13 0,14 0,-14 0,0 0,1 0</inkml:trace>
+  <inkml:trace contextRef="#ctx0" brushRef="#br0" timeOffset="332514.4847">1019 7091,'13'13,"-13"-13,0 13,13 1,-13-14,0 13,0 0,0 0,0 0,-13 1,13-14,-13 13,-1 0,14 0,-26 14,26-27,-27 26,27 1,0-14,0 0,0-13</inkml:trace>
+  <inkml:trace contextRef="#ctx0" brushRef="#br0" timeOffset="332953.4847">1072 7342,'0'0,"0"0,0 40,0-27,0 14,-40-1,40-13,-13 0,13-13,-14 14,1 12,13-13,-13 14,0-27</inkml:trace>
+  <inkml:trace contextRef="#ctx0" brushRef="#br0" timeOffset="333347.4847">992 7514,'13'0,"1"13,-14-13,13 14,0 12,0 1,-13-14,0 0,0 27,0-27,14 13,-14-26,0 14,0-1,0 0,0-26,0-27</inkml:trace>
+  <inkml:trace contextRef="#ctx0" brushRef="#br0" timeOffset="333779.4847">1072 7117,'13'0,"0"0,13 0,1 0,-14 0,0 0,14 0,26-13,-53 13,13 0,0 0</inkml:trace>
+  <inkml:trace contextRef="#ctx0" brushRef="#br0" timeOffset="334385.4847">860 7382,'0'13,"13"-13,14 0,12 0,14 0,-13 0,13 0,0 0,-27 0,27 0,-13 0,-1 0,-12 0,-1 0,-12 0,12 0,-13 0,14 0,-14 0,0 0,0 0,1 0,-1 0,13 0,-12 0,-14 0,13 0</inkml:trace>
+  <inkml:trace contextRef="#ctx0" brushRef="#br0" timeOffset="334906.4847">1230 7395,'0'13,"0"1,14-1,-1 13,-13-13,13 27,0-13,0 12,1 1,-1 13,0 0,-13-13,13-14,-13 14,14-27,-14 13,0-26,0 14,0-14,0 0,-27-14,-26-39,0 40,0-40,-39 0,12 14</inkml:trace>
+  <inkml:trace contextRef="#ctx0" brushRef="#br0" timeOffset="611210.4846">9869 9327,'0'13,"13"0,-13 0,13 14,1-14,-14 0,13 14,13 12,-26-25,14-14,-14 13,13-13,0 0,-13 0,13 0,0 0,14-27,-1 14,-26 13,27-13,13-14,-14 14,0 0,27-27,-26 40,39-13,-26-27,-1 40,28-26,-15 26,-38-13,-1 13,-13-14</inkml:trace>
+  <inkml:trace contextRef="#ctx0" brushRef="#br0" timeOffset="639307.4846">4141 6191,'13'0,"-13"0,13 0,0 0,1 0,-14 13,0-13,0 14,13-14,-13 26,0 1,13-27,0 26,-13-13,0-13,0 27,0-27</inkml:trace>
+  <inkml:trace contextRef="#ctx0" brushRef="#br0" timeOffset="639796.4846">4141 6443,'0'0,"13"0,13 0,1 0,13 0,-1 0,-26-14,1 14,-1 0,0 0</inkml:trace>
+  <inkml:trace contextRef="#ctx0" brushRef="#br0" timeOffset="640130.4846">4247 6535,'0'0,"0"13,0-13,0 27,0-27,0 13,0-13,0 27,0-27,0 13</inkml:trace>
+  <inkml:trace contextRef="#ctx0" brushRef="#br0" timeOffset="640859.4846">4299 6588,'0'27,"0"-14,0-13,0 26,0-12,0-14,0 26,-13-13,13 0,-13 1,13-1,-13 0,13 14,-13-14,13-13,-27 0,27 0,-13 13,13-13,0 0,26 0,1-13,12-27,-25 40,12-26,-13 12,27 14,-40 0,13-26,1 26,-1-13,-13 13,0-13,0-1,13 1,0-13</inkml:trace>
+  <inkml:trace contextRef="#ctx0" brushRef="#br0" timeOffset="672386.4846">18865 3889,'13'0,"-13"0,13 0,0 0,14 0,-1 0,1 0,-14 0,27 0,-14 0,1 0,-1 0,-26 0,0 0,0 0</inkml:trace>
+  <inkml:trace contextRef="#ctx0" brushRef="#br0" timeOffset="672962.4846">19050 3956,'13'26,"-13"-13,0 0,0 1,0 25,0-25,27 12,-27-13,0 27,0-14,0 1,0 13,0-14,0 14,0-1,0 1,0 0,0-14,0 14,0-14,0 1,0 13,0-27,0 0,-14 0,14-13,0 13,-13 1,13-1,-13 0,0 0,0-13,-1 0,14 0,-26 0,-1 0,-12-26,12 13,1-27,-1 14,1 12,13-12,-1 13,14-1,-13 14,13-13,0 0</inkml:trace>
+  <inkml:trace contextRef="#ctx0" brushRef="#br0" timeOffset="673785.4846">19447 4114,'13'0,"0"-13,14 13,-27-13,39 13,-12 0,13 0,-1 0,1 0,13 0,-27 0,1 0,-14 0,0 0,1 13,-14 0,13 14,-13-1,0-13,0 14,0 13,-13 12,-54 15,28-14,-54 13,14-13,39-27,-26-13,39 14,14-14,13-13,0 0,13 0,14 0,-14-13,40 0,0 13,0 0,26 0,-26-14,-13 14,13 0,-27 0,1 0,-27-13</inkml:trace>
+  <inkml:trace contextRef="#ctx0" brushRef="#br0" timeOffset="674377.4846">20095 4141,'0'0,"0"39,0 1,0 0,0 13,0 0,0 0,0 13,0-13,0-14,0 1,0 0,0-27,27 13,-27-26,13 14,0-1,-13-13,13 0,0 0,14 0,-1 0,27 0,0-27,0 1,0-1,0 14,-40 13,14 0,-14-13</inkml:trace>
+  <inkml:trace contextRef="#ctx0" brushRef="#br0" timeOffset="674953.4846">20082 4088,'13'-27,"14"27,-1 0,14 0,13 0,-27 0,14 0,-1 0,-39 0,27 0,-14 0,-13 0,27 0,-27 0,13 0</inkml:trace>
+  <inkml:trace contextRef="#ctx0" brushRef="#br0" timeOffset="675338.4846">20069 4392,'0'0,"39"0,14 0,0 0,-13 0,26 0,-13-13,-27 13,14-13,-27 13,14 0,-14-14,0 14,0 0,-13 0</inkml:trace>
+  <inkml:trace contextRef="#ctx0" brushRef="#br0" timeOffset="675946.4846">20677 4141,'0'0,"0"26,0 14,0 13,0 0,0-14,0 14,0-13,-13 26,13-53,0 27,0-13,0-27,0 13,0 0,0-13,13 0,27 0,-14 0,27-13,-26 13,26-27,-14 14,14 0,-40 13,14 0</inkml:trace>
+  <inkml:trace contextRef="#ctx0" brushRef="#br0" timeOffset="676404.4846">20717 4048,'13'-26,"0"26,1 0,-1 0,26 0,-25 0,25 0,-25 0,25-27,-25 27</inkml:trace>
+  <inkml:trace contextRef="#ctx0" brushRef="#br0" timeOffset="676921.4846">20690 4299,'14'0,"25"-13,27-26,-13 25,27 1,-1-27,-26 40,0-13,-13 0,13 0,-40 13</inkml:trace>
+  <inkml:trace contextRef="#ctx0" brushRef="#br0" timeOffset="686227.4846">18177 3969,'26'0,"1"0,12 0,1 0,0 0,-14 0,1 0,12 0,-12 26,-1-13,14 14,-40-14,13-13,1 13,-14 1,0-1,0-13,0 13,0 0,0 1,0-14,0 13,0 0,0 0,0-13,0 13,0 1,0-1,0-13,0 26,0-12,0 12,0-26,0 26,0-12,0-14,0 13,0 0,0 0,0-13,0 14,0-1,0 0,0-13,13 0,13 0,-26 13,13-13,14 0,-27 0,0 14,-13-14,13 13,0-13,-14 26,14-26,0 13,-13 14,13-1,0-12,0 25,0 14,0 0,0 0,0-13,0-27,0 0,0 27,0-14,0 1,0-1,0 1,0 12,0-12,0-1,0 1,13 39,1-26,12 13,-13 13,1 13,-1-26,13 13,-26 0,0 0,0-13,0 0,0 0,0 13,0-13,0 13,0 27,0-40,13 39,-13-12,0 12,0-39,0 0,0 13,0-13,0-13,0 0,0-1,0 14,0-13,0 13,0-27,0 54,0-54,0 54,0-54,0 67,-13-27,13 13,0-26,0-13,0-1,0 28,-13-54,0 27,0-14,-1 14,14-14,-13 1,0 12,-14 27,1-26,0 13,12-26,1 12,-27 1,40-27,-39 14,39-1,-27-13,27 14,-13-27,0 26,0-26,-1 13,1 1,0-1,13-13,-13 13,13-13,-14 13,-12 1,13-1,-1 0,-25-13</inkml:trace>
+  <inkml:trace contextRef="#ctx0" brushRef="#br0" timeOffset="695130.4846">16841 9247,'0'0,"-27"0,-26 0,0 0,-13 0,-13 27,39-27,14 13,-14 0,14 14,26-27,0 26,0-13,13 14,13-1,27 1,0 12,0-25,-40-14,27 26,-27-26,0 13,1-13,-1 13,0 1,-13 12,0-13,0 1,0-1,0 0,-26 14,-14-27,14 13,-1-13,14 0,-14 0,27 0,-13 0</inkml:trace>
+  <inkml:trace contextRef="#ctx0" brushRef="#br0" timeOffset="695530.4846">16907 9432,'0'0,"0"40,0 13,0 13,0 53,13-26,14 13,-27-27,13 27,0-14,0-25,-13-1,27 0,-27-26,13-27,-13 13,0-26,0 0,0-53</inkml:trace>
+  <inkml:trace contextRef="#ctx0" brushRef="#br0" timeOffset="696042.4846">17026 9393,'13'0,"14"0,-1 0,-13 0,27 0,-27 0,-13 0,27 13,-27-13,0 13,0 14,0 12,0-25,0 12,0 0,0 1,0-14,-14 14,1-14,0 0,0 0,0 14,-14-27,14 13,0-13,13 0</inkml:trace>
+  <inkml:trace contextRef="#ctx0" brushRef="#br0" timeOffset="696498.4846">17277 9525,'27'13,"-27"-13,0 40,0 0,13-14,-13 14,0-14,0-13,0 1,13-14,-13-27,0-12,27-1,12-13,-25 26,-1 14,0-13,-13 13,26-14,-26 27,14-13</inkml:trace>
+  <inkml:trace contextRef="#ctx0" brushRef="#br0" timeOffset="696818.4846">17740 9565,'0'26,"0"-26,14 27,-14-1,0-26,13 27,-13-14,0 0,0-13,0 13</inkml:trace>
+  <inkml:trace contextRef="#ctx0" brushRef="#br0" timeOffset="697907.4846">17912 9485,'0'14,"14"25,-1 1,0-14,-13 1,0-1,0-12,0-1,13-40,14 14,-14 0,27-14,-14 27,14 0,-14-13,-13 13,-13 0,14 0,-1 27,13-1,-26-13,27 40,-14-53,0 13,14-13,-14 0,27 0,13 0,26-13,-13-26,-13-1,-13 13,-14 1,-13-27,1 13,-14 14,0 13,0-1,0 1,-14 13,-12 13,13 27,-14 0,14-1,13 1,0-13,0-14,0 13,0 1,26-14,1 13,13-12,12-14,-12 13,-13 13,26-12,-40-14,13 26,-13 0,-13 41,0-28,0 41,0-1,0 14,0 13,0-1,0 28,0-107,0-13,-26 27,-14-27,40-13,-39 0,-14-13,0-27,-13-26,0 0,13-27,0 14,-13-40,26 13,27 0</inkml:trace>
+  <inkml:trace contextRef="#ctx0" brushRef="#br0" timeOffset="698411.4846">17740 9234,'-13'0,"13"26,0-26,0 27,27-1,-14 1,0-14,13 40</inkml:trace>
+  <inkml:trace contextRef="#ctx0" brushRef="#br0" timeOffset="709493.4846">16722 6562,'0'0,"13"0,-13-14,13 14,-13 0,13 0,1 0,-1 0,-13 0,26 0,-12 0,12 0,0 0,1 0,-1 0,14 0,-27 0,14 0,-1 0,1 0,-14 0,0 0,0 0,1 0,-14 0,13 0,0 0</inkml:trace>
+  <inkml:trace contextRef="#ctx0" brushRef="#br0" timeOffset="710035.4846">17357 6548,'13'0,"13"0,-12 0,-1 0,13 0,14 0,-14 0,1 0,-1 0,-12 0,12 0,-26 0,26 0,-12 0,-14 0,13 0,0 0,0 0,-13 0,14 0,-1 0,0 0,-13 0,13 0,1 0</inkml:trace>
+  <inkml:trace contextRef="#ctx0" brushRef="#br0" timeOffset="710475.4846">18111 6562,'26'0,"-13"0,1 0,12 0,-26 0,13 0,14 0,-14 0,0 0,0 0,1 0,-1 0,0 0,0 0,-13 0,14 0,-1 0,0 0,-13 0</inkml:trace>
+  <inkml:trace contextRef="#ctx0" brushRef="#br0" timeOffset="711138.4846">17687 6218,'0'0,"0"13,0 0,0 0,0 14,0-14,0 27,0-27,0 0,0 14,0-27,0 13,0 0,0 0</inkml:trace>
+  <inkml:trace contextRef="#ctx0" brushRef="#br0" timeOffset="711906.4846">17555 6376,'0'0,"13"0,14 27,-14-14,13 14,-12-27,-1 26,13-13,-26-13,14 14,-1-14,0 0,-13 0,13 13,1-13,-1 0,-13 0,13 0,0 0,0 0,-13 0,27 0,-27-40,13 40,0-13,-13-14,0 27,14-13,-14 0,0 0,0 13,13-14</inkml:trace>
+  <inkml:trace contextRef="#ctx0" brushRef="#br0" timeOffset="712466.4846">17555 5913,'-13'0,"13"0,0 27,0-14,0 27,-13-27,13 13,0 1,0-1,-27-12,27-1,0 13,-13-12,13 12</inkml:trace>
+  <inkml:trace contextRef="#ctx0" brushRef="#br0" timeOffset="713443.4846">17502 5966,'0'0,"27"0,-27 0,13 0,0 14,0-14,1 13,-1 0,0 0,0 0,0 1,-13-1,0 13,14-26,-14 14,0-1,13-13,-13 0,0-13,13-1,0-39,-13 40,14 0,-14-27,13 40,-13-13,0 13,13-13,-13 13,13 13,1 14,-1-1,-13 14,0-40,0 13,0-13,13 13,-13-13</inkml:trace>
+  <inkml:trace contextRef="#ctx0" brushRef="#br0" timeOffset="714443.4846">17410 5966,'-14'0,"1"0,0 0,13 0,-27 0,14 0,0 14,13-14,-13 13,0 0,-1 0,14-13,-13 13,13-13,0 14,0-1,0-13,0 26,0-26,27 14,-27-14,26 13,-13 0,-13-13,27 27,-14-14,-13 0,0-13,0 13,0-13,-13 0,13 0,-14 0,1 0,0 27,-13-27,26 0,39-14</inkml:trace>
+  <inkml:trace contextRef="#ctx0" brushRef="#br0" timeOffset="715329.4846">17886 5993,'0'0,"0"0,0 13,0 0,0 14,0-1,0-13,13-13,-13 14,13-14,1 0,-14 0,13 0,13-14,-13-12,-13 13,0-1,14-12,-1 13,-13 0,0-1</inkml:trace>
+  <inkml:trace contextRef="#ctx0" brushRef="#br0" timeOffset="716177.4846">18269 5953,'0'13,"-13"-13,0 0,0 14,13-1,-13-13,-1 13,14-13,-13 13,13-13,-26 27,26-14,0 0,0-13,0 13,0 1,0-1,0-13,0 0,26 13,-26-13,13 0,14 0,-27 0,13 0,0 0,0 0,-13 0,14 0,-1 0</inkml:trace>
+</inkml:ink>
+</file>
+
+<file path=ppt/ink/ink2.xml><?xml version="1.0" encoding="utf-8"?>
+<inkml:ink xmlns:inkml="http://www.w3.org/2003/InkML">
+  <inkml:definitions>
+    <inkml:context xml:id="ctx0">
+      <inkml:inkSource xml:id="inkSrc0">
+        <inkml:traceFormat>
+          <inkml:channel name="X" type="integer" max="1920" units="cm"/>
+          <inkml:channel name="Y" type="integer" max="1080" units="cm"/>
+        </inkml:traceFormat>
+        <inkml:channelProperties>
+          <inkml:channelProperty channel="X" name="resolution" value="60" units="1/cm"/>
+          <inkml:channelProperty channel="Y" name="resolution" value="45" units="1/cm"/>
+        </inkml:channelProperties>
+      </inkml:inkSource>
+      <inkml:timestamp xml:id="ts0" timeString="2017-05-08T03:36:37.391"/>
+    </inkml:context>
+    <inkml:brush xml:id="br0">
+      <inkml:brushProperty name="width" value="0.05292" units="cm"/>
+      <inkml:brushProperty name="height" value="0.05292" units="cm"/>
+      <inkml:brushProperty name="color" value="#FF0000"/>
+    </inkml:brush>
+    <inkml:brush xml:id="br1">
+      <inkml:brushProperty name="width" value="0.05292" units="cm"/>
+      <inkml:brushProperty name="height" value="0.05292" units="cm"/>
+      <inkml:brushProperty name="color" value="#0070C0"/>
+    </inkml:brush>
+  </inkml:definitions>
+  <inkml:trace contextRef="#ctx0" brushRef="#br0">12065 9975,'-26'0,"12"0,-12 0,-1 0,1 0,-14 13,40 0,-26 0,13 1,-1-1,14 0,0 0,0-13,0 14,0 12,14-13,12 1,14 12,-1-13,41 27,-41-27,1-13,-27 13,14 1,-27-14,0 13,0-13,0 26,0 1,-27-14,1 27,-14-27,-13 0,40 0,-13-13,12 14,1-14</inkml:trace>
+  <inkml:trace contextRef="#ctx0" brushRef="#br0" timeOffset="474">12396 10014,'0'0,"0"27,0-1,0 14,0 13,0 13,0-26,0 13,0 0,0-14,0 14,0-39,0 38,0-38,0-14,26 0,1 0,-14-14</inkml:trace>
+  <inkml:trace contextRef="#ctx0" brushRef="#br0" timeOffset="961">12197 10200,'0'-14,"14"14,12 0,14 0,13 0,13 0,0-13,0-13,-13 26,-13-13,13 13,-40 0,-13-14</inkml:trace>
+  <inkml:trace contextRef="#ctx0" brushRef="#br0" timeOffset="1633">12779 10186,'0'27,"0"-1,0-12,0-1,0 13,0 1,0-27,0 26,0-26,0 13,0-13,0 27,0-27,0 13,0-13,0 0,0-13,0-40,0 0,40 0,-13-13,-1 40,-13-1,14 1,-14 12,-13 14,13 0,14 0,-27 14,0-1,13-13,-13 13,0 0,13-13,-13 14</inkml:trace>
+  <inkml:trace contextRef="#ctx0" brushRef="#br0" timeOffset="2385">13216 10134,'0'13,"0"13,0 1,-13 12,-1-25,1 52,0-40,13-13,0 14,0-1,0-12,0-1,0-13,26 0,-12 0,25 0,14-13,13-27,-26 27,-13-14,12 1,-12-1,-14 14,-13 0,0-14,0 14,0 0,0 0,0-1,0 14,-13 14,13 12,-13 14,-1-14,14 14,0-14,0-12,0-1,0-13,0 26,0-26</inkml:trace>
+  <inkml:trace contextRef="#ctx0" brushRef="#br0" timeOffset="2875">13745 10120,'0'0,"0"27,0 39,0-13,0 0,0 0,0-27,0 27,0-13,0-40,0 26,0-13,0-13,13 0,1 0,12 0,0 0,-12 0,12 0,-13-13,1-26,-14 39,0-27</inkml:trace>
+  <inkml:trace contextRef="#ctx0" brushRef="#br0" timeOffset="3875">13586 10186,'0'0,"53"0,0 0,13 0,14 0,-27 0,26 0,-39 0,-1 0,1 0,-40 0,13 0,1 0,-14 0,-14 0,1 0,-13 0,26 14,-40-1,40 0,-13 0,13-13,0 14,0-1,0 0,0-13,0 13,0 1,0-1,0 0,13-13,27 13,-1 0,-25 1,-1-14,-13 0,13 0,-13 13,0 0,13 0,-13 1,0-1,0 0,0 0,0 1,0-14,0 26,-26-26,26 0,-13 0,-1 26,-12-26,13 14,-1-1</inkml:trace>
+  <inkml:trace contextRef="#ctx0" brushRef="#br0" timeOffset="9786">12753 10081,'0'0,"0"13,0 0,0 0,0-13,0 14,0 12,0-26,0 26,0-12,0-1,0 13,0-12,0 12,0-13,0 14,0-14,0 0,0 0,0 1,0-1,0-13,0 13,0 0,0 1,0-14,0 13,0 0,0 0,0-13,0 14,0-1,0 0,0 0,0 0,0 1,0-14,0 13</inkml:trace>
+  <inkml:trace contextRef="#ctx0" brushRef="#br0" timeOffset="34137.6629">11655 10001,'0'27,"0"-1,0-13,0 27,-13 13,-1-27,-12 27,26-13,0 13,0-27,0 1,0 13,0-27,0 0,0 14,13-14,14 0,12 0,-12 14,13-14,12 13,-38-12,39-1,-14 0,14 13,-13-12,-14-14</inkml:trace>
+  <inkml:trace contextRef="#ctx0" brushRef="#br0" timeOffset="35144.5623">14340 10014,'0'0,"27"0,-14 27,0-1,1 1,-14-14,13-13,-13 0,13 0,0 0</inkml:trace>
+  <inkml:trace contextRef="#ctx0" brushRef="#br0" timeOffset="35767.5">14777 10041,'0'0,"0"0,0 0,-26 0,-1 13,14-13,0 13,-14 14,14-27,13 0,-27 26,1-12,13-1,-27-13,0 13,14 0,-40 0,39-13,14 14,0-14,13 13,13-13,0 0,40 0,0 0,27 0,25 0,-38 0,12 0,-26 0,-14 0,-25 0,-14 0,0-13,0-1,0 14,-40-13,14-13</inkml:trace>
+  <inkml:trace contextRef="#ctx0" brushRef="#br0" timeOffset="38048.2718">14737 9935,'-13'-13,"0"13,13 40,0-1,-27 27,27-13,-13 40,13 0,0-1,0-39,0 26,0-39,0-27,0-13,0 27,-13-27,13-27,-27-26,14 1,0 12,13 0,0 0,-13 1,13 39,0-13,0 13,-13 0,-1 26,1 14,-27 26,40-53,-13 27,-27 13,27-40,13 0,0 0,0-13,0-26,0-14,40 1,-14 25,1-25,13 25,-1 14,-12 0,-1 0,-13 0,14 0,-14 0,14 0,-14 0,26 0,-25 27,-1-27,13 26,-12 1,-14-27,0 0,-14 0,1 0,-13 0,12 0,-12 0,26 0,-13 0,-14 0,27 0,-26 13,13 13,-14 1,14-1,-27 1,27-1,-13-26,-1 27,1-27,12 0,14 0,14 0,-1 0,0 0,0 0,1 0,12-14,-26 14,-13 0,-14 0,-26 0,14 0,-1 0,14 0,-1 0,1 14,12-1,1-13,13 0,27 0,26 0,39 0,-12 0,39 0,13-13,-66 13,13-27,-12 27,-41 0,-39-13,-14 0,-12 0,12-1,-13 14,1-26,12 13,1 13,13-14,13 14,-27 0,27 0,-13 0,13 0,-26 0,-1 27,14-27,0 26,-1 1,14 12,0 1,-13-27,-13 27,26-27,0 1,0-14,-14 0,1 0,-13 0,26 0,0-14,13 1,-13 0,26 13,-12-13,12 13,1 0,12 0,1 0,-27 0,27 0,-27 0,27 0,-40 13,39 13,-12-12,-14-14,0 0,-13 0,14 0,-1-40,27 0</inkml:trace>
+  <inkml:trace contextRef="#ctx0" brushRef="#br0" timeOffset="38711.2055">15412 10094,'0'0,"-13"0,0 53,-14-27,1 14,-1 13,-13 13,-12-13,12 13,13-26,1-14,-1 1,14-1,0-13,13-13,0-39,26-1,14 27,-13-14,12 14,-25 0,12 0,0 13,-26 13,0 0,0 27,0-14,14-13,-14 40,0-13,0-27,0 27,0 0,0-14,0 1,0-1,0-13,0-26,13-40,0 13,14-13,12-26</inkml:trace>
+  <inkml:trace contextRef="#ctx0" brushRef="#br0" timeOffset="38968.1798">15425 10464,'13'0,"-13"27,0-14,0 13,0-12,0-1,0 0,14 0,-1-13,0 0,14-26,-14-1,0-25</inkml:trace>
+  <inkml:trace contextRef="#ctx0" brushRef="#br0" timeOffset="39656.111">15650 10332,'0'0,"0"13,0 0,0 1,0 25,0-39,0 14,0 12,0-13,-13 1,0-1,-1 0,1 27,13-40,-13 26,-13 14,12-40,14 13,0 13,-13-26,13 0,0 0,0-13,0 13,0-13,0 0,27 13,-14 0,13 0,-13 0,-13 0,27 0,-14 0,-13 0,27 0,-1 0,-26 0,26 0,-12 0,25 0,1 13,-27-13,14 13,-14-13,0 0,-13 0,13 0,-13-13,0-13</inkml:trace>
+  <inkml:trace contextRef="#ctx0" brushRef="#br0" timeOffset="40296.047">15928 10200,'13'0,"0"0,-13 0,14 0,12 0,-26 0,27 13,-14 0,0 0,0 1,-13-1,27 13,-14-12,-13 12,13 0,14-12,-27 12,0-13,0 1,13-1,-13 0,0 0,0 14,0-1,0-26,0 27,0-1,0-26,0 13,0 1,0 12,0 0,0-26,0 27,0-14,0-13,-13 27,13-1,-14-26,14 13,-26 27,26-40,-13 13,-27 0,0 14,14-14,-14 14,-13-14,-53 27,40-40,-13 39,-27 14</inkml:trace>
+  <inkml:trace contextRef="#ctx0" brushRef="#br0" timeOffset="43670.7095">6416 11893,'0'-26,"0"26,0-14,0 14,-26 0,-1-13,-26 13,-26 0,-27 0,-39 0,-14 0,-53 0,-13 0,27 0,-1 0,14 0,26 0,14 0,52 0,-13 0,14 0,-27 0,53 0,0 0,-1 27,1-1,-13 14,26-14,0 14,-13 0,26-1,27-26,13-13,-13 27,-1-14,1 0,0 1,-13 12,26-13,-27 14,1-1,-1 1,27-14,-13 27,0-27,13 13,0 1,-13-1,13-13,0 27,0 0,0-27,0 27,0-27,0 40,0-27,0 27,0-40,0 27,0 0,0-14,13 54,0-14,13 0,14 0,-13-13,25 26,-12-39,0 13,39 0,1-13,-14 13,13-14,1-26,39 27,-14-27,-12 1,-80-14,-13 0,185 0,14 0,52 0,54 13,-41-13,-13 0,-26 0,0 0,-66 0,0 0,-27 0,0 0,-39 0,0-40,-14 27,14-27,-54 27,41-13,-14-27,13 0,-26 26,-13-26,-14-26,1 0,-14-14,-13-13,0 14,0-67,-13 26,-54 1,-25-13,12-1,-12 14,-27 13,0 39,13 1,-92 0,12 13,-39-1,-26 28,0-14,-1 53,-131-13,118 13,53 0,14 0,-80 0,80 0,79 0,0 0,26 26,14-13,39 0,0 1,14-1,-14-13</inkml:trace>
+  <inkml:trace contextRef="#ctx0" brushRef="#br0" timeOffset="45519.5246">6945 11695,'-13'0,"13"-14,0 1,0 0,13-14,-13-12,14-1,-14 0,26-13,0-26,-12-14,25-12,-25 52,-1-27,27 1,-27 0,13-14,1 14,-1-14,1 0,-14 27,13 13,14-13,-27 40,14-40,-14 39,0 14,0-27,1-13,-1 27,0-14,0-26,0 26,1 27,-1-40,0 40,0 0,1-14,-1 14,27-40,-40 53,26-26,-13-1,0 27,-13-26,27 13,-27-1,0 14,13-13,0 0,1 0,-1-1,-13 1,13 13,14-13,-27 13,26-13,0-1,-12 14,-1-13,-13 13,26-13,-12 0,-1 0,-13 13,0 26</inkml:trace>
+  <inkml:trace contextRef="#ctx0" brushRef="#br0" timeOffset="46839.3926">7977 10147,'13'0,"-13"13,0 13,-13-12,13 25,-13-12,-13 13,26-14,-14 0,1 1,-13 13,26-27,0 0,-14 14,1-1,0 0,0-12,-1 25,14-39,-13 14,0-1,0 0,13 0,0 14,-27-14,27 0,-13 14,0-14,0 27,-14-27,14 26,0-12,-1-14,14 0,-13 27,-26-13,39-1,-14 14,-12-14,13-13,-1 14,1-1,0-13,-14 40,14-39,0 12,13-13,-13 27,-14-14,27 1,-13-1,0 1,0-1,-1-12,1 12,0-13,0 0,-1 14,1-1,0-12,13-14,-26 26,26-26,-14 13,14-13,-13 0,0 14,13-14,0 13,-13 0,-14 0,14 14,-13-27,26 0,-27 13,27-13,-13 13,-14-13,27 13,-13-13,0 0,0 0,-1 0,1 0,0 0,0 0</inkml:trace>
+  <inkml:trace contextRef="#ctx0" brushRef="#br0" timeOffset="47750.3016">6773 11284,'0'0,"14"0,-1 0,-13 40,0 13,26-13,-26 13,13-27,-13 14,0 0,0-14,0 14,14-27,-14 0,0-13,13 27,-13-14,0 0,0-13,0 13,0 1,13-1,0-13,54 0,12 0,27 0,13 0,13 0,-13 0,-26 0,-1 0,-12 0,-41 0,-39 0,27 0,-27 0,13 0</inkml:trace>
+  <inkml:trace contextRef="#ctx0" brushRef="#br0" timeOffset="67972.2792">11906 9022,'0'0,"0"0,0 40,0-27,0 14,0 12,0-12,0 13,0-14,0 0,0 14,0-27,0 1,0-1,0 0,13 0,1-13</inkml:trace>
+  <inkml:trace contextRef="#ctx0" brushRef="#br0" timeOffset="69068.1696">11073 10120,'0'-13,"0"0,0 0,0 13,13-14,0 14,14 0,-14 0,13 0,-12 0,25 0,-39 0,14 0,12 0,-26 0,26 14,-26-14,0 13,0 0,0 0,0 1,0 12,0-13,0 14,-26 12,13-25,-27 12,14-13,-1 14,1-14,-1-13,27 13,-13-13,13 13,0-13,26 0,14 0,26 0,-13 0,13 0,-26 0,0 0,-27 0,0 0,0 0,1 0</inkml:trace>
+  <inkml:trace contextRef="#ctx0" brushRef="#br0" timeOffset="70260.0504">11986 8930,'0'0,"0"0,-14 0,14 0,-26 0,-1 0,1 0,13 0,-14 0,1 0,-1 0,1 13,0 0,12-13,1 27,13-14,-13 27,0-27,13 13,0-13,0 14,-14-1,14 14,0-27,0 14,0-1,0 14,0-14,0-12,14 12,-14 0,13 1,0-14,0 0,1 27,25-27,-39-13,27 27,-14-27,27 0,-40 0,13 0,26 0,1 0,-27 0,14 0,-14 0,40 0,-40-13,14-1,12-12,-25 13,-1 13,0-27,0 14,1-14,-1 1,-13 0,13 12,-13-12,0-27,0 27,0-1,0-26,0 40,-40-53,27 39,-27 1,14 26,13-27,-27 14,27 13,-14 0,14 0,-40 0,53 0,-40 0,27 0,0 0,-13 0,12 27,-12-27,-1 39,1-12</inkml:trace>
+  <inkml:trace contextRef="#ctx0" brushRef="#br0" timeOffset="71803.8959">11245 10014,'-13'-13,"-1"0,14 0,-13 13,0 0,-14-13,14-1,0 14,13 0,-13 0,-1 0,-12 0,13 0,-14 0,1 0,-14 0,1 0,25 0,-25 27,12-14,14 0,0-13,-14 27,14-1,0-13,0 14,-1 13,1-27,-13 26,12-12,1-14,0 27,13-14,0 1,0 12,0-25,0 25,0 14,0-39,0 12,0-13,0 27,13-14,0 1,1-1,12 1,-26-14,27 0,-1 0,-26 1,26-1,27-13,-39 0,25 0,1 0,13 0,0 0,13 0,-13 0,0 0,-27 0,14 0,-14 0,14-27,-27 27,14-26,-14 13,0-27,0 14,1-1,-1-13,0 1,-13 12,0-12,13 12,-13-13,0 1,0-1,0 0,0 1,0 25,0-12,-13 0,-13-1,12 14,-12-27,-14 40,14-13</inkml:trace>
+  <inkml:trace contextRef="#ctx0" brushRef="#br1" timeOffset="145052.5704">10332 11311,'-13'0,"0"0,13 0,13 0,26 0,28 0,-14 0,26-13,-13 13,13 0,14 0,-40 0,13 0,-26 0,-1 0,1 0,0 0,-27 0,13 0,-12 0,-14 0,26 0,-26 0,13 0,-13 0,27 0,-27 0,26 0,-12 0,-14 0,26 0,14 0,-40 0,26 0,-13 0,14 0,-14 0,0 0,1 0,-1 0,13 0,1 0,12-14,1 14,-13-13,-1 0,-13 13,-13 0,13 0,1 0,-14 0,13 0,-13 0,26 0,-26 0,14 0,-14 0,26 0,-13 0,1 0</inkml:trace>
+  <inkml:trace contextRef="#ctx0" brushRef="#br1" timeOffset="146093.4663">10186 10861,'0'0,"0"13,0 14,0-1,0 1,0-14,0 13,0 1,0 13,0-1,0-12,0 12,0 1,27 13,-27-40,26 40,-26-40,0 1,0 12,14-13,-14-13,0-13</inkml:trace>
+  <inkml:trace contextRef="#ctx0" brushRef="#br1" timeOffset="147180.3576">10239 10874,'0'-13,"0"13,14 0,12-26,27 26,-13 0,13-14,26 14,-26 0,39 0,-39 0,0 0,27 0,-41 0,14 14,-13-14,26 13,-13-13,-13 0,-1 13,14-13,0 13,-26-13,12 0,-25 14,12-14,-13 0,14 13,-14-13,-13 0,13 0,0 0,1 0,25 0,-25 26,12-12,-13-14,1 0,12 0,-13 13,0-13,-13 13,14-13,-14 0,13 13,-13-13,26 0,-12 0,-1 13,0-13,0 14,-13-1,0 0,0 14,0-14,0 13,0-26,0 40,0-27,0 14,0-14,0 0,0 0,0-13,0 14,0-14,0 26,0-26,0 13,0-13,0 27,0-27,0 13,-26-13,26 0,-40 0,27 0,-27 0,14 0,-1 0,14 0,-27 0,40 0,-13-13,0 13,0 0</inkml:trace>
+  <inkml:trace contextRef="#ctx0" brushRef="#br1" timeOffset="158259.2496">11139 7766,'0'0,"13"0,14 0,-1 0,14 0,-14 0,14 0,0 0,13 0,13 0,-13 0,0 0,-1 0,15-27,-28 27,-12 0,12-13,-25 0,12 13,1-14,-14 1,0 13,-13 0,13-13,14 13,-27-13,13 13,-13-14,13 14,0-13,-13 13,27-26</inkml:trace>
+  <inkml:trace contextRef="#ctx0" brushRef="#br1" timeOffset="159284.1471">10980 7289,'-13'0,"0"13,13-13,-13 14,13 12,0 1,0-14,0 0,0 14,0-14,0 13,0-13,0 27,0-27,13 14,0-27,-13 26,13-12,0-1,-13 26,0-39,14 14,-1 12,-13-26,13 13,0 1,-13-1,27 0,-27 0,13-13,0 27,14-27,-14 26,0-26,14 13,-27 1,26-1,-26 0,13-13</inkml:trace>
+  <inkml:trace contextRef="#ctx0" brushRef="#br1" timeOffset="160251.0503">11139 7355,'0'0,"0"-13,0 13,26-26,14 26,-27 0,27-14,-14 14,14 0,0 0,0 0,-1 0,-12 0,26 0,-14 0,-12 0,26 0,-27 14,14-14,0 13,-14-13,14 0,-14 26,-13-26,1 0,25 14,-39-14,27 0,-14 13,0 0,-13 0,0 14,0-14,13-13,-13 26,0-12,0-14,0 13,0 0,0 0,0 1,0-1,0 0,0-13,0 13,0 1,0-1,0-13</inkml:trace>
+  <inkml:trace contextRef="#ctx0" brushRef="#br1" timeOffset="169090.1663">10980 7342,'13'0,"-13"0,14 0,12 0,14 0,-40 0,26 0,1 0,-1 0,-13 0,1 0,-1 0,0 0,-13 0</inkml:trace>
+  <inkml:trace contextRef="#ctx0" brushRef="#br1" timeOffset="188511.2241">4207 3254,'26'14,"1"25,-1-25,40 25,-13 1,13 0,1-14,12 0,53 41,-52-41,52 27,0 13,14-13,26 13,-27-13,54 53,39 0,-93-66,27 39,-26-13,-40-13,-27-27,-26 14,-13-27</inkml:trace>
+  <inkml:trace contextRef="#ctx0" brushRef="#br1" timeOffset="227276.3472">1204 5252,'0'0,"-13"13,13 14,0-1,-14 14,14-14,-26 27,26-13,0 13,-13-14,-1 41,14-80,0 26,-13 1,0 39,0-26,13-14,0 1,-13 12,13 1,-14 13,14 13,-13 13,13 1,-13-14,13 0,-13-13,-14-13,14 26,13 0,0 13,-13-39,13 0,0 13,-27 13,14 40,0-14,13 27,0-26,0 13,0 13,0-27,0 54,0-14,0-13,0-13,0 13,0-26,0 13,0-14,0 27,0-13,0-13,0 12,0-12,0-14,0 54,13-80,0 26,0 0,1 14,-14-27,13 0,13 14,-12 12,25-26,-25-13,-1-13,13 26,-13-26,-13-14,0-12,14 25,-14 1,26-27,-26 0,0 14,0-27,13 26,-13-12,0-1,0-13,14 13,-1-13,-13 0,0 13,13 0</inkml:trace>
+  <inkml:trace contextRef="#ctx0" brushRef="#br1" timeOffset="237667.308">6628 8612,'0'0,"13"0,-13 27,0-14,0 0,0 14,13-27,1 26,-14-13,13-13,-13 27,0-27,13 13,0-13,0 0,27-13,-13-14,12 1,-12-1,-1 1,40-27,-52 40,25-14,-12 1,-1-14,-13 40,-13-13,40-14,-40 27,13-13,14 0</inkml:trace>
+  <inkml:trace contextRef="#ctx0" brushRef="#br1" timeOffset="239508.1239">4749 3122,'40'0,"13"0,26 0,40 27,-13 12,26 1,54 26,-14-26,39 26,41 13,-41-52,-12 52,65 0,-39-12,-66-41,13 40,-119-53,13 14,-26-27,-27 13,13-13</inkml:trace>
+  <inkml:trace contextRef="#ctx0" brushRef="#br1" timeOffset="246906.3839">5054 5741,'13'0,"13"0,27 0,-26 0,26 0,13 0,26 0,54-13,-1 13,1 0,39 0,0 0,0 0,14 0,-40 0,-27 0,13 0,-78 0,-28 0,-25 0</inkml:trace>
+  <inkml:trace contextRef="#ctx0" brushRef="#br1" timeOffset="251096.9649">5794 8520,'14'0,"-1"0,-13 0,26 0,1 0,-1 0,1 0,12-40,-25-26,25 13,-26 13,1-39,-14 13,0-14,0-12,0-14,0-40,0-12,0 12,0 27,-27 13,1 0,-1 67,14-28,0 54,0-40,-1 53,1-26,13 13,-13-1,0-25,0 25,-1-12,14-27,-26 13,13-26,-1 13,1 0,13-13,0 27,-13-14,13 0,0 0,0 13,0 0,0 1,-13 12,13 14,-14-13,14-1,0 14,0 13,0-13,-26-1,26 1,0 13,0-13,0-13,0 26,0-27,-13 1,13-14,0 27,0 0,0-14,0 27,0-26,-13 26,13 0,-14 0,1 0,0 0,-14 26,27-13,-26 27,13-27,-14 0,14 27,0-40,13 13,-13 1,13-14</inkml:trace>
+  <inkml:trace contextRef="#ctx0" brushRef="#br1" timeOffset="251561.9184">5636 5808,'26'0,"14"13,13 0,-14 0,1 14,26-14,-13 27,-13-27,26 13,0 1,-13-14,13 0,-13 14,0-14,0 0,-27 0,27-13,-26 14,-14-1,0-13,0 0,1 0</inkml:trace>
+  <inkml:trace contextRef="#ctx0" brushRef="#br1" timeOffset="273992.6751">7289 4101,'27'0,"-1"0,-13 0,14 0,26 40,-27-27,27 27,40 13,-14-1,1 15,-14-1,-53-66,53 79,27 14,52 65,-26-25,27 12,-1 27,-12-26,25 39,28 13,-54-65,66 65,-13 1,-52-54,-14-13,0-12,-53-41,-66-66,53 40,40 26,-1 27,1-26,-1 25,27 1,-13 13,13-13,14 13,-28-26,28 13,-41-27,-12-13,-14 0,-13-26,0-14,13 27,-26-13,26 13,-53-40,13 14,14 12,-27-25,14 25,-27-39,26 14,-26-1,13 0,-13-13,0 13,0 0,0 1,27-1,-27 13,13 1,-13-1,13-26,-13 13,0 14,0-14,14 14,-1-27,-13 26,13 1,0-1,0 0,1 14,-1-27,-13 1,13-1,-13-13,0-27</inkml:trace>
+  <inkml:trace contextRef="#ctx0" brushRef="#br1" timeOffset="275126.5616">11999 8387,'0'-13,"0"13,13 40,-13-14,27 14,-27 13,0-14,0 28,13-28,-13-25,13 25,-13-26,0 14,13-14,-13 0,0-13,0 14,0-1,0 0,0 0,0 1,-13-1,13 0,0 0,-13-13,13 0,-13 0,-1 0,1-13,0 0,0 0,-14-1,1 1,-1 0,1 13,-1-27,1 27,-1 0,-12-26,12 13,1 13,-14 0,0 0,27 0,-26-14,25 14,14 0,-13 0</inkml:trace>
+</inkml:ink>
 </file>
 
 <file path=ppt/notesMasters/notesMaster1.xml><?xml version="1.0" encoding="utf-8"?>
@@ -844,13 +1026,6 @@
               <a:rPr lang="zh-CN" altLang="en-US" dirty="0" smtClean="0"/>
               <a:t>）</a:t>
             </a:r>
-            <a:endParaRPr lang="en-US" altLang="zh-CN" dirty="0" smtClean="0"/>
-          </a:p>
-          <a:p>
-            <a:r>
-              <a:rPr lang="en-US" altLang="zh-CN" dirty="0" smtClean="0"/>
-              <a:t>Application.properties</a:t>
-            </a:r>
             <a:endParaRPr lang="zh-CN" altLang="en-US" dirty="0"/>
           </a:p>
         </p:txBody>
@@ -918,12 +1093,7 @@
             <p:ph type="sldImg"/>
           </p:nvPr>
         </p:nvSpPr>
-        <p:spPr>
-          <a:xfrm>
-            <a:off x="381000" y="685800"/>
-            <a:ext cx="6096000" cy="3429000"/>
-          </a:xfrm>
-        </p:spPr>
+        <p:spPr/>
       </p:sp>
       <p:sp>
         <p:nvSpPr>
@@ -942,61 +1112,11 @@
           <a:p>
             <a:r>
               <a:rPr lang="en-US" altLang="zh-CN" dirty="0" err="1" smtClean="0"/>
-              <a:t>ContextLoaderListener</a:t>
+              <a:t>DispatcherServlet</a:t>
             </a:r>
             <a:r>
               <a:rPr lang="zh-CN" altLang="en-US" dirty="0" smtClean="0"/>
-              <a:t>初始化的上下文加载的</a:t>
-            </a:r>
-            <a:r>
-              <a:rPr lang="en-US" altLang="zh-CN" dirty="0" smtClean="0"/>
-              <a:t>Bean</a:t>
-            </a:r>
-            <a:r>
-              <a:rPr lang="zh-CN" altLang="en-US" dirty="0" smtClean="0"/>
-              <a:t>是对于整个应用程序共享的，不管是使用什么表现层技术，一般如</a:t>
-            </a:r>
-            <a:r>
-              <a:rPr lang="en-US" altLang="zh-CN" dirty="0" smtClean="0"/>
-              <a:t>DAO</a:t>
-            </a:r>
-            <a:r>
-              <a:rPr lang="zh-CN" altLang="en-US" dirty="0" smtClean="0"/>
-              <a:t>层、</a:t>
-            </a:r>
-            <a:r>
-              <a:rPr lang="en-US" altLang="zh-CN" dirty="0" smtClean="0"/>
-              <a:t>Service</a:t>
-            </a:r>
-            <a:r>
-              <a:rPr lang="zh-CN" altLang="en-US" dirty="0" smtClean="0"/>
-              <a:t>层</a:t>
-            </a:r>
-            <a:r>
-              <a:rPr lang="en-US" altLang="zh-CN" dirty="0" smtClean="0"/>
-              <a:t>Bean</a:t>
-            </a:r>
-            <a:r>
-              <a:rPr lang="zh-CN" altLang="en-US" dirty="0" smtClean="0"/>
-              <a:t>；</a:t>
-            </a:r>
-          </a:p>
-          <a:p>
-            <a:r>
-              <a:rPr lang="en-US" altLang="zh-CN" dirty="0" err="1" smtClean="0"/>
-              <a:t>DispatcherServlet</a:t>
-            </a:r>
-            <a:r>
-              <a:rPr lang="zh-CN" altLang="en-US" dirty="0" smtClean="0"/>
-              <a:t>初始化的上下文加载的</a:t>
-            </a:r>
-            <a:r>
-              <a:rPr lang="en-US" altLang="zh-CN" dirty="0" smtClean="0"/>
-              <a:t>Bean</a:t>
-            </a:r>
-            <a:r>
-              <a:rPr lang="zh-CN" altLang="en-US" dirty="0" smtClean="0"/>
-              <a:t>是只对</a:t>
+              <a:t>是前端控制器设计模式的实现，提供</a:t>
             </a:r>
             <a:r>
               <a:rPr lang="en-US" altLang="zh-CN" dirty="0" smtClean="0"/>
@@ -1004,47 +1124,66 @@
             </a:r>
             <a:r>
               <a:rPr lang="zh-CN" altLang="en-US" dirty="0" smtClean="0"/>
-              <a:t>有效的</a:t>
+              <a:t>的集中访问点，而且负责职责的分派，而且与</a:t>
             </a:r>
             <a:r>
               <a:rPr lang="en-US" altLang="zh-CN" dirty="0" smtClean="0"/>
-              <a:t>Bean</a:t>
+              <a:t>Spring </a:t>
+            </a:r>
+            <a:r>
+              <a:rPr lang="en-US" altLang="zh-CN" dirty="0" err="1" smtClean="0"/>
+              <a:t>IoC</a:t>
             </a:r>
             <a:r>
               <a:rPr lang="zh-CN" altLang="en-US" dirty="0" smtClean="0"/>
-              <a:t>，如</a:t>
+              <a:t>容器无缝集成，从而可以获得</a:t>
             </a:r>
             <a:r>
               <a:rPr lang="en-US" altLang="zh-CN" dirty="0" smtClean="0"/>
-              <a:t>Controller</a:t>
+              <a:t>Spring</a:t>
             </a:r>
             <a:r>
               <a:rPr lang="zh-CN" altLang="en-US" dirty="0" smtClean="0"/>
-              <a:t>、</a:t>
-            </a:r>
-            <a:r>
-              <a:rPr lang="en-US" altLang="zh-CN" dirty="0" smtClean="0"/>
-              <a:t>HandlerMapping</a:t>
+              <a:t>的所有好处。</a:t>
+            </a:r>
+            <a:endParaRPr lang="en-US" altLang="zh-CN" dirty="0" smtClean="0"/>
+          </a:p>
+          <a:p>
+            <a:r>
+              <a:rPr lang="en-US" altLang="zh-CN" sz="1200" dirty="0" smtClean="0"/>
+              <a:t>HandlerAdapter</a:t>
             </a:r>
             <a:r>
               <a:rPr lang="zh-CN" altLang="en-US" dirty="0" smtClean="0"/>
-              <a:t>、</a:t>
-            </a:r>
-            <a:r>
-              <a:rPr lang="en-US" altLang="zh-CN" dirty="0" smtClean="0"/>
+              <a:t>可以有多个，比如用于拦截权限（</a:t>
+            </a:r>
+            <a:r>
+              <a:rPr lang="en-US" altLang="zh-CN" sz="1200" b="0" i="0" kern="1200" dirty="0" smtClean="0">
+                <a:solidFill>
+                  <a:schemeClr val="tx1"/>
+                </a:solidFill>
+                <a:effectLst/>
+                <a:latin typeface="+mn-lt"/>
+                <a:ea typeface="+mn-ea"/>
+                <a:cs typeface="+mn-cs"/>
+              </a:rPr>
               <a:t>HandlerAdapter</a:t>
             </a:r>
             <a:r>
+              <a:rPr lang="zh-CN" altLang="en-US" sz="1200" b="0" i="0" kern="1200" dirty="0" smtClean="0">
+                <a:solidFill>
+                  <a:schemeClr val="tx1"/>
+                </a:solidFill>
+                <a:effectLst/>
+                <a:latin typeface="+mn-lt"/>
+                <a:ea typeface="+mn-ea"/>
+                <a:cs typeface="+mn-cs"/>
+              </a:rPr>
+              <a:t>将会把处理器包装为适配器，从而支持多种类型的处理器，即适配器设计模式的应用，从而很容易支持很多类型的处理器</a:t>
+            </a:r>
+            <a:r>
               <a:rPr lang="zh-CN" altLang="en-US" dirty="0" smtClean="0"/>
-              <a:t>等等，该初始化上下文应该只加载</a:t>
-            </a:r>
-            <a:r>
-              <a:rPr lang="en-US" altLang="zh-CN" dirty="0" smtClean="0"/>
-              <a:t>Web</a:t>
-            </a:r>
-            <a:r>
-              <a:rPr lang="zh-CN" altLang="en-US" dirty="0" smtClean="0"/>
-              <a:t>相关组件。</a:t>
+              <a:t>）</a:t>
             </a:r>
             <a:endParaRPr lang="zh-CN" altLang="en-US" dirty="0"/>
           </a:p>
@@ -1068,6 +1207,505 @@
             <a:fld id="{71FE3369-33FF-45DF-AB83-4542779F698D}" type="slidenum">
               <a:rPr lang="zh-CN" altLang="en-US" smtClean="0"/>
               <a:t>4</a:t>
+            </a:fld>
+            <a:endParaRPr lang="zh-CN" altLang="en-US"/>
+          </a:p>
+        </p:txBody>
+      </p:sp>
+    </p:spTree>
+    <p:extLst>
+      <p:ext uri="{BB962C8B-B14F-4D97-AF65-F5344CB8AC3E}">
+        <p14:creationId xmlns:p14="http://schemas.microsoft.com/office/powerpoint/2010/main" val="132108948"/>
+      </p:ext>
+    </p:extLst>
+  </p:cSld>
+  <p:clrMapOvr>
+    <a:masterClrMapping/>
+  </p:clrMapOvr>
+</p:notes>
+</file>
+
+<file path=ppt/notesSlides/notesSlide5.xml><?xml version="1.0" encoding="utf-8"?>
+<p:notes xmlns:a="http://schemas.openxmlformats.org/drawingml/2006/main" xmlns:r="http://schemas.openxmlformats.org/officeDocument/2006/relationships" xmlns:p="http://schemas.openxmlformats.org/presentationml/2006/main">
+  <p:cSld>
+    <p:spTree>
+      <p:nvGrpSpPr>
+        <p:cNvPr id="1" name=""/>
+        <p:cNvGrpSpPr/>
+        <p:nvPr/>
+      </p:nvGrpSpPr>
+      <p:grpSpPr>
+        <a:xfrm>
+          <a:off x="0" y="0"/>
+          <a:ext cx="0" cy="0"/>
+          <a:chOff x="0" y="0"/>
+          <a:chExt cx="0" cy="0"/>
+        </a:xfrm>
+      </p:grpSpPr>
+      <p:sp>
+        <p:nvSpPr>
+          <p:cNvPr id="2" name="幻灯片图像占位符 1"/>
+          <p:cNvSpPr>
+            <a:spLocks noGrp="1" noRot="1" noChangeAspect="1"/>
+          </p:cNvSpPr>
+          <p:nvPr>
+            <p:ph type="sldImg"/>
+          </p:nvPr>
+        </p:nvSpPr>
+        <p:spPr>
+          <a:xfrm>
+            <a:off x="381000" y="685800"/>
+            <a:ext cx="6096000" cy="3429000"/>
+          </a:xfrm>
+        </p:spPr>
+      </p:sp>
+      <p:sp>
+        <p:nvSpPr>
+          <p:cNvPr id="3" name="备注占位符 2"/>
+          <p:cNvSpPr>
+            <a:spLocks noGrp="1"/>
+          </p:cNvSpPr>
+          <p:nvPr>
+            <p:ph type="body" idx="1"/>
+          </p:nvPr>
+        </p:nvSpPr>
+        <p:spPr/>
+        <p:txBody>
+          <a:bodyPr/>
+          <a:lstStyle/>
+          <a:p>
+            <a:r>
+              <a:rPr lang="en-US" altLang="zh-CN" dirty="0" err="1" smtClean="0"/>
+              <a:t>ContextLoaderListener</a:t>
+            </a:r>
+            <a:r>
+              <a:rPr lang="zh-CN" altLang="en-US" dirty="0" smtClean="0"/>
+              <a:t>初始化的上下文加载的</a:t>
+            </a:r>
+            <a:r>
+              <a:rPr lang="en-US" altLang="zh-CN" dirty="0" smtClean="0"/>
+              <a:t>Bean</a:t>
+            </a:r>
+            <a:r>
+              <a:rPr lang="zh-CN" altLang="en-US" dirty="0" smtClean="0"/>
+              <a:t>是对于整个应用程序共享的，不管是使用什么表现层技术，一般如</a:t>
+            </a:r>
+            <a:r>
+              <a:rPr lang="en-US" altLang="zh-CN" dirty="0" smtClean="0"/>
+              <a:t>DAO</a:t>
+            </a:r>
+            <a:r>
+              <a:rPr lang="zh-CN" altLang="en-US" dirty="0" smtClean="0"/>
+              <a:t>层、</a:t>
+            </a:r>
+            <a:r>
+              <a:rPr lang="en-US" altLang="zh-CN" dirty="0" smtClean="0"/>
+              <a:t>Service</a:t>
+            </a:r>
+            <a:r>
+              <a:rPr lang="zh-CN" altLang="en-US" dirty="0" smtClean="0"/>
+              <a:t>层</a:t>
+            </a:r>
+            <a:r>
+              <a:rPr lang="en-US" altLang="zh-CN" dirty="0" smtClean="0"/>
+              <a:t>Bean</a:t>
+            </a:r>
+            <a:r>
+              <a:rPr lang="zh-CN" altLang="en-US" dirty="0" smtClean="0"/>
+              <a:t>；</a:t>
+            </a:r>
+          </a:p>
+          <a:p>
+            <a:r>
+              <a:rPr lang="en-US" altLang="zh-CN" dirty="0" err="1" smtClean="0"/>
+              <a:t>DispatcherServlet</a:t>
+            </a:r>
+            <a:r>
+              <a:rPr lang="zh-CN" altLang="en-US" dirty="0" smtClean="0"/>
+              <a:t>初始化的上下文加载的</a:t>
+            </a:r>
+            <a:r>
+              <a:rPr lang="en-US" altLang="zh-CN" dirty="0" smtClean="0"/>
+              <a:t>Bean</a:t>
+            </a:r>
+            <a:r>
+              <a:rPr lang="zh-CN" altLang="en-US" dirty="0" smtClean="0"/>
+              <a:t>是只对</a:t>
+            </a:r>
+            <a:r>
+              <a:rPr lang="en-US" altLang="zh-CN" dirty="0" smtClean="0"/>
+              <a:t>Spring Web MVC</a:t>
+            </a:r>
+            <a:r>
+              <a:rPr lang="zh-CN" altLang="en-US" dirty="0" smtClean="0"/>
+              <a:t>有效的</a:t>
+            </a:r>
+            <a:r>
+              <a:rPr lang="en-US" altLang="zh-CN" dirty="0" smtClean="0"/>
+              <a:t>Bean</a:t>
+            </a:r>
+            <a:r>
+              <a:rPr lang="zh-CN" altLang="en-US" dirty="0" smtClean="0"/>
+              <a:t>，如</a:t>
+            </a:r>
+            <a:r>
+              <a:rPr lang="en-US" altLang="zh-CN" dirty="0" smtClean="0"/>
+              <a:t>Controller</a:t>
+            </a:r>
+            <a:r>
+              <a:rPr lang="zh-CN" altLang="en-US" dirty="0" smtClean="0"/>
+              <a:t>、</a:t>
+            </a:r>
+            <a:r>
+              <a:rPr lang="en-US" altLang="zh-CN" dirty="0" smtClean="0"/>
+              <a:t>HandlerMapping</a:t>
+            </a:r>
+            <a:r>
+              <a:rPr lang="zh-CN" altLang="en-US" dirty="0" smtClean="0"/>
+              <a:t>、</a:t>
+            </a:r>
+            <a:r>
+              <a:rPr lang="en-US" altLang="zh-CN" dirty="0" smtClean="0"/>
+              <a:t>HandlerAdapter</a:t>
+            </a:r>
+            <a:r>
+              <a:rPr lang="zh-CN" altLang="en-US" dirty="0" smtClean="0"/>
+              <a:t>等等，该初始化上下文应该只加载</a:t>
+            </a:r>
+            <a:r>
+              <a:rPr lang="en-US" altLang="zh-CN" dirty="0" smtClean="0"/>
+              <a:t>Web</a:t>
+            </a:r>
+            <a:r>
+              <a:rPr lang="zh-CN" altLang="en-US" dirty="0" smtClean="0"/>
+              <a:t>相关组件。</a:t>
+            </a:r>
+            <a:endParaRPr lang="en-US" altLang="zh-CN" dirty="0" smtClean="0"/>
+          </a:p>
+          <a:p>
+            <a:r>
+              <a:rPr lang="en-US" altLang="zh-CN" dirty="0" smtClean="0"/>
+              <a:t>Web</a:t>
+            </a:r>
+            <a:r>
+              <a:rPr lang="zh-CN" altLang="en-US" dirty="0" smtClean="0"/>
+              <a:t>层组件和</a:t>
+            </a:r>
+            <a:r>
+              <a:rPr lang="en-US" altLang="zh-CN" dirty="0" smtClean="0"/>
+              <a:t>web</a:t>
+            </a:r>
+            <a:r>
+              <a:rPr lang="zh-CN" altLang="en-US" dirty="0" smtClean="0"/>
+              <a:t>层之外的组件分开加载，是因为没有</a:t>
+            </a:r>
+            <a:r>
+              <a:rPr lang="en-US" altLang="zh-CN" dirty="0" err="1" smtClean="0"/>
+              <a:t>springMVC</a:t>
+            </a:r>
+            <a:r>
+              <a:rPr lang="zh-CN" altLang="en-US" dirty="0" smtClean="0"/>
+              <a:t>的时候，</a:t>
+            </a:r>
+            <a:r>
+              <a:rPr lang="en-US" altLang="zh-CN" dirty="0" smtClean="0"/>
+              <a:t>struts</a:t>
+            </a:r>
+            <a:r>
+              <a:rPr lang="zh-CN" altLang="en-US" dirty="0" smtClean="0"/>
+              <a:t>完成了</a:t>
+            </a:r>
+            <a:r>
+              <a:rPr lang="en-US" altLang="zh-CN" dirty="0" smtClean="0"/>
+              <a:t>web</a:t>
+            </a:r>
+            <a:r>
+              <a:rPr lang="zh-CN" altLang="en-US" dirty="0" smtClean="0"/>
+              <a:t>层的加载。</a:t>
+            </a:r>
+            <a:endParaRPr lang="en-US" altLang="zh-CN" dirty="0" smtClean="0"/>
+          </a:p>
+          <a:p>
+            <a:r>
+              <a:rPr lang="en-US" altLang="zh-CN" dirty="0" err="1" smtClean="0"/>
+              <a:t>Application.properties</a:t>
+            </a:r>
+            <a:r>
+              <a:rPr lang="zh-CN" altLang="en-US" dirty="0" smtClean="0"/>
+              <a:t>的解析由</a:t>
+            </a:r>
+            <a:r>
+              <a:rPr lang="en-US" altLang="zh-CN" dirty="0" err="1" smtClean="0"/>
+              <a:t>ContextLoaderListener</a:t>
+            </a:r>
+            <a:r>
+              <a:rPr lang="zh-CN" altLang="en-US" dirty="0" smtClean="0"/>
+              <a:t>和</a:t>
+            </a:r>
+            <a:r>
+              <a:rPr lang="en-US" altLang="zh-CN" dirty="0" err="1" smtClean="0"/>
+              <a:t>DispatcherServlet</a:t>
+            </a:r>
+            <a:r>
+              <a:rPr lang="zh-CN" altLang="en-US" dirty="0" smtClean="0"/>
+              <a:t>共同完成。</a:t>
+            </a:r>
+            <a:endParaRPr lang="en-US" altLang="zh-CN" dirty="0" smtClean="0"/>
+          </a:p>
+          <a:p>
+            <a:r>
+              <a:rPr lang="zh-CN" altLang="en-US" dirty="0" smtClean="0"/>
+              <a:t>如果没有</a:t>
+            </a:r>
+            <a:r>
+              <a:rPr lang="en-US" altLang="zh-CN" dirty="0" smtClean="0"/>
+              <a:t>springboot</a:t>
+            </a:r>
+            <a:r>
+              <a:rPr lang="zh-CN" altLang="en-US" dirty="0" smtClean="0"/>
+              <a:t>：绿色的部分的集成就没有了，通过</a:t>
+            </a:r>
+            <a:r>
+              <a:rPr lang="en-US" altLang="zh-CN" dirty="0" smtClean="0"/>
+              <a:t>web.xml</a:t>
+            </a:r>
+            <a:r>
+              <a:rPr lang="zh-CN" altLang="en-US" dirty="0" smtClean="0"/>
+              <a:t>配置的</a:t>
+            </a:r>
+            <a:r>
+              <a:rPr lang="en-US" altLang="zh-CN" dirty="0" err="1" smtClean="0"/>
+              <a:t>contextLoaderLisener</a:t>
+            </a:r>
+            <a:r>
+              <a:rPr lang="zh-CN" altLang="en-US" dirty="0" smtClean="0"/>
+              <a:t>加载</a:t>
+            </a:r>
+            <a:r>
+              <a:rPr lang="en-US" altLang="zh-CN" dirty="0" smtClean="0"/>
+              <a:t>spring</a:t>
+            </a:r>
+            <a:r>
+              <a:rPr lang="zh-CN" altLang="en-US" dirty="0" smtClean="0"/>
+              <a:t>上下文，嵌入的东西都独立出来了。</a:t>
+            </a:r>
+            <a:endParaRPr lang="en-US" altLang="zh-CN" dirty="0" smtClean="0"/>
+          </a:p>
+        </p:txBody>
+      </p:sp>
+      <p:sp>
+        <p:nvSpPr>
+          <p:cNvPr id="4" name="灯片编号占位符 3"/>
+          <p:cNvSpPr>
+            <a:spLocks noGrp="1"/>
+          </p:cNvSpPr>
+          <p:nvPr>
+            <p:ph type="sldNum" sz="quarter" idx="10"/>
+          </p:nvPr>
+        </p:nvSpPr>
+        <p:spPr/>
+        <p:txBody>
+          <a:bodyPr/>
+          <a:lstStyle/>
+          <a:p>
+            <a:fld id="{71FE3369-33FF-45DF-AB83-4542779F698D}" type="slidenum">
+              <a:rPr lang="zh-CN" altLang="en-US" smtClean="0"/>
+              <a:t>5</a:t>
+            </a:fld>
+            <a:endParaRPr lang="zh-CN" altLang="en-US"/>
+          </a:p>
+        </p:txBody>
+      </p:sp>
+    </p:spTree>
+    <p:extLst>
+      <p:ext uri="{BB962C8B-B14F-4D97-AF65-F5344CB8AC3E}">
+        <p14:creationId xmlns:p14="http://schemas.microsoft.com/office/powerpoint/2010/main" val="1421662787"/>
+      </p:ext>
+    </p:extLst>
+  </p:cSld>
+  <p:clrMapOvr>
+    <a:masterClrMapping/>
+  </p:clrMapOvr>
+</p:notes>
+</file>
+
+<file path=ppt/notesSlides/notesSlide6.xml><?xml version="1.0" encoding="utf-8"?>
+<p:notes xmlns:a="http://schemas.openxmlformats.org/drawingml/2006/main" xmlns:r="http://schemas.openxmlformats.org/officeDocument/2006/relationships" xmlns:p="http://schemas.openxmlformats.org/presentationml/2006/main">
+  <p:cSld>
+    <p:spTree>
+      <p:nvGrpSpPr>
+        <p:cNvPr id="1" name=""/>
+        <p:cNvGrpSpPr/>
+        <p:nvPr/>
+      </p:nvGrpSpPr>
+      <p:grpSpPr>
+        <a:xfrm>
+          <a:off x="0" y="0"/>
+          <a:ext cx="0" cy="0"/>
+          <a:chOff x="0" y="0"/>
+          <a:chExt cx="0" cy="0"/>
+        </a:xfrm>
+      </p:grpSpPr>
+      <p:sp>
+        <p:nvSpPr>
+          <p:cNvPr id="2" name="幻灯片图像占位符 1"/>
+          <p:cNvSpPr>
+            <a:spLocks noGrp="1" noRot="1" noChangeAspect="1"/>
+          </p:cNvSpPr>
+          <p:nvPr>
+            <p:ph type="sldImg"/>
+          </p:nvPr>
+        </p:nvSpPr>
+        <p:spPr>
+          <a:xfrm>
+            <a:off x="381000" y="685800"/>
+            <a:ext cx="6096000" cy="3429000"/>
+          </a:xfrm>
+        </p:spPr>
+      </p:sp>
+      <p:sp>
+        <p:nvSpPr>
+          <p:cNvPr id="3" name="备注占位符 2"/>
+          <p:cNvSpPr>
+            <a:spLocks noGrp="1"/>
+          </p:cNvSpPr>
+          <p:nvPr>
+            <p:ph type="body" idx="1"/>
+          </p:nvPr>
+        </p:nvSpPr>
+        <p:spPr/>
+        <p:txBody>
+          <a:bodyPr/>
+          <a:lstStyle/>
+          <a:p>
+            <a:r>
+              <a:rPr lang="en-US" altLang="zh-CN" dirty="0" err="1" smtClean="0"/>
+              <a:t>ContextLoaderListener</a:t>
+            </a:r>
+            <a:r>
+              <a:rPr lang="zh-CN" altLang="en-US" dirty="0" smtClean="0"/>
+              <a:t>初始化的上下文加载的</a:t>
+            </a:r>
+            <a:r>
+              <a:rPr lang="en-US" altLang="zh-CN" dirty="0" smtClean="0"/>
+              <a:t>Bean</a:t>
+            </a:r>
+            <a:r>
+              <a:rPr lang="zh-CN" altLang="en-US" dirty="0" smtClean="0"/>
+              <a:t>是对于整个应用程序共享的，不管是使用什么表现层技术，一般如</a:t>
+            </a:r>
+            <a:r>
+              <a:rPr lang="en-US" altLang="zh-CN" dirty="0" smtClean="0"/>
+              <a:t>DAO</a:t>
+            </a:r>
+            <a:r>
+              <a:rPr lang="zh-CN" altLang="en-US" dirty="0" smtClean="0"/>
+              <a:t>层、</a:t>
+            </a:r>
+            <a:r>
+              <a:rPr lang="en-US" altLang="zh-CN" dirty="0" smtClean="0"/>
+              <a:t>Service</a:t>
+            </a:r>
+            <a:r>
+              <a:rPr lang="zh-CN" altLang="en-US" dirty="0" smtClean="0"/>
+              <a:t>层</a:t>
+            </a:r>
+            <a:r>
+              <a:rPr lang="en-US" altLang="zh-CN" dirty="0" smtClean="0"/>
+              <a:t>Bean</a:t>
+            </a:r>
+            <a:r>
+              <a:rPr lang="zh-CN" altLang="en-US" dirty="0" smtClean="0"/>
+              <a:t>；</a:t>
+            </a:r>
+          </a:p>
+          <a:p>
+            <a:r>
+              <a:rPr lang="en-US" altLang="zh-CN" dirty="0" err="1" smtClean="0"/>
+              <a:t>DispatcherServlet</a:t>
+            </a:r>
+            <a:r>
+              <a:rPr lang="zh-CN" altLang="en-US" dirty="0" smtClean="0"/>
+              <a:t>初始化的上下文加载的</a:t>
+            </a:r>
+            <a:r>
+              <a:rPr lang="en-US" altLang="zh-CN" dirty="0" smtClean="0"/>
+              <a:t>Bean</a:t>
+            </a:r>
+            <a:r>
+              <a:rPr lang="zh-CN" altLang="en-US" dirty="0" smtClean="0"/>
+              <a:t>是只对</a:t>
+            </a:r>
+            <a:r>
+              <a:rPr lang="en-US" altLang="zh-CN" dirty="0" smtClean="0"/>
+              <a:t>Spring Web MVC</a:t>
+            </a:r>
+            <a:r>
+              <a:rPr lang="zh-CN" altLang="en-US" dirty="0" smtClean="0"/>
+              <a:t>有效的</a:t>
+            </a:r>
+            <a:r>
+              <a:rPr lang="en-US" altLang="zh-CN" dirty="0" smtClean="0"/>
+              <a:t>Bean</a:t>
+            </a:r>
+            <a:r>
+              <a:rPr lang="zh-CN" altLang="en-US" dirty="0" smtClean="0"/>
+              <a:t>，如</a:t>
+            </a:r>
+            <a:r>
+              <a:rPr lang="en-US" altLang="zh-CN" dirty="0" smtClean="0"/>
+              <a:t>Controller</a:t>
+            </a:r>
+            <a:r>
+              <a:rPr lang="zh-CN" altLang="en-US" dirty="0" smtClean="0"/>
+              <a:t>、</a:t>
+            </a:r>
+            <a:r>
+              <a:rPr lang="en-US" altLang="zh-CN" dirty="0" smtClean="0"/>
+              <a:t>HandlerMapping</a:t>
+            </a:r>
+            <a:r>
+              <a:rPr lang="zh-CN" altLang="en-US" dirty="0" smtClean="0"/>
+              <a:t>、</a:t>
+            </a:r>
+            <a:r>
+              <a:rPr lang="en-US" altLang="zh-CN" dirty="0" smtClean="0"/>
+              <a:t>HandlerAdapter</a:t>
+            </a:r>
+            <a:r>
+              <a:rPr lang="zh-CN" altLang="en-US" dirty="0" smtClean="0"/>
+              <a:t>等等，该初始化上下文应该只加载</a:t>
+            </a:r>
+            <a:r>
+              <a:rPr lang="en-US" altLang="zh-CN" dirty="0" smtClean="0"/>
+              <a:t>Web</a:t>
+            </a:r>
+            <a:r>
+              <a:rPr lang="zh-CN" altLang="en-US" dirty="0" smtClean="0"/>
+              <a:t>相关组件。</a:t>
+            </a:r>
+            <a:endParaRPr lang="zh-CN" altLang="en-US" dirty="0"/>
+          </a:p>
+        </p:txBody>
+      </p:sp>
+      <p:sp>
+        <p:nvSpPr>
+          <p:cNvPr id="4" name="灯片编号占位符 3"/>
+          <p:cNvSpPr>
+            <a:spLocks noGrp="1"/>
+          </p:cNvSpPr>
+          <p:nvPr>
+            <p:ph type="sldNum" sz="quarter" idx="10"/>
+          </p:nvPr>
+        </p:nvSpPr>
+        <p:spPr/>
+        <p:txBody>
+          <a:bodyPr/>
+          <a:lstStyle/>
+          <a:p>
+            <a:fld id="{71FE3369-33FF-45DF-AB83-4542779F698D}" type="slidenum">
+              <a:rPr lang="zh-CN" altLang="en-US" smtClean="0"/>
+              <a:t>6</a:t>
             </a:fld>
             <a:endParaRPr lang="zh-CN" altLang="en-US"/>
           </a:p>
@@ -5059,7 +5697,7 @@
         </p:nvSpPr>
         <p:spPr>
           <a:xfrm>
-            <a:off x="6215635" y="3420747"/>
+            <a:off x="6084168" y="3404027"/>
             <a:ext cx="2592288" cy="1277273"/>
           </a:xfrm>
           <a:prstGeom prst="rect">
@@ -7276,6 +7914,45 @@
           </a:p>
         </p:txBody>
       </p:sp>
+      <mc:AlternateContent xmlns:mc="http://schemas.openxmlformats.org/markup-compatibility/2006" xmlns:p14="http://schemas.microsoft.com/office/powerpoint/2010/main">
+        <mc:Choice Requires="p14">
+          <p:contentPart p14:bwMode="auto" r:id="rId3">
+            <p14:nvContentPartPr>
+              <p14:cNvPr id="5" name="墨迹 4"/>
+              <p14:cNvContentPartPr/>
+              <p14:nvPr/>
+            </p14:nvContentPartPr>
+            <p14:xfrm>
+              <a:off x="-9360" y="133200"/>
+              <a:ext cx="7701120" cy="4744080"/>
+            </p14:xfrm>
+          </p:contentPart>
+        </mc:Choice>
+        <mc:Fallback xmlns="">
+          <p:pic>
+            <p:nvPicPr>
+              <p:cNvPr id="5" name="墨迹 4"/>
+              <p:cNvPicPr/>
+              <p:nvPr/>
+            </p:nvPicPr>
+            <p:blipFill>
+              <a:blip r:embed="rId4"/>
+              <a:stretch>
+                <a:fillRect/>
+              </a:stretch>
+            </p:blipFill>
+            <p:spPr>
+              <a:xfrm>
+                <a:off x="-18720" y="123840"/>
+                <a:ext cx="7719840" cy="4762800"/>
+              </a:xfrm>
+              <a:prstGeom prst="rect">
+                <a:avLst/>
+              </a:prstGeom>
+            </p:spPr>
+          </p:pic>
+        </mc:Fallback>
+      </mc:AlternateContent>
     </p:spTree>
     <p:extLst>
       <p:ext uri="{BB962C8B-B14F-4D97-AF65-F5344CB8AC3E}">
@@ -7315,6 +7992,2103 @@
       </p:grpSpPr>
       <p:sp>
         <p:nvSpPr>
+          <p:cNvPr id="12" name="矩形 11"/>
+          <p:cNvSpPr/>
+          <p:nvPr/>
+        </p:nvSpPr>
+        <p:spPr>
+          <a:xfrm>
+            <a:off x="2160180" y="2501253"/>
+            <a:ext cx="4354023" cy="874368"/>
+          </a:xfrm>
+          <a:prstGeom prst="rect">
+            <a:avLst/>
+          </a:prstGeom>
+          <a:solidFill>
+            <a:srgbClr val="DFC9EF"/>
+          </a:solidFill>
+          <a:ln>
+            <a:noFill/>
+          </a:ln>
+        </p:spPr>
+        <p:style>
+          <a:lnRef idx="2">
+            <a:schemeClr val="accent1">
+              <a:shade val="50000"/>
+            </a:schemeClr>
+          </a:lnRef>
+          <a:fillRef idx="1">
+            <a:schemeClr val="accent1"/>
+          </a:fillRef>
+          <a:effectRef idx="0">
+            <a:schemeClr val="accent1"/>
+          </a:effectRef>
+          <a:fontRef idx="minor">
+            <a:schemeClr val="lt1"/>
+          </a:fontRef>
+        </p:style>
+        <p:txBody>
+          <a:bodyPr rtlCol="0" anchor="ctr"/>
+          <a:lstStyle/>
+          <a:p>
+            <a:pPr algn="ctr"/>
+            <a:endParaRPr lang="zh-CN" altLang="en-US"/>
+          </a:p>
+        </p:txBody>
+      </p:sp>
+      <p:sp>
+        <p:nvSpPr>
+          <p:cNvPr id="8" name="矩形 7"/>
+          <p:cNvSpPr/>
+          <p:nvPr/>
+        </p:nvSpPr>
+        <p:spPr>
+          <a:xfrm>
+            <a:off x="2160180" y="1287389"/>
+            <a:ext cx="4354022" cy="864096"/>
+          </a:xfrm>
+          <a:prstGeom prst="rect">
+            <a:avLst/>
+          </a:prstGeom>
+          <a:solidFill>
+            <a:schemeClr val="accent1">
+              <a:lumMod val="20000"/>
+              <a:lumOff val="80000"/>
+            </a:schemeClr>
+          </a:solidFill>
+          <a:ln>
+            <a:noFill/>
+          </a:ln>
+        </p:spPr>
+        <p:style>
+          <a:lnRef idx="2">
+            <a:schemeClr val="accent1">
+              <a:shade val="50000"/>
+            </a:schemeClr>
+          </a:lnRef>
+          <a:fillRef idx="1">
+            <a:schemeClr val="accent1"/>
+          </a:fillRef>
+          <a:effectRef idx="0">
+            <a:schemeClr val="accent1"/>
+          </a:effectRef>
+          <a:fontRef idx="minor">
+            <a:schemeClr val="lt1"/>
+          </a:fontRef>
+        </p:style>
+        <p:txBody>
+          <a:bodyPr rtlCol="0" anchor="ctr"/>
+          <a:lstStyle/>
+          <a:p>
+            <a:pPr algn="ctr"/>
+            <a:endParaRPr lang="zh-CN" altLang="en-US"/>
+          </a:p>
+        </p:txBody>
+      </p:sp>
+      <p:sp>
+        <p:nvSpPr>
+          <p:cNvPr id="2" name="矩形 1"/>
+          <p:cNvSpPr/>
+          <p:nvPr/>
+        </p:nvSpPr>
+        <p:spPr>
+          <a:xfrm>
+            <a:off x="2747526" y="0"/>
+            <a:ext cx="3100884" cy="369332"/>
+          </a:xfrm>
+          <a:prstGeom prst="rect">
+            <a:avLst/>
+          </a:prstGeom>
+        </p:spPr>
+        <p:txBody>
+          <a:bodyPr wrap="square">
+            <a:spAutoFit/>
+          </a:bodyPr>
+          <a:lstStyle/>
+          <a:p>
+            <a:r>
+              <a:rPr lang="zh-CN" altLang="en-US" dirty="0" smtClean="0"/>
+              <a:t>基于</a:t>
+            </a:r>
+            <a:r>
+              <a:rPr lang="en-US" altLang="zh-CN" dirty="0" smtClean="0"/>
+              <a:t>B/S</a:t>
+            </a:r>
+            <a:r>
+              <a:rPr lang="zh-CN" altLang="en-US" dirty="0" smtClean="0"/>
+              <a:t>架构的请求处理</a:t>
+            </a:r>
+            <a:r>
+              <a:rPr lang="zh-CN" altLang="en-US" dirty="0" smtClean="0"/>
+              <a:t>过程</a:t>
+            </a:r>
+            <a:endParaRPr lang="zh-CN" altLang="en-US" dirty="0"/>
+          </a:p>
+        </p:txBody>
+      </p:sp>
+      <p:sp>
+        <p:nvSpPr>
+          <p:cNvPr id="3" name="矩形 2"/>
+          <p:cNvSpPr/>
+          <p:nvPr/>
+        </p:nvSpPr>
+        <p:spPr>
+          <a:xfrm>
+            <a:off x="2726894" y="572477"/>
+            <a:ext cx="3141247" cy="423607"/>
+          </a:xfrm>
+          <a:prstGeom prst="rect">
+            <a:avLst/>
+          </a:prstGeom>
+          <a:solidFill>
+            <a:srgbClr val="BEE395"/>
+          </a:solidFill>
+          <a:ln w="12700">
+            <a:solidFill>
+              <a:srgbClr val="006600"/>
+            </a:solidFill>
+            <a:prstDash val="sysDot"/>
+          </a:ln>
+        </p:spPr>
+        <p:style>
+          <a:lnRef idx="2">
+            <a:schemeClr val="accent3"/>
+          </a:lnRef>
+          <a:fillRef idx="1">
+            <a:schemeClr val="lt1"/>
+          </a:fillRef>
+          <a:effectRef idx="0">
+            <a:schemeClr val="accent3"/>
+          </a:effectRef>
+          <a:fontRef idx="minor">
+            <a:schemeClr val="dk1"/>
+          </a:fontRef>
+        </p:style>
+        <p:txBody>
+          <a:bodyPr rtlCol="0" anchor="ctr"/>
+          <a:lstStyle/>
+          <a:p>
+            <a:pPr algn="ctr"/>
+            <a:endParaRPr lang="en-US" altLang="zh-CN" sz="1200" dirty="0" smtClean="0"/>
+          </a:p>
+        </p:txBody>
+      </p:sp>
+      <p:sp>
+        <p:nvSpPr>
+          <p:cNvPr id="4" name="矩形 3"/>
+          <p:cNvSpPr/>
+          <p:nvPr/>
+        </p:nvSpPr>
+        <p:spPr>
+          <a:xfrm>
+            <a:off x="2363777" y="1582187"/>
+            <a:ext cx="933156" cy="288032"/>
+          </a:xfrm>
+          <a:prstGeom prst="rect">
+            <a:avLst/>
+          </a:prstGeom>
+        </p:spPr>
+        <p:style>
+          <a:lnRef idx="2">
+            <a:schemeClr val="accent1"/>
+          </a:lnRef>
+          <a:fillRef idx="1">
+            <a:schemeClr val="lt1"/>
+          </a:fillRef>
+          <a:effectRef idx="0">
+            <a:schemeClr val="accent1"/>
+          </a:effectRef>
+          <a:fontRef idx="minor">
+            <a:schemeClr val="dk1"/>
+          </a:fontRef>
+        </p:style>
+        <p:txBody>
+          <a:bodyPr rtlCol="0" anchor="ctr"/>
+          <a:lstStyle/>
+          <a:p>
+            <a:pPr algn="ctr"/>
+            <a:r>
+              <a:rPr lang="en-US" altLang="zh-CN" sz="1200" dirty="0" smtClean="0"/>
+              <a:t>Filter1</a:t>
+            </a:r>
+            <a:endParaRPr lang="zh-CN" altLang="en-US" sz="1200" dirty="0"/>
+          </a:p>
+        </p:txBody>
+      </p:sp>
+      <p:sp>
+        <p:nvSpPr>
+          <p:cNvPr id="6" name="矩形 5"/>
+          <p:cNvSpPr/>
+          <p:nvPr/>
+        </p:nvSpPr>
+        <p:spPr>
+          <a:xfrm>
+            <a:off x="5358963" y="1575421"/>
+            <a:ext cx="933156" cy="288032"/>
+          </a:xfrm>
+          <a:prstGeom prst="rect">
+            <a:avLst/>
+          </a:prstGeom>
+        </p:spPr>
+        <p:style>
+          <a:lnRef idx="2">
+            <a:schemeClr val="accent1"/>
+          </a:lnRef>
+          <a:fillRef idx="1">
+            <a:schemeClr val="lt1"/>
+          </a:fillRef>
+          <a:effectRef idx="0">
+            <a:schemeClr val="accent1"/>
+          </a:effectRef>
+          <a:fontRef idx="minor">
+            <a:schemeClr val="dk1"/>
+          </a:fontRef>
+        </p:style>
+        <p:txBody>
+          <a:bodyPr rtlCol="0" anchor="ctr"/>
+          <a:lstStyle/>
+          <a:p>
+            <a:pPr algn="ctr"/>
+            <a:r>
+              <a:rPr lang="en-US" altLang="zh-CN" sz="1200" dirty="0" smtClean="0"/>
+              <a:t>FilterN</a:t>
+            </a:r>
+            <a:endParaRPr lang="zh-CN" altLang="en-US" sz="1200" dirty="0"/>
+          </a:p>
+        </p:txBody>
+      </p:sp>
+      <p:sp>
+        <p:nvSpPr>
+          <p:cNvPr id="7" name="矩形 6"/>
+          <p:cNvSpPr/>
+          <p:nvPr/>
+        </p:nvSpPr>
+        <p:spPr>
+          <a:xfrm>
+            <a:off x="3831390" y="1583867"/>
+            <a:ext cx="933156" cy="288032"/>
+          </a:xfrm>
+          <a:prstGeom prst="rect">
+            <a:avLst/>
+          </a:prstGeom>
+        </p:spPr>
+        <p:style>
+          <a:lnRef idx="2">
+            <a:schemeClr val="accent1"/>
+          </a:lnRef>
+          <a:fillRef idx="1">
+            <a:schemeClr val="lt1"/>
+          </a:fillRef>
+          <a:effectRef idx="0">
+            <a:schemeClr val="accent1"/>
+          </a:effectRef>
+          <a:fontRef idx="minor">
+            <a:schemeClr val="dk1"/>
+          </a:fontRef>
+        </p:style>
+        <p:txBody>
+          <a:bodyPr rtlCol="0" anchor="ctr"/>
+          <a:lstStyle/>
+          <a:p>
+            <a:pPr algn="ctr"/>
+            <a:r>
+              <a:rPr lang="en-US" altLang="zh-CN" sz="1200" dirty="0" smtClean="0"/>
+              <a:t>…</a:t>
+            </a:r>
+            <a:endParaRPr lang="zh-CN" altLang="en-US" sz="1200" dirty="0"/>
+          </a:p>
+        </p:txBody>
+      </p:sp>
+      <p:sp>
+        <p:nvSpPr>
+          <p:cNvPr id="9" name="矩形 8"/>
+          <p:cNvSpPr/>
+          <p:nvPr/>
+        </p:nvSpPr>
+        <p:spPr>
+          <a:xfrm>
+            <a:off x="2381794" y="2805073"/>
+            <a:ext cx="933156" cy="288032"/>
+          </a:xfrm>
+          <a:prstGeom prst="rect">
+            <a:avLst/>
+          </a:prstGeom>
+        </p:spPr>
+        <p:style>
+          <a:lnRef idx="2">
+            <a:schemeClr val="accent4"/>
+          </a:lnRef>
+          <a:fillRef idx="1">
+            <a:schemeClr val="lt1"/>
+          </a:fillRef>
+          <a:effectRef idx="0">
+            <a:schemeClr val="accent4"/>
+          </a:effectRef>
+          <a:fontRef idx="minor">
+            <a:schemeClr val="dk1"/>
+          </a:fontRef>
+        </p:style>
+        <p:txBody>
+          <a:bodyPr rtlCol="0" anchor="ctr"/>
+          <a:lstStyle/>
+          <a:p>
+            <a:pPr algn="ctr"/>
+            <a:r>
+              <a:rPr lang="en-US" altLang="zh-CN" sz="1200" dirty="0" smtClean="0"/>
+              <a:t>Servlet1</a:t>
+            </a:r>
+            <a:endParaRPr lang="zh-CN" altLang="en-US" sz="1200" dirty="0"/>
+          </a:p>
+        </p:txBody>
+      </p:sp>
+      <p:sp>
+        <p:nvSpPr>
+          <p:cNvPr id="10" name="矩形 9"/>
+          <p:cNvSpPr/>
+          <p:nvPr/>
+        </p:nvSpPr>
+        <p:spPr>
+          <a:xfrm>
+            <a:off x="3859891" y="2805073"/>
+            <a:ext cx="933156" cy="288032"/>
+          </a:xfrm>
+          <a:prstGeom prst="rect">
+            <a:avLst/>
+          </a:prstGeom>
+        </p:spPr>
+        <p:style>
+          <a:lnRef idx="2">
+            <a:schemeClr val="accent4"/>
+          </a:lnRef>
+          <a:fillRef idx="1">
+            <a:schemeClr val="lt1"/>
+          </a:fillRef>
+          <a:effectRef idx="0">
+            <a:schemeClr val="accent4"/>
+          </a:effectRef>
+          <a:fontRef idx="minor">
+            <a:schemeClr val="dk1"/>
+          </a:fontRef>
+        </p:style>
+        <p:txBody>
+          <a:bodyPr rtlCol="0" anchor="ctr"/>
+          <a:lstStyle/>
+          <a:p>
+            <a:pPr algn="ctr"/>
+            <a:r>
+              <a:rPr lang="en-US" altLang="zh-CN" sz="1200" dirty="0" smtClean="0"/>
+              <a:t>…</a:t>
+            </a:r>
+            <a:endParaRPr lang="zh-CN" altLang="en-US" sz="1200" dirty="0"/>
+          </a:p>
+        </p:txBody>
+      </p:sp>
+      <p:sp>
+        <p:nvSpPr>
+          <p:cNvPr id="11" name="矩形 10"/>
+          <p:cNvSpPr/>
+          <p:nvPr/>
+        </p:nvSpPr>
+        <p:spPr>
+          <a:xfrm>
+            <a:off x="5341926" y="2805073"/>
+            <a:ext cx="933156" cy="288032"/>
+          </a:xfrm>
+          <a:prstGeom prst="rect">
+            <a:avLst/>
+          </a:prstGeom>
+        </p:spPr>
+        <p:style>
+          <a:lnRef idx="2">
+            <a:schemeClr val="accent4"/>
+          </a:lnRef>
+          <a:fillRef idx="1">
+            <a:schemeClr val="lt1"/>
+          </a:fillRef>
+          <a:effectRef idx="0">
+            <a:schemeClr val="accent4"/>
+          </a:effectRef>
+          <a:fontRef idx="minor">
+            <a:schemeClr val="dk1"/>
+          </a:fontRef>
+        </p:style>
+        <p:txBody>
+          <a:bodyPr rtlCol="0" anchor="ctr"/>
+          <a:lstStyle/>
+          <a:p>
+            <a:pPr algn="ctr"/>
+            <a:r>
+              <a:rPr lang="en-US" altLang="zh-CN" sz="1200" dirty="0" smtClean="0"/>
+              <a:t>ServletN</a:t>
+            </a:r>
+            <a:endParaRPr lang="zh-CN" altLang="en-US" sz="1200" dirty="0"/>
+          </a:p>
+        </p:txBody>
+      </p:sp>
+      <p:sp>
+        <p:nvSpPr>
+          <p:cNvPr id="13" name="TextBox 12"/>
+          <p:cNvSpPr txBox="1"/>
+          <p:nvPr/>
+        </p:nvSpPr>
+        <p:spPr>
+          <a:xfrm>
+            <a:off x="2776131" y="635095"/>
+            <a:ext cx="817703" cy="276999"/>
+          </a:xfrm>
+          <a:prstGeom prst="rect">
+            <a:avLst/>
+          </a:prstGeom>
+          <a:noFill/>
+        </p:spPr>
+        <p:txBody>
+          <a:bodyPr wrap="square" rtlCol="0">
+            <a:spAutoFit/>
+            <a:scene3d>
+              <a:camera prst="orthographicFront"/>
+              <a:lightRig rig="soft" dir="tl">
+                <a:rot lat="0" lon="0" rev="0"/>
+              </a:lightRig>
+            </a:scene3d>
+            <a:sp3d contourW="25400" prstMaterial="matte">
+              <a:bevelT w="25400" h="55880" prst="artDeco"/>
+              <a:contourClr>
+                <a:schemeClr val="accent2">
+                  <a:tint val="20000"/>
+                </a:schemeClr>
+              </a:contourClr>
+            </a:sp3d>
+          </a:bodyPr>
+          <a:lstStyle/>
+          <a:p>
+            <a:r>
+              <a:rPr lang="en-US" altLang="zh-CN" sz="1200" b="1" spc="50" dirty="0" smtClean="0">
+                <a:ln w="11430"/>
+                <a:gradFill>
+                  <a:gsLst>
+                    <a:gs pos="25000">
+                      <a:schemeClr val="accent2">
+                        <a:satMod val="155000"/>
+                      </a:schemeClr>
+                    </a:gs>
+                    <a:gs pos="100000">
+                      <a:schemeClr val="accent2">
+                        <a:shade val="45000"/>
+                        <a:satMod val="165000"/>
+                      </a:schemeClr>
+                    </a:gs>
+                  </a:gsLst>
+                  <a:lin ang="5400000"/>
+                </a:gradFill>
+                <a:effectLst>
+                  <a:outerShdw blurRad="76200" dist="50800" dir="5400000" algn="tl" rotWithShape="0">
+                    <a:srgbClr val="000000">
+                      <a:alpha val="65000"/>
+                    </a:srgbClr>
+                  </a:outerShdw>
+                </a:effectLst>
+              </a:rPr>
+              <a:t>Browser</a:t>
+            </a:r>
+            <a:endParaRPr lang="zh-CN" altLang="en-US" sz="1200" b="1" spc="50" dirty="0">
+              <a:ln w="11430"/>
+              <a:gradFill>
+                <a:gsLst>
+                  <a:gs pos="25000">
+                    <a:schemeClr val="accent2">
+                      <a:satMod val="155000"/>
+                    </a:schemeClr>
+                  </a:gs>
+                  <a:gs pos="100000">
+                    <a:schemeClr val="accent2">
+                      <a:shade val="45000"/>
+                      <a:satMod val="165000"/>
+                    </a:schemeClr>
+                  </a:gs>
+                </a:gsLst>
+                <a:lin ang="5400000"/>
+              </a:gradFill>
+              <a:effectLst>
+                <a:outerShdw blurRad="76200" dist="50800" dir="5400000" algn="tl" rotWithShape="0">
+                  <a:srgbClr val="000000">
+                    <a:alpha val="65000"/>
+                  </a:srgbClr>
+                </a:outerShdw>
+              </a:effectLst>
+            </a:endParaRPr>
+          </a:p>
+        </p:txBody>
+      </p:sp>
+      <p:sp>
+        <p:nvSpPr>
+          <p:cNvPr id="14" name="矩形 13"/>
+          <p:cNvSpPr/>
+          <p:nvPr/>
+        </p:nvSpPr>
+        <p:spPr>
+          <a:xfrm>
+            <a:off x="3923925" y="635095"/>
+            <a:ext cx="648072" cy="298371"/>
+          </a:xfrm>
+          <a:prstGeom prst="rect">
+            <a:avLst/>
+          </a:prstGeom>
+        </p:spPr>
+        <p:style>
+          <a:lnRef idx="2">
+            <a:schemeClr val="accent3"/>
+          </a:lnRef>
+          <a:fillRef idx="1">
+            <a:schemeClr val="lt1"/>
+          </a:fillRef>
+          <a:effectRef idx="0">
+            <a:schemeClr val="accent3"/>
+          </a:effectRef>
+          <a:fontRef idx="minor">
+            <a:schemeClr val="dk1"/>
+          </a:fontRef>
+        </p:style>
+        <p:txBody>
+          <a:bodyPr rtlCol="0" anchor="ctr"/>
+          <a:lstStyle/>
+          <a:p>
+            <a:pPr algn="ctr"/>
+            <a:r>
+              <a:rPr lang="zh-CN" altLang="en-US" sz="1200" dirty="0"/>
+              <a:t>浏览器</a:t>
+            </a:r>
+            <a:endParaRPr lang="en-US" altLang="zh-CN" sz="1200" dirty="0"/>
+          </a:p>
+        </p:txBody>
+      </p:sp>
+      <p:sp>
+        <p:nvSpPr>
+          <p:cNvPr id="15" name="矩形 14"/>
+          <p:cNvSpPr/>
+          <p:nvPr/>
+        </p:nvSpPr>
+        <p:spPr>
+          <a:xfrm>
+            <a:off x="4958329" y="635095"/>
+            <a:ext cx="648072" cy="306847"/>
+          </a:xfrm>
+          <a:prstGeom prst="rect">
+            <a:avLst/>
+          </a:prstGeom>
+        </p:spPr>
+        <p:style>
+          <a:lnRef idx="2">
+            <a:schemeClr val="accent3"/>
+          </a:lnRef>
+          <a:fillRef idx="1">
+            <a:schemeClr val="lt1"/>
+          </a:fillRef>
+          <a:effectRef idx="0">
+            <a:schemeClr val="accent3"/>
+          </a:effectRef>
+          <a:fontRef idx="minor">
+            <a:schemeClr val="dk1"/>
+          </a:fontRef>
+        </p:style>
+        <p:txBody>
+          <a:bodyPr rtlCol="0" anchor="ctr"/>
+          <a:lstStyle/>
+          <a:p>
+            <a:pPr algn="ctr"/>
+            <a:r>
+              <a:rPr lang="zh-CN" altLang="en-US" sz="1200" dirty="0" smtClean="0"/>
+              <a:t>移动端</a:t>
+            </a:r>
+            <a:endParaRPr lang="en-US" altLang="zh-CN" sz="1200" dirty="0"/>
+          </a:p>
+        </p:txBody>
+      </p:sp>
+      <p:sp>
+        <p:nvSpPr>
+          <p:cNvPr id="19" name="矩形 18"/>
+          <p:cNvSpPr/>
+          <p:nvPr/>
+        </p:nvSpPr>
+        <p:spPr>
+          <a:xfrm>
+            <a:off x="3661508" y="2528074"/>
+            <a:ext cx="1272015" cy="276999"/>
+          </a:xfrm>
+          <a:prstGeom prst="rect">
+            <a:avLst/>
+          </a:prstGeom>
+        </p:spPr>
+        <p:txBody>
+          <a:bodyPr wrap="none">
+            <a:spAutoFit/>
+          </a:bodyPr>
+          <a:lstStyle/>
+          <a:p>
+            <a:r>
+              <a:rPr lang="en-US" altLang="zh-CN" sz="1200" dirty="0" smtClean="0"/>
+              <a:t>dispatcherServlet</a:t>
+            </a:r>
+            <a:endParaRPr lang="zh-CN" altLang="en-US" sz="1200" dirty="0"/>
+          </a:p>
+        </p:txBody>
+      </p:sp>
+      <p:sp>
+        <p:nvSpPr>
+          <p:cNvPr id="22" name="矩形 21"/>
+          <p:cNvSpPr/>
+          <p:nvPr/>
+        </p:nvSpPr>
+        <p:spPr>
+          <a:xfrm>
+            <a:off x="3418781" y="3693705"/>
+            <a:ext cx="1789636" cy="377900"/>
+          </a:xfrm>
+          <a:prstGeom prst="rect">
+            <a:avLst/>
+          </a:prstGeom>
+          <a:solidFill>
+            <a:schemeClr val="bg1">
+              <a:lumMod val="95000"/>
+            </a:schemeClr>
+          </a:solidFill>
+          <a:ln w="9525">
+            <a:solidFill>
+              <a:schemeClr val="bg1">
+                <a:lumMod val="50000"/>
+              </a:schemeClr>
+            </a:solidFill>
+            <a:prstDash val="dash"/>
+          </a:ln>
+        </p:spPr>
+        <p:style>
+          <a:lnRef idx="2">
+            <a:schemeClr val="accent1">
+              <a:shade val="50000"/>
+            </a:schemeClr>
+          </a:lnRef>
+          <a:fillRef idx="1">
+            <a:schemeClr val="accent1"/>
+          </a:fillRef>
+          <a:effectRef idx="0">
+            <a:schemeClr val="accent1"/>
+          </a:effectRef>
+          <a:fontRef idx="minor">
+            <a:schemeClr val="lt1"/>
+          </a:fontRef>
+        </p:style>
+        <p:txBody>
+          <a:bodyPr rtlCol="0" anchor="ctr"/>
+          <a:lstStyle/>
+          <a:p>
+            <a:pPr lvl="0" algn="ctr"/>
+            <a:r>
+              <a:rPr lang="en-US" altLang="zh-CN" sz="1200" dirty="0" smtClean="0">
+                <a:solidFill>
+                  <a:prstClr val="black"/>
+                </a:solidFill>
+              </a:rPr>
+              <a:t>Controllers</a:t>
+            </a:r>
+            <a:endParaRPr lang="zh-CN" altLang="en-US" sz="1200" dirty="0">
+              <a:solidFill>
+                <a:prstClr val="black"/>
+              </a:solidFill>
+            </a:endParaRPr>
+          </a:p>
+        </p:txBody>
+      </p:sp>
+      <p:sp>
+        <p:nvSpPr>
+          <p:cNvPr id="23" name="矩形 22"/>
+          <p:cNvSpPr/>
+          <p:nvPr/>
+        </p:nvSpPr>
+        <p:spPr>
+          <a:xfrm>
+            <a:off x="3406956" y="4263862"/>
+            <a:ext cx="1801461" cy="360040"/>
+          </a:xfrm>
+          <a:prstGeom prst="rect">
+            <a:avLst/>
+          </a:prstGeom>
+          <a:solidFill>
+            <a:schemeClr val="bg1">
+              <a:lumMod val="95000"/>
+            </a:schemeClr>
+          </a:solidFill>
+          <a:ln w="9525">
+            <a:solidFill>
+              <a:schemeClr val="bg1">
+                <a:lumMod val="50000"/>
+              </a:schemeClr>
+            </a:solidFill>
+            <a:prstDash val="dash"/>
+          </a:ln>
+        </p:spPr>
+        <p:style>
+          <a:lnRef idx="2">
+            <a:schemeClr val="accent1">
+              <a:shade val="50000"/>
+            </a:schemeClr>
+          </a:lnRef>
+          <a:fillRef idx="1">
+            <a:schemeClr val="accent1"/>
+          </a:fillRef>
+          <a:effectRef idx="0">
+            <a:schemeClr val="accent1"/>
+          </a:effectRef>
+          <a:fontRef idx="minor">
+            <a:schemeClr val="lt1"/>
+          </a:fontRef>
+        </p:style>
+        <p:txBody>
+          <a:bodyPr rtlCol="0" anchor="ctr"/>
+          <a:lstStyle/>
+          <a:p>
+            <a:pPr lvl="0" algn="ctr"/>
+            <a:r>
+              <a:rPr lang="en-US" altLang="zh-CN" sz="1200" dirty="0" smtClean="0">
+                <a:solidFill>
+                  <a:prstClr val="black"/>
+                </a:solidFill>
+              </a:rPr>
+              <a:t>Services</a:t>
+            </a:r>
+            <a:endParaRPr lang="zh-CN" altLang="en-US" sz="1200" dirty="0">
+              <a:solidFill>
+                <a:prstClr val="black"/>
+              </a:solidFill>
+            </a:endParaRPr>
+          </a:p>
+        </p:txBody>
+      </p:sp>
+      <p:sp>
+        <p:nvSpPr>
+          <p:cNvPr id="25" name="圆柱形 24"/>
+          <p:cNvSpPr/>
+          <p:nvPr/>
+        </p:nvSpPr>
+        <p:spPr>
+          <a:xfrm>
+            <a:off x="5736890" y="4263862"/>
+            <a:ext cx="609961" cy="390043"/>
+          </a:xfrm>
+          <a:prstGeom prst="can">
+            <a:avLst/>
+          </a:prstGeom>
+          <a:solidFill>
+            <a:schemeClr val="bg1">
+              <a:lumMod val="95000"/>
+            </a:schemeClr>
+          </a:solidFill>
+          <a:ln w="12700">
+            <a:solidFill>
+              <a:schemeClr val="bg1">
+                <a:lumMod val="50000"/>
+              </a:schemeClr>
+            </a:solidFill>
+            <a:prstDash val="dash"/>
+          </a:ln>
+        </p:spPr>
+        <p:style>
+          <a:lnRef idx="2">
+            <a:schemeClr val="accent5"/>
+          </a:lnRef>
+          <a:fillRef idx="1">
+            <a:schemeClr val="lt1"/>
+          </a:fillRef>
+          <a:effectRef idx="0">
+            <a:schemeClr val="accent5"/>
+          </a:effectRef>
+          <a:fontRef idx="minor">
+            <a:schemeClr val="dk1"/>
+          </a:fontRef>
+        </p:style>
+        <p:txBody>
+          <a:bodyPr rtlCol="0" anchor="ctr"/>
+          <a:lstStyle/>
+          <a:p>
+            <a:pPr algn="ctr"/>
+            <a:r>
+              <a:rPr lang="en-US" altLang="zh-CN" sz="1200" dirty="0" smtClean="0"/>
+              <a:t>DB</a:t>
+            </a:r>
+            <a:endParaRPr lang="zh-CN" altLang="en-US" sz="1200" dirty="0"/>
+          </a:p>
+        </p:txBody>
+      </p:sp>
+      <p:cxnSp>
+        <p:nvCxnSpPr>
+          <p:cNvPr id="16" name="直接箭头连接符 15"/>
+          <p:cNvCxnSpPr/>
+          <p:nvPr/>
+        </p:nvCxnSpPr>
+        <p:spPr>
+          <a:xfrm>
+            <a:off x="3859892" y="996084"/>
+            <a:ext cx="0" cy="440382"/>
+          </a:xfrm>
+          <a:prstGeom prst="straightConnector1">
+            <a:avLst/>
+          </a:prstGeom>
+          <a:ln>
+            <a:headEnd type="none" w="med" len="med"/>
+            <a:tailEnd type="none" w="med" len="med"/>
+          </a:ln>
+        </p:spPr>
+        <p:style>
+          <a:lnRef idx="1">
+            <a:schemeClr val="accent1"/>
+          </a:lnRef>
+          <a:fillRef idx="0">
+            <a:schemeClr val="accent1"/>
+          </a:fillRef>
+          <a:effectRef idx="0">
+            <a:schemeClr val="accent1"/>
+          </a:effectRef>
+          <a:fontRef idx="minor">
+            <a:schemeClr val="tx1"/>
+          </a:fontRef>
+        </p:style>
+      </p:cxnSp>
+      <p:cxnSp>
+        <p:nvCxnSpPr>
+          <p:cNvPr id="24" name="直接箭头连接符 23"/>
+          <p:cNvCxnSpPr/>
+          <p:nvPr/>
+        </p:nvCxnSpPr>
+        <p:spPr>
+          <a:xfrm>
+            <a:off x="3853558" y="2007469"/>
+            <a:ext cx="6333" cy="493784"/>
+          </a:xfrm>
+          <a:prstGeom prst="straightConnector1">
+            <a:avLst/>
+          </a:prstGeom>
+          <a:ln>
+            <a:headEnd type="none" w="med" len="med"/>
+            <a:tailEnd type="none" w="med" len="med"/>
+          </a:ln>
+        </p:spPr>
+        <p:style>
+          <a:lnRef idx="1">
+            <a:schemeClr val="accent1"/>
+          </a:lnRef>
+          <a:fillRef idx="0">
+            <a:schemeClr val="accent1"/>
+          </a:fillRef>
+          <a:effectRef idx="0">
+            <a:schemeClr val="accent1"/>
+          </a:effectRef>
+          <a:fontRef idx="minor">
+            <a:schemeClr val="tx1"/>
+          </a:fontRef>
+        </p:style>
+      </p:cxnSp>
+      <p:cxnSp>
+        <p:nvCxnSpPr>
+          <p:cNvPr id="26" name="直接箭头连接符 25"/>
+          <p:cNvCxnSpPr/>
+          <p:nvPr/>
+        </p:nvCxnSpPr>
+        <p:spPr>
+          <a:xfrm>
+            <a:off x="3856724" y="3235612"/>
+            <a:ext cx="3167" cy="458093"/>
+          </a:xfrm>
+          <a:prstGeom prst="straightConnector1">
+            <a:avLst/>
+          </a:prstGeom>
+          <a:ln>
+            <a:prstDash val="dash"/>
+            <a:tailEnd type="arrow"/>
+          </a:ln>
+        </p:spPr>
+        <p:style>
+          <a:lnRef idx="1">
+            <a:schemeClr val="accent1"/>
+          </a:lnRef>
+          <a:fillRef idx="0">
+            <a:schemeClr val="accent1"/>
+          </a:fillRef>
+          <a:effectRef idx="0">
+            <a:schemeClr val="accent1"/>
+          </a:effectRef>
+          <a:fontRef idx="minor">
+            <a:schemeClr val="tx1"/>
+          </a:fontRef>
+        </p:style>
+      </p:cxnSp>
+      <p:cxnSp>
+        <p:nvCxnSpPr>
+          <p:cNvPr id="35" name="肘形连接符 34"/>
+          <p:cNvCxnSpPr>
+            <a:endCxn id="9" idx="0"/>
+          </p:cNvCxnSpPr>
+          <p:nvPr/>
+        </p:nvCxnSpPr>
+        <p:spPr>
+          <a:xfrm rot="10800000" flipV="1">
+            <a:off x="2848373" y="2501253"/>
+            <a:ext cx="1020105" cy="303819"/>
+          </a:xfrm>
+          <a:prstGeom prst="bentConnector2">
+            <a:avLst/>
+          </a:prstGeom>
+          <a:ln>
+            <a:tailEnd type="arrow"/>
+          </a:ln>
+        </p:spPr>
+        <p:style>
+          <a:lnRef idx="1">
+            <a:schemeClr val="accent1"/>
+          </a:lnRef>
+          <a:fillRef idx="0">
+            <a:schemeClr val="accent1"/>
+          </a:fillRef>
+          <a:effectRef idx="0">
+            <a:schemeClr val="accent1"/>
+          </a:effectRef>
+          <a:fontRef idx="minor">
+            <a:schemeClr val="tx1"/>
+          </a:fontRef>
+        </p:style>
+      </p:cxnSp>
+      <p:cxnSp>
+        <p:nvCxnSpPr>
+          <p:cNvPr id="43" name="直接箭头连接符 42"/>
+          <p:cNvCxnSpPr>
+            <a:stCxn id="9" idx="3"/>
+            <a:endCxn id="10" idx="1"/>
+          </p:cNvCxnSpPr>
+          <p:nvPr/>
+        </p:nvCxnSpPr>
+        <p:spPr>
+          <a:xfrm>
+            <a:off x="3314950" y="2949089"/>
+            <a:ext cx="544941" cy="0"/>
+          </a:xfrm>
+          <a:prstGeom prst="straightConnector1">
+            <a:avLst/>
+          </a:prstGeom>
+          <a:ln>
+            <a:tailEnd type="arrow"/>
+          </a:ln>
+        </p:spPr>
+        <p:style>
+          <a:lnRef idx="1">
+            <a:schemeClr val="accent1"/>
+          </a:lnRef>
+          <a:fillRef idx="0">
+            <a:schemeClr val="accent1"/>
+          </a:fillRef>
+          <a:effectRef idx="0">
+            <a:schemeClr val="accent1"/>
+          </a:effectRef>
+          <a:fontRef idx="minor">
+            <a:schemeClr val="tx1"/>
+          </a:fontRef>
+        </p:style>
+      </p:cxnSp>
+      <p:cxnSp>
+        <p:nvCxnSpPr>
+          <p:cNvPr id="45" name="直接箭头连接符 44"/>
+          <p:cNvCxnSpPr>
+            <a:stCxn id="10" idx="3"/>
+            <a:endCxn id="11" idx="1"/>
+          </p:cNvCxnSpPr>
+          <p:nvPr/>
+        </p:nvCxnSpPr>
+        <p:spPr>
+          <a:xfrm>
+            <a:off x="4793047" y="2949089"/>
+            <a:ext cx="548879" cy="0"/>
+          </a:xfrm>
+          <a:prstGeom prst="straightConnector1">
+            <a:avLst/>
+          </a:prstGeom>
+          <a:ln>
+            <a:tailEnd type="arrow"/>
+          </a:ln>
+        </p:spPr>
+        <p:style>
+          <a:lnRef idx="1">
+            <a:schemeClr val="accent1"/>
+          </a:lnRef>
+          <a:fillRef idx="0">
+            <a:schemeClr val="accent1"/>
+          </a:fillRef>
+          <a:effectRef idx="0">
+            <a:schemeClr val="accent1"/>
+          </a:effectRef>
+          <a:fontRef idx="minor">
+            <a:schemeClr val="tx1"/>
+          </a:fontRef>
+        </p:style>
+      </p:cxnSp>
+      <p:cxnSp>
+        <p:nvCxnSpPr>
+          <p:cNvPr id="47" name="肘形连接符 46"/>
+          <p:cNvCxnSpPr>
+            <a:stCxn id="11" idx="2"/>
+          </p:cNvCxnSpPr>
+          <p:nvPr/>
+        </p:nvCxnSpPr>
+        <p:spPr>
+          <a:xfrm rot="5400000">
+            <a:off x="4759779" y="2186886"/>
+            <a:ext cx="142507" cy="1954945"/>
+          </a:xfrm>
+          <a:prstGeom prst="bentConnector2">
+            <a:avLst/>
+          </a:prstGeom>
+          <a:ln>
+            <a:prstDash val="dash"/>
+            <a:headEnd type="none" w="med" len="med"/>
+            <a:tailEnd type="none" w="med" len="med"/>
+          </a:ln>
+        </p:spPr>
+        <p:style>
+          <a:lnRef idx="1">
+            <a:schemeClr val="accent1"/>
+          </a:lnRef>
+          <a:fillRef idx="0">
+            <a:schemeClr val="accent1"/>
+          </a:fillRef>
+          <a:effectRef idx="0">
+            <a:schemeClr val="accent1"/>
+          </a:effectRef>
+          <a:fontRef idx="minor">
+            <a:schemeClr val="tx1"/>
+          </a:fontRef>
+        </p:style>
+      </p:cxnSp>
+      <p:cxnSp>
+        <p:nvCxnSpPr>
+          <p:cNvPr id="55" name="直接箭头连接符 54"/>
+          <p:cNvCxnSpPr/>
+          <p:nvPr/>
+        </p:nvCxnSpPr>
+        <p:spPr>
+          <a:xfrm>
+            <a:off x="4192001" y="4071605"/>
+            <a:ext cx="8587" cy="199034"/>
+          </a:xfrm>
+          <a:prstGeom prst="straightConnector1">
+            <a:avLst/>
+          </a:prstGeom>
+          <a:ln>
+            <a:prstDash val="dash"/>
+            <a:tailEnd type="arrow"/>
+          </a:ln>
+        </p:spPr>
+        <p:style>
+          <a:lnRef idx="1">
+            <a:schemeClr val="accent1"/>
+          </a:lnRef>
+          <a:fillRef idx="0">
+            <a:schemeClr val="accent1"/>
+          </a:fillRef>
+          <a:effectRef idx="0">
+            <a:schemeClr val="accent1"/>
+          </a:effectRef>
+          <a:fontRef idx="minor">
+            <a:schemeClr val="tx1"/>
+          </a:fontRef>
+        </p:style>
+      </p:cxnSp>
+      <p:cxnSp>
+        <p:nvCxnSpPr>
+          <p:cNvPr id="57" name="直接箭头连接符 56"/>
+          <p:cNvCxnSpPr/>
+          <p:nvPr/>
+        </p:nvCxnSpPr>
+        <p:spPr>
+          <a:xfrm>
+            <a:off x="5208843" y="4373165"/>
+            <a:ext cx="528047" cy="0"/>
+          </a:xfrm>
+          <a:prstGeom prst="straightConnector1">
+            <a:avLst/>
+          </a:prstGeom>
+          <a:ln>
+            <a:prstDash val="dash"/>
+            <a:tailEnd type="arrow"/>
+          </a:ln>
+        </p:spPr>
+        <p:style>
+          <a:lnRef idx="1">
+            <a:schemeClr val="accent1"/>
+          </a:lnRef>
+          <a:fillRef idx="0">
+            <a:schemeClr val="accent1"/>
+          </a:fillRef>
+          <a:effectRef idx="0">
+            <a:schemeClr val="accent1"/>
+          </a:effectRef>
+          <a:fontRef idx="minor">
+            <a:schemeClr val="tx1"/>
+          </a:fontRef>
+        </p:style>
+      </p:cxnSp>
+      <p:cxnSp>
+        <p:nvCxnSpPr>
+          <p:cNvPr id="59" name="直接箭头连接符 58"/>
+          <p:cNvCxnSpPr/>
+          <p:nvPr/>
+        </p:nvCxnSpPr>
+        <p:spPr>
+          <a:xfrm flipH="1">
+            <a:off x="5208418" y="4527749"/>
+            <a:ext cx="528472" cy="0"/>
+          </a:xfrm>
+          <a:prstGeom prst="straightConnector1">
+            <a:avLst/>
+          </a:prstGeom>
+          <a:ln>
+            <a:prstDash val="dash"/>
+            <a:tailEnd type="arrow"/>
+          </a:ln>
+        </p:spPr>
+        <p:style>
+          <a:lnRef idx="1">
+            <a:schemeClr val="accent6"/>
+          </a:lnRef>
+          <a:fillRef idx="0">
+            <a:schemeClr val="accent6"/>
+          </a:fillRef>
+          <a:effectRef idx="0">
+            <a:schemeClr val="accent6"/>
+          </a:effectRef>
+          <a:fontRef idx="minor">
+            <a:schemeClr val="tx1"/>
+          </a:fontRef>
+        </p:style>
+      </p:cxnSp>
+      <p:cxnSp>
+        <p:nvCxnSpPr>
+          <p:cNvPr id="61" name="直接箭头连接符 60"/>
+          <p:cNvCxnSpPr/>
+          <p:nvPr/>
+        </p:nvCxnSpPr>
+        <p:spPr>
+          <a:xfrm flipV="1">
+            <a:off x="4499989" y="4071605"/>
+            <a:ext cx="0" cy="199034"/>
+          </a:xfrm>
+          <a:prstGeom prst="straightConnector1">
+            <a:avLst/>
+          </a:prstGeom>
+          <a:ln>
+            <a:prstDash val="dash"/>
+            <a:tailEnd type="arrow"/>
+          </a:ln>
+        </p:spPr>
+        <p:style>
+          <a:lnRef idx="1">
+            <a:schemeClr val="accent6"/>
+          </a:lnRef>
+          <a:fillRef idx="0">
+            <a:schemeClr val="accent6"/>
+          </a:fillRef>
+          <a:effectRef idx="0">
+            <a:schemeClr val="accent6"/>
+          </a:effectRef>
+          <a:fontRef idx="minor">
+            <a:schemeClr val="tx1"/>
+          </a:fontRef>
+        </p:style>
+      </p:cxnSp>
+      <p:sp>
+        <p:nvSpPr>
+          <p:cNvPr id="62" name="矩形 61"/>
+          <p:cNvSpPr/>
+          <p:nvPr/>
+        </p:nvSpPr>
+        <p:spPr>
+          <a:xfrm>
+            <a:off x="3663000" y="3375621"/>
+            <a:ext cx="1182568" cy="276999"/>
+          </a:xfrm>
+          <a:prstGeom prst="rect">
+            <a:avLst/>
+          </a:prstGeom>
+        </p:spPr>
+        <p:txBody>
+          <a:bodyPr wrap="none">
+            <a:spAutoFit/>
+          </a:bodyPr>
+          <a:lstStyle/>
+          <a:p>
+            <a:r>
+              <a:rPr lang="en-US" altLang="zh-CN" sz="1200" dirty="0" smtClean="0"/>
+              <a:t>HandlerAdapter</a:t>
+            </a:r>
+            <a:endParaRPr lang="zh-CN" altLang="en-US" sz="1200" dirty="0"/>
+          </a:p>
+        </p:txBody>
+      </p:sp>
+      <p:cxnSp>
+        <p:nvCxnSpPr>
+          <p:cNvPr id="64" name="直接箭头连接符 63"/>
+          <p:cNvCxnSpPr/>
+          <p:nvPr/>
+        </p:nvCxnSpPr>
+        <p:spPr>
+          <a:xfrm flipV="1">
+            <a:off x="4764546" y="3375622"/>
+            <a:ext cx="0" cy="318083"/>
+          </a:xfrm>
+          <a:prstGeom prst="straightConnector1">
+            <a:avLst/>
+          </a:prstGeom>
+          <a:ln>
+            <a:prstDash val="dash"/>
+            <a:tailEnd type="arrow"/>
+          </a:ln>
+        </p:spPr>
+        <p:style>
+          <a:lnRef idx="1">
+            <a:schemeClr val="accent6"/>
+          </a:lnRef>
+          <a:fillRef idx="0">
+            <a:schemeClr val="accent6"/>
+          </a:fillRef>
+          <a:effectRef idx="0">
+            <a:schemeClr val="accent6"/>
+          </a:effectRef>
+          <a:fontRef idx="minor">
+            <a:schemeClr val="tx1"/>
+          </a:fontRef>
+        </p:style>
+      </p:cxnSp>
+      <p:cxnSp>
+        <p:nvCxnSpPr>
+          <p:cNvPr id="66" name="直接箭头连接符 65"/>
+          <p:cNvCxnSpPr/>
+          <p:nvPr/>
+        </p:nvCxnSpPr>
+        <p:spPr>
+          <a:xfrm flipV="1">
+            <a:off x="4764546" y="2151485"/>
+            <a:ext cx="0" cy="349768"/>
+          </a:xfrm>
+          <a:prstGeom prst="straightConnector1">
+            <a:avLst/>
+          </a:prstGeom>
+          <a:ln>
+            <a:headEnd type="none" w="med" len="med"/>
+            <a:tailEnd type="none" w="med" len="med"/>
+          </a:ln>
+        </p:spPr>
+        <p:style>
+          <a:lnRef idx="1">
+            <a:schemeClr val="accent6"/>
+          </a:lnRef>
+          <a:fillRef idx="0">
+            <a:schemeClr val="accent6"/>
+          </a:fillRef>
+          <a:effectRef idx="0">
+            <a:schemeClr val="accent6"/>
+          </a:effectRef>
+          <a:fontRef idx="minor">
+            <a:schemeClr val="tx1"/>
+          </a:fontRef>
+        </p:style>
+      </p:cxnSp>
+      <p:cxnSp>
+        <p:nvCxnSpPr>
+          <p:cNvPr id="70" name="肘形连接符 69"/>
+          <p:cNvCxnSpPr>
+            <a:endCxn id="4" idx="0"/>
+          </p:cNvCxnSpPr>
+          <p:nvPr/>
+        </p:nvCxnSpPr>
+        <p:spPr>
+          <a:xfrm rot="10800000" flipV="1">
+            <a:off x="2830356" y="1436467"/>
+            <a:ext cx="1035211" cy="145719"/>
+          </a:xfrm>
+          <a:prstGeom prst="bentConnector2">
+            <a:avLst/>
+          </a:prstGeom>
+          <a:ln>
+            <a:tailEnd type="arrow"/>
+          </a:ln>
+        </p:spPr>
+        <p:style>
+          <a:lnRef idx="1">
+            <a:schemeClr val="accent1"/>
+          </a:lnRef>
+          <a:fillRef idx="0">
+            <a:schemeClr val="accent1"/>
+          </a:fillRef>
+          <a:effectRef idx="0">
+            <a:schemeClr val="accent1"/>
+          </a:effectRef>
+          <a:fontRef idx="minor">
+            <a:schemeClr val="tx1"/>
+          </a:fontRef>
+        </p:style>
+      </p:cxnSp>
+      <p:cxnSp>
+        <p:nvCxnSpPr>
+          <p:cNvPr id="72" name="直接箭头连接符 71"/>
+          <p:cNvCxnSpPr/>
+          <p:nvPr/>
+        </p:nvCxnSpPr>
+        <p:spPr>
+          <a:xfrm>
+            <a:off x="3296933" y="1789765"/>
+            <a:ext cx="534457" cy="1680"/>
+          </a:xfrm>
+          <a:prstGeom prst="straightConnector1">
+            <a:avLst/>
+          </a:prstGeom>
+          <a:ln>
+            <a:tailEnd type="arrow"/>
+          </a:ln>
+        </p:spPr>
+        <p:style>
+          <a:lnRef idx="1">
+            <a:schemeClr val="accent1"/>
+          </a:lnRef>
+          <a:fillRef idx="0">
+            <a:schemeClr val="accent1"/>
+          </a:fillRef>
+          <a:effectRef idx="0">
+            <a:schemeClr val="accent1"/>
+          </a:effectRef>
+          <a:fontRef idx="minor">
+            <a:schemeClr val="tx1"/>
+          </a:fontRef>
+        </p:style>
+      </p:cxnSp>
+      <p:cxnSp>
+        <p:nvCxnSpPr>
+          <p:cNvPr id="74" name="直接箭头连接符 73"/>
+          <p:cNvCxnSpPr/>
+          <p:nvPr/>
+        </p:nvCxnSpPr>
+        <p:spPr>
+          <a:xfrm flipV="1">
+            <a:off x="4764546" y="1782999"/>
+            <a:ext cx="594417" cy="8446"/>
+          </a:xfrm>
+          <a:prstGeom prst="straightConnector1">
+            <a:avLst/>
+          </a:prstGeom>
+          <a:ln>
+            <a:tailEnd type="arrow"/>
+          </a:ln>
+        </p:spPr>
+        <p:style>
+          <a:lnRef idx="1">
+            <a:schemeClr val="accent1"/>
+          </a:lnRef>
+          <a:fillRef idx="0">
+            <a:schemeClr val="accent1"/>
+          </a:fillRef>
+          <a:effectRef idx="0">
+            <a:schemeClr val="accent1"/>
+          </a:effectRef>
+          <a:fontRef idx="minor">
+            <a:schemeClr val="tx1"/>
+          </a:fontRef>
+        </p:style>
+      </p:cxnSp>
+      <p:cxnSp>
+        <p:nvCxnSpPr>
+          <p:cNvPr id="78" name="肘形连接符 77"/>
+          <p:cNvCxnSpPr>
+            <a:stCxn id="6" idx="2"/>
+          </p:cNvCxnSpPr>
+          <p:nvPr/>
+        </p:nvCxnSpPr>
+        <p:spPr>
+          <a:xfrm rot="5400000">
+            <a:off x="4767542" y="949470"/>
+            <a:ext cx="144016" cy="1971983"/>
+          </a:xfrm>
+          <a:prstGeom prst="bentConnector2">
+            <a:avLst/>
+          </a:prstGeom>
+          <a:ln>
+            <a:tailEnd type="arrow"/>
+          </a:ln>
+        </p:spPr>
+        <p:style>
+          <a:lnRef idx="1">
+            <a:schemeClr val="accent1"/>
+          </a:lnRef>
+          <a:fillRef idx="0">
+            <a:schemeClr val="accent1"/>
+          </a:fillRef>
+          <a:effectRef idx="0">
+            <a:schemeClr val="accent1"/>
+          </a:effectRef>
+          <a:fontRef idx="minor">
+            <a:schemeClr val="tx1"/>
+          </a:fontRef>
+        </p:style>
+      </p:cxnSp>
+      <p:cxnSp>
+        <p:nvCxnSpPr>
+          <p:cNvPr id="20" name="直接连接符 19"/>
+          <p:cNvCxnSpPr/>
+          <p:nvPr/>
+        </p:nvCxnSpPr>
+        <p:spPr>
+          <a:xfrm>
+            <a:off x="4764546" y="2151485"/>
+            <a:ext cx="1175603" cy="0"/>
+          </a:xfrm>
+          <a:prstGeom prst="line">
+            <a:avLst/>
+          </a:prstGeom>
+        </p:spPr>
+        <p:style>
+          <a:lnRef idx="1">
+            <a:schemeClr val="accent6"/>
+          </a:lnRef>
+          <a:fillRef idx="0">
+            <a:schemeClr val="accent6"/>
+          </a:fillRef>
+          <a:effectRef idx="0">
+            <a:schemeClr val="accent6"/>
+          </a:effectRef>
+          <a:fontRef idx="minor">
+            <a:schemeClr val="tx1"/>
+          </a:fontRef>
+        </p:style>
+      </p:cxnSp>
+      <p:cxnSp>
+        <p:nvCxnSpPr>
+          <p:cNvPr id="27" name="直接箭头连接符 26"/>
+          <p:cNvCxnSpPr/>
+          <p:nvPr/>
+        </p:nvCxnSpPr>
+        <p:spPr>
+          <a:xfrm flipV="1">
+            <a:off x="5940149" y="1871899"/>
+            <a:ext cx="0" cy="279586"/>
+          </a:xfrm>
+          <a:prstGeom prst="straightConnector1">
+            <a:avLst/>
+          </a:prstGeom>
+          <a:ln>
+            <a:tailEnd type="arrow"/>
+          </a:ln>
+        </p:spPr>
+        <p:style>
+          <a:lnRef idx="1">
+            <a:schemeClr val="accent6"/>
+          </a:lnRef>
+          <a:fillRef idx="0">
+            <a:schemeClr val="accent6"/>
+          </a:fillRef>
+          <a:effectRef idx="0">
+            <a:schemeClr val="accent6"/>
+          </a:effectRef>
+          <a:fontRef idx="minor">
+            <a:schemeClr val="tx1"/>
+          </a:fontRef>
+        </p:style>
+      </p:cxnSp>
+      <p:cxnSp>
+        <p:nvCxnSpPr>
+          <p:cNvPr id="31" name="直接箭头连接符 30"/>
+          <p:cNvCxnSpPr/>
+          <p:nvPr/>
+        </p:nvCxnSpPr>
+        <p:spPr>
+          <a:xfrm flipH="1">
+            <a:off x="4764546" y="1647429"/>
+            <a:ext cx="577380" cy="1681"/>
+          </a:xfrm>
+          <a:prstGeom prst="straightConnector1">
+            <a:avLst/>
+          </a:prstGeom>
+          <a:ln>
+            <a:tailEnd type="arrow"/>
+          </a:ln>
+        </p:spPr>
+        <p:style>
+          <a:lnRef idx="1">
+            <a:schemeClr val="accent6"/>
+          </a:lnRef>
+          <a:fillRef idx="0">
+            <a:schemeClr val="accent6"/>
+          </a:fillRef>
+          <a:effectRef idx="0">
+            <a:schemeClr val="accent6"/>
+          </a:effectRef>
+          <a:fontRef idx="minor">
+            <a:schemeClr val="tx1"/>
+          </a:fontRef>
+        </p:style>
+      </p:cxnSp>
+      <p:cxnSp>
+        <p:nvCxnSpPr>
+          <p:cNvPr id="37" name="直接箭头连接符 36"/>
+          <p:cNvCxnSpPr/>
+          <p:nvPr/>
+        </p:nvCxnSpPr>
+        <p:spPr>
+          <a:xfrm flipH="1">
+            <a:off x="3275854" y="1647429"/>
+            <a:ext cx="549806" cy="0"/>
+          </a:xfrm>
+          <a:prstGeom prst="straightConnector1">
+            <a:avLst/>
+          </a:prstGeom>
+          <a:ln>
+            <a:tailEnd type="arrow"/>
+          </a:ln>
+        </p:spPr>
+        <p:style>
+          <a:lnRef idx="1">
+            <a:schemeClr val="accent6"/>
+          </a:lnRef>
+          <a:fillRef idx="0">
+            <a:schemeClr val="accent6"/>
+          </a:fillRef>
+          <a:effectRef idx="0">
+            <a:schemeClr val="accent6"/>
+          </a:effectRef>
+          <a:fontRef idx="minor">
+            <a:schemeClr val="tx1"/>
+          </a:fontRef>
+        </p:style>
+      </p:cxnSp>
+      <p:cxnSp>
+        <p:nvCxnSpPr>
+          <p:cNvPr id="42" name="直接连接符 41"/>
+          <p:cNvCxnSpPr/>
+          <p:nvPr/>
+        </p:nvCxnSpPr>
+        <p:spPr>
+          <a:xfrm flipV="1">
+            <a:off x="2987821" y="1503413"/>
+            <a:ext cx="0" cy="78773"/>
+          </a:xfrm>
+          <a:prstGeom prst="line">
+            <a:avLst/>
+          </a:prstGeom>
+        </p:spPr>
+        <p:style>
+          <a:lnRef idx="1">
+            <a:schemeClr val="accent6"/>
+          </a:lnRef>
+          <a:fillRef idx="0">
+            <a:schemeClr val="accent6"/>
+          </a:fillRef>
+          <a:effectRef idx="0">
+            <a:schemeClr val="accent6"/>
+          </a:effectRef>
+          <a:fontRef idx="minor">
+            <a:schemeClr val="tx1"/>
+          </a:fontRef>
+        </p:style>
+      </p:cxnSp>
+      <p:cxnSp>
+        <p:nvCxnSpPr>
+          <p:cNvPr id="46" name="直接连接符 45"/>
+          <p:cNvCxnSpPr/>
+          <p:nvPr/>
+        </p:nvCxnSpPr>
+        <p:spPr>
+          <a:xfrm>
+            <a:off x="2987821" y="1503413"/>
+            <a:ext cx="2016224" cy="0"/>
+          </a:xfrm>
+          <a:prstGeom prst="line">
+            <a:avLst/>
+          </a:prstGeom>
+        </p:spPr>
+        <p:style>
+          <a:lnRef idx="1">
+            <a:schemeClr val="accent6"/>
+          </a:lnRef>
+          <a:fillRef idx="0">
+            <a:schemeClr val="accent6"/>
+          </a:fillRef>
+          <a:effectRef idx="0">
+            <a:schemeClr val="accent6"/>
+          </a:effectRef>
+          <a:fontRef idx="minor">
+            <a:schemeClr val="tx1"/>
+          </a:fontRef>
+        </p:style>
+      </p:cxnSp>
+      <p:cxnSp>
+        <p:nvCxnSpPr>
+          <p:cNvPr id="49" name="直接箭头连接符 48"/>
+          <p:cNvCxnSpPr/>
+          <p:nvPr/>
+        </p:nvCxnSpPr>
+        <p:spPr>
+          <a:xfrm flipV="1">
+            <a:off x="5004045" y="996084"/>
+            <a:ext cx="0" cy="507329"/>
+          </a:xfrm>
+          <a:prstGeom prst="straightConnector1">
+            <a:avLst/>
+          </a:prstGeom>
+          <a:ln>
+            <a:tailEnd type="arrow"/>
+          </a:ln>
+        </p:spPr>
+        <p:style>
+          <a:lnRef idx="1">
+            <a:schemeClr val="accent6"/>
+          </a:lnRef>
+          <a:fillRef idx="0">
+            <a:schemeClr val="accent6"/>
+          </a:fillRef>
+          <a:effectRef idx="0">
+            <a:schemeClr val="accent6"/>
+          </a:effectRef>
+          <a:fontRef idx="minor">
+            <a:schemeClr val="tx1"/>
+          </a:fontRef>
+        </p:style>
+      </p:cxnSp>
+      <p:sp>
+        <p:nvSpPr>
+          <p:cNvPr id="50" name="TextBox 49"/>
+          <p:cNvSpPr txBox="1"/>
+          <p:nvPr/>
+        </p:nvSpPr>
+        <p:spPr>
+          <a:xfrm>
+            <a:off x="5061754" y="1010390"/>
+            <a:ext cx="753283" cy="276999"/>
+          </a:xfrm>
+          <a:prstGeom prst="rect">
+            <a:avLst/>
+          </a:prstGeom>
+          <a:noFill/>
+        </p:spPr>
+        <p:txBody>
+          <a:bodyPr wrap="none" rtlCol="0">
+            <a:spAutoFit/>
+          </a:bodyPr>
+          <a:lstStyle/>
+          <a:p>
+            <a:r>
+              <a:rPr lang="en-US" altLang="zh-CN" sz="1200" dirty="0" smtClean="0">
+                <a:solidFill>
+                  <a:schemeClr val="accent6">
+                    <a:lumMod val="75000"/>
+                  </a:schemeClr>
+                </a:solidFill>
+              </a:rPr>
+              <a:t>response</a:t>
+            </a:r>
+            <a:endParaRPr lang="zh-CN" altLang="en-US" sz="1200" dirty="0">
+              <a:solidFill>
+                <a:schemeClr val="accent6">
+                  <a:lumMod val="75000"/>
+                </a:schemeClr>
+              </a:solidFill>
+            </a:endParaRPr>
+          </a:p>
+        </p:txBody>
+      </p:sp>
+      <p:sp>
+        <p:nvSpPr>
+          <p:cNvPr id="63" name="TextBox 62"/>
+          <p:cNvSpPr txBox="1"/>
+          <p:nvPr/>
+        </p:nvSpPr>
+        <p:spPr>
+          <a:xfrm>
+            <a:off x="3100884" y="1010390"/>
+            <a:ext cx="660181" cy="276999"/>
+          </a:xfrm>
+          <a:prstGeom prst="rect">
+            <a:avLst/>
+          </a:prstGeom>
+          <a:noFill/>
+        </p:spPr>
+        <p:txBody>
+          <a:bodyPr wrap="none" rtlCol="0">
+            <a:spAutoFit/>
+          </a:bodyPr>
+          <a:lstStyle/>
+          <a:p>
+            <a:r>
+              <a:rPr lang="en-US" altLang="zh-CN" sz="1200" dirty="0" smtClean="0">
+                <a:solidFill>
+                  <a:schemeClr val="tx2">
+                    <a:lumMod val="75000"/>
+                  </a:schemeClr>
+                </a:solidFill>
+              </a:rPr>
+              <a:t>request</a:t>
+            </a:r>
+            <a:endParaRPr lang="zh-CN" altLang="en-US" sz="1200" dirty="0">
+              <a:solidFill>
+                <a:schemeClr val="tx2">
+                  <a:lumMod val="75000"/>
+                </a:schemeClr>
+              </a:solidFill>
+            </a:endParaRPr>
+          </a:p>
+        </p:txBody>
+      </p:sp>
+      <p:sp>
+        <p:nvSpPr>
+          <p:cNvPr id="65" name="TextBox 64"/>
+          <p:cNvSpPr txBox="1"/>
+          <p:nvPr/>
+        </p:nvSpPr>
+        <p:spPr>
+          <a:xfrm>
+            <a:off x="3129400" y="2187869"/>
+            <a:ext cx="660181" cy="276999"/>
+          </a:xfrm>
+          <a:prstGeom prst="rect">
+            <a:avLst/>
+          </a:prstGeom>
+          <a:noFill/>
+        </p:spPr>
+        <p:txBody>
+          <a:bodyPr wrap="none" rtlCol="0">
+            <a:spAutoFit/>
+          </a:bodyPr>
+          <a:lstStyle/>
+          <a:p>
+            <a:r>
+              <a:rPr lang="en-US" altLang="zh-CN" sz="1200" dirty="0" smtClean="0">
+                <a:solidFill>
+                  <a:schemeClr val="tx2">
+                    <a:lumMod val="75000"/>
+                  </a:schemeClr>
+                </a:solidFill>
+              </a:rPr>
+              <a:t>request</a:t>
+            </a:r>
+            <a:endParaRPr lang="zh-CN" altLang="en-US" sz="1200" dirty="0">
+              <a:solidFill>
+                <a:schemeClr val="tx2">
+                  <a:lumMod val="75000"/>
+                </a:schemeClr>
+              </a:solidFill>
+            </a:endParaRPr>
+          </a:p>
+        </p:txBody>
+      </p:sp>
+      <p:sp>
+        <p:nvSpPr>
+          <p:cNvPr id="67" name="TextBox 66"/>
+          <p:cNvSpPr txBox="1"/>
+          <p:nvPr/>
+        </p:nvSpPr>
+        <p:spPr>
+          <a:xfrm>
+            <a:off x="3263744" y="2738582"/>
+            <a:ext cx="660181" cy="276999"/>
+          </a:xfrm>
+          <a:prstGeom prst="rect">
+            <a:avLst/>
+          </a:prstGeom>
+          <a:noFill/>
+        </p:spPr>
+        <p:txBody>
+          <a:bodyPr wrap="none" rtlCol="0">
+            <a:spAutoFit/>
+          </a:bodyPr>
+          <a:lstStyle/>
+          <a:p>
+            <a:r>
+              <a:rPr lang="en-US" altLang="zh-CN" sz="1200" dirty="0" smtClean="0">
+                <a:solidFill>
+                  <a:schemeClr val="tx2">
+                    <a:lumMod val="75000"/>
+                  </a:schemeClr>
+                </a:solidFill>
+              </a:rPr>
+              <a:t>request</a:t>
+            </a:r>
+            <a:endParaRPr lang="zh-CN" altLang="en-US" sz="1200" dirty="0">
+              <a:solidFill>
+                <a:schemeClr val="tx2">
+                  <a:lumMod val="75000"/>
+                </a:schemeClr>
+              </a:solidFill>
+            </a:endParaRPr>
+          </a:p>
+        </p:txBody>
+      </p:sp>
+      <p:sp>
+        <p:nvSpPr>
+          <p:cNvPr id="68" name="TextBox 67"/>
+          <p:cNvSpPr txBox="1"/>
+          <p:nvPr/>
+        </p:nvSpPr>
+        <p:spPr>
+          <a:xfrm>
+            <a:off x="4716013" y="2727549"/>
+            <a:ext cx="660181" cy="276999"/>
+          </a:xfrm>
+          <a:prstGeom prst="rect">
+            <a:avLst/>
+          </a:prstGeom>
+          <a:noFill/>
+        </p:spPr>
+        <p:txBody>
+          <a:bodyPr wrap="none" rtlCol="0">
+            <a:spAutoFit/>
+          </a:bodyPr>
+          <a:lstStyle/>
+          <a:p>
+            <a:r>
+              <a:rPr lang="en-US" altLang="zh-CN" sz="1200" dirty="0" smtClean="0">
+                <a:solidFill>
+                  <a:schemeClr val="tx2">
+                    <a:lumMod val="75000"/>
+                  </a:schemeClr>
+                </a:solidFill>
+              </a:rPr>
+              <a:t>request</a:t>
+            </a:r>
+            <a:endParaRPr lang="zh-CN" altLang="en-US" sz="1200" dirty="0">
+              <a:solidFill>
+                <a:schemeClr val="tx2">
+                  <a:lumMod val="75000"/>
+                </a:schemeClr>
+              </a:solidFill>
+            </a:endParaRPr>
+          </a:p>
+        </p:txBody>
+      </p:sp>
+      <p:sp>
+        <p:nvSpPr>
+          <p:cNvPr id="69" name="TextBox 68"/>
+          <p:cNvSpPr txBox="1"/>
+          <p:nvPr/>
+        </p:nvSpPr>
+        <p:spPr>
+          <a:xfrm>
+            <a:off x="4831776" y="2187868"/>
+            <a:ext cx="753283" cy="276999"/>
+          </a:xfrm>
+          <a:prstGeom prst="rect">
+            <a:avLst/>
+          </a:prstGeom>
+          <a:noFill/>
+        </p:spPr>
+        <p:txBody>
+          <a:bodyPr wrap="none" rtlCol="0">
+            <a:spAutoFit/>
+          </a:bodyPr>
+          <a:lstStyle/>
+          <a:p>
+            <a:r>
+              <a:rPr lang="en-US" altLang="zh-CN" sz="1200" dirty="0" smtClean="0">
+                <a:solidFill>
+                  <a:schemeClr val="accent6">
+                    <a:lumMod val="75000"/>
+                  </a:schemeClr>
+                </a:solidFill>
+              </a:rPr>
+              <a:t>response</a:t>
+            </a:r>
+            <a:endParaRPr lang="zh-CN" altLang="en-US" sz="1200" dirty="0">
+              <a:solidFill>
+                <a:schemeClr val="accent6">
+                  <a:lumMod val="75000"/>
+                </a:schemeClr>
+              </a:solidFill>
+            </a:endParaRPr>
+          </a:p>
+        </p:txBody>
+      </p:sp>
+      <p:sp>
+        <p:nvSpPr>
+          <p:cNvPr id="51" name="TextBox 50"/>
+          <p:cNvSpPr txBox="1"/>
+          <p:nvPr/>
+        </p:nvSpPr>
+        <p:spPr>
+          <a:xfrm>
+            <a:off x="2160180" y="4373165"/>
+            <a:ext cx="650329" cy="276999"/>
+          </a:xfrm>
+          <a:prstGeom prst="rect">
+            <a:avLst/>
+          </a:prstGeom>
+          <a:noFill/>
+        </p:spPr>
+        <p:txBody>
+          <a:bodyPr wrap="square" rtlCol="0">
+            <a:spAutoFit/>
+            <a:scene3d>
+              <a:camera prst="orthographicFront"/>
+              <a:lightRig rig="soft" dir="tl">
+                <a:rot lat="0" lon="0" rev="0"/>
+              </a:lightRig>
+            </a:scene3d>
+            <a:sp3d contourW="25400" prstMaterial="matte">
+              <a:bevelT w="25400" h="55880" prst="artDeco"/>
+              <a:contourClr>
+                <a:schemeClr val="accent2">
+                  <a:tint val="20000"/>
+                </a:schemeClr>
+              </a:contourClr>
+            </a:sp3d>
+          </a:bodyPr>
+          <a:lstStyle/>
+          <a:p>
+            <a:r>
+              <a:rPr lang="en-US" altLang="zh-CN" sz="1200" b="1" spc="50" dirty="0" smtClean="0">
+                <a:ln w="11430"/>
+                <a:gradFill>
+                  <a:gsLst>
+                    <a:gs pos="25000">
+                      <a:schemeClr val="accent2">
+                        <a:satMod val="155000"/>
+                      </a:schemeClr>
+                    </a:gs>
+                    <a:gs pos="100000">
+                      <a:schemeClr val="accent2">
+                        <a:shade val="45000"/>
+                        <a:satMod val="165000"/>
+                      </a:schemeClr>
+                    </a:gs>
+                  </a:gsLst>
+                  <a:lin ang="5400000"/>
+                </a:gradFill>
+                <a:effectLst>
+                  <a:outerShdw blurRad="76200" dist="50800" dir="5400000" algn="tl" rotWithShape="0">
+                    <a:srgbClr val="000000">
+                      <a:alpha val="65000"/>
+                    </a:srgbClr>
+                  </a:outerShdw>
+                </a:effectLst>
+              </a:rPr>
+              <a:t>Server</a:t>
+            </a:r>
+            <a:endParaRPr lang="zh-CN" altLang="en-US" sz="1200" b="1" spc="50" dirty="0">
+              <a:ln w="11430"/>
+              <a:gradFill>
+                <a:gsLst>
+                  <a:gs pos="25000">
+                    <a:schemeClr val="accent2">
+                      <a:satMod val="155000"/>
+                    </a:schemeClr>
+                  </a:gs>
+                  <a:gs pos="100000">
+                    <a:schemeClr val="accent2">
+                      <a:shade val="45000"/>
+                      <a:satMod val="165000"/>
+                    </a:schemeClr>
+                  </a:gs>
+                </a:gsLst>
+                <a:lin ang="5400000"/>
+              </a:gradFill>
+              <a:effectLst>
+                <a:outerShdw blurRad="76200" dist="50800" dir="5400000" algn="tl" rotWithShape="0">
+                  <a:srgbClr val="000000">
+                    <a:alpha val="65000"/>
+                  </a:srgbClr>
+                </a:outerShdw>
+              </a:effectLst>
+            </a:endParaRPr>
+          </a:p>
+        </p:txBody>
+      </p:sp>
+      <p:sp>
+        <p:nvSpPr>
+          <p:cNvPr id="17" name="矩形 16"/>
+          <p:cNvSpPr/>
+          <p:nvPr/>
+        </p:nvSpPr>
+        <p:spPr>
+          <a:xfrm>
+            <a:off x="2051717" y="1249748"/>
+            <a:ext cx="4608512" cy="3494025"/>
+          </a:xfrm>
+          <a:prstGeom prst="rect">
+            <a:avLst/>
+          </a:prstGeom>
+          <a:noFill/>
+          <a:ln w="12700">
+            <a:solidFill>
+              <a:schemeClr val="accent1">
+                <a:lumMod val="60000"/>
+                <a:lumOff val="40000"/>
+              </a:schemeClr>
+            </a:solidFill>
+            <a:prstDash val="sysDot"/>
+          </a:ln>
+        </p:spPr>
+        <p:style>
+          <a:lnRef idx="2">
+            <a:schemeClr val="accent1">
+              <a:shade val="50000"/>
+            </a:schemeClr>
+          </a:lnRef>
+          <a:fillRef idx="1">
+            <a:schemeClr val="accent1"/>
+          </a:fillRef>
+          <a:effectRef idx="0">
+            <a:schemeClr val="accent1"/>
+          </a:effectRef>
+          <a:fontRef idx="minor">
+            <a:schemeClr val="lt1"/>
+          </a:fontRef>
+        </p:style>
+        <p:txBody>
+          <a:bodyPr rtlCol="0" anchor="ctr"/>
+          <a:lstStyle/>
+          <a:p>
+            <a:pPr algn="ctr"/>
+            <a:endParaRPr lang="zh-CN" altLang="en-US"/>
+          </a:p>
+        </p:txBody>
+      </p:sp>
+    </p:spTree>
+    <p:extLst>
+      <p:ext uri="{BB962C8B-B14F-4D97-AF65-F5344CB8AC3E}">
+        <p14:creationId xmlns:p14="http://schemas.microsoft.com/office/powerpoint/2010/main" val="1099338332"/>
+      </p:ext>
+    </p:extLst>
+  </p:cSld>
+  <p:clrMapOvr>
+    <a:masterClrMapping/>
+  </p:clrMapOvr>
+  <p:timing>
+    <p:tnLst>
+      <p:par>
+        <p:cTn id="1" dur="indefinite" restart="never" nodeType="tmRoot"/>
+      </p:par>
+    </p:tnLst>
+  </p:timing>
+</p:sld>
+</file>
+
+<file path=ppt/slides/slide5.xml><?xml version="1.0" encoding="utf-8"?>
+<p:sld xmlns:a="http://schemas.openxmlformats.org/drawingml/2006/main" xmlns:r="http://schemas.openxmlformats.org/officeDocument/2006/relationships" xmlns:p="http://schemas.openxmlformats.org/presentationml/2006/main">
+  <p:cSld>
+    <p:spTree>
+      <p:nvGrpSpPr>
+        <p:cNvPr id="1" name=""/>
+        <p:cNvGrpSpPr/>
+        <p:nvPr/>
+      </p:nvGrpSpPr>
+      <p:grpSpPr>
+        <a:xfrm>
+          <a:off x="0" y="0"/>
+          <a:ext cx="0" cy="0"/>
+          <a:chOff x="0" y="0"/>
+          <a:chExt cx="0" cy="0"/>
+        </a:xfrm>
+      </p:grpSpPr>
+      <p:sp>
+        <p:nvSpPr>
           <p:cNvPr id="44" name="矩形 43"/>
           <p:cNvSpPr/>
           <p:nvPr/>
@@ -9403,6 +12177,2330 @@
               <a:t>继承</a:t>
             </a:r>
             <a:endParaRPr lang="zh-CN" altLang="en-US" sz="1200" dirty="0"/>
+          </a:p>
+        </p:txBody>
+      </p:sp>
+      <mc:AlternateContent xmlns:mc="http://schemas.openxmlformats.org/markup-compatibility/2006" xmlns:p14="http://schemas.microsoft.com/office/powerpoint/2010/main">
+        <mc:Choice Requires="p14">
+          <p:contentPart p14:bwMode="auto" r:id="rId3">
+            <p14:nvContentPartPr>
+              <p14:cNvPr id="3" name="墨迹 2"/>
+              <p14:cNvContentPartPr/>
+              <p14:nvPr/>
+            </p14:nvContentPartPr>
+            <p14:xfrm>
+              <a:off x="451847" y="1128449"/>
+              <a:ext cx="5486760" cy="3777120"/>
+            </p14:xfrm>
+          </p:contentPart>
+        </mc:Choice>
+        <mc:Fallback xmlns="">
+          <p:pic>
+            <p:nvPicPr>
+              <p:cNvPr id="3" name="墨迹 2"/>
+              <p:cNvPicPr/>
+              <p:nvPr/>
+            </p:nvPicPr>
+            <p:blipFill>
+              <a:blip r:embed="rId4"/>
+              <a:stretch>
+                <a:fillRect/>
+              </a:stretch>
+            </p:blipFill>
+            <p:spPr>
+              <a:xfrm>
+                <a:off x="442487" y="1119089"/>
+                <a:ext cx="5505480" cy="3795840"/>
+              </a:xfrm>
+              <a:prstGeom prst="rect">
+                <a:avLst/>
+              </a:prstGeom>
+            </p:spPr>
+          </p:pic>
+        </mc:Fallback>
+      </mc:AlternateContent>
+      <p:sp>
+        <p:nvSpPr>
+          <p:cNvPr id="13" name="TextBox 12"/>
+          <p:cNvSpPr txBox="1"/>
+          <p:nvPr/>
+        </p:nvSpPr>
+        <p:spPr>
+          <a:xfrm>
+            <a:off x="-26725" y="157575"/>
+            <a:ext cx="1818556" cy="923330"/>
+          </a:xfrm>
+          <a:prstGeom prst="rect">
+            <a:avLst/>
+          </a:prstGeom>
+          <a:noFill/>
+        </p:spPr>
+        <p:txBody>
+          <a:bodyPr wrap="square" rtlCol="0">
+            <a:spAutoFit/>
+          </a:bodyPr>
+          <a:lstStyle/>
+          <a:p>
+            <a:r>
+              <a:rPr lang="en-US" altLang="zh-CN" b="1" spc="300" dirty="0" smtClean="0">
+                <a:ln w="11430" cmpd="sng">
+                  <a:solidFill>
+                    <a:schemeClr val="accent1">
+                      <a:tint val="10000"/>
+                    </a:schemeClr>
+                  </a:solidFill>
+                  <a:prstDash val="solid"/>
+                  <a:miter lim="800000"/>
+                </a:ln>
+                <a:gradFill>
+                  <a:gsLst>
+                    <a:gs pos="10000">
+                      <a:schemeClr val="accent1">
+                        <a:tint val="83000"/>
+                        <a:shade val="100000"/>
+                        <a:satMod val="200000"/>
+                      </a:schemeClr>
+                    </a:gs>
+                    <a:gs pos="75000">
+                      <a:schemeClr val="accent1">
+                        <a:tint val="100000"/>
+                        <a:shade val="50000"/>
+                        <a:satMod val="150000"/>
+                      </a:schemeClr>
+                    </a:gs>
+                  </a:gsLst>
+                  <a:lin ang="5400000"/>
+                </a:gradFill>
+                <a:effectLst>
+                  <a:glow rad="45500">
+                    <a:schemeClr val="accent1">
+                      <a:satMod val="220000"/>
+                      <a:alpha val="35000"/>
+                    </a:schemeClr>
+                  </a:glow>
+                </a:effectLst>
+              </a:rPr>
+              <a:t>What if without springboot</a:t>
+            </a:r>
+            <a:r>
+              <a:rPr lang="zh-CN" altLang="en-US" b="1" spc="300" dirty="0" smtClean="0">
+                <a:ln w="11430" cmpd="sng">
+                  <a:solidFill>
+                    <a:schemeClr val="accent1">
+                      <a:tint val="10000"/>
+                    </a:schemeClr>
+                  </a:solidFill>
+                  <a:prstDash val="solid"/>
+                  <a:miter lim="800000"/>
+                </a:ln>
+                <a:gradFill>
+                  <a:gsLst>
+                    <a:gs pos="10000">
+                      <a:schemeClr val="accent1">
+                        <a:tint val="83000"/>
+                        <a:shade val="100000"/>
+                        <a:satMod val="200000"/>
+                      </a:schemeClr>
+                    </a:gs>
+                    <a:gs pos="75000">
+                      <a:schemeClr val="accent1">
+                        <a:tint val="100000"/>
+                        <a:shade val="50000"/>
+                        <a:satMod val="150000"/>
+                      </a:schemeClr>
+                    </a:gs>
+                  </a:gsLst>
+                  <a:lin ang="5400000"/>
+                </a:gradFill>
+                <a:effectLst>
+                  <a:glow rad="45500">
+                    <a:schemeClr val="accent1">
+                      <a:satMod val="220000"/>
+                      <a:alpha val="35000"/>
+                    </a:schemeClr>
+                  </a:glow>
+                </a:effectLst>
+              </a:rPr>
+              <a:t>？</a:t>
+            </a:r>
+            <a:endParaRPr lang="zh-CN" altLang="en-US" b="1" spc="300" dirty="0">
+              <a:ln w="11430" cmpd="sng">
+                <a:solidFill>
+                  <a:schemeClr val="accent1">
+                    <a:tint val="10000"/>
+                  </a:schemeClr>
+                </a:solidFill>
+                <a:prstDash val="solid"/>
+                <a:miter lim="800000"/>
+              </a:ln>
+              <a:gradFill>
+                <a:gsLst>
+                  <a:gs pos="10000">
+                    <a:schemeClr val="accent1">
+                      <a:tint val="83000"/>
+                      <a:shade val="100000"/>
+                      <a:satMod val="200000"/>
+                    </a:schemeClr>
+                  </a:gs>
+                  <a:gs pos="75000">
+                    <a:schemeClr val="accent1">
+                      <a:tint val="100000"/>
+                      <a:shade val="50000"/>
+                      <a:satMod val="150000"/>
+                    </a:schemeClr>
+                  </a:gs>
+                </a:gsLst>
+                <a:lin ang="5400000"/>
+              </a:gradFill>
+              <a:effectLst>
+                <a:glow rad="45500">
+                  <a:schemeClr val="accent1">
+                    <a:satMod val="220000"/>
+                    <a:alpha val="35000"/>
+                  </a:schemeClr>
+                </a:glow>
+              </a:effectLst>
+            </a:endParaRPr>
+          </a:p>
+        </p:txBody>
+      </p:sp>
+    </p:spTree>
+    <p:extLst>
+      <p:ext uri="{BB962C8B-B14F-4D97-AF65-F5344CB8AC3E}">
+        <p14:creationId xmlns:p14="http://schemas.microsoft.com/office/powerpoint/2010/main" val="2433024544"/>
+      </p:ext>
+    </p:extLst>
+  </p:cSld>
+  <p:clrMapOvr>
+    <a:masterClrMapping/>
+  </p:clrMapOvr>
+  <p:timing>
+    <p:tnLst>
+      <p:par>
+        <p:cTn id="1" dur="indefinite" restart="never" nodeType="tmRoot"/>
+      </p:par>
+    </p:tnLst>
+  </p:timing>
+</p:sld>
+</file>
+
+<file path=ppt/slides/slide6.xml><?xml version="1.0" encoding="utf-8"?>
+<p:sld xmlns:a="http://schemas.openxmlformats.org/drawingml/2006/main" xmlns:r="http://schemas.openxmlformats.org/officeDocument/2006/relationships" xmlns:p="http://schemas.openxmlformats.org/presentationml/2006/main">
+  <p:cSld>
+    <p:spTree>
+      <p:nvGrpSpPr>
+        <p:cNvPr id="1" name=""/>
+        <p:cNvGrpSpPr/>
+        <p:nvPr/>
+      </p:nvGrpSpPr>
+      <p:grpSpPr>
+        <a:xfrm>
+          <a:off x="0" y="0"/>
+          <a:ext cx="0" cy="0"/>
+          <a:chOff x="0" y="0"/>
+          <a:chExt cx="0" cy="0"/>
+        </a:xfrm>
+      </p:grpSpPr>
+      <p:sp>
+        <p:nvSpPr>
+          <p:cNvPr id="44" name="矩形 43"/>
+          <p:cNvSpPr/>
+          <p:nvPr/>
+        </p:nvSpPr>
+        <p:spPr>
+          <a:xfrm>
+            <a:off x="945210" y="1687439"/>
+            <a:ext cx="1836204" cy="2277978"/>
+          </a:xfrm>
+          <a:prstGeom prst="rect">
+            <a:avLst/>
+          </a:prstGeom>
+          <a:solidFill>
+            <a:srgbClr val="CAE8AA"/>
+          </a:solidFill>
+          <a:ln>
+            <a:noFill/>
+          </a:ln>
+        </p:spPr>
+        <p:style>
+          <a:lnRef idx="2">
+            <a:schemeClr val="accent1">
+              <a:shade val="50000"/>
+            </a:schemeClr>
+          </a:lnRef>
+          <a:fillRef idx="1">
+            <a:schemeClr val="accent1"/>
+          </a:fillRef>
+          <a:effectRef idx="0">
+            <a:schemeClr val="accent1"/>
+          </a:effectRef>
+          <a:fontRef idx="minor">
+            <a:schemeClr val="lt1"/>
+          </a:fontRef>
+        </p:style>
+        <p:txBody>
+          <a:bodyPr rtlCol="0" anchor="ctr"/>
+          <a:lstStyle/>
+          <a:p>
+            <a:pPr algn="ctr"/>
+            <a:endParaRPr lang="zh-CN" altLang="en-US"/>
+          </a:p>
+        </p:txBody>
+      </p:sp>
+      <p:sp>
+        <p:nvSpPr>
+          <p:cNvPr id="2" name="TextBox 1"/>
+          <p:cNvSpPr txBox="1"/>
+          <p:nvPr/>
+        </p:nvSpPr>
+        <p:spPr>
+          <a:xfrm>
+            <a:off x="-29270" y="-11702"/>
+            <a:ext cx="2152998" cy="338554"/>
+          </a:xfrm>
+          <a:prstGeom prst="rect">
+            <a:avLst/>
+          </a:prstGeom>
+          <a:noFill/>
+        </p:spPr>
+        <p:txBody>
+          <a:bodyPr wrap="square" rtlCol="0">
+            <a:spAutoFit/>
+          </a:bodyPr>
+          <a:lstStyle/>
+          <a:p>
+            <a:r>
+              <a:rPr lang="en-US" altLang="zh-CN" sz="1600" dirty="0" smtClean="0"/>
+              <a:t>Java</a:t>
+            </a:r>
+            <a:r>
+              <a:rPr lang="zh-CN" altLang="en-US" sz="1600" dirty="0" smtClean="0"/>
+              <a:t>项目的启动</a:t>
+            </a:r>
+            <a:r>
+              <a:rPr lang="zh-CN" altLang="en-US" sz="1600" dirty="0" smtClean="0"/>
+              <a:t>过程</a:t>
+            </a:r>
+            <a:endParaRPr lang="zh-CN" altLang="en-US" sz="1600" dirty="0"/>
+          </a:p>
+        </p:txBody>
+      </p:sp>
+      <p:sp>
+        <p:nvSpPr>
+          <p:cNvPr id="4" name="矩形 3"/>
+          <p:cNvSpPr/>
+          <p:nvPr/>
+        </p:nvSpPr>
+        <p:spPr>
+          <a:xfrm>
+            <a:off x="1187624" y="339502"/>
+            <a:ext cx="1440160" cy="432048"/>
+          </a:xfrm>
+          <a:prstGeom prst="rect">
+            <a:avLst/>
+          </a:prstGeom>
+          <a:ln w="19050"/>
+        </p:spPr>
+        <p:style>
+          <a:lnRef idx="2">
+            <a:schemeClr val="accent1"/>
+          </a:lnRef>
+          <a:fillRef idx="1">
+            <a:schemeClr val="lt1"/>
+          </a:fillRef>
+          <a:effectRef idx="0">
+            <a:schemeClr val="accent1"/>
+          </a:effectRef>
+          <a:fontRef idx="minor">
+            <a:schemeClr val="dk1"/>
+          </a:fontRef>
+        </p:style>
+        <p:txBody>
+          <a:bodyPr rtlCol="0" anchor="ctr"/>
+          <a:lstStyle/>
+          <a:p>
+            <a:pPr algn="ctr"/>
+            <a:r>
+              <a:rPr lang="zh-CN" altLang="en-US" sz="1200" dirty="0"/>
+              <a:t>启动</a:t>
+            </a:r>
+            <a:r>
+              <a:rPr lang="en-US" altLang="zh-CN" sz="1200" dirty="0"/>
+              <a:t>JVM</a:t>
+            </a:r>
+            <a:r>
+              <a:rPr lang="zh-CN" altLang="en-US" sz="1200" dirty="0"/>
+              <a:t>进程</a:t>
+            </a:r>
+          </a:p>
+        </p:txBody>
+      </p:sp>
+      <p:sp>
+        <p:nvSpPr>
+          <p:cNvPr id="5" name="TextBox 4"/>
+          <p:cNvSpPr txBox="1"/>
+          <p:nvPr/>
+        </p:nvSpPr>
+        <p:spPr>
+          <a:xfrm>
+            <a:off x="2843808" y="428568"/>
+            <a:ext cx="3168352" cy="253916"/>
+          </a:xfrm>
+          <a:prstGeom prst="rect">
+            <a:avLst/>
+          </a:prstGeom>
+          <a:noFill/>
+          <a:ln w="6350">
+            <a:solidFill>
+              <a:schemeClr val="tx1"/>
+            </a:solidFill>
+            <a:prstDash val="dash"/>
+          </a:ln>
+        </p:spPr>
+        <p:txBody>
+          <a:bodyPr wrap="square" rtlCol="0">
+            <a:spAutoFit/>
+          </a:bodyPr>
+          <a:lstStyle/>
+          <a:p>
+            <a:r>
+              <a:rPr lang="en-US" altLang="zh-CN" sz="1050" dirty="0">
+                <a:solidFill>
+                  <a:srgbClr val="006600"/>
+                </a:solidFill>
+              </a:rPr>
+              <a:t>Starting </a:t>
+            </a:r>
+            <a:r>
+              <a:rPr lang="en-US" altLang="zh-CN" sz="1050" dirty="0" smtClean="0">
+                <a:solidFill>
+                  <a:srgbClr val="006600"/>
+                </a:solidFill>
+              </a:rPr>
+              <a:t>xxxApplication </a:t>
+            </a:r>
+            <a:r>
+              <a:rPr lang="en-US" altLang="zh-CN" sz="1050" dirty="0">
+                <a:solidFill>
+                  <a:srgbClr val="006600"/>
+                </a:solidFill>
+              </a:rPr>
+              <a:t>on </a:t>
+            </a:r>
+            <a:r>
+              <a:rPr lang="en-US" altLang="zh-CN" sz="1050" dirty="0" smtClean="0">
+                <a:solidFill>
+                  <a:srgbClr val="006600"/>
+                </a:solidFill>
+              </a:rPr>
+              <a:t>PC-xxx </a:t>
+            </a:r>
+            <a:r>
+              <a:rPr lang="en-US" altLang="zh-CN" sz="1050" dirty="0">
+                <a:solidFill>
+                  <a:srgbClr val="006600"/>
+                </a:solidFill>
+              </a:rPr>
+              <a:t>with PID 3256</a:t>
+            </a:r>
+            <a:endParaRPr lang="zh-CN" altLang="en-US" sz="1050" dirty="0">
+              <a:solidFill>
+                <a:srgbClr val="006600"/>
+              </a:solidFill>
+            </a:endParaRPr>
+          </a:p>
+        </p:txBody>
+      </p:sp>
+      <p:sp>
+        <p:nvSpPr>
+          <p:cNvPr id="8" name="矩形 7"/>
+          <p:cNvSpPr/>
+          <p:nvPr/>
+        </p:nvSpPr>
+        <p:spPr>
+          <a:xfrm>
+            <a:off x="1187624" y="1851670"/>
+            <a:ext cx="1440160" cy="432048"/>
+          </a:xfrm>
+          <a:prstGeom prst="rect">
+            <a:avLst/>
+          </a:prstGeom>
+          <a:ln w="19050"/>
+        </p:spPr>
+        <p:style>
+          <a:lnRef idx="2">
+            <a:schemeClr val="accent1"/>
+          </a:lnRef>
+          <a:fillRef idx="1">
+            <a:schemeClr val="lt1"/>
+          </a:fillRef>
+          <a:effectRef idx="0">
+            <a:schemeClr val="accent1"/>
+          </a:effectRef>
+          <a:fontRef idx="minor">
+            <a:schemeClr val="dk1"/>
+          </a:fontRef>
+        </p:style>
+        <p:txBody>
+          <a:bodyPr rtlCol="0" anchor="ctr"/>
+          <a:lstStyle/>
+          <a:p>
+            <a:pPr algn="ctr"/>
+            <a:r>
+              <a:rPr lang="zh-CN" altLang="en-US" sz="1200" dirty="0"/>
+              <a:t>启动</a:t>
+            </a:r>
+            <a:r>
+              <a:rPr lang="en-US" altLang="zh-CN" sz="1200" dirty="0" smtClean="0"/>
+              <a:t>web</a:t>
+            </a:r>
+            <a:r>
+              <a:rPr lang="zh-CN" altLang="en-US" sz="1200" dirty="0" smtClean="0"/>
+              <a:t>容器</a:t>
+            </a:r>
+            <a:endParaRPr lang="en-US" altLang="zh-CN" sz="1200" dirty="0" smtClean="0"/>
+          </a:p>
+          <a:p>
+            <a:pPr algn="ctr"/>
+            <a:r>
+              <a:rPr lang="en-US" altLang="zh-CN" sz="1200" dirty="0" smtClean="0"/>
+              <a:t>(tomcat</a:t>
+            </a:r>
+            <a:r>
+              <a:rPr lang="zh-CN" altLang="en-US" sz="1200" dirty="0" smtClean="0"/>
+              <a:t>服务</a:t>
+            </a:r>
+            <a:r>
+              <a:rPr lang="en-US" altLang="zh-CN" sz="1200" dirty="0" smtClean="0"/>
+              <a:t>)</a:t>
+            </a:r>
+            <a:endParaRPr lang="zh-CN" altLang="en-US" sz="1200" dirty="0"/>
+          </a:p>
+        </p:txBody>
+      </p:sp>
+      <p:sp>
+        <p:nvSpPr>
+          <p:cNvPr id="9" name="矩形 8"/>
+          <p:cNvSpPr/>
+          <p:nvPr/>
+        </p:nvSpPr>
+        <p:spPr>
+          <a:xfrm>
+            <a:off x="1187624" y="1091161"/>
+            <a:ext cx="1440160" cy="432048"/>
+          </a:xfrm>
+          <a:prstGeom prst="rect">
+            <a:avLst/>
+          </a:prstGeom>
+          <a:ln w="19050"/>
+        </p:spPr>
+        <p:style>
+          <a:lnRef idx="2">
+            <a:schemeClr val="accent1"/>
+          </a:lnRef>
+          <a:fillRef idx="1">
+            <a:schemeClr val="lt1"/>
+          </a:fillRef>
+          <a:effectRef idx="0">
+            <a:schemeClr val="accent1"/>
+          </a:effectRef>
+          <a:fontRef idx="minor">
+            <a:schemeClr val="dk1"/>
+          </a:fontRef>
+        </p:style>
+        <p:txBody>
+          <a:bodyPr rtlCol="0" anchor="ctr"/>
+          <a:lstStyle/>
+          <a:p>
+            <a:pPr algn="ctr"/>
+            <a:r>
+              <a:rPr lang="zh-CN" altLang="en-US" sz="1200" dirty="0" smtClean="0"/>
+              <a:t>生成</a:t>
+            </a:r>
+            <a:r>
+              <a:rPr lang="en-US" altLang="zh-CN" sz="1200" dirty="0" smtClean="0"/>
+              <a:t>spring </a:t>
+            </a:r>
+            <a:r>
+              <a:rPr lang="zh-CN" altLang="en-US" sz="1200" dirty="0" smtClean="0"/>
+              <a:t>上下文</a:t>
+            </a:r>
+            <a:endParaRPr lang="zh-CN" altLang="en-US" sz="1200" dirty="0"/>
+          </a:p>
+        </p:txBody>
+      </p:sp>
+      <p:sp>
+        <p:nvSpPr>
+          <p:cNvPr id="10" name="TextBox 9"/>
+          <p:cNvSpPr txBox="1"/>
+          <p:nvPr/>
+        </p:nvSpPr>
+        <p:spPr>
+          <a:xfrm>
+            <a:off x="2843808" y="1110441"/>
+            <a:ext cx="3187717" cy="415498"/>
+          </a:xfrm>
+          <a:prstGeom prst="rect">
+            <a:avLst/>
+          </a:prstGeom>
+          <a:noFill/>
+          <a:ln w="6350">
+            <a:solidFill>
+              <a:schemeClr val="tx1"/>
+            </a:solidFill>
+            <a:prstDash val="dash"/>
+          </a:ln>
+        </p:spPr>
+        <p:txBody>
+          <a:bodyPr wrap="square" rtlCol="0">
+            <a:spAutoFit/>
+          </a:bodyPr>
+          <a:lstStyle/>
+          <a:p>
+            <a:pPr latinLnBrk="1"/>
+            <a:r>
+              <a:rPr lang="en-US" altLang="zh-CN" sz="1050" dirty="0">
+                <a:solidFill>
+                  <a:srgbClr val="006600"/>
+                </a:solidFill>
+              </a:rPr>
+              <a:t>Refreshing org.springframework.boot.context.embedded.AnnotationConfigEmbeddedWebApplicationContext</a:t>
+            </a:r>
+            <a:endParaRPr lang="zh-CN" altLang="en-US" sz="1050" dirty="0">
+              <a:solidFill>
+                <a:srgbClr val="006600"/>
+              </a:solidFill>
+            </a:endParaRPr>
+          </a:p>
+        </p:txBody>
+      </p:sp>
+      <p:sp>
+        <p:nvSpPr>
+          <p:cNvPr id="11" name="TextBox 10"/>
+          <p:cNvSpPr txBox="1"/>
+          <p:nvPr/>
+        </p:nvSpPr>
+        <p:spPr>
+          <a:xfrm>
+            <a:off x="2843808" y="1779153"/>
+            <a:ext cx="3168352" cy="577081"/>
+          </a:xfrm>
+          <a:prstGeom prst="rect">
+            <a:avLst/>
+          </a:prstGeom>
+          <a:noFill/>
+          <a:ln w="6350">
+            <a:solidFill>
+              <a:schemeClr val="tx1"/>
+            </a:solidFill>
+            <a:prstDash val="dash"/>
+          </a:ln>
+        </p:spPr>
+        <p:txBody>
+          <a:bodyPr wrap="square" rtlCol="0">
+            <a:spAutoFit/>
+          </a:bodyPr>
+          <a:lstStyle/>
+          <a:p>
+            <a:pPr latinLnBrk="1"/>
+            <a:r>
+              <a:rPr lang="en-US" altLang="zh-CN" sz="1050" dirty="0">
+                <a:solidFill>
+                  <a:srgbClr val="006600"/>
+                </a:solidFill>
+              </a:rPr>
+              <a:t>Starting service </a:t>
+            </a:r>
+            <a:r>
+              <a:rPr lang="en-US" altLang="zh-CN" sz="1050" dirty="0" smtClean="0">
+                <a:solidFill>
+                  <a:srgbClr val="006600"/>
+                </a:solidFill>
+              </a:rPr>
+              <a:t>Tomcat</a:t>
+            </a:r>
+          </a:p>
+          <a:p>
+            <a:pPr latinLnBrk="1"/>
+            <a:r>
+              <a:rPr lang="en-US" altLang="zh-CN" sz="1050" dirty="0" smtClean="0">
+                <a:solidFill>
+                  <a:srgbClr val="006600"/>
+                </a:solidFill>
+              </a:rPr>
+              <a:t>Starting Servlet Engine: </a:t>
+            </a:r>
+            <a:r>
+              <a:rPr lang="en-US" altLang="zh-CN" sz="1050" dirty="0">
+                <a:solidFill>
+                  <a:srgbClr val="006600"/>
+                </a:solidFill>
+              </a:rPr>
+              <a:t>Apache </a:t>
+            </a:r>
+            <a:r>
+              <a:rPr lang="en-US" altLang="zh-CN" sz="1050" dirty="0" smtClean="0">
+                <a:solidFill>
+                  <a:srgbClr val="006600"/>
+                </a:solidFill>
+              </a:rPr>
+              <a:t>Tomcat/8.5.11</a:t>
+            </a:r>
+          </a:p>
+          <a:p>
+            <a:pPr latinLnBrk="1"/>
+            <a:r>
+              <a:rPr lang="en-US" altLang="zh-CN" sz="1050" dirty="0">
+                <a:solidFill>
+                  <a:srgbClr val="006600"/>
+                </a:solidFill>
+              </a:rPr>
+              <a:t>Initializing Spring embedded WebApplicationContext</a:t>
+            </a:r>
+            <a:endParaRPr lang="zh-CN" altLang="en-US" sz="1050" dirty="0">
+              <a:solidFill>
+                <a:srgbClr val="006600"/>
+              </a:solidFill>
+            </a:endParaRPr>
+          </a:p>
+        </p:txBody>
+      </p:sp>
+      <p:sp>
+        <p:nvSpPr>
+          <p:cNvPr id="12" name="矩形 11"/>
+          <p:cNvSpPr/>
+          <p:nvPr/>
+        </p:nvSpPr>
+        <p:spPr>
+          <a:xfrm>
+            <a:off x="1187624" y="2819823"/>
+            <a:ext cx="1440160" cy="1008112"/>
+          </a:xfrm>
+          <a:prstGeom prst="rect">
+            <a:avLst/>
+          </a:prstGeom>
+          <a:ln w="19050"/>
+        </p:spPr>
+        <p:style>
+          <a:lnRef idx="2">
+            <a:schemeClr val="accent1"/>
+          </a:lnRef>
+          <a:fillRef idx="1">
+            <a:schemeClr val="lt1"/>
+          </a:fillRef>
+          <a:effectRef idx="0">
+            <a:schemeClr val="accent1"/>
+          </a:effectRef>
+          <a:fontRef idx="minor">
+            <a:schemeClr val="dk1"/>
+          </a:fontRef>
+        </p:style>
+        <p:txBody>
+          <a:bodyPr rtlCol="0" anchor="ctr"/>
+          <a:lstStyle/>
+          <a:p>
+            <a:pPr algn="ctr"/>
+            <a:r>
+              <a:rPr lang="zh-CN" altLang="en-US" sz="1200" dirty="0" smtClean="0"/>
+              <a:t>加载</a:t>
+            </a:r>
+            <a:r>
+              <a:rPr lang="en-US" altLang="zh-CN" sz="1200" dirty="0" smtClean="0"/>
+              <a:t>web.xml</a:t>
+            </a:r>
+          </a:p>
+          <a:p>
+            <a:pPr algn="ctr"/>
+            <a:r>
+              <a:rPr lang="zh-CN" altLang="en-US" sz="1200" dirty="0"/>
+              <a:t>解析标签、按顺序</a:t>
+            </a:r>
+            <a:r>
+              <a:rPr lang="zh-CN" altLang="en-US" sz="1200" dirty="0" smtClean="0"/>
+              <a:t>实例化</a:t>
+            </a:r>
+            <a:endParaRPr lang="zh-CN" altLang="en-US" sz="1200" dirty="0"/>
+          </a:p>
+        </p:txBody>
+      </p:sp>
+      <p:sp>
+        <p:nvSpPr>
+          <p:cNvPr id="14" name="矩形 13"/>
+          <p:cNvSpPr/>
+          <p:nvPr/>
+        </p:nvSpPr>
+        <p:spPr>
+          <a:xfrm>
+            <a:off x="1143232" y="4299942"/>
+            <a:ext cx="1440160" cy="432048"/>
+          </a:xfrm>
+          <a:prstGeom prst="rect">
+            <a:avLst/>
+          </a:prstGeom>
+          <a:ln w="19050"/>
+        </p:spPr>
+        <p:style>
+          <a:lnRef idx="2">
+            <a:schemeClr val="accent1"/>
+          </a:lnRef>
+          <a:fillRef idx="1">
+            <a:schemeClr val="lt1"/>
+          </a:fillRef>
+          <a:effectRef idx="0">
+            <a:schemeClr val="accent1"/>
+          </a:effectRef>
+          <a:fontRef idx="minor">
+            <a:schemeClr val="dk1"/>
+          </a:fontRef>
+        </p:style>
+        <p:txBody>
+          <a:bodyPr rtlCol="0" anchor="ctr"/>
+          <a:lstStyle/>
+          <a:p>
+            <a:pPr algn="ctr"/>
+            <a:r>
+              <a:rPr lang="en-US" altLang="zh-CN" sz="1200" dirty="0" smtClean="0"/>
+              <a:t>tomcat</a:t>
+            </a:r>
+            <a:r>
+              <a:rPr lang="zh-CN" altLang="en-US" sz="1200" dirty="0" smtClean="0"/>
+              <a:t>启动</a:t>
+            </a:r>
+            <a:endParaRPr lang="zh-CN" altLang="en-US" sz="1200" dirty="0"/>
+          </a:p>
+        </p:txBody>
+      </p:sp>
+      <p:sp>
+        <p:nvSpPr>
+          <p:cNvPr id="16" name="TextBox 15"/>
+          <p:cNvSpPr txBox="1"/>
+          <p:nvPr/>
+        </p:nvSpPr>
+        <p:spPr>
+          <a:xfrm>
+            <a:off x="2712517" y="4389008"/>
+            <a:ext cx="2232248" cy="253916"/>
+          </a:xfrm>
+          <a:prstGeom prst="rect">
+            <a:avLst/>
+          </a:prstGeom>
+          <a:noFill/>
+          <a:ln w="6350">
+            <a:solidFill>
+              <a:schemeClr val="tx1"/>
+            </a:solidFill>
+            <a:prstDash val="dash"/>
+          </a:ln>
+        </p:spPr>
+        <p:txBody>
+          <a:bodyPr wrap="square" rtlCol="0">
+            <a:spAutoFit/>
+          </a:bodyPr>
+          <a:lstStyle/>
+          <a:p>
+            <a:pPr latinLnBrk="1"/>
+            <a:r>
+              <a:rPr lang="en-US" altLang="zh-CN" sz="1050" dirty="0">
+                <a:solidFill>
+                  <a:srgbClr val="006600"/>
+                </a:solidFill>
+              </a:rPr>
+              <a:t>Tomcat started on port(s): 8080 (http)</a:t>
+            </a:r>
+            <a:endParaRPr lang="zh-CN" altLang="en-US" sz="1050" dirty="0">
+              <a:solidFill>
+                <a:srgbClr val="006600"/>
+              </a:solidFill>
+            </a:endParaRPr>
+          </a:p>
+        </p:txBody>
+      </p:sp>
+      <p:sp>
+        <p:nvSpPr>
+          <p:cNvPr id="18" name="TextBox 17"/>
+          <p:cNvSpPr txBox="1"/>
+          <p:nvPr/>
+        </p:nvSpPr>
+        <p:spPr>
+          <a:xfrm>
+            <a:off x="2843808" y="3223870"/>
+            <a:ext cx="1563120" cy="253916"/>
+          </a:xfrm>
+          <a:prstGeom prst="rect">
+            <a:avLst/>
+          </a:prstGeom>
+          <a:noFill/>
+          <a:ln w="6350">
+            <a:solidFill>
+              <a:schemeClr val="accent1"/>
+            </a:solidFill>
+            <a:prstDash val="solid"/>
+          </a:ln>
+        </p:spPr>
+        <p:txBody>
+          <a:bodyPr wrap="square" rtlCol="0">
+            <a:spAutoFit/>
+          </a:bodyPr>
+          <a:lstStyle/>
+          <a:p>
+            <a:pPr latinLnBrk="1"/>
+            <a:r>
+              <a:rPr lang="en-US" altLang="zh-CN" sz="1050" b="1" dirty="0"/>
+              <a:t>ContextLoaderListener</a:t>
+            </a:r>
+            <a:endParaRPr lang="zh-CN" altLang="en-US" sz="1050" b="1" dirty="0"/>
+          </a:p>
+        </p:txBody>
+      </p:sp>
+      <p:sp>
+        <p:nvSpPr>
+          <p:cNvPr id="19" name="TextBox 18"/>
+          <p:cNvSpPr txBox="1"/>
+          <p:nvPr/>
+        </p:nvSpPr>
+        <p:spPr>
+          <a:xfrm>
+            <a:off x="2843808" y="2906339"/>
+            <a:ext cx="1563120" cy="253916"/>
+          </a:xfrm>
+          <a:prstGeom prst="rect">
+            <a:avLst/>
+          </a:prstGeom>
+          <a:noFill/>
+          <a:ln w="6350">
+            <a:solidFill>
+              <a:schemeClr val="accent1"/>
+            </a:solidFill>
+            <a:prstDash val="solid"/>
+          </a:ln>
+        </p:spPr>
+        <p:txBody>
+          <a:bodyPr wrap="square" rtlCol="0">
+            <a:spAutoFit/>
+          </a:bodyPr>
+          <a:lstStyle/>
+          <a:p>
+            <a:pPr latinLnBrk="1"/>
+            <a:r>
+              <a:rPr lang="en-US" altLang="zh-CN" sz="1050" dirty="0"/>
+              <a:t>WebAppRootListener</a:t>
+            </a:r>
+            <a:endParaRPr lang="zh-CN" altLang="en-US" sz="1050" dirty="0"/>
+          </a:p>
+        </p:txBody>
+      </p:sp>
+      <p:sp>
+        <p:nvSpPr>
+          <p:cNvPr id="20" name="TextBox 19"/>
+          <p:cNvSpPr txBox="1"/>
+          <p:nvPr/>
+        </p:nvSpPr>
+        <p:spPr>
+          <a:xfrm>
+            <a:off x="2843808" y="2588808"/>
+            <a:ext cx="1563120" cy="253916"/>
+          </a:xfrm>
+          <a:prstGeom prst="rect">
+            <a:avLst/>
+          </a:prstGeom>
+          <a:noFill/>
+          <a:ln w="6350">
+            <a:solidFill>
+              <a:schemeClr val="accent1"/>
+            </a:solidFill>
+            <a:prstDash val="solid"/>
+          </a:ln>
+        </p:spPr>
+        <p:txBody>
+          <a:bodyPr wrap="square" rtlCol="0">
+            <a:spAutoFit/>
+          </a:bodyPr>
+          <a:lstStyle/>
+          <a:p>
+            <a:pPr latinLnBrk="1"/>
+            <a:r>
+              <a:rPr lang="en-US" altLang="zh-CN" sz="1050" dirty="0"/>
+              <a:t>CharacterEncodingFilter</a:t>
+            </a:r>
+            <a:endParaRPr lang="zh-CN" altLang="en-US" sz="1050" dirty="0"/>
+          </a:p>
+        </p:txBody>
+      </p:sp>
+      <p:sp>
+        <p:nvSpPr>
+          <p:cNvPr id="21" name="TextBox 20"/>
+          <p:cNvSpPr txBox="1"/>
+          <p:nvPr/>
+        </p:nvSpPr>
+        <p:spPr>
+          <a:xfrm>
+            <a:off x="2843808" y="3541401"/>
+            <a:ext cx="1563120" cy="253916"/>
+          </a:xfrm>
+          <a:prstGeom prst="rect">
+            <a:avLst/>
+          </a:prstGeom>
+          <a:noFill/>
+          <a:ln w="6350">
+            <a:solidFill>
+              <a:schemeClr val="accent1"/>
+            </a:solidFill>
+            <a:prstDash val="solid"/>
+          </a:ln>
+        </p:spPr>
+        <p:txBody>
+          <a:bodyPr wrap="square" rtlCol="0">
+            <a:spAutoFit/>
+          </a:bodyPr>
+          <a:lstStyle/>
+          <a:p>
+            <a:pPr latinLnBrk="1"/>
+            <a:r>
+              <a:rPr lang="en-US" altLang="zh-CN" sz="1050" b="1" dirty="0" smtClean="0"/>
+              <a:t>DispatcherServlet</a:t>
+            </a:r>
+            <a:endParaRPr lang="zh-CN" altLang="en-US" sz="1050" b="1" dirty="0"/>
+          </a:p>
+        </p:txBody>
+      </p:sp>
+      <p:sp>
+        <p:nvSpPr>
+          <p:cNvPr id="7" name="矩形 6"/>
+          <p:cNvSpPr/>
+          <p:nvPr/>
+        </p:nvSpPr>
+        <p:spPr>
+          <a:xfrm>
+            <a:off x="4446873" y="2886204"/>
+            <a:ext cx="1031051" cy="261610"/>
+          </a:xfrm>
+          <a:prstGeom prst="rect">
+            <a:avLst/>
+          </a:prstGeom>
+        </p:spPr>
+        <p:txBody>
+          <a:bodyPr wrap="none">
+            <a:spAutoFit/>
+          </a:bodyPr>
+          <a:lstStyle/>
+          <a:p>
+            <a:r>
+              <a:rPr lang="zh-CN" altLang="en-US" sz="1050" dirty="0" smtClean="0">
+                <a:solidFill>
+                  <a:srgbClr val="0070C0"/>
+                </a:solidFill>
+              </a:rPr>
+              <a:t>获得物理路径</a:t>
+            </a:r>
+            <a:endParaRPr lang="zh-CN" altLang="en-US" sz="1050" dirty="0">
+              <a:solidFill>
+                <a:srgbClr val="0070C0"/>
+              </a:solidFill>
+            </a:endParaRPr>
+          </a:p>
+        </p:txBody>
+      </p:sp>
+      <p:sp>
+        <p:nvSpPr>
+          <p:cNvPr id="23" name="矩形 22"/>
+          <p:cNvSpPr/>
+          <p:nvPr/>
+        </p:nvSpPr>
+        <p:spPr>
+          <a:xfrm>
+            <a:off x="4427984" y="2596632"/>
+            <a:ext cx="857927" cy="253916"/>
+          </a:xfrm>
+          <a:prstGeom prst="rect">
+            <a:avLst/>
+          </a:prstGeom>
+        </p:spPr>
+        <p:txBody>
+          <a:bodyPr wrap="none">
+            <a:spAutoFit/>
+          </a:bodyPr>
+          <a:lstStyle/>
+          <a:p>
+            <a:r>
+              <a:rPr lang="zh-CN" altLang="en-US" sz="1050" dirty="0" smtClean="0">
+                <a:solidFill>
+                  <a:srgbClr val="0070C0"/>
+                </a:solidFill>
+              </a:rPr>
+              <a:t>编码过滤器</a:t>
+            </a:r>
+            <a:endParaRPr lang="zh-CN" altLang="en-US" sz="1050" dirty="0">
+              <a:solidFill>
+                <a:srgbClr val="0070C0"/>
+              </a:solidFill>
+            </a:endParaRPr>
+          </a:p>
+        </p:txBody>
+      </p:sp>
+      <p:sp>
+        <p:nvSpPr>
+          <p:cNvPr id="29" name="TextBox 28"/>
+          <p:cNvSpPr txBox="1"/>
+          <p:nvPr/>
+        </p:nvSpPr>
+        <p:spPr>
+          <a:xfrm>
+            <a:off x="2843808" y="3858933"/>
+            <a:ext cx="1563120" cy="253916"/>
+          </a:xfrm>
+          <a:prstGeom prst="rect">
+            <a:avLst/>
+          </a:prstGeom>
+          <a:noFill/>
+          <a:ln w="6350">
+            <a:solidFill>
+              <a:schemeClr val="accent1"/>
+            </a:solidFill>
+            <a:prstDash val="solid"/>
+          </a:ln>
+        </p:spPr>
+        <p:txBody>
+          <a:bodyPr wrap="square" rtlCol="0">
+            <a:spAutoFit/>
+          </a:bodyPr>
+          <a:lstStyle/>
+          <a:p>
+            <a:pPr latinLnBrk="1"/>
+            <a:r>
+              <a:rPr lang="en-US" altLang="zh-CN" sz="1050" dirty="0" smtClean="0"/>
+              <a:t>Spring</a:t>
+            </a:r>
+            <a:r>
+              <a:rPr lang="zh-CN" altLang="en-US" sz="1050" dirty="0" smtClean="0"/>
+              <a:t>嵌入的</a:t>
+            </a:r>
+            <a:r>
+              <a:rPr lang="en-US" altLang="zh-CN" sz="1050" dirty="0" smtClean="0"/>
+              <a:t>Hibernate</a:t>
+            </a:r>
+            <a:endParaRPr lang="zh-CN" altLang="en-US" sz="1050" dirty="0"/>
+          </a:p>
+        </p:txBody>
+      </p:sp>
+      <p:sp>
+        <p:nvSpPr>
+          <p:cNvPr id="26" name="左大括号 25"/>
+          <p:cNvSpPr/>
+          <p:nvPr/>
+        </p:nvSpPr>
+        <p:spPr>
+          <a:xfrm>
+            <a:off x="2640509" y="2594744"/>
+            <a:ext cx="144016" cy="1512168"/>
+          </a:xfrm>
+          <a:prstGeom prst="leftBrace">
+            <a:avLst>
+              <a:gd name="adj1" fmla="val 89904"/>
+              <a:gd name="adj2" fmla="val 50000"/>
+            </a:avLst>
+          </a:prstGeom>
+        </p:spPr>
+        <p:style>
+          <a:lnRef idx="1">
+            <a:schemeClr val="accent1"/>
+          </a:lnRef>
+          <a:fillRef idx="0">
+            <a:schemeClr val="accent1"/>
+          </a:fillRef>
+          <a:effectRef idx="0">
+            <a:schemeClr val="accent1"/>
+          </a:effectRef>
+          <a:fontRef idx="minor">
+            <a:schemeClr val="tx1"/>
+          </a:fontRef>
+        </p:style>
+        <p:txBody>
+          <a:bodyPr rtlCol="0" anchor="ctr"/>
+          <a:lstStyle/>
+          <a:p>
+            <a:pPr algn="ctr"/>
+            <a:endParaRPr lang="zh-CN" altLang="en-US"/>
+          </a:p>
+        </p:txBody>
+      </p:sp>
+      <p:sp>
+        <p:nvSpPr>
+          <p:cNvPr id="31" name="矩形 30"/>
+          <p:cNvSpPr/>
+          <p:nvPr/>
+        </p:nvSpPr>
+        <p:spPr>
+          <a:xfrm>
+            <a:off x="4519154" y="3276912"/>
+            <a:ext cx="1866872" cy="432048"/>
+          </a:xfrm>
+          <a:prstGeom prst="rect">
+            <a:avLst/>
+          </a:prstGeom>
+          <a:ln w="19050">
+            <a:noFill/>
+          </a:ln>
+        </p:spPr>
+        <p:style>
+          <a:lnRef idx="2">
+            <a:schemeClr val="accent1"/>
+          </a:lnRef>
+          <a:fillRef idx="1">
+            <a:schemeClr val="lt1"/>
+          </a:fillRef>
+          <a:effectRef idx="0">
+            <a:schemeClr val="accent1"/>
+          </a:effectRef>
+          <a:fontRef idx="minor">
+            <a:schemeClr val="dk1"/>
+          </a:fontRef>
+        </p:style>
+        <p:txBody>
+          <a:bodyPr rtlCol="0" anchor="ctr"/>
+          <a:lstStyle/>
+          <a:p>
+            <a:r>
+              <a:rPr lang="zh-CN" altLang="en-US" sz="1200" dirty="0" smtClean="0"/>
+              <a:t>解析</a:t>
+            </a:r>
+            <a:r>
+              <a:rPr lang="en-US" altLang="zh-CN" sz="1200" dirty="0" smtClean="0"/>
+              <a:t>application.properties</a:t>
+            </a:r>
+            <a:endParaRPr lang="zh-CN" altLang="en-US" sz="1200" dirty="0"/>
+          </a:p>
+        </p:txBody>
+      </p:sp>
+      <p:cxnSp>
+        <p:nvCxnSpPr>
+          <p:cNvPr id="30" name="直接箭头连接符 29"/>
+          <p:cNvCxnSpPr>
+            <a:stCxn id="4" idx="2"/>
+            <a:endCxn id="9" idx="0"/>
+          </p:cNvCxnSpPr>
+          <p:nvPr/>
+        </p:nvCxnSpPr>
+        <p:spPr>
+          <a:xfrm>
+            <a:off x="1907704" y="771550"/>
+            <a:ext cx="0" cy="319611"/>
+          </a:xfrm>
+          <a:prstGeom prst="straightConnector1">
+            <a:avLst/>
+          </a:prstGeom>
+          <a:ln>
+            <a:tailEnd type="arrow"/>
+          </a:ln>
+        </p:spPr>
+        <p:style>
+          <a:lnRef idx="1">
+            <a:schemeClr val="accent1"/>
+          </a:lnRef>
+          <a:fillRef idx="0">
+            <a:schemeClr val="accent1"/>
+          </a:fillRef>
+          <a:effectRef idx="0">
+            <a:schemeClr val="accent1"/>
+          </a:effectRef>
+          <a:fontRef idx="minor">
+            <a:schemeClr val="tx1"/>
+          </a:fontRef>
+        </p:style>
+      </p:cxnSp>
+      <p:cxnSp>
+        <p:nvCxnSpPr>
+          <p:cNvPr id="33" name="直接箭头连接符 32"/>
+          <p:cNvCxnSpPr>
+            <a:stCxn id="9" idx="2"/>
+            <a:endCxn id="8" idx="0"/>
+          </p:cNvCxnSpPr>
+          <p:nvPr/>
+        </p:nvCxnSpPr>
+        <p:spPr>
+          <a:xfrm>
+            <a:off x="1907704" y="1523209"/>
+            <a:ext cx="0" cy="328461"/>
+          </a:xfrm>
+          <a:prstGeom prst="straightConnector1">
+            <a:avLst/>
+          </a:prstGeom>
+          <a:ln>
+            <a:tailEnd type="arrow"/>
+          </a:ln>
+        </p:spPr>
+        <p:style>
+          <a:lnRef idx="1">
+            <a:schemeClr val="accent1"/>
+          </a:lnRef>
+          <a:fillRef idx="0">
+            <a:schemeClr val="accent1"/>
+          </a:fillRef>
+          <a:effectRef idx="0">
+            <a:schemeClr val="accent1"/>
+          </a:effectRef>
+          <a:fontRef idx="minor">
+            <a:schemeClr val="tx1"/>
+          </a:fontRef>
+        </p:style>
+      </p:cxnSp>
+      <p:cxnSp>
+        <p:nvCxnSpPr>
+          <p:cNvPr id="35" name="直接箭头连接符 34"/>
+          <p:cNvCxnSpPr>
+            <a:stCxn id="8" idx="2"/>
+            <a:endCxn id="12" idx="0"/>
+          </p:cNvCxnSpPr>
+          <p:nvPr/>
+        </p:nvCxnSpPr>
+        <p:spPr>
+          <a:xfrm>
+            <a:off x="1907704" y="2283718"/>
+            <a:ext cx="0" cy="536105"/>
+          </a:xfrm>
+          <a:prstGeom prst="straightConnector1">
+            <a:avLst/>
+          </a:prstGeom>
+          <a:ln>
+            <a:tailEnd type="arrow"/>
+          </a:ln>
+        </p:spPr>
+        <p:style>
+          <a:lnRef idx="1">
+            <a:schemeClr val="accent1"/>
+          </a:lnRef>
+          <a:fillRef idx="0">
+            <a:schemeClr val="accent1"/>
+          </a:fillRef>
+          <a:effectRef idx="0">
+            <a:schemeClr val="accent1"/>
+          </a:effectRef>
+          <a:fontRef idx="minor">
+            <a:schemeClr val="tx1"/>
+          </a:fontRef>
+        </p:style>
+      </p:cxnSp>
+      <p:sp>
+        <p:nvSpPr>
+          <p:cNvPr id="42" name="矩形 41"/>
+          <p:cNvSpPr/>
+          <p:nvPr/>
+        </p:nvSpPr>
+        <p:spPr>
+          <a:xfrm>
+            <a:off x="996844" y="4759832"/>
+            <a:ext cx="1836204" cy="253916"/>
+          </a:xfrm>
+          <a:prstGeom prst="rect">
+            <a:avLst/>
+          </a:prstGeom>
+        </p:spPr>
+        <p:txBody>
+          <a:bodyPr wrap="square">
+            <a:spAutoFit/>
+          </a:bodyPr>
+          <a:lstStyle/>
+          <a:p>
+            <a:r>
+              <a:rPr lang="zh-CN" altLang="en-US" sz="1050" dirty="0" smtClean="0">
+                <a:solidFill>
+                  <a:srgbClr val="0070C0"/>
+                </a:solidFill>
+              </a:rPr>
+              <a:t>配置之后才能运行</a:t>
+            </a:r>
+            <a:r>
+              <a:rPr lang="en-US" altLang="zh-CN" sz="1050" dirty="0" smtClean="0">
+                <a:solidFill>
+                  <a:srgbClr val="0070C0"/>
+                </a:solidFill>
+              </a:rPr>
+              <a:t>controller</a:t>
+            </a:r>
+            <a:endParaRPr lang="zh-CN" altLang="en-US" sz="1050" dirty="0">
+              <a:solidFill>
+                <a:srgbClr val="0070C0"/>
+              </a:solidFill>
+            </a:endParaRPr>
+          </a:p>
+        </p:txBody>
+      </p:sp>
+      <p:sp>
+        <p:nvSpPr>
+          <p:cNvPr id="45" name="左大括号 44"/>
+          <p:cNvSpPr/>
+          <p:nvPr/>
+        </p:nvSpPr>
+        <p:spPr>
+          <a:xfrm>
+            <a:off x="683568" y="1687439"/>
+            <a:ext cx="261642" cy="2298452"/>
+          </a:xfrm>
+          <a:prstGeom prst="leftBrace">
+            <a:avLst>
+              <a:gd name="adj1" fmla="val 121500"/>
+              <a:gd name="adj2" fmla="val 50000"/>
+            </a:avLst>
+          </a:prstGeom>
+        </p:spPr>
+        <p:style>
+          <a:lnRef idx="1">
+            <a:schemeClr val="accent1"/>
+          </a:lnRef>
+          <a:fillRef idx="0">
+            <a:schemeClr val="accent1"/>
+          </a:fillRef>
+          <a:effectRef idx="0">
+            <a:schemeClr val="accent1"/>
+          </a:effectRef>
+          <a:fontRef idx="minor">
+            <a:schemeClr val="tx1"/>
+          </a:fontRef>
+        </p:style>
+        <p:txBody>
+          <a:bodyPr rtlCol="0" anchor="ctr"/>
+          <a:lstStyle/>
+          <a:p>
+            <a:pPr algn="ctr"/>
+            <a:endParaRPr lang="zh-CN" altLang="en-US"/>
+          </a:p>
+        </p:txBody>
+      </p:sp>
+      <p:sp>
+        <p:nvSpPr>
+          <p:cNvPr id="46" name="矩形 45"/>
+          <p:cNvSpPr/>
+          <p:nvPr/>
+        </p:nvSpPr>
+        <p:spPr>
+          <a:xfrm rot="16200000">
+            <a:off x="-390726" y="2614989"/>
+            <a:ext cx="1736373" cy="369332"/>
+          </a:xfrm>
+          <a:prstGeom prst="rect">
+            <a:avLst/>
+          </a:prstGeom>
+        </p:spPr>
+        <p:txBody>
+          <a:bodyPr wrap="none">
+            <a:spAutoFit/>
+          </a:bodyPr>
+          <a:lstStyle/>
+          <a:p>
+            <a:r>
+              <a:rPr lang="en-US" altLang="zh-CN" dirty="0" smtClean="0">
+                <a:solidFill>
+                  <a:srgbClr val="006600"/>
+                </a:solidFill>
+              </a:rPr>
+              <a:t>Spring Boot</a:t>
+            </a:r>
+            <a:r>
+              <a:rPr lang="zh-CN" altLang="en-US" dirty="0" smtClean="0">
+                <a:solidFill>
+                  <a:srgbClr val="006600"/>
+                </a:solidFill>
+              </a:rPr>
+              <a:t>封装</a:t>
+            </a:r>
+            <a:endParaRPr lang="zh-CN" altLang="en-US" dirty="0"/>
+          </a:p>
+        </p:txBody>
+      </p:sp>
+      <p:cxnSp>
+        <p:nvCxnSpPr>
+          <p:cNvPr id="6" name="直接连接符 5"/>
+          <p:cNvCxnSpPr>
+            <a:stCxn id="18" idx="3"/>
+          </p:cNvCxnSpPr>
+          <p:nvPr/>
+        </p:nvCxnSpPr>
+        <p:spPr>
+          <a:xfrm>
+            <a:off x="4406928" y="3350828"/>
+            <a:ext cx="1749248" cy="0"/>
+          </a:xfrm>
+          <a:prstGeom prst="line">
+            <a:avLst/>
+          </a:prstGeom>
+        </p:spPr>
+        <p:style>
+          <a:lnRef idx="1">
+            <a:schemeClr val="accent1"/>
+          </a:lnRef>
+          <a:fillRef idx="0">
+            <a:schemeClr val="accent1"/>
+          </a:fillRef>
+          <a:effectRef idx="0">
+            <a:schemeClr val="accent1"/>
+          </a:effectRef>
+          <a:fontRef idx="minor">
+            <a:schemeClr val="tx1"/>
+          </a:fontRef>
+        </p:style>
+      </p:cxnSp>
+      <p:cxnSp>
+        <p:nvCxnSpPr>
+          <p:cNvPr id="27" name="直接连接符 26"/>
+          <p:cNvCxnSpPr/>
+          <p:nvPr/>
+        </p:nvCxnSpPr>
+        <p:spPr>
+          <a:xfrm flipV="1">
+            <a:off x="6156176" y="1206253"/>
+            <a:ext cx="0" cy="2144576"/>
+          </a:xfrm>
+          <a:prstGeom prst="line">
+            <a:avLst/>
+          </a:prstGeom>
+        </p:spPr>
+        <p:style>
+          <a:lnRef idx="1">
+            <a:schemeClr val="accent1"/>
+          </a:lnRef>
+          <a:fillRef idx="0">
+            <a:schemeClr val="accent1"/>
+          </a:fillRef>
+          <a:effectRef idx="0">
+            <a:schemeClr val="accent1"/>
+          </a:effectRef>
+          <a:fontRef idx="minor">
+            <a:schemeClr val="tx1"/>
+          </a:fontRef>
+        </p:style>
+      </p:cxnSp>
+      <p:cxnSp>
+        <p:nvCxnSpPr>
+          <p:cNvPr id="34" name="直接箭头连接符 33"/>
+          <p:cNvCxnSpPr>
+            <a:endCxn id="38" idx="1"/>
+          </p:cNvCxnSpPr>
+          <p:nvPr/>
+        </p:nvCxnSpPr>
+        <p:spPr>
+          <a:xfrm>
+            <a:off x="6156176" y="1206253"/>
+            <a:ext cx="342076" cy="0"/>
+          </a:xfrm>
+          <a:prstGeom prst="straightConnector1">
+            <a:avLst/>
+          </a:prstGeom>
+          <a:ln>
+            <a:tailEnd type="arrow"/>
+          </a:ln>
+        </p:spPr>
+        <p:style>
+          <a:lnRef idx="1">
+            <a:schemeClr val="accent1"/>
+          </a:lnRef>
+          <a:fillRef idx="0">
+            <a:schemeClr val="accent1"/>
+          </a:fillRef>
+          <a:effectRef idx="0">
+            <a:schemeClr val="accent1"/>
+          </a:effectRef>
+          <a:fontRef idx="minor">
+            <a:schemeClr val="tx1"/>
+          </a:fontRef>
+        </p:style>
+      </p:cxnSp>
+      <p:sp>
+        <p:nvSpPr>
+          <p:cNvPr id="38" name="矩形 37"/>
+          <p:cNvSpPr/>
+          <p:nvPr/>
+        </p:nvSpPr>
+        <p:spPr>
+          <a:xfrm>
+            <a:off x="6498252" y="195486"/>
+            <a:ext cx="2106196" cy="2021534"/>
+          </a:xfrm>
+          <a:prstGeom prst="rect">
+            <a:avLst/>
+          </a:prstGeom>
+          <a:ln/>
+        </p:spPr>
+        <p:style>
+          <a:lnRef idx="2">
+            <a:schemeClr val="accent1"/>
+          </a:lnRef>
+          <a:fillRef idx="1">
+            <a:schemeClr val="lt1"/>
+          </a:fillRef>
+          <a:effectRef idx="0">
+            <a:schemeClr val="accent1"/>
+          </a:effectRef>
+          <a:fontRef idx="minor">
+            <a:schemeClr val="dk1"/>
+          </a:fontRef>
+        </p:style>
+        <p:txBody>
+          <a:bodyPr rtlCol="0" anchor="ctr"/>
+          <a:lstStyle/>
+          <a:p>
+            <a:pPr algn="ctr"/>
+            <a:endParaRPr lang="zh-CN" altLang="en-US" dirty="0"/>
+          </a:p>
+        </p:txBody>
+      </p:sp>
+      <p:sp>
+        <p:nvSpPr>
+          <p:cNvPr id="50" name="TextBox 49"/>
+          <p:cNvSpPr txBox="1"/>
+          <p:nvPr/>
+        </p:nvSpPr>
+        <p:spPr>
+          <a:xfrm>
+            <a:off x="6695419" y="195486"/>
+            <a:ext cx="1663789" cy="276999"/>
+          </a:xfrm>
+          <a:prstGeom prst="rect">
+            <a:avLst/>
+          </a:prstGeom>
+          <a:noFill/>
+        </p:spPr>
+        <p:txBody>
+          <a:bodyPr wrap="none" rtlCol="0">
+            <a:spAutoFit/>
+          </a:bodyPr>
+          <a:lstStyle/>
+          <a:p>
+            <a:r>
+              <a:rPr lang="en-US" altLang="zh-CN" sz="1200" dirty="0" smtClean="0"/>
+              <a:t>WebApplicationContext</a:t>
+            </a:r>
+            <a:endParaRPr lang="zh-CN" altLang="en-US" sz="1200" dirty="0"/>
+          </a:p>
+        </p:txBody>
+      </p:sp>
+      <p:sp>
+        <p:nvSpPr>
+          <p:cNvPr id="51" name="TextBox 50"/>
+          <p:cNvSpPr txBox="1"/>
+          <p:nvPr/>
+        </p:nvSpPr>
+        <p:spPr>
+          <a:xfrm>
+            <a:off x="6732240" y="496756"/>
+            <a:ext cx="1647316" cy="261610"/>
+          </a:xfrm>
+          <a:prstGeom prst="rect">
+            <a:avLst/>
+          </a:prstGeom>
+          <a:ln/>
+        </p:spPr>
+        <p:style>
+          <a:lnRef idx="1">
+            <a:schemeClr val="accent1"/>
+          </a:lnRef>
+          <a:fillRef idx="2">
+            <a:schemeClr val="accent1"/>
+          </a:fillRef>
+          <a:effectRef idx="1">
+            <a:schemeClr val="accent1"/>
+          </a:effectRef>
+          <a:fontRef idx="minor">
+            <a:schemeClr val="dk1"/>
+          </a:fontRef>
+        </p:style>
+        <p:txBody>
+          <a:bodyPr wrap="square" rtlCol="0">
+            <a:spAutoFit/>
+          </a:bodyPr>
+          <a:lstStyle/>
+          <a:p>
+            <a:pPr algn="ctr"/>
+            <a:r>
+              <a:rPr lang="en-US" altLang="zh-CN" sz="1050" dirty="0" smtClean="0"/>
+              <a:t>DataSource</a:t>
+            </a:r>
+            <a:endParaRPr lang="zh-CN" altLang="en-US" sz="1050" dirty="0"/>
+          </a:p>
+        </p:txBody>
+      </p:sp>
+      <p:sp>
+        <p:nvSpPr>
+          <p:cNvPr id="52" name="TextBox 51"/>
+          <p:cNvSpPr txBox="1"/>
+          <p:nvPr/>
+        </p:nvSpPr>
+        <p:spPr>
+          <a:xfrm>
+            <a:off x="6732240" y="827525"/>
+            <a:ext cx="1647316" cy="261610"/>
+          </a:xfrm>
+          <a:prstGeom prst="rect">
+            <a:avLst/>
+          </a:prstGeom>
+          <a:ln/>
+        </p:spPr>
+        <p:style>
+          <a:lnRef idx="1">
+            <a:schemeClr val="accent1"/>
+          </a:lnRef>
+          <a:fillRef idx="2">
+            <a:schemeClr val="accent1"/>
+          </a:fillRef>
+          <a:effectRef idx="1">
+            <a:schemeClr val="accent1"/>
+          </a:effectRef>
+          <a:fontRef idx="minor">
+            <a:schemeClr val="dk1"/>
+          </a:fontRef>
+        </p:style>
+        <p:txBody>
+          <a:bodyPr wrap="square" rtlCol="0">
+            <a:spAutoFit/>
+          </a:bodyPr>
+          <a:lstStyle/>
+          <a:p>
+            <a:pPr algn="ctr"/>
+            <a:r>
+              <a:rPr lang="en-US" altLang="zh-CN" sz="1050" dirty="0" smtClean="0"/>
+              <a:t>DAO</a:t>
+            </a:r>
+            <a:endParaRPr lang="zh-CN" altLang="en-US" sz="1050" dirty="0"/>
+          </a:p>
+        </p:txBody>
+      </p:sp>
+      <p:sp>
+        <p:nvSpPr>
+          <p:cNvPr id="53" name="TextBox 52"/>
+          <p:cNvSpPr txBox="1"/>
+          <p:nvPr/>
+        </p:nvSpPr>
+        <p:spPr>
+          <a:xfrm>
+            <a:off x="6723372" y="1158293"/>
+            <a:ext cx="1647316" cy="261610"/>
+          </a:xfrm>
+          <a:prstGeom prst="rect">
+            <a:avLst/>
+          </a:prstGeom>
+          <a:ln/>
+        </p:spPr>
+        <p:style>
+          <a:lnRef idx="1">
+            <a:schemeClr val="accent1"/>
+          </a:lnRef>
+          <a:fillRef idx="2">
+            <a:schemeClr val="accent1"/>
+          </a:fillRef>
+          <a:effectRef idx="1">
+            <a:schemeClr val="accent1"/>
+          </a:effectRef>
+          <a:fontRef idx="minor">
+            <a:schemeClr val="dk1"/>
+          </a:fontRef>
+        </p:style>
+        <p:txBody>
+          <a:bodyPr wrap="square" rtlCol="0">
+            <a:spAutoFit/>
+          </a:bodyPr>
+          <a:lstStyle/>
+          <a:p>
+            <a:pPr algn="ctr"/>
+            <a:r>
+              <a:rPr lang="en-US" altLang="zh-CN" sz="1050" dirty="0" smtClean="0"/>
+              <a:t>Service</a:t>
+            </a:r>
+            <a:endParaRPr lang="zh-CN" altLang="en-US" sz="1050" dirty="0"/>
+          </a:p>
+        </p:txBody>
+      </p:sp>
+      <p:sp>
+        <p:nvSpPr>
+          <p:cNvPr id="54" name="TextBox 53"/>
+          <p:cNvSpPr txBox="1"/>
+          <p:nvPr/>
+        </p:nvSpPr>
+        <p:spPr>
+          <a:xfrm>
+            <a:off x="6732240" y="1819830"/>
+            <a:ext cx="1647316" cy="261610"/>
+          </a:xfrm>
+          <a:prstGeom prst="rect">
+            <a:avLst/>
+          </a:prstGeom>
+          <a:ln/>
+        </p:spPr>
+        <p:style>
+          <a:lnRef idx="1">
+            <a:schemeClr val="accent1"/>
+          </a:lnRef>
+          <a:fillRef idx="2">
+            <a:schemeClr val="accent1"/>
+          </a:fillRef>
+          <a:effectRef idx="1">
+            <a:schemeClr val="accent1"/>
+          </a:effectRef>
+          <a:fontRef idx="minor">
+            <a:schemeClr val="dk1"/>
+          </a:fontRef>
+        </p:style>
+        <p:txBody>
+          <a:bodyPr wrap="square" rtlCol="0">
+            <a:spAutoFit/>
+          </a:bodyPr>
+          <a:lstStyle/>
+          <a:p>
+            <a:pPr algn="ctr"/>
+            <a:r>
+              <a:rPr lang="zh-CN" altLang="en-US" sz="1050" b="1" dirty="0" smtClean="0"/>
+              <a:t>除</a:t>
+            </a:r>
+            <a:r>
+              <a:rPr lang="en-US" altLang="zh-CN" sz="1050" b="1" dirty="0" smtClean="0"/>
+              <a:t>web</a:t>
+            </a:r>
+            <a:r>
+              <a:rPr lang="zh-CN" altLang="en-US" sz="1050" b="1" dirty="0" smtClean="0"/>
+              <a:t>层外的其他</a:t>
+            </a:r>
+            <a:r>
+              <a:rPr lang="en-US" altLang="zh-CN" sz="1050" b="1" dirty="0" smtClean="0"/>
+              <a:t>Beans</a:t>
+            </a:r>
+            <a:endParaRPr lang="zh-CN" altLang="en-US" sz="1050" b="1" dirty="0"/>
+          </a:p>
+        </p:txBody>
+      </p:sp>
+      <p:sp>
+        <p:nvSpPr>
+          <p:cNvPr id="55" name="TextBox 54"/>
+          <p:cNvSpPr txBox="1"/>
+          <p:nvPr/>
+        </p:nvSpPr>
+        <p:spPr>
+          <a:xfrm>
+            <a:off x="6723372" y="1489061"/>
+            <a:ext cx="1647316" cy="261610"/>
+          </a:xfrm>
+          <a:prstGeom prst="rect">
+            <a:avLst/>
+          </a:prstGeom>
+          <a:ln/>
+        </p:spPr>
+        <p:style>
+          <a:lnRef idx="1">
+            <a:schemeClr val="accent1"/>
+          </a:lnRef>
+          <a:fillRef idx="2">
+            <a:schemeClr val="accent1"/>
+          </a:fillRef>
+          <a:effectRef idx="1">
+            <a:schemeClr val="accent1"/>
+          </a:effectRef>
+          <a:fontRef idx="minor">
+            <a:schemeClr val="dk1"/>
+          </a:fontRef>
+        </p:style>
+        <p:txBody>
+          <a:bodyPr wrap="square" rtlCol="0">
+            <a:spAutoFit/>
+          </a:bodyPr>
+          <a:lstStyle/>
+          <a:p>
+            <a:pPr algn="ctr"/>
+            <a:r>
+              <a:rPr lang="en-US" altLang="zh-CN" sz="1050" dirty="0" smtClean="0"/>
+              <a:t>...</a:t>
+            </a:r>
+          </a:p>
+        </p:txBody>
+      </p:sp>
+      <p:cxnSp>
+        <p:nvCxnSpPr>
+          <p:cNvPr id="63" name="直接箭头连接符 62"/>
+          <p:cNvCxnSpPr>
+            <a:stCxn id="21" idx="3"/>
+          </p:cNvCxnSpPr>
+          <p:nvPr/>
+        </p:nvCxnSpPr>
+        <p:spPr>
+          <a:xfrm flipV="1">
+            <a:off x="4406928" y="3667842"/>
+            <a:ext cx="2091324" cy="517"/>
+          </a:xfrm>
+          <a:prstGeom prst="straightConnector1">
+            <a:avLst/>
+          </a:prstGeom>
+          <a:ln>
+            <a:tailEnd type="arrow"/>
+          </a:ln>
+        </p:spPr>
+        <p:style>
+          <a:lnRef idx="1">
+            <a:schemeClr val="accent1"/>
+          </a:lnRef>
+          <a:fillRef idx="0">
+            <a:schemeClr val="accent1"/>
+          </a:fillRef>
+          <a:effectRef idx="0">
+            <a:schemeClr val="accent1"/>
+          </a:effectRef>
+          <a:fontRef idx="minor">
+            <a:schemeClr val="tx1"/>
+          </a:fontRef>
+        </p:style>
+      </p:cxnSp>
+      <p:sp>
+        <p:nvSpPr>
+          <p:cNvPr id="64" name="矩形 63"/>
+          <p:cNvSpPr/>
+          <p:nvPr/>
+        </p:nvSpPr>
+        <p:spPr>
+          <a:xfrm>
+            <a:off x="6498599" y="2596632"/>
+            <a:ext cx="2105849" cy="2146266"/>
+          </a:xfrm>
+          <a:prstGeom prst="rect">
+            <a:avLst/>
+          </a:prstGeom>
+          <a:ln/>
+        </p:spPr>
+        <p:style>
+          <a:lnRef idx="2">
+            <a:schemeClr val="accent4"/>
+          </a:lnRef>
+          <a:fillRef idx="1">
+            <a:schemeClr val="lt1"/>
+          </a:fillRef>
+          <a:effectRef idx="0">
+            <a:schemeClr val="accent4"/>
+          </a:effectRef>
+          <a:fontRef idx="minor">
+            <a:schemeClr val="dk1"/>
+          </a:fontRef>
+        </p:style>
+        <p:txBody>
+          <a:bodyPr rtlCol="0" anchor="ctr"/>
+          <a:lstStyle/>
+          <a:p>
+            <a:pPr algn="ctr"/>
+            <a:endParaRPr lang="zh-CN" altLang="en-US" dirty="0"/>
+          </a:p>
+        </p:txBody>
+      </p:sp>
+      <p:sp>
+        <p:nvSpPr>
+          <p:cNvPr id="66" name="TextBox 65"/>
+          <p:cNvSpPr txBox="1"/>
+          <p:nvPr/>
+        </p:nvSpPr>
+        <p:spPr>
+          <a:xfrm>
+            <a:off x="6695419" y="3031362"/>
+            <a:ext cx="1647316" cy="261610"/>
+          </a:xfrm>
+          <a:prstGeom prst="rect">
+            <a:avLst/>
+          </a:prstGeom>
+          <a:ln/>
+        </p:spPr>
+        <p:style>
+          <a:lnRef idx="1">
+            <a:schemeClr val="accent4"/>
+          </a:lnRef>
+          <a:fillRef idx="2">
+            <a:schemeClr val="accent4"/>
+          </a:fillRef>
+          <a:effectRef idx="1">
+            <a:schemeClr val="accent4"/>
+          </a:effectRef>
+          <a:fontRef idx="minor">
+            <a:schemeClr val="dk1"/>
+          </a:fontRef>
+        </p:style>
+        <p:txBody>
+          <a:bodyPr wrap="square" rtlCol="0">
+            <a:spAutoFit/>
+          </a:bodyPr>
+          <a:lstStyle/>
+          <a:p>
+            <a:pPr algn="ctr"/>
+            <a:r>
+              <a:rPr lang="en-US" altLang="zh-CN" sz="1050" dirty="0" smtClean="0"/>
+              <a:t>HandlerMapping</a:t>
+            </a:r>
+            <a:endParaRPr lang="zh-CN" altLang="en-US" sz="1050" dirty="0"/>
+          </a:p>
+        </p:txBody>
+      </p:sp>
+      <p:sp>
+        <p:nvSpPr>
+          <p:cNvPr id="67" name="TextBox 66"/>
+          <p:cNvSpPr txBox="1"/>
+          <p:nvPr/>
+        </p:nvSpPr>
+        <p:spPr>
+          <a:xfrm>
+            <a:off x="6695419" y="3362131"/>
+            <a:ext cx="1647316" cy="261610"/>
+          </a:xfrm>
+          <a:prstGeom prst="rect">
+            <a:avLst/>
+          </a:prstGeom>
+          <a:ln/>
+        </p:spPr>
+        <p:style>
+          <a:lnRef idx="1">
+            <a:schemeClr val="accent4"/>
+          </a:lnRef>
+          <a:fillRef idx="2">
+            <a:schemeClr val="accent4"/>
+          </a:fillRef>
+          <a:effectRef idx="1">
+            <a:schemeClr val="accent4"/>
+          </a:effectRef>
+          <a:fontRef idx="minor">
+            <a:schemeClr val="dk1"/>
+          </a:fontRef>
+        </p:style>
+        <p:txBody>
+          <a:bodyPr wrap="square" rtlCol="0">
+            <a:spAutoFit/>
+          </a:bodyPr>
+          <a:lstStyle/>
+          <a:p>
+            <a:pPr algn="ctr"/>
+            <a:r>
+              <a:rPr lang="en-US" altLang="zh-CN" sz="1050" dirty="0" smtClean="0"/>
+              <a:t>HandlerAdapter</a:t>
+            </a:r>
+            <a:endParaRPr lang="zh-CN" altLang="en-US" sz="1050" dirty="0"/>
+          </a:p>
+        </p:txBody>
+      </p:sp>
+      <p:sp>
+        <p:nvSpPr>
+          <p:cNvPr id="68" name="TextBox 67"/>
+          <p:cNvSpPr txBox="1"/>
+          <p:nvPr/>
+        </p:nvSpPr>
+        <p:spPr>
+          <a:xfrm>
+            <a:off x="6686551" y="3692899"/>
+            <a:ext cx="1647316" cy="261610"/>
+          </a:xfrm>
+          <a:prstGeom prst="rect">
+            <a:avLst/>
+          </a:prstGeom>
+          <a:ln/>
+        </p:spPr>
+        <p:style>
+          <a:lnRef idx="1">
+            <a:schemeClr val="accent4"/>
+          </a:lnRef>
+          <a:fillRef idx="2">
+            <a:schemeClr val="accent4"/>
+          </a:fillRef>
+          <a:effectRef idx="1">
+            <a:schemeClr val="accent4"/>
+          </a:effectRef>
+          <a:fontRef idx="minor">
+            <a:schemeClr val="dk1"/>
+          </a:fontRef>
+        </p:style>
+        <p:txBody>
+          <a:bodyPr wrap="square" rtlCol="0">
+            <a:spAutoFit/>
+          </a:bodyPr>
+          <a:lstStyle/>
+          <a:p>
+            <a:pPr algn="ctr"/>
+            <a:r>
+              <a:rPr lang="en-US" altLang="zh-CN" sz="1050" dirty="0" smtClean="0"/>
+              <a:t>ViewResolver</a:t>
+            </a:r>
+            <a:endParaRPr lang="zh-CN" altLang="en-US" sz="1050" dirty="0"/>
+          </a:p>
+        </p:txBody>
+      </p:sp>
+      <p:sp>
+        <p:nvSpPr>
+          <p:cNvPr id="69" name="TextBox 68"/>
+          <p:cNvSpPr txBox="1"/>
+          <p:nvPr/>
+        </p:nvSpPr>
+        <p:spPr>
+          <a:xfrm>
+            <a:off x="6695419" y="4354436"/>
+            <a:ext cx="1647316" cy="261610"/>
+          </a:xfrm>
+          <a:prstGeom prst="rect">
+            <a:avLst/>
+          </a:prstGeom>
+          <a:ln/>
+        </p:spPr>
+        <p:style>
+          <a:lnRef idx="1">
+            <a:schemeClr val="accent4"/>
+          </a:lnRef>
+          <a:fillRef idx="2">
+            <a:schemeClr val="accent4"/>
+          </a:fillRef>
+          <a:effectRef idx="1">
+            <a:schemeClr val="accent4"/>
+          </a:effectRef>
+          <a:fontRef idx="minor">
+            <a:schemeClr val="dk1"/>
+          </a:fontRef>
+        </p:style>
+        <p:txBody>
+          <a:bodyPr wrap="square" rtlCol="0">
+            <a:spAutoFit/>
+          </a:bodyPr>
+          <a:lstStyle/>
+          <a:p>
+            <a:pPr algn="ctr"/>
+            <a:r>
+              <a:rPr lang="en-US" altLang="zh-CN" sz="1050" b="1" dirty="0" smtClean="0"/>
+              <a:t>Web</a:t>
+            </a:r>
+            <a:r>
+              <a:rPr lang="zh-CN" altLang="en-US" sz="1050" b="1" dirty="0" smtClean="0"/>
+              <a:t>层组件</a:t>
+            </a:r>
+            <a:endParaRPr lang="zh-CN" altLang="en-US" sz="1050" b="1" dirty="0"/>
+          </a:p>
+        </p:txBody>
+      </p:sp>
+      <p:sp>
+        <p:nvSpPr>
+          <p:cNvPr id="70" name="TextBox 69"/>
+          <p:cNvSpPr txBox="1"/>
+          <p:nvPr/>
+        </p:nvSpPr>
+        <p:spPr>
+          <a:xfrm>
+            <a:off x="6686551" y="4023667"/>
+            <a:ext cx="1647316" cy="261610"/>
+          </a:xfrm>
+          <a:prstGeom prst="rect">
+            <a:avLst/>
+          </a:prstGeom>
+          <a:ln/>
+        </p:spPr>
+        <p:style>
+          <a:lnRef idx="1">
+            <a:schemeClr val="accent4"/>
+          </a:lnRef>
+          <a:fillRef idx="2">
+            <a:schemeClr val="accent4"/>
+          </a:fillRef>
+          <a:effectRef idx="1">
+            <a:schemeClr val="accent4"/>
+          </a:effectRef>
+          <a:fontRef idx="minor">
+            <a:schemeClr val="dk1"/>
+          </a:fontRef>
+        </p:style>
+        <p:txBody>
+          <a:bodyPr wrap="square" rtlCol="0">
+            <a:spAutoFit/>
+          </a:bodyPr>
+          <a:lstStyle/>
+          <a:p>
+            <a:pPr algn="ctr"/>
+            <a:r>
+              <a:rPr lang="en-US" altLang="zh-CN" sz="1050" dirty="0" smtClean="0"/>
+              <a:t>...</a:t>
+            </a:r>
+          </a:p>
+        </p:txBody>
+      </p:sp>
+      <p:sp>
+        <p:nvSpPr>
+          <p:cNvPr id="71" name="TextBox 70"/>
+          <p:cNvSpPr txBox="1"/>
+          <p:nvPr/>
+        </p:nvSpPr>
+        <p:spPr>
+          <a:xfrm>
+            <a:off x="6686551" y="2715766"/>
+            <a:ext cx="1647316" cy="261610"/>
+          </a:xfrm>
+          <a:prstGeom prst="rect">
+            <a:avLst/>
+          </a:prstGeom>
+          <a:ln/>
+        </p:spPr>
+        <p:style>
+          <a:lnRef idx="1">
+            <a:schemeClr val="accent4"/>
+          </a:lnRef>
+          <a:fillRef idx="2">
+            <a:schemeClr val="accent4"/>
+          </a:fillRef>
+          <a:effectRef idx="1">
+            <a:schemeClr val="accent4"/>
+          </a:effectRef>
+          <a:fontRef idx="minor">
+            <a:schemeClr val="dk1"/>
+          </a:fontRef>
+        </p:style>
+        <p:txBody>
+          <a:bodyPr wrap="square" rtlCol="0">
+            <a:spAutoFit/>
+          </a:bodyPr>
+          <a:lstStyle/>
+          <a:p>
+            <a:pPr algn="ctr"/>
+            <a:r>
+              <a:rPr lang="en-US" altLang="zh-CN" sz="1050" dirty="0" smtClean="0"/>
+              <a:t>Controller</a:t>
+            </a:r>
+            <a:endParaRPr lang="zh-CN" altLang="en-US" sz="1050" dirty="0"/>
+          </a:p>
+        </p:txBody>
+      </p:sp>
+      <p:sp>
+        <p:nvSpPr>
+          <p:cNvPr id="74" name="下箭头 73"/>
+          <p:cNvSpPr/>
+          <p:nvPr/>
+        </p:nvSpPr>
+        <p:spPr>
+          <a:xfrm rot="10800000">
+            <a:off x="7403516" y="2217020"/>
+            <a:ext cx="247594" cy="371788"/>
+          </a:xfrm>
+          <a:prstGeom prst="downArrow">
+            <a:avLst>
+              <a:gd name="adj1" fmla="val 50000"/>
+              <a:gd name="adj2" fmla="val 54409"/>
+            </a:avLst>
+          </a:prstGeom>
+          <a:ln w="12700"/>
+        </p:spPr>
+        <p:style>
+          <a:lnRef idx="2">
+            <a:schemeClr val="dk1"/>
+          </a:lnRef>
+          <a:fillRef idx="1">
+            <a:schemeClr val="lt1"/>
+          </a:fillRef>
+          <a:effectRef idx="0">
+            <a:schemeClr val="dk1"/>
+          </a:effectRef>
+          <a:fontRef idx="minor">
+            <a:schemeClr val="dk1"/>
+          </a:fontRef>
+        </p:style>
+        <p:txBody>
+          <a:bodyPr rtlCol="0" anchor="ctr"/>
+          <a:lstStyle/>
+          <a:p>
+            <a:pPr algn="ctr"/>
+            <a:endParaRPr lang="zh-CN" altLang="en-US"/>
+          </a:p>
+        </p:txBody>
+      </p:sp>
+      <p:sp>
+        <p:nvSpPr>
+          <p:cNvPr id="75" name="TextBox 74"/>
+          <p:cNvSpPr txBox="1"/>
+          <p:nvPr/>
+        </p:nvSpPr>
+        <p:spPr>
+          <a:xfrm>
+            <a:off x="7685795" y="2254374"/>
+            <a:ext cx="558613" cy="276999"/>
+          </a:xfrm>
+          <a:prstGeom prst="rect">
+            <a:avLst/>
+          </a:prstGeom>
+          <a:noFill/>
+        </p:spPr>
+        <p:txBody>
+          <a:bodyPr wrap="square" rtlCol="0">
+            <a:spAutoFit/>
+          </a:bodyPr>
+          <a:lstStyle/>
+          <a:p>
+            <a:r>
+              <a:rPr lang="zh-CN" altLang="en-US" sz="1200" dirty="0" smtClean="0"/>
+              <a:t>继承</a:t>
+            </a:r>
+            <a:endParaRPr lang="zh-CN" altLang="en-US" sz="1200" dirty="0"/>
+          </a:p>
+        </p:txBody>
+      </p:sp>
+      <p:cxnSp>
+        <p:nvCxnSpPr>
+          <p:cNvPr id="28" name="直接箭头连接符 27"/>
+          <p:cNvCxnSpPr>
+            <a:stCxn id="44" idx="2"/>
+            <a:endCxn id="14" idx="0"/>
+          </p:cNvCxnSpPr>
+          <p:nvPr/>
+        </p:nvCxnSpPr>
+        <p:spPr>
+          <a:xfrm>
+            <a:off x="1863312" y="3965417"/>
+            <a:ext cx="0" cy="334525"/>
+          </a:xfrm>
+          <a:prstGeom prst="straightConnector1">
+            <a:avLst/>
+          </a:prstGeom>
+          <a:ln>
+            <a:tailEnd type="arrow"/>
+          </a:ln>
+        </p:spPr>
+        <p:style>
+          <a:lnRef idx="1">
+            <a:schemeClr val="accent1"/>
+          </a:lnRef>
+          <a:fillRef idx="0">
+            <a:schemeClr val="accent1"/>
+          </a:fillRef>
+          <a:effectRef idx="0">
+            <a:schemeClr val="accent1"/>
+          </a:effectRef>
+          <a:fontRef idx="minor">
+            <a:schemeClr val="tx1"/>
+          </a:fontRef>
+        </p:style>
+      </p:cxnSp>
+      <p:sp>
+        <p:nvSpPr>
+          <p:cNvPr id="36" name="右大括号 35"/>
+          <p:cNvSpPr/>
+          <p:nvPr/>
+        </p:nvSpPr>
+        <p:spPr>
+          <a:xfrm>
+            <a:off x="4427984" y="3350829"/>
+            <a:ext cx="144016" cy="317013"/>
+          </a:xfrm>
+          <a:prstGeom prst="rightBrace">
+            <a:avLst>
+              <a:gd name="adj1" fmla="val 55031"/>
+              <a:gd name="adj2" fmla="val 50000"/>
+            </a:avLst>
+          </a:prstGeom>
+        </p:spPr>
+        <p:style>
+          <a:lnRef idx="1">
+            <a:schemeClr val="accent1"/>
+          </a:lnRef>
+          <a:fillRef idx="0">
+            <a:schemeClr val="accent1"/>
+          </a:fillRef>
+          <a:effectRef idx="0">
+            <a:schemeClr val="accent1"/>
+          </a:effectRef>
+          <a:fontRef idx="minor">
+            <a:schemeClr val="tx1"/>
+          </a:fontRef>
+        </p:style>
+        <p:txBody>
+          <a:bodyPr rtlCol="0" anchor="ctr"/>
+          <a:lstStyle/>
+          <a:p>
+            <a:pPr algn="ctr"/>
+            <a:endParaRPr lang="zh-CN" altLang="en-US"/>
           </a:p>
         </p:txBody>
       </p:sp>

--- a/issueImages/web context loading process.pptx
+++ b/issueImages/web context loading process.pptx
@@ -5,15 +5,16 @@
     <p:sldMasterId id="2147483648" r:id="rId1"/>
   </p:sldMasterIdLst>
   <p:notesMasterIdLst>
-    <p:notesMasterId r:id="rId8"/>
+    <p:notesMasterId r:id="rId9"/>
   </p:notesMasterIdLst>
   <p:sldIdLst>
     <p:sldId id="260" r:id="rId2"/>
     <p:sldId id="259" r:id="rId3"/>
     <p:sldId id="262" r:id="rId4"/>
-    <p:sldId id="264" r:id="rId5"/>
-    <p:sldId id="263" r:id="rId6"/>
-    <p:sldId id="258" r:id="rId7"/>
+    <p:sldId id="265" r:id="rId5"/>
+    <p:sldId id="264" r:id="rId6"/>
+    <p:sldId id="263" r:id="rId7"/>
+    <p:sldId id="258" r:id="rId8"/>
   </p:sldIdLst>
   <p:sldSz cx="9144000" cy="5143500" type="screen16x9"/>
   <p:notesSz cx="6858000" cy="9144000"/>
@@ -260,16 +261,16 @@
   <inkml:trace contextRef="#ctx0" brushRef="#br0" timeOffset="2875">13745 10120,'0'0,"0"27,0 39,0-13,0 0,0 0,0-27,0 27,0-13,0-40,0 26,0-13,0-13,13 0,1 0,12 0,0 0,-12 0,12 0,-13-13,1-26,-14 39,0-27</inkml:trace>
   <inkml:trace contextRef="#ctx0" brushRef="#br0" timeOffset="3875">13586 10186,'0'0,"53"0,0 0,13 0,14 0,-27 0,26 0,-39 0,-1 0,1 0,-40 0,13 0,1 0,-14 0,-14 0,1 0,-13 0,26 14,-40-1,40 0,-13 0,13-13,0 14,0-1,0 0,0-13,0 13,0 1,0-1,0 0,13-13,27 13,-1 0,-25 1,-1-14,-13 0,13 0,-13 13,0 0,13 0,-13 1,0-1,0 0,0 0,0 1,0-14,0 26,-26-26,26 0,-13 0,-1 26,-12-26,13 14,-1-1</inkml:trace>
   <inkml:trace contextRef="#ctx0" brushRef="#br0" timeOffset="9786">12753 10081,'0'0,"0"13,0 0,0 0,0-13,0 14,0 12,0-26,0 26,0-12,0-1,0 13,0-12,0 12,0-13,0 14,0-14,0 0,0 0,0 1,0-1,0-13,0 13,0 0,0 1,0-14,0 13,0 0,0 0,0-13,0 14,0-1,0 0,0 0,0 0,0 1,0-14,0 13</inkml:trace>
-  <inkml:trace contextRef="#ctx0" brushRef="#br0" timeOffset="34137.6629">11655 10001,'0'27,"0"-1,0-13,0 27,-13 13,-1-27,-12 27,26-13,0 13,0-27,0 1,0 13,0-27,0 0,0 14,13-14,14 0,12 0,-12 14,13-14,12 13,-38-12,39-1,-14 0,14 13,-13-12,-14-14</inkml:trace>
+  <inkml:trace contextRef="#ctx0" brushRef="#br0" timeOffset="34137.6628">11655 10001,'0'27,"0"-1,0-13,0 27,-13 13,-1-27,-12 27,26-13,0 13,0-27,0 1,0 13,0-27,0 0,0 14,13-14,14 0,12 0,-12 14,13-14,12 13,-38-12,39-1,-14 0,14 13,-13-12,-14-14</inkml:trace>
   <inkml:trace contextRef="#ctx0" brushRef="#br0" timeOffset="35144.5623">14340 10014,'0'0,"27"0,-14 27,0-1,1 1,-14-14,13-13,-13 0,13 0,0 0</inkml:trace>
   <inkml:trace contextRef="#ctx0" brushRef="#br0" timeOffset="35767.5">14777 10041,'0'0,"0"0,0 0,-26 0,-1 13,14-13,0 13,-14 14,14-27,13 0,-27 26,1-12,13-1,-27-13,0 13,14 0,-40 0,39-13,14 14,0-14,13 13,13-13,0 0,40 0,0 0,27 0,25 0,-38 0,12 0,-26 0,-14 0,-25 0,-14 0,0-13,0-1,0 14,-40-13,14-13</inkml:trace>
-  <inkml:trace contextRef="#ctx0" brushRef="#br0" timeOffset="38048.2718">14737 9935,'-13'-13,"0"13,13 40,0-1,-27 27,27-13,-13 40,13 0,0-1,0-39,0 26,0-39,0-27,0-13,0 27,-13-27,13-27,-27-26,14 1,0 12,13 0,0 0,-13 1,13 39,0-13,0 13,-13 0,-1 26,1 14,-27 26,40-53,-13 27,-27 13,27-40,13 0,0 0,0-13,0-26,0-14,40 1,-14 25,1-25,13 25,-1 14,-12 0,-1 0,-13 0,14 0,-14 0,14 0,-14 0,26 0,-25 27,-1-27,13 26,-12 1,-14-27,0 0,-14 0,1 0,-13 0,12 0,-12 0,26 0,-13 0,-14 0,27 0,-26 13,13 13,-14 1,14-1,-27 1,27-1,-13-26,-1 27,1-27,12 0,14 0,14 0,-1 0,0 0,0 0,1 0,12-14,-26 14,-13 0,-14 0,-26 0,14 0,-1 0,14 0,-1 0,1 14,12-1,1-13,13 0,27 0,26 0,39 0,-12 0,39 0,13-13,-66 13,13-27,-12 27,-41 0,-39-13,-14 0,-12 0,12-1,-13 14,1-26,12 13,1 13,13-14,13 14,-27 0,27 0,-13 0,13 0,-26 0,-1 27,14-27,0 26,-1 1,14 12,0 1,-13-27,-13 27,26-27,0 1,0-14,-14 0,1 0,-13 0,26 0,0-14,13 1,-13 0,26 13,-12-13,12 13,1 0,12 0,1 0,-27 0,27 0,-27 0,27 0,-40 13,39 13,-12-12,-14-14,0 0,-13 0,14 0,-1-40,27 0</inkml:trace>
-  <inkml:trace contextRef="#ctx0" brushRef="#br0" timeOffset="38711.2055">15412 10094,'0'0,"-13"0,0 53,-14-27,1 14,-1 13,-13 13,-12-13,12 13,13-26,1-14,-1 1,14-1,0-13,13-13,0-39,26-1,14 27,-13-14,12 14,-25 0,12 0,0 13,-26 13,0 0,0 27,0-14,14-13,-14 40,0-13,0-27,0 27,0 0,0-14,0 1,0-1,0-13,0-26,13-40,0 13,14-13,12-26</inkml:trace>
+  <inkml:trace contextRef="#ctx0" brushRef="#br0" timeOffset="38048.2716">14737 9935,'-13'-13,"0"13,13 40,0-1,-27 27,27-13,-13 40,13 0,0-1,0-39,0 26,0-39,0-27,0-13,0 27,-13-27,13-27,-27-26,14 1,0 12,13 0,0 0,-13 1,13 39,0-13,0 13,-13 0,-1 26,1 14,-27 26,40-53,-13 27,-27 13,27-40,13 0,0 0,0-13,0-26,0-14,40 1,-14 25,1-25,13 25,-1 14,-12 0,-1 0,-13 0,14 0,-14 0,14 0,-14 0,26 0,-25 27,-1-27,13 26,-12 1,-14-27,0 0,-14 0,1 0,-13 0,12 0,-12 0,26 0,-13 0,-14 0,27 0,-26 13,13 13,-14 1,14-1,-27 1,27-1,-13-26,-1 27,1-27,12 0,14 0,14 0,-1 0,0 0,0 0,1 0,12-14,-26 14,-13 0,-14 0,-26 0,14 0,-1 0,14 0,-1 0,1 14,12-1,1-13,13 0,27 0,26 0,39 0,-12 0,39 0,13-13,-66 13,13-27,-12 27,-41 0,-39-13,-14 0,-12 0,12-1,-13 14,1-26,12 13,1 13,13-14,13 14,-27 0,27 0,-13 0,13 0,-26 0,-1 27,14-27,0 26,-1 1,14 12,0 1,-13-27,-13 27,26-27,0 1,0-14,-14 0,1 0,-13 0,26 0,0-14,13 1,-13 0,26 13,-12-13,12 13,1 0,12 0,1 0,-27 0,27 0,-27 0,27 0,-40 13,39 13,-12-12,-14-14,0 0,-13 0,14 0,-1-40,27 0</inkml:trace>
+  <inkml:trace contextRef="#ctx0" brushRef="#br0" timeOffset="38711.2053">15412 10094,'0'0,"-13"0,0 53,-14-27,1 14,-1 13,-13 13,-12-13,12 13,13-26,1-14,-1 1,14-1,0-13,13-13,0-39,26-1,14 27,-13-14,12 14,-25 0,12 0,0 13,-26 13,0 0,0 27,0-14,14-13,-14 40,0-13,0-27,0 27,0 0,0-14,0 1,0-1,0-13,0-26,13-40,0 13,14-13,12-26</inkml:trace>
   <inkml:trace contextRef="#ctx0" brushRef="#br0" timeOffset="38968.1798">15425 10464,'13'0,"-13"27,0-14,0 13,0-12,0-1,0 0,14 0,-1-13,0 0,14-26,-14-1,0-25</inkml:trace>
   <inkml:trace contextRef="#ctx0" brushRef="#br0" timeOffset="39656.111">15650 10332,'0'0,"0"13,0 0,0 1,0 25,0-39,0 14,0 12,0-13,-13 1,0-1,-1 0,1 27,13-40,-13 26,-13 14,12-40,14 13,0 13,-13-26,13 0,0 0,0-13,0 13,0-13,0 0,27 13,-14 0,13 0,-13 0,-13 0,27 0,-14 0,-13 0,27 0,-1 0,-26 0,26 0,-12 0,25 0,1 13,-27-13,14 13,-14-13,0 0,-13 0,13 0,-13-13,0-13</inkml:trace>
   <inkml:trace contextRef="#ctx0" brushRef="#br0" timeOffset="40296.047">15928 10200,'13'0,"0"0,-13 0,14 0,12 0,-26 0,27 13,-14 0,0 0,0 1,-13-1,27 13,-14-12,-13 12,13 0,14-12,-27 12,0-13,0 1,13-1,-13 0,0 0,0 14,0-1,0-26,0 27,0-1,0-26,0 13,0 1,0 12,0 0,0-26,0 27,0-14,0-13,-13 27,13-1,-14-26,14 13,-26 27,26-40,-13 13,-27 0,0 14,14-14,-14 14,-13-14,-53 27,40-40,-13 39,-27 14</inkml:trace>
   <inkml:trace contextRef="#ctx0" brushRef="#br0" timeOffset="43670.7095">6416 11893,'0'-26,"0"26,0-14,0 14,-26 0,-1-13,-26 13,-26 0,-27 0,-39 0,-14 0,-53 0,-13 0,27 0,-1 0,14 0,26 0,14 0,52 0,-13 0,14 0,-27 0,53 0,0 0,-1 27,1-1,-13 14,26-14,0 14,-13 0,26-1,27-26,13-13,-13 27,-1-14,1 0,0 1,-13 12,26-13,-27 14,1-1,-1 1,27-14,-13 27,0-27,13 13,0 1,-13-1,13-13,0 27,0 0,0-27,0 27,0-27,0 40,0-27,0 27,0-40,0 27,0 0,0-14,13 54,0-14,13 0,14 0,-13-13,25 26,-12-39,0 13,39 0,1-13,-14 13,13-14,1-26,39 27,-14-27,-12 1,-80-14,-13 0,185 0,14 0,52 0,54 13,-41-13,-13 0,-26 0,0 0,-66 0,0 0,-27 0,0 0,-39 0,0-40,-14 27,14-27,-54 27,41-13,-14-27,13 0,-26 26,-13-26,-14-26,1 0,-14-14,-13-13,0 14,0-67,-13 26,-54 1,-25-13,12-1,-12 14,-27 13,0 39,13 1,-92 0,12 13,-39-1,-26 28,0-14,-1 53,-131-13,118 13,53 0,14 0,-80 0,80 0,79 0,0 0,26 26,14-13,39 0,0 1,14-1,-14-13</inkml:trace>
-  <inkml:trace contextRef="#ctx0" brushRef="#br0" timeOffset="45519.5246">6945 11695,'-13'0,"13"-14,0 1,0 0,13-14,-13-12,14-1,-14 0,26-13,0-26,-12-14,25-12,-25 52,-1-27,27 1,-27 0,13-14,1 14,-1-14,1 0,-14 27,13 13,14-13,-27 40,14-40,-14 39,0 14,0-27,1-13,-1 27,0-14,0-26,0 26,1 27,-1-40,0 40,0 0,1-14,-1 14,27-40,-40 53,26-26,-13-1,0 27,-13-26,27 13,-27-1,0 14,13-13,0 0,1 0,-1-1,-13 1,13 13,14-13,-27 13,26-13,0-1,-12 14,-1-13,-13 13,26-13,-12 0,-1 0,-13 13,0 26</inkml:trace>
+  <inkml:trace contextRef="#ctx0" brushRef="#br0" timeOffset="45519.5245">6945 11695,'-13'0,"13"-14,0 1,0 0,13-14,-13-12,14-1,-14 0,26-13,0-26,-12-14,25-12,-25 52,-1-27,27 1,-27 0,13-14,1 14,-1-14,1 0,-14 27,13 13,14-13,-27 40,14-40,-14 39,0 14,0-27,1-13,-1 27,0-14,0-26,0 26,1 27,-1-40,0 40,0 0,1-14,-1 14,27-40,-40 53,26-26,-13-1,0 27,-13-26,27 13,-27-1,0 14,13-13,0 0,1 0,-1-1,-13 1,13 13,14-13,-27 13,26-13,0-1,-12 14,-1-13,-13 13,26-13,-12 0,-1 0,-13 13,0 26</inkml:trace>
   <inkml:trace contextRef="#ctx0" brushRef="#br0" timeOffset="46839.3926">7977 10147,'13'0,"-13"13,0 13,-13-12,13 25,-13-12,-13 13,26-14,-14 0,1 1,-13 13,26-27,0 0,-14 14,1-1,0 0,0-12,-1 25,14-39,-13 14,0-1,0 0,13 0,0 14,-27-14,27 0,-13 14,0-14,0 27,-14-27,14 26,0-12,-1-14,14 0,-13 27,-26-13,39-1,-14 14,-12-14,13-13,-1 14,1-1,0-13,-14 40,14-39,0 12,13-13,-13 27,-14-14,27 1,-13-1,0 1,0-1,-1-12,1 12,0-13,0 0,-1 14,1-1,0-12,13-14,-26 26,26-26,-14 13,14-13,-13 0,0 14,13-14,0 13,-13 0,-14 0,14 14,-13-27,26 0,-27 13,27-13,-13 13,-14-13,27 13,-13-13,0 0,0 0,-1 0,1 0,0 0,0 0</inkml:trace>
   <inkml:trace contextRef="#ctx0" brushRef="#br0" timeOffset="47750.3016">6773 11284,'0'0,"14"0,-1 0,-13 40,0 13,26-13,-26 13,13-27,-13 14,0 0,0-14,0 14,14-27,-14 0,0-13,13 27,-13-14,0 0,0-13,0 13,0 1,13-1,0-13,54 0,12 0,27 0,13 0,13 0,-13 0,-26 0,-1 0,-12 0,-41 0,-39 0,27 0,-27 0,13 0</inkml:trace>
   <inkml:trace contextRef="#ctx0" brushRef="#br0" timeOffset="67972.2792">11906 9022,'0'0,"0"0,0 40,0-27,0 14,0 12,0-12,0 13,0-14,0 0,0 14,0-27,0 1,0-1,0 0,13 0,1-13</inkml:trace>
@@ -377,7 +378,7 @@
           <a:p>
             <a:fld id="{62974DE1-0086-46B2-AAC4-46D2360602FF}" type="datetimeFigureOut">
               <a:rPr lang="zh-CN" altLang="en-US" smtClean="0"/>
-              <a:t>2017/5/8</a:t>
+              <a:t>2017/7/20</a:t>
             </a:fld>
             <a:endParaRPr lang="zh-CN" altLang="en-US"/>
           </a:p>
@@ -952,7 +953,7 @@
           <a:lstStyle/>
           <a:p>
             <a:r>
-              <a:rPr lang="en-US" altLang="zh-CN" dirty="0" err="1" smtClean="0"/>
+              <a:rPr lang="en-US" altLang="zh-CN" dirty="0" smtClean="0"/>
               <a:t>DispatcherServlet</a:t>
             </a:r>
             <a:r>
@@ -1111,7 +1112,7 @@
           <a:lstStyle/>
           <a:p>
             <a:r>
-              <a:rPr lang="en-US" altLang="zh-CN" dirty="0" err="1" smtClean="0"/>
+              <a:rPr lang="en-US" altLang="zh-CN" dirty="0" smtClean="0"/>
               <a:t>DispatcherServlet</a:t>
             </a:r>
             <a:r>
@@ -1252,12 +1253,7 @@
             <p:ph type="sldImg"/>
           </p:nvPr>
         </p:nvSpPr>
-        <p:spPr>
-          <a:xfrm>
-            <a:off x="381000" y="685800"/>
-            <a:ext cx="6096000" cy="3429000"/>
-          </a:xfrm>
-        </p:spPr>
+        <p:spPr/>
       </p:sp>
       <p:sp>
         <p:nvSpPr>
@@ -1275,62 +1271,12 @@
           <a:lstStyle/>
           <a:p>
             <a:r>
-              <a:rPr lang="en-US" altLang="zh-CN" dirty="0" err="1" smtClean="0"/>
-              <a:t>ContextLoaderListener</a:t>
+              <a:rPr lang="en-US" altLang="zh-CN" dirty="0" smtClean="0"/>
+              <a:t>DispatcherServlet</a:t>
             </a:r>
             <a:r>
               <a:rPr lang="zh-CN" altLang="en-US" dirty="0" smtClean="0"/>
-              <a:t>初始化的上下文加载的</a:t>
-            </a:r>
-            <a:r>
-              <a:rPr lang="en-US" altLang="zh-CN" dirty="0" smtClean="0"/>
-              <a:t>Bean</a:t>
-            </a:r>
-            <a:r>
-              <a:rPr lang="zh-CN" altLang="en-US" dirty="0" smtClean="0"/>
-              <a:t>是对于整个应用程序共享的，不管是使用什么表现层技术，一般如</a:t>
-            </a:r>
-            <a:r>
-              <a:rPr lang="en-US" altLang="zh-CN" dirty="0" smtClean="0"/>
-              <a:t>DAO</a:t>
-            </a:r>
-            <a:r>
-              <a:rPr lang="zh-CN" altLang="en-US" dirty="0" smtClean="0"/>
-              <a:t>层、</a:t>
-            </a:r>
-            <a:r>
-              <a:rPr lang="en-US" altLang="zh-CN" dirty="0" smtClean="0"/>
-              <a:t>Service</a:t>
-            </a:r>
-            <a:r>
-              <a:rPr lang="zh-CN" altLang="en-US" dirty="0" smtClean="0"/>
-              <a:t>层</a:t>
-            </a:r>
-            <a:r>
-              <a:rPr lang="en-US" altLang="zh-CN" dirty="0" smtClean="0"/>
-              <a:t>Bean</a:t>
-            </a:r>
-            <a:r>
-              <a:rPr lang="zh-CN" altLang="en-US" dirty="0" smtClean="0"/>
-              <a:t>；</a:t>
-            </a:r>
-          </a:p>
-          <a:p>
-            <a:r>
-              <a:rPr lang="en-US" altLang="zh-CN" dirty="0" err="1" smtClean="0"/>
-              <a:t>DispatcherServlet</a:t>
-            </a:r>
-            <a:r>
-              <a:rPr lang="zh-CN" altLang="en-US" dirty="0" smtClean="0"/>
-              <a:t>初始化的上下文加载的</a:t>
-            </a:r>
-            <a:r>
-              <a:rPr lang="en-US" altLang="zh-CN" dirty="0" smtClean="0"/>
-              <a:t>Bean</a:t>
-            </a:r>
-            <a:r>
-              <a:rPr lang="zh-CN" altLang="en-US" dirty="0" smtClean="0"/>
-              <a:t>是只对</a:t>
+              <a:t>是前端控制器设计模式的实现，提供</a:t>
             </a:r>
             <a:r>
               <a:rPr lang="en-US" altLang="zh-CN" dirty="0" smtClean="0"/>
@@ -1338,158 +1284,68 @@
             </a:r>
             <a:r>
               <a:rPr lang="zh-CN" altLang="en-US" dirty="0" smtClean="0"/>
-              <a:t>有效的</a:t>
+              <a:t>的集中访问点，而且负责职责的分派，而且与</a:t>
             </a:r>
             <a:r>
               <a:rPr lang="en-US" altLang="zh-CN" dirty="0" smtClean="0"/>
-              <a:t>Bean</a:t>
+              <a:t>Spring </a:t>
+            </a:r>
+            <a:r>
+              <a:rPr lang="en-US" altLang="zh-CN" dirty="0" err="1" smtClean="0"/>
+              <a:t>IoC</a:t>
             </a:r>
             <a:r>
               <a:rPr lang="zh-CN" altLang="en-US" dirty="0" smtClean="0"/>
-              <a:t>，如</a:t>
+              <a:t>容器无缝集成，从而可以获得</a:t>
             </a:r>
             <a:r>
               <a:rPr lang="en-US" altLang="zh-CN" dirty="0" smtClean="0"/>
-              <a:t>Controller</a:t>
+              <a:t>Spring</a:t>
             </a:r>
             <a:r>
               <a:rPr lang="zh-CN" altLang="en-US" dirty="0" smtClean="0"/>
-              <a:t>、</a:t>
-            </a:r>
-            <a:r>
-              <a:rPr lang="en-US" altLang="zh-CN" dirty="0" smtClean="0"/>
-              <a:t>HandlerMapping</a:t>
+              <a:t>的所有好处。</a:t>
+            </a:r>
+            <a:endParaRPr lang="en-US" altLang="zh-CN" dirty="0" smtClean="0"/>
+          </a:p>
+          <a:p>
+            <a:r>
+              <a:rPr lang="en-US" altLang="zh-CN" sz="1200" dirty="0" smtClean="0"/>
+              <a:t>HandlerAdapter</a:t>
             </a:r>
             <a:r>
               <a:rPr lang="zh-CN" altLang="en-US" dirty="0" smtClean="0"/>
-              <a:t>、</a:t>
-            </a:r>
-            <a:r>
-              <a:rPr lang="en-US" altLang="zh-CN" dirty="0" smtClean="0"/>
+              <a:t>可以有多个，比如用于拦截权限（</a:t>
+            </a:r>
+            <a:r>
+              <a:rPr lang="en-US" altLang="zh-CN" sz="1200" b="0" i="0" kern="1200" dirty="0" smtClean="0">
+                <a:solidFill>
+                  <a:schemeClr val="tx1"/>
+                </a:solidFill>
+                <a:effectLst/>
+                <a:latin typeface="+mn-lt"/>
+                <a:ea typeface="+mn-ea"/>
+                <a:cs typeface="+mn-cs"/>
+              </a:rPr>
               <a:t>HandlerAdapter</a:t>
             </a:r>
             <a:r>
+              <a:rPr lang="zh-CN" altLang="en-US" sz="1200" b="0" i="0" kern="1200" dirty="0" smtClean="0">
+                <a:solidFill>
+                  <a:schemeClr val="tx1"/>
+                </a:solidFill>
+                <a:effectLst/>
+                <a:latin typeface="+mn-lt"/>
+                <a:ea typeface="+mn-ea"/>
+                <a:cs typeface="+mn-cs"/>
+              </a:rPr>
+              <a:t>将会把处理器包装为适配器，从而支持多种类型的处理器，即适配器设计模式的应用，从而很容易支持很多类型的处理器</a:t>
+            </a:r>
+            <a:r>
               <a:rPr lang="zh-CN" altLang="en-US" dirty="0" smtClean="0"/>
-              <a:t>等等，该初始化上下文应该只加载</a:t>
-            </a:r>
-            <a:r>
-              <a:rPr lang="en-US" altLang="zh-CN" dirty="0" smtClean="0"/>
-              <a:t>Web</a:t>
-            </a:r>
-            <a:r>
-              <a:rPr lang="zh-CN" altLang="en-US" dirty="0" smtClean="0"/>
-              <a:t>相关组件。</a:t>
-            </a:r>
-            <a:endParaRPr lang="en-US" altLang="zh-CN" dirty="0" smtClean="0"/>
-          </a:p>
-          <a:p>
-            <a:r>
-              <a:rPr lang="en-US" altLang="zh-CN" dirty="0" smtClean="0"/>
-              <a:t>Web</a:t>
-            </a:r>
-            <a:r>
-              <a:rPr lang="zh-CN" altLang="en-US" dirty="0" smtClean="0"/>
-              <a:t>层组件和</a:t>
-            </a:r>
-            <a:r>
-              <a:rPr lang="en-US" altLang="zh-CN" dirty="0" smtClean="0"/>
-              <a:t>web</a:t>
-            </a:r>
-            <a:r>
-              <a:rPr lang="zh-CN" altLang="en-US" dirty="0" smtClean="0"/>
-              <a:t>层之外的组件分开加载，是因为没有</a:t>
-            </a:r>
-            <a:r>
-              <a:rPr lang="en-US" altLang="zh-CN" dirty="0" err="1" smtClean="0"/>
-              <a:t>springMVC</a:t>
-            </a:r>
-            <a:r>
-              <a:rPr lang="zh-CN" altLang="en-US" dirty="0" smtClean="0"/>
-              <a:t>的时候，</a:t>
-            </a:r>
-            <a:r>
-              <a:rPr lang="en-US" altLang="zh-CN" dirty="0" smtClean="0"/>
-              <a:t>struts</a:t>
-            </a:r>
-            <a:r>
-              <a:rPr lang="zh-CN" altLang="en-US" dirty="0" smtClean="0"/>
-              <a:t>完成了</a:t>
-            </a:r>
-            <a:r>
-              <a:rPr lang="en-US" altLang="zh-CN" dirty="0" smtClean="0"/>
-              <a:t>web</a:t>
-            </a:r>
-            <a:r>
-              <a:rPr lang="zh-CN" altLang="en-US" dirty="0" smtClean="0"/>
-              <a:t>层的加载。</a:t>
-            </a:r>
-            <a:endParaRPr lang="en-US" altLang="zh-CN" dirty="0" smtClean="0"/>
-          </a:p>
-          <a:p>
-            <a:r>
-              <a:rPr lang="en-US" altLang="zh-CN" dirty="0" err="1" smtClean="0"/>
-              <a:t>Application.properties</a:t>
-            </a:r>
-            <a:r>
-              <a:rPr lang="zh-CN" altLang="en-US" dirty="0" smtClean="0"/>
-              <a:t>的解析由</a:t>
-            </a:r>
-            <a:r>
-              <a:rPr lang="en-US" altLang="zh-CN" dirty="0" err="1" smtClean="0"/>
-              <a:t>ContextLoaderListener</a:t>
-            </a:r>
-            <a:r>
-              <a:rPr lang="zh-CN" altLang="en-US" dirty="0" smtClean="0"/>
-              <a:t>和</a:t>
-            </a:r>
-            <a:r>
-              <a:rPr lang="en-US" altLang="zh-CN" dirty="0" err="1" smtClean="0"/>
-              <a:t>DispatcherServlet</a:t>
-            </a:r>
-            <a:r>
-              <a:rPr lang="zh-CN" altLang="en-US" dirty="0" smtClean="0"/>
-              <a:t>共同完成。</a:t>
-            </a:r>
-            <a:endParaRPr lang="en-US" altLang="zh-CN" dirty="0" smtClean="0"/>
-          </a:p>
-          <a:p>
-            <a:r>
-              <a:rPr lang="zh-CN" altLang="en-US" dirty="0" smtClean="0"/>
-              <a:t>如果没有</a:t>
-            </a:r>
-            <a:r>
-              <a:rPr lang="en-US" altLang="zh-CN" dirty="0" smtClean="0"/>
-              <a:t>springboot</a:t>
-            </a:r>
-            <a:r>
-              <a:rPr lang="zh-CN" altLang="en-US" dirty="0" smtClean="0"/>
-              <a:t>：绿色的部分的集成就没有了，通过</a:t>
-            </a:r>
-            <a:r>
-              <a:rPr lang="en-US" altLang="zh-CN" dirty="0" smtClean="0"/>
-              <a:t>web.xml</a:t>
-            </a:r>
-            <a:r>
-              <a:rPr lang="zh-CN" altLang="en-US" dirty="0" smtClean="0"/>
-              <a:t>配置的</a:t>
-            </a:r>
-            <a:r>
-              <a:rPr lang="en-US" altLang="zh-CN" dirty="0" err="1" smtClean="0"/>
-              <a:t>contextLoaderLisener</a:t>
-            </a:r>
-            <a:r>
-              <a:rPr lang="zh-CN" altLang="en-US" dirty="0" smtClean="0"/>
-              <a:t>加载</a:t>
-            </a:r>
-            <a:r>
-              <a:rPr lang="en-US" altLang="zh-CN" dirty="0" smtClean="0"/>
-              <a:t>spring</a:t>
-            </a:r>
-            <a:r>
-              <a:rPr lang="zh-CN" altLang="en-US" dirty="0" smtClean="0"/>
-              <a:t>上下文，嵌入的东西都独立出来了。</a:t>
-            </a:r>
-            <a:endParaRPr lang="en-US" altLang="zh-CN" dirty="0" smtClean="0"/>
+              <a:t>）</a:t>
+            </a:r>
+            <a:endParaRPr lang="zh-CN" altLang="en-US" dirty="0"/>
           </a:p>
         </p:txBody>
       </p:sp>
@@ -1519,7 +1375,7 @@
     </p:spTree>
     <p:extLst>
       <p:ext uri="{BB962C8B-B14F-4D97-AF65-F5344CB8AC3E}">
-        <p14:creationId xmlns:p14="http://schemas.microsoft.com/office/powerpoint/2010/main" val="1421662787"/>
+        <p14:creationId xmlns:p14="http://schemas.microsoft.com/office/powerpoint/2010/main" val="132108948"/>
       </p:ext>
     </p:extLst>
   </p:cSld>
@@ -1621,7 +1477,7 @@
           </a:p>
           <a:p>
             <a:r>
-              <a:rPr lang="en-US" altLang="zh-CN" dirty="0" err="1" smtClean="0"/>
+              <a:rPr lang="en-US" altLang="zh-CN" dirty="0" smtClean="0"/>
               <a:t>DispatcherServlet</a:t>
             </a:r>
             <a:r>
@@ -1684,7 +1540,116 @@
               <a:rPr lang="zh-CN" altLang="en-US" dirty="0" smtClean="0"/>
               <a:t>相关组件。</a:t>
             </a:r>
-            <a:endParaRPr lang="zh-CN" altLang="en-US" dirty="0"/>
+            <a:endParaRPr lang="en-US" altLang="zh-CN" dirty="0" smtClean="0"/>
+          </a:p>
+          <a:p>
+            <a:r>
+              <a:rPr lang="en-US" altLang="zh-CN" dirty="0" smtClean="0"/>
+              <a:t>Web</a:t>
+            </a:r>
+            <a:r>
+              <a:rPr lang="zh-CN" altLang="en-US" dirty="0" smtClean="0"/>
+              <a:t>层组件和</a:t>
+            </a:r>
+            <a:r>
+              <a:rPr lang="en-US" altLang="zh-CN" dirty="0" smtClean="0"/>
+              <a:t>web</a:t>
+            </a:r>
+            <a:r>
+              <a:rPr lang="zh-CN" altLang="en-US" dirty="0" smtClean="0"/>
+              <a:t>层之外的组件分开加载，是因为没有</a:t>
+            </a:r>
+            <a:r>
+              <a:rPr lang="en-US" altLang="zh-CN" dirty="0" err="1" smtClean="0"/>
+              <a:t>springMVC</a:t>
+            </a:r>
+            <a:r>
+              <a:rPr lang="zh-CN" altLang="en-US" dirty="0" smtClean="0"/>
+              <a:t>的时候，</a:t>
+            </a:r>
+            <a:r>
+              <a:rPr lang="en-US" altLang="zh-CN" dirty="0" smtClean="0"/>
+              <a:t>struts</a:t>
+            </a:r>
+            <a:r>
+              <a:rPr lang="zh-CN" altLang="en-US" dirty="0" smtClean="0"/>
+              <a:t>完成了</a:t>
+            </a:r>
+            <a:r>
+              <a:rPr lang="en-US" altLang="zh-CN" dirty="0" smtClean="0"/>
+              <a:t>web</a:t>
+            </a:r>
+            <a:r>
+              <a:rPr lang="zh-CN" altLang="en-US" dirty="0" smtClean="0"/>
+              <a:t>层的加载。</a:t>
+            </a:r>
+            <a:endParaRPr lang="en-US" altLang="zh-CN" dirty="0" smtClean="0"/>
+          </a:p>
+          <a:p>
+            <a:r>
+              <a:rPr lang="en-US" altLang="zh-CN" dirty="0" err="1" smtClean="0"/>
+              <a:t>Application.properties</a:t>
+            </a:r>
+            <a:r>
+              <a:rPr lang="zh-CN" altLang="en-US" dirty="0" smtClean="0"/>
+              <a:t>的解析由</a:t>
+            </a:r>
+            <a:r>
+              <a:rPr lang="en-US" altLang="zh-CN" dirty="0" err="1" smtClean="0"/>
+              <a:t>ContextLoaderListener</a:t>
+            </a:r>
+            <a:r>
+              <a:rPr lang="zh-CN" altLang="en-US" dirty="0" smtClean="0"/>
+              <a:t>和</a:t>
+            </a:r>
+            <a:r>
+              <a:rPr lang="en-US" altLang="zh-CN" dirty="0" smtClean="0"/>
+              <a:t>DispatcherServlet</a:t>
+            </a:r>
+            <a:r>
+              <a:rPr lang="zh-CN" altLang="en-US" dirty="0" smtClean="0"/>
+              <a:t>共同完成。</a:t>
+            </a:r>
+            <a:endParaRPr lang="en-US" altLang="zh-CN" dirty="0" smtClean="0"/>
+          </a:p>
+          <a:p>
+            <a:r>
+              <a:rPr lang="zh-CN" altLang="en-US" dirty="0" smtClean="0"/>
+              <a:t>如果没有</a:t>
+            </a:r>
+            <a:r>
+              <a:rPr lang="en-US" altLang="zh-CN" dirty="0" smtClean="0"/>
+              <a:t>springboot</a:t>
+            </a:r>
+            <a:r>
+              <a:rPr lang="zh-CN" altLang="en-US" dirty="0" smtClean="0"/>
+              <a:t>：绿色的部分的集成就没有了，通过</a:t>
+            </a:r>
+            <a:r>
+              <a:rPr lang="en-US" altLang="zh-CN" dirty="0" smtClean="0"/>
+              <a:t>web.xml</a:t>
+            </a:r>
+            <a:r>
+              <a:rPr lang="zh-CN" altLang="en-US" dirty="0" smtClean="0"/>
+              <a:t>配置的</a:t>
+            </a:r>
+            <a:r>
+              <a:rPr lang="en-US" altLang="zh-CN" dirty="0" err="1" smtClean="0"/>
+              <a:t>contextLoaderLisener</a:t>
+            </a:r>
+            <a:r>
+              <a:rPr lang="zh-CN" altLang="en-US" dirty="0" smtClean="0"/>
+              <a:t>加载</a:t>
+            </a:r>
+            <a:r>
+              <a:rPr lang="en-US" altLang="zh-CN" dirty="0" smtClean="0"/>
+              <a:t>spring</a:t>
+            </a:r>
+            <a:r>
+              <a:rPr lang="zh-CN" altLang="en-US" dirty="0" smtClean="0"/>
+              <a:t>上下文，嵌入的东西都独立出来了。</a:t>
+            </a:r>
+            <a:endParaRPr lang="en-US" altLang="zh-CN" dirty="0" smtClean="0"/>
           </a:p>
         </p:txBody>
       </p:sp>
@@ -1706,6 +1671,201 @@
             <a:fld id="{71FE3369-33FF-45DF-AB83-4542779F698D}" type="slidenum">
               <a:rPr lang="zh-CN" altLang="en-US" smtClean="0"/>
               <a:t>6</a:t>
+            </a:fld>
+            <a:endParaRPr lang="zh-CN" altLang="en-US"/>
+          </a:p>
+        </p:txBody>
+      </p:sp>
+    </p:spTree>
+    <p:extLst>
+      <p:ext uri="{BB962C8B-B14F-4D97-AF65-F5344CB8AC3E}">
+        <p14:creationId xmlns:p14="http://schemas.microsoft.com/office/powerpoint/2010/main" val="1421662787"/>
+      </p:ext>
+    </p:extLst>
+  </p:cSld>
+  <p:clrMapOvr>
+    <a:masterClrMapping/>
+  </p:clrMapOvr>
+</p:notes>
+</file>
+
+<file path=ppt/notesSlides/notesSlide7.xml><?xml version="1.0" encoding="utf-8"?>
+<p:notes xmlns:a="http://schemas.openxmlformats.org/drawingml/2006/main" xmlns:r="http://schemas.openxmlformats.org/officeDocument/2006/relationships" xmlns:p="http://schemas.openxmlformats.org/presentationml/2006/main">
+  <p:cSld>
+    <p:spTree>
+      <p:nvGrpSpPr>
+        <p:cNvPr id="1" name=""/>
+        <p:cNvGrpSpPr/>
+        <p:nvPr/>
+      </p:nvGrpSpPr>
+      <p:grpSpPr>
+        <a:xfrm>
+          <a:off x="0" y="0"/>
+          <a:ext cx="0" cy="0"/>
+          <a:chOff x="0" y="0"/>
+          <a:chExt cx="0" cy="0"/>
+        </a:xfrm>
+      </p:grpSpPr>
+      <p:sp>
+        <p:nvSpPr>
+          <p:cNvPr id="2" name="幻灯片图像占位符 1"/>
+          <p:cNvSpPr>
+            <a:spLocks noGrp="1" noRot="1" noChangeAspect="1"/>
+          </p:cNvSpPr>
+          <p:nvPr>
+            <p:ph type="sldImg"/>
+          </p:nvPr>
+        </p:nvSpPr>
+        <p:spPr>
+          <a:xfrm>
+            <a:off x="381000" y="685800"/>
+            <a:ext cx="6096000" cy="3429000"/>
+          </a:xfrm>
+        </p:spPr>
+      </p:sp>
+      <p:sp>
+        <p:nvSpPr>
+          <p:cNvPr id="3" name="备注占位符 2"/>
+          <p:cNvSpPr>
+            <a:spLocks noGrp="1"/>
+          </p:cNvSpPr>
+          <p:nvPr>
+            <p:ph type="body" idx="1"/>
+          </p:nvPr>
+        </p:nvSpPr>
+        <p:spPr/>
+        <p:txBody>
+          <a:bodyPr/>
+          <a:lstStyle/>
+          <a:p>
+            <a:r>
+              <a:rPr lang="en-US" altLang="zh-CN" dirty="0" err="1" smtClean="0"/>
+              <a:t>ContextLoaderListener</a:t>
+            </a:r>
+            <a:r>
+              <a:rPr lang="zh-CN" altLang="en-US" dirty="0" smtClean="0"/>
+              <a:t>初始化的上下文加载的</a:t>
+            </a:r>
+            <a:r>
+              <a:rPr lang="en-US" altLang="zh-CN" dirty="0" smtClean="0"/>
+              <a:t>Bean</a:t>
+            </a:r>
+            <a:r>
+              <a:rPr lang="zh-CN" altLang="en-US" dirty="0" smtClean="0"/>
+              <a:t>是对于整个应用程序共享的，不管是使用什么表现层技术，一般如</a:t>
+            </a:r>
+            <a:r>
+              <a:rPr lang="en-US" altLang="zh-CN" dirty="0" smtClean="0"/>
+              <a:t>DAO</a:t>
+            </a:r>
+            <a:r>
+              <a:rPr lang="zh-CN" altLang="en-US" dirty="0" smtClean="0"/>
+              <a:t>层、</a:t>
+            </a:r>
+            <a:r>
+              <a:rPr lang="en-US" altLang="zh-CN" dirty="0" smtClean="0"/>
+              <a:t>Service</a:t>
+            </a:r>
+            <a:r>
+              <a:rPr lang="zh-CN" altLang="en-US" dirty="0" smtClean="0"/>
+              <a:t>层</a:t>
+            </a:r>
+            <a:r>
+              <a:rPr lang="en-US" altLang="zh-CN" dirty="0" smtClean="0"/>
+              <a:t>Bean</a:t>
+            </a:r>
+            <a:r>
+              <a:rPr lang="zh-CN" altLang="en-US" dirty="0" smtClean="0"/>
+              <a:t>；</a:t>
+            </a:r>
+          </a:p>
+          <a:p>
+            <a:r>
+              <a:rPr lang="en-US" altLang="zh-CN" dirty="0" smtClean="0"/>
+              <a:t>DispatcherServlet</a:t>
+            </a:r>
+            <a:r>
+              <a:rPr lang="zh-CN" altLang="en-US" dirty="0" smtClean="0"/>
+              <a:t>初始化的上下文加载的</a:t>
+            </a:r>
+            <a:r>
+              <a:rPr lang="en-US" altLang="zh-CN" dirty="0" smtClean="0"/>
+              <a:t>Bean</a:t>
+            </a:r>
+            <a:r>
+              <a:rPr lang="zh-CN" altLang="en-US" dirty="0" smtClean="0"/>
+              <a:t>是只对</a:t>
+            </a:r>
+            <a:r>
+              <a:rPr lang="en-US" altLang="zh-CN" dirty="0" smtClean="0"/>
+              <a:t>Spring Web MVC</a:t>
+            </a:r>
+            <a:r>
+              <a:rPr lang="zh-CN" altLang="en-US" dirty="0" smtClean="0"/>
+              <a:t>有效的</a:t>
+            </a:r>
+            <a:r>
+              <a:rPr lang="en-US" altLang="zh-CN" dirty="0" smtClean="0"/>
+              <a:t>Bean</a:t>
+            </a:r>
+            <a:r>
+              <a:rPr lang="zh-CN" altLang="en-US" dirty="0" smtClean="0"/>
+              <a:t>，如</a:t>
+            </a:r>
+            <a:r>
+              <a:rPr lang="en-US" altLang="zh-CN" dirty="0" smtClean="0"/>
+              <a:t>Controller</a:t>
+            </a:r>
+            <a:r>
+              <a:rPr lang="zh-CN" altLang="en-US" dirty="0" smtClean="0"/>
+              <a:t>、</a:t>
+            </a:r>
+            <a:r>
+              <a:rPr lang="en-US" altLang="zh-CN" dirty="0" smtClean="0"/>
+              <a:t>HandlerMapping</a:t>
+            </a:r>
+            <a:r>
+              <a:rPr lang="zh-CN" altLang="en-US" dirty="0" smtClean="0"/>
+              <a:t>、</a:t>
+            </a:r>
+            <a:r>
+              <a:rPr lang="en-US" altLang="zh-CN" dirty="0" smtClean="0"/>
+              <a:t>HandlerAdapter</a:t>
+            </a:r>
+            <a:r>
+              <a:rPr lang="zh-CN" altLang="en-US" dirty="0" smtClean="0"/>
+              <a:t>等等，该初始化上下文应该只加载</a:t>
+            </a:r>
+            <a:r>
+              <a:rPr lang="en-US" altLang="zh-CN" dirty="0" smtClean="0"/>
+              <a:t>Web</a:t>
+            </a:r>
+            <a:r>
+              <a:rPr lang="zh-CN" altLang="en-US" dirty="0" smtClean="0"/>
+              <a:t>相关组件。</a:t>
+            </a:r>
+            <a:endParaRPr lang="zh-CN" altLang="en-US" dirty="0"/>
+          </a:p>
+        </p:txBody>
+      </p:sp>
+      <p:sp>
+        <p:nvSpPr>
+          <p:cNvPr id="4" name="灯片编号占位符 3"/>
+          <p:cNvSpPr>
+            <a:spLocks noGrp="1"/>
+          </p:cNvSpPr>
+          <p:nvPr>
+            <p:ph type="sldNum" sz="quarter" idx="10"/>
+          </p:nvPr>
+        </p:nvSpPr>
+        <p:spPr/>
+        <p:txBody>
+          <a:bodyPr/>
+          <a:lstStyle/>
+          <a:p>
+            <a:fld id="{71FE3369-33FF-45DF-AB83-4542779F698D}" type="slidenum">
+              <a:rPr lang="zh-CN" altLang="en-US" smtClean="0"/>
+              <a:t>7</a:t>
             </a:fld>
             <a:endParaRPr lang="zh-CN" altLang="en-US"/>
           </a:p>
@@ -1905,7 +2065,7 @@
           <a:p>
             <a:fld id="{530820CF-B880-4189-942D-D702A7CBA730}" type="datetimeFigureOut">
               <a:rPr lang="zh-CN" altLang="en-US" smtClean="0"/>
-              <a:t>2017/5/8</a:t>
+              <a:t>2017/7/20</a:t>
             </a:fld>
             <a:endParaRPr lang="zh-CN" altLang="en-US"/>
           </a:p>
@@ -2070,7 +2230,7 @@
           <a:p>
             <a:fld id="{530820CF-B880-4189-942D-D702A7CBA730}" type="datetimeFigureOut">
               <a:rPr lang="zh-CN" altLang="en-US" smtClean="0"/>
-              <a:t>2017/5/8</a:t>
+              <a:t>2017/7/20</a:t>
             </a:fld>
             <a:endParaRPr lang="zh-CN" altLang="en-US"/>
           </a:p>
@@ -2245,7 +2405,7 @@
           <a:p>
             <a:fld id="{530820CF-B880-4189-942D-D702A7CBA730}" type="datetimeFigureOut">
               <a:rPr lang="zh-CN" altLang="en-US" smtClean="0"/>
-              <a:t>2017/5/8</a:t>
+              <a:t>2017/7/20</a:t>
             </a:fld>
             <a:endParaRPr lang="zh-CN" altLang="en-US"/>
           </a:p>
@@ -2410,7 +2570,7 @@
           <a:p>
             <a:fld id="{530820CF-B880-4189-942D-D702A7CBA730}" type="datetimeFigureOut">
               <a:rPr lang="zh-CN" altLang="en-US" smtClean="0"/>
-              <a:t>2017/5/8</a:t>
+              <a:t>2017/7/20</a:t>
             </a:fld>
             <a:endParaRPr lang="zh-CN" altLang="en-US"/>
           </a:p>
@@ -2651,7 +2811,7 @@
           <a:p>
             <a:fld id="{530820CF-B880-4189-942D-D702A7CBA730}" type="datetimeFigureOut">
               <a:rPr lang="zh-CN" altLang="en-US" smtClean="0"/>
-              <a:t>2017/5/8</a:t>
+              <a:t>2017/7/20</a:t>
             </a:fld>
             <a:endParaRPr lang="zh-CN" altLang="en-US"/>
           </a:p>
@@ -2934,7 +3094,7 @@
           <a:p>
             <a:fld id="{530820CF-B880-4189-942D-D702A7CBA730}" type="datetimeFigureOut">
               <a:rPr lang="zh-CN" altLang="en-US" smtClean="0"/>
-              <a:t>2017/5/8</a:t>
+              <a:t>2017/7/20</a:t>
             </a:fld>
             <a:endParaRPr lang="zh-CN" altLang="en-US"/>
           </a:p>
@@ -3351,7 +3511,7 @@
           <a:p>
             <a:fld id="{530820CF-B880-4189-942D-D702A7CBA730}" type="datetimeFigureOut">
               <a:rPr lang="zh-CN" altLang="en-US" smtClean="0"/>
-              <a:t>2017/5/8</a:t>
+              <a:t>2017/7/20</a:t>
             </a:fld>
             <a:endParaRPr lang="zh-CN" altLang="en-US"/>
           </a:p>
@@ -3464,7 +3624,7 @@
           <a:p>
             <a:fld id="{530820CF-B880-4189-942D-D702A7CBA730}" type="datetimeFigureOut">
               <a:rPr lang="zh-CN" altLang="en-US" smtClean="0"/>
-              <a:t>2017/5/8</a:t>
+              <a:t>2017/7/20</a:t>
             </a:fld>
             <a:endParaRPr lang="zh-CN" altLang="en-US"/>
           </a:p>
@@ -3554,7 +3714,7 @@
           <a:p>
             <a:fld id="{530820CF-B880-4189-942D-D702A7CBA730}" type="datetimeFigureOut">
               <a:rPr lang="zh-CN" altLang="en-US" smtClean="0"/>
-              <a:t>2017/5/8</a:t>
+              <a:t>2017/7/20</a:t>
             </a:fld>
             <a:endParaRPr lang="zh-CN" altLang="en-US"/>
           </a:p>
@@ -3826,7 +3986,7 @@
           <a:p>
             <a:fld id="{530820CF-B880-4189-942D-D702A7CBA730}" type="datetimeFigureOut">
               <a:rPr lang="zh-CN" altLang="en-US" smtClean="0"/>
-              <a:t>2017/5/8</a:t>
+              <a:t>2017/7/20</a:t>
             </a:fld>
             <a:endParaRPr lang="zh-CN" altLang="en-US"/>
           </a:p>
@@ -4074,7 +4234,7 @@
           <a:p>
             <a:fld id="{530820CF-B880-4189-942D-D702A7CBA730}" type="datetimeFigureOut">
               <a:rPr lang="zh-CN" altLang="en-US" smtClean="0"/>
-              <a:t>2017/5/8</a:t>
+              <a:t>2017/7/20</a:t>
             </a:fld>
             <a:endParaRPr lang="zh-CN" altLang="en-US"/>
           </a:p>
@@ -4282,7 +4442,7 @@
           <a:p>
             <a:fld id="{530820CF-B880-4189-942D-D702A7CBA730}" type="datetimeFigureOut">
               <a:rPr lang="zh-CN" altLang="en-US" smtClean="0"/>
-              <a:t>2017/5/8</a:t>
+              <a:t>2017/7/20</a:t>
             </a:fld>
             <a:endParaRPr lang="zh-CN" altLang="en-US"/>
           </a:p>
@@ -7998,8 +8158,8 @@
         </p:nvSpPr>
         <p:spPr>
           <a:xfrm>
-            <a:off x="2160180" y="2501253"/>
-            <a:ext cx="4354023" cy="874368"/>
+            <a:off x="2160183" y="2345454"/>
+            <a:ext cx="4354023" cy="370312"/>
           </a:xfrm>
           <a:prstGeom prst="rect">
             <a:avLst/>
@@ -8044,7 +8204,7 @@
         </p:nvSpPr>
         <p:spPr>
           <a:xfrm>
-            <a:off x="2160180" y="1287389"/>
+            <a:off x="2160183" y="1131590"/>
             <a:ext cx="4354022" cy="864096"/>
           </a:xfrm>
           <a:prstGeom prst="rect">
@@ -8093,7 +8253,1631 @@
         </p:nvSpPr>
         <p:spPr>
           <a:xfrm>
-            <a:off x="2747526" y="0"/>
+            <a:off x="0" y="0"/>
+            <a:ext cx="3416320" cy="369332"/>
+          </a:xfrm>
+          <a:prstGeom prst="rect">
+            <a:avLst/>
+          </a:prstGeom>
+        </p:spPr>
+        <p:txBody>
+          <a:bodyPr wrap="none">
+            <a:spAutoFit/>
+          </a:bodyPr>
+          <a:lstStyle/>
+          <a:p>
+            <a:r>
+              <a:rPr lang="zh-CN" altLang="en-US" dirty="0"/>
+              <a:t>基于前后端</a:t>
+            </a:r>
+            <a:r>
+              <a:rPr lang="zh-CN" altLang="en-US" dirty="0" smtClean="0"/>
+              <a:t>分离的请求处理过程</a:t>
+            </a:r>
+            <a:endParaRPr lang="zh-CN" altLang="en-US" dirty="0"/>
+          </a:p>
+        </p:txBody>
+      </p:sp>
+      <p:sp>
+        <p:nvSpPr>
+          <p:cNvPr id="3" name="矩形 2"/>
+          <p:cNvSpPr/>
+          <p:nvPr/>
+        </p:nvSpPr>
+        <p:spPr>
+          <a:xfrm>
+            <a:off x="2726897" y="416678"/>
+            <a:ext cx="3141247" cy="423607"/>
+          </a:xfrm>
+          <a:prstGeom prst="rect">
+            <a:avLst/>
+          </a:prstGeom>
+          <a:solidFill>
+            <a:srgbClr val="BEE395"/>
+          </a:solidFill>
+          <a:ln>
+            <a:noFill/>
+          </a:ln>
+        </p:spPr>
+        <p:style>
+          <a:lnRef idx="2">
+            <a:schemeClr val="accent3"/>
+          </a:lnRef>
+          <a:fillRef idx="1">
+            <a:schemeClr val="lt1"/>
+          </a:fillRef>
+          <a:effectRef idx="0">
+            <a:schemeClr val="accent3"/>
+          </a:effectRef>
+          <a:fontRef idx="minor">
+            <a:schemeClr val="dk1"/>
+          </a:fontRef>
+        </p:style>
+        <p:txBody>
+          <a:bodyPr rtlCol="0" anchor="ctr"/>
+          <a:lstStyle/>
+          <a:p>
+            <a:pPr algn="ctr"/>
+            <a:endParaRPr lang="en-US" altLang="zh-CN" sz="1200" dirty="0" smtClean="0"/>
+          </a:p>
+        </p:txBody>
+      </p:sp>
+      <p:sp>
+        <p:nvSpPr>
+          <p:cNvPr id="4" name="矩形 3"/>
+          <p:cNvSpPr/>
+          <p:nvPr/>
+        </p:nvSpPr>
+        <p:spPr>
+          <a:xfrm>
+            <a:off x="2363780" y="1426388"/>
+            <a:ext cx="933156" cy="288032"/>
+          </a:xfrm>
+          <a:prstGeom prst="rect">
+            <a:avLst/>
+          </a:prstGeom>
+        </p:spPr>
+        <p:style>
+          <a:lnRef idx="2">
+            <a:schemeClr val="accent1"/>
+          </a:lnRef>
+          <a:fillRef idx="1">
+            <a:schemeClr val="lt1"/>
+          </a:fillRef>
+          <a:effectRef idx="0">
+            <a:schemeClr val="accent1"/>
+          </a:effectRef>
+          <a:fontRef idx="minor">
+            <a:schemeClr val="dk1"/>
+          </a:fontRef>
+        </p:style>
+        <p:txBody>
+          <a:bodyPr rtlCol="0" anchor="ctr"/>
+          <a:lstStyle/>
+          <a:p>
+            <a:pPr algn="ctr"/>
+            <a:r>
+              <a:rPr lang="en-US" altLang="zh-CN" sz="1200" dirty="0" smtClean="0"/>
+              <a:t>Filter1</a:t>
+            </a:r>
+            <a:endParaRPr lang="zh-CN" altLang="en-US" sz="1200" dirty="0"/>
+          </a:p>
+        </p:txBody>
+      </p:sp>
+      <p:sp>
+        <p:nvSpPr>
+          <p:cNvPr id="6" name="矩形 5"/>
+          <p:cNvSpPr/>
+          <p:nvPr/>
+        </p:nvSpPr>
+        <p:spPr>
+          <a:xfrm>
+            <a:off x="5358966" y="1419622"/>
+            <a:ext cx="933156" cy="288032"/>
+          </a:xfrm>
+          <a:prstGeom prst="rect">
+            <a:avLst/>
+          </a:prstGeom>
+        </p:spPr>
+        <p:style>
+          <a:lnRef idx="2">
+            <a:schemeClr val="accent1"/>
+          </a:lnRef>
+          <a:fillRef idx="1">
+            <a:schemeClr val="lt1"/>
+          </a:fillRef>
+          <a:effectRef idx="0">
+            <a:schemeClr val="accent1"/>
+          </a:effectRef>
+          <a:fontRef idx="minor">
+            <a:schemeClr val="dk1"/>
+          </a:fontRef>
+        </p:style>
+        <p:txBody>
+          <a:bodyPr rtlCol="0" anchor="ctr"/>
+          <a:lstStyle/>
+          <a:p>
+            <a:pPr algn="ctr"/>
+            <a:r>
+              <a:rPr lang="en-US" altLang="zh-CN" sz="1200" dirty="0" smtClean="0"/>
+              <a:t>FilterN</a:t>
+            </a:r>
+            <a:endParaRPr lang="zh-CN" altLang="en-US" sz="1200" dirty="0"/>
+          </a:p>
+        </p:txBody>
+      </p:sp>
+      <p:sp>
+        <p:nvSpPr>
+          <p:cNvPr id="7" name="矩形 6"/>
+          <p:cNvSpPr/>
+          <p:nvPr/>
+        </p:nvSpPr>
+        <p:spPr>
+          <a:xfrm>
+            <a:off x="3831393" y="1428068"/>
+            <a:ext cx="933156" cy="288032"/>
+          </a:xfrm>
+          <a:prstGeom prst="rect">
+            <a:avLst/>
+          </a:prstGeom>
+        </p:spPr>
+        <p:style>
+          <a:lnRef idx="2">
+            <a:schemeClr val="accent1"/>
+          </a:lnRef>
+          <a:fillRef idx="1">
+            <a:schemeClr val="lt1"/>
+          </a:fillRef>
+          <a:effectRef idx="0">
+            <a:schemeClr val="accent1"/>
+          </a:effectRef>
+          <a:fontRef idx="minor">
+            <a:schemeClr val="dk1"/>
+          </a:fontRef>
+        </p:style>
+        <p:txBody>
+          <a:bodyPr rtlCol="0" anchor="ctr"/>
+          <a:lstStyle/>
+          <a:p>
+            <a:pPr algn="ctr"/>
+            <a:r>
+              <a:rPr lang="en-US" altLang="zh-CN" sz="1200" dirty="0" smtClean="0"/>
+              <a:t>…</a:t>
+            </a:r>
+            <a:endParaRPr lang="zh-CN" altLang="en-US" sz="1200" dirty="0"/>
+          </a:p>
+        </p:txBody>
+      </p:sp>
+      <p:sp>
+        <p:nvSpPr>
+          <p:cNvPr id="13" name="TextBox 12"/>
+          <p:cNvSpPr txBox="1"/>
+          <p:nvPr/>
+        </p:nvSpPr>
+        <p:spPr>
+          <a:xfrm>
+            <a:off x="2843808" y="483518"/>
+            <a:ext cx="558267" cy="276999"/>
+          </a:xfrm>
+          <a:prstGeom prst="rect">
+            <a:avLst/>
+          </a:prstGeom>
+          <a:noFill/>
+        </p:spPr>
+        <p:txBody>
+          <a:bodyPr wrap="square" rtlCol="0">
+            <a:spAutoFit/>
+          </a:bodyPr>
+          <a:lstStyle/>
+          <a:p>
+            <a:r>
+              <a:rPr lang="zh-CN" altLang="en-US" sz="1200" dirty="0" smtClean="0"/>
+              <a:t>前端</a:t>
+            </a:r>
+            <a:endParaRPr lang="zh-CN" altLang="en-US" sz="1200" dirty="0"/>
+          </a:p>
+        </p:txBody>
+      </p:sp>
+      <p:sp>
+        <p:nvSpPr>
+          <p:cNvPr id="14" name="矩形 13"/>
+          <p:cNvSpPr/>
+          <p:nvPr/>
+        </p:nvSpPr>
+        <p:spPr>
+          <a:xfrm>
+            <a:off x="3923928" y="479296"/>
+            <a:ext cx="648072" cy="298371"/>
+          </a:xfrm>
+          <a:prstGeom prst="rect">
+            <a:avLst/>
+          </a:prstGeom>
+        </p:spPr>
+        <p:style>
+          <a:lnRef idx="2">
+            <a:schemeClr val="accent3"/>
+          </a:lnRef>
+          <a:fillRef idx="1">
+            <a:schemeClr val="lt1"/>
+          </a:fillRef>
+          <a:effectRef idx="0">
+            <a:schemeClr val="accent3"/>
+          </a:effectRef>
+          <a:fontRef idx="minor">
+            <a:schemeClr val="dk1"/>
+          </a:fontRef>
+        </p:style>
+        <p:txBody>
+          <a:bodyPr rtlCol="0" anchor="ctr"/>
+          <a:lstStyle/>
+          <a:p>
+            <a:pPr algn="ctr"/>
+            <a:r>
+              <a:rPr lang="zh-CN" altLang="en-US" sz="1200" dirty="0"/>
+              <a:t>浏览器</a:t>
+            </a:r>
+            <a:endParaRPr lang="en-US" altLang="zh-CN" sz="1200" dirty="0"/>
+          </a:p>
+        </p:txBody>
+      </p:sp>
+      <p:sp>
+        <p:nvSpPr>
+          <p:cNvPr id="15" name="矩形 14"/>
+          <p:cNvSpPr/>
+          <p:nvPr/>
+        </p:nvSpPr>
+        <p:spPr>
+          <a:xfrm>
+            <a:off x="4958332" y="479296"/>
+            <a:ext cx="648072" cy="306847"/>
+          </a:xfrm>
+          <a:prstGeom prst="rect">
+            <a:avLst/>
+          </a:prstGeom>
+        </p:spPr>
+        <p:style>
+          <a:lnRef idx="2">
+            <a:schemeClr val="accent3"/>
+          </a:lnRef>
+          <a:fillRef idx="1">
+            <a:schemeClr val="lt1"/>
+          </a:fillRef>
+          <a:effectRef idx="0">
+            <a:schemeClr val="accent3"/>
+          </a:effectRef>
+          <a:fontRef idx="minor">
+            <a:schemeClr val="dk1"/>
+          </a:fontRef>
+        </p:style>
+        <p:txBody>
+          <a:bodyPr rtlCol="0" anchor="ctr"/>
+          <a:lstStyle/>
+          <a:p>
+            <a:pPr algn="ctr"/>
+            <a:r>
+              <a:rPr lang="zh-CN" altLang="en-US" sz="1200" dirty="0" smtClean="0"/>
+              <a:t>移动端</a:t>
+            </a:r>
+            <a:endParaRPr lang="en-US" altLang="zh-CN" sz="1200" dirty="0"/>
+          </a:p>
+        </p:txBody>
+      </p:sp>
+      <p:sp>
+        <p:nvSpPr>
+          <p:cNvPr id="19" name="矩形 18"/>
+          <p:cNvSpPr/>
+          <p:nvPr/>
+        </p:nvSpPr>
+        <p:spPr>
+          <a:xfrm>
+            <a:off x="3661511" y="2372275"/>
+            <a:ext cx="1272015" cy="276999"/>
+          </a:xfrm>
+          <a:prstGeom prst="rect">
+            <a:avLst/>
+          </a:prstGeom>
+        </p:spPr>
+        <p:txBody>
+          <a:bodyPr wrap="none">
+            <a:spAutoFit/>
+          </a:bodyPr>
+          <a:lstStyle/>
+          <a:p>
+            <a:r>
+              <a:rPr lang="en-US" altLang="zh-CN" sz="1200" dirty="0" smtClean="0"/>
+              <a:t>dispatcherServlet</a:t>
+            </a:r>
+            <a:endParaRPr lang="zh-CN" altLang="en-US" sz="1200" dirty="0"/>
+          </a:p>
+        </p:txBody>
+      </p:sp>
+      <p:sp>
+        <p:nvSpPr>
+          <p:cNvPr id="22" name="矩形 21"/>
+          <p:cNvSpPr/>
+          <p:nvPr/>
+        </p:nvSpPr>
+        <p:spPr>
+          <a:xfrm>
+            <a:off x="2880045" y="3537906"/>
+            <a:ext cx="2952328" cy="377900"/>
+          </a:xfrm>
+          <a:prstGeom prst="rect">
+            <a:avLst/>
+          </a:prstGeom>
+          <a:solidFill>
+            <a:schemeClr val="bg1">
+              <a:lumMod val="95000"/>
+            </a:schemeClr>
+          </a:solidFill>
+          <a:ln w="9525">
+            <a:solidFill>
+              <a:schemeClr val="bg1">
+                <a:lumMod val="50000"/>
+              </a:schemeClr>
+            </a:solidFill>
+            <a:prstDash val="dash"/>
+          </a:ln>
+        </p:spPr>
+        <p:style>
+          <a:lnRef idx="2">
+            <a:schemeClr val="accent1">
+              <a:shade val="50000"/>
+            </a:schemeClr>
+          </a:lnRef>
+          <a:fillRef idx="1">
+            <a:schemeClr val="accent1"/>
+          </a:fillRef>
+          <a:effectRef idx="0">
+            <a:schemeClr val="accent1"/>
+          </a:effectRef>
+          <a:fontRef idx="minor">
+            <a:schemeClr val="lt1"/>
+          </a:fontRef>
+        </p:style>
+        <p:txBody>
+          <a:bodyPr rtlCol="0" anchor="ctr"/>
+          <a:lstStyle/>
+          <a:p>
+            <a:pPr lvl="0" algn="ctr"/>
+            <a:r>
+              <a:rPr lang="en-US" altLang="zh-CN" sz="1200" dirty="0" smtClean="0">
+                <a:solidFill>
+                  <a:prstClr val="black"/>
+                </a:solidFill>
+              </a:rPr>
+              <a:t>Controllers (handler)</a:t>
+            </a:r>
+            <a:endParaRPr lang="en-US" altLang="zh-CN" sz="1200" dirty="0">
+              <a:solidFill>
+                <a:prstClr val="black"/>
+              </a:solidFill>
+            </a:endParaRPr>
+          </a:p>
+        </p:txBody>
+      </p:sp>
+      <p:sp>
+        <p:nvSpPr>
+          <p:cNvPr id="23" name="矩形 22"/>
+          <p:cNvSpPr/>
+          <p:nvPr/>
+        </p:nvSpPr>
+        <p:spPr>
+          <a:xfrm>
+            <a:off x="3106014" y="4114840"/>
+            <a:ext cx="2500390" cy="360040"/>
+          </a:xfrm>
+          <a:prstGeom prst="rect">
+            <a:avLst/>
+          </a:prstGeom>
+          <a:solidFill>
+            <a:schemeClr val="bg1">
+              <a:lumMod val="95000"/>
+            </a:schemeClr>
+          </a:solidFill>
+          <a:ln w="9525">
+            <a:solidFill>
+              <a:schemeClr val="bg1">
+                <a:lumMod val="50000"/>
+              </a:schemeClr>
+            </a:solidFill>
+            <a:prstDash val="dash"/>
+          </a:ln>
+        </p:spPr>
+        <p:style>
+          <a:lnRef idx="2">
+            <a:schemeClr val="accent1">
+              <a:shade val="50000"/>
+            </a:schemeClr>
+          </a:lnRef>
+          <a:fillRef idx="1">
+            <a:schemeClr val="accent1"/>
+          </a:fillRef>
+          <a:effectRef idx="0">
+            <a:schemeClr val="accent1"/>
+          </a:effectRef>
+          <a:fontRef idx="minor">
+            <a:schemeClr val="lt1"/>
+          </a:fontRef>
+        </p:style>
+        <p:txBody>
+          <a:bodyPr rtlCol="0" anchor="ctr"/>
+          <a:lstStyle/>
+          <a:p>
+            <a:pPr lvl="0" algn="ctr"/>
+            <a:r>
+              <a:rPr lang="en-US" altLang="zh-CN" sz="1200" dirty="0" smtClean="0">
+                <a:solidFill>
+                  <a:prstClr val="black"/>
+                </a:solidFill>
+              </a:rPr>
+              <a:t>Services</a:t>
+            </a:r>
+            <a:endParaRPr lang="zh-CN" altLang="en-US" sz="1200" dirty="0">
+              <a:solidFill>
+                <a:prstClr val="black"/>
+              </a:solidFill>
+            </a:endParaRPr>
+          </a:p>
+        </p:txBody>
+      </p:sp>
+      <p:sp>
+        <p:nvSpPr>
+          <p:cNvPr id="25" name="圆柱形 24"/>
+          <p:cNvSpPr/>
+          <p:nvPr/>
+        </p:nvSpPr>
+        <p:spPr>
+          <a:xfrm>
+            <a:off x="4051228" y="4701987"/>
+            <a:ext cx="609961" cy="390043"/>
+          </a:xfrm>
+          <a:prstGeom prst="can">
+            <a:avLst/>
+          </a:prstGeom>
+          <a:solidFill>
+            <a:schemeClr val="bg1">
+              <a:lumMod val="95000"/>
+            </a:schemeClr>
+          </a:solidFill>
+          <a:ln w="12700">
+            <a:solidFill>
+              <a:schemeClr val="bg1">
+                <a:lumMod val="50000"/>
+              </a:schemeClr>
+            </a:solidFill>
+            <a:prstDash val="dash"/>
+          </a:ln>
+        </p:spPr>
+        <p:style>
+          <a:lnRef idx="2">
+            <a:schemeClr val="accent5"/>
+          </a:lnRef>
+          <a:fillRef idx="1">
+            <a:schemeClr val="lt1"/>
+          </a:fillRef>
+          <a:effectRef idx="0">
+            <a:schemeClr val="accent5"/>
+          </a:effectRef>
+          <a:fontRef idx="minor">
+            <a:schemeClr val="dk1"/>
+          </a:fontRef>
+        </p:style>
+        <p:txBody>
+          <a:bodyPr rtlCol="0" anchor="ctr"/>
+          <a:lstStyle/>
+          <a:p>
+            <a:pPr algn="ctr"/>
+            <a:r>
+              <a:rPr lang="en-US" altLang="zh-CN" sz="1200" dirty="0" smtClean="0"/>
+              <a:t>DB</a:t>
+            </a:r>
+            <a:endParaRPr lang="zh-CN" altLang="en-US" sz="1200" dirty="0"/>
+          </a:p>
+        </p:txBody>
+      </p:sp>
+      <p:cxnSp>
+        <p:nvCxnSpPr>
+          <p:cNvPr id="16" name="直接箭头连接符 15"/>
+          <p:cNvCxnSpPr/>
+          <p:nvPr/>
+        </p:nvCxnSpPr>
+        <p:spPr>
+          <a:xfrm>
+            <a:off x="3859895" y="840285"/>
+            <a:ext cx="0" cy="440382"/>
+          </a:xfrm>
+          <a:prstGeom prst="straightConnector1">
+            <a:avLst/>
+          </a:prstGeom>
+          <a:ln>
+            <a:headEnd type="none" w="med" len="med"/>
+            <a:tailEnd type="none" w="med" len="med"/>
+          </a:ln>
+        </p:spPr>
+        <p:style>
+          <a:lnRef idx="1">
+            <a:schemeClr val="accent1"/>
+          </a:lnRef>
+          <a:fillRef idx="0">
+            <a:schemeClr val="accent1"/>
+          </a:fillRef>
+          <a:effectRef idx="0">
+            <a:schemeClr val="accent1"/>
+          </a:effectRef>
+          <a:fontRef idx="minor">
+            <a:schemeClr val="tx1"/>
+          </a:fontRef>
+        </p:style>
+      </p:cxnSp>
+      <p:cxnSp>
+        <p:nvCxnSpPr>
+          <p:cNvPr id="24" name="直接箭头连接符 23"/>
+          <p:cNvCxnSpPr/>
+          <p:nvPr/>
+        </p:nvCxnSpPr>
+        <p:spPr>
+          <a:xfrm>
+            <a:off x="3853561" y="1851670"/>
+            <a:ext cx="6333" cy="493784"/>
+          </a:xfrm>
+          <a:prstGeom prst="straightConnector1">
+            <a:avLst/>
+          </a:prstGeom>
+          <a:ln>
+            <a:tailEnd type="arrow"/>
+          </a:ln>
+        </p:spPr>
+        <p:style>
+          <a:lnRef idx="1">
+            <a:schemeClr val="accent1"/>
+          </a:lnRef>
+          <a:fillRef idx="0">
+            <a:schemeClr val="accent1"/>
+          </a:fillRef>
+          <a:effectRef idx="0">
+            <a:schemeClr val="accent1"/>
+          </a:effectRef>
+          <a:fontRef idx="minor">
+            <a:schemeClr val="tx1"/>
+          </a:fontRef>
+        </p:style>
+      </p:cxnSp>
+      <p:cxnSp>
+        <p:nvCxnSpPr>
+          <p:cNvPr id="26" name="直接箭头连接符 25"/>
+          <p:cNvCxnSpPr/>
+          <p:nvPr/>
+        </p:nvCxnSpPr>
+        <p:spPr>
+          <a:xfrm>
+            <a:off x="3856727" y="3079813"/>
+            <a:ext cx="3167" cy="458093"/>
+          </a:xfrm>
+          <a:prstGeom prst="straightConnector1">
+            <a:avLst/>
+          </a:prstGeom>
+          <a:ln>
+            <a:prstDash val="dash"/>
+            <a:tailEnd type="arrow"/>
+          </a:ln>
+        </p:spPr>
+        <p:style>
+          <a:lnRef idx="1">
+            <a:schemeClr val="accent1"/>
+          </a:lnRef>
+          <a:fillRef idx="0">
+            <a:schemeClr val="accent1"/>
+          </a:fillRef>
+          <a:effectRef idx="0">
+            <a:schemeClr val="accent1"/>
+          </a:effectRef>
+          <a:fontRef idx="minor">
+            <a:schemeClr val="tx1"/>
+          </a:fontRef>
+        </p:style>
+      </p:cxnSp>
+      <p:cxnSp>
+        <p:nvCxnSpPr>
+          <p:cNvPr id="35" name="肘形连接符 34"/>
+          <p:cNvCxnSpPr/>
+          <p:nvPr/>
+        </p:nvCxnSpPr>
+        <p:spPr>
+          <a:xfrm rot="10800000" flipV="1">
+            <a:off x="2848376" y="2345454"/>
+            <a:ext cx="1020105" cy="303819"/>
+          </a:xfrm>
+          <a:prstGeom prst="bentConnector2">
+            <a:avLst/>
+          </a:prstGeom>
+          <a:ln>
+            <a:tailEnd type="arrow"/>
+          </a:ln>
+        </p:spPr>
+        <p:style>
+          <a:lnRef idx="1">
+            <a:schemeClr val="accent1"/>
+          </a:lnRef>
+          <a:fillRef idx="0">
+            <a:schemeClr val="accent1"/>
+          </a:fillRef>
+          <a:effectRef idx="0">
+            <a:schemeClr val="accent1"/>
+          </a:effectRef>
+          <a:fontRef idx="minor">
+            <a:schemeClr val="tx1"/>
+          </a:fontRef>
+        </p:style>
+      </p:cxnSp>
+      <p:cxnSp>
+        <p:nvCxnSpPr>
+          <p:cNvPr id="47" name="肘形连接符 46"/>
+          <p:cNvCxnSpPr/>
+          <p:nvPr/>
+        </p:nvCxnSpPr>
+        <p:spPr>
+          <a:xfrm rot="5400000">
+            <a:off x="4759782" y="2031087"/>
+            <a:ext cx="142507" cy="1954945"/>
+          </a:xfrm>
+          <a:prstGeom prst="bentConnector2">
+            <a:avLst/>
+          </a:prstGeom>
+          <a:ln>
+            <a:prstDash val="dash"/>
+            <a:headEnd type="none" w="med" len="med"/>
+            <a:tailEnd type="none" w="med" len="med"/>
+          </a:ln>
+        </p:spPr>
+        <p:style>
+          <a:lnRef idx="1">
+            <a:schemeClr val="accent1"/>
+          </a:lnRef>
+          <a:fillRef idx="0">
+            <a:schemeClr val="accent1"/>
+          </a:fillRef>
+          <a:effectRef idx="0">
+            <a:schemeClr val="accent1"/>
+          </a:effectRef>
+          <a:fontRef idx="minor">
+            <a:schemeClr val="tx1"/>
+          </a:fontRef>
+        </p:style>
+      </p:cxnSp>
+      <p:cxnSp>
+        <p:nvCxnSpPr>
+          <p:cNvPr id="55" name="直接箭头连接符 54"/>
+          <p:cNvCxnSpPr/>
+          <p:nvPr/>
+        </p:nvCxnSpPr>
+        <p:spPr>
+          <a:xfrm>
+            <a:off x="4192004" y="3915806"/>
+            <a:ext cx="8587" cy="199034"/>
+          </a:xfrm>
+          <a:prstGeom prst="straightConnector1">
+            <a:avLst/>
+          </a:prstGeom>
+          <a:ln>
+            <a:prstDash val="dash"/>
+            <a:tailEnd type="arrow"/>
+          </a:ln>
+        </p:spPr>
+        <p:style>
+          <a:lnRef idx="1">
+            <a:schemeClr val="accent1"/>
+          </a:lnRef>
+          <a:fillRef idx="0">
+            <a:schemeClr val="accent1"/>
+          </a:fillRef>
+          <a:effectRef idx="0">
+            <a:schemeClr val="accent1"/>
+          </a:effectRef>
+          <a:fontRef idx="minor">
+            <a:schemeClr val="tx1"/>
+          </a:fontRef>
+        </p:style>
+      </p:cxnSp>
+      <p:cxnSp>
+        <p:nvCxnSpPr>
+          <p:cNvPr id="57" name="直接箭头连接符 56"/>
+          <p:cNvCxnSpPr/>
+          <p:nvPr/>
+        </p:nvCxnSpPr>
+        <p:spPr>
+          <a:xfrm>
+            <a:off x="4211960" y="4474880"/>
+            <a:ext cx="0" cy="257110"/>
+          </a:xfrm>
+          <a:prstGeom prst="straightConnector1">
+            <a:avLst/>
+          </a:prstGeom>
+          <a:ln>
+            <a:prstDash val="dash"/>
+            <a:tailEnd type="arrow"/>
+          </a:ln>
+        </p:spPr>
+        <p:style>
+          <a:lnRef idx="1">
+            <a:schemeClr val="accent1"/>
+          </a:lnRef>
+          <a:fillRef idx="0">
+            <a:schemeClr val="accent1"/>
+          </a:fillRef>
+          <a:effectRef idx="0">
+            <a:schemeClr val="accent1"/>
+          </a:effectRef>
+          <a:fontRef idx="minor">
+            <a:schemeClr val="tx1"/>
+          </a:fontRef>
+        </p:style>
+      </p:cxnSp>
+      <p:cxnSp>
+        <p:nvCxnSpPr>
+          <p:cNvPr id="59" name="直接箭头连接符 58"/>
+          <p:cNvCxnSpPr/>
+          <p:nvPr/>
+        </p:nvCxnSpPr>
+        <p:spPr>
+          <a:xfrm flipV="1">
+            <a:off x="4499992" y="4474880"/>
+            <a:ext cx="0" cy="227107"/>
+          </a:xfrm>
+          <a:prstGeom prst="straightConnector1">
+            <a:avLst/>
+          </a:prstGeom>
+          <a:ln>
+            <a:prstDash val="dash"/>
+            <a:tailEnd type="arrow"/>
+          </a:ln>
+        </p:spPr>
+        <p:style>
+          <a:lnRef idx="1">
+            <a:schemeClr val="accent6"/>
+          </a:lnRef>
+          <a:fillRef idx="0">
+            <a:schemeClr val="accent6"/>
+          </a:fillRef>
+          <a:effectRef idx="0">
+            <a:schemeClr val="accent6"/>
+          </a:effectRef>
+          <a:fontRef idx="minor">
+            <a:schemeClr val="tx1"/>
+          </a:fontRef>
+        </p:style>
+      </p:cxnSp>
+      <p:cxnSp>
+        <p:nvCxnSpPr>
+          <p:cNvPr id="61" name="直接箭头连接符 60"/>
+          <p:cNvCxnSpPr/>
+          <p:nvPr/>
+        </p:nvCxnSpPr>
+        <p:spPr>
+          <a:xfrm flipV="1">
+            <a:off x="4499992" y="3915806"/>
+            <a:ext cx="0" cy="199034"/>
+          </a:xfrm>
+          <a:prstGeom prst="straightConnector1">
+            <a:avLst/>
+          </a:prstGeom>
+          <a:ln>
+            <a:prstDash val="dash"/>
+            <a:tailEnd type="arrow"/>
+          </a:ln>
+        </p:spPr>
+        <p:style>
+          <a:lnRef idx="1">
+            <a:schemeClr val="accent6"/>
+          </a:lnRef>
+          <a:fillRef idx="0">
+            <a:schemeClr val="accent6"/>
+          </a:fillRef>
+          <a:effectRef idx="0">
+            <a:schemeClr val="accent6"/>
+          </a:effectRef>
+          <a:fontRef idx="minor">
+            <a:schemeClr val="tx1"/>
+          </a:fontRef>
+        </p:style>
+      </p:cxnSp>
+      <p:sp>
+        <p:nvSpPr>
+          <p:cNvPr id="62" name="矩形 61"/>
+          <p:cNvSpPr/>
+          <p:nvPr/>
+        </p:nvSpPr>
+        <p:spPr>
+          <a:xfrm>
+            <a:off x="3706687" y="3170359"/>
+            <a:ext cx="1182568" cy="276999"/>
+          </a:xfrm>
+          <a:prstGeom prst="rect">
+            <a:avLst/>
+          </a:prstGeom>
+        </p:spPr>
+        <p:txBody>
+          <a:bodyPr wrap="none">
+            <a:spAutoFit/>
+          </a:bodyPr>
+          <a:lstStyle/>
+          <a:p>
+            <a:r>
+              <a:rPr lang="en-US" altLang="zh-CN" sz="1200" dirty="0" smtClean="0"/>
+              <a:t>HandlerAdapter</a:t>
+            </a:r>
+            <a:endParaRPr lang="zh-CN" altLang="en-US" sz="1200" dirty="0"/>
+          </a:p>
+        </p:txBody>
+      </p:sp>
+      <p:cxnSp>
+        <p:nvCxnSpPr>
+          <p:cNvPr id="64" name="直接箭头连接符 63"/>
+          <p:cNvCxnSpPr/>
+          <p:nvPr/>
+        </p:nvCxnSpPr>
+        <p:spPr>
+          <a:xfrm flipV="1">
+            <a:off x="4764549" y="3219823"/>
+            <a:ext cx="0" cy="318083"/>
+          </a:xfrm>
+          <a:prstGeom prst="straightConnector1">
+            <a:avLst/>
+          </a:prstGeom>
+          <a:ln>
+            <a:prstDash val="dash"/>
+            <a:tailEnd type="arrow"/>
+          </a:ln>
+        </p:spPr>
+        <p:style>
+          <a:lnRef idx="1">
+            <a:schemeClr val="accent6"/>
+          </a:lnRef>
+          <a:fillRef idx="0">
+            <a:schemeClr val="accent6"/>
+          </a:fillRef>
+          <a:effectRef idx="0">
+            <a:schemeClr val="accent6"/>
+          </a:effectRef>
+          <a:fontRef idx="minor">
+            <a:schemeClr val="tx1"/>
+          </a:fontRef>
+        </p:style>
+      </p:cxnSp>
+      <p:cxnSp>
+        <p:nvCxnSpPr>
+          <p:cNvPr id="66" name="直接箭头连接符 65"/>
+          <p:cNvCxnSpPr/>
+          <p:nvPr/>
+        </p:nvCxnSpPr>
+        <p:spPr>
+          <a:xfrm flipV="1">
+            <a:off x="4764549" y="1995686"/>
+            <a:ext cx="0" cy="349768"/>
+          </a:xfrm>
+          <a:prstGeom prst="straightConnector1">
+            <a:avLst/>
+          </a:prstGeom>
+          <a:ln>
+            <a:headEnd type="none" w="med" len="med"/>
+            <a:tailEnd type="none" w="med" len="med"/>
+          </a:ln>
+        </p:spPr>
+        <p:style>
+          <a:lnRef idx="1">
+            <a:schemeClr val="accent6"/>
+          </a:lnRef>
+          <a:fillRef idx="0">
+            <a:schemeClr val="accent6"/>
+          </a:fillRef>
+          <a:effectRef idx="0">
+            <a:schemeClr val="accent6"/>
+          </a:effectRef>
+          <a:fontRef idx="minor">
+            <a:schemeClr val="tx1"/>
+          </a:fontRef>
+        </p:style>
+      </p:cxnSp>
+      <p:cxnSp>
+        <p:nvCxnSpPr>
+          <p:cNvPr id="70" name="肘形连接符 69"/>
+          <p:cNvCxnSpPr>
+            <a:endCxn id="4" idx="0"/>
+          </p:cNvCxnSpPr>
+          <p:nvPr/>
+        </p:nvCxnSpPr>
+        <p:spPr>
+          <a:xfrm rot="10800000" flipV="1">
+            <a:off x="2830359" y="1280668"/>
+            <a:ext cx="1035211" cy="145719"/>
+          </a:xfrm>
+          <a:prstGeom prst="bentConnector2">
+            <a:avLst/>
+          </a:prstGeom>
+          <a:ln>
+            <a:tailEnd type="arrow"/>
+          </a:ln>
+        </p:spPr>
+        <p:style>
+          <a:lnRef idx="1">
+            <a:schemeClr val="accent1"/>
+          </a:lnRef>
+          <a:fillRef idx="0">
+            <a:schemeClr val="accent1"/>
+          </a:fillRef>
+          <a:effectRef idx="0">
+            <a:schemeClr val="accent1"/>
+          </a:effectRef>
+          <a:fontRef idx="minor">
+            <a:schemeClr val="tx1"/>
+          </a:fontRef>
+        </p:style>
+      </p:cxnSp>
+      <p:cxnSp>
+        <p:nvCxnSpPr>
+          <p:cNvPr id="72" name="直接箭头连接符 71"/>
+          <p:cNvCxnSpPr/>
+          <p:nvPr/>
+        </p:nvCxnSpPr>
+        <p:spPr>
+          <a:xfrm>
+            <a:off x="3296936" y="1633966"/>
+            <a:ext cx="534457" cy="1680"/>
+          </a:xfrm>
+          <a:prstGeom prst="straightConnector1">
+            <a:avLst/>
+          </a:prstGeom>
+          <a:ln>
+            <a:tailEnd type="arrow"/>
+          </a:ln>
+        </p:spPr>
+        <p:style>
+          <a:lnRef idx="1">
+            <a:schemeClr val="accent1"/>
+          </a:lnRef>
+          <a:fillRef idx="0">
+            <a:schemeClr val="accent1"/>
+          </a:fillRef>
+          <a:effectRef idx="0">
+            <a:schemeClr val="accent1"/>
+          </a:effectRef>
+          <a:fontRef idx="minor">
+            <a:schemeClr val="tx1"/>
+          </a:fontRef>
+        </p:style>
+      </p:cxnSp>
+      <p:cxnSp>
+        <p:nvCxnSpPr>
+          <p:cNvPr id="74" name="直接箭头连接符 73"/>
+          <p:cNvCxnSpPr/>
+          <p:nvPr/>
+        </p:nvCxnSpPr>
+        <p:spPr>
+          <a:xfrm flipV="1">
+            <a:off x="4764549" y="1627200"/>
+            <a:ext cx="594417" cy="8446"/>
+          </a:xfrm>
+          <a:prstGeom prst="straightConnector1">
+            <a:avLst/>
+          </a:prstGeom>
+          <a:ln>
+            <a:tailEnd type="arrow"/>
+          </a:ln>
+        </p:spPr>
+        <p:style>
+          <a:lnRef idx="1">
+            <a:schemeClr val="accent1"/>
+          </a:lnRef>
+          <a:fillRef idx="0">
+            <a:schemeClr val="accent1"/>
+          </a:fillRef>
+          <a:effectRef idx="0">
+            <a:schemeClr val="accent1"/>
+          </a:effectRef>
+          <a:fontRef idx="minor">
+            <a:schemeClr val="tx1"/>
+          </a:fontRef>
+        </p:style>
+      </p:cxnSp>
+      <p:cxnSp>
+        <p:nvCxnSpPr>
+          <p:cNvPr id="78" name="肘形连接符 77"/>
+          <p:cNvCxnSpPr>
+            <a:stCxn id="6" idx="2"/>
+          </p:cNvCxnSpPr>
+          <p:nvPr/>
+        </p:nvCxnSpPr>
+        <p:spPr>
+          <a:xfrm rot="5400000">
+            <a:off x="4767545" y="793671"/>
+            <a:ext cx="144016" cy="1971983"/>
+          </a:xfrm>
+          <a:prstGeom prst="bentConnector2">
+            <a:avLst/>
+          </a:prstGeom>
+          <a:ln>
+            <a:tailEnd type="arrow"/>
+          </a:ln>
+        </p:spPr>
+        <p:style>
+          <a:lnRef idx="1">
+            <a:schemeClr val="accent1"/>
+          </a:lnRef>
+          <a:fillRef idx="0">
+            <a:schemeClr val="accent1"/>
+          </a:fillRef>
+          <a:effectRef idx="0">
+            <a:schemeClr val="accent1"/>
+          </a:effectRef>
+          <a:fontRef idx="minor">
+            <a:schemeClr val="tx1"/>
+          </a:fontRef>
+        </p:style>
+      </p:cxnSp>
+      <p:cxnSp>
+        <p:nvCxnSpPr>
+          <p:cNvPr id="20" name="直接连接符 19"/>
+          <p:cNvCxnSpPr/>
+          <p:nvPr/>
+        </p:nvCxnSpPr>
+        <p:spPr>
+          <a:xfrm>
+            <a:off x="4764549" y="1995686"/>
+            <a:ext cx="1175603" cy="0"/>
+          </a:xfrm>
+          <a:prstGeom prst="line">
+            <a:avLst/>
+          </a:prstGeom>
+        </p:spPr>
+        <p:style>
+          <a:lnRef idx="1">
+            <a:schemeClr val="accent6"/>
+          </a:lnRef>
+          <a:fillRef idx="0">
+            <a:schemeClr val="accent6"/>
+          </a:fillRef>
+          <a:effectRef idx="0">
+            <a:schemeClr val="accent6"/>
+          </a:effectRef>
+          <a:fontRef idx="minor">
+            <a:schemeClr val="tx1"/>
+          </a:fontRef>
+        </p:style>
+      </p:cxnSp>
+      <p:cxnSp>
+        <p:nvCxnSpPr>
+          <p:cNvPr id="27" name="直接箭头连接符 26"/>
+          <p:cNvCxnSpPr/>
+          <p:nvPr/>
+        </p:nvCxnSpPr>
+        <p:spPr>
+          <a:xfrm flipV="1">
+            <a:off x="5940152" y="1716100"/>
+            <a:ext cx="0" cy="279586"/>
+          </a:xfrm>
+          <a:prstGeom prst="straightConnector1">
+            <a:avLst/>
+          </a:prstGeom>
+          <a:ln>
+            <a:tailEnd type="arrow"/>
+          </a:ln>
+        </p:spPr>
+        <p:style>
+          <a:lnRef idx="1">
+            <a:schemeClr val="accent6"/>
+          </a:lnRef>
+          <a:fillRef idx="0">
+            <a:schemeClr val="accent6"/>
+          </a:fillRef>
+          <a:effectRef idx="0">
+            <a:schemeClr val="accent6"/>
+          </a:effectRef>
+          <a:fontRef idx="minor">
+            <a:schemeClr val="tx1"/>
+          </a:fontRef>
+        </p:style>
+      </p:cxnSp>
+      <p:cxnSp>
+        <p:nvCxnSpPr>
+          <p:cNvPr id="31" name="直接箭头连接符 30"/>
+          <p:cNvCxnSpPr/>
+          <p:nvPr/>
+        </p:nvCxnSpPr>
+        <p:spPr>
+          <a:xfrm flipH="1">
+            <a:off x="4764549" y="1491630"/>
+            <a:ext cx="577380" cy="1681"/>
+          </a:xfrm>
+          <a:prstGeom prst="straightConnector1">
+            <a:avLst/>
+          </a:prstGeom>
+          <a:ln>
+            <a:tailEnd type="arrow"/>
+          </a:ln>
+        </p:spPr>
+        <p:style>
+          <a:lnRef idx="1">
+            <a:schemeClr val="accent6"/>
+          </a:lnRef>
+          <a:fillRef idx="0">
+            <a:schemeClr val="accent6"/>
+          </a:fillRef>
+          <a:effectRef idx="0">
+            <a:schemeClr val="accent6"/>
+          </a:effectRef>
+          <a:fontRef idx="minor">
+            <a:schemeClr val="tx1"/>
+          </a:fontRef>
+        </p:style>
+      </p:cxnSp>
+      <p:cxnSp>
+        <p:nvCxnSpPr>
+          <p:cNvPr id="37" name="直接箭头连接符 36"/>
+          <p:cNvCxnSpPr/>
+          <p:nvPr/>
+        </p:nvCxnSpPr>
+        <p:spPr>
+          <a:xfrm flipH="1">
+            <a:off x="3275857" y="1491630"/>
+            <a:ext cx="549806" cy="0"/>
+          </a:xfrm>
+          <a:prstGeom prst="straightConnector1">
+            <a:avLst/>
+          </a:prstGeom>
+          <a:ln>
+            <a:tailEnd type="arrow"/>
+          </a:ln>
+        </p:spPr>
+        <p:style>
+          <a:lnRef idx="1">
+            <a:schemeClr val="accent6"/>
+          </a:lnRef>
+          <a:fillRef idx="0">
+            <a:schemeClr val="accent6"/>
+          </a:fillRef>
+          <a:effectRef idx="0">
+            <a:schemeClr val="accent6"/>
+          </a:effectRef>
+          <a:fontRef idx="minor">
+            <a:schemeClr val="tx1"/>
+          </a:fontRef>
+        </p:style>
+      </p:cxnSp>
+      <p:cxnSp>
+        <p:nvCxnSpPr>
+          <p:cNvPr id="42" name="直接连接符 41"/>
+          <p:cNvCxnSpPr/>
+          <p:nvPr/>
+        </p:nvCxnSpPr>
+        <p:spPr>
+          <a:xfrm flipV="1">
+            <a:off x="2987824" y="1347614"/>
+            <a:ext cx="0" cy="78773"/>
+          </a:xfrm>
+          <a:prstGeom prst="line">
+            <a:avLst/>
+          </a:prstGeom>
+        </p:spPr>
+        <p:style>
+          <a:lnRef idx="1">
+            <a:schemeClr val="accent6"/>
+          </a:lnRef>
+          <a:fillRef idx="0">
+            <a:schemeClr val="accent6"/>
+          </a:fillRef>
+          <a:effectRef idx="0">
+            <a:schemeClr val="accent6"/>
+          </a:effectRef>
+          <a:fontRef idx="minor">
+            <a:schemeClr val="tx1"/>
+          </a:fontRef>
+        </p:style>
+      </p:cxnSp>
+      <p:cxnSp>
+        <p:nvCxnSpPr>
+          <p:cNvPr id="46" name="直接连接符 45"/>
+          <p:cNvCxnSpPr/>
+          <p:nvPr/>
+        </p:nvCxnSpPr>
+        <p:spPr>
+          <a:xfrm>
+            <a:off x="2987824" y="1347614"/>
+            <a:ext cx="2016224" cy="0"/>
+          </a:xfrm>
+          <a:prstGeom prst="line">
+            <a:avLst/>
+          </a:prstGeom>
+        </p:spPr>
+        <p:style>
+          <a:lnRef idx="1">
+            <a:schemeClr val="accent6"/>
+          </a:lnRef>
+          <a:fillRef idx="0">
+            <a:schemeClr val="accent6"/>
+          </a:fillRef>
+          <a:effectRef idx="0">
+            <a:schemeClr val="accent6"/>
+          </a:effectRef>
+          <a:fontRef idx="minor">
+            <a:schemeClr val="tx1"/>
+          </a:fontRef>
+        </p:style>
+      </p:cxnSp>
+      <p:cxnSp>
+        <p:nvCxnSpPr>
+          <p:cNvPr id="49" name="直接箭头连接符 48"/>
+          <p:cNvCxnSpPr/>
+          <p:nvPr/>
+        </p:nvCxnSpPr>
+        <p:spPr>
+          <a:xfrm flipV="1">
+            <a:off x="5004048" y="840285"/>
+            <a:ext cx="0" cy="507329"/>
+          </a:xfrm>
+          <a:prstGeom prst="straightConnector1">
+            <a:avLst/>
+          </a:prstGeom>
+          <a:ln>
+            <a:tailEnd type="arrow"/>
+          </a:ln>
+        </p:spPr>
+        <p:style>
+          <a:lnRef idx="1">
+            <a:schemeClr val="accent6"/>
+          </a:lnRef>
+          <a:fillRef idx="0">
+            <a:schemeClr val="accent6"/>
+          </a:fillRef>
+          <a:effectRef idx="0">
+            <a:schemeClr val="accent6"/>
+          </a:effectRef>
+          <a:fontRef idx="minor">
+            <a:schemeClr val="tx1"/>
+          </a:fontRef>
+        </p:style>
+      </p:cxnSp>
+      <p:sp>
+        <p:nvSpPr>
+          <p:cNvPr id="50" name="TextBox 49"/>
+          <p:cNvSpPr txBox="1"/>
+          <p:nvPr/>
+        </p:nvSpPr>
+        <p:spPr>
+          <a:xfrm>
+            <a:off x="5061757" y="854591"/>
+            <a:ext cx="753283" cy="276999"/>
+          </a:xfrm>
+          <a:prstGeom prst="rect">
+            <a:avLst/>
+          </a:prstGeom>
+          <a:noFill/>
+        </p:spPr>
+        <p:txBody>
+          <a:bodyPr wrap="none" rtlCol="0">
+            <a:spAutoFit/>
+          </a:bodyPr>
+          <a:lstStyle/>
+          <a:p>
+            <a:r>
+              <a:rPr lang="en-US" altLang="zh-CN" sz="1200" dirty="0" smtClean="0">
+                <a:solidFill>
+                  <a:schemeClr val="accent6">
+                    <a:lumMod val="75000"/>
+                  </a:schemeClr>
+                </a:solidFill>
+              </a:rPr>
+              <a:t>response</a:t>
+            </a:r>
+            <a:endParaRPr lang="zh-CN" altLang="en-US" sz="1200" dirty="0">
+              <a:solidFill>
+                <a:schemeClr val="accent6">
+                  <a:lumMod val="75000"/>
+                </a:schemeClr>
+              </a:solidFill>
+            </a:endParaRPr>
+          </a:p>
+        </p:txBody>
+      </p:sp>
+      <p:sp>
+        <p:nvSpPr>
+          <p:cNvPr id="63" name="TextBox 62"/>
+          <p:cNvSpPr txBox="1"/>
+          <p:nvPr/>
+        </p:nvSpPr>
+        <p:spPr>
+          <a:xfrm>
+            <a:off x="3100887" y="854591"/>
+            <a:ext cx="660181" cy="276999"/>
+          </a:xfrm>
+          <a:prstGeom prst="rect">
+            <a:avLst/>
+          </a:prstGeom>
+          <a:noFill/>
+        </p:spPr>
+        <p:txBody>
+          <a:bodyPr wrap="none" rtlCol="0">
+            <a:spAutoFit/>
+          </a:bodyPr>
+          <a:lstStyle/>
+          <a:p>
+            <a:r>
+              <a:rPr lang="en-US" altLang="zh-CN" sz="1200" dirty="0" smtClean="0">
+                <a:solidFill>
+                  <a:schemeClr val="tx2">
+                    <a:lumMod val="75000"/>
+                  </a:schemeClr>
+                </a:solidFill>
+              </a:rPr>
+              <a:t>request</a:t>
+            </a:r>
+            <a:endParaRPr lang="zh-CN" altLang="en-US" sz="1200" dirty="0">
+              <a:solidFill>
+                <a:schemeClr val="tx2">
+                  <a:lumMod val="75000"/>
+                </a:schemeClr>
+              </a:solidFill>
+            </a:endParaRPr>
+          </a:p>
+        </p:txBody>
+      </p:sp>
+      <p:sp>
+        <p:nvSpPr>
+          <p:cNvPr id="65" name="TextBox 64"/>
+          <p:cNvSpPr txBox="1"/>
+          <p:nvPr/>
+        </p:nvSpPr>
+        <p:spPr>
+          <a:xfrm>
+            <a:off x="3129403" y="2032070"/>
+            <a:ext cx="660181" cy="276999"/>
+          </a:xfrm>
+          <a:prstGeom prst="rect">
+            <a:avLst/>
+          </a:prstGeom>
+          <a:noFill/>
+        </p:spPr>
+        <p:txBody>
+          <a:bodyPr wrap="none" rtlCol="0">
+            <a:spAutoFit/>
+          </a:bodyPr>
+          <a:lstStyle/>
+          <a:p>
+            <a:r>
+              <a:rPr lang="en-US" altLang="zh-CN" sz="1200" dirty="0" smtClean="0">
+                <a:solidFill>
+                  <a:schemeClr val="tx2">
+                    <a:lumMod val="75000"/>
+                  </a:schemeClr>
+                </a:solidFill>
+              </a:rPr>
+              <a:t>request</a:t>
+            </a:r>
+            <a:endParaRPr lang="zh-CN" altLang="en-US" sz="1200" dirty="0">
+              <a:solidFill>
+                <a:schemeClr val="tx2">
+                  <a:lumMod val="75000"/>
+                </a:schemeClr>
+              </a:solidFill>
+            </a:endParaRPr>
+          </a:p>
+        </p:txBody>
+      </p:sp>
+      <p:sp>
+        <p:nvSpPr>
+          <p:cNvPr id="69" name="TextBox 68"/>
+          <p:cNvSpPr txBox="1"/>
+          <p:nvPr/>
+        </p:nvSpPr>
+        <p:spPr>
+          <a:xfrm>
+            <a:off x="4831779" y="2032069"/>
+            <a:ext cx="753283" cy="276999"/>
+          </a:xfrm>
+          <a:prstGeom prst="rect">
+            <a:avLst/>
+          </a:prstGeom>
+          <a:noFill/>
+        </p:spPr>
+        <p:txBody>
+          <a:bodyPr wrap="none" rtlCol="0">
+            <a:spAutoFit/>
+          </a:bodyPr>
+          <a:lstStyle/>
+          <a:p>
+            <a:r>
+              <a:rPr lang="en-US" altLang="zh-CN" sz="1200" dirty="0" smtClean="0">
+                <a:solidFill>
+                  <a:schemeClr val="accent6">
+                    <a:lumMod val="75000"/>
+                  </a:schemeClr>
+                </a:solidFill>
+              </a:rPr>
+              <a:t>response</a:t>
+            </a:r>
+            <a:endParaRPr lang="zh-CN" altLang="en-US" sz="1200" dirty="0">
+              <a:solidFill>
+                <a:schemeClr val="accent6">
+                  <a:lumMod val="75000"/>
+                </a:schemeClr>
+              </a:solidFill>
+            </a:endParaRPr>
+          </a:p>
+        </p:txBody>
+      </p:sp>
+      <p:sp>
+        <p:nvSpPr>
+          <p:cNvPr id="51" name="矩形 50"/>
+          <p:cNvSpPr/>
+          <p:nvPr/>
+        </p:nvSpPr>
+        <p:spPr>
+          <a:xfrm>
+            <a:off x="3300916" y="2802814"/>
+            <a:ext cx="2590068" cy="276999"/>
+          </a:xfrm>
+          <a:prstGeom prst="rect">
+            <a:avLst/>
+          </a:prstGeom>
+        </p:spPr>
+        <p:txBody>
+          <a:bodyPr wrap="none">
+            <a:spAutoFit/>
+          </a:bodyPr>
+          <a:lstStyle/>
+          <a:p>
+            <a:r>
+              <a:rPr lang="en-US" altLang="zh-CN" sz="1200" dirty="0" err="1" smtClean="0"/>
+              <a:t>RequestHandlerMapping</a:t>
+            </a:r>
+            <a:r>
+              <a:rPr lang="en-US" altLang="zh-CN" sz="1200" dirty="0" smtClean="0"/>
+              <a:t>: interceptor</a:t>
+            </a:r>
+            <a:endParaRPr lang="zh-CN" altLang="en-US" sz="1200" dirty="0"/>
+          </a:p>
+        </p:txBody>
+      </p:sp>
+    </p:spTree>
+    <p:extLst>
+      <p:ext uri="{BB962C8B-B14F-4D97-AF65-F5344CB8AC3E}">
+        <p14:creationId xmlns:p14="http://schemas.microsoft.com/office/powerpoint/2010/main" val="2525437369"/>
+      </p:ext>
+    </p:extLst>
+  </p:cSld>
+  <p:clrMapOvr>
+    <a:masterClrMapping/>
+  </p:clrMapOvr>
+  <p:timing>
+    <p:tnLst>
+      <p:par>
+        <p:cTn id="1" dur="indefinite" restart="never" nodeType="tmRoot"/>
+      </p:par>
+    </p:tnLst>
+  </p:timing>
+</p:sld>
+</file>
+
+<file path=ppt/slides/slide5.xml><?xml version="1.0" encoding="utf-8"?>
+<p:sld xmlns:a="http://schemas.openxmlformats.org/drawingml/2006/main" xmlns:r="http://schemas.openxmlformats.org/officeDocument/2006/relationships" xmlns:p="http://schemas.openxmlformats.org/presentationml/2006/main">
+  <p:cSld>
+    <p:spTree>
+      <p:nvGrpSpPr>
+        <p:cNvPr id="1" name=""/>
+        <p:cNvGrpSpPr/>
+        <p:nvPr/>
+      </p:nvGrpSpPr>
+      <p:grpSpPr>
+        <a:xfrm>
+          <a:off x="0" y="0"/>
+          <a:ext cx="0" cy="0"/>
+          <a:chOff x="0" y="0"/>
+          <a:chExt cx="0" cy="0"/>
+        </a:xfrm>
+      </p:grpSpPr>
+      <p:sp>
+        <p:nvSpPr>
+          <p:cNvPr id="12" name="矩形 11"/>
+          <p:cNvSpPr/>
+          <p:nvPr/>
+        </p:nvSpPr>
+        <p:spPr>
+          <a:xfrm>
+            <a:off x="792031" y="2633486"/>
+            <a:ext cx="4354023" cy="874368"/>
+          </a:xfrm>
+          <a:prstGeom prst="rect">
+            <a:avLst/>
+          </a:prstGeom>
+          <a:solidFill>
+            <a:srgbClr val="DFC9EF"/>
+          </a:solidFill>
+          <a:ln>
+            <a:noFill/>
+          </a:ln>
+        </p:spPr>
+        <p:style>
+          <a:lnRef idx="2">
+            <a:schemeClr val="accent1">
+              <a:shade val="50000"/>
+            </a:schemeClr>
+          </a:lnRef>
+          <a:fillRef idx="1">
+            <a:schemeClr val="accent1"/>
+          </a:fillRef>
+          <a:effectRef idx="0">
+            <a:schemeClr val="accent1"/>
+          </a:effectRef>
+          <a:fontRef idx="minor">
+            <a:schemeClr val="lt1"/>
+          </a:fontRef>
+        </p:style>
+        <p:txBody>
+          <a:bodyPr rtlCol="0" anchor="ctr"/>
+          <a:lstStyle/>
+          <a:p>
+            <a:pPr algn="ctr"/>
+            <a:endParaRPr lang="zh-CN" altLang="en-US" dirty="0"/>
+          </a:p>
+        </p:txBody>
+      </p:sp>
+      <p:sp>
+        <p:nvSpPr>
+          <p:cNvPr id="8" name="矩形 7"/>
+          <p:cNvSpPr/>
+          <p:nvPr/>
+        </p:nvSpPr>
+        <p:spPr>
+          <a:xfrm>
+            <a:off x="792031" y="1419622"/>
+            <a:ext cx="4354022" cy="864096"/>
+          </a:xfrm>
+          <a:prstGeom prst="rect">
+            <a:avLst/>
+          </a:prstGeom>
+          <a:solidFill>
+            <a:schemeClr val="accent1">
+              <a:lumMod val="20000"/>
+              <a:lumOff val="80000"/>
+            </a:schemeClr>
+          </a:solidFill>
+          <a:ln>
+            <a:noFill/>
+          </a:ln>
+        </p:spPr>
+        <p:style>
+          <a:lnRef idx="2">
+            <a:schemeClr val="accent1">
+              <a:shade val="50000"/>
+            </a:schemeClr>
+          </a:lnRef>
+          <a:fillRef idx="1">
+            <a:schemeClr val="accent1"/>
+          </a:fillRef>
+          <a:effectRef idx="0">
+            <a:schemeClr val="accent1"/>
+          </a:effectRef>
+          <a:fontRef idx="minor">
+            <a:schemeClr val="lt1"/>
+          </a:fontRef>
+        </p:style>
+        <p:txBody>
+          <a:bodyPr rtlCol="0" anchor="ctr"/>
+          <a:lstStyle/>
+          <a:p>
+            <a:pPr algn="ctr"/>
+            <a:endParaRPr lang="zh-CN" altLang="en-US"/>
+          </a:p>
+        </p:txBody>
+      </p:sp>
+      <p:sp>
+        <p:nvSpPr>
+          <p:cNvPr id="2" name="矩形 1"/>
+          <p:cNvSpPr/>
+          <p:nvPr/>
+        </p:nvSpPr>
+        <p:spPr>
+          <a:xfrm>
+            <a:off x="1379377" y="132233"/>
             <a:ext cx="3100884" cy="369332"/>
           </a:xfrm>
           <a:prstGeom prst="rect">
@@ -8116,11 +9900,7 @@
             </a:r>
             <a:r>
               <a:rPr lang="zh-CN" altLang="en-US" dirty="0" smtClean="0"/>
-              <a:t>架构的请求处理</a:t>
-            </a:r>
-            <a:r>
-              <a:rPr lang="zh-CN" altLang="en-US" dirty="0" smtClean="0"/>
-              <a:t>过程</a:t>
+              <a:t>架构的请求处理过程</a:t>
             </a:r>
             <a:endParaRPr lang="zh-CN" altLang="en-US" dirty="0"/>
           </a:p>
@@ -8134,7 +9914,7 @@
         </p:nvSpPr>
         <p:spPr>
           <a:xfrm>
-            <a:off x="2726894" y="572477"/>
+            <a:off x="1358745" y="704710"/>
             <a:ext cx="3141247" cy="423607"/>
           </a:xfrm>
           <a:prstGeom prst="rect">
@@ -8181,7 +9961,7 @@
         </p:nvSpPr>
         <p:spPr>
           <a:xfrm>
-            <a:off x="2363777" y="1582187"/>
+            <a:off x="995628" y="1714420"/>
             <a:ext cx="933156" cy="288032"/>
           </a:xfrm>
           <a:prstGeom prst="rect">
@@ -8223,7 +10003,7 @@
         </p:nvSpPr>
         <p:spPr>
           <a:xfrm>
-            <a:off x="5358963" y="1575421"/>
+            <a:off x="3990814" y="1707654"/>
             <a:ext cx="933156" cy="288032"/>
           </a:xfrm>
           <a:prstGeom prst="rect">
@@ -8265,7 +10045,7 @@
         </p:nvSpPr>
         <p:spPr>
           <a:xfrm>
-            <a:off x="3831390" y="1583867"/>
+            <a:off x="2463241" y="1716100"/>
             <a:ext cx="933156" cy="288032"/>
           </a:xfrm>
           <a:prstGeom prst="rect">
@@ -8307,7 +10087,7 @@
         </p:nvSpPr>
         <p:spPr>
           <a:xfrm>
-            <a:off x="2381794" y="2805073"/>
+            <a:off x="1013645" y="2937306"/>
             <a:ext cx="933156" cy="288032"/>
           </a:xfrm>
           <a:prstGeom prst="rect">
@@ -8349,7 +10129,7 @@
         </p:nvSpPr>
         <p:spPr>
           <a:xfrm>
-            <a:off x="3859891" y="2805073"/>
+            <a:off x="2491742" y="2937306"/>
             <a:ext cx="933156" cy="288032"/>
           </a:xfrm>
           <a:prstGeom prst="rect">
@@ -8391,7 +10171,7 @@
         </p:nvSpPr>
         <p:spPr>
           <a:xfrm>
-            <a:off x="5341926" y="2805073"/>
+            <a:off x="3973777" y="2937306"/>
             <a:ext cx="933156" cy="288032"/>
           </a:xfrm>
           <a:prstGeom prst="rect">
@@ -8433,7 +10213,7 @@
         </p:nvSpPr>
         <p:spPr>
           <a:xfrm>
-            <a:off x="2776131" y="635095"/>
+            <a:off x="1407982" y="767328"/>
             <a:ext cx="817703" cy="276999"/>
           </a:xfrm>
           <a:prstGeom prst="rect">
@@ -8527,7 +10307,7 @@
         </p:nvSpPr>
         <p:spPr>
           <a:xfrm>
-            <a:off x="3923925" y="635095"/>
+            <a:off x="2555776" y="767328"/>
             <a:ext cx="648072" cy="298371"/>
           </a:xfrm>
           <a:prstGeom prst="rect">
@@ -8569,7 +10349,7 @@
         </p:nvSpPr>
         <p:spPr>
           <a:xfrm>
-            <a:off x="4958329" y="635095"/>
+            <a:off x="3590180" y="767328"/>
             <a:ext cx="648072" cy="306847"/>
           </a:xfrm>
           <a:prstGeom prst="rect">
@@ -8611,8 +10391,8 @@
         </p:nvSpPr>
         <p:spPr>
           <a:xfrm>
-            <a:off x="3661508" y="2528074"/>
-            <a:ext cx="1272015" cy="276999"/>
+            <a:off x="1891731" y="2660307"/>
+            <a:ext cx="2278701" cy="276999"/>
           </a:xfrm>
           <a:prstGeom prst="rect">
             <a:avLst/>
@@ -8628,6 +10408,18 @@
               <a:rPr lang="en-US" altLang="zh-CN" sz="1200" dirty="0" smtClean="0"/>
               <a:t>dispatcherServlet</a:t>
             </a:r>
+            <a:r>
+              <a:rPr lang="zh-CN" altLang="en-US" sz="1200" dirty="0" smtClean="0"/>
+              <a:t>（</a:t>
+            </a:r>
+            <a:r>
+              <a:rPr lang="en-US" altLang="zh-CN" sz="1200" dirty="0" smtClean="0"/>
+              <a:t>Spring</a:t>
+            </a:r>
+            <a:r>
+              <a:rPr lang="zh-CN" altLang="en-US" sz="1200" dirty="0" smtClean="0"/>
+              <a:t>封装）</a:t>
+            </a:r>
             <a:endParaRPr lang="zh-CN" altLang="en-US" sz="1200" dirty="0"/>
           </a:p>
         </p:txBody>
@@ -8640,7 +10432,7 @@
         </p:nvSpPr>
         <p:spPr>
           <a:xfrm>
-            <a:off x="3418781" y="3693705"/>
+            <a:off x="2050632" y="3825938"/>
             <a:ext cx="1789636" cy="377900"/>
           </a:xfrm>
           <a:prstGeom prst="rect">
@@ -8705,7 +10497,7 @@
         </p:nvSpPr>
         <p:spPr>
           <a:xfrm>
-            <a:off x="3406956" y="4263862"/>
+            <a:off x="2038807" y="4396095"/>
             <a:ext cx="1801461" cy="360040"/>
           </a:xfrm>
           <a:prstGeom prst="rect">
@@ -8770,7 +10562,7 @@
         </p:nvSpPr>
         <p:spPr>
           <a:xfrm>
-            <a:off x="5736890" y="4263862"/>
+            <a:off x="4368741" y="4396095"/>
             <a:ext cx="609961" cy="390043"/>
           </a:xfrm>
           <a:prstGeom prst="can">
@@ -8825,7 +10617,7 @@
         </p:nvCxnSpPr>
         <p:spPr>
           <a:xfrm>
-            <a:off x="3859892" y="996084"/>
+            <a:off x="2491743" y="1128317"/>
             <a:ext cx="0" cy="440382"/>
           </a:xfrm>
           <a:prstGeom prst="straightConnector1">
@@ -8859,7 +10651,7 @@
         </p:nvCxnSpPr>
         <p:spPr>
           <a:xfrm>
-            <a:off x="3853558" y="2007469"/>
+            <a:off x="2485409" y="2139702"/>
             <a:ext cx="6333" cy="493784"/>
           </a:xfrm>
           <a:prstGeom prst="straightConnector1">
@@ -8893,7 +10685,7 @@
         </p:nvCxnSpPr>
         <p:spPr>
           <a:xfrm>
-            <a:off x="3856724" y="3235612"/>
+            <a:off x="2488575" y="3367845"/>
             <a:ext cx="3167" cy="458093"/>
           </a:xfrm>
           <a:prstGeom prst="straightConnector1">
@@ -8929,7 +10721,7 @@
         </p:nvCxnSpPr>
         <p:spPr>
           <a:xfrm rot="10800000" flipV="1">
-            <a:off x="2848373" y="2501253"/>
+            <a:off x="1480224" y="2633486"/>
             <a:ext cx="1020105" cy="303819"/>
           </a:xfrm>
           <a:prstGeom prst="bentConnector2">
@@ -8965,7 +10757,7 @@
         </p:nvCxnSpPr>
         <p:spPr>
           <a:xfrm>
-            <a:off x="3314950" y="2949089"/>
+            <a:off x="1946801" y="3081322"/>
             <a:ext cx="544941" cy="0"/>
           </a:xfrm>
           <a:prstGeom prst="straightConnector1">
@@ -9001,7 +10793,7 @@
         </p:nvCxnSpPr>
         <p:spPr>
           <a:xfrm>
-            <a:off x="4793047" y="2949089"/>
+            <a:off x="3424898" y="3081322"/>
             <a:ext cx="548879" cy="0"/>
           </a:xfrm>
           <a:prstGeom prst="straightConnector1">
@@ -9036,7 +10828,7 @@
         </p:nvCxnSpPr>
         <p:spPr>
           <a:xfrm rot="5400000">
-            <a:off x="4759779" y="2186886"/>
+            <a:off x="3391630" y="2319119"/>
             <a:ext cx="142507" cy="1954945"/>
           </a:xfrm>
           <a:prstGeom prst="bentConnector2">
@@ -9071,7 +10863,7 @@
         </p:nvCxnSpPr>
         <p:spPr>
           <a:xfrm>
-            <a:off x="4192001" y="4071605"/>
+            <a:off x="2823852" y="4203838"/>
             <a:ext cx="8587" cy="199034"/>
           </a:xfrm>
           <a:prstGeom prst="straightConnector1">
@@ -9105,7 +10897,7 @@
         </p:nvCxnSpPr>
         <p:spPr>
           <a:xfrm>
-            <a:off x="5208843" y="4373165"/>
+            <a:off x="3840694" y="4505398"/>
             <a:ext cx="528047" cy="0"/>
           </a:xfrm>
           <a:prstGeom prst="straightConnector1">
@@ -9139,7 +10931,7 @@
         </p:nvCxnSpPr>
         <p:spPr>
           <a:xfrm flipH="1">
-            <a:off x="5208418" y="4527749"/>
+            <a:off x="3840269" y="4659982"/>
             <a:ext cx="528472" cy="0"/>
           </a:xfrm>
           <a:prstGeom prst="straightConnector1">
@@ -9173,7 +10965,7 @@
         </p:nvCxnSpPr>
         <p:spPr>
           <a:xfrm flipV="1">
-            <a:off x="4499989" y="4071605"/>
+            <a:off x="3131840" y="4203838"/>
             <a:ext cx="0" cy="199034"/>
           </a:xfrm>
           <a:prstGeom prst="straightConnector1">
@@ -9207,7 +10999,7 @@
         </p:nvSpPr>
         <p:spPr>
           <a:xfrm>
-            <a:off x="3663000" y="3375621"/>
+            <a:off x="2294851" y="3507854"/>
             <a:ext cx="1182568" cy="276999"/>
           </a:xfrm>
           <a:prstGeom prst="rect">
@@ -9236,7 +11028,7 @@
         </p:nvCxnSpPr>
         <p:spPr>
           <a:xfrm flipV="1">
-            <a:off x="4764546" y="3375622"/>
+            <a:off x="3396397" y="3507855"/>
             <a:ext cx="0" cy="318083"/>
           </a:xfrm>
           <a:prstGeom prst="straightConnector1">
@@ -9270,7 +11062,7 @@
         </p:nvCxnSpPr>
         <p:spPr>
           <a:xfrm flipV="1">
-            <a:off x="4764546" y="2151485"/>
+            <a:off x="3396397" y="2283718"/>
             <a:ext cx="0" cy="349768"/>
           </a:xfrm>
           <a:prstGeom prst="straightConnector1">
@@ -9306,7 +11098,7 @@
         </p:nvCxnSpPr>
         <p:spPr>
           <a:xfrm rot="10800000" flipV="1">
-            <a:off x="2830356" y="1436467"/>
+            <a:off x="1462207" y="1568700"/>
             <a:ext cx="1035211" cy="145719"/>
           </a:xfrm>
           <a:prstGeom prst="bentConnector2">
@@ -9339,7 +11131,7 @@
         </p:nvCxnSpPr>
         <p:spPr>
           <a:xfrm>
-            <a:off x="3296933" y="1789765"/>
+            <a:off x="1928784" y="1921998"/>
             <a:ext cx="534457" cy="1680"/>
           </a:xfrm>
           <a:prstGeom prst="straightConnector1">
@@ -9372,7 +11164,7 @@
         </p:nvCxnSpPr>
         <p:spPr>
           <a:xfrm flipV="1">
-            <a:off x="4764546" y="1782999"/>
+            <a:off x="3396397" y="1915232"/>
             <a:ext cx="594417" cy="8446"/>
           </a:xfrm>
           <a:prstGeom prst="straightConnector1">
@@ -9407,7 +11199,7 @@
         </p:nvCxnSpPr>
         <p:spPr>
           <a:xfrm rot="5400000">
-            <a:off x="4767542" y="949470"/>
+            <a:off x="3399393" y="1081703"/>
             <a:ext cx="144016" cy="1971983"/>
           </a:xfrm>
           <a:prstGeom prst="bentConnector2">
@@ -9440,7 +11232,7 @@
         </p:nvCxnSpPr>
         <p:spPr>
           <a:xfrm>
-            <a:off x="4764546" y="2151485"/>
+            <a:off x="3396397" y="2283718"/>
             <a:ext cx="1175603" cy="0"/>
           </a:xfrm>
           <a:prstGeom prst="line">
@@ -9470,7 +11262,7 @@
         </p:nvCxnSpPr>
         <p:spPr>
           <a:xfrm flipV="1">
-            <a:off x="5940149" y="1871899"/>
+            <a:off x="4572000" y="2004132"/>
             <a:ext cx="0" cy="279586"/>
           </a:xfrm>
           <a:prstGeom prst="straightConnector1">
@@ -9503,7 +11295,7 @@
         </p:nvCxnSpPr>
         <p:spPr>
           <a:xfrm flipH="1">
-            <a:off x="4764546" y="1647429"/>
+            <a:off x="3396397" y="1779662"/>
             <a:ext cx="577380" cy="1681"/>
           </a:xfrm>
           <a:prstGeom prst="straightConnector1">
@@ -9536,7 +11328,7 @@
         </p:nvCxnSpPr>
         <p:spPr>
           <a:xfrm flipH="1">
-            <a:off x="3275854" y="1647429"/>
+            <a:off x="1907705" y="1779662"/>
             <a:ext cx="549806" cy="0"/>
           </a:xfrm>
           <a:prstGeom prst="straightConnector1">
@@ -9569,7 +11361,7 @@
         </p:nvCxnSpPr>
         <p:spPr>
           <a:xfrm flipV="1">
-            <a:off x="2987821" y="1503413"/>
+            <a:off x="1619672" y="1635646"/>
             <a:ext cx="0" cy="78773"/>
           </a:xfrm>
           <a:prstGeom prst="line">
@@ -9599,7 +11391,7 @@
         </p:nvCxnSpPr>
         <p:spPr>
           <a:xfrm>
-            <a:off x="2987821" y="1503413"/>
+            <a:off x="1619672" y="1635646"/>
             <a:ext cx="2016224" cy="0"/>
           </a:xfrm>
           <a:prstGeom prst="line">
@@ -9629,7 +11421,7 @@
         </p:nvCxnSpPr>
         <p:spPr>
           <a:xfrm flipV="1">
-            <a:off x="5004045" y="996084"/>
+            <a:off x="3635896" y="1128317"/>
             <a:ext cx="0" cy="507329"/>
           </a:xfrm>
           <a:prstGeom prst="straightConnector1">
@@ -9662,7 +11454,7 @@
         </p:nvSpPr>
         <p:spPr>
           <a:xfrm>
-            <a:off x="5061754" y="1010390"/>
+            <a:off x="3693605" y="1142623"/>
             <a:ext cx="753283" cy="276999"/>
           </a:xfrm>
           <a:prstGeom prst="rect">
@@ -9704,7 +11496,7 @@
         </p:nvSpPr>
         <p:spPr>
           <a:xfrm>
-            <a:off x="3100884" y="1010390"/>
+            <a:off x="1732735" y="1142623"/>
             <a:ext cx="660181" cy="276999"/>
           </a:xfrm>
           <a:prstGeom prst="rect">
@@ -9746,7 +11538,7 @@
         </p:nvSpPr>
         <p:spPr>
           <a:xfrm>
-            <a:off x="3129400" y="2187869"/>
+            <a:off x="1761251" y="2320102"/>
             <a:ext cx="660181" cy="276999"/>
           </a:xfrm>
           <a:prstGeom prst="rect">
@@ -9788,7 +11580,7 @@
         </p:nvSpPr>
         <p:spPr>
           <a:xfrm>
-            <a:off x="3263744" y="2738582"/>
+            <a:off x="1895595" y="2870815"/>
             <a:ext cx="660181" cy="276999"/>
           </a:xfrm>
           <a:prstGeom prst="rect">
@@ -9830,7 +11622,7 @@
         </p:nvSpPr>
         <p:spPr>
           <a:xfrm>
-            <a:off x="4716013" y="2727549"/>
+            <a:off x="3347864" y="2859782"/>
             <a:ext cx="660181" cy="276999"/>
           </a:xfrm>
           <a:prstGeom prst="rect">
@@ -9872,7 +11664,7 @@
         </p:nvSpPr>
         <p:spPr>
           <a:xfrm>
-            <a:off x="4831776" y="2187868"/>
+            <a:off x="3463627" y="2320101"/>
             <a:ext cx="753283" cy="276999"/>
           </a:xfrm>
           <a:prstGeom prst="rect">
@@ -9914,7 +11706,7 @@
         </p:nvSpPr>
         <p:spPr>
           <a:xfrm>
-            <a:off x="2160180" y="4373165"/>
+            <a:off x="792031" y="4505398"/>
             <a:ext cx="650329" cy="276999"/>
           </a:xfrm>
           <a:prstGeom prst="rect">
@@ -10008,7 +11800,7 @@
         </p:nvSpPr>
         <p:spPr>
           <a:xfrm>
-            <a:off x="2051717" y="1249748"/>
+            <a:off x="683568" y="1381981"/>
             <a:ext cx="4608512" cy="3494025"/>
           </a:xfrm>
           <a:prstGeom prst="rect">
@@ -10047,6 +11839,257 @@
           <a:p>
             <a:pPr algn="ctr"/>
             <a:endParaRPr lang="zh-CN" altLang="en-US"/>
+          </a:p>
+        </p:txBody>
+      </p:sp>
+      <p:sp>
+        <p:nvSpPr>
+          <p:cNvPr id="5" name="TextBox 4"/>
+          <p:cNvSpPr txBox="1"/>
+          <p:nvPr/>
+        </p:nvSpPr>
+        <p:spPr>
+          <a:xfrm>
+            <a:off x="4094233" y="3335281"/>
+            <a:ext cx="466794" cy="261610"/>
+          </a:xfrm>
+          <a:prstGeom prst="rect">
+            <a:avLst/>
+          </a:prstGeom>
+          <a:noFill/>
+        </p:spPr>
+        <p:txBody>
+          <a:bodyPr wrap="none" rtlCol="0">
+            <a:spAutoFit/>
+          </a:bodyPr>
+          <a:lstStyle/>
+          <a:p>
+            <a:r>
+              <a:rPr lang="zh-CN" altLang="en-US" sz="1100" dirty="0" smtClean="0"/>
+              <a:t>调用</a:t>
+            </a:r>
+            <a:endParaRPr lang="zh-CN" altLang="en-US" sz="1100" dirty="0"/>
+          </a:p>
+        </p:txBody>
+      </p:sp>
+      <p:sp>
+        <p:nvSpPr>
+          <p:cNvPr id="18" name="TextBox 17"/>
+          <p:cNvSpPr txBox="1"/>
+          <p:nvPr/>
+        </p:nvSpPr>
+        <p:spPr>
+          <a:xfrm>
+            <a:off x="5352416" y="3406229"/>
+            <a:ext cx="1688796" cy="461665"/>
+          </a:xfrm>
+          <a:prstGeom prst="rect">
+            <a:avLst/>
+          </a:prstGeom>
+          <a:noFill/>
+        </p:spPr>
+        <p:txBody>
+          <a:bodyPr wrap="none" rtlCol="0">
+            <a:spAutoFit/>
+          </a:bodyPr>
+          <a:lstStyle/>
+          <a:p>
+            <a:r>
+              <a:rPr lang="en-US" altLang="zh-CN" sz="1200" dirty="0" smtClean="0"/>
+              <a:t>controller</a:t>
+            </a:r>
+            <a:r>
+              <a:rPr lang="zh-CN" altLang="en-US" sz="1200" dirty="0" smtClean="0"/>
+              <a:t>层的</a:t>
+            </a:r>
+            <a:r>
+              <a:rPr lang="en-US" altLang="zh-CN" sz="1200" dirty="0" smtClean="0"/>
+              <a:t>AOP</a:t>
+            </a:r>
+          </a:p>
+          <a:p>
+            <a:r>
+              <a:rPr lang="zh-CN" altLang="en-US" sz="1200" dirty="0" smtClean="0"/>
+              <a:t>（</a:t>
+            </a:r>
+            <a:r>
+              <a:rPr lang="en-US" altLang="zh-CN" sz="1200" dirty="0" smtClean="0"/>
+              <a:t>HandlerInterceptor</a:t>
+            </a:r>
+            <a:r>
+              <a:rPr lang="zh-CN" altLang="en-US" sz="1200" dirty="0" smtClean="0"/>
+              <a:t>）</a:t>
+            </a:r>
+            <a:endParaRPr lang="zh-CN" altLang="en-US" sz="1200" dirty="0"/>
+          </a:p>
+        </p:txBody>
+      </p:sp>
+      <p:cxnSp>
+        <p:nvCxnSpPr>
+          <p:cNvPr id="28" name="直接箭头连接符 27"/>
+          <p:cNvCxnSpPr>
+            <a:stCxn id="62" idx="3"/>
+            <a:endCxn id="18" idx="1"/>
+          </p:cNvCxnSpPr>
+          <p:nvPr/>
+        </p:nvCxnSpPr>
+        <p:spPr>
+          <a:xfrm flipV="1">
+            <a:off x="3477419" y="3637062"/>
+            <a:ext cx="1874997" cy="9292"/>
+          </a:xfrm>
+          <a:prstGeom prst="straightConnector1">
+            <a:avLst/>
+          </a:prstGeom>
+          <a:ln>
+            <a:prstDash val="sysDash"/>
+            <a:headEnd type="none" w="med" len="med"/>
+            <a:tailEnd type="none" w="med" len="med"/>
+          </a:ln>
+        </p:spPr>
+        <p:style>
+          <a:lnRef idx="1">
+            <a:schemeClr val="accent1"/>
+          </a:lnRef>
+          <a:fillRef idx="0">
+            <a:schemeClr val="accent1"/>
+          </a:fillRef>
+          <a:effectRef idx="0">
+            <a:schemeClr val="accent1"/>
+          </a:effectRef>
+          <a:fontRef idx="minor">
+            <a:schemeClr val="tx1"/>
+          </a:fontRef>
+        </p:style>
+      </p:cxnSp>
+      <p:sp>
+        <p:nvSpPr>
+          <p:cNvPr id="38" name="左大括号 37"/>
+          <p:cNvSpPr/>
+          <p:nvPr/>
+        </p:nvSpPr>
+        <p:spPr>
+          <a:xfrm>
+            <a:off x="6912260" y="3225338"/>
+            <a:ext cx="216024" cy="789550"/>
+          </a:xfrm>
+          <a:prstGeom prst="leftBrace">
+            <a:avLst>
+              <a:gd name="adj1" fmla="val 40079"/>
+              <a:gd name="adj2" fmla="val 50000"/>
+            </a:avLst>
+          </a:prstGeom>
+        </p:spPr>
+        <p:style>
+          <a:lnRef idx="1">
+            <a:schemeClr val="accent1"/>
+          </a:lnRef>
+          <a:fillRef idx="0">
+            <a:schemeClr val="accent1"/>
+          </a:fillRef>
+          <a:effectRef idx="0">
+            <a:schemeClr val="accent1"/>
+          </a:effectRef>
+          <a:fontRef idx="minor">
+            <a:schemeClr val="tx1"/>
+          </a:fontRef>
+        </p:style>
+        <p:txBody>
+          <a:bodyPr rtlCol="0" anchor="ctr"/>
+          <a:lstStyle/>
+          <a:p>
+            <a:pPr algn="ctr"/>
+            <a:endParaRPr lang="zh-CN" altLang="en-US"/>
+          </a:p>
+        </p:txBody>
+      </p:sp>
+      <p:sp>
+        <p:nvSpPr>
+          <p:cNvPr id="39" name="TextBox 38"/>
+          <p:cNvSpPr txBox="1"/>
+          <p:nvPr/>
+        </p:nvSpPr>
+        <p:spPr>
+          <a:xfrm>
+            <a:off x="7164287" y="3093501"/>
+            <a:ext cx="835037" cy="276999"/>
+          </a:xfrm>
+          <a:prstGeom prst="rect">
+            <a:avLst/>
+          </a:prstGeom>
+          <a:noFill/>
+        </p:spPr>
+        <p:txBody>
+          <a:bodyPr wrap="none" rtlCol="0">
+            <a:spAutoFit/>
+          </a:bodyPr>
+          <a:lstStyle/>
+          <a:p>
+            <a:r>
+              <a:rPr lang="en-US" altLang="zh-CN" sz="1200" dirty="0" err="1"/>
+              <a:t>preHandle</a:t>
+            </a:r>
+            <a:endParaRPr lang="zh-CN" altLang="en-US" sz="1200" dirty="0"/>
+          </a:p>
+        </p:txBody>
+      </p:sp>
+      <p:sp>
+        <p:nvSpPr>
+          <p:cNvPr id="71" name="TextBox 70"/>
+          <p:cNvSpPr txBox="1"/>
+          <p:nvPr/>
+        </p:nvSpPr>
+        <p:spPr>
+          <a:xfrm>
+            <a:off x="7164287" y="3507855"/>
+            <a:ext cx="899477" cy="276999"/>
+          </a:xfrm>
+          <a:prstGeom prst="rect">
+            <a:avLst/>
+          </a:prstGeom>
+          <a:noFill/>
+        </p:spPr>
+        <p:txBody>
+          <a:bodyPr wrap="none" rtlCol="0">
+            <a:spAutoFit/>
+          </a:bodyPr>
+          <a:lstStyle/>
+          <a:p>
+            <a:r>
+              <a:rPr lang="en-US" altLang="zh-CN" sz="1200" dirty="0" err="1" smtClean="0"/>
+              <a:t>postHandle</a:t>
+            </a:r>
+            <a:endParaRPr lang="zh-CN" altLang="en-US" sz="1200" dirty="0"/>
+          </a:p>
+        </p:txBody>
+      </p:sp>
+      <p:sp>
+        <p:nvSpPr>
+          <p:cNvPr id="73" name="TextBox 72"/>
+          <p:cNvSpPr txBox="1"/>
+          <p:nvPr/>
+        </p:nvSpPr>
+        <p:spPr>
+          <a:xfrm>
+            <a:off x="7164287" y="3876388"/>
+            <a:ext cx="1210396" cy="276999"/>
+          </a:xfrm>
+          <a:prstGeom prst="rect">
+            <a:avLst/>
+          </a:prstGeom>
+          <a:noFill/>
+        </p:spPr>
+        <p:txBody>
+          <a:bodyPr wrap="none" rtlCol="0">
+            <a:spAutoFit/>
+          </a:bodyPr>
+          <a:lstStyle/>
+          <a:p>
+            <a:r>
+              <a:rPr lang="en-US" altLang="zh-CN" sz="1200" dirty="0" err="1"/>
+              <a:t>afterCompletion</a:t>
+            </a:r>
+            <a:endParaRPr lang="zh-CN" altLang="en-US" sz="1200" dirty="0"/>
           </a:p>
         </p:txBody>
       </p:sp>
@@ -10070,7 +12113,7 @@
 </p:sld>
 </file>
 
-<file path=ppt/slides/slide5.xml><?xml version="1.0" encoding="utf-8"?>
+<file path=ppt/slides/slide6.xml><?xml version="1.0" encoding="utf-8"?>
 <p:sld xmlns:a="http://schemas.openxmlformats.org/drawingml/2006/main" xmlns:r="http://schemas.openxmlformats.org/officeDocument/2006/relationships" xmlns:p="http://schemas.openxmlformats.org/presentationml/2006/main">
   <p:cSld>
     <p:spTree>
@@ -12384,7 +14427,7 @@
 </p:sld>
 </file>
 
-<file path=ppt/slides/slide6.xml><?xml version="1.0" encoding="utf-8"?>
+<file path=ppt/slides/slide7.xml><?xml version="1.0" encoding="utf-8"?>
 <p:sld xmlns:a="http://schemas.openxmlformats.org/drawingml/2006/main" xmlns:r="http://schemas.openxmlformats.org/officeDocument/2006/relationships" xmlns:p="http://schemas.openxmlformats.org/presentationml/2006/main">
   <p:cSld>
     <p:spTree>
@@ -12475,11 +14518,7 @@
             </a:r>
             <a:r>
               <a:rPr lang="zh-CN" altLang="en-US" sz="1600" dirty="0" smtClean="0"/>
-              <a:t>项目的启动</a:t>
-            </a:r>
-            <a:r>
-              <a:rPr lang="zh-CN" altLang="en-US" sz="1600" dirty="0" smtClean="0"/>
-              <a:t>过程</a:t>
+              <a:t>项目的启动过程</a:t>
             </a:r>
             <a:endParaRPr lang="zh-CN" altLang="en-US" sz="1600" dirty="0"/>
           </a:p>

--- a/issueImages/web context loading process.pptx
+++ b/issueImages/web context loading process.pptx
@@ -264,8 +264,8 @@
   <inkml:trace contextRef="#ctx0" brushRef="#br0" timeOffset="34137.6628">11655 10001,'0'27,"0"-1,0-13,0 27,-13 13,-1-27,-12 27,26-13,0 13,0-27,0 1,0 13,0-27,0 0,0 14,13-14,14 0,12 0,-12 14,13-14,12 13,-38-12,39-1,-14 0,14 13,-13-12,-14-14</inkml:trace>
   <inkml:trace contextRef="#ctx0" brushRef="#br0" timeOffset="35144.5623">14340 10014,'0'0,"27"0,-14 27,0-1,1 1,-14-14,13-13,-13 0,13 0,0 0</inkml:trace>
   <inkml:trace contextRef="#ctx0" brushRef="#br0" timeOffset="35767.5">14777 10041,'0'0,"0"0,0 0,-26 0,-1 13,14-13,0 13,-14 14,14-27,13 0,-27 26,1-12,13-1,-27-13,0 13,14 0,-40 0,39-13,14 14,0-14,13 13,13-13,0 0,40 0,0 0,27 0,25 0,-38 0,12 0,-26 0,-14 0,-25 0,-14 0,0-13,0-1,0 14,-40-13,14-13</inkml:trace>
-  <inkml:trace contextRef="#ctx0" brushRef="#br0" timeOffset="38048.2716">14737 9935,'-13'-13,"0"13,13 40,0-1,-27 27,27-13,-13 40,13 0,0-1,0-39,0 26,0-39,0-27,0-13,0 27,-13-27,13-27,-27-26,14 1,0 12,13 0,0 0,-13 1,13 39,0-13,0 13,-13 0,-1 26,1 14,-27 26,40-53,-13 27,-27 13,27-40,13 0,0 0,0-13,0-26,0-14,40 1,-14 25,1-25,13 25,-1 14,-12 0,-1 0,-13 0,14 0,-14 0,14 0,-14 0,26 0,-25 27,-1-27,13 26,-12 1,-14-27,0 0,-14 0,1 0,-13 0,12 0,-12 0,26 0,-13 0,-14 0,27 0,-26 13,13 13,-14 1,14-1,-27 1,27-1,-13-26,-1 27,1-27,12 0,14 0,14 0,-1 0,0 0,0 0,1 0,12-14,-26 14,-13 0,-14 0,-26 0,14 0,-1 0,14 0,-1 0,1 14,12-1,1-13,13 0,27 0,26 0,39 0,-12 0,39 0,13-13,-66 13,13-27,-12 27,-41 0,-39-13,-14 0,-12 0,12-1,-13 14,1-26,12 13,1 13,13-14,13 14,-27 0,27 0,-13 0,13 0,-26 0,-1 27,14-27,0 26,-1 1,14 12,0 1,-13-27,-13 27,26-27,0 1,0-14,-14 0,1 0,-13 0,26 0,0-14,13 1,-13 0,26 13,-12-13,12 13,1 0,12 0,1 0,-27 0,27 0,-27 0,27 0,-40 13,39 13,-12-12,-14-14,0 0,-13 0,14 0,-1-40,27 0</inkml:trace>
-  <inkml:trace contextRef="#ctx0" brushRef="#br0" timeOffset="38711.2053">15412 10094,'0'0,"-13"0,0 53,-14-27,1 14,-1 13,-13 13,-12-13,12 13,13-26,1-14,-1 1,14-1,0-13,13-13,0-39,26-1,14 27,-13-14,12 14,-25 0,12 0,0 13,-26 13,0 0,0 27,0-14,14-13,-14 40,0-13,0-27,0 27,0 0,0-14,0 1,0-1,0-13,0-26,13-40,0 13,14-13,12-26</inkml:trace>
+  <inkml:trace contextRef="#ctx0" brushRef="#br0" timeOffset="38048.2715">14737 9935,'-13'-13,"0"13,13 40,0-1,-27 27,27-13,-13 40,13 0,0-1,0-39,0 26,0-39,0-27,0-13,0 27,-13-27,13-27,-27-26,14 1,0 12,13 0,0 0,-13 1,13 39,0-13,0 13,-13 0,-1 26,1 14,-27 26,40-53,-13 27,-27 13,27-40,13 0,0 0,0-13,0-26,0-14,40 1,-14 25,1-25,13 25,-1 14,-12 0,-1 0,-13 0,14 0,-14 0,14 0,-14 0,26 0,-25 27,-1-27,13 26,-12 1,-14-27,0 0,-14 0,1 0,-13 0,12 0,-12 0,26 0,-13 0,-14 0,27 0,-26 13,13 13,-14 1,14-1,-27 1,27-1,-13-26,-1 27,1-27,12 0,14 0,14 0,-1 0,0 0,0 0,1 0,12-14,-26 14,-13 0,-14 0,-26 0,14 0,-1 0,14 0,-1 0,1 14,12-1,1-13,13 0,27 0,26 0,39 0,-12 0,39 0,13-13,-66 13,13-27,-12 27,-41 0,-39-13,-14 0,-12 0,12-1,-13 14,1-26,12 13,1 13,13-14,13 14,-27 0,27 0,-13 0,13 0,-26 0,-1 27,14-27,0 26,-1 1,14 12,0 1,-13-27,-13 27,26-27,0 1,0-14,-14 0,1 0,-13 0,26 0,0-14,13 1,-13 0,26 13,-12-13,12 13,1 0,12 0,1 0,-27 0,27 0,-27 0,27 0,-40 13,39 13,-12-12,-14-14,0 0,-13 0,14 0,-1-40,27 0</inkml:trace>
+  <inkml:trace contextRef="#ctx0" brushRef="#br0" timeOffset="38711.2052">15412 10094,'0'0,"-13"0,0 53,-14-27,1 14,-1 13,-13 13,-12-13,12 13,13-26,1-14,-1 1,14-1,0-13,13-13,0-39,26-1,14 27,-13-14,12 14,-25 0,12 0,0 13,-26 13,0 0,0 27,0-14,14-13,-14 40,0-13,0-27,0 27,0 0,0-14,0 1,0-1,0-13,0-26,13-40,0 13,14-13,12-26</inkml:trace>
   <inkml:trace contextRef="#ctx0" brushRef="#br0" timeOffset="38968.1798">15425 10464,'13'0,"-13"27,0-14,0 13,0-12,0-1,0 0,14 0,-1-13,0 0,14-26,-14-1,0-25</inkml:trace>
   <inkml:trace contextRef="#ctx0" brushRef="#br0" timeOffset="39656.111">15650 10332,'0'0,"0"13,0 0,0 1,0 25,0-39,0 14,0 12,0-13,-13 1,0-1,-1 0,1 27,13-40,-13 26,-13 14,12-40,14 13,0 13,-13-26,13 0,0 0,0-13,0 13,0-13,0 0,27 13,-14 0,13 0,-13 0,-13 0,27 0,-14 0,-13 0,27 0,-1 0,-26 0,26 0,-12 0,25 0,1 13,-27-13,14 13,-14-13,0 0,-13 0,13 0,-13-13,0-13</inkml:trace>
   <inkml:trace contextRef="#ctx0" brushRef="#br0" timeOffset="40296.047">15928 10200,'13'0,"0"0,-13 0,14 0,12 0,-26 0,27 13,-14 0,0 0,0 1,-13-1,27 13,-14-12,-13 12,13 0,14-12,-27 12,0-13,0 1,13-1,-13 0,0 0,0 14,0-1,0-26,0 27,0-1,0-26,0 13,0 1,0 12,0 0,0-26,0 27,0-14,0-13,-13 27,13-1,-14-26,14 13,-26 27,26-40,-13 13,-27 0,0 14,14-14,-14 14,-13-14,-53 27,40-40,-13 39,-27 14</inkml:trace>
@@ -378,7 +378,7 @@
           <a:p>
             <a:fld id="{62974DE1-0086-46B2-AAC4-46D2360602FF}" type="datetimeFigureOut">
               <a:rPr lang="zh-CN" altLang="en-US" smtClean="0"/>
-              <a:t>2017/7/20</a:t>
+              <a:t>2017/7/21</a:t>
             </a:fld>
             <a:endParaRPr lang="zh-CN" altLang="en-US"/>
           </a:p>
@@ -849,7 +849,7 @@
               <a:t>、</a:t>
             </a:r>
             <a:r>
-              <a:rPr lang="en-US" altLang="zh-CN" dirty="0" smtClean="0"/>
+              <a:rPr lang="en-US" altLang="zh-CN" b="1" dirty="0" smtClean="0"/>
               <a:t>http://blog.csdn.net/m0_37204491/article/details/70148546</a:t>
             </a:r>
             <a:r>
@@ -866,9 +866,521 @@
             </a:r>
             <a:r>
               <a:rPr lang="en-US" altLang="zh-CN" dirty="0" smtClean="0"/>
-              <a:t>》P136</a:t>
-            </a:r>
-            <a:endParaRPr lang="zh-CN" altLang="en-US" dirty="0"/>
+              <a:t>》</a:t>
+            </a:r>
+            <a:r>
+              <a:rPr lang="en-US" altLang="zh-CN" dirty="0" err="1" smtClean="0"/>
+              <a:t>P136</a:t>
+            </a:r>
+            <a:endParaRPr lang="en-US" altLang="zh-CN" dirty="0" smtClean="0"/>
+          </a:p>
+          <a:p>
+            <a:r>
+              <a:rPr lang="zh-CN" altLang="en-US" sz="1200" b="0" i="0" kern="1200" dirty="0" smtClean="0">
+                <a:solidFill>
+                  <a:schemeClr val="tx1"/>
+                </a:solidFill>
+                <a:effectLst/>
+                <a:latin typeface="+mn-lt"/>
+                <a:ea typeface="+mn-ea"/>
+                <a:cs typeface="+mn-cs"/>
+              </a:rPr>
+              <a:t>第一步</a:t>
+            </a:r>
+            <a:r>
+              <a:rPr lang="en-US" altLang="zh-CN" sz="1200" b="0" i="0" kern="1200" dirty="0" smtClean="0">
+                <a:solidFill>
+                  <a:schemeClr val="tx1"/>
+                </a:solidFill>
+                <a:effectLst/>
+                <a:latin typeface="+mn-lt"/>
+                <a:ea typeface="+mn-ea"/>
+                <a:cs typeface="+mn-cs"/>
+              </a:rPr>
+              <a:t>:</a:t>
+            </a:r>
+            <a:r>
+              <a:rPr lang="zh-CN" altLang="en-US" sz="1200" b="0" i="0" kern="1200" dirty="0" smtClean="0">
+                <a:solidFill>
+                  <a:schemeClr val="tx1"/>
+                </a:solidFill>
+                <a:effectLst/>
+                <a:latin typeface="+mn-lt"/>
+                <a:ea typeface="+mn-ea"/>
+                <a:cs typeface="+mn-cs"/>
+              </a:rPr>
+              <a:t>用户发起请求到前端控制器（</a:t>
+            </a:r>
+            <a:r>
+              <a:rPr lang="en-US" altLang="zh-CN" sz="1200" b="0" i="0" kern="1200" dirty="0" smtClean="0">
+                <a:solidFill>
+                  <a:schemeClr val="tx1"/>
+                </a:solidFill>
+                <a:effectLst/>
+                <a:latin typeface="+mn-lt"/>
+                <a:ea typeface="+mn-ea"/>
+                <a:cs typeface="+mn-cs"/>
+              </a:rPr>
+              <a:t>DispatcherServlet</a:t>
+            </a:r>
+            <a:r>
+              <a:rPr lang="zh-CN" altLang="en-US" sz="1200" b="0" i="0" kern="1200" dirty="0" smtClean="0">
+                <a:solidFill>
+                  <a:schemeClr val="tx1"/>
+                </a:solidFill>
+                <a:effectLst/>
+                <a:latin typeface="+mn-lt"/>
+                <a:ea typeface="+mn-ea"/>
+                <a:cs typeface="+mn-cs"/>
+              </a:rPr>
+              <a:t>）</a:t>
+            </a:r>
+          </a:p>
+          <a:p>
+            <a:r>
+              <a:rPr lang="zh-CN" altLang="en-US" sz="1200" b="0" i="0" kern="1200" dirty="0" smtClean="0">
+                <a:solidFill>
+                  <a:schemeClr val="tx1"/>
+                </a:solidFill>
+                <a:effectLst/>
+                <a:latin typeface="+mn-lt"/>
+                <a:ea typeface="+mn-ea"/>
+                <a:cs typeface="+mn-cs"/>
+              </a:rPr>
+              <a:t>第二步：前端控制器请求处理器映射器（</a:t>
+            </a:r>
+            <a:r>
+              <a:rPr lang="en-US" altLang="zh-CN" sz="1200" b="0" i="0" kern="1200" dirty="0" err="1" smtClean="0">
+                <a:solidFill>
+                  <a:schemeClr val="tx1"/>
+                </a:solidFill>
+                <a:effectLst/>
+                <a:latin typeface="+mn-lt"/>
+                <a:ea typeface="+mn-ea"/>
+                <a:cs typeface="+mn-cs"/>
+              </a:rPr>
+              <a:t>HandlerMappering</a:t>
+            </a:r>
+            <a:r>
+              <a:rPr lang="zh-CN" altLang="en-US" sz="1200" b="0" i="0" kern="1200" dirty="0" smtClean="0">
+                <a:solidFill>
+                  <a:schemeClr val="tx1"/>
+                </a:solidFill>
+                <a:effectLst/>
+                <a:latin typeface="+mn-lt"/>
+                <a:ea typeface="+mn-ea"/>
+                <a:cs typeface="+mn-cs"/>
+              </a:rPr>
+              <a:t>）去查找处理器（</a:t>
+            </a:r>
+            <a:r>
+              <a:rPr lang="en-US" altLang="zh-CN" sz="1200" b="0" i="0" kern="1200" dirty="0" smtClean="0">
+                <a:solidFill>
+                  <a:schemeClr val="tx1"/>
+                </a:solidFill>
+                <a:effectLst/>
+                <a:latin typeface="+mn-lt"/>
+                <a:ea typeface="+mn-ea"/>
+                <a:cs typeface="+mn-cs"/>
+              </a:rPr>
+              <a:t>Handle</a:t>
+            </a:r>
+            <a:r>
+              <a:rPr lang="zh-CN" altLang="en-US" sz="1200" b="0" i="0" kern="1200" dirty="0" smtClean="0">
+                <a:solidFill>
+                  <a:schemeClr val="tx1"/>
+                </a:solidFill>
+                <a:effectLst/>
+                <a:latin typeface="+mn-lt"/>
+                <a:ea typeface="+mn-ea"/>
+                <a:cs typeface="+mn-cs"/>
+              </a:rPr>
+              <a:t>）：通过</a:t>
+            </a:r>
+            <a:r>
+              <a:rPr lang="en-US" altLang="zh-CN" sz="1200" b="0" i="0" kern="1200" dirty="0" smtClean="0">
+                <a:solidFill>
+                  <a:schemeClr val="tx1"/>
+                </a:solidFill>
+                <a:effectLst/>
+                <a:latin typeface="+mn-lt"/>
+                <a:ea typeface="+mn-ea"/>
+                <a:cs typeface="+mn-cs"/>
+              </a:rPr>
+              <a:t>xml</a:t>
+            </a:r>
+            <a:r>
+              <a:rPr lang="zh-CN" altLang="en-US" sz="1200" b="0" i="0" kern="1200" dirty="0" smtClean="0">
+                <a:solidFill>
+                  <a:schemeClr val="tx1"/>
+                </a:solidFill>
+                <a:effectLst/>
+                <a:latin typeface="+mn-lt"/>
+                <a:ea typeface="+mn-ea"/>
+                <a:cs typeface="+mn-cs"/>
+              </a:rPr>
+              <a:t>配置或者注解进行查找</a:t>
+            </a:r>
+          </a:p>
+          <a:p>
+            <a:r>
+              <a:rPr lang="zh-CN" altLang="en-US" sz="1200" b="0" i="0" kern="1200" dirty="0" smtClean="0">
+                <a:solidFill>
+                  <a:schemeClr val="tx1"/>
+                </a:solidFill>
+                <a:effectLst/>
+                <a:latin typeface="+mn-lt"/>
+                <a:ea typeface="+mn-ea"/>
+                <a:cs typeface="+mn-cs"/>
+              </a:rPr>
+              <a:t>第三步：找到以后处理器映射器（</a:t>
+            </a:r>
+            <a:r>
+              <a:rPr lang="en-US" altLang="zh-CN" sz="1200" b="0" i="0" kern="1200" dirty="0" err="1" smtClean="0">
+                <a:solidFill>
+                  <a:schemeClr val="tx1"/>
+                </a:solidFill>
+                <a:effectLst/>
+                <a:latin typeface="+mn-lt"/>
+                <a:ea typeface="+mn-ea"/>
+                <a:cs typeface="+mn-cs"/>
+              </a:rPr>
+              <a:t>HandlerMappering</a:t>
+            </a:r>
+            <a:r>
+              <a:rPr lang="zh-CN" altLang="en-US" sz="1200" b="0" i="0" kern="1200" dirty="0" smtClean="0">
+                <a:solidFill>
+                  <a:schemeClr val="tx1"/>
+                </a:solidFill>
+                <a:effectLst/>
+                <a:latin typeface="+mn-lt"/>
+                <a:ea typeface="+mn-ea"/>
+                <a:cs typeface="+mn-cs"/>
+              </a:rPr>
+              <a:t>）像前端控制器返回执行链（</a:t>
+            </a:r>
+            <a:r>
+              <a:rPr lang="en-US" altLang="zh-CN" sz="1200" b="0" i="0" kern="1200" dirty="0" err="1" smtClean="0">
+                <a:solidFill>
+                  <a:schemeClr val="tx1"/>
+                </a:solidFill>
+                <a:effectLst/>
+                <a:latin typeface="+mn-lt"/>
+                <a:ea typeface="+mn-ea"/>
+                <a:cs typeface="+mn-cs"/>
+              </a:rPr>
+              <a:t>HandlerExecutionChain</a:t>
+            </a:r>
+            <a:r>
+              <a:rPr lang="zh-CN" altLang="en-US" sz="1200" b="0" i="0" kern="1200" dirty="0" smtClean="0">
+                <a:solidFill>
+                  <a:schemeClr val="tx1"/>
+                </a:solidFill>
+                <a:effectLst/>
+                <a:latin typeface="+mn-lt"/>
+                <a:ea typeface="+mn-ea"/>
+                <a:cs typeface="+mn-cs"/>
+              </a:rPr>
+              <a:t>）</a:t>
+            </a:r>
+          </a:p>
+          <a:p>
+            <a:r>
+              <a:rPr lang="zh-CN" altLang="en-US" sz="1200" b="0" i="0" kern="1200" dirty="0" smtClean="0">
+                <a:solidFill>
+                  <a:schemeClr val="tx1"/>
+                </a:solidFill>
+                <a:effectLst/>
+                <a:latin typeface="+mn-lt"/>
+                <a:ea typeface="+mn-ea"/>
+                <a:cs typeface="+mn-cs"/>
+              </a:rPr>
+              <a:t>第四步：前端控制器（</a:t>
+            </a:r>
+            <a:r>
+              <a:rPr lang="en-US" altLang="zh-CN" sz="1200" b="0" i="0" kern="1200" dirty="0" smtClean="0">
+                <a:solidFill>
+                  <a:schemeClr val="tx1"/>
+                </a:solidFill>
+                <a:effectLst/>
+                <a:latin typeface="+mn-lt"/>
+                <a:ea typeface="+mn-ea"/>
+                <a:cs typeface="+mn-cs"/>
+              </a:rPr>
+              <a:t>DispatcherServlet</a:t>
+            </a:r>
+            <a:r>
+              <a:rPr lang="zh-CN" altLang="en-US" sz="1200" b="0" i="0" kern="1200" dirty="0" smtClean="0">
+                <a:solidFill>
+                  <a:schemeClr val="tx1"/>
+                </a:solidFill>
+                <a:effectLst/>
+                <a:latin typeface="+mn-lt"/>
+                <a:ea typeface="+mn-ea"/>
+                <a:cs typeface="+mn-cs"/>
+              </a:rPr>
+              <a:t>）调用处理器适配器（</a:t>
+            </a:r>
+            <a:r>
+              <a:rPr lang="en-US" altLang="zh-CN" sz="1200" b="0" i="0" kern="1200" dirty="0" err="1" smtClean="0">
+                <a:solidFill>
+                  <a:schemeClr val="tx1"/>
+                </a:solidFill>
+                <a:effectLst/>
+                <a:latin typeface="+mn-lt"/>
+                <a:ea typeface="+mn-ea"/>
+                <a:cs typeface="+mn-cs"/>
+              </a:rPr>
+              <a:t>HandlerAdapter</a:t>
+            </a:r>
+            <a:r>
+              <a:rPr lang="zh-CN" altLang="en-US" sz="1200" b="0" i="0" kern="1200" dirty="0" smtClean="0">
+                <a:solidFill>
+                  <a:schemeClr val="tx1"/>
+                </a:solidFill>
+                <a:effectLst/>
+                <a:latin typeface="+mn-lt"/>
+                <a:ea typeface="+mn-ea"/>
+                <a:cs typeface="+mn-cs"/>
+              </a:rPr>
+              <a:t>）去执行处理器（</a:t>
+            </a:r>
+            <a:r>
+              <a:rPr lang="en-US" altLang="zh-CN" sz="1200" b="0" i="0" kern="1200" dirty="0" smtClean="0">
+                <a:solidFill>
+                  <a:schemeClr val="tx1"/>
+                </a:solidFill>
+                <a:effectLst/>
+                <a:latin typeface="+mn-lt"/>
+                <a:ea typeface="+mn-ea"/>
+                <a:cs typeface="+mn-cs"/>
+              </a:rPr>
+              <a:t>Handler</a:t>
+            </a:r>
+            <a:r>
+              <a:rPr lang="zh-CN" altLang="en-US" sz="1200" b="0" i="0" kern="1200" dirty="0" smtClean="0">
+                <a:solidFill>
+                  <a:schemeClr val="tx1"/>
+                </a:solidFill>
+                <a:effectLst/>
+                <a:latin typeface="+mn-lt"/>
+                <a:ea typeface="+mn-ea"/>
+                <a:cs typeface="+mn-cs"/>
+              </a:rPr>
+              <a:t>）</a:t>
+            </a:r>
+          </a:p>
+          <a:p>
+            <a:r>
+              <a:rPr lang="zh-CN" altLang="en-US" sz="1200" b="0" i="0" kern="1200" dirty="0" smtClean="0">
+                <a:solidFill>
+                  <a:schemeClr val="tx1"/>
+                </a:solidFill>
+                <a:effectLst/>
+                <a:latin typeface="+mn-lt"/>
+                <a:ea typeface="+mn-ea"/>
+                <a:cs typeface="+mn-cs"/>
+              </a:rPr>
+              <a:t>第五步：处理器适配器去执行</a:t>
+            </a:r>
+            <a:r>
+              <a:rPr lang="en-US" altLang="zh-CN" sz="1200" b="0" i="0" kern="1200" dirty="0" smtClean="0">
+                <a:solidFill>
+                  <a:schemeClr val="tx1"/>
+                </a:solidFill>
+                <a:effectLst/>
+                <a:latin typeface="+mn-lt"/>
+                <a:ea typeface="+mn-ea"/>
+                <a:cs typeface="+mn-cs"/>
+              </a:rPr>
+              <a:t>Handler</a:t>
+            </a:r>
+          </a:p>
+          <a:p>
+            <a:r>
+              <a:rPr lang="zh-CN" altLang="en-US" sz="1200" b="0" i="0" kern="1200" dirty="0" smtClean="0">
+                <a:solidFill>
+                  <a:schemeClr val="tx1"/>
+                </a:solidFill>
+                <a:effectLst/>
+                <a:latin typeface="+mn-lt"/>
+                <a:ea typeface="+mn-ea"/>
+                <a:cs typeface="+mn-cs"/>
+              </a:rPr>
+              <a:t>第六步：</a:t>
+            </a:r>
+            <a:r>
+              <a:rPr lang="en-US" altLang="zh-CN" sz="1200" b="0" i="0" kern="1200" dirty="0" smtClean="0">
+                <a:solidFill>
+                  <a:schemeClr val="tx1"/>
+                </a:solidFill>
+                <a:effectLst/>
+                <a:latin typeface="+mn-lt"/>
+                <a:ea typeface="+mn-ea"/>
+                <a:cs typeface="+mn-cs"/>
+              </a:rPr>
+              <a:t>Handler</a:t>
+            </a:r>
+            <a:r>
+              <a:rPr lang="zh-CN" altLang="en-US" sz="1200" b="0" i="0" kern="1200" dirty="0" smtClean="0">
+                <a:solidFill>
+                  <a:schemeClr val="tx1"/>
+                </a:solidFill>
+                <a:effectLst/>
+                <a:latin typeface="+mn-lt"/>
+                <a:ea typeface="+mn-ea"/>
+                <a:cs typeface="+mn-cs"/>
+              </a:rPr>
+              <a:t>执行完给处理器适配器返回</a:t>
+            </a:r>
+            <a:r>
+              <a:rPr lang="en-US" altLang="zh-CN" sz="1200" b="0" i="0" kern="1200" dirty="0" err="1" smtClean="0">
+                <a:solidFill>
+                  <a:schemeClr val="tx1"/>
+                </a:solidFill>
+                <a:effectLst/>
+                <a:latin typeface="+mn-lt"/>
+                <a:ea typeface="+mn-ea"/>
+                <a:cs typeface="+mn-cs"/>
+              </a:rPr>
+              <a:t>ModelAndView</a:t>
+            </a:r>
+            <a:endParaRPr lang="en-US" altLang="zh-CN" sz="1200" b="0" i="0" kern="1200" dirty="0" smtClean="0">
+              <a:solidFill>
+                <a:schemeClr val="tx1"/>
+              </a:solidFill>
+              <a:effectLst/>
+              <a:latin typeface="+mn-lt"/>
+              <a:ea typeface="+mn-ea"/>
+              <a:cs typeface="+mn-cs"/>
+            </a:endParaRPr>
+          </a:p>
+          <a:p>
+            <a:r>
+              <a:rPr lang="zh-CN" altLang="en-US" sz="1200" b="0" i="0" kern="1200" dirty="0" smtClean="0">
+                <a:solidFill>
+                  <a:schemeClr val="tx1"/>
+                </a:solidFill>
+                <a:effectLst/>
+                <a:latin typeface="+mn-lt"/>
+                <a:ea typeface="+mn-ea"/>
+                <a:cs typeface="+mn-cs"/>
+              </a:rPr>
+              <a:t>第七步：处理器适配器向前端控制器返回</a:t>
+            </a:r>
+            <a:r>
+              <a:rPr lang="en-US" altLang="zh-CN" sz="1200" b="0" i="0" kern="1200" dirty="0" err="1" smtClean="0">
+                <a:solidFill>
+                  <a:schemeClr val="tx1"/>
+                </a:solidFill>
+                <a:effectLst/>
+                <a:latin typeface="+mn-lt"/>
+                <a:ea typeface="+mn-ea"/>
+                <a:cs typeface="+mn-cs"/>
+              </a:rPr>
+              <a:t>ModelAndView</a:t>
+            </a:r>
+            <a:endParaRPr lang="en-US" altLang="zh-CN" sz="1200" b="0" i="0" kern="1200" dirty="0" smtClean="0">
+              <a:solidFill>
+                <a:schemeClr val="tx1"/>
+              </a:solidFill>
+              <a:effectLst/>
+              <a:latin typeface="+mn-lt"/>
+              <a:ea typeface="+mn-ea"/>
+              <a:cs typeface="+mn-cs"/>
+            </a:endParaRPr>
+          </a:p>
+          <a:p>
+            <a:r>
+              <a:rPr lang="zh-CN" altLang="en-US" sz="1200" b="0" i="0" kern="1200" dirty="0" smtClean="0">
+                <a:solidFill>
+                  <a:schemeClr val="tx1"/>
+                </a:solidFill>
+                <a:effectLst/>
+                <a:latin typeface="+mn-lt"/>
+                <a:ea typeface="+mn-ea"/>
+                <a:cs typeface="+mn-cs"/>
+              </a:rPr>
+              <a:t>第八步：前端控制器请求视图解析器（</a:t>
+            </a:r>
+            <a:r>
+              <a:rPr lang="en-US" altLang="zh-CN" sz="1200" b="0" i="0" kern="1200" dirty="0" err="1" smtClean="0">
+                <a:solidFill>
+                  <a:schemeClr val="tx1"/>
+                </a:solidFill>
+                <a:effectLst/>
+                <a:latin typeface="+mn-lt"/>
+                <a:ea typeface="+mn-ea"/>
+                <a:cs typeface="+mn-cs"/>
+              </a:rPr>
+              <a:t>ViewResolver</a:t>
+            </a:r>
+            <a:r>
+              <a:rPr lang="zh-CN" altLang="en-US" sz="1200" b="0" i="0" kern="1200" dirty="0" smtClean="0">
+                <a:solidFill>
+                  <a:schemeClr val="tx1"/>
+                </a:solidFill>
+                <a:effectLst/>
+                <a:latin typeface="+mn-lt"/>
+                <a:ea typeface="+mn-ea"/>
+                <a:cs typeface="+mn-cs"/>
+              </a:rPr>
+              <a:t>）去进行视图解析</a:t>
+            </a:r>
+          </a:p>
+          <a:p>
+            <a:r>
+              <a:rPr lang="zh-CN" altLang="en-US" sz="1200" b="0" i="0" kern="1200" dirty="0" smtClean="0">
+                <a:solidFill>
+                  <a:schemeClr val="tx1"/>
+                </a:solidFill>
+                <a:effectLst/>
+                <a:latin typeface="+mn-lt"/>
+                <a:ea typeface="+mn-ea"/>
+                <a:cs typeface="+mn-cs"/>
+              </a:rPr>
+              <a:t>第九步：视图解析器像前端控制器返回</a:t>
+            </a:r>
+            <a:r>
+              <a:rPr lang="en-US" altLang="zh-CN" sz="1200" b="0" i="0" kern="1200" dirty="0" smtClean="0">
+                <a:solidFill>
+                  <a:schemeClr val="tx1"/>
+                </a:solidFill>
+                <a:effectLst/>
+                <a:latin typeface="+mn-lt"/>
+                <a:ea typeface="+mn-ea"/>
+                <a:cs typeface="+mn-cs"/>
+              </a:rPr>
+              <a:t>View</a:t>
+            </a:r>
+          </a:p>
+          <a:p>
+            <a:r>
+              <a:rPr lang="zh-CN" altLang="en-US" sz="1200" b="0" i="0" kern="1200" dirty="0" smtClean="0">
+                <a:solidFill>
+                  <a:schemeClr val="tx1"/>
+                </a:solidFill>
+                <a:effectLst/>
+                <a:latin typeface="+mn-lt"/>
+                <a:ea typeface="+mn-ea"/>
+                <a:cs typeface="+mn-cs"/>
+              </a:rPr>
+              <a:t>第十步：前端控制器对视图进行渲染</a:t>
+            </a:r>
+          </a:p>
+          <a:p>
+            <a:r>
+              <a:rPr lang="zh-CN" altLang="en-US" sz="1200" b="0" i="0" kern="1200" dirty="0" smtClean="0">
+                <a:solidFill>
+                  <a:schemeClr val="tx1"/>
+                </a:solidFill>
+                <a:effectLst/>
+                <a:latin typeface="+mn-lt"/>
+                <a:ea typeface="+mn-ea"/>
+                <a:cs typeface="+mn-cs"/>
+              </a:rPr>
+              <a:t>第十一步：前端控制器向用户响应结果</a:t>
+            </a:r>
           </a:p>
         </p:txBody>
       </p:sp>
@@ -2065,7 +2577,7 @@
           <a:p>
             <a:fld id="{530820CF-B880-4189-942D-D702A7CBA730}" type="datetimeFigureOut">
               <a:rPr lang="zh-CN" altLang="en-US" smtClean="0"/>
-              <a:t>2017/7/20</a:t>
+              <a:t>2017/7/21</a:t>
             </a:fld>
             <a:endParaRPr lang="zh-CN" altLang="en-US"/>
           </a:p>
@@ -2230,7 +2742,7 @@
           <a:p>
             <a:fld id="{530820CF-B880-4189-942D-D702A7CBA730}" type="datetimeFigureOut">
               <a:rPr lang="zh-CN" altLang="en-US" smtClean="0"/>
-              <a:t>2017/7/20</a:t>
+              <a:t>2017/7/21</a:t>
             </a:fld>
             <a:endParaRPr lang="zh-CN" altLang="en-US"/>
           </a:p>
@@ -2405,7 +2917,7 @@
           <a:p>
             <a:fld id="{530820CF-B880-4189-942D-D702A7CBA730}" type="datetimeFigureOut">
               <a:rPr lang="zh-CN" altLang="en-US" smtClean="0"/>
-              <a:t>2017/7/20</a:t>
+              <a:t>2017/7/21</a:t>
             </a:fld>
             <a:endParaRPr lang="zh-CN" altLang="en-US"/>
           </a:p>
@@ -2570,7 +3082,7 @@
           <a:p>
             <a:fld id="{530820CF-B880-4189-942D-D702A7CBA730}" type="datetimeFigureOut">
               <a:rPr lang="zh-CN" altLang="en-US" smtClean="0"/>
-              <a:t>2017/7/20</a:t>
+              <a:t>2017/7/21</a:t>
             </a:fld>
             <a:endParaRPr lang="zh-CN" altLang="en-US"/>
           </a:p>
@@ -2811,7 +3323,7 @@
           <a:p>
             <a:fld id="{530820CF-B880-4189-942D-D702A7CBA730}" type="datetimeFigureOut">
               <a:rPr lang="zh-CN" altLang="en-US" smtClean="0"/>
-              <a:t>2017/7/20</a:t>
+              <a:t>2017/7/21</a:t>
             </a:fld>
             <a:endParaRPr lang="zh-CN" altLang="en-US"/>
           </a:p>
@@ -3094,7 +3606,7 @@
           <a:p>
             <a:fld id="{530820CF-B880-4189-942D-D702A7CBA730}" type="datetimeFigureOut">
               <a:rPr lang="zh-CN" altLang="en-US" smtClean="0"/>
-              <a:t>2017/7/20</a:t>
+              <a:t>2017/7/21</a:t>
             </a:fld>
             <a:endParaRPr lang="zh-CN" altLang="en-US"/>
           </a:p>
@@ -3511,7 +4023,7 @@
           <a:p>
             <a:fld id="{530820CF-B880-4189-942D-D702A7CBA730}" type="datetimeFigureOut">
               <a:rPr lang="zh-CN" altLang="en-US" smtClean="0"/>
-              <a:t>2017/7/20</a:t>
+              <a:t>2017/7/21</a:t>
             </a:fld>
             <a:endParaRPr lang="zh-CN" altLang="en-US"/>
           </a:p>
@@ -3624,7 +4136,7 @@
           <a:p>
             <a:fld id="{530820CF-B880-4189-942D-D702A7CBA730}" type="datetimeFigureOut">
               <a:rPr lang="zh-CN" altLang="en-US" smtClean="0"/>
-              <a:t>2017/7/20</a:t>
+              <a:t>2017/7/21</a:t>
             </a:fld>
             <a:endParaRPr lang="zh-CN" altLang="en-US"/>
           </a:p>
@@ -3714,7 +4226,7 @@
           <a:p>
             <a:fld id="{530820CF-B880-4189-942D-D702A7CBA730}" type="datetimeFigureOut">
               <a:rPr lang="zh-CN" altLang="en-US" smtClean="0"/>
-              <a:t>2017/7/20</a:t>
+              <a:t>2017/7/21</a:t>
             </a:fld>
             <a:endParaRPr lang="zh-CN" altLang="en-US"/>
           </a:p>
@@ -3986,7 +4498,7 @@
           <a:p>
             <a:fld id="{530820CF-B880-4189-942D-D702A7CBA730}" type="datetimeFigureOut">
               <a:rPr lang="zh-CN" altLang="en-US" smtClean="0"/>
-              <a:t>2017/7/20</a:t>
+              <a:t>2017/7/21</a:t>
             </a:fld>
             <a:endParaRPr lang="zh-CN" altLang="en-US"/>
           </a:p>
@@ -4234,7 +4746,7 @@
           <a:p>
             <a:fld id="{530820CF-B880-4189-942D-D702A7CBA730}" type="datetimeFigureOut">
               <a:rPr lang="zh-CN" altLang="en-US" smtClean="0"/>
-              <a:t>2017/7/20</a:t>
+              <a:t>2017/7/21</a:t>
             </a:fld>
             <a:endParaRPr lang="zh-CN" altLang="en-US"/>
           </a:p>
@@ -4442,7 +4954,7 @@
           <a:p>
             <a:fld id="{530820CF-B880-4189-942D-D702A7CBA730}" type="datetimeFigureOut">
               <a:rPr lang="zh-CN" altLang="en-US" smtClean="0"/>
-              <a:t>2017/7/20</a:t>
+              <a:t>2017/7/21</a:t>
             </a:fld>
             <a:endParaRPr lang="zh-CN" altLang="en-US"/>
           </a:p>
@@ -6179,7 +6691,7 @@
         </p:blipFill>
         <p:spPr bwMode="auto">
           <a:xfrm>
-            <a:off x="1043608" y="282094"/>
+            <a:off x="1033589" y="149891"/>
             <a:ext cx="6800850" cy="4861406"/>
           </a:xfrm>
           <a:prstGeom prst="rect">
@@ -6197,6 +6709,497 @@
           </a:extLst>
         </p:spPr>
       </p:pic>
+      <p:cxnSp>
+        <p:nvCxnSpPr>
+          <p:cNvPr id="5" name="直接连接符 4"/>
+          <p:cNvCxnSpPr/>
+          <p:nvPr/>
+        </p:nvCxnSpPr>
+        <p:spPr>
+          <a:xfrm>
+            <a:off x="2627784" y="1275606"/>
+            <a:ext cx="0" cy="1008112"/>
+          </a:xfrm>
+          <a:prstGeom prst="line">
+            <a:avLst/>
+          </a:prstGeom>
+          <a:ln>
+            <a:prstDash val="sysDash"/>
+          </a:ln>
+        </p:spPr>
+        <p:style>
+          <a:lnRef idx="2">
+            <a:schemeClr val="accent1"/>
+          </a:lnRef>
+          <a:fillRef idx="0">
+            <a:schemeClr val="accent1"/>
+          </a:fillRef>
+          <a:effectRef idx="1">
+            <a:schemeClr val="accent1"/>
+          </a:effectRef>
+          <a:fontRef idx="minor">
+            <a:schemeClr val="tx1"/>
+          </a:fontRef>
+        </p:style>
+      </p:cxnSp>
+      <p:sp>
+        <p:nvSpPr>
+          <p:cNvPr id="6" name="TextBox 5"/>
+          <p:cNvSpPr txBox="1"/>
+          <p:nvPr/>
+        </p:nvSpPr>
+        <p:spPr>
+          <a:xfrm>
+            <a:off x="2051720" y="998607"/>
+            <a:ext cx="1351588" cy="276999"/>
+          </a:xfrm>
+          <a:prstGeom prst="rect">
+            <a:avLst/>
+          </a:prstGeom>
+          <a:noFill/>
+        </p:spPr>
+        <p:txBody>
+          <a:bodyPr wrap="none" rtlCol="0">
+            <a:spAutoFit/>
+          </a:bodyPr>
+          <a:lstStyle/>
+          <a:p>
+            <a:r>
+              <a:rPr lang="en-US" altLang="zh-CN" sz="1200" dirty="0" smtClean="0"/>
+              <a:t>1.5 Filter(s)</a:t>
+            </a:r>
+            <a:r>
+              <a:rPr lang="zh-CN" altLang="en-US" sz="1200" dirty="0" smtClean="0"/>
+              <a:t>过滤器</a:t>
+            </a:r>
+            <a:endParaRPr lang="zh-CN" altLang="en-US" sz="1200" dirty="0"/>
+          </a:p>
+        </p:txBody>
+      </p:sp>
+      <p:sp>
+        <p:nvSpPr>
+          <p:cNvPr id="8" name="TextBox 7"/>
+          <p:cNvSpPr txBox="1"/>
+          <p:nvPr/>
+        </p:nvSpPr>
+        <p:spPr>
+          <a:xfrm>
+            <a:off x="5722185" y="1347614"/>
+            <a:ext cx="1732077" cy="276999"/>
+          </a:xfrm>
+          <a:prstGeom prst="rect">
+            <a:avLst/>
+          </a:prstGeom>
+          <a:ln w="12700">
+            <a:prstDash val="dash"/>
+          </a:ln>
+        </p:spPr>
+        <p:style>
+          <a:lnRef idx="2">
+            <a:schemeClr val="accent1"/>
+          </a:lnRef>
+          <a:fillRef idx="1">
+            <a:schemeClr val="lt1"/>
+          </a:fillRef>
+          <a:effectRef idx="0">
+            <a:schemeClr val="accent1"/>
+          </a:effectRef>
+          <a:fontRef idx="minor">
+            <a:schemeClr val="dk1"/>
+          </a:fontRef>
+        </p:style>
+        <p:txBody>
+          <a:bodyPr wrap="none" rtlCol="0">
+            <a:spAutoFit/>
+          </a:bodyPr>
+          <a:lstStyle/>
+          <a:p>
+            <a:r>
+              <a:rPr lang="en-US" altLang="zh-CN" sz="1200" dirty="0" smtClean="0"/>
+              <a:t>2.5 Interceptor(s)</a:t>
+            </a:r>
+            <a:r>
+              <a:rPr lang="zh-CN" altLang="en-US" sz="1200" dirty="0" smtClean="0"/>
+              <a:t>拦截器</a:t>
+            </a:r>
+            <a:endParaRPr lang="zh-CN" altLang="en-US" sz="1200" dirty="0"/>
+          </a:p>
+        </p:txBody>
+      </p:sp>
+      <p:sp>
+        <p:nvSpPr>
+          <p:cNvPr id="9" name="矩形 8"/>
+          <p:cNvSpPr/>
+          <p:nvPr/>
+        </p:nvSpPr>
+        <p:spPr>
+          <a:xfrm>
+            <a:off x="5884229" y="4262753"/>
+            <a:ext cx="1686223" cy="225843"/>
+          </a:xfrm>
+          <a:prstGeom prst="rect">
+            <a:avLst/>
+          </a:prstGeom>
+          <a:solidFill>
+            <a:schemeClr val="bg1">
+              <a:lumMod val="95000"/>
+            </a:schemeClr>
+          </a:solidFill>
+          <a:ln w="9525">
+            <a:solidFill>
+              <a:schemeClr val="bg1">
+                <a:lumMod val="50000"/>
+              </a:schemeClr>
+            </a:solidFill>
+            <a:prstDash val="dash"/>
+          </a:ln>
+        </p:spPr>
+        <p:style>
+          <a:lnRef idx="2">
+            <a:schemeClr val="accent1">
+              <a:shade val="50000"/>
+            </a:schemeClr>
+          </a:lnRef>
+          <a:fillRef idx="1">
+            <a:schemeClr val="accent1"/>
+          </a:fillRef>
+          <a:effectRef idx="0">
+            <a:schemeClr val="accent1"/>
+          </a:effectRef>
+          <a:fontRef idx="minor">
+            <a:schemeClr val="lt1"/>
+          </a:fontRef>
+        </p:style>
+        <p:txBody>
+          <a:bodyPr rtlCol="0" anchor="ctr"/>
+          <a:lstStyle/>
+          <a:p>
+            <a:pPr lvl="0" algn="ctr"/>
+            <a:r>
+              <a:rPr lang="en-US" altLang="zh-CN" sz="1200" dirty="0" smtClean="0">
+                <a:solidFill>
+                  <a:prstClr val="black"/>
+                </a:solidFill>
+              </a:rPr>
+              <a:t>Services</a:t>
+            </a:r>
+            <a:endParaRPr lang="zh-CN" altLang="en-US" sz="1200" dirty="0">
+              <a:solidFill>
+                <a:prstClr val="black"/>
+              </a:solidFill>
+            </a:endParaRPr>
+          </a:p>
+        </p:txBody>
+      </p:sp>
+      <p:sp>
+        <p:nvSpPr>
+          <p:cNvPr id="10" name="圆柱形 9"/>
+          <p:cNvSpPr/>
+          <p:nvPr/>
+        </p:nvSpPr>
+        <p:spPr>
+          <a:xfrm>
+            <a:off x="6418290" y="4745744"/>
+            <a:ext cx="609961" cy="267494"/>
+          </a:xfrm>
+          <a:prstGeom prst="can">
+            <a:avLst/>
+          </a:prstGeom>
+          <a:solidFill>
+            <a:schemeClr val="bg1">
+              <a:lumMod val="95000"/>
+            </a:schemeClr>
+          </a:solidFill>
+          <a:ln w="12700">
+            <a:solidFill>
+              <a:schemeClr val="bg1">
+                <a:lumMod val="50000"/>
+              </a:schemeClr>
+            </a:solidFill>
+            <a:prstDash val="dash"/>
+          </a:ln>
+        </p:spPr>
+        <p:style>
+          <a:lnRef idx="2">
+            <a:schemeClr val="accent5"/>
+          </a:lnRef>
+          <a:fillRef idx="1">
+            <a:schemeClr val="lt1"/>
+          </a:fillRef>
+          <a:effectRef idx="0">
+            <a:schemeClr val="accent5"/>
+          </a:effectRef>
+          <a:fontRef idx="minor">
+            <a:schemeClr val="dk1"/>
+          </a:fontRef>
+        </p:style>
+        <p:txBody>
+          <a:bodyPr rtlCol="0" anchor="ctr"/>
+          <a:lstStyle/>
+          <a:p>
+            <a:pPr algn="ctr"/>
+            <a:r>
+              <a:rPr lang="en-US" altLang="zh-CN" sz="1200" dirty="0" smtClean="0"/>
+              <a:t>DB</a:t>
+            </a:r>
+            <a:endParaRPr lang="zh-CN" altLang="en-US" sz="1200" dirty="0"/>
+          </a:p>
+        </p:txBody>
+      </p:sp>
+      <p:cxnSp>
+        <p:nvCxnSpPr>
+          <p:cNvPr id="11" name="直接箭头连接符 10"/>
+          <p:cNvCxnSpPr/>
+          <p:nvPr/>
+        </p:nvCxnSpPr>
+        <p:spPr>
+          <a:xfrm>
+            <a:off x="7092280" y="3939902"/>
+            <a:ext cx="0" cy="322851"/>
+          </a:xfrm>
+          <a:prstGeom prst="straightConnector1">
+            <a:avLst/>
+          </a:prstGeom>
+          <a:ln>
+            <a:prstDash val="dash"/>
+            <a:tailEnd type="arrow"/>
+          </a:ln>
+        </p:spPr>
+        <p:style>
+          <a:lnRef idx="1">
+            <a:schemeClr val="accent1"/>
+          </a:lnRef>
+          <a:fillRef idx="0">
+            <a:schemeClr val="accent1"/>
+          </a:fillRef>
+          <a:effectRef idx="0">
+            <a:schemeClr val="accent1"/>
+          </a:effectRef>
+          <a:fontRef idx="minor">
+            <a:schemeClr val="tx1"/>
+          </a:fontRef>
+        </p:style>
+      </p:cxnSp>
+      <p:cxnSp>
+        <p:nvCxnSpPr>
+          <p:cNvPr id="12" name="直接箭头连接符 11"/>
+          <p:cNvCxnSpPr/>
+          <p:nvPr/>
+        </p:nvCxnSpPr>
+        <p:spPr>
+          <a:xfrm flipV="1">
+            <a:off x="6876256" y="4504883"/>
+            <a:ext cx="0" cy="227107"/>
+          </a:xfrm>
+          <a:prstGeom prst="straightConnector1">
+            <a:avLst/>
+          </a:prstGeom>
+          <a:ln>
+            <a:prstDash val="dash"/>
+            <a:tailEnd type="arrow"/>
+          </a:ln>
+        </p:spPr>
+        <p:style>
+          <a:lnRef idx="1">
+            <a:schemeClr val="accent6"/>
+          </a:lnRef>
+          <a:fillRef idx="0">
+            <a:schemeClr val="accent6"/>
+          </a:fillRef>
+          <a:effectRef idx="0">
+            <a:schemeClr val="accent6"/>
+          </a:effectRef>
+          <a:fontRef idx="minor">
+            <a:schemeClr val="tx1"/>
+          </a:fontRef>
+        </p:style>
+      </p:cxnSp>
+      <p:cxnSp>
+        <p:nvCxnSpPr>
+          <p:cNvPr id="14" name="直接箭头连接符 13"/>
+          <p:cNvCxnSpPr/>
+          <p:nvPr/>
+        </p:nvCxnSpPr>
+        <p:spPr>
+          <a:xfrm flipV="1">
+            <a:off x="6228184" y="3939903"/>
+            <a:ext cx="0" cy="322850"/>
+          </a:xfrm>
+          <a:prstGeom prst="straightConnector1">
+            <a:avLst/>
+          </a:prstGeom>
+          <a:ln>
+            <a:prstDash val="dash"/>
+            <a:tailEnd type="arrow"/>
+          </a:ln>
+        </p:spPr>
+        <p:style>
+          <a:lnRef idx="1">
+            <a:schemeClr val="accent6"/>
+          </a:lnRef>
+          <a:fillRef idx="0">
+            <a:schemeClr val="accent6"/>
+          </a:fillRef>
+          <a:effectRef idx="0">
+            <a:schemeClr val="accent6"/>
+          </a:effectRef>
+          <a:fontRef idx="minor">
+            <a:schemeClr val="tx1"/>
+          </a:fontRef>
+        </p:style>
+      </p:cxnSp>
+      <p:cxnSp>
+        <p:nvCxnSpPr>
+          <p:cNvPr id="16" name="直接箭头连接符 15"/>
+          <p:cNvCxnSpPr/>
+          <p:nvPr/>
+        </p:nvCxnSpPr>
+        <p:spPr>
+          <a:xfrm>
+            <a:off x="6588224" y="4488596"/>
+            <a:ext cx="0" cy="257148"/>
+          </a:xfrm>
+          <a:prstGeom prst="straightConnector1">
+            <a:avLst/>
+          </a:prstGeom>
+          <a:ln>
+            <a:prstDash val="dash"/>
+            <a:tailEnd type="arrow"/>
+          </a:ln>
+        </p:spPr>
+        <p:style>
+          <a:lnRef idx="1">
+            <a:schemeClr val="accent1"/>
+          </a:lnRef>
+          <a:fillRef idx="0">
+            <a:schemeClr val="accent1"/>
+          </a:fillRef>
+          <a:effectRef idx="0">
+            <a:schemeClr val="accent1"/>
+          </a:effectRef>
+          <a:fontRef idx="minor">
+            <a:schemeClr val="tx1"/>
+          </a:fontRef>
+        </p:style>
+      </p:cxnSp>
+      <p:sp>
+        <p:nvSpPr>
+          <p:cNvPr id="17" name="左大括号 16"/>
+          <p:cNvSpPr/>
+          <p:nvPr/>
+        </p:nvSpPr>
+        <p:spPr>
+          <a:xfrm>
+            <a:off x="6228184" y="2931790"/>
+            <a:ext cx="144016" cy="432048"/>
+          </a:xfrm>
+          <a:prstGeom prst="leftBrace">
+            <a:avLst>
+              <a:gd name="adj1" fmla="val 29979"/>
+              <a:gd name="adj2" fmla="val 50000"/>
+            </a:avLst>
+          </a:prstGeom>
+        </p:spPr>
+        <p:style>
+          <a:lnRef idx="2">
+            <a:schemeClr val="accent1"/>
+          </a:lnRef>
+          <a:fillRef idx="0">
+            <a:schemeClr val="accent1"/>
+          </a:fillRef>
+          <a:effectRef idx="1">
+            <a:schemeClr val="accent1"/>
+          </a:effectRef>
+          <a:fontRef idx="minor">
+            <a:schemeClr val="tx1"/>
+          </a:fontRef>
+        </p:style>
+        <p:txBody>
+          <a:bodyPr rtlCol="0" anchor="ctr"/>
+          <a:lstStyle/>
+          <a:p>
+            <a:pPr algn="ctr"/>
+            <a:endParaRPr lang="zh-CN" altLang="en-US"/>
+          </a:p>
+        </p:txBody>
+      </p:sp>
+      <p:sp>
+        <p:nvSpPr>
+          <p:cNvPr id="18" name="TextBox 17"/>
+          <p:cNvSpPr txBox="1"/>
+          <p:nvPr/>
+        </p:nvSpPr>
+        <p:spPr>
+          <a:xfrm>
+            <a:off x="6342001" y="2824648"/>
+            <a:ext cx="492443" cy="646331"/>
+          </a:xfrm>
+          <a:prstGeom prst="rect">
+            <a:avLst/>
+          </a:prstGeom>
+          <a:noFill/>
+        </p:spPr>
+        <p:txBody>
+          <a:bodyPr wrap="none" rtlCol="0">
+            <a:spAutoFit/>
+          </a:bodyPr>
+          <a:lstStyle/>
+          <a:p>
+            <a:r>
+              <a:rPr lang="zh-CN" altLang="en-US" sz="1200" dirty="0" smtClean="0"/>
+              <a:t>路径</a:t>
+            </a:r>
+            <a:endParaRPr lang="en-US" altLang="zh-CN" sz="1200" dirty="0" smtClean="0"/>
+          </a:p>
+          <a:p>
+            <a:r>
+              <a:rPr lang="en-US" altLang="zh-CN" sz="1200" dirty="0" smtClean="0"/>
+              <a:t>JSP</a:t>
+            </a:r>
+          </a:p>
+          <a:p>
+            <a:r>
+              <a:rPr lang="en-US" altLang="zh-CN" sz="1200" dirty="0" smtClean="0"/>
+              <a:t>Json</a:t>
+            </a:r>
+            <a:endParaRPr lang="zh-CN" altLang="en-US" sz="1200" dirty="0"/>
+          </a:p>
+        </p:txBody>
+      </p:sp>
+      <p:sp>
+        <p:nvSpPr>
+          <p:cNvPr id="19" name="TextBox 18"/>
+          <p:cNvSpPr txBox="1"/>
+          <p:nvPr/>
+        </p:nvSpPr>
+        <p:spPr>
+          <a:xfrm>
+            <a:off x="3960440" y="267494"/>
+            <a:ext cx="936104" cy="276999"/>
+          </a:xfrm>
+          <a:prstGeom prst="rect">
+            <a:avLst/>
+          </a:prstGeom>
+          <a:noFill/>
+        </p:spPr>
+        <p:txBody>
+          <a:bodyPr wrap="square" rtlCol="0">
+            <a:spAutoFit/>
+          </a:bodyPr>
+          <a:lstStyle/>
+          <a:p>
+            <a:r>
+              <a:rPr lang="zh-CN" altLang="en-US" sz="1200" dirty="0" smtClean="0"/>
+              <a:t>根据</a:t>
+            </a:r>
+            <a:r>
+              <a:rPr lang="en-US" altLang="zh-CN" sz="1200" dirty="0" smtClean="0"/>
+              <a:t>URL</a:t>
+            </a:r>
+            <a:endParaRPr lang="zh-CN" altLang="en-US" sz="1200" dirty="0"/>
+          </a:p>
+        </p:txBody>
+      </p:sp>
     </p:spTree>
     <p:extLst>
       <p:ext uri="{BB962C8B-B14F-4D97-AF65-F5344CB8AC3E}">
@@ -8152,52 +9155,6 @@
       </p:grpSpPr>
       <p:sp>
         <p:nvSpPr>
-          <p:cNvPr id="12" name="矩形 11"/>
-          <p:cNvSpPr/>
-          <p:nvPr/>
-        </p:nvSpPr>
-        <p:spPr>
-          <a:xfrm>
-            <a:off x="2160183" y="2345454"/>
-            <a:ext cx="4354023" cy="370312"/>
-          </a:xfrm>
-          <a:prstGeom prst="rect">
-            <a:avLst/>
-          </a:prstGeom>
-          <a:solidFill>
-            <a:srgbClr val="DFC9EF"/>
-          </a:solidFill>
-          <a:ln>
-            <a:noFill/>
-          </a:ln>
-        </p:spPr>
-        <p:style>
-          <a:lnRef idx="2">
-            <a:schemeClr val="accent1">
-              <a:shade val="50000"/>
-            </a:schemeClr>
-          </a:lnRef>
-          <a:fillRef idx="1">
-            <a:schemeClr val="accent1"/>
-          </a:fillRef>
-          <a:effectRef idx="0">
-            <a:schemeClr val="accent1"/>
-          </a:effectRef>
-          <a:fontRef idx="minor">
-            <a:schemeClr val="lt1"/>
-          </a:fontRef>
-        </p:style>
-        <p:txBody>
-          <a:bodyPr rtlCol="0" anchor="ctr"/>
-          <a:lstStyle/>
-          <a:p>
-            <a:pPr algn="ctr"/>
-            <a:endParaRPr lang="zh-CN" altLang="en-US"/>
-          </a:p>
-        </p:txBody>
-      </p:sp>
-      <p:sp>
-        <p:nvSpPr>
           <p:cNvPr id="8" name="矩形 7"/>
           <p:cNvSpPr/>
           <p:nvPr/>
@@ -8241,7 +9198,7 @@
           <a:lstStyle/>
           <a:p>
             <a:pPr algn="ctr"/>
-            <a:endParaRPr lang="zh-CN" altLang="en-US"/>
+            <a:endParaRPr lang="zh-CN" altLang="en-US" sz="1600"/>
           </a:p>
         </p:txBody>
       </p:sp>
@@ -8254,7 +9211,7 @@
         <p:spPr>
           <a:xfrm>
             <a:off x="0" y="0"/>
-            <a:ext cx="3416320" cy="369332"/>
+            <a:ext cx="2762295" cy="338554"/>
           </a:xfrm>
           <a:prstGeom prst="rect">
             <a:avLst/>
@@ -8267,14 +9224,26 @@
           <a:lstStyle/>
           <a:p>
             <a:r>
-              <a:rPr lang="zh-CN" altLang="en-US" dirty="0"/>
-              <a:t>基于前后端</a:t>
-            </a:r>
-            <a:r>
-              <a:rPr lang="zh-CN" altLang="en-US" dirty="0" smtClean="0"/>
-              <a:t>分离的请求处理过程</a:t>
-            </a:r>
-            <a:endParaRPr lang="zh-CN" altLang="en-US" dirty="0"/>
+              <a:rPr lang="en-US" altLang="zh-CN" sz="1600" dirty="0" smtClean="0"/>
+              <a:t>BS</a:t>
+            </a:r>
+            <a:r>
+              <a:rPr lang="zh-CN" altLang="en-US" sz="1600" dirty="0" smtClean="0"/>
+              <a:t>架构下</a:t>
+            </a:r>
+            <a:r>
+              <a:rPr lang="en-US" altLang="zh-CN" sz="1600" dirty="0" smtClean="0"/>
+              <a:t>Spring</a:t>
+            </a:r>
+            <a:r>
+              <a:rPr lang="zh-CN" altLang="en-US" sz="1600" dirty="0" smtClean="0"/>
+              <a:t>请求</a:t>
+            </a:r>
+            <a:r>
+              <a:rPr lang="zh-CN" altLang="en-US" sz="1600" dirty="0" smtClean="0"/>
+              <a:t>处理过程</a:t>
+            </a:r>
+            <a:endParaRPr lang="zh-CN" altLang="en-US" sz="1600" dirty="0"/>
           </a:p>
         </p:txBody>
       </p:sp>
@@ -8318,7 +9287,7 @@
           <a:lstStyle/>
           <a:p>
             <a:pPr algn="ctr"/>
-            <a:endParaRPr lang="en-US" altLang="zh-CN" sz="1200" dirty="0" smtClean="0"/>
+            <a:endParaRPr lang="en-US" altLang="zh-CN" sz="1100" dirty="0" smtClean="0"/>
           </a:p>
         </p:txBody>
       </p:sp>
@@ -8357,10 +9326,10 @@
           <a:p>
             <a:pPr algn="ctr"/>
             <a:r>
-              <a:rPr lang="en-US" altLang="zh-CN" sz="1200" dirty="0" smtClean="0"/>
+              <a:rPr lang="en-US" altLang="zh-CN" sz="1100" dirty="0" smtClean="0"/>
               <a:t>Filter1</a:t>
             </a:r>
-            <a:endParaRPr lang="zh-CN" altLang="en-US" sz="1200" dirty="0"/>
+            <a:endParaRPr lang="zh-CN" altLang="en-US" sz="1100" dirty="0"/>
           </a:p>
         </p:txBody>
       </p:sp>
@@ -8399,10 +9368,10 @@
           <a:p>
             <a:pPr algn="ctr"/>
             <a:r>
-              <a:rPr lang="en-US" altLang="zh-CN" sz="1200" dirty="0" smtClean="0"/>
+              <a:rPr lang="en-US" altLang="zh-CN" sz="1100" dirty="0" smtClean="0"/>
               <a:t>FilterN</a:t>
             </a:r>
-            <a:endParaRPr lang="zh-CN" altLang="en-US" sz="1200" dirty="0"/>
+            <a:endParaRPr lang="zh-CN" altLang="en-US" sz="1100" dirty="0"/>
           </a:p>
         </p:txBody>
       </p:sp>
@@ -8441,10 +9410,10 @@
           <a:p>
             <a:pPr algn="ctr"/>
             <a:r>
-              <a:rPr lang="en-US" altLang="zh-CN" sz="1200" dirty="0" smtClean="0"/>
+              <a:rPr lang="en-US" altLang="zh-CN" sz="1100" dirty="0" smtClean="0"/>
               <a:t>…</a:t>
             </a:r>
-            <a:endParaRPr lang="zh-CN" altLang="en-US" sz="1200" dirty="0"/>
+            <a:endParaRPr lang="zh-CN" altLang="en-US" sz="1100" dirty="0"/>
           </a:p>
         </p:txBody>
       </p:sp>
@@ -8457,7 +9426,7 @@
         <p:spPr>
           <a:xfrm>
             <a:off x="2843808" y="483518"/>
-            <a:ext cx="558267" cy="276999"/>
+            <a:ext cx="862879" cy="261610"/>
           </a:xfrm>
           <a:prstGeom prst="rect">
             <a:avLst/>
@@ -8471,10 +9440,10 @@
           <a:lstStyle/>
           <a:p>
             <a:r>
-              <a:rPr lang="zh-CN" altLang="en-US" sz="1200" dirty="0" smtClean="0"/>
-              <a:t>前端</a:t>
-            </a:r>
-            <a:endParaRPr lang="zh-CN" altLang="en-US" sz="1200" dirty="0"/>
+              <a:rPr lang="zh-CN" altLang="en-US" sz="1100" dirty="0"/>
+              <a:t>客户端</a:t>
+            </a:r>
+            <a:endParaRPr lang="zh-CN" altLang="en-US" sz="1100" dirty="0"/>
           </a:p>
         </p:txBody>
       </p:sp>
@@ -8513,10 +9482,10 @@
           <a:p>
             <a:pPr algn="ctr"/>
             <a:r>
-              <a:rPr lang="zh-CN" altLang="en-US" sz="1200" dirty="0"/>
+              <a:rPr lang="zh-CN" altLang="en-US" sz="1100" dirty="0"/>
               <a:t>浏览器</a:t>
             </a:r>
-            <a:endParaRPr lang="en-US" altLang="zh-CN" sz="1200" dirty="0"/>
+            <a:endParaRPr lang="en-US" altLang="zh-CN" sz="1100" dirty="0"/>
           </a:p>
         </p:txBody>
       </p:sp>
@@ -8555,39 +9524,10 @@
           <a:p>
             <a:pPr algn="ctr"/>
             <a:r>
-              <a:rPr lang="zh-CN" altLang="en-US" sz="1200" dirty="0" smtClean="0"/>
+              <a:rPr lang="zh-CN" altLang="en-US" sz="1100" dirty="0" smtClean="0"/>
               <a:t>移动端</a:t>
             </a:r>
-            <a:endParaRPr lang="en-US" altLang="zh-CN" sz="1200" dirty="0"/>
-          </a:p>
-        </p:txBody>
-      </p:sp>
-      <p:sp>
-        <p:nvSpPr>
-          <p:cNvPr id="19" name="矩形 18"/>
-          <p:cNvSpPr/>
-          <p:nvPr/>
-        </p:nvSpPr>
-        <p:spPr>
-          <a:xfrm>
-            <a:off x="3661511" y="2372275"/>
-            <a:ext cx="1272015" cy="276999"/>
-          </a:xfrm>
-          <a:prstGeom prst="rect">
-            <a:avLst/>
-          </a:prstGeom>
-        </p:spPr>
-        <p:txBody>
-          <a:bodyPr wrap="none">
-            <a:spAutoFit/>
-          </a:bodyPr>
-          <a:lstStyle/>
-          <a:p>
-            <a:r>
-              <a:rPr lang="en-US" altLang="zh-CN" sz="1200" dirty="0" smtClean="0"/>
-              <a:t>dispatcherServlet</a:t>
-            </a:r>
-            <a:endParaRPr lang="zh-CN" altLang="en-US" sz="1200" dirty="0"/>
+            <a:endParaRPr lang="en-US" altLang="zh-CN" sz="1100" dirty="0"/>
           </a:p>
         </p:txBody>
       </p:sp>
@@ -8641,14 +9581,14 @@
           <a:p>
             <a:pPr lvl="0" algn="ctr"/>
             <a:r>
-              <a:rPr lang="en-US" altLang="zh-CN" sz="1200" dirty="0" smtClean="0">
+              <a:rPr lang="en-US" altLang="zh-CN" sz="1100" dirty="0" smtClean="0">
                 <a:solidFill>
                   <a:prstClr val="black"/>
                 </a:solidFill>
               </a:rPr>
               <a:t>Controllers (handler)</a:t>
             </a:r>
-            <a:endParaRPr lang="en-US" altLang="zh-CN" sz="1200" dirty="0">
+            <a:endParaRPr lang="en-US" altLang="zh-CN" sz="1100" dirty="0">
               <a:solidFill>
                 <a:prstClr val="black"/>
               </a:solidFill>
@@ -8706,14 +9646,14 @@
           <a:p>
             <a:pPr lvl="0" algn="ctr"/>
             <a:r>
-              <a:rPr lang="en-US" altLang="zh-CN" sz="1200" dirty="0" smtClean="0">
+              <a:rPr lang="en-US" altLang="zh-CN" sz="1100" dirty="0" smtClean="0">
                 <a:solidFill>
                   <a:prstClr val="black"/>
                 </a:solidFill>
               </a:rPr>
               <a:t>Services</a:t>
             </a:r>
-            <a:endParaRPr lang="zh-CN" altLang="en-US" sz="1200" dirty="0">
+            <a:endParaRPr lang="zh-CN" altLang="en-US" sz="1100" dirty="0">
               <a:solidFill>
                 <a:prstClr val="black"/>
               </a:solidFill>
@@ -8769,10 +9709,10 @@
           <a:p>
             <a:pPr algn="ctr"/>
             <a:r>
-              <a:rPr lang="en-US" altLang="zh-CN" sz="1200" dirty="0" smtClean="0"/>
+              <a:rPr lang="en-US" altLang="zh-CN" sz="1100" dirty="0" smtClean="0"/>
               <a:t>DB</a:t>
             </a:r>
-            <a:endParaRPr lang="zh-CN" altLang="en-US" sz="1200" dirty="0"/>
+            <a:endParaRPr lang="zh-CN" altLang="en-US" sz="1100" dirty="0"/>
           </a:p>
         </p:txBody>
       </p:sp>
@@ -8912,41 +9852,6 @@
       </p:cxnSp>
       <p:cxnSp>
         <p:nvCxnSpPr>
-          <p:cNvPr id="47" name="肘形连接符 46"/>
-          <p:cNvCxnSpPr/>
-          <p:nvPr/>
-        </p:nvCxnSpPr>
-        <p:spPr>
-          <a:xfrm rot="5400000">
-            <a:off x="4759782" y="2031087"/>
-            <a:ext cx="142507" cy="1954945"/>
-          </a:xfrm>
-          <a:prstGeom prst="bentConnector2">
-            <a:avLst/>
-          </a:prstGeom>
-          <a:ln>
-            <a:prstDash val="dash"/>
-            <a:headEnd type="none" w="med" len="med"/>
-            <a:tailEnd type="none" w="med" len="med"/>
-          </a:ln>
-        </p:spPr>
-        <p:style>
-          <a:lnRef idx="1">
-            <a:schemeClr val="accent1"/>
-          </a:lnRef>
-          <a:fillRef idx="0">
-            <a:schemeClr val="accent1"/>
-          </a:fillRef>
-          <a:effectRef idx="0">
-            <a:schemeClr val="accent1"/>
-          </a:effectRef>
-          <a:fontRef idx="minor">
-            <a:schemeClr val="tx1"/>
-          </a:fontRef>
-        </p:style>
-      </p:cxnSp>
-      <p:cxnSp>
-        <p:nvCxnSpPr>
           <p:cNvPr id="55" name="直接箭头连接符 54"/>
           <p:cNvCxnSpPr/>
           <p:nvPr/>
@@ -9081,35 +9986,6 @@
           </a:fontRef>
         </p:style>
       </p:cxnSp>
-      <p:sp>
-        <p:nvSpPr>
-          <p:cNvPr id="62" name="矩形 61"/>
-          <p:cNvSpPr/>
-          <p:nvPr/>
-        </p:nvSpPr>
-        <p:spPr>
-          <a:xfrm>
-            <a:off x="3706687" y="3170359"/>
-            <a:ext cx="1182568" cy="276999"/>
-          </a:xfrm>
-          <a:prstGeom prst="rect">
-            <a:avLst/>
-          </a:prstGeom>
-        </p:spPr>
-        <p:txBody>
-          <a:bodyPr wrap="none">
-            <a:spAutoFit/>
-          </a:bodyPr>
-          <a:lstStyle/>
-          <a:p>
-            <a:r>
-              <a:rPr lang="en-US" altLang="zh-CN" sz="1200" dirty="0" smtClean="0"/>
-              <a:t>HandlerAdapter</a:t>
-            </a:r>
-            <a:endParaRPr lang="zh-CN" altLang="en-US" sz="1200" dirty="0"/>
-          </a:p>
-        </p:txBody>
-      </p:sp>
       <p:cxnSp>
         <p:nvCxnSpPr>
           <p:cNvPr id="64" name="直接箭头连接符 63"/>
@@ -9545,7 +10421,7 @@
         <p:spPr>
           <a:xfrm>
             <a:off x="5061757" y="854591"/>
-            <a:ext cx="753283" cy="276999"/>
+            <a:ext cx="705642" cy="261610"/>
           </a:xfrm>
           <a:prstGeom prst="rect">
             <a:avLst/>
@@ -9559,7 +10435,7 @@
           <a:lstStyle/>
           <a:p>
             <a:r>
-              <a:rPr lang="en-US" altLang="zh-CN" sz="1200" dirty="0" smtClean="0">
+              <a:rPr lang="en-US" altLang="zh-CN" sz="1100" dirty="0" smtClean="0">
                 <a:solidFill>
                   <a:schemeClr val="accent6">
                     <a:lumMod val="75000"/>
@@ -9568,7 +10444,7 @@
               </a:rPr>
               <a:t>response</a:t>
             </a:r>
-            <a:endParaRPr lang="zh-CN" altLang="en-US" sz="1200" dirty="0">
+            <a:endParaRPr lang="zh-CN" altLang="en-US" sz="1100" dirty="0">
               <a:solidFill>
                 <a:schemeClr val="accent6">
                   <a:lumMod val="75000"/>
@@ -9587,6 +10463,586 @@
         <p:spPr>
           <a:xfrm>
             <a:off x="3100887" y="854591"/>
+            <a:ext cx="623889" cy="261610"/>
+          </a:xfrm>
+          <a:prstGeom prst="rect">
+            <a:avLst/>
+          </a:prstGeom>
+          <a:noFill/>
+        </p:spPr>
+        <p:txBody>
+          <a:bodyPr wrap="none" rtlCol="0">
+            <a:spAutoFit/>
+          </a:bodyPr>
+          <a:lstStyle/>
+          <a:p>
+            <a:r>
+              <a:rPr lang="en-US" altLang="zh-CN" sz="1100" dirty="0" smtClean="0">
+                <a:solidFill>
+                  <a:schemeClr val="tx2">
+                    <a:lumMod val="75000"/>
+                  </a:schemeClr>
+                </a:solidFill>
+              </a:rPr>
+              <a:t>request</a:t>
+            </a:r>
+            <a:endParaRPr lang="zh-CN" altLang="en-US" sz="1100" dirty="0">
+              <a:solidFill>
+                <a:schemeClr val="tx2">
+                  <a:lumMod val="75000"/>
+                </a:schemeClr>
+              </a:solidFill>
+            </a:endParaRPr>
+          </a:p>
+        </p:txBody>
+      </p:sp>
+      <p:sp>
+        <p:nvSpPr>
+          <p:cNvPr id="65" name="TextBox 64"/>
+          <p:cNvSpPr txBox="1"/>
+          <p:nvPr/>
+        </p:nvSpPr>
+        <p:spPr>
+          <a:xfrm>
+            <a:off x="3129403" y="2032070"/>
+            <a:ext cx="623889" cy="261610"/>
+          </a:xfrm>
+          <a:prstGeom prst="rect">
+            <a:avLst/>
+          </a:prstGeom>
+          <a:noFill/>
+        </p:spPr>
+        <p:txBody>
+          <a:bodyPr wrap="none" rtlCol="0">
+            <a:spAutoFit/>
+          </a:bodyPr>
+          <a:lstStyle/>
+          <a:p>
+            <a:r>
+              <a:rPr lang="en-US" altLang="zh-CN" sz="1100" dirty="0" smtClean="0">
+                <a:solidFill>
+                  <a:schemeClr val="tx2">
+                    <a:lumMod val="75000"/>
+                  </a:schemeClr>
+                </a:solidFill>
+              </a:rPr>
+              <a:t>request</a:t>
+            </a:r>
+            <a:endParaRPr lang="zh-CN" altLang="en-US" sz="1100" dirty="0">
+              <a:solidFill>
+                <a:schemeClr val="tx2">
+                  <a:lumMod val="75000"/>
+                </a:schemeClr>
+              </a:solidFill>
+            </a:endParaRPr>
+          </a:p>
+        </p:txBody>
+      </p:sp>
+      <p:sp>
+        <p:nvSpPr>
+          <p:cNvPr id="69" name="TextBox 68"/>
+          <p:cNvSpPr txBox="1"/>
+          <p:nvPr/>
+        </p:nvSpPr>
+        <p:spPr>
+          <a:xfrm>
+            <a:off x="4831779" y="2032069"/>
+            <a:ext cx="705642" cy="261610"/>
+          </a:xfrm>
+          <a:prstGeom prst="rect">
+            <a:avLst/>
+          </a:prstGeom>
+          <a:noFill/>
+        </p:spPr>
+        <p:txBody>
+          <a:bodyPr wrap="none" rtlCol="0">
+            <a:spAutoFit/>
+          </a:bodyPr>
+          <a:lstStyle/>
+          <a:p>
+            <a:r>
+              <a:rPr lang="en-US" altLang="zh-CN" sz="1100" dirty="0" smtClean="0">
+                <a:solidFill>
+                  <a:schemeClr val="accent6">
+                    <a:lumMod val="75000"/>
+                  </a:schemeClr>
+                </a:solidFill>
+              </a:rPr>
+              <a:t>response</a:t>
+            </a:r>
+            <a:endParaRPr lang="zh-CN" altLang="en-US" sz="1100" dirty="0">
+              <a:solidFill>
+                <a:schemeClr val="accent6">
+                  <a:lumMod val="75000"/>
+                </a:schemeClr>
+              </a:solidFill>
+            </a:endParaRPr>
+          </a:p>
+        </p:txBody>
+      </p:sp>
+      <p:sp>
+        <p:nvSpPr>
+          <p:cNvPr id="133" name="矩形 132"/>
+          <p:cNvSpPr/>
+          <p:nvPr/>
+        </p:nvSpPr>
+        <p:spPr>
+          <a:xfrm>
+            <a:off x="2160183" y="2345454"/>
+            <a:ext cx="4354023" cy="874368"/>
+          </a:xfrm>
+          <a:prstGeom prst="rect">
+            <a:avLst/>
+          </a:prstGeom>
+          <a:solidFill>
+            <a:srgbClr val="DFC9EF"/>
+          </a:solidFill>
+          <a:ln>
+            <a:noFill/>
+          </a:ln>
+        </p:spPr>
+        <p:style>
+          <a:lnRef idx="2">
+            <a:schemeClr val="accent1">
+              <a:shade val="50000"/>
+            </a:schemeClr>
+          </a:lnRef>
+          <a:fillRef idx="1">
+            <a:schemeClr val="accent1"/>
+          </a:fillRef>
+          <a:effectRef idx="0">
+            <a:schemeClr val="accent1"/>
+          </a:effectRef>
+          <a:fontRef idx="minor">
+            <a:schemeClr val="lt1"/>
+          </a:fontRef>
+        </p:style>
+        <p:txBody>
+          <a:bodyPr rtlCol="0" anchor="ctr"/>
+          <a:lstStyle/>
+          <a:p>
+            <a:pPr algn="ctr"/>
+            <a:endParaRPr lang="zh-CN" altLang="en-US"/>
+          </a:p>
+        </p:txBody>
+      </p:sp>
+      <p:sp>
+        <p:nvSpPr>
+          <p:cNvPr id="134" name="矩形 133"/>
+          <p:cNvSpPr/>
+          <p:nvPr/>
+        </p:nvSpPr>
+        <p:spPr>
+          <a:xfrm>
+            <a:off x="2381797" y="2649274"/>
+            <a:ext cx="933156" cy="288032"/>
+          </a:xfrm>
+          <a:prstGeom prst="rect">
+            <a:avLst/>
+          </a:prstGeom>
+        </p:spPr>
+        <p:style>
+          <a:lnRef idx="2">
+            <a:schemeClr val="accent4"/>
+          </a:lnRef>
+          <a:fillRef idx="1">
+            <a:schemeClr val="lt1"/>
+          </a:fillRef>
+          <a:effectRef idx="0">
+            <a:schemeClr val="accent4"/>
+          </a:effectRef>
+          <a:fontRef idx="minor">
+            <a:schemeClr val="dk1"/>
+          </a:fontRef>
+        </p:style>
+        <p:txBody>
+          <a:bodyPr rtlCol="0" anchor="ctr"/>
+          <a:lstStyle/>
+          <a:p>
+            <a:pPr algn="ctr"/>
+            <a:r>
+              <a:rPr lang="en-US" altLang="zh-CN" sz="1200" dirty="0" smtClean="0"/>
+              <a:t>Servlet1</a:t>
+            </a:r>
+            <a:endParaRPr lang="zh-CN" altLang="en-US" sz="1200" dirty="0"/>
+          </a:p>
+        </p:txBody>
+      </p:sp>
+      <p:sp>
+        <p:nvSpPr>
+          <p:cNvPr id="135" name="矩形 134"/>
+          <p:cNvSpPr/>
+          <p:nvPr/>
+        </p:nvSpPr>
+        <p:spPr>
+          <a:xfrm>
+            <a:off x="3859894" y="2649274"/>
+            <a:ext cx="933156" cy="288032"/>
+          </a:xfrm>
+          <a:prstGeom prst="rect">
+            <a:avLst/>
+          </a:prstGeom>
+        </p:spPr>
+        <p:style>
+          <a:lnRef idx="2">
+            <a:schemeClr val="accent4"/>
+          </a:lnRef>
+          <a:fillRef idx="1">
+            <a:schemeClr val="lt1"/>
+          </a:fillRef>
+          <a:effectRef idx="0">
+            <a:schemeClr val="accent4"/>
+          </a:effectRef>
+          <a:fontRef idx="minor">
+            <a:schemeClr val="dk1"/>
+          </a:fontRef>
+        </p:style>
+        <p:txBody>
+          <a:bodyPr rtlCol="0" anchor="ctr"/>
+          <a:lstStyle/>
+          <a:p>
+            <a:pPr algn="ctr"/>
+            <a:r>
+              <a:rPr lang="en-US" altLang="zh-CN" sz="1200" dirty="0" smtClean="0"/>
+              <a:t>…</a:t>
+            </a:r>
+            <a:endParaRPr lang="zh-CN" altLang="en-US" sz="1200" dirty="0"/>
+          </a:p>
+        </p:txBody>
+      </p:sp>
+      <p:sp>
+        <p:nvSpPr>
+          <p:cNvPr id="136" name="矩形 135"/>
+          <p:cNvSpPr/>
+          <p:nvPr/>
+        </p:nvSpPr>
+        <p:spPr>
+          <a:xfrm>
+            <a:off x="5341929" y="2649274"/>
+            <a:ext cx="933156" cy="288032"/>
+          </a:xfrm>
+          <a:prstGeom prst="rect">
+            <a:avLst/>
+          </a:prstGeom>
+        </p:spPr>
+        <p:style>
+          <a:lnRef idx="2">
+            <a:schemeClr val="accent4"/>
+          </a:lnRef>
+          <a:fillRef idx="1">
+            <a:schemeClr val="lt1"/>
+          </a:fillRef>
+          <a:effectRef idx="0">
+            <a:schemeClr val="accent4"/>
+          </a:effectRef>
+          <a:fontRef idx="minor">
+            <a:schemeClr val="dk1"/>
+          </a:fontRef>
+        </p:style>
+        <p:txBody>
+          <a:bodyPr rtlCol="0" anchor="ctr"/>
+          <a:lstStyle/>
+          <a:p>
+            <a:pPr algn="ctr"/>
+            <a:r>
+              <a:rPr lang="en-US" altLang="zh-CN" sz="1200" dirty="0" smtClean="0"/>
+              <a:t>ServletN</a:t>
+            </a:r>
+            <a:endParaRPr lang="zh-CN" altLang="en-US" sz="1200" dirty="0"/>
+          </a:p>
+        </p:txBody>
+      </p:sp>
+      <p:sp>
+        <p:nvSpPr>
+          <p:cNvPr id="137" name="矩形 136"/>
+          <p:cNvSpPr/>
+          <p:nvPr/>
+        </p:nvSpPr>
+        <p:spPr>
+          <a:xfrm>
+            <a:off x="3353810" y="2358864"/>
+            <a:ext cx="2183611" cy="261610"/>
+          </a:xfrm>
+          <a:prstGeom prst="rect">
+            <a:avLst/>
+          </a:prstGeom>
+        </p:spPr>
+        <p:txBody>
+          <a:bodyPr wrap="none">
+            <a:spAutoFit/>
+          </a:bodyPr>
+          <a:lstStyle/>
+          <a:p>
+            <a:r>
+              <a:rPr lang="en-US" altLang="zh-CN" sz="1100" dirty="0" smtClean="0"/>
+              <a:t>DispatcherServlet</a:t>
+            </a:r>
+            <a:r>
+              <a:rPr lang="zh-CN" altLang="en-US" sz="1100" dirty="0" smtClean="0"/>
+              <a:t>（</a:t>
+            </a:r>
+            <a:r>
+              <a:rPr lang="zh-CN" altLang="en-US" sz="1100" dirty="0"/>
+              <a:t>前端控制器</a:t>
+            </a:r>
+            <a:r>
+              <a:rPr lang="zh-CN" altLang="en-US" sz="1100" dirty="0" smtClean="0"/>
+              <a:t>）</a:t>
+            </a:r>
+            <a:endParaRPr lang="zh-CN" altLang="en-US" sz="1100" dirty="0"/>
+          </a:p>
+        </p:txBody>
+      </p:sp>
+      <p:cxnSp>
+        <p:nvCxnSpPr>
+          <p:cNvPr id="138" name="直接箭头连接符 137"/>
+          <p:cNvCxnSpPr/>
+          <p:nvPr/>
+        </p:nvCxnSpPr>
+        <p:spPr>
+          <a:xfrm>
+            <a:off x="3856727" y="3079813"/>
+            <a:ext cx="3167" cy="458093"/>
+          </a:xfrm>
+          <a:prstGeom prst="straightConnector1">
+            <a:avLst/>
+          </a:prstGeom>
+          <a:ln>
+            <a:prstDash val="dash"/>
+            <a:tailEnd type="arrow"/>
+          </a:ln>
+        </p:spPr>
+        <p:style>
+          <a:lnRef idx="1">
+            <a:schemeClr val="accent1"/>
+          </a:lnRef>
+          <a:fillRef idx="0">
+            <a:schemeClr val="accent1"/>
+          </a:fillRef>
+          <a:effectRef idx="0">
+            <a:schemeClr val="accent1"/>
+          </a:effectRef>
+          <a:fontRef idx="minor">
+            <a:schemeClr val="tx1"/>
+          </a:fontRef>
+        </p:style>
+      </p:cxnSp>
+      <p:cxnSp>
+        <p:nvCxnSpPr>
+          <p:cNvPr id="139" name="肘形连接符 138"/>
+          <p:cNvCxnSpPr>
+            <a:endCxn id="134" idx="0"/>
+          </p:cNvCxnSpPr>
+          <p:nvPr/>
+        </p:nvCxnSpPr>
+        <p:spPr>
+          <a:xfrm rot="10800000" flipV="1">
+            <a:off x="2848376" y="2345454"/>
+            <a:ext cx="1020105" cy="303819"/>
+          </a:xfrm>
+          <a:prstGeom prst="bentConnector2">
+            <a:avLst/>
+          </a:prstGeom>
+          <a:ln>
+            <a:tailEnd type="arrow"/>
+          </a:ln>
+        </p:spPr>
+        <p:style>
+          <a:lnRef idx="1">
+            <a:schemeClr val="accent1"/>
+          </a:lnRef>
+          <a:fillRef idx="0">
+            <a:schemeClr val="accent1"/>
+          </a:fillRef>
+          <a:effectRef idx="0">
+            <a:schemeClr val="accent1"/>
+          </a:effectRef>
+          <a:fontRef idx="minor">
+            <a:schemeClr val="tx1"/>
+          </a:fontRef>
+        </p:style>
+      </p:cxnSp>
+      <p:cxnSp>
+        <p:nvCxnSpPr>
+          <p:cNvPr id="140" name="直接箭头连接符 139"/>
+          <p:cNvCxnSpPr>
+            <a:stCxn id="134" idx="3"/>
+            <a:endCxn id="135" idx="1"/>
+          </p:cNvCxnSpPr>
+          <p:nvPr/>
+        </p:nvCxnSpPr>
+        <p:spPr>
+          <a:xfrm>
+            <a:off x="3314953" y="2793290"/>
+            <a:ext cx="544941" cy="0"/>
+          </a:xfrm>
+          <a:prstGeom prst="straightConnector1">
+            <a:avLst/>
+          </a:prstGeom>
+          <a:ln>
+            <a:tailEnd type="arrow"/>
+          </a:ln>
+        </p:spPr>
+        <p:style>
+          <a:lnRef idx="1">
+            <a:schemeClr val="accent1"/>
+          </a:lnRef>
+          <a:fillRef idx="0">
+            <a:schemeClr val="accent1"/>
+          </a:fillRef>
+          <a:effectRef idx="0">
+            <a:schemeClr val="accent1"/>
+          </a:effectRef>
+          <a:fontRef idx="minor">
+            <a:schemeClr val="tx1"/>
+          </a:fontRef>
+        </p:style>
+      </p:cxnSp>
+      <p:cxnSp>
+        <p:nvCxnSpPr>
+          <p:cNvPr id="141" name="直接箭头连接符 140"/>
+          <p:cNvCxnSpPr>
+            <a:stCxn id="135" idx="3"/>
+            <a:endCxn id="136" idx="1"/>
+          </p:cNvCxnSpPr>
+          <p:nvPr/>
+        </p:nvCxnSpPr>
+        <p:spPr>
+          <a:xfrm>
+            <a:off x="4793050" y="2793290"/>
+            <a:ext cx="548879" cy="0"/>
+          </a:xfrm>
+          <a:prstGeom prst="straightConnector1">
+            <a:avLst/>
+          </a:prstGeom>
+          <a:ln>
+            <a:tailEnd type="arrow"/>
+          </a:ln>
+        </p:spPr>
+        <p:style>
+          <a:lnRef idx="1">
+            <a:schemeClr val="accent1"/>
+          </a:lnRef>
+          <a:fillRef idx="0">
+            <a:schemeClr val="accent1"/>
+          </a:fillRef>
+          <a:effectRef idx="0">
+            <a:schemeClr val="accent1"/>
+          </a:effectRef>
+          <a:fontRef idx="minor">
+            <a:schemeClr val="tx1"/>
+          </a:fontRef>
+        </p:style>
+      </p:cxnSp>
+      <p:cxnSp>
+        <p:nvCxnSpPr>
+          <p:cNvPr id="142" name="肘形连接符 141"/>
+          <p:cNvCxnSpPr>
+            <a:stCxn id="136" idx="2"/>
+          </p:cNvCxnSpPr>
+          <p:nvPr/>
+        </p:nvCxnSpPr>
+        <p:spPr>
+          <a:xfrm rot="5400000">
+            <a:off x="4759782" y="2031087"/>
+            <a:ext cx="142507" cy="1954945"/>
+          </a:xfrm>
+          <a:prstGeom prst="bentConnector2">
+            <a:avLst/>
+          </a:prstGeom>
+          <a:ln>
+            <a:prstDash val="dash"/>
+            <a:headEnd type="none" w="med" len="med"/>
+            <a:tailEnd type="none" w="med" len="med"/>
+          </a:ln>
+        </p:spPr>
+        <p:style>
+          <a:lnRef idx="1">
+            <a:schemeClr val="accent1"/>
+          </a:lnRef>
+          <a:fillRef idx="0">
+            <a:schemeClr val="accent1"/>
+          </a:fillRef>
+          <a:effectRef idx="0">
+            <a:schemeClr val="accent1"/>
+          </a:effectRef>
+          <a:fontRef idx="minor">
+            <a:schemeClr val="tx1"/>
+          </a:fontRef>
+        </p:style>
+      </p:cxnSp>
+      <p:sp>
+        <p:nvSpPr>
+          <p:cNvPr id="143" name="矩形 142"/>
+          <p:cNvSpPr/>
+          <p:nvPr/>
+        </p:nvSpPr>
+        <p:spPr>
+          <a:xfrm>
+            <a:off x="3663003" y="3219822"/>
+            <a:ext cx="1182568" cy="276999"/>
+          </a:xfrm>
+          <a:prstGeom prst="rect">
+            <a:avLst/>
+          </a:prstGeom>
+        </p:spPr>
+        <p:txBody>
+          <a:bodyPr wrap="none">
+            <a:spAutoFit/>
+          </a:bodyPr>
+          <a:lstStyle/>
+          <a:p>
+            <a:r>
+              <a:rPr lang="en-US" altLang="zh-CN" sz="1200" dirty="0" smtClean="0"/>
+              <a:t>HandlerAdapter</a:t>
+            </a:r>
+            <a:endParaRPr lang="zh-CN" altLang="en-US" sz="1200" dirty="0"/>
+          </a:p>
+        </p:txBody>
+      </p:sp>
+      <p:cxnSp>
+        <p:nvCxnSpPr>
+          <p:cNvPr id="144" name="直接箭头连接符 143"/>
+          <p:cNvCxnSpPr/>
+          <p:nvPr/>
+        </p:nvCxnSpPr>
+        <p:spPr>
+          <a:xfrm flipV="1">
+            <a:off x="4764549" y="3219823"/>
+            <a:ext cx="0" cy="318083"/>
+          </a:xfrm>
+          <a:prstGeom prst="straightConnector1">
+            <a:avLst/>
+          </a:prstGeom>
+          <a:ln>
+            <a:prstDash val="dash"/>
+            <a:tailEnd type="arrow"/>
+          </a:ln>
+        </p:spPr>
+        <p:style>
+          <a:lnRef idx="1">
+            <a:schemeClr val="accent6"/>
+          </a:lnRef>
+          <a:fillRef idx="0">
+            <a:schemeClr val="accent6"/>
+          </a:fillRef>
+          <a:effectRef idx="0">
+            <a:schemeClr val="accent6"/>
+          </a:effectRef>
+          <a:fontRef idx="minor">
+            <a:schemeClr val="tx1"/>
+          </a:fontRef>
+        </p:style>
+      </p:cxnSp>
+      <p:sp>
+        <p:nvSpPr>
+          <p:cNvPr id="145" name="TextBox 144"/>
+          <p:cNvSpPr txBox="1"/>
+          <p:nvPr/>
+        </p:nvSpPr>
+        <p:spPr>
+          <a:xfrm>
+            <a:off x="3263747" y="2582783"/>
             <a:ext cx="660181" cy="276999"/>
           </a:xfrm>
           <a:prstGeom prst="rect">
@@ -9622,13 +11078,13 @@
       </p:sp>
       <p:sp>
         <p:nvSpPr>
-          <p:cNvPr id="65" name="TextBox 64"/>
+          <p:cNvPr id="146" name="TextBox 145"/>
           <p:cNvSpPr txBox="1"/>
           <p:nvPr/>
         </p:nvSpPr>
         <p:spPr>
           <a:xfrm>
-            <a:off x="3129403" y="2032070"/>
+            <a:off x="4716016" y="2571750"/>
             <a:ext cx="660181" cy="276999"/>
           </a:xfrm>
           <a:prstGeom prst="rect">
@@ -9659,81 +11115,6 @@
                 </a:schemeClr>
               </a:solidFill>
             </a:endParaRPr>
-          </a:p>
-        </p:txBody>
-      </p:sp>
-      <p:sp>
-        <p:nvSpPr>
-          <p:cNvPr id="69" name="TextBox 68"/>
-          <p:cNvSpPr txBox="1"/>
-          <p:nvPr/>
-        </p:nvSpPr>
-        <p:spPr>
-          <a:xfrm>
-            <a:off x="4831779" y="2032069"/>
-            <a:ext cx="753283" cy="276999"/>
-          </a:xfrm>
-          <a:prstGeom prst="rect">
-            <a:avLst/>
-          </a:prstGeom>
-          <a:noFill/>
-        </p:spPr>
-        <p:txBody>
-          <a:bodyPr wrap="none" rtlCol="0">
-            <a:spAutoFit/>
-          </a:bodyPr>
-          <a:lstStyle/>
-          <a:p>
-            <a:r>
-              <a:rPr lang="en-US" altLang="zh-CN" sz="1200" dirty="0" smtClean="0">
-                <a:solidFill>
-                  <a:schemeClr val="accent6">
-                    <a:lumMod val="75000"/>
-                  </a:schemeClr>
-                </a:solidFill>
-              </a:rPr>
-              <a:t>response</a:t>
-            </a:r>
-            <a:endParaRPr lang="zh-CN" altLang="en-US" sz="1200" dirty="0">
-              <a:solidFill>
-                <a:schemeClr val="accent6">
-                  <a:lumMod val="75000"/>
-                </a:schemeClr>
-              </a:solidFill>
-            </a:endParaRPr>
-          </a:p>
-        </p:txBody>
-      </p:sp>
-      <p:sp>
-        <p:nvSpPr>
-          <p:cNvPr id="51" name="矩形 50"/>
-          <p:cNvSpPr/>
-          <p:nvPr/>
-        </p:nvSpPr>
-        <p:spPr>
-          <a:xfrm>
-            <a:off x="3300916" y="2802814"/>
-            <a:ext cx="2590068" cy="276999"/>
-          </a:xfrm>
-          <a:prstGeom prst="rect">
-            <a:avLst/>
-          </a:prstGeom>
-        </p:spPr>
-        <p:txBody>
-          <a:bodyPr wrap="none">
-            <a:spAutoFit/>
-          </a:bodyPr>
-          <a:lstStyle/>
-          <a:p>
-            <a:r>
-              <a:rPr lang="en-US" altLang="zh-CN" sz="1200" dirty="0" err="1" smtClean="0"/>
-              <a:t>RequestHandlerMapping</a:t>
-            </a:r>
-            <a:r>
-              <a:rPr lang="en-US" altLang="zh-CN" sz="1200" dirty="0" smtClean="0"/>
-              <a:t>: interceptor</a:t>
-            </a:r>
-            <a:endParaRPr lang="zh-CN" altLang="en-US" sz="1200" dirty="0"/>
           </a:p>
         </p:txBody>
       </p:sp>
